--- a/其他/YelpBlaBla.pptx
+++ b/其他/YelpBlaBla.pptx
@@ -8,18 +8,32 @@
     <p:sldId id="256" r:id="rId2"/>
     <p:sldId id="272" r:id="rId3"/>
     <p:sldId id="258" r:id="rId4"/>
-    <p:sldId id="260" r:id="rId5"/>
-    <p:sldId id="261" r:id="rId6"/>
-    <p:sldId id="262" r:id="rId7"/>
-    <p:sldId id="263" r:id="rId8"/>
-    <p:sldId id="264" r:id="rId9"/>
-    <p:sldId id="257" r:id="rId10"/>
-    <p:sldId id="269" r:id="rId11"/>
-    <p:sldId id="270" r:id="rId12"/>
-    <p:sldId id="271" r:id="rId13"/>
-    <p:sldId id="265" r:id="rId14"/>
-    <p:sldId id="266" r:id="rId15"/>
-    <p:sldId id="267" r:id="rId16"/>
+    <p:sldId id="274" r:id="rId5"/>
+    <p:sldId id="275" r:id="rId6"/>
+    <p:sldId id="279" r:id="rId7"/>
+    <p:sldId id="280" r:id="rId8"/>
+    <p:sldId id="281" r:id="rId9"/>
+    <p:sldId id="282" r:id="rId10"/>
+    <p:sldId id="283" r:id="rId11"/>
+    <p:sldId id="284" r:id="rId12"/>
+    <p:sldId id="285" r:id="rId13"/>
+    <p:sldId id="286" r:id="rId14"/>
+    <p:sldId id="276" r:id="rId15"/>
+    <p:sldId id="277" r:id="rId16"/>
+    <p:sldId id="278" r:id="rId17"/>
+    <p:sldId id="260" r:id="rId18"/>
+    <p:sldId id="261" r:id="rId19"/>
+    <p:sldId id="262" r:id="rId20"/>
+    <p:sldId id="263" r:id="rId21"/>
+    <p:sldId id="264" r:id="rId22"/>
+    <p:sldId id="257" r:id="rId23"/>
+    <p:sldId id="273" r:id="rId24"/>
+    <p:sldId id="269" r:id="rId25"/>
+    <p:sldId id="270" r:id="rId26"/>
+    <p:sldId id="271" r:id="rId27"/>
+    <p:sldId id="265" r:id="rId28"/>
+    <p:sldId id="266" r:id="rId29"/>
+    <p:sldId id="267" r:id="rId30"/>
   </p:sldIdLst>
   <p:sldSz cx="12192000" cy="6858000"/>
   <p:notesSz cx="6858000" cy="9144000"/>
@@ -7835,6 +7849,3683 @@
           <a:p>
             <a:r>
               <a:rPr lang="zh-TW" altLang="en-US" dirty="0" smtClean="0"/>
+              <a:t>操作方式</a:t>
+            </a:r>
+            <a:endParaRPr lang="zh-TW" altLang="en-US" dirty="0"/>
+          </a:p>
+        </p:txBody>
+      </p:sp>
+      <p:sp>
+        <p:nvSpPr>
+          <p:cNvPr id="3" name="內容版面配置區 2"/>
+          <p:cNvSpPr>
+            <a:spLocks noGrp="1"/>
+          </p:cNvSpPr>
+          <p:nvPr>
+            <p:ph idx="1"/>
+          </p:nvPr>
+        </p:nvSpPr>
+        <p:spPr/>
+        <p:txBody>
+          <a:bodyPr/>
+          <a:lstStyle/>
+          <a:p>
+            <a:r>
+              <a:rPr lang="zh-TW" altLang="en-US" dirty="0" smtClean="0"/>
+              <a:t>典籍搜尋列表鍾任一商家，即可查看該商家詳細資料</a:t>
+            </a:r>
+            <a:endParaRPr lang="en-US" altLang="zh-TW" dirty="0" smtClean="0"/>
+          </a:p>
+          <a:p>
+            <a:endParaRPr lang="zh-TW" altLang="en-US" dirty="0"/>
+          </a:p>
+        </p:txBody>
+      </p:sp>
+      <p:pic>
+        <p:nvPicPr>
+          <p:cNvPr id="4" name="圖片 3"/>
+          <p:cNvPicPr>
+            <a:picLocks noChangeAspect="1"/>
+          </p:cNvPicPr>
+          <p:nvPr/>
+        </p:nvPicPr>
+        <p:blipFill>
+          <a:blip r:embed="rId2"/>
+          <a:stretch>
+            <a:fillRect/>
+          </a:stretch>
+        </p:blipFill>
+        <p:spPr>
+          <a:xfrm>
+            <a:off x="2589212" y="2548419"/>
+            <a:ext cx="7197135" cy="4046413"/>
+          </a:xfrm>
+          <a:prstGeom prst="rect">
+            <a:avLst/>
+          </a:prstGeom>
+        </p:spPr>
+      </p:pic>
+      <p:sp>
+        <p:nvSpPr>
+          <p:cNvPr id="5" name="橢圓 4"/>
+          <p:cNvSpPr/>
+          <p:nvPr/>
+        </p:nvSpPr>
+        <p:spPr>
+          <a:xfrm>
+            <a:off x="4282068" y="3490332"/>
+            <a:ext cx="3557239" cy="624468"/>
+          </a:xfrm>
+          <a:prstGeom prst="ellipse">
+            <a:avLst/>
+          </a:prstGeom>
+          <a:noFill/>
+          <a:ln>
+            <a:solidFill>
+              <a:srgbClr val="FF0000"/>
+            </a:solidFill>
+          </a:ln>
+        </p:spPr>
+        <p:style>
+          <a:lnRef idx="2">
+            <a:schemeClr val="accent1">
+              <a:shade val="50000"/>
+            </a:schemeClr>
+          </a:lnRef>
+          <a:fillRef idx="1">
+            <a:schemeClr val="accent1"/>
+          </a:fillRef>
+          <a:effectRef idx="0">
+            <a:schemeClr val="accent1"/>
+          </a:effectRef>
+          <a:fontRef idx="minor">
+            <a:schemeClr val="lt1"/>
+          </a:fontRef>
+        </p:style>
+        <p:txBody>
+          <a:bodyPr rtlCol="0" anchor="ctr"/>
+          <a:lstStyle/>
+          <a:p>
+            <a:pPr algn="ctr"/>
+            <a:endParaRPr lang="zh-TW" altLang="en-US"/>
+          </a:p>
+        </p:txBody>
+      </p:sp>
+    </p:spTree>
+    <p:extLst>
+      <p:ext uri="{BB962C8B-B14F-4D97-AF65-F5344CB8AC3E}">
+        <p14:creationId xmlns:p14="http://schemas.microsoft.com/office/powerpoint/2010/main" val="3263414433"/>
+      </p:ext>
+    </p:extLst>
+  </p:cSld>
+  <p:clrMapOvr>
+    <a:masterClrMapping/>
+  </p:clrMapOvr>
+  <p:timing>
+    <p:tnLst>
+      <p:par>
+        <p:cTn id="1" dur="indefinite" restart="never" nodeType="tmRoot"/>
+      </p:par>
+    </p:tnLst>
+  </p:timing>
+</p:sld>
+</file>
+
+<file path=ppt/slides/slide11.xml><?xml version="1.0" encoding="utf-8"?>
+<p:sld xmlns:a="http://schemas.openxmlformats.org/drawingml/2006/main" xmlns:r="http://schemas.openxmlformats.org/officeDocument/2006/relationships" xmlns:p="http://schemas.openxmlformats.org/presentationml/2006/main">
+  <p:cSld>
+    <p:spTree>
+      <p:nvGrpSpPr>
+        <p:cNvPr id="1" name=""/>
+        <p:cNvGrpSpPr/>
+        <p:nvPr/>
+      </p:nvGrpSpPr>
+      <p:grpSpPr>
+        <a:xfrm>
+          <a:off x="0" y="0"/>
+          <a:ext cx="0" cy="0"/>
+          <a:chOff x="0" y="0"/>
+          <a:chExt cx="0" cy="0"/>
+        </a:xfrm>
+      </p:grpSpPr>
+      <p:sp>
+        <p:nvSpPr>
+          <p:cNvPr id="2" name="標題 1"/>
+          <p:cNvSpPr>
+            <a:spLocks noGrp="1"/>
+          </p:cNvSpPr>
+          <p:nvPr>
+            <p:ph type="title"/>
+          </p:nvPr>
+        </p:nvSpPr>
+        <p:spPr/>
+        <p:txBody>
+          <a:bodyPr/>
+          <a:lstStyle/>
+          <a:p>
+            <a:endParaRPr lang="zh-TW" altLang="en-US"/>
+          </a:p>
+        </p:txBody>
+      </p:sp>
+      <p:sp>
+        <p:nvSpPr>
+          <p:cNvPr id="3" name="內容版面配置區 2"/>
+          <p:cNvSpPr>
+            <a:spLocks noGrp="1"/>
+          </p:cNvSpPr>
+          <p:nvPr>
+            <p:ph idx="1"/>
+          </p:nvPr>
+        </p:nvSpPr>
+        <p:spPr/>
+        <p:txBody>
+          <a:bodyPr/>
+          <a:lstStyle/>
+          <a:p>
+            <a:endParaRPr lang="zh-TW" altLang="en-US"/>
+          </a:p>
+        </p:txBody>
+      </p:sp>
+      <p:pic>
+        <p:nvPicPr>
+          <p:cNvPr id="4" name="圖片 3"/>
+          <p:cNvPicPr>
+            <a:picLocks noChangeAspect="1"/>
+          </p:cNvPicPr>
+          <p:nvPr/>
+        </p:nvPicPr>
+        <p:blipFill>
+          <a:blip r:embed="rId2"/>
+          <a:stretch>
+            <a:fillRect/>
+          </a:stretch>
+        </p:blipFill>
+        <p:spPr>
+          <a:xfrm>
+            <a:off x="1594625" y="1160104"/>
+            <a:ext cx="9795370" cy="5507206"/>
+          </a:xfrm>
+          <a:prstGeom prst="rect">
+            <a:avLst/>
+          </a:prstGeom>
+        </p:spPr>
+      </p:pic>
+    </p:spTree>
+    <p:extLst>
+      <p:ext uri="{BB962C8B-B14F-4D97-AF65-F5344CB8AC3E}">
+        <p14:creationId xmlns:p14="http://schemas.microsoft.com/office/powerpoint/2010/main" val="2870438584"/>
+      </p:ext>
+    </p:extLst>
+  </p:cSld>
+  <p:clrMapOvr>
+    <a:masterClrMapping/>
+  </p:clrMapOvr>
+  <p:timing>
+    <p:tnLst>
+      <p:par>
+        <p:cTn id="1" dur="indefinite" restart="never" nodeType="tmRoot"/>
+      </p:par>
+    </p:tnLst>
+  </p:timing>
+</p:sld>
+</file>
+
+<file path=ppt/slides/slide12.xml><?xml version="1.0" encoding="utf-8"?>
+<p:sld xmlns:a="http://schemas.openxmlformats.org/drawingml/2006/main" xmlns:r="http://schemas.openxmlformats.org/officeDocument/2006/relationships" xmlns:p="http://schemas.openxmlformats.org/presentationml/2006/main">
+  <p:cSld>
+    <p:spTree>
+      <p:nvGrpSpPr>
+        <p:cNvPr id="1" name=""/>
+        <p:cNvGrpSpPr/>
+        <p:nvPr/>
+      </p:nvGrpSpPr>
+      <p:grpSpPr>
+        <a:xfrm>
+          <a:off x="0" y="0"/>
+          <a:ext cx="0" cy="0"/>
+          <a:chOff x="0" y="0"/>
+          <a:chExt cx="0" cy="0"/>
+        </a:xfrm>
+      </p:grpSpPr>
+      <p:sp>
+        <p:nvSpPr>
+          <p:cNvPr id="2" name="標題 1"/>
+          <p:cNvSpPr>
+            <a:spLocks noGrp="1"/>
+          </p:cNvSpPr>
+          <p:nvPr>
+            <p:ph type="title"/>
+          </p:nvPr>
+        </p:nvSpPr>
+        <p:spPr/>
+        <p:txBody>
+          <a:bodyPr/>
+          <a:lstStyle/>
+          <a:p>
+            <a:r>
+              <a:rPr lang="zh-TW" altLang="en-US" dirty="0" smtClean="0"/>
+              <a:t>操作方式</a:t>
+            </a:r>
+            <a:endParaRPr lang="zh-TW" altLang="en-US" dirty="0"/>
+          </a:p>
+        </p:txBody>
+      </p:sp>
+      <p:sp>
+        <p:nvSpPr>
+          <p:cNvPr id="3" name="內容版面配置區 2"/>
+          <p:cNvSpPr>
+            <a:spLocks noGrp="1"/>
+          </p:cNvSpPr>
+          <p:nvPr>
+            <p:ph idx="1"/>
+          </p:nvPr>
+        </p:nvSpPr>
+        <p:spPr/>
+        <p:txBody>
+          <a:bodyPr/>
+          <a:lstStyle/>
+          <a:p>
+            <a:r>
+              <a:rPr lang="zh-TW" altLang="en-US" dirty="0" smtClean="0"/>
+              <a:t>點擊地圖上方的路線規劃按鈕，可規劃出到達該地的最佳路徑</a:t>
+            </a:r>
+            <a:endParaRPr lang="en-US" altLang="zh-TW" dirty="0" smtClean="0"/>
+          </a:p>
+          <a:p>
+            <a:endParaRPr lang="en-US" altLang="zh-TW" dirty="0" smtClean="0"/>
+          </a:p>
+        </p:txBody>
+      </p:sp>
+      <p:pic>
+        <p:nvPicPr>
+          <p:cNvPr id="4" name="圖片 3"/>
+          <p:cNvPicPr>
+            <a:picLocks noChangeAspect="1"/>
+          </p:cNvPicPr>
+          <p:nvPr/>
+        </p:nvPicPr>
+        <p:blipFill>
+          <a:blip r:embed="rId2"/>
+          <a:stretch>
+            <a:fillRect/>
+          </a:stretch>
+        </p:blipFill>
+        <p:spPr>
+          <a:xfrm>
+            <a:off x="2589212" y="2544127"/>
+            <a:ext cx="7306417" cy="4107853"/>
+          </a:xfrm>
+          <a:prstGeom prst="rect">
+            <a:avLst/>
+          </a:prstGeom>
+        </p:spPr>
+      </p:pic>
+      <p:sp>
+        <p:nvSpPr>
+          <p:cNvPr id="5" name="橢圓 4"/>
+          <p:cNvSpPr/>
+          <p:nvPr/>
+        </p:nvSpPr>
+        <p:spPr>
+          <a:xfrm>
+            <a:off x="7527073" y="3579541"/>
+            <a:ext cx="1773044" cy="624468"/>
+          </a:xfrm>
+          <a:prstGeom prst="ellipse">
+            <a:avLst/>
+          </a:prstGeom>
+          <a:noFill/>
+          <a:ln>
+            <a:solidFill>
+              <a:srgbClr val="FF0000"/>
+            </a:solidFill>
+          </a:ln>
+        </p:spPr>
+        <p:style>
+          <a:lnRef idx="2">
+            <a:schemeClr val="accent1">
+              <a:shade val="50000"/>
+            </a:schemeClr>
+          </a:lnRef>
+          <a:fillRef idx="1">
+            <a:schemeClr val="accent1"/>
+          </a:fillRef>
+          <a:effectRef idx="0">
+            <a:schemeClr val="accent1"/>
+          </a:effectRef>
+          <a:fontRef idx="minor">
+            <a:schemeClr val="lt1"/>
+          </a:fontRef>
+        </p:style>
+        <p:txBody>
+          <a:bodyPr rtlCol="0" anchor="ctr"/>
+          <a:lstStyle/>
+          <a:p>
+            <a:pPr algn="ctr"/>
+            <a:endParaRPr lang="zh-TW" altLang="en-US"/>
+          </a:p>
+        </p:txBody>
+      </p:sp>
+    </p:spTree>
+    <p:extLst>
+      <p:ext uri="{BB962C8B-B14F-4D97-AF65-F5344CB8AC3E}">
+        <p14:creationId xmlns:p14="http://schemas.microsoft.com/office/powerpoint/2010/main" val="2477444995"/>
+      </p:ext>
+    </p:extLst>
+  </p:cSld>
+  <p:clrMapOvr>
+    <a:masterClrMapping/>
+  </p:clrMapOvr>
+  <p:timing>
+    <p:tnLst>
+      <p:par>
+        <p:cTn id="1" dur="indefinite" restart="never" nodeType="tmRoot"/>
+      </p:par>
+    </p:tnLst>
+  </p:timing>
+</p:sld>
+</file>
+
+<file path=ppt/slides/slide13.xml><?xml version="1.0" encoding="utf-8"?>
+<p:sld xmlns:a="http://schemas.openxmlformats.org/drawingml/2006/main" xmlns:r="http://schemas.openxmlformats.org/officeDocument/2006/relationships" xmlns:p="http://schemas.openxmlformats.org/presentationml/2006/main">
+  <p:cSld>
+    <p:spTree>
+      <p:nvGrpSpPr>
+        <p:cNvPr id="1" name=""/>
+        <p:cNvGrpSpPr/>
+        <p:nvPr/>
+      </p:nvGrpSpPr>
+      <p:grpSpPr>
+        <a:xfrm>
+          <a:off x="0" y="0"/>
+          <a:ext cx="0" cy="0"/>
+          <a:chOff x="0" y="0"/>
+          <a:chExt cx="0" cy="0"/>
+        </a:xfrm>
+      </p:grpSpPr>
+      <p:sp>
+        <p:nvSpPr>
+          <p:cNvPr id="2" name="標題 1"/>
+          <p:cNvSpPr>
+            <a:spLocks noGrp="1"/>
+          </p:cNvSpPr>
+          <p:nvPr>
+            <p:ph type="title"/>
+          </p:nvPr>
+        </p:nvSpPr>
+        <p:spPr/>
+        <p:txBody>
+          <a:bodyPr/>
+          <a:lstStyle/>
+          <a:p>
+            <a:endParaRPr lang="zh-TW" altLang="en-US"/>
+          </a:p>
+        </p:txBody>
+      </p:sp>
+      <p:sp>
+        <p:nvSpPr>
+          <p:cNvPr id="3" name="內容版面配置區 2"/>
+          <p:cNvSpPr>
+            <a:spLocks noGrp="1"/>
+          </p:cNvSpPr>
+          <p:nvPr>
+            <p:ph idx="1"/>
+          </p:nvPr>
+        </p:nvSpPr>
+        <p:spPr/>
+        <p:txBody>
+          <a:bodyPr/>
+          <a:lstStyle/>
+          <a:p>
+            <a:endParaRPr lang="zh-TW" altLang="en-US"/>
+          </a:p>
+        </p:txBody>
+      </p:sp>
+      <p:pic>
+        <p:nvPicPr>
+          <p:cNvPr id="4" name="圖片 3"/>
+          <p:cNvPicPr>
+            <a:picLocks noChangeAspect="1"/>
+          </p:cNvPicPr>
+          <p:nvPr/>
+        </p:nvPicPr>
+        <p:blipFill>
+          <a:blip r:embed="rId2"/>
+          <a:stretch>
+            <a:fillRect/>
+          </a:stretch>
+        </p:blipFill>
+        <p:spPr>
+          <a:xfrm>
+            <a:off x="1900337" y="1137424"/>
+            <a:ext cx="9116092" cy="5125300"/>
+          </a:xfrm>
+          <a:prstGeom prst="rect">
+            <a:avLst/>
+          </a:prstGeom>
+        </p:spPr>
+      </p:pic>
+    </p:spTree>
+    <p:extLst>
+      <p:ext uri="{BB962C8B-B14F-4D97-AF65-F5344CB8AC3E}">
+        <p14:creationId xmlns:p14="http://schemas.microsoft.com/office/powerpoint/2010/main" val="392005065"/>
+      </p:ext>
+    </p:extLst>
+  </p:cSld>
+  <p:clrMapOvr>
+    <a:masterClrMapping/>
+  </p:clrMapOvr>
+  <p:timing>
+    <p:tnLst>
+      <p:par>
+        <p:cTn id="1" dur="indefinite" restart="never" nodeType="tmRoot"/>
+      </p:par>
+    </p:tnLst>
+  </p:timing>
+</p:sld>
+</file>
+
+<file path=ppt/slides/slide14.xml><?xml version="1.0" encoding="utf-8"?>
+<p:sld xmlns:a="http://schemas.openxmlformats.org/drawingml/2006/main" xmlns:r="http://schemas.openxmlformats.org/officeDocument/2006/relationships" xmlns:p="http://schemas.openxmlformats.org/presentationml/2006/main">
+  <p:cSld>
+    <p:spTree>
+      <p:nvGrpSpPr>
+        <p:cNvPr id="1" name=""/>
+        <p:cNvGrpSpPr/>
+        <p:nvPr/>
+      </p:nvGrpSpPr>
+      <p:grpSpPr>
+        <a:xfrm>
+          <a:off x="0" y="0"/>
+          <a:ext cx="0" cy="0"/>
+          <a:chOff x="0" y="0"/>
+          <a:chExt cx="0" cy="0"/>
+        </a:xfrm>
+      </p:grpSpPr>
+      <p:sp>
+        <p:nvSpPr>
+          <p:cNvPr id="2" name="標題 1"/>
+          <p:cNvSpPr>
+            <a:spLocks noGrp="1"/>
+          </p:cNvSpPr>
+          <p:nvPr>
+            <p:ph type="title"/>
+          </p:nvPr>
+        </p:nvSpPr>
+        <p:spPr/>
+        <p:txBody>
+          <a:bodyPr/>
+          <a:lstStyle/>
+          <a:p>
+            <a:r>
+              <a:rPr lang="zh-TW" altLang="en-US" dirty="0" smtClean="0"/>
+              <a:t>操作方式</a:t>
+            </a:r>
+            <a:endParaRPr lang="zh-TW" altLang="en-US" dirty="0"/>
+          </a:p>
+        </p:txBody>
+      </p:sp>
+      <p:sp>
+        <p:nvSpPr>
+          <p:cNvPr id="3" name="內容版面配置區 2"/>
+          <p:cNvSpPr>
+            <a:spLocks noGrp="1"/>
+          </p:cNvSpPr>
+          <p:nvPr>
+            <p:ph idx="1"/>
+          </p:nvPr>
+        </p:nvSpPr>
+        <p:spPr/>
+        <p:txBody>
+          <a:bodyPr/>
+          <a:lstStyle/>
+          <a:p>
+            <a:r>
+              <a:rPr lang="zh-TW" altLang="en-US" dirty="0" smtClean="0"/>
+              <a:t>點擊收藏即可瀏覽目前收藏的店家</a:t>
+            </a:r>
+            <a:r>
+              <a:rPr lang="en-US" altLang="zh-TW" dirty="0" smtClean="0"/>
+              <a:t>(</a:t>
+            </a:r>
+            <a:r>
+              <a:rPr lang="zh-TW" altLang="en-US" dirty="0" smtClean="0"/>
+              <a:t>需登入</a:t>
+            </a:r>
+            <a:r>
+              <a:rPr lang="en-US" altLang="zh-TW" dirty="0" smtClean="0"/>
+              <a:t>)</a:t>
+            </a:r>
+          </a:p>
+          <a:p>
+            <a:endParaRPr lang="zh-TW" altLang="en-US" dirty="0"/>
+          </a:p>
+        </p:txBody>
+      </p:sp>
+      <p:pic>
+        <p:nvPicPr>
+          <p:cNvPr id="4" name="圖片 3"/>
+          <p:cNvPicPr>
+            <a:picLocks noChangeAspect="1"/>
+          </p:cNvPicPr>
+          <p:nvPr/>
+        </p:nvPicPr>
+        <p:blipFill>
+          <a:blip r:embed="rId2"/>
+          <a:stretch>
+            <a:fillRect/>
+          </a:stretch>
+        </p:blipFill>
+        <p:spPr>
+          <a:xfrm>
+            <a:off x="2230243" y="2538171"/>
+            <a:ext cx="7442462" cy="4184342"/>
+          </a:xfrm>
+          <a:prstGeom prst="rect">
+            <a:avLst/>
+          </a:prstGeom>
+        </p:spPr>
+      </p:pic>
+      <p:sp>
+        <p:nvSpPr>
+          <p:cNvPr id="5" name="橢圓 4"/>
+          <p:cNvSpPr/>
+          <p:nvPr/>
+        </p:nvSpPr>
+        <p:spPr>
+          <a:xfrm>
+            <a:off x="8173844" y="3021981"/>
+            <a:ext cx="814039" cy="312234"/>
+          </a:xfrm>
+          <a:prstGeom prst="ellipse">
+            <a:avLst/>
+          </a:prstGeom>
+          <a:noFill/>
+          <a:ln>
+            <a:solidFill>
+              <a:srgbClr val="FF0000"/>
+            </a:solidFill>
+          </a:ln>
+        </p:spPr>
+        <p:style>
+          <a:lnRef idx="2">
+            <a:schemeClr val="accent1">
+              <a:shade val="50000"/>
+            </a:schemeClr>
+          </a:lnRef>
+          <a:fillRef idx="1">
+            <a:schemeClr val="accent1"/>
+          </a:fillRef>
+          <a:effectRef idx="0">
+            <a:schemeClr val="accent1"/>
+          </a:effectRef>
+          <a:fontRef idx="minor">
+            <a:schemeClr val="lt1"/>
+          </a:fontRef>
+        </p:style>
+        <p:txBody>
+          <a:bodyPr rtlCol="0" anchor="ctr"/>
+          <a:lstStyle/>
+          <a:p>
+            <a:pPr algn="ctr"/>
+            <a:endParaRPr lang="zh-TW" altLang="en-US"/>
+          </a:p>
+        </p:txBody>
+      </p:sp>
+    </p:spTree>
+    <p:extLst>
+      <p:ext uri="{BB962C8B-B14F-4D97-AF65-F5344CB8AC3E}">
+        <p14:creationId xmlns:p14="http://schemas.microsoft.com/office/powerpoint/2010/main" val="116189743"/>
+      </p:ext>
+    </p:extLst>
+  </p:cSld>
+  <p:clrMapOvr>
+    <a:masterClrMapping/>
+  </p:clrMapOvr>
+  <p:timing>
+    <p:tnLst>
+      <p:par>
+        <p:cTn id="1" dur="indefinite" restart="never" nodeType="tmRoot"/>
+      </p:par>
+    </p:tnLst>
+  </p:timing>
+</p:sld>
+</file>
+
+<file path=ppt/slides/slide15.xml><?xml version="1.0" encoding="utf-8"?>
+<p:sld xmlns:a="http://schemas.openxmlformats.org/drawingml/2006/main" xmlns:r="http://schemas.openxmlformats.org/officeDocument/2006/relationships" xmlns:p="http://schemas.openxmlformats.org/presentationml/2006/main">
+  <p:cSld>
+    <p:spTree>
+      <p:nvGrpSpPr>
+        <p:cNvPr id="1" name=""/>
+        <p:cNvGrpSpPr/>
+        <p:nvPr/>
+      </p:nvGrpSpPr>
+      <p:grpSpPr>
+        <a:xfrm>
+          <a:off x="0" y="0"/>
+          <a:ext cx="0" cy="0"/>
+          <a:chOff x="0" y="0"/>
+          <a:chExt cx="0" cy="0"/>
+        </a:xfrm>
+      </p:grpSpPr>
+      <p:sp>
+        <p:nvSpPr>
+          <p:cNvPr id="2" name="標題 1"/>
+          <p:cNvSpPr>
+            <a:spLocks noGrp="1"/>
+          </p:cNvSpPr>
+          <p:nvPr>
+            <p:ph type="title"/>
+          </p:nvPr>
+        </p:nvSpPr>
+        <p:spPr/>
+        <p:txBody>
+          <a:bodyPr/>
+          <a:lstStyle/>
+          <a:p>
+            <a:endParaRPr lang="zh-TW" altLang="en-US"/>
+          </a:p>
+        </p:txBody>
+      </p:sp>
+      <p:sp>
+        <p:nvSpPr>
+          <p:cNvPr id="3" name="內容版面配置區 2"/>
+          <p:cNvSpPr>
+            <a:spLocks noGrp="1"/>
+          </p:cNvSpPr>
+          <p:nvPr>
+            <p:ph idx="1"/>
+          </p:nvPr>
+        </p:nvSpPr>
+        <p:spPr/>
+        <p:txBody>
+          <a:bodyPr/>
+          <a:lstStyle/>
+          <a:p>
+            <a:endParaRPr lang="zh-TW" altLang="en-US"/>
+          </a:p>
+        </p:txBody>
+      </p:sp>
+      <p:pic>
+        <p:nvPicPr>
+          <p:cNvPr id="4" name="圖片 3"/>
+          <p:cNvPicPr>
+            <a:picLocks noChangeAspect="1"/>
+          </p:cNvPicPr>
+          <p:nvPr/>
+        </p:nvPicPr>
+        <p:blipFill>
+          <a:blip r:embed="rId2"/>
+          <a:stretch>
+            <a:fillRect/>
+          </a:stretch>
+        </p:blipFill>
+        <p:spPr>
+          <a:xfrm>
+            <a:off x="1778399" y="960120"/>
+            <a:ext cx="9131536" cy="5133982"/>
+          </a:xfrm>
+          <a:prstGeom prst="rect">
+            <a:avLst/>
+          </a:prstGeom>
+        </p:spPr>
+      </p:pic>
+    </p:spTree>
+    <p:extLst>
+      <p:ext uri="{BB962C8B-B14F-4D97-AF65-F5344CB8AC3E}">
+        <p14:creationId xmlns:p14="http://schemas.microsoft.com/office/powerpoint/2010/main" val="4107937981"/>
+      </p:ext>
+    </p:extLst>
+  </p:cSld>
+  <p:clrMapOvr>
+    <a:masterClrMapping/>
+  </p:clrMapOvr>
+  <p:timing>
+    <p:tnLst>
+      <p:par>
+        <p:cTn id="1" dur="indefinite" restart="never" nodeType="tmRoot"/>
+      </p:par>
+    </p:tnLst>
+  </p:timing>
+</p:sld>
+</file>
+
+<file path=ppt/slides/slide16.xml><?xml version="1.0" encoding="utf-8"?>
+<p:sld xmlns:a="http://schemas.openxmlformats.org/drawingml/2006/main" xmlns:r="http://schemas.openxmlformats.org/officeDocument/2006/relationships" xmlns:p="http://schemas.openxmlformats.org/presentationml/2006/main">
+  <p:cSld>
+    <p:spTree>
+      <p:nvGrpSpPr>
+        <p:cNvPr id="1" name=""/>
+        <p:cNvGrpSpPr/>
+        <p:nvPr/>
+      </p:nvGrpSpPr>
+      <p:grpSpPr>
+        <a:xfrm>
+          <a:off x="0" y="0"/>
+          <a:ext cx="0" cy="0"/>
+          <a:chOff x="0" y="0"/>
+          <a:chExt cx="0" cy="0"/>
+        </a:xfrm>
+      </p:grpSpPr>
+      <p:sp>
+        <p:nvSpPr>
+          <p:cNvPr id="2" name="標題 1"/>
+          <p:cNvSpPr>
+            <a:spLocks noGrp="1"/>
+          </p:cNvSpPr>
+          <p:nvPr>
+            <p:ph type="title"/>
+          </p:nvPr>
+        </p:nvSpPr>
+        <p:spPr/>
+        <p:txBody>
+          <a:bodyPr/>
+          <a:lstStyle/>
+          <a:p>
+            <a:r>
+              <a:rPr lang="zh-TW" altLang="en-US" dirty="0" smtClean="0"/>
+              <a:t>技術概念</a:t>
+            </a:r>
+            <a:endParaRPr lang="zh-TW" altLang="en-US" dirty="0"/>
+          </a:p>
+        </p:txBody>
+      </p:sp>
+      <p:sp>
+        <p:nvSpPr>
+          <p:cNvPr id="3" name="內容版面配置區 2"/>
+          <p:cNvSpPr>
+            <a:spLocks noGrp="1"/>
+          </p:cNvSpPr>
+          <p:nvPr>
+            <p:ph idx="1"/>
+          </p:nvPr>
+        </p:nvSpPr>
+        <p:spPr/>
+        <p:txBody>
+          <a:bodyPr/>
+          <a:lstStyle/>
+          <a:p>
+            <a:r>
+              <a:rPr lang="zh-TW" altLang="en-US" dirty="0" smtClean="0"/>
+              <a:t>收藏列表亦可點擊商家觀看詳細資料。</a:t>
+            </a:r>
+            <a:endParaRPr lang="en-US" altLang="zh-TW" dirty="0" smtClean="0"/>
+          </a:p>
+          <a:p>
+            <a:r>
+              <a:rPr lang="zh-TW" altLang="en-US" dirty="0" smtClean="0"/>
+              <a:t>詳細資料中，店家名稱旁的愛心，若為紅色代表此店家已被加入收藏，白色則無。</a:t>
+            </a:r>
+            <a:endParaRPr lang="en-US" altLang="zh-TW" dirty="0" smtClean="0"/>
+          </a:p>
+          <a:p>
+            <a:r>
+              <a:rPr lang="zh-TW" altLang="en-US" dirty="0" smtClean="0"/>
+              <a:t>路線規劃可選擇由搜尋時輸入的地名為起點或是由裝置現在位置為起點。</a:t>
+            </a:r>
+            <a:endParaRPr lang="en-US" altLang="zh-TW" dirty="0" smtClean="0"/>
+          </a:p>
+          <a:p>
+            <a:r>
+              <a:rPr lang="zh-TW" altLang="en-US" dirty="0" smtClean="0"/>
+              <a:t>路線規劃可選擇四種不同的交通方式。</a:t>
+            </a:r>
+            <a:endParaRPr lang="en-US" altLang="zh-TW" dirty="0" smtClean="0"/>
+          </a:p>
+          <a:p>
+            <a:endParaRPr lang="zh-TW" altLang="en-US" dirty="0"/>
+          </a:p>
+        </p:txBody>
+      </p:sp>
+    </p:spTree>
+    <p:extLst>
+      <p:ext uri="{BB962C8B-B14F-4D97-AF65-F5344CB8AC3E}">
+        <p14:creationId xmlns:p14="http://schemas.microsoft.com/office/powerpoint/2010/main" val="3547676615"/>
+      </p:ext>
+    </p:extLst>
+  </p:cSld>
+  <p:clrMapOvr>
+    <a:masterClrMapping/>
+  </p:clrMapOvr>
+  <p:timing>
+    <p:tnLst>
+      <p:par>
+        <p:cTn id="1" dur="indefinite" restart="never" nodeType="tmRoot"/>
+      </p:par>
+    </p:tnLst>
+  </p:timing>
+</p:sld>
+</file>
+
+<file path=ppt/slides/slide17.xml><?xml version="1.0" encoding="utf-8"?>
+<p:sld xmlns:a="http://schemas.openxmlformats.org/drawingml/2006/main" xmlns:r="http://schemas.openxmlformats.org/officeDocument/2006/relationships" xmlns:p="http://schemas.openxmlformats.org/presentationml/2006/main">
+  <p:cSld>
+    <p:spTree>
+      <p:nvGrpSpPr>
+        <p:cNvPr id="1" name=""/>
+        <p:cNvGrpSpPr/>
+        <p:nvPr/>
+      </p:nvGrpSpPr>
+      <p:grpSpPr>
+        <a:xfrm>
+          <a:off x="0" y="0"/>
+          <a:ext cx="0" cy="0"/>
+          <a:chOff x="0" y="0"/>
+          <a:chExt cx="0" cy="0"/>
+        </a:xfrm>
+      </p:grpSpPr>
+      <p:sp>
+        <p:nvSpPr>
+          <p:cNvPr id="2" name="標題 1"/>
+          <p:cNvSpPr>
+            <a:spLocks noGrp="1"/>
+          </p:cNvSpPr>
+          <p:nvPr>
+            <p:ph type="title"/>
+          </p:nvPr>
+        </p:nvSpPr>
+        <p:spPr/>
+        <p:txBody>
+          <a:bodyPr/>
+          <a:lstStyle/>
+          <a:p>
+            <a:r>
+              <a:rPr lang="en-US" altLang="zh-TW" dirty="0" smtClean="0"/>
+              <a:t>API</a:t>
+            </a:r>
+            <a:r>
+              <a:rPr lang="zh-TW" altLang="en-US" dirty="0" smtClean="0"/>
+              <a:t>操作範例 </a:t>
+            </a:r>
+            <a:r>
+              <a:rPr lang="en-US" altLang="zh-TW" dirty="0" smtClean="0"/>
+              <a:t>-</a:t>
+            </a:r>
+            <a:r>
+              <a:rPr lang="zh-TW" altLang="en-US" dirty="0" smtClean="0"/>
+              <a:t> </a:t>
+            </a:r>
+            <a:r>
+              <a:rPr lang="en-US" altLang="zh-TW" dirty="0" smtClean="0"/>
+              <a:t>Search</a:t>
+            </a:r>
+            <a:endParaRPr lang="zh-TW" altLang="en-US" dirty="0"/>
+          </a:p>
+        </p:txBody>
+      </p:sp>
+      <p:sp>
+        <p:nvSpPr>
+          <p:cNvPr id="3" name="內容版面配置區 2"/>
+          <p:cNvSpPr>
+            <a:spLocks noGrp="1"/>
+          </p:cNvSpPr>
+          <p:nvPr>
+            <p:ph idx="1"/>
+          </p:nvPr>
+        </p:nvSpPr>
+        <p:spPr/>
+        <p:txBody>
+          <a:bodyPr>
+            <a:normAutofit lnSpcReduction="10000"/>
+          </a:bodyPr>
+          <a:lstStyle/>
+          <a:p>
+            <a:r>
+              <a:rPr lang="en-US" altLang="zh-TW" dirty="0" smtClean="0"/>
+              <a:t>API</a:t>
+            </a:r>
+            <a:r>
+              <a:rPr lang="zh-TW" altLang="en-US" dirty="0" smtClean="0"/>
+              <a:t> </a:t>
+            </a:r>
+            <a:r>
+              <a:rPr lang="en-US" altLang="zh-TW" dirty="0" smtClean="0"/>
+              <a:t>URL:</a:t>
+            </a:r>
+            <a:r>
+              <a:rPr lang="zh-TW" altLang="en-US" dirty="0" smtClean="0"/>
+              <a:t> </a:t>
+            </a:r>
+            <a:r>
+              <a:rPr lang="en-US" altLang="zh-TW" dirty="0" smtClean="0"/>
+              <a:t>https</a:t>
+            </a:r>
+            <a:r>
+              <a:rPr lang="en-US" altLang="zh-TW" dirty="0"/>
+              <a:t>://</a:t>
+            </a:r>
+            <a:r>
+              <a:rPr lang="en-US" altLang="zh-TW" dirty="0" smtClean="0"/>
+              <a:t>api.yelp.com/v3/businesses/search</a:t>
+            </a:r>
+          </a:p>
+          <a:p>
+            <a:r>
+              <a:rPr lang="en-US" altLang="zh-TW" dirty="0" smtClean="0"/>
+              <a:t>Example: https</a:t>
+            </a:r>
+            <a:r>
+              <a:rPr lang="en-US" altLang="zh-TW" dirty="0"/>
+              <a:t>://</a:t>
+            </a:r>
+            <a:r>
+              <a:rPr lang="en-US" altLang="zh-TW" dirty="0" smtClean="0"/>
+              <a:t>api.yelp.com/v3/businesses/search?term=starbucks&amp;location=taitpei</a:t>
+            </a:r>
+          </a:p>
+          <a:p>
+            <a:r>
+              <a:rPr lang="en-US" altLang="zh-TW" dirty="0" smtClean="0"/>
+              <a:t>Return Value: </a:t>
+            </a:r>
+            <a:r>
+              <a:rPr lang="en-US" altLang="zh-TW" dirty="0" smtClean="0">
+                <a:latin typeface="Consolas" panose="020B0609020204030204" pitchFamily="49" charset="0"/>
+              </a:rPr>
+              <a:t/>
+            </a:r>
+            <a:br>
+              <a:rPr lang="en-US" altLang="zh-TW" dirty="0" smtClean="0">
+                <a:latin typeface="Consolas" panose="020B0609020204030204" pitchFamily="49" charset="0"/>
+              </a:rPr>
+            </a:br>
+            <a:r>
+              <a:rPr lang="en-US" altLang="zh-TW" dirty="0" smtClean="0">
+                <a:latin typeface="Consolas" panose="020B0609020204030204" pitchFamily="49" charset="0"/>
+              </a:rPr>
+              <a:t>{</a:t>
+            </a:r>
+            <a:br>
+              <a:rPr lang="en-US" altLang="zh-TW" dirty="0" smtClean="0">
+                <a:latin typeface="Consolas" panose="020B0609020204030204" pitchFamily="49" charset="0"/>
+              </a:rPr>
+            </a:br>
+            <a:r>
+              <a:rPr lang="en-US" altLang="zh-TW" dirty="0" smtClean="0">
+                <a:latin typeface="Consolas" panose="020B0609020204030204" pitchFamily="49" charset="0"/>
+              </a:rPr>
+              <a:t>		“businesses”: [</a:t>
+            </a:r>
+            <a:br>
+              <a:rPr lang="en-US" altLang="zh-TW" dirty="0" smtClean="0">
+                <a:latin typeface="Consolas" panose="020B0609020204030204" pitchFamily="49" charset="0"/>
+              </a:rPr>
+            </a:br>
+            <a:r>
+              <a:rPr lang="en-US" altLang="zh-TW" dirty="0" smtClean="0">
+                <a:latin typeface="Consolas" panose="020B0609020204030204" pitchFamily="49" charset="0"/>
+              </a:rPr>
+              <a:t>		{</a:t>
+            </a:r>
+            <a:br>
+              <a:rPr lang="en-US" altLang="zh-TW" dirty="0" smtClean="0">
+                <a:latin typeface="Consolas" panose="020B0609020204030204" pitchFamily="49" charset="0"/>
+              </a:rPr>
+            </a:br>
+            <a:r>
+              <a:rPr lang="en-US" altLang="zh-TW" dirty="0" smtClean="0">
+                <a:latin typeface="Consolas" panose="020B0609020204030204" pitchFamily="49" charset="0"/>
+              </a:rPr>
+              <a:t>			“id”: “</a:t>
+            </a:r>
+            <a:r>
+              <a:rPr lang="zh-TW" altLang="en-US" dirty="0">
+                <a:latin typeface="Consolas" panose="020B0609020204030204" pitchFamily="49" charset="0"/>
+              </a:rPr>
+              <a:t>星巴克</a:t>
+            </a:r>
+            <a:r>
+              <a:rPr lang="en-US" altLang="zh-TW" dirty="0">
+                <a:latin typeface="Consolas" panose="020B0609020204030204" pitchFamily="49" charset="0"/>
+              </a:rPr>
+              <a:t>-</a:t>
+            </a:r>
+            <a:r>
+              <a:rPr lang="zh-TW" altLang="en-US" dirty="0">
+                <a:latin typeface="Consolas" panose="020B0609020204030204" pitchFamily="49" charset="0"/>
+              </a:rPr>
+              <a:t>信義區</a:t>
+            </a:r>
+            <a:r>
+              <a:rPr lang="en-US" altLang="zh-TW" dirty="0">
+                <a:latin typeface="Consolas" panose="020B0609020204030204" pitchFamily="49" charset="0"/>
+              </a:rPr>
+              <a:t>-4”,</a:t>
+            </a:r>
+            <a:r>
+              <a:rPr lang="en-US" altLang="zh-TW" dirty="0" smtClean="0">
+                <a:latin typeface="Consolas" panose="020B0609020204030204" pitchFamily="49" charset="0"/>
+              </a:rPr>
+              <a:t/>
+            </a:r>
+            <a:br>
+              <a:rPr lang="en-US" altLang="zh-TW" dirty="0" smtClean="0">
+                <a:latin typeface="Consolas" panose="020B0609020204030204" pitchFamily="49" charset="0"/>
+              </a:rPr>
+            </a:br>
+            <a:r>
+              <a:rPr lang="en-US" altLang="zh-TW" dirty="0" smtClean="0">
+                <a:latin typeface="Consolas" panose="020B0609020204030204" pitchFamily="49" charset="0"/>
+              </a:rPr>
+              <a:t>			“name</a:t>
+            </a:r>
+            <a:r>
+              <a:rPr lang="en-US" altLang="zh-TW" dirty="0">
+                <a:latin typeface="Consolas" panose="020B0609020204030204" pitchFamily="49" charset="0"/>
+              </a:rPr>
+              <a:t>”: “Starbucks”,</a:t>
+            </a:r>
+            <a:r>
+              <a:rPr lang="en-US" altLang="zh-TW" dirty="0" smtClean="0">
+                <a:latin typeface="Consolas" panose="020B0609020204030204" pitchFamily="49" charset="0"/>
+              </a:rPr>
+              <a:t/>
+            </a:r>
+            <a:br>
+              <a:rPr lang="en-US" altLang="zh-TW" dirty="0" smtClean="0">
+                <a:latin typeface="Consolas" panose="020B0609020204030204" pitchFamily="49" charset="0"/>
+              </a:rPr>
+            </a:br>
+            <a:r>
+              <a:rPr lang="en-US" altLang="zh-TW" dirty="0" smtClean="0">
+                <a:latin typeface="Consolas" panose="020B0609020204030204" pitchFamily="49" charset="0"/>
+              </a:rPr>
+              <a:t>			“</a:t>
+            </a:r>
+            <a:r>
+              <a:rPr lang="en-US" altLang="zh-TW" dirty="0" err="1" smtClean="0">
+                <a:latin typeface="Consolas" panose="020B0609020204030204" pitchFamily="49" charset="0"/>
+              </a:rPr>
+              <a:t>image_url</a:t>
+            </a:r>
+            <a:r>
+              <a:rPr lang="en-US" altLang="zh-TW" dirty="0">
+                <a:latin typeface="Consolas" panose="020B0609020204030204" pitchFamily="49" charset="0"/>
+              </a:rPr>
+              <a:t>”: “https://s3-media1.fl.yelpcdn.com/</a:t>
+            </a:r>
+            <a:r>
+              <a:rPr lang="en-US" altLang="zh-TW" dirty="0" err="1">
+                <a:latin typeface="Consolas" panose="020B0609020204030204" pitchFamily="49" charset="0"/>
+              </a:rPr>
+              <a:t>bphoto</a:t>
+            </a:r>
+            <a:r>
+              <a:rPr lang="en-US" altLang="zh-TW" dirty="0">
+                <a:latin typeface="Consolas" panose="020B0609020204030204" pitchFamily="49" charset="0"/>
+              </a:rPr>
+              <a:t>/kMe6RIVCIEsNOC0zocO7ag/o.jpg”,</a:t>
+            </a:r>
+            <a:r>
+              <a:rPr lang="en-US" altLang="zh-TW" dirty="0" smtClean="0">
+                <a:latin typeface="Consolas" panose="020B0609020204030204" pitchFamily="49" charset="0"/>
+              </a:rPr>
+              <a:t/>
+            </a:r>
+            <a:br>
+              <a:rPr lang="en-US" altLang="zh-TW" dirty="0" smtClean="0">
+                <a:latin typeface="Consolas" panose="020B0609020204030204" pitchFamily="49" charset="0"/>
+              </a:rPr>
+            </a:br>
+            <a:r>
+              <a:rPr lang="en-US" altLang="zh-TW" dirty="0" smtClean="0">
+                <a:latin typeface="Consolas" panose="020B0609020204030204" pitchFamily="49" charset="0"/>
+              </a:rPr>
+              <a:t>			“</a:t>
+            </a:r>
+            <a:r>
+              <a:rPr lang="en-US" altLang="zh-TW" dirty="0" err="1" smtClean="0">
+                <a:latin typeface="Consolas" panose="020B0609020204030204" pitchFamily="49" charset="0"/>
+              </a:rPr>
+              <a:t>is_closed</a:t>
+            </a:r>
+            <a:r>
+              <a:rPr lang="en-US" altLang="zh-TW" dirty="0" smtClean="0">
+                <a:latin typeface="Consolas" panose="020B0609020204030204" pitchFamily="49" charset="0"/>
+              </a:rPr>
+              <a:t>”: </a:t>
+            </a:r>
+            <a:r>
+              <a:rPr lang="en-US" altLang="zh-TW" dirty="0">
+                <a:latin typeface="Consolas" panose="020B0609020204030204" pitchFamily="49" charset="0"/>
+              </a:rPr>
+              <a:t>false</a:t>
+            </a:r>
+            <a:r>
+              <a:rPr lang="en-US" altLang="zh-TW" dirty="0" smtClean="0">
+                <a:latin typeface="Consolas" panose="020B0609020204030204" pitchFamily="49" charset="0"/>
+              </a:rPr>
+              <a:t>,</a:t>
+            </a:r>
+            <a:r>
+              <a:rPr lang="zh-TW" altLang="en-US" dirty="0" smtClean="0">
+                <a:latin typeface="Consolas" panose="020B0609020204030204" pitchFamily="49" charset="0"/>
+              </a:rPr>
+              <a:t> </a:t>
+            </a:r>
+            <a:r>
+              <a:rPr lang="en-US" altLang="zh-TW" dirty="0" smtClean="0"/>
+              <a:t/>
+            </a:r>
+            <a:br>
+              <a:rPr lang="en-US" altLang="zh-TW" dirty="0" smtClean="0"/>
+            </a:br>
+            <a:r>
+              <a:rPr lang="en-US" altLang="zh-TW" dirty="0" smtClean="0"/>
+              <a:t>	…</a:t>
+            </a:r>
+            <a:r>
+              <a:rPr lang="zh-TW" altLang="en-US" dirty="0" smtClean="0"/>
+              <a:t>等</a:t>
+            </a:r>
+            <a:r>
+              <a:rPr lang="en-US" altLang="zh-TW" dirty="0" smtClean="0"/>
+              <a:t>JSON</a:t>
+            </a:r>
+            <a:r>
+              <a:rPr lang="zh-TW" altLang="en-US" dirty="0" smtClean="0"/>
+              <a:t>格式的</a:t>
+            </a:r>
+            <a:r>
+              <a:rPr lang="en-US" altLang="zh-TW" dirty="0" smtClean="0"/>
+              <a:t>20</a:t>
+            </a:r>
+            <a:r>
+              <a:rPr lang="zh-TW" altLang="en-US" dirty="0" smtClean="0"/>
+              <a:t>個店家資訊</a:t>
+            </a:r>
+            <a:endParaRPr lang="en-US" altLang="zh-TW" dirty="0" smtClean="0"/>
+          </a:p>
+        </p:txBody>
+      </p:sp>
+    </p:spTree>
+    <p:extLst>
+      <p:ext uri="{BB962C8B-B14F-4D97-AF65-F5344CB8AC3E}">
+        <p14:creationId xmlns:p14="http://schemas.microsoft.com/office/powerpoint/2010/main" val="3996755120"/>
+      </p:ext>
+    </p:extLst>
+  </p:cSld>
+  <p:clrMapOvr>
+    <a:masterClrMapping/>
+  </p:clrMapOvr>
+  <p:timing>
+    <p:tnLst>
+      <p:par>
+        <p:cTn id="1" dur="indefinite" restart="never" nodeType="tmRoot"/>
+      </p:par>
+    </p:tnLst>
+  </p:timing>
+</p:sld>
+</file>
+
+<file path=ppt/slides/slide18.xml><?xml version="1.0" encoding="utf-8"?>
+<p:sld xmlns:a="http://schemas.openxmlformats.org/drawingml/2006/main" xmlns:r="http://schemas.openxmlformats.org/officeDocument/2006/relationships" xmlns:p="http://schemas.openxmlformats.org/presentationml/2006/main">
+  <p:cSld>
+    <p:spTree>
+      <p:nvGrpSpPr>
+        <p:cNvPr id="1" name=""/>
+        <p:cNvGrpSpPr/>
+        <p:nvPr/>
+      </p:nvGrpSpPr>
+      <p:grpSpPr>
+        <a:xfrm>
+          <a:off x="0" y="0"/>
+          <a:ext cx="0" cy="0"/>
+          <a:chOff x="0" y="0"/>
+          <a:chExt cx="0" cy="0"/>
+        </a:xfrm>
+      </p:grpSpPr>
+      <p:sp>
+        <p:nvSpPr>
+          <p:cNvPr id="2" name="標題 1"/>
+          <p:cNvSpPr>
+            <a:spLocks noGrp="1"/>
+          </p:cNvSpPr>
+          <p:nvPr>
+            <p:ph type="title"/>
+          </p:nvPr>
+        </p:nvSpPr>
+        <p:spPr/>
+        <p:txBody>
+          <a:bodyPr/>
+          <a:lstStyle/>
+          <a:p>
+            <a:r>
+              <a:rPr lang="en-US" altLang="zh-TW" dirty="0" smtClean="0"/>
+              <a:t>API</a:t>
+            </a:r>
+            <a:r>
+              <a:rPr lang="zh-TW" altLang="en-US" dirty="0" smtClean="0"/>
+              <a:t>操作範例 </a:t>
+            </a:r>
+            <a:r>
+              <a:rPr lang="en-US" altLang="zh-TW" dirty="0" smtClean="0"/>
+              <a:t>-</a:t>
+            </a:r>
+            <a:r>
+              <a:rPr lang="zh-TW" altLang="en-US" dirty="0" smtClean="0"/>
+              <a:t> </a:t>
+            </a:r>
+            <a:r>
+              <a:rPr lang="en-US" altLang="zh-TW" dirty="0" smtClean="0"/>
+              <a:t>Review</a:t>
+            </a:r>
+            <a:endParaRPr lang="zh-TW" altLang="en-US" dirty="0"/>
+          </a:p>
+        </p:txBody>
+      </p:sp>
+      <p:sp>
+        <p:nvSpPr>
+          <p:cNvPr id="3" name="內容版面配置區 2"/>
+          <p:cNvSpPr>
+            <a:spLocks noGrp="1"/>
+          </p:cNvSpPr>
+          <p:nvPr>
+            <p:ph idx="1"/>
+          </p:nvPr>
+        </p:nvSpPr>
+        <p:spPr/>
+        <p:txBody>
+          <a:bodyPr>
+            <a:normAutofit fontScale="92500" lnSpcReduction="20000"/>
+          </a:bodyPr>
+          <a:lstStyle/>
+          <a:p>
+            <a:r>
+              <a:rPr lang="en-US" altLang="zh-TW" dirty="0" smtClean="0"/>
+              <a:t>API</a:t>
+            </a:r>
+            <a:r>
+              <a:rPr lang="zh-TW" altLang="en-US" dirty="0" smtClean="0"/>
+              <a:t> </a:t>
+            </a:r>
+            <a:r>
+              <a:rPr lang="en-US" altLang="zh-TW" dirty="0" smtClean="0"/>
+              <a:t>URL:</a:t>
+            </a:r>
+            <a:r>
+              <a:rPr lang="zh-TW" altLang="en-US" dirty="0" smtClean="0"/>
+              <a:t> </a:t>
+            </a:r>
+            <a:r>
+              <a:rPr lang="en-US" altLang="zh-TW" dirty="0"/>
+              <a:t>https://api.yelp.com/v3/businesses</a:t>
+            </a:r>
+            <a:r>
+              <a:rPr lang="en-US" altLang="zh-TW" dirty="0" smtClean="0"/>
+              <a:t>/{id}/reviews</a:t>
+            </a:r>
+          </a:p>
+          <a:p>
+            <a:r>
+              <a:rPr lang="en-US" altLang="zh-TW" dirty="0" smtClean="0"/>
+              <a:t>Example: </a:t>
+            </a:r>
+            <a:r>
+              <a:rPr lang="en-US" altLang="zh-TW" dirty="0"/>
+              <a:t>https://</a:t>
+            </a:r>
+            <a:r>
+              <a:rPr lang="en-US" altLang="zh-TW" dirty="0" smtClean="0"/>
+              <a:t>api.yelp.com/v3/businesses/</a:t>
+            </a:r>
+            <a:r>
+              <a:rPr lang="en-US" altLang="zh-TW" dirty="0"/>
+              <a:t>starbucks-new-york-487</a:t>
+            </a:r>
+            <a:r>
+              <a:rPr lang="en-US" altLang="zh-TW" dirty="0" smtClean="0"/>
+              <a:t>/reviews</a:t>
+            </a:r>
+          </a:p>
+          <a:p>
+            <a:r>
+              <a:rPr lang="en-US" altLang="zh-TW" dirty="0" smtClean="0"/>
+              <a:t>Return Value:</a:t>
+            </a:r>
+            <a:br>
+              <a:rPr lang="en-US" altLang="zh-TW" dirty="0" smtClean="0"/>
+            </a:br>
+            <a:r>
+              <a:rPr lang="en-US" altLang="zh-TW" dirty="0" smtClean="0">
+                <a:latin typeface="Consolas" panose="020B0609020204030204" pitchFamily="49" charset="0"/>
+              </a:rPr>
+              <a:t>{</a:t>
+            </a:r>
+            <a:br>
+              <a:rPr lang="en-US" altLang="zh-TW" dirty="0" smtClean="0">
+                <a:latin typeface="Consolas" panose="020B0609020204030204" pitchFamily="49" charset="0"/>
+              </a:rPr>
+            </a:br>
+            <a:r>
+              <a:rPr lang="en-US" altLang="zh-TW" dirty="0" smtClean="0">
+                <a:latin typeface="Consolas" panose="020B0609020204030204" pitchFamily="49" charset="0"/>
+              </a:rPr>
+              <a:t>  </a:t>
+            </a:r>
+            <a:r>
+              <a:rPr lang="en-US" altLang="zh-TW" dirty="0">
+                <a:latin typeface="Consolas" panose="020B0609020204030204" pitchFamily="49" charset="0"/>
+              </a:rPr>
+              <a:t>"reviews": </a:t>
+            </a:r>
+            <a:r>
+              <a:rPr lang="en-US" altLang="zh-TW" dirty="0" smtClean="0">
+                <a:latin typeface="Consolas" panose="020B0609020204030204" pitchFamily="49" charset="0"/>
+              </a:rPr>
+              <a:t>[</a:t>
+            </a:r>
+            <a:br>
+              <a:rPr lang="en-US" altLang="zh-TW" dirty="0" smtClean="0">
+                <a:latin typeface="Consolas" panose="020B0609020204030204" pitchFamily="49" charset="0"/>
+              </a:rPr>
+            </a:br>
+            <a:r>
+              <a:rPr lang="en-US" altLang="zh-TW" dirty="0" smtClean="0">
+                <a:latin typeface="Consolas" panose="020B0609020204030204" pitchFamily="49" charset="0"/>
+              </a:rPr>
+              <a:t>    {</a:t>
+            </a:r>
+            <a:br>
+              <a:rPr lang="en-US" altLang="zh-TW" dirty="0" smtClean="0">
+                <a:latin typeface="Consolas" panose="020B0609020204030204" pitchFamily="49" charset="0"/>
+              </a:rPr>
+            </a:br>
+            <a:r>
+              <a:rPr lang="en-US" altLang="zh-TW" dirty="0" smtClean="0">
+                <a:latin typeface="Consolas" panose="020B0609020204030204" pitchFamily="49" charset="0"/>
+              </a:rPr>
+              <a:t>      </a:t>
+            </a:r>
+            <a:r>
+              <a:rPr lang="en-US" altLang="zh-TW" dirty="0">
+                <a:latin typeface="Consolas" panose="020B0609020204030204" pitchFamily="49" charset="0"/>
+              </a:rPr>
+              <a:t>"</a:t>
+            </a:r>
+            <a:r>
+              <a:rPr lang="en-US" altLang="zh-TW" dirty="0" err="1">
+                <a:latin typeface="Consolas" panose="020B0609020204030204" pitchFamily="49" charset="0"/>
+              </a:rPr>
+              <a:t>url</a:t>
+            </a:r>
+            <a:r>
+              <a:rPr lang="en-US" altLang="zh-TW" dirty="0">
+                <a:latin typeface="Consolas" panose="020B0609020204030204" pitchFamily="49" charset="0"/>
+              </a:rPr>
+              <a:t>": </a:t>
+            </a:r>
+            <a:r>
+              <a:rPr lang="en-US" altLang="zh-TW" dirty="0" smtClean="0">
+                <a:latin typeface="Consolas" panose="020B0609020204030204" pitchFamily="49" charset="0"/>
+              </a:rPr>
+              <a:t>“…",</a:t>
+            </a:r>
+            <a:br>
+              <a:rPr lang="en-US" altLang="zh-TW" dirty="0" smtClean="0">
+                <a:latin typeface="Consolas" panose="020B0609020204030204" pitchFamily="49" charset="0"/>
+              </a:rPr>
+            </a:br>
+            <a:r>
+              <a:rPr lang="en-US" altLang="zh-TW" dirty="0" smtClean="0">
+                <a:latin typeface="Consolas" panose="020B0609020204030204" pitchFamily="49" charset="0"/>
+              </a:rPr>
+              <a:t>      </a:t>
+            </a:r>
+            <a:r>
+              <a:rPr lang="en-US" altLang="zh-TW" dirty="0">
+                <a:latin typeface="Consolas" panose="020B0609020204030204" pitchFamily="49" charset="0"/>
+              </a:rPr>
+              <a:t>"text": "I normally don't find Starbucks all that remarkable but this is the nicest one I've ever been to!! The staff is SO nice and takes the time to explain this</a:t>
+            </a:r>
+            <a:r>
+              <a:rPr lang="en-US" altLang="zh-TW" dirty="0" smtClean="0">
+                <a:latin typeface="Consolas" panose="020B0609020204030204" pitchFamily="49" charset="0"/>
+              </a:rPr>
+              <a:t>...",</a:t>
+            </a:r>
+            <a:br>
+              <a:rPr lang="en-US" altLang="zh-TW" dirty="0" smtClean="0">
+                <a:latin typeface="Consolas" panose="020B0609020204030204" pitchFamily="49" charset="0"/>
+              </a:rPr>
+            </a:br>
+            <a:r>
+              <a:rPr lang="en-US" altLang="zh-TW" dirty="0" smtClean="0">
+                <a:latin typeface="Consolas" panose="020B0609020204030204" pitchFamily="49" charset="0"/>
+              </a:rPr>
+              <a:t>      </a:t>
+            </a:r>
+            <a:r>
+              <a:rPr lang="en-US" altLang="zh-TW" dirty="0">
+                <a:latin typeface="Consolas" panose="020B0609020204030204" pitchFamily="49" charset="0"/>
+              </a:rPr>
+              <a:t>"rating": 5</a:t>
+            </a:r>
+            <a:r>
+              <a:rPr lang="en-US" altLang="zh-TW" dirty="0" smtClean="0">
+                <a:latin typeface="Consolas" panose="020B0609020204030204" pitchFamily="49" charset="0"/>
+              </a:rPr>
+              <a:t>,</a:t>
+            </a:r>
+            <a:br>
+              <a:rPr lang="en-US" altLang="zh-TW" dirty="0" smtClean="0">
+                <a:latin typeface="Consolas" panose="020B0609020204030204" pitchFamily="49" charset="0"/>
+              </a:rPr>
+            </a:br>
+            <a:r>
+              <a:rPr lang="en-US" altLang="zh-TW" dirty="0" smtClean="0">
+                <a:latin typeface="Consolas" panose="020B0609020204030204" pitchFamily="49" charset="0"/>
+              </a:rPr>
+              <a:t>      </a:t>
+            </a:r>
+            <a:r>
+              <a:rPr lang="en-US" altLang="zh-TW" dirty="0">
+                <a:latin typeface="Consolas" panose="020B0609020204030204" pitchFamily="49" charset="0"/>
+              </a:rPr>
+              <a:t>"user": </a:t>
+            </a:r>
+            <a:r>
+              <a:rPr lang="en-US" altLang="zh-TW" dirty="0" smtClean="0">
+                <a:latin typeface="Consolas" panose="020B0609020204030204" pitchFamily="49" charset="0"/>
+              </a:rPr>
+              <a:t>{</a:t>
+            </a:r>
+            <a:br>
+              <a:rPr lang="en-US" altLang="zh-TW" dirty="0" smtClean="0">
+                <a:latin typeface="Consolas" panose="020B0609020204030204" pitchFamily="49" charset="0"/>
+              </a:rPr>
+            </a:br>
+            <a:r>
+              <a:rPr lang="en-US" altLang="zh-TW" dirty="0" smtClean="0">
+                <a:latin typeface="Consolas" panose="020B0609020204030204" pitchFamily="49" charset="0"/>
+              </a:rPr>
+              <a:t>        </a:t>
+            </a:r>
+            <a:r>
+              <a:rPr lang="en-US" altLang="zh-TW" dirty="0">
+                <a:latin typeface="Consolas" panose="020B0609020204030204" pitchFamily="49" charset="0"/>
+              </a:rPr>
+              <a:t>"</a:t>
+            </a:r>
+            <a:r>
+              <a:rPr lang="en-US" altLang="zh-TW" dirty="0" err="1">
+                <a:latin typeface="Consolas" panose="020B0609020204030204" pitchFamily="49" charset="0"/>
+              </a:rPr>
+              <a:t>image_url</a:t>
+            </a:r>
+            <a:r>
+              <a:rPr lang="en-US" altLang="zh-TW" dirty="0">
+                <a:latin typeface="Consolas" panose="020B0609020204030204" pitchFamily="49" charset="0"/>
+              </a:rPr>
+              <a:t>": </a:t>
+            </a:r>
+            <a:r>
+              <a:rPr lang="en-US" altLang="zh-TW" dirty="0" smtClean="0">
+                <a:latin typeface="Consolas" panose="020B0609020204030204" pitchFamily="49" charset="0"/>
+              </a:rPr>
+              <a:t>“…",</a:t>
+            </a:r>
+            <a:br>
+              <a:rPr lang="en-US" altLang="zh-TW" dirty="0" smtClean="0">
+                <a:latin typeface="Consolas" panose="020B0609020204030204" pitchFamily="49" charset="0"/>
+              </a:rPr>
+            </a:br>
+            <a:r>
+              <a:rPr lang="en-US" altLang="zh-TW" dirty="0" smtClean="0">
+                <a:latin typeface="Consolas" panose="020B0609020204030204" pitchFamily="49" charset="0"/>
+              </a:rPr>
+              <a:t>        </a:t>
+            </a:r>
+            <a:r>
+              <a:rPr lang="en-US" altLang="zh-TW" dirty="0">
+                <a:latin typeface="Consolas" panose="020B0609020204030204" pitchFamily="49" charset="0"/>
+              </a:rPr>
+              <a:t>"name": "Emily C</a:t>
+            </a:r>
+            <a:r>
+              <a:rPr lang="en-US" altLang="zh-TW" dirty="0" smtClean="0">
+                <a:latin typeface="Consolas" panose="020B0609020204030204" pitchFamily="49" charset="0"/>
+              </a:rPr>
+              <a:t>.“</a:t>
+            </a:r>
+            <a:br>
+              <a:rPr lang="en-US" altLang="zh-TW" dirty="0" smtClean="0">
+                <a:latin typeface="Consolas" panose="020B0609020204030204" pitchFamily="49" charset="0"/>
+              </a:rPr>
+            </a:br>
+            <a:r>
+              <a:rPr lang="en-US" altLang="zh-TW" dirty="0" smtClean="0">
+                <a:latin typeface="Consolas" panose="020B0609020204030204" pitchFamily="49" charset="0"/>
+              </a:rPr>
+              <a:t>      },</a:t>
+            </a:r>
+            <a:br>
+              <a:rPr lang="en-US" altLang="zh-TW" dirty="0" smtClean="0">
+                <a:latin typeface="Consolas" panose="020B0609020204030204" pitchFamily="49" charset="0"/>
+              </a:rPr>
+            </a:br>
+            <a:r>
+              <a:rPr lang="en-US" altLang="zh-TW" dirty="0" smtClean="0">
+                <a:latin typeface="Consolas" panose="020B0609020204030204" pitchFamily="49" charset="0"/>
+              </a:rPr>
+              <a:t>      </a:t>
+            </a:r>
+            <a:r>
+              <a:rPr lang="en-US" altLang="zh-TW" dirty="0">
+                <a:latin typeface="Consolas" panose="020B0609020204030204" pitchFamily="49" charset="0"/>
+              </a:rPr>
+              <a:t>"</a:t>
+            </a:r>
+            <a:r>
+              <a:rPr lang="en-US" altLang="zh-TW" dirty="0" err="1">
+                <a:latin typeface="Consolas" panose="020B0609020204030204" pitchFamily="49" charset="0"/>
+              </a:rPr>
+              <a:t>time_created</a:t>
+            </a:r>
+            <a:r>
+              <a:rPr lang="en-US" altLang="zh-TW" dirty="0">
+                <a:latin typeface="Consolas" panose="020B0609020204030204" pitchFamily="49" charset="0"/>
+              </a:rPr>
+              <a:t>": "2017-06-10 04:09:58"</a:t>
+            </a:r>
+          </a:p>
+        </p:txBody>
+      </p:sp>
+    </p:spTree>
+    <p:extLst>
+      <p:ext uri="{BB962C8B-B14F-4D97-AF65-F5344CB8AC3E}">
+        <p14:creationId xmlns:p14="http://schemas.microsoft.com/office/powerpoint/2010/main" val="1376789628"/>
+      </p:ext>
+    </p:extLst>
+  </p:cSld>
+  <p:clrMapOvr>
+    <a:masterClrMapping/>
+  </p:clrMapOvr>
+  <p:timing>
+    <p:tnLst>
+      <p:par>
+        <p:cTn id="1" dur="indefinite" restart="never" nodeType="tmRoot"/>
+      </p:par>
+    </p:tnLst>
+  </p:timing>
+</p:sld>
+</file>
+
+<file path=ppt/slides/slide19.xml><?xml version="1.0" encoding="utf-8"?>
+<p:sld xmlns:a="http://schemas.openxmlformats.org/drawingml/2006/main" xmlns:r="http://schemas.openxmlformats.org/officeDocument/2006/relationships" xmlns:p="http://schemas.openxmlformats.org/presentationml/2006/main">
+  <p:cSld>
+    <p:spTree>
+      <p:nvGrpSpPr>
+        <p:cNvPr id="1" name=""/>
+        <p:cNvGrpSpPr/>
+        <p:nvPr/>
+      </p:nvGrpSpPr>
+      <p:grpSpPr>
+        <a:xfrm>
+          <a:off x="0" y="0"/>
+          <a:ext cx="0" cy="0"/>
+          <a:chOff x="0" y="0"/>
+          <a:chExt cx="0" cy="0"/>
+        </a:xfrm>
+      </p:grpSpPr>
+      <p:sp>
+        <p:nvSpPr>
+          <p:cNvPr id="2" name="標題 1"/>
+          <p:cNvSpPr>
+            <a:spLocks noGrp="1"/>
+          </p:cNvSpPr>
+          <p:nvPr>
+            <p:ph type="title"/>
+          </p:nvPr>
+        </p:nvSpPr>
+        <p:spPr/>
+        <p:txBody>
+          <a:bodyPr/>
+          <a:lstStyle/>
+          <a:p>
+            <a:r>
+              <a:rPr lang="zh-TW" altLang="en-US" dirty="0" smtClean="0"/>
+              <a:t>目前存在之</a:t>
+            </a:r>
+            <a:r>
+              <a:rPr lang="zh-TW" altLang="en-US" dirty="0"/>
+              <a:t>應用</a:t>
+            </a:r>
+          </a:p>
+        </p:txBody>
+      </p:sp>
+      <p:sp>
+        <p:nvSpPr>
+          <p:cNvPr id="3" name="內容版面配置區 2"/>
+          <p:cNvSpPr>
+            <a:spLocks noGrp="1"/>
+          </p:cNvSpPr>
+          <p:nvPr>
+            <p:ph idx="1"/>
+          </p:nvPr>
+        </p:nvSpPr>
+        <p:spPr/>
+        <p:txBody>
+          <a:bodyPr/>
+          <a:lstStyle/>
+          <a:p>
+            <a:r>
+              <a:rPr lang="en-US" altLang="zh-TW" dirty="0" smtClean="0"/>
+              <a:t>GRAPHIQ:</a:t>
+            </a:r>
+            <a:r>
+              <a:rPr lang="zh-TW" altLang="en-US" dirty="0" smtClean="0"/>
+              <a:t> </a:t>
+            </a:r>
+            <a:r>
+              <a:rPr lang="en-US" altLang="zh-TW" dirty="0" smtClean="0">
+                <a:hlinkClick r:id="rId2"/>
+              </a:rPr>
+              <a:t>https</a:t>
+            </a:r>
+            <a:r>
+              <a:rPr lang="en-US" altLang="zh-TW" dirty="0">
+                <a:hlinkClick r:id="rId2"/>
+              </a:rPr>
+              <a:t>://www.graphiq.com</a:t>
+            </a:r>
+            <a:r>
+              <a:rPr lang="en-US" altLang="zh-TW" dirty="0" smtClean="0">
+                <a:hlinkClick r:id="rId2"/>
+              </a:rPr>
+              <a:t>/</a:t>
+            </a:r>
+            <a:endParaRPr lang="en-US" altLang="zh-TW" dirty="0" smtClean="0"/>
+          </a:p>
+          <a:p>
+            <a:pPr lvl="1"/>
+            <a:r>
+              <a:rPr lang="zh-TW" altLang="en-US" dirty="0" smtClean="0"/>
+              <a:t>可以搜尋關於該地區的圖形資訊，例如：天氣、地形等</a:t>
+            </a:r>
+            <a:endParaRPr lang="en-US" altLang="zh-TW" dirty="0" smtClean="0"/>
+          </a:p>
+          <a:p>
+            <a:endParaRPr lang="en-US" altLang="zh-TW" dirty="0" smtClean="0"/>
+          </a:p>
+          <a:p>
+            <a:r>
+              <a:rPr lang="en-US" altLang="zh-TW" dirty="0" smtClean="0"/>
+              <a:t>Yelp</a:t>
+            </a:r>
+          </a:p>
+          <a:p>
+            <a:pPr lvl="1"/>
+            <a:r>
+              <a:rPr lang="zh-TW" altLang="en-US" dirty="0"/>
+              <a:t>手機</a:t>
+            </a:r>
+            <a:r>
+              <a:rPr lang="en-US" altLang="zh-TW" dirty="0"/>
+              <a:t>APP</a:t>
+            </a:r>
+            <a:r>
+              <a:rPr lang="zh-TW" altLang="en-US" dirty="0"/>
+              <a:t>，可搜尋自己附近或是指定位置附近的店家或景點資訊</a:t>
+            </a:r>
+            <a:r>
+              <a:rPr lang="zh-TW" altLang="en-US" dirty="0" smtClean="0"/>
+              <a:t>。</a:t>
+            </a:r>
+            <a:endParaRPr lang="en-US" altLang="zh-TW" dirty="0" smtClean="0"/>
+          </a:p>
+          <a:p>
+            <a:endParaRPr lang="en-US" altLang="zh-TW" dirty="0" smtClean="0"/>
+          </a:p>
+          <a:p>
+            <a:r>
+              <a:rPr lang="en-US" altLang="zh-TW" dirty="0"/>
+              <a:t>Yelp Fusion</a:t>
+            </a:r>
+          </a:p>
+          <a:p>
+            <a:pPr lvl="1"/>
+            <a:r>
+              <a:rPr lang="en-US" altLang="zh-TW" dirty="0"/>
+              <a:t>Yelp</a:t>
+            </a:r>
+            <a:r>
+              <a:rPr lang="zh-TW" altLang="en-US" dirty="0"/>
+              <a:t>宣布結合</a:t>
+            </a:r>
+            <a:r>
+              <a:rPr lang="en-US" altLang="zh-TW" dirty="0"/>
+              <a:t>Fusion</a:t>
+            </a:r>
+            <a:r>
+              <a:rPr lang="zh-TW" altLang="en-US" dirty="0"/>
+              <a:t> </a:t>
+            </a:r>
+            <a:r>
+              <a:rPr lang="en-US" altLang="zh-TW" dirty="0" err="1"/>
+              <a:t>api</a:t>
+            </a:r>
+            <a:r>
+              <a:rPr lang="zh-TW" altLang="en-US" dirty="0"/>
+              <a:t>，可將搜尋結果最佳化及細分化，以及全天候的緩存，在搜尋某些資料時可以更加快速。</a:t>
+            </a:r>
+            <a:endParaRPr lang="en-US" altLang="zh-TW" dirty="0"/>
+          </a:p>
+          <a:p>
+            <a:pPr lvl="1"/>
+            <a:endParaRPr lang="en-US" altLang="zh-TW" dirty="0" smtClean="0"/>
+          </a:p>
+        </p:txBody>
+      </p:sp>
+    </p:spTree>
+    <p:extLst>
+      <p:ext uri="{BB962C8B-B14F-4D97-AF65-F5344CB8AC3E}">
+        <p14:creationId xmlns:p14="http://schemas.microsoft.com/office/powerpoint/2010/main" val="366612798"/>
+      </p:ext>
+    </p:extLst>
+  </p:cSld>
+  <p:clrMapOvr>
+    <a:masterClrMapping/>
+  </p:clrMapOvr>
+  <p:timing>
+    <p:tnLst>
+      <p:par>
+        <p:cTn id="1" dur="indefinite" restart="never" nodeType="tmRoot"/>
+      </p:par>
+    </p:tnLst>
+  </p:timing>
+</p:sld>
+</file>
+
+<file path=ppt/slides/slide2.xml><?xml version="1.0" encoding="utf-8"?>
+<p:sld xmlns:a="http://schemas.openxmlformats.org/drawingml/2006/main" xmlns:r="http://schemas.openxmlformats.org/officeDocument/2006/relationships" xmlns:p="http://schemas.openxmlformats.org/presentationml/2006/main">
+  <p:cSld>
+    <p:spTree>
+      <p:nvGrpSpPr>
+        <p:cNvPr id="1" name=""/>
+        <p:cNvGrpSpPr/>
+        <p:nvPr/>
+      </p:nvGrpSpPr>
+      <p:grpSpPr>
+        <a:xfrm>
+          <a:off x="0" y="0"/>
+          <a:ext cx="0" cy="0"/>
+          <a:chOff x="0" y="0"/>
+          <a:chExt cx="0" cy="0"/>
+        </a:xfrm>
+      </p:grpSpPr>
+      <p:sp>
+        <p:nvSpPr>
+          <p:cNvPr id="2" name="標題 1"/>
+          <p:cNvSpPr>
+            <a:spLocks noGrp="1"/>
+          </p:cNvSpPr>
+          <p:nvPr>
+            <p:ph type="title"/>
+          </p:nvPr>
+        </p:nvSpPr>
+        <p:spPr/>
+        <p:txBody>
+          <a:bodyPr/>
+          <a:lstStyle/>
+          <a:p>
+            <a:r>
+              <a:rPr lang="en-US" altLang="zh-TW" dirty="0" smtClean="0">
+                <a:latin typeface="+mn-ea"/>
+                <a:ea typeface="+mn-ea"/>
+              </a:rPr>
+              <a:t>Yelp API</a:t>
+            </a:r>
+            <a:r>
+              <a:rPr lang="zh-TW" altLang="en-US" dirty="0" smtClean="0">
+                <a:latin typeface="+mn-ea"/>
+                <a:ea typeface="+mn-ea"/>
+              </a:rPr>
+              <a:t>簡介</a:t>
+            </a:r>
+            <a:endParaRPr lang="zh-TW" altLang="en-US" dirty="0">
+              <a:latin typeface="+mn-ea"/>
+              <a:ea typeface="+mn-ea"/>
+            </a:endParaRPr>
+          </a:p>
+        </p:txBody>
+      </p:sp>
+      <p:sp>
+        <p:nvSpPr>
+          <p:cNvPr id="3" name="內容版面配置區 2"/>
+          <p:cNvSpPr>
+            <a:spLocks noGrp="1"/>
+          </p:cNvSpPr>
+          <p:nvPr>
+            <p:ph idx="1"/>
+          </p:nvPr>
+        </p:nvSpPr>
+        <p:spPr/>
+        <p:txBody>
+          <a:bodyPr>
+            <a:normAutofit/>
+          </a:bodyPr>
+          <a:lstStyle/>
+          <a:p>
+            <a:r>
+              <a:rPr lang="en-US" altLang="zh-TW" dirty="0">
+                <a:latin typeface="+mn-ea"/>
+              </a:rPr>
+              <a:t>Yelp</a:t>
+            </a:r>
+            <a:r>
+              <a:rPr lang="zh-TW" altLang="en-US" dirty="0">
+                <a:latin typeface="+mn-ea"/>
+              </a:rPr>
+              <a:t>是美國最大的點評網站，被稱作「美國版的大眾點評」， </a:t>
+            </a:r>
+            <a:r>
+              <a:rPr lang="en-US" altLang="zh-TW" dirty="0">
+                <a:latin typeface="+mn-ea"/>
+              </a:rPr>
+              <a:t>2004</a:t>
+            </a:r>
+            <a:r>
+              <a:rPr lang="zh-TW" altLang="en-US" dirty="0">
+                <a:latin typeface="+mn-ea"/>
+              </a:rPr>
+              <a:t>年創立於加州舊金山。在</a:t>
+            </a:r>
+            <a:r>
+              <a:rPr lang="en-US" altLang="zh-TW" dirty="0">
+                <a:latin typeface="+mn-ea"/>
+              </a:rPr>
+              <a:t>O2O</a:t>
+            </a:r>
+            <a:r>
+              <a:rPr lang="zh-TW" altLang="en-US" dirty="0">
+                <a:latin typeface="+mn-ea"/>
+              </a:rPr>
+              <a:t>的平台上，</a:t>
+            </a:r>
+            <a:r>
+              <a:rPr lang="en-US" altLang="zh-TW" dirty="0">
+                <a:latin typeface="+mn-ea"/>
+              </a:rPr>
+              <a:t>Yelp</a:t>
+            </a:r>
+            <a:r>
+              <a:rPr lang="zh-TW" altLang="en-US" dirty="0">
+                <a:latin typeface="+mn-ea"/>
+              </a:rPr>
+              <a:t>的移動端平台觸及的用戶算是名列前茅</a:t>
+            </a:r>
+            <a:br>
+              <a:rPr lang="zh-TW" altLang="en-US" dirty="0">
+                <a:latin typeface="+mn-ea"/>
+              </a:rPr>
+            </a:br>
+            <a:endParaRPr lang="en-US" altLang="zh-TW" dirty="0">
+              <a:latin typeface="+mn-ea"/>
+            </a:endParaRPr>
+          </a:p>
+          <a:p>
+            <a:pPr fontAlgn="base"/>
+            <a:r>
+              <a:rPr lang="zh-TW" altLang="en-US" dirty="0" smtClean="0">
+                <a:latin typeface="+mn-ea"/>
+              </a:rPr>
+              <a:t>透過</a:t>
+            </a:r>
+            <a:r>
+              <a:rPr lang="en-US" altLang="zh-TW" dirty="0" smtClean="0">
+                <a:latin typeface="+mn-ea"/>
+              </a:rPr>
+              <a:t>Yelp API</a:t>
+            </a:r>
+            <a:r>
+              <a:rPr lang="zh-TW" altLang="en-US" dirty="0" smtClean="0">
+                <a:latin typeface="+mn-ea"/>
+              </a:rPr>
+              <a:t>便可取得</a:t>
+            </a:r>
+            <a:r>
+              <a:rPr lang="en-US" altLang="zh-TW" dirty="0" smtClean="0">
+                <a:latin typeface="+mn-ea"/>
+              </a:rPr>
+              <a:t>Yelp</a:t>
+            </a:r>
+            <a:r>
+              <a:rPr lang="zh-TW" altLang="en-US" dirty="0" smtClean="0">
+                <a:latin typeface="+mn-ea"/>
+              </a:rPr>
+              <a:t>以下的資料</a:t>
+            </a:r>
+            <a:endParaRPr lang="en-US" altLang="zh-TW" dirty="0" smtClean="0">
+              <a:latin typeface="+mn-ea"/>
+            </a:endParaRPr>
+          </a:p>
+          <a:p>
+            <a:pPr marL="457200" lvl="1" indent="0" fontAlgn="base">
+              <a:buNone/>
+            </a:pPr>
+            <a:r>
+              <a:rPr lang="en-US" altLang="zh-TW" sz="1800" b="1" dirty="0" smtClean="0">
+                <a:latin typeface="+mn-ea"/>
+                <a:hlinkClick r:id="rId2"/>
+              </a:rPr>
+              <a:t>Search</a:t>
+            </a:r>
+            <a:r>
+              <a:rPr lang="zh-TW" altLang="en-US" sz="1800" b="1" dirty="0" smtClean="0">
+                <a:latin typeface="+mn-ea"/>
+              </a:rPr>
+              <a:t> </a:t>
+            </a:r>
+            <a:r>
+              <a:rPr lang="en-US" altLang="zh-TW" sz="1800" b="1" dirty="0" smtClean="0">
+                <a:latin typeface="+mn-ea"/>
+              </a:rPr>
+              <a:t>:</a:t>
+            </a:r>
+            <a:r>
+              <a:rPr lang="zh-TW" altLang="en-US" sz="1800" b="1" dirty="0" smtClean="0">
+                <a:latin typeface="+mn-ea"/>
+              </a:rPr>
+              <a:t> </a:t>
+            </a:r>
+            <a:r>
+              <a:rPr lang="zh-TW" altLang="en-US" sz="1800" dirty="0" smtClean="0">
+                <a:latin typeface="+mn-ea"/>
+              </a:rPr>
+              <a:t>通過關鍵字，位置，類別查找企業，甚至價格水平！</a:t>
+            </a:r>
+            <a:endParaRPr lang="en-US" altLang="zh-TW" sz="1800" dirty="0" smtClean="0">
+              <a:latin typeface="+mn-ea"/>
+            </a:endParaRPr>
+          </a:p>
+          <a:p>
+            <a:pPr marL="457200" lvl="1" indent="0" fontAlgn="base">
+              <a:buNone/>
+            </a:pPr>
+            <a:r>
+              <a:rPr lang="en-US" altLang="zh-TW" sz="1800" b="1" u="sng" dirty="0">
+                <a:latin typeface="+mn-ea"/>
+                <a:hlinkClick r:id="rId3"/>
+              </a:rPr>
+              <a:t>Phone </a:t>
+            </a:r>
+            <a:r>
+              <a:rPr lang="en-US" altLang="zh-TW" sz="1800" b="1" u="sng" dirty="0" smtClean="0">
+                <a:latin typeface="+mn-ea"/>
+                <a:hlinkClick r:id="rId3"/>
+              </a:rPr>
+              <a:t>Search</a:t>
+            </a:r>
+            <a:r>
+              <a:rPr lang="zh-TW" altLang="en-US" sz="1800" b="1" dirty="0">
+                <a:latin typeface="+mn-ea"/>
+              </a:rPr>
+              <a:t> </a:t>
+            </a:r>
+            <a:r>
+              <a:rPr lang="en-US" altLang="zh-TW" sz="1800" b="1" dirty="0" smtClean="0">
+                <a:latin typeface="+mn-ea"/>
+              </a:rPr>
+              <a:t>:</a:t>
+            </a:r>
+            <a:r>
+              <a:rPr lang="zh-TW" altLang="en-US" sz="1800" b="1" dirty="0" smtClean="0">
+                <a:latin typeface="+mn-ea"/>
+              </a:rPr>
+              <a:t> </a:t>
+            </a:r>
+            <a:r>
+              <a:rPr lang="zh-TW" altLang="en-US" sz="1800" dirty="0" smtClean="0">
+                <a:latin typeface="+mn-ea"/>
+              </a:rPr>
+              <a:t>使用</a:t>
+            </a:r>
+            <a:r>
+              <a:rPr lang="zh-TW" altLang="en-US" sz="1800" dirty="0">
+                <a:latin typeface="+mn-ea"/>
+              </a:rPr>
+              <a:t>電話號碼搜索商家</a:t>
+            </a:r>
+            <a:r>
+              <a:rPr lang="zh-TW" altLang="en-US" sz="1800" dirty="0" smtClean="0">
+                <a:latin typeface="+mn-ea"/>
+              </a:rPr>
+              <a:t>。</a:t>
+            </a:r>
+            <a:endParaRPr lang="en-US" altLang="zh-TW" sz="1800" dirty="0" smtClean="0">
+              <a:latin typeface="+mn-ea"/>
+            </a:endParaRPr>
+          </a:p>
+          <a:p>
+            <a:pPr marL="457200" lvl="1" indent="0" fontAlgn="base">
+              <a:buNone/>
+            </a:pPr>
+            <a:r>
+              <a:rPr lang="en-US" altLang="zh-TW" sz="1800" b="1" u="sng" dirty="0">
+                <a:latin typeface="+mn-ea"/>
+                <a:hlinkClick r:id="rId4"/>
+              </a:rPr>
+              <a:t>Transaction </a:t>
+            </a:r>
+            <a:r>
+              <a:rPr lang="en-US" altLang="zh-TW" sz="1800" b="1" u="sng" dirty="0" smtClean="0">
+                <a:latin typeface="+mn-ea"/>
+                <a:hlinkClick r:id="rId4"/>
+              </a:rPr>
+              <a:t>Search</a:t>
+            </a:r>
+            <a:r>
+              <a:rPr lang="zh-TW" altLang="en-US" sz="1800" b="1" dirty="0">
+                <a:latin typeface="+mn-ea"/>
+              </a:rPr>
+              <a:t> </a:t>
+            </a:r>
+            <a:r>
+              <a:rPr lang="en-US" altLang="zh-TW" sz="1800" b="1" dirty="0" smtClean="0">
+                <a:latin typeface="+mn-ea"/>
+              </a:rPr>
+              <a:t>:</a:t>
+            </a:r>
+            <a:r>
+              <a:rPr lang="zh-TW" altLang="en-US" sz="1800" b="1" dirty="0" smtClean="0">
+                <a:latin typeface="+mn-ea"/>
+              </a:rPr>
+              <a:t> </a:t>
+            </a:r>
+            <a:r>
+              <a:rPr lang="zh-TW" altLang="en-US" sz="1800" dirty="0" smtClean="0">
+                <a:latin typeface="+mn-ea"/>
+              </a:rPr>
+              <a:t>搜索</a:t>
+            </a:r>
+            <a:r>
+              <a:rPr lang="zh-TW" altLang="en-US" sz="1800" dirty="0">
+                <a:latin typeface="+mn-ea"/>
+              </a:rPr>
+              <a:t>支持某些交易的企業，如食品交付和提貨</a:t>
+            </a:r>
+            <a:r>
+              <a:rPr lang="zh-TW" altLang="en-US" sz="1800" dirty="0" smtClean="0">
+                <a:latin typeface="+mn-ea"/>
+              </a:rPr>
+              <a:t>。</a:t>
+            </a:r>
+            <a:endParaRPr lang="en-US" altLang="zh-TW" sz="1800" dirty="0" smtClean="0">
+              <a:latin typeface="+mn-ea"/>
+            </a:endParaRPr>
+          </a:p>
+          <a:p>
+            <a:pPr marL="457200" lvl="1" indent="0" fontAlgn="base">
+              <a:buNone/>
+            </a:pPr>
+            <a:r>
+              <a:rPr lang="en-US" altLang="zh-TW" sz="1800" b="1" dirty="0" smtClean="0">
+                <a:latin typeface="+mn-ea"/>
+                <a:hlinkClick r:id="rId5"/>
+              </a:rPr>
+              <a:t>Business</a:t>
+            </a:r>
+            <a:r>
+              <a:rPr lang="zh-TW" altLang="en-US" sz="1800" b="1" dirty="0" smtClean="0">
+                <a:latin typeface="+mn-ea"/>
+              </a:rPr>
+              <a:t> </a:t>
+            </a:r>
+            <a:r>
+              <a:rPr lang="en-US" altLang="zh-TW" sz="1800" b="1" dirty="0" smtClean="0">
+                <a:latin typeface="+mn-ea"/>
+              </a:rPr>
+              <a:t>:</a:t>
+            </a:r>
+            <a:r>
+              <a:rPr lang="zh-TW" altLang="en-US" sz="1800" b="1" dirty="0" smtClean="0">
+                <a:latin typeface="+mn-ea"/>
+              </a:rPr>
+              <a:t> </a:t>
+            </a:r>
+            <a:r>
+              <a:rPr lang="zh-TW" altLang="en-US" sz="1800" dirty="0" smtClean="0">
+                <a:latin typeface="+mn-ea"/>
+              </a:rPr>
+              <a:t>返回</a:t>
+            </a:r>
+            <a:r>
+              <a:rPr lang="zh-TW" altLang="en-US" sz="1800" dirty="0">
+                <a:latin typeface="+mn-ea"/>
+              </a:rPr>
+              <a:t>豐富的業務數據，如照片，</a:t>
+            </a:r>
+            <a:r>
+              <a:rPr lang="en-US" altLang="zh-TW" sz="1800" dirty="0">
+                <a:latin typeface="+mn-ea"/>
+              </a:rPr>
+              <a:t>Yelp</a:t>
+            </a:r>
+            <a:r>
+              <a:rPr lang="zh-TW" altLang="en-US" sz="1800" dirty="0">
+                <a:latin typeface="+mn-ea"/>
+              </a:rPr>
+              <a:t>評級，價格水平和營業時間</a:t>
+            </a:r>
+            <a:r>
+              <a:rPr lang="zh-TW" altLang="en-US" sz="1800" dirty="0" smtClean="0">
+                <a:latin typeface="+mn-ea"/>
+              </a:rPr>
+              <a:t>。</a:t>
+            </a:r>
+            <a:endParaRPr lang="en-US" altLang="zh-TW" sz="1800" dirty="0" smtClean="0">
+              <a:latin typeface="+mn-ea"/>
+            </a:endParaRPr>
+          </a:p>
+          <a:p>
+            <a:pPr marL="457200" lvl="1" indent="0" fontAlgn="base">
+              <a:buNone/>
+            </a:pPr>
+            <a:r>
+              <a:rPr lang="en-US" altLang="zh-TW" sz="1800" b="1" u="sng" dirty="0" smtClean="0">
+                <a:latin typeface="+mn-ea"/>
+                <a:hlinkClick r:id="rId6"/>
+              </a:rPr>
+              <a:t>Reviews</a:t>
+            </a:r>
+            <a:r>
+              <a:rPr lang="zh-TW" altLang="en-US" sz="1800" b="1" dirty="0">
+                <a:latin typeface="+mn-ea"/>
+              </a:rPr>
+              <a:t> </a:t>
+            </a:r>
+            <a:r>
+              <a:rPr lang="en-US" altLang="zh-TW" sz="1800" b="1" dirty="0" smtClean="0">
+                <a:latin typeface="+mn-ea"/>
+              </a:rPr>
+              <a:t>:</a:t>
+            </a:r>
+            <a:r>
+              <a:rPr lang="zh-TW" altLang="en-US" sz="1800" b="1" dirty="0" smtClean="0">
+                <a:latin typeface="+mn-ea"/>
+              </a:rPr>
+              <a:t> </a:t>
+            </a:r>
+            <a:r>
+              <a:rPr lang="zh-TW" altLang="en-US" sz="1800" dirty="0" smtClean="0">
+                <a:latin typeface="+mn-ea"/>
+              </a:rPr>
+              <a:t>返回</a:t>
+            </a:r>
+            <a:r>
+              <a:rPr lang="zh-TW" altLang="en-US" sz="1800" dirty="0">
+                <a:latin typeface="+mn-ea"/>
+              </a:rPr>
+              <a:t>最多</a:t>
+            </a:r>
+            <a:r>
+              <a:rPr lang="en-US" altLang="zh-TW" sz="1800" dirty="0">
+                <a:latin typeface="+mn-ea"/>
+              </a:rPr>
+              <a:t>3</a:t>
+            </a:r>
+            <a:r>
+              <a:rPr lang="zh-TW" altLang="en-US" sz="1800" dirty="0">
+                <a:latin typeface="+mn-ea"/>
+              </a:rPr>
+              <a:t>個審查摘錄的業務</a:t>
+            </a:r>
+            <a:r>
+              <a:rPr lang="zh-TW" altLang="en-US" sz="1800" dirty="0" smtClean="0">
+                <a:latin typeface="+mn-ea"/>
+              </a:rPr>
+              <a:t>。</a:t>
+            </a:r>
+            <a:endParaRPr lang="en-US" altLang="zh-TW" sz="1800" dirty="0" smtClean="0">
+              <a:latin typeface="+mn-ea"/>
+            </a:endParaRPr>
+          </a:p>
+          <a:p>
+            <a:pPr marL="457200" lvl="1" indent="0" fontAlgn="base">
+              <a:buNone/>
+            </a:pPr>
+            <a:r>
+              <a:rPr lang="en-US" altLang="zh-TW" sz="1800" b="1" u="sng" dirty="0" smtClean="0">
+                <a:latin typeface="+mn-ea"/>
+                <a:hlinkClick r:id="rId7"/>
+              </a:rPr>
+              <a:t>Autocomplete</a:t>
+            </a:r>
+            <a:r>
+              <a:rPr lang="zh-TW" altLang="en-US" sz="1800" b="1" dirty="0" smtClean="0">
+                <a:latin typeface="+mn-ea"/>
+              </a:rPr>
+              <a:t> </a:t>
+            </a:r>
+            <a:r>
+              <a:rPr lang="en-US" altLang="zh-TW" sz="1800" b="1" dirty="0" smtClean="0">
+                <a:latin typeface="+mn-ea"/>
+              </a:rPr>
+              <a:t>:</a:t>
+            </a:r>
+            <a:r>
+              <a:rPr lang="zh-TW" altLang="en-US" sz="1800" b="1" dirty="0" smtClean="0">
+                <a:latin typeface="+mn-ea"/>
+              </a:rPr>
+              <a:t> </a:t>
+            </a:r>
+            <a:r>
+              <a:rPr lang="zh-TW" altLang="en-US" sz="1800" dirty="0" smtClean="0">
+                <a:latin typeface="+mn-ea"/>
+              </a:rPr>
+              <a:t>為</a:t>
+            </a:r>
+            <a:r>
+              <a:rPr lang="zh-TW" altLang="en-US" sz="1800" dirty="0">
+                <a:latin typeface="+mn-ea"/>
+              </a:rPr>
+              <a:t>企業，搜索關鍵字和類別提供自動填充建議。</a:t>
+            </a:r>
+          </a:p>
+          <a:p>
+            <a:endParaRPr lang="zh-TW" altLang="en-US" dirty="0">
+              <a:latin typeface="+mn-ea"/>
+            </a:endParaRPr>
+          </a:p>
+        </p:txBody>
+      </p:sp>
+    </p:spTree>
+    <p:extLst>
+      <p:ext uri="{BB962C8B-B14F-4D97-AF65-F5344CB8AC3E}">
+        <p14:creationId xmlns:p14="http://schemas.microsoft.com/office/powerpoint/2010/main" val="131943811"/>
+      </p:ext>
+    </p:extLst>
+  </p:cSld>
+  <p:clrMapOvr>
+    <a:masterClrMapping/>
+  </p:clrMapOvr>
+  <p:timing>
+    <p:tnLst>
+      <p:par>
+        <p:cTn id="1" dur="indefinite" restart="never" nodeType="tmRoot"/>
+      </p:par>
+    </p:tnLst>
+  </p:timing>
+</p:sld>
+</file>
+
+<file path=ppt/slides/slide20.xml><?xml version="1.0" encoding="utf-8"?>
+<p:sld xmlns:a="http://schemas.openxmlformats.org/drawingml/2006/main" xmlns:r="http://schemas.openxmlformats.org/officeDocument/2006/relationships" xmlns:p="http://schemas.openxmlformats.org/presentationml/2006/main">
+  <p:cSld>
+    <p:spTree>
+      <p:nvGrpSpPr>
+        <p:cNvPr id="1" name=""/>
+        <p:cNvGrpSpPr/>
+        <p:nvPr/>
+      </p:nvGrpSpPr>
+      <p:grpSpPr>
+        <a:xfrm>
+          <a:off x="0" y="0"/>
+          <a:ext cx="0" cy="0"/>
+          <a:chOff x="0" y="0"/>
+          <a:chExt cx="0" cy="0"/>
+        </a:xfrm>
+      </p:grpSpPr>
+      <p:sp>
+        <p:nvSpPr>
+          <p:cNvPr id="2" name="標題 1"/>
+          <p:cNvSpPr>
+            <a:spLocks noGrp="1"/>
+          </p:cNvSpPr>
+          <p:nvPr>
+            <p:ph type="title"/>
+          </p:nvPr>
+        </p:nvSpPr>
+        <p:spPr/>
+        <p:txBody>
+          <a:bodyPr/>
+          <a:lstStyle/>
+          <a:p>
+            <a:r>
+              <a:rPr lang="zh-TW" altLang="en-US" dirty="0"/>
+              <a:t>潛在之應用</a:t>
+            </a:r>
+          </a:p>
+        </p:txBody>
+      </p:sp>
+      <p:sp>
+        <p:nvSpPr>
+          <p:cNvPr id="3" name="內容版面配置區 2"/>
+          <p:cNvSpPr>
+            <a:spLocks noGrp="1"/>
+          </p:cNvSpPr>
+          <p:nvPr>
+            <p:ph idx="1"/>
+          </p:nvPr>
+        </p:nvSpPr>
+        <p:spPr/>
+        <p:txBody>
+          <a:bodyPr/>
+          <a:lstStyle/>
+          <a:p>
+            <a:r>
+              <a:rPr lang="zh-TW" altLang="en-US" dirty="0"/>
+              <a:t>結合分享及貼文，成為類社群網站</a:t>
+            </a:r>
+            <a:r>
+              <a:rPr lang="en-US" altLang="zh-TW" dirty="0" smtClean="0"/>
+              <a:t>APP</a:t>
+            </a:r>
+          </a:p>
+          <a:p>
+            <a:pPr lvl="1"/>
+            <a:r>
+              <a:rPr lang="zh-TW" altLang="en-US" dirty="0" smtClean="0"/>
+              <a:t>可</a:t>
+            </a:r>
+            <a:r>
+              <a:rPr lang="zh-TW" altLang="en-US" dirty="0"/>
+              <a:t>讓用戶貼文打卡或是推薦餐廳，其他用戶並可在下面留言，製作出類似社群網站的多人互動</a:t>
+            </a:r>
+            <a:r>
+              <a:rPr lang="en-US" altLang="zh-TW" dirty="0"/>
+              <a:t>APP</a:t>
+            </a:r>
+            <a:r>
+              <a:rPr lang="zh-TW" altLang="en-US" dirty="0" smtClean="0"/>
+              <a:t>。</a:t>
+            </a:r>
+            <a:endParaRPr lang="en-US" altLang="zh-TW" dirty="0" smtClean="0"/>
+          </a:p>
+          <a:p>
+            <a:endParaRPr lang="en-US" altLang="zh-TW" dirty="0" smtClean="0"/>
+          </a:p>
+          <a:p>
+            <a:r>
+              <a:rPr lang="zh-TW" altLang="en-US" dirty="0"/>
+              <a:t>開發商家端</a:t>
+            </a:r>
+            <a:r>
+              <a:rPr lang="en-US" altLang="zh-TW" dirty="0"/>
+              <a:t>APP</a:t>
+            </a:r>
+            <a:r>
+              <a:rPr lang="zh-TW" altLang="en-US" dirty="0"/>
+              <a:t>，藉由</a:t>
+            </a:r>
+            <a:r>
+              <a:rPr lang="en-US" altLang="zh-TW" dirty="0"/>
+              <a:t>SERVER</a:t>
+            </a:r>
+            <a:r>
+              <a:rPr lang="zh-TW" altLang="en-US" dirty="0"/>
+              <a:t>間的互動增進效益</a:t>
+            </a:r>
+            <a:endParaRPr lang="en-US" altLang="zh-TW" dirty="0"/>
+          </a:p>
+          <a:p>
+            <a:pPr lvl="1"/>
+            <a:r>
+              <a:rPr lang="zh-TW" altLang="en-US" dirty="0"/>
+              <a:t>可開發商家端</a:t>
+            </a:r>
+            <a:r>
+              <a:rPr lang="en-US" altLang="zh-TW" dirty="0"/>
+              <a:t>APP</a:t>
+            </a:r>
+            <a:r>
+              <a:rPr lang="zh-TW" altLang="en-US" dirty="0"/>
+              <a:t>，藉此可增加許多新功能，例如</a:t>
+            </a:r>
+            <a:r>
+              <a:rPr lang="en-US" altLang="zh-TW" dirty="0"/>
+              <a:t>:</a:t>
+            </a:r>
+            <a:r>
+              <a:rPr lang="zh-TW" altLang="en-US" dirty="0"/>
+              <a:t>線上訂位，店家即時更新菜單</a:t>
+            </a:r>
+            <a:r>
+              <a:rPr lang="en-US" altLang="zh-TW" dirty="0"/>
+              <a:t>….</a:t>
+            </a:r>
+            <a:r>
+              <a:rPr lang="zh-TW" altLang="en-US" dirty="0"/>
+              <a:t>等等。</a:t>
+            </a:r>
+            <a:endParaRPr lang="en-US" altLang="zh-TW" dirty="0"/>
+          </a:p>
+          <a:p>
+            <a:pPr lvl="1"/>
+            <a:endParaRPr lang="en-US" altLang="zh-TW" dirty="0"/>
+          </a:p>
+          <a:p>
+            <a:pPr marL="0" indent="0">
+              <a:buNone/>
+            </a:pPr>
+            <a:endParaRPr lang="en-US" altLang="zh-TW" dirty="0" smtClean="0"/>
+          </a:p>
+          <a:p>
+            <a:endParaRPr lang="en-US" altLang="zh-TW" dirty="0"/>
+          </a:p>
+          <a:p>
+            <a:endParaRPr lang="en-US" altLang="zh-TW" dirty="0" smtClean="0"/>
+          </a:p>
+          <a:p>
+            <a:pPr lvl="1"/>
+            <a:endParaRPr lang="en-US" altLang="zh-TW" dirty="0" smtClean="0"/>
+          </a:p>
+          <a:p>
+            <a:pPr lvl="1"/>
+            <a:endParaRPr lang="en-US" altLang="zh-TW" dirty="0"/>
+          </a:p>
+          <a:p>
+            <a:pPr lvl="1"/>
+            <a:endParaRPr lang="en-US" altLang="zh-TW" dirty="0" smtClean="0"/>
+          </a:p>
+          <a:p>
+            <a:pPr lvl="1"/>
+            <a:endParaRPr lang="en-US" altLang="zh-TW" dirty="0"/>
+          </a:p>
+          <a:p>
+            <a:pPr lvl="1"/>
+            <a:endParaRPr lang="en-US" altLang="zh-TW" dirty="0" smtClean="0"/>
+          </a:p>
+          <a:p>
+            <a:pPr lvl="1"/>
+            <a:endParaRPr lang="en-US" altLang="zh-TW" dirty="0" smtClean="0"/>
+          </a:p>
+        </p:txBody>
+      </p:sp>
+    </p:spTree>
+    <p:extLst>
+      <p:ext uri="{BB962C8B-B14F-4D97-AF65-F5344CB8AC3E}">
+        <p14:creationId xmlns:p14="http://schemas.microsoft.com/office/powerpoint/2010/main" val="1651168817"/>
+      </p:ext>
+    </p:extLst>
+  </p:cSld>
+  <p:clrMapOvr>
+    <a:masterClrMapping/>
+  </p:clrMapOvr>
+</p:sld>
+</file>
+
+<file path=ppt/slides/slide21.xml><?xml version="1.0" encoding="utf-8"?>
+<p:sld xmlns:a="http://schemas.openxmlformats.org/drawingml/2006/main" xmlns:r="http://schemas.openxmlformats.org/officeDocument/2006/relationships" xmlns:p="http://schemas.openxmlformats.org/presentationml/2006/main">
+  <p:cSld>
+    <p:spTree>
+      <p:nvGrpSpPr>
+        <p:cNvPr id="1" name=""/>
+        <p:cNvGrpSpPr/>
+        <p:nvPr/>
+      </p:nvGrpSpPr>
+      <p:grpSpPr>
+        <a:xfrm>
+          <a:off x="0" y="0"/>
+          <a:ext cx="0" cy="0"/>
+          <a:chOff x="0" y="0"/>
+          <a:chExt cx="0" cy="0"/>
+        </a:xfrm>
+      </p:grpSpPr>
+      <p:sp>
+        <p:nvSpPr>
+          <p:cNvPr id="2" name="標題 1"/>
+          <p:cNvSpPr>
+            <a:spLocks noGrp="1"/>
+          </p:cNvSpPr>
+          <p:nvPr>
+            <p:ph type="title"/>
+          </p:nvPr>
+        </p:nvSpPr>
+        <p:spPr/>
+        <p:txBody>
+          <a:bodyPr/>
+          <a:lstStyle/>
+          <a:p>
+            <a:r>
+              <a:rPr lang="en-US" altLang="zh-TW" dirty="0" err="1" smtClean="0"/>
+              <a:t>YelpBlaBla</a:t>
+            </a:r>
+            <a:r>
+              <a:rPr lang="zh-TW" altLang="en-US" dirty="0" smtClean="0"/>
+              <a:t>簡介</a:t>
+            </a:r>
+            <a:endParaRPr lang="zh-TW" altLang="en-US" dirty="0"/>
+          </a:p>
+        </p:txBody>
+      </p:sp>
+      <p:sp>
+        <p:nvSpPr>
+          <p:cNvPr id="3" name="內容版面配置區 2"/>
+          <p:cNvSpPr>
+            <a:spLocks noGrp="1"/>
+          </p:cNvSpPr>
+          <p:nvPr>
+            <p:ph idx="1"/>
+          </p:nvPr>
+        </p:nvSpPr>
+        <p:spPr/>
+        <p:txBody>
+          <a:bodyPr>
+            <a:normAutofit/>
+          </a:bodyPr>
+          <a:lstStyle/>
+          <a:p>
+            <a:r>
+              <a:rPr lang="zh-TW" altLang="en-US" sz="2000" b="1" dirty="0" smtClean="0"/>
+              <a:t>會員系統</a:t>
+            </a:r>
+            <a:endParaRPr lang="en-US" altLang="zh-TW" sz="2000" b="1" dirty="0"/>
+          </a:p>
+          <a:p>
+            <a:pPr marL="0" indent="0">
+              <a:buNone/>
+            </a:pPr>
+            <a:r>
+              <a:rPr lang="en-US" altLang="zh-TW" sz="2000" b="1" dirty="0" smtClean="0"/>
+              <a:t>	</a:t>
+            </a:r>
+            <a:r>
+              <a:rPr lang="zh-TW" altLang="en-US" dirty="0" smtClean="0"/>
+              <a:t>註冊 </a:t>
+            </a:r>
+            <a:r>
+              <a:rPr lang="en-US" altLang="zh-TW" dirty="0" smtClean="0"/>
+              <a:t>:</a:t>
+            </a:r>
+            <a:r>
+              <a:rPr lang="zh-TW" altLang="en-US" dirty="0" smtClean="0"/>
+              <a:t> 使用者輸入「</a:t>
+            </a:r>
+            <a:r>
+              <a:rPr lang="zh-TW" altLang="en-US" dirty="0"/>
+              <a:t>帳號」 「密碼」 「生日」 「姓名」 「使用者名稱</a:t>
+            </a:r>
+            <a:r>
+              <a:rPr lang="zh-TW" altLang="en-US" dirty="0" smtClean="0"/>
+              <a:t>」後。</a:t>
+            </a:r>
+            <a:r>
+              <a:rPr lang="en-US" altLang="zh-TW" dirty="0" smtClean="0"/>
+              <a:t/>
+            </a:r>
+            <a:br>
+              <a:rPr lang="en-US" altLang="zh-TW" dirty="0" smtClean="0"/>
+            </a:br>
+            <a:r>
+              <a:rPr lang="en-US" altLang="zh-TW" dirty="0" smtClean="0"/>
+              <a:t>	</a:t>
+            </a:r>
+            <a:r>
+              <a:rPr lang="zh-TW" altLang="en-US" dirty="0" smtClean="0"/>
+              <a:t>登入 </a:t>
+            </a:r>
+            <a:r>
+              <a:rPr lang="en-US" altLang="zh-TW" dirty="0" smtClean="0"/>
+              <a:t>:</a:t>
+            </a:r>
+            <a:r>
+              <a:rPr lang="zh-TW" altLang="en-US" dirty="0" smtClean="0"/>
+              <a:t> 使用者</a:t>
+            </a:r>
+            <a:r>
+              <a:rPr lang="zh-TW" altLang="en-US" dirty="0"/>
+              <a:t>輸入帳號密碼後登入。</a:t>
+            </a:r>
+            <a:endParaRPr lang="en-US" altLang="zh-TW" dirty="0"/>
+          </a:p>
+          <a:p>
+            <a:r>
+              <a:rPr lang="zh-TW" altLang="en-US" sz="2000" b="1" dirty="0"/>
+              <a:t>查詢店家</a:t>
+            </a:r>
+            <a:r>
+              <a:rPr lang="zh-TW" altLang="en-US" sz="2000" b="1" dirty="0" smtClean="0"/>
+              <a:t>資料</a:t>
+            </a:r>
+            <a:r>
+              <a:rPr lang="en-US" altLang="zh-TW" sz="2000" b="1" dirty="0" smtClean="0"/>
+              <a:t>(</a:t>
+            </a:r>
+            <a:r>
+              <a:rPr lang="zh-TW" altLang="en-US" sz="2000" b="1" dirty="0" smtClean="0"/>
+              <a:t>無須會員</a:t>
+            </a:r>
+            <a:r>
+              <a:rPr lang="en-US" altLang="zh-TW" sz="2000" b="1" dirty="0" smtClean="0"/>
+              <a:t>)</a:t>
+            </a:r>
+          </a:p>
+          <a:p>
+            <a:pPr marL="0" indent="0">
+              <a:buNone/>
+            </a:pPr>
+            <a:r>
+              <a:rPr lang="en-US" altLang="zh-TW" sz="2000" b="1" dirty="0"/>
+              <a:t>	</a:t>
+            </a:r>
+            <a:r>
+              <a:rPr lang="zh-TW" altLang="en-US" dirty="0" smtClean="0"/>
+              <a:t>於搜尋</a:t>
+            </a:r>
+            <a:r>
+              <a:rPr lang="zh-TW" altLang="en-US" dirty="0"/>
+              <a:t>頁面鍵入欲查詢店家名，可獲得店家名稱、評分、評論、</a:t>
+            </a:r>
+            <a:r>
+              <a:rPr lang="zh-TW" altLang="en-US" dirty="0" smtClean="0"/>
+              <a:t>電話</a:t>
+            </a:r>
+            <a:r>
+              <a:rPr lang="zh-TW" altLang="en-US" dirty="0"/>
+              <a:t>、地址</a:t>
+            </a:r>
+            <a:r>
+              <a:rPr lang="zh-TW" altLang="en-US" dirty="0" smtClean="0"/>
+              <a:t>以及</a:t>
+            </a:r>
+            <a:r>
+              <a:rPr lang="en-US" altLang="zh-TW" dirty="0" smtClean="0"/>
+              <a:t>	GOOGLE </a:t>
+            </a:r>
+            <a:r>
+              <a:rPr lang="en-US" altLang="zh-TW" dirty="0"/>
+              <a:t>MAP</a:t>
+            </a:r>
+            <a:r>
+              <a:rPr lang="zh-TW" altLang="en-US" dirty="0"/>
+              <a:t>顯示地圖等等資料。</a:t>
+            </a:r>
+            <a:endParaRPr lang="en-US" altLang="zh-TW" dirty="0"/>
+          </a:p>
+          <a:p>
+            <a:r>
+              <a:rPr lang="zh-TW" altLang="en-US" sz="2000" b="1" dirty="0"/>
+              <a:t>收藏喜愛</a:t>
+            </a:r>
+            <a:r>
+              <a:rPr lang="zh-TW" altLang="en-US" sz="2000" b="1" dirty="0" smtClean="0"/>
+              <a:t>店家</a:t>
+            </a:r>
+            <a:r>
+              <a:rPr lang="en-US" altLang="zh-TW" sz="2000" b="1" dirty="0" smtClean="0"/>
+              <a:t>(</a:t>
+            </a:r>
+            <a:r>
+              <a:rPr lang="zh-TW" altLang="en-US" sz="2000" b="1" dirty="0" smtClean="0"/>
+              <a:t>需會員</a:t>
+            </a:r>
+            <a:r>
+              <a:rPr lang="en-US" altLang="zh-TW" sz="2000" b="1" dirty="0" smtClean="0"/>
+              <a:t>)</a:t>
+            </a:r>
+            <a:endParaRPr lang="en-US" altLang="zh-TW" sz="2000" b="1" dirty="0"/>
+          </a:p>
+          <a:p>
+            <a:pPr marL="45720" indent="0">
+              <a:buNone/>
+            </a:pPr>
+            <a:r>
+              <a:rPr lang="zh-TW" altLang="en-US" dirty="0"/>
+              <a:t>   </a:t>
+            </a:r>
+            <a:r>
+              <a:rPr lang="en-US" altLang="zh-TW" dirty="0" smtClean="0"/>
+              <a:t>	</a:t>
+            </a:r>
+            <a:r>
+              <a:rPr lang="zh-TW" altLang="en-US" dirty="0" smtClean="0"/>
+              <a:t>可</a:t>
+            </a:r>
+            <a:r>
+              <a:rPr lang="zh-TW" altLang="en-US" dirty="0"/>
+              <a:t>於搜尋結果頁面將喜愛的店家加入</a:t>
+            </a:r>
+            <a:r>
+              <a:rPr lang="zh-TW" altLang="en-US" dirty="0" smtClean="0"/>
+              <a:t>收藏，事後可在收藏列表中快速找該店家。</a:t>
+            </a:r>
+            <a:endParaRPr lang="en-US" altLang="zh-TW" dirty="0"/>
+          </a:p>
+          <a:p>
+            <a:endParaRPr lang="zh-TW" altLang="en-US" dirty="0"/>
+          </a:p>
+        </p:txBody>
+      </p:sp>
+    </p:spTree>
+    <p:extLst>
+      <p:ext uri="{BB962C8B-B14F-4D97-AF65-F5344CB8AC3E}">
+        <p14:creationId xmlns:p14="http://schemas.microsoft.com/office/powerpoint/2010/main" val="3146759844"/>
+      </p:ext>
+    </p:extLst>
+  </p:cSld>
+  <p:clrMapOvr>
+    <a:masterClrMapping/>
+  </p:clrMapOvr>
+</p:sld>
+</file>
+
+<file path=ppt/slides/slide22.xml><?xml version="1.0" encoding="utf-8"?>
+<p:sld xmlns:a="http://schemas.openxmlformats.org/drawingml/2006/main" xmlns:r="http://schemas.openxmlformats.org/officeDocument/2006/relationships" xmlns:p="http://schemas.openxmlformats.org/presentationml/2006/main">
+  <p:cSld>
+    <p:spTree>
+      <p:nvGrpSpPr>
+        <p:cNvPr id="1" name=""/>
+        <p:cNvGrpSpPr/>
+        <p:nvPr/>
+      </p:nvGrpSpPr>
+      <p:grpSpPr>
+        <a:xfrm>
+          <a:off x="0" y="0"/>
+          <a:ext cx="0" cy="0"/>
+          <a:chOff x="0" y="0"/>
+          <a:chExt cx="0" cy="0"/>
+        </a:xfrm>
+      </p:grpSpPr>
+      <p:sp>
+        <p:nvSpPr>
+          <p:cNvPr id="2" name="標題 1"/>
+          <p:cNvSpPr>
+            <a:spLocks noGrp="1"/>
+          </p:cNvSpPr>
+          <p:nvPr>
+            <p:ph type="title"/>
+          </p:nvPr>
+        </p:nvSpPr>
+        <p:spPr/>
+        <p:txBody>
+          <a:bodyPr/>
+          <a:lstStyle/>
+          <a:p>
+            <a:r>
+              <a:rPr lang="zh-TW" altLang="en-US" dirty="0" smtClean="0"/>
+              <a:t>使</a:t>
+            </a:r>
+            <a:r>
+              <a:rPr lang="zh-TW" altLang="en-US" dirty="0"/>
+              <a:t>用</a:t>
+            </a:r>
+            <a:r>
+              <a:rPr lang="zh-TW" altLang="en-US" dirty="0" smtClean="0"/>
+              <a:t>技術</a:t>
+            </a:r>
+            <a:endParaRPr lang="zh-TW" altLang="en-US" dirty="0"/>
+          </a:p>
+        </p:txBody>
+      </p:sp>
+      <p:sp>
+        <p:nvSpPr>
+          <p:cNvPr id="3" name="內容版面配置區 2"/>
+          <p:cNvSpPr>
+            <a:spLocks noGrp="1"/>
+          </p:cNvSpPr>
+          <p:nvPr>
+            <p:ph idx="1"/>
+          </p:nvPr>
+        </p:nvSpPr>
+        <p:spPr/>
+        <p:txBody>
+          <a:bodyPr/>
+          <a:lstStyle/>
+          <a:p>
+            <a:r>
+              <a:rPr lang="en-US" altLang="zh-TW" dirty="0" smtClean="0"/>
+              <a:t>Html</a:t>
+            </a:r>
+          </a:p>
+          <a:p>
+            <a:r>
+              <a:rPr lang="en-US" altLang="zh-TW" dirty="0" smtClean="0"/>
+              <a:t>Bootstrap</a:t>
+            </a:r>
+          </a:p>
+          <a:p>
+            <a:r>
+              <a:rPr lang="en-US" altLang="zh-TW" dirty="0" smtClean="0"/>
+              <a:t>JavaScript</a:t>
+            </a:r>
+          </a:p>
+          <a:p>
+            <a:r>
+              <a:rPr lang="en-US" altLang="zh-TW" dirty="0" smtClean="0"/>
+              <a:t>My SQL</a:t>
+            </a:r>
+          </a:p>
+          <a:p>
+            <a:r>
+              <a:rPr lang="en-US" altLang="zh-TW" dirty="0" smtClean="0"/>
+              <a:t>Java Servlet</a:t>
+            </a:r>
+          </a:p>
+          <a:p>
+            <a:r>
+              <a:rPr lang="en-US" altLang="zh-TW" dirty="0" smtClean="0"/>
+              <a:t>Yelp API</a:t>
+            </a:r>
+          </a:p>
+          <a:p>
+            <a:r>
+              <a:rPr lang="en-US" altLang="zh-TW" dirty="0" smtClean="0"/>
+              <a:t>Rating </a:t>
+            </a:r>
+            <a:r>
+              <a:rPr lang="en-US" altLang="zh-TW" dirty="0" err="1" smtClean="0"/>
+              <a:t>Yo</a:t>
+            </a:r>
+            <a:r>
+              <a:rPr lang="en-US" altLang="zh-TW" dirty="0" smtClean="0"/>
+              <a:t> API</a:t>
+            </a:r>
+          </a:p>
+          <a:p>
+            <a:r>
+              <a:rPr lang="en-US" altLang="zh-TW" dirty="0" smtClean="0"/>
+              <a:t>Google Map API</a:t>
+            </a:r>
+            <a:endParaRPr lang="zh-TW" altLang="en-US" dirty="0"/>
+          </a:p>
+        </p:txBody>
+      </p:sp>
+    </p:spTree>
+    <p:extLst>
+      <p:ext uri="{BB962C8B-B14F-4D97-AF65-F5344CB8AC3E}">
+        <p14:creationId xmlns:p14="http://schemas.microsoft.com/office/powerpoint/2010/main" val="4114352341"/>
+      </p:ext>
+    </p:extLst>
+  </p:cSld>
+  <p:clrMapOvr>
+    <a:masterClrMapping/>
+  </p:clrMapOvr>
+</p:sld>
+</file>
+
+<file path=ppt/slides/slide23.xml><?xml version="1.0" encoding="utf-8"?>
+<p:sld xmlns:a="http://schemas.openxmlformats.org/drawingml/2006/main" xmlns:r="http://schemas.openxmlformats.org/officeDocument/2006/relationships" xmlns:p="http://schemas.openxmlformats.org/presentationml/2006/main">
+  <p:cSld>
+    <p:spTree>
+      <p:nvGrpSpPr>
+        <p:cNvPr id="1" name=""/>
+        <p:cNvGrpSpPr/>
+        <p:nvPr/>
+      </p:nvGrpSpPr>
+      <p:grpSpPr>
+        <a:xfrm>
+          <a:off x="0" y="0"/>
+          <a:ext cx="0" cy="0"/>
+          <a:chOff x="0" y="0"/>
+          <a:chExt cx="0" cy="0"/>
+        </a:xfrm>
+      </p:grpSpPr>
+      <p:sp>
+        <p:nvSpPr>
+          <p:cNvPr id="2" name="標題 1"/>
+          <p:cNvSpPr>
+            <a:spLocks noGrp="1"/>
+          </p:cNvSpPr>
+          <p:nvPr>
+            <p:ph type="title"/>
+          </p:nvPr>
+        </p:nvSpPr>
+        <p:spPr/>
+        <p:txBody>
+          <a:bodyPr/>
+          <a:lstStyle/>
+          <a:p>
+            <a:r>
+              <a:rPr lang="en-US" altLang="zh-TW" dirty="0" smtClean="0"/>
+              <a:t>Functional Map</a:t>
+            </a:r>
+            <a:endParaRPr lang="zh-TW" altLang="en-US" dirty="0"/>
+          </a:p>
+        </p:txBody>
+      </p:sp>
+      <p:sp>
+        <p:nvSpPr>
+          <p:cNvPr id="3" name="內容版面配置區 2"/>
+          <p:cNvSpPr>
+            <a:spLocks noGrp="1"/>
+          </p:cNvSpPr>
+          <p:nvPr>
+            <p:ph idx="1"/>
+          </p:nvPr>
+        </p:nvSpPr>
+        <p:spPr/>
+        <p:txBody>
+          <a:bodyPr/>
+          <a:lstStyle/>
+          <a:p>
+            <a:endParaRPr lang="zh-TW" altLang="en-US" dirty="0"/>
+          </a:p>
+        </p:txBody>
+      </p:sp>
+      <p:sp>
+        <p:nvSpPr>
+          <p:cNvPr id="4" name="圓角矩形 3"/>
+          <p:cNvSpPr/>
+          <p:nvPr/>
+        </p:nvSpPr>
+        <p:spPr>
+          <a:xfrm>
+            <a:off x="493626" y="3348785"/>
+            <a:ext cx="2210937" cy="1228298"/>
+          </a:xfrm>
+          <a:prstGeom prst="roundRect">
+            <a:avLst/>
+          </a:prstGeom>
+          <a:solidFill>
+            <a:srgbClr val="DC7B54"/>
+          </a:solidFill>
+          <a:ln>
+            <a:solidFill>
+              <a:srgbClr val="DC7B54"/>
+            </a:solidFill>
+          </a:ln>
+        </p:spPr>
+        <p:style>
+          <a:lnRef idx="2">
+            <a:schemeClr val="accent1">
+              <a:shade val="50000"/>
+            </a:schemeClr>
+          </a:lnRef>
+          <a:fillRef idx="1">
+            <a:schemeClr val="accent1"/>
+          </a:fillRef>
+          <a:effectRef idx="0">
+            <a:schemeClr val="accent1"/>
+          </a:effectRef>
+          <a:fontRef idx="minor">
+            <a:schemeClr val="lt1"/>
+          </a:fontRef>
+        </p:style>
+        <p:txBody>
+          <a:bodyPr rtlCol="0" anchor="ctr"/>
+          <a:lstStyle/>
+          <a:p>
+            <a:pPr algn="ctr"/>
+            <a:r>
+              <a:rPr lang="en-US" altLang="zh-TW" sz="3200" dirty="0" err="1" smtClean="0"/>
+              <a:t>Homgpage</a:t>
+            </a:r>
+            <a:endParaRPr lang="zh-TW" altLang="en-US" sz="3200" dirty="0"/>
+          </a:p>
+        </p:txBody>
+      </p:sp>
+      <p:sp>
+        <p:nvSpPr>
+          <p:cNvPr id="5" name="圓角矩形 4"/>
+          <p:cNvSpPr/>
+          <p:nvPr/>
+        </p:nvSpPr>
+        <p:spPr>
+          <a:xfrm>
+            <a:off x="3591874" y="1507843"/>
+            <a:ext cx="2210937" cy="1228298"/>
+          </a:xfrm>
+          <a:prstGeom prst="roundRect">
+            <a:avLst/>
+          </a:prstGeom>
+          <a:solidFill>
+            <a:srgbClr val="DC7B54"/>
+          </a:solidFill>
+          <a:ln>
+            <a:solidFill>
+              <a:srgbClr val="DC7B54"/>
+            </a:solidFill>
+          </a:ln>
+        </p:spPr>
+        <p:style>
+          <a:lnRef idx="2">
+            <a:schemeClr val="accent1">
+              <a:shade val="50000"/>
+            </a:schemeClr>
+          </a:lnRef>
+          <a:fillRef idx="1">
+            <a:schemeClr val="accent1"/>
+          </a:fillRef>
+          <a:effectRef idx="0">
+            <a:schemeClr val="accent1"/>
+          </a:effectRef>
+          <a:fontRef idx="minor">
+            <a:schemeClr val="lt1"/>
+          </a:fontRef>
+        </p:style>
+        <p:txBody>
+          <a:bodyPr rtlCol="0" anchor="ctr"/>
+          <a:lstStyle/>
+          <a:p>
+            <a:pPr algn="ctr"/>
+            <a:r>
+              <a:rPr lang="en-US" altLang="zh-TW" sz="3200" dirty="0" smtClean="0"/>
+              <a:t>Log in</a:t>
+            </a:r>
+            <a:endParaRPr lang="zh-TW" altLang="en-US" sz="3200" dirty="0"/>
+          </a:p>
+        </p:txBody>
+      </p:sp>
+      <p:sp>
+        <p:nvSpPr>
+          <p:cNvPr id="6" name="圓角矩形 5"/>
+          <p:cNvSpPr/>
+          <p:nvPr/>
+        </p:nvSpPr>
+        <p:spPr>
+          <a:xfrm>
+            <a:off x="3591874" y="2862955"/>
+            <a:ext cx="2210937" cy="1228298"/>
+          </a:xfrm>
+          <a:prstGeom prst="roundRect">
+            <a:avLst/>
+          </a:prstGeom>
+          <a:solidFill>
+            <a:srgbClr val="DC7B54"/>
+          </a:solidFill>
+          <a:ln>
+            <a:solidFill>
+              <a:srgbClr val="DC7B54"/>
+            </a:solidFill>
+          </a:ln>
+        </p:spPr>
+        <p:style>
+          <a:lnRef idx="2">
+            <a:schemeClr val="accent1">
+              <a:shade val="50000"/>
+            </a:schemeClr>
+          </a:lnRef>
+          <a:fillRef idx="1">
+            <a:schemeClr val="accent1"/>
+          </a:fillRef>
+          <a:effectRef idx="0">
+            <a:schemeClr val="accent1"/>
+          </a:effectRef>
+          <a:fontRef idx="minor">
+            <a:schemeClr val="lt1"/>
+          </a:fontRef>
+        </p:style>
+        <p:txBody>
+          <a:bodyPr rtlCol="0" anchor="ctr"/>
+          <a:lstStyle/>
+          <a:p>
+            <a:pPr algn="ctr"/>
+            <a:r>
+              <a:rPr lang="en-US" altLang="zh-TW" sz="3200" dirty="0" smtClean="0"/>
+              <a:t>Sign up</a:t>
+            </a:r>
+            <a:endParaRPr lang="zh-TW" altLang="en-US" sz="3200" dirty="0"/>
+          </a:p>
+        </p:txBody>
+      </p:sp>
+      <p:sp>
+        <p:nvSpPr>
+          <p:cNvPr id="7" name="圓角矩形 6"/>
+          <p:cNvSpPr/>
+          <p:nvPr/>
+        </p:nvSpPr>
+        <p:spPr>
+          <a:xfrm>
+            <a:off x="3591875" y="4237895"/>
+            <a:ext cx="2210937" cy="1228298"/>
+          </a:xfrm>
+          <a:prstGeom prst="roundRect">
+            <a:avLst/>
+          </a:prstGeom>
+          <a:solidFill>
+            <a:srgbClr val="DC7B54"/>
+          </a:solidFill>
+          <a:ln>
+            <a:solidFill>
+              <a:srgbClr val="DC7B54"/>
+            </a:solidFill>
+          </a:ln>
+        </p:spPr>
+        <p:style>
+          <a:lnRef idx="2">
+            <a:schemeClr val="accent1">
+              <a:shade val="50000"/>
+            </a:schemeClr>
+          </a:lnRef>
+          <a:fillRef idx="1">
+            <a:schemeClr val="accent1"/>
+          </a:fillRef>
+          <a:effectRef idx="0">
+            <a:schemeClr val="accent1"/>
+          </a:effectRef>
+          <a:fontRef idx="minor">
+            <a:schemeClr val="lt1"/>
+          </a:fontRef>
+        </p:style>
+        <p:txBody>
+          <a:bodyPr rtlCol="0" anchor="ctr"/>
+          <a:lstStyle/>
+          <a:p>
+            <a:pPr algn="ctr"/>
+            <a:r>
+              <a:rPr lang="en-US" altLang="zh-TW" sz="3200" dirty="0" smtClean="0"/>
+              <a:t>Search</a:t>
+            </a:r>
+            <a:endParaRPr lang="zh-TW" altLang="en-US" sz="3200" dirty="0"/>
+          </a:p>
+        </p:txBody>
+      </p:sp>
+      <p:sp>
+        <p:nvSpPr>
+          <p:cNvPr id="8" name="圓角矩形 7"/>
+          <p:cNvSpPr/>
+          <p:nvPr/>
+        </p:nvSpPr>
+        <p:spPr>
+          <a:xfrm>
+            <a:off x="3591874" y="5581619"/>
+            <a:ext cx="2210937" cy="1228298"/>
+          </a:xfrm>
+          <a:prstGeom prst="roundRect">
+            <a:avLst/>
+          </a:prstGeom>
+          <a:solidFill>
+            <a:srgbClr val="DC7B54"/>
+          </a:solidFill>
+          <a:ln>
+            <a:solidFill>
+              <a:srgbClr val="DC7B54"/>
+            </a:solidFill>
+          </a:ln>
+        </p:spPr>
+        <p:style>
+          <a:lnRef idx="2">
+            <a:schemeClr val="accent1">
+              <a:shade val="50000"/>
+            </a:schemeClr>
+          </a:lnRef>
+          <a:fillRef idx="1">
+            <a:schemeClr val="accent1"/>
+          </a:fillRef>
+          <a:effectRef idx="0">
+            <a:schemeClr val="accent1"/>
+          </a:effectRef>
+          <a:fontRef idx="minor">
+            <a:schemeClr val="lt1"/>
+          </a:fontRef>
+        </p:style>
+        <p:txBody>
+          <a:bodyPr rtlCol="0" anchor="ctr"/>
+          <a:lstStyle/>
+          <a:p>
+            <a:pPr algn="ctr"/>
+            <a:r>
+              <a:rPr lang="en-US" altLang="zh-TW" sz="3200" dirty="0" smtClean="0"/>
+              <a:t>Collect</a:t>
+            </a:r>
+            <a:endParaRPr lang="zh-TW" altLang="en-US" sz="3200" dirty="0"/>
+          </a:p>
+        </p:txBody>
+      </p:sp>
+      <p:sp>
+        <p:nvSpPr>
+          <p:cNvPr id="9" name="圓角矩形 8"/>
+          <p:cNvSpPr/>
+          <p:nvPr/>
+        </p:nvSpPr>
+        <p:spPr>
+          <a:xfrm>
+            <a:off x="6446533" y="1507843"/>
+            <a:ext cx="2210937" cy="1228298"/>
+          </a:xfrm>
+          <a:prstGeom prst="roundRect">
+            <a:avLst/>
+          </a:prstGeom>
+          <a:solidFill>
+            <a:srgbClr val="DC7B54"/>
+          </a:solidFill>
+          <a:ln>
+            <a:solidFill>
+              <a:srgbClr val="DC7B54"/>
+            </a:solidFill>
+          </a:ln>
+        </p:spPr>
+        <p:style>
+          <a:lnRef idx="2">
+            <a:schemeClr val="accent1">
+              <a:shade val="50000"/>
+            </a:schemeClr>
+          </a:lnRef>
+          <a:fillRef idx="1">
+            <a:schemeClr val="accent1"/>
+          </a:fillRef>
+          <a:effectRef idx="0">
+            <a:schemeClr val="accent1"/>
+          </a:effectRef>
+          <a:fontRef idx="minor">
+            <a:schemeClr val="lt1"/>
+          </a:fontRef>
+        </p:style>
+        <p:txBody>
+          <a:bodyPr rtlCol="0" anchor="ctr"/>
+          <a:lstStyle/>
+          <a:p>
+            <a:pPr algn="ctr"/>
+            <a:r>
+              <a:rPr lang="en-US" altLang="zh-TW" sz="3200" dirty="0" smtClean="0"/>
+              <a:t>Log out</a:t>
+            </a:r>
+            <a:endParaRPr lang="zh-TW" altLang="en-US" sz="3200" dirty="0"/>
+          </a:p>
+        </p:txBody>
+      </p:sp>
+      <p:sp>
+        <p:nvSpPr>
+          <p:cNvPr id="10" name="圓角矩形 9"/>
+          <p:cNvSpPr/>
+          <p:nvPr/>
+        </p:nvSpPr>
+        <p:spPr>
+          <a:xfrm>
+            <a:off x="6446533" y="4237895"/>
+            <a:ext cx="2210937" cy="1228298"/>
+          </a:xfrm>
+          <a:prstGeom prst="roundRect">
+            <a:avLst/>
+          </a:prstGeom>
+          <a:solidFill>
+            <a:srgbClr val="DC7B54"/>
+          </a:solidFill>
+          <a:ln>
+            <a:solidFill>
+              <a:srgbClr val="DC7B54"/>
+            </a:solidFill>
+          </a:ln>
+        </p:spPr>
+        <p:style>
+          <a:lnRef idx="2">
+            <a:schemeClr val="accent1">
+              <a:shade val="50000"/>
+            </a:schemeClr>
+          </a:lnRef>
+          <a:fillRef idx="1">
+            <a:schemeClr val="accent1"/>
+          </a:fillRef>
+          <a:effectRef idx="0">
+            <a:schemeClr val="accent1"/>
+          </a:effectRef>
+          <a:fontRef idx="minor">
+            <a:schemeClr val="lt1"/>
+          </a:fontRef>
+        </p:style>
+        <p:txBody>
+          <a:bodyPr rtlCol="0" anchor="ctr"/>
+          <a:lstStyle/>
+          <a:p>
+            <a:pPr algn="ctr"/>
+            <a:r>
+              <a:rPr lang="en-US" altLang="zh-TW" sz="3200" dirty="0" smtClean="0"/>
+              <a:t>Search Detai</a:t>
+            </a:r>
+            <a:r>
+              <a:rPr lang="en-US" altLang="zh-TW" sz="3200" dirty="0"/>
+              <a:t>l</a:t>
+            </a:r>
+            <a:endParaRPr lang="zh-TW" altLang="en-US" sz="3200" dirty="0"/>
+          </a:p>
+        </p:txBody>
+      </p:sp>
+      <p:sp>
+        <p:nvSpPr>
+          <p:cNvPr id="11" name="圓角矩形 10"/>
+          <p:cNvSpPr/>
+          <p:nvPr/>
+        </p:nvSpPr>
+        <p:spPr>
+          <a:xfrm>
+            <a:off x="6446533" y="5581619"/>
+            <a:ext cx="2210937" cy="1228298"/>
+          </a:xfrm>
+          <a:prstGeom prst="roundRect">
+            <a:avLst/>
+          </a:prstGeom>
+          <a:solidFill>
+            <a:srgbClr val="DC7B54"/>
+          </a:solidFill>
+          <a:ln>
+            <a:solidFill>
+              <a:srgbClr val="DC7B54"/>
+            </a:solidFill>
+          </a:ln>
+        </p:spPr>
+        <p:style>
+          <a:lnRef idx="2">
+            <a:schemeClr val="accent1">
+              <a:shade val="50000"/>
+            </a:schemeClr>
+          </a:lnRef>
+          <a:fillRef idx="1">
+            <a:schemeClr val="accent1"/>
+          </a:fillRef>
+          <a:effectRef idx="0">
+            <a:schemeClr val="accent1"/>
+          </a:effectRef>
+          <a:fontRef idx="minor">
+            <a:schemeClr val="lt1"/>
+          </a:fontRef>
+        </p:style>
+        <p:txBody>
+          <a:bodyPr rtlCol="0" anchor="ctr"/>
+          <a:lstStyle/>
+          <a:p>
+            <a:pPr algn="ctr"/>
+            <a:r>
+              <a:rPr lang="en-US" altLang="zh-TW" sz="3200" dirty="0" smtClean="0"/>
+              <a:t>Collect Detail</a:t>
+            </a:r>
+            <a:endParaRPr lang="zh-TW" altLang="en-US" sz="3200" dirty="0"/>
+          </a:p>
+        </p:txBody>
+      </p:sp>
+      <p:cxnSp>
+        <p:nvCxnSpPr>
+          <p:cNvPr id="12" name="直線單箭頭接點 11"/>
+          <p:cNvCxnSpPr>
+            <a:stCxn id="4" idx="3"/>
+            <a:endCxn id="6" idx="1"/>
+          </p:cNvCxnSpPr>
+          <p:nvPr/>
+        </p:nvCxnSpPr>
+        <p:spPr>
+          <a:xfrm flipV="1">
+            <a:off x="2704563" y="3477104"/>
+            <a:ext cx="887311" cy="485830"/>
+          </a:xfrm>
+          <a:prstGeom prst="straightConnector1">
+            <a:avLst/>
+          </a:prstGeom>
+          <a:ln>
+            <a:solidFill>
+              <a:srgbClr val="DC7B54"/>
+            </a:solidFill>
+            <a:tailEnd type="triangle"/>
+          </a:ln>
+        </p:spPr>
+        <p:style>
+          <a:lnRef idx="1">
+            <a:schemeClr val="accent1"/>
+          </a:lnRef>
+          <a:fillRef idx="0">
+            <a:schemeClr val="accent1"/>
+          </a:fillRef>
+          <a:effectRef idx="0">
+            <a:schemeClr val="accent1"/>
+          </a:effectRef>
+          <a:fontRef idx="minor">
+            <a:schemeClr val="tx1"/>
+          </a:fontRef>
+        </p:style>
+      </p:cxnSp>
+      <p:cxnSp>
+        <p:nvCxnSpPr>
+          <p:cNvPr id="13" name="直線單箭頭接點 12"/>
+          <p:cNvCxnSpPr>
+            <a:stCxn id="4" idx="3"/>
+            <a:endCxn id="5" idx="1"/>
+          </p:cNvCxnSpPr>
+          <p:nvPr/>
+        </p:nvCxnSpPr>
+        <p:spPr>
+          <a:xfrm flipV="1">
+            <a:off x="2704563" y="2121992"/>
+            <a:ext cx="887311" cy="1840942"/>
+          </a:xfrm>
+          <a:prstGeom prst="straightConnector1">
+            <a:avLst/>
+          </a:prstGeom>
+          <a:ln>
+            <a:solidFill>
+              <a:srgbClr val="DC7B54"/>
+            </a:solidFill>
+            <a:tailEnd type="triangle"/>
+          </a:ln>
+        </p:spPr>
+        <p:style>
+          <a:lnRef idx="1">
+            <a:schemeClr val="accent1"/>
+          </a:lnRef>
+          <a:fillRef idx="0">
+            <a:schemeClr val="accent1"/>
+          </a:fillRef>
+          <a:effectRef idx="0">
+            <a:schemeClr val="accent1"/>
+          </a:effectRef>
+          <a:fontRef idx="minor">
+            <a:schemeClr val="tx1"/>
+          </a:fontRef>
+        </p:style>
+      </p:cxnSp>
+      <p:cxnSp>
+        <p:nvCxnSpPr>
+          <p:cNvPr id="14" name="直線單箭頭接點 13"/>
+          <p:cNvCxnSpPr>
+            <a:endCxn id="7" idx="1"/>
+          </p:cNvCxnSpPr>
+          <p:nvPr/>
+        </p:nvCxnSpPr>
+        <p:spPr>
+          <a:xfrm>
+            <a:off x="2702497" y="3945603"/>
+            <a:ext cx="889378" cy="906441"/>
+          </a:xfrm>
+          <a:prstGeom prst="straightConnector1">
+            <a:avLst/>
+          </a:prstGeom>
+          <a:ln>
+            <a:solidFill>
+              <a:srgbClr val="DC7B54"/>
+            </a:solidFill>
+            <a:tailEnd type="triangle"/>
+          </a:ln>
+        </p:spPr>
+        <p:style>
+          <a:lnRef idx="1">
+            <a:schemeClr val="accent1"/>
+          </a:lnRef>
+          <a:fillRef idx="0">
+            <a:schemeClr val="accent1"/>
+          </a:fillRef>
+          <a:effectRef idx="0">
+            <a:schemeClr val="accent1"/>
+          </a:effectRef>
+          <a:fontRef idx="minor">
+            <a:schemeClr val="tx1"/>
+          </a:fontRef>
+        </p:style>
+      </p:cxnSp>
+      <p:cxnSp>
+        <p:nvCxnSpPr>
+          <p:cNvPr id="15" name="直線單箭頭接點 14"/>
+          <p:cNvCxnSpPr>
+            <a:endCxn id="8" idx="1"/>
+          </p:cNvCxnSpPr>
+          <p:nvPr/>
+        </p:nvCxnSpPr>
+        <p:spPr>
+          <a:xfrm>
+            <a:off x="2731336" y="3962934"/>
+            <a:ext cx="860538" cy="2232834"/>
+          </a:xfrm>
+          <a:prstGeom prst="straightConnector1">
+            <a:avLst/>
+          </a:prstGeom>
+          <a:ln>
+            <a:solidFill>
+              <a:srgbClr val="DC7B54"/>
+            </a:solidFill>
+            <a:tailEnd type="triangle"/>
+          </a:ln>
+        </p:spPr>
+        <p:style>
+          <a:lnRef idx="1">
+            <a:schemeClr val="accent1"/>
+          </a:lnRef>
+          <a:fillRef idx="0">
+            <a:schemeClr val="accent1"/>
+          </a:fillRef>
+          <a:effectRef idx="0">
+            <a:schemeClr val="accent1"/>
+          </a:effectRef>
+          <a:fontRef idx="minor">
+            <a:schemeClr val="tx1"/>
+          </a:fontRef>
+        </p:style>
+      </p:cxnSp>
+      <p:cxnSp>
+        <p:nvCxnSpPr>
+          <p:cNvPr id="16" name="直線單箭頭接點 15"/>
+          <p:cNvCxnSpPr>
+            <a:endCxn id="9" idx="1"/>
+          </p:cNvCxnSpPr>
+          <p:nvPr/>
+        </p:nvCxnSpPr>
+        <p:spPr>
+          <a:xfrm flipV="1">
+            <a:off x="5802811" y="2121992"/>
+            <a:ext cx="643722" cy="1"/>
+          </a:xfrm>
+          <a:prstGeom prst="straightConnector1">
+            <a:avLst/>
+          </a:prstGeom>
+          <a:ln>
+            <a:solidFill>
+              <a:srgbClr val="DC7B54"/>
+            </a:solidFill>
+            <a:tailEnd type="triangle"/>
+          </a:ln>
+        </p:spPr>
+        <p:style>
+          <a:lnRef idx="1">
+            <a:schemeClr val="accent1"/>
+          </a:lnRef>
+          <a:fillRef idx="0">
+            <a:schemeClr val="accent1"/>
+          </a:fillRef>
+          <a:effectRef idx="0">
+            <a:schemeClr val="accent1"/>
+          </a:effectRef>
+          <a:fontRef idx="minor">
+            <a:schemeClr val="tx1"/>
+          </a:fontRef>
+        </p:style>
+      </p:cxnSp>
+      <p:cxnSp>
+        <p:nvCxnSpPr>
+          <p:cNvPr id="17" name="直線單箭頭接點 16"/>
+          <p:cNvCxnSpPr/>
+          <p:nvPr/>
+        </p:nvCxnSpPr>
+        <p:spPr>
+          <a:xfrm flipV="1">
+            <a:off x="5802811" y="4875327"/>
+            <a:ext cx="643722" cy="1"/>
+          </a:xfrm>
+          <a:prstGeom prst="straightConnector1">
+            <a:avLst/>
+          </a:prstGeom>
+          <a:ln>
+            <a:solidFill>
+              <a:srgbClr val="DC7B54"/>
+            </a:solidFill>
+            <a:tailEnd type="triangle"/>
+          </a:ln>
+        </p:spPr>
+        <p:style>
+          <a:lnRef idx="1">
+            <a:schemeClr val="accent1"/>
+          </a:lnRef>
+          <a:fillRef idx="0">
+            <a:schemeClr val="accent1"/>
+          </a:fillRef>
+          <a:effectRef idx="0">
+            <a:schemeClr val="accent1"/>
+          </a:effectRef>
+          <a:fontRef idx="minor">
+            <a:schemeClr val="tx1"/>
+          </a:fontRef>
+        </p:style>
+      </p:cxnSp>
+      <p:cxnSp>
+        <p:nvCxnSpPr>
+          <p:cNvPr id="18" name="直線單箭頭接點 17"/>
+          <p:cNvCxnSpPr/>
+          <p:nvPr/>
+        </p:nvCxnSpPr>
+        <p:spPr>
+          <a:xfrm flipV="1">
+            <a:off x="5802811" y="6224099"/>
+            <a:ext cx="643722" cy="1"/>
+          </a:xfrm>
+          <a:prstGeom prst="straightConnector1">
+            <a:avLst/>
+          </a:prstGeom>
+          <a:ln>
+            <a:solidFill>
+              <a:srgbClr val="DC7B54"/>
+            </a:solidFill>
+            <a:tailEnd type="triangle"/>
+          </a:ln>
+        </p:spPr>
+        <p:style>
+          <a:lnRef idx="1">
+            <a:schemeClr val="accent1"/>
+          </a:lnRef>
+          <a:fillRef idx="0">
+            <a:schemeClr val="accent1"/>
+          </a:fillRef>
+          <a:effectRef idx="0">
+            <a:schemeClr val="accent1"/>
+          </a:effectRef>
+          <a:fontRef idx="minor">
+            <a:schemeClr val="tx1"/>
+          </a:fontRef>
+        </p:style>
+      </p:cxnSp>
+    </p:spTree>
+    <p:extLst>
+      <p:ext uri="{BB962C8B-B14F-4D97-AF65-F5344CB8AC3E}">
+        <p14:creationId xmlns:p14="http://schemas.microsoft.com/office/powerpoint/2010/main" val="2747979470"/>
+      </p:ext>
+    </p:extLst>
+  </p:cSld>
+  <p:clrMapOvr>
+    <a:masterClrMapping/>
+  </p:clrMapOvr>
+</p:sld>
+</file>
+
+<file path=ppt/slides/slide24.xml><?xml version="1.0" encoding="utf-8"?>
+<p:sld xmlns:a="http://schemas.openxmlformats.org/drawingml/2006/main" xmlns:r="http://schemas.openxmlformats.org/officeDocument/2006/relationships" xmlns:p="http://schemas.openxmlformats.org/presentationml/2006/main">
+  <p:cSld>
+    <p:spTree>
+      <p:nvGrpSpPr>
+        <p:cNvPr id="1" name=""/>
+        <p:cNvGrpSpPr/>
+        <p:nvPr/>
+      </p:nvGrpSpPr>
+      <p:grpSpPr>
+        <a:xfrm>
+          <a:off x="0" y="0"/>
+          <a:ext cx="0" cy="0"/>
+          <a:chOff x="0" y="0"/>
+          <a:chExt cx="0" cy="0"/>
+        </a:xfrm>
+      </p:grpSpPr>
+      <p:sp>
+        <p:nvSpPr>
+          <p:cNvPr id="2" name="標題 1"/>
+          <p:cNvSpPr>
+            <a:spLocks noGrp="1"/>
+          </p:cNvSpPr>
+          <p:nvPr>
+            <p:ph type="title"/>
+          </p:nvPr>
+        </p:nvSpPr>
+        <p:spPr/>
+        <p:txBody>
+          <a:bodyPr/>
+          <a:lstStyle/>
+          <a:p>
+            <a:r>
+              <a:rPr lang="zh-TW" altLang="en-US" dirty="0" smtClean="0"/>
               <a:t>類別圖 </a:t>
             </a:r>
             <a:r>
@@ -8617,7 +12308,7 @@
 </p:sld>
 </file>
 
-<file path=ppt/slides/slide11.xml><?xml version="1.0" encoding="utf-8"?>
+<file path=ppt/slides/slide25.xml><?xml version="1.0" encoding="utf-8"?>
 <p:sld xmlns:a="http://schemas.openxmlformats.org/drawingml/2006/main" xmlns:r="http://schemas.openxmlformats.org/officeDocument/2006/relationships" xmlns:p="http://schemas.openxmlformats.org/presentationml/2006/main">
   <p:cSld>
     <p:spTree>
@@ -9151,7 +12842,7 @@
 </p:sld>
 </file>
 
-<file path=ppt/slides/slide12.xml><?xml version="1.0" encoding="utf-8"?>
+<file path=ppt/slides/slide26.xml><?xml version="1.0" encoding="utf-8"?>
 <p:sld xmlns:a="http://schemas.openxmlformats.org/drawingml/2006/main" xmlns:r="http://schemas.openxmlformats.org/officeDocument/2006/relationships" xmlns:p="http://schemas.openxmlformats.org/presentationml/2006/main">
   <p:cSld>
     <p:spTree>
@@ -9855,7 +13546,7 @@
 </p:sld>
 </file>
 
-<file path=ppt/slides/slide13.xml><?xml version="1.0" encoding="utf-8"?>
+<file path=ppt/slides/slide27.xml><?xml version="1.0" encoding="utf-8"?>
 <p:sld xmlns:a="http://schemas.openxmlformats.org/drawingml/2006/main" xmlns:r="http://schemas.openxmlformats.org/officeDocument/2006/relationships" xmlns:p="http://schemas.openxmlformats.org/presentationml/2006/main">
   <p:cSld>
     <p:spTree>
@@ -9923,10 +13614,17 @@
   <p:clrMapOvr>
     <a:masterClrMapping/>
   </p:clrMapOvr>
+  <p:timing>
+    <p:tnLst>
+      <p:par>
+        <p:cTn id="1" dur="indefinite" restart="never" nodeType="tmRoot"/>
+      </p:par>
+    </p:tnLst>
+  </p:timing>
 </p:sld>
 </file>
 
-<file path=ppt/slides/slide14.xml><?xml version="1.0" encoding="utf-8"?>
+<file path=ppt/slides/slide28.xml><?xml version="1.0" encoding="utf-8"?>
 <p:sld xmlns:a="http://schemas.openxmlformats.org/drawingml/2006/main" xmlns:r="http://schemas.openxmlformats.org/officeDocument/2006/relationships" xmlns:p="http://schemas.openxmlformats.org/presentationml/2006/main">
   <p:cSld>
     <p:spTree>
@@ -10021,7 +13719,7 @@
 </p:sld>
 </file>
 
-<file path=ppt/slides/slide15.xml><?xml version="1.0" encoding="utf-8"?>
+<file path=ppt/slides/slide29.xml><?xml version="1.0" encoding="utf-8"?>
 <p:sld xmlns:a="http://schemas.openxmlformats.org/drawingml/2006/main" xmlns:r="http://schemas.openxmlformats.org/officeDocument/2006/relationships" xmlns:p="http://schemas.openxmlformats.org/presentationml/2006/main">
   <p:cSld>
     <p:spTree>
@@ -10077,7 +13775,15 @@
           <a:p>
             <a:r>
               <a:rPr lang="zh-TW" altLang="en-US" dirty="0" smtClean="0"/>
-              <a:t>黃佳惠：會員系統</a:t>
+              <a:t>黃佳惠：會員系統，資料庫管理，網站</a:t>
+            </a:r>
+            <a:r>
+              <a:rPr lang="en-US" altLang="zh-TW" dirty="0" smtClean="0"/>
+              <a:t>UI</a:t>
+            </a:r>
+            <a:r>
+              <a:rPr lang="zh-TW" altLang="en-US" dirty="0" smtClean="0"/>
+              <a:t>設計</a:t>
             </a:r>
             <a:endParaRPr lang="en-US" altLang="zh-TW" dirty="0" smtClean="0"/>
           </a:p>
@@ -10090,11 +13796,16 @@
               <a:rPr lang="en-US" altLang="zh-TW" dirty="0" smtClean="0"/>
               <a:t>Google Map</a:t>
             </a:r>
-          </a:p>
-          <a:p>
             <a:r>
               <a:rPr lang="zh-TW" altLang="en-US" dirty="0" smtClean="0"/>
-              <a:t>彭冠傑：</a:t>
+              <a:t>，搜尋結果</a:t>
+            </a:r>
+            <a:endParaRPr lang="en-US" altLang="zh-TW" dirty="0" smtClean="0"/>
+          </a:p>
+          <a:p>
+            <a:r>
+              <a:rPr lang="zh-TW" altLang="en-US" dirty="0" smtClean="0"/>
+              <a:t>彭冠傑：收藏，收藏列表</a:t>
             </a:r>
             <a:endParaRPr lang="en-US" altLang="zh-TW" dirty="0" smtClean="0"/>
           </a:p>
@@ -10129,518 +13840,6 @@
     <p:extLst>
       <p:ext uri="{BB962C8B-B14F-4D97-AF65-F5344CB8AC3E}">
         <p14:creationId xmlns:p14="http://schemas.microsoft.com/office/powerpoint/2010/main" val="353536252"/>
-      </p:ext>
-    </p:extLst>
-  </p:cSld>
-  <p:clrMapOvr>
-    <a:masterClrMapping/>
-  </p:clrMapOvr>
-</p:sld>
-</file>
-
-<file path=ppt/slides/slide2.xml><?xml version="1.0" encoding="utf-8"?>
-<p:sld xmlns:a="http://schemas.openxmlformats.org/drawingml/2006/main" xmlns:r="http://schemas.openxmlformats.org/officeDocument/2006/relationships" xmlns:p="http://schemas.openxmlformats.org/presentationml/2006/main">
-  <p:cSld>
-    <p:spTree>
-      <p:nvGrpSpPr>
-        <p:cNvPr id="1" name=""/>
-        <p:cNvGrpSpPr/>
-        <p:nvPr/>
-      </p:nvGrpSpPr>
-      <p:grpSpPr>
-        <a:xfrm>
-          <a:off x="0" y="0"/>
-          <a:ext cx="0" cy="0"/>
-          <a:chOff x="0" y="0"/>
-          <a:chExt cx="0" cy="0"/>
-        </a:xfrm>
-      </p:grpSpPr>
-      <p:sp>
-        <p:nvSpPr>
-          <p:cNvPr id="2" name="標題 1"/>
-          <p:cNvSpPr>
-            <a:spLocks noGrp="1"/>
-          </p:cNvSpPr>
-          <p:nvPr>
-            <p:ph type="title"/>
-          </p:nvPr>
-        </p:nvSpPr>
-        <p:spPr/>
-        <p:txBody>
-          <a:bodyPr/>
-          <a:lstStyle/>
-          <a:p>
-            <a:r>
-              <a:rPr lang="en-US" altLang="zh-TW" dirty="0" smtClean="0">
-                <a:latin typeface="+mn-ea"/>
-                <a:ea typeface="+mn-ea"/>
-              </a:rPr>
-              <a:t>Yelp API</a:t>
-            </a:r>
-            <a:r>
-              <a:rPr lang="zh-TW" altLang="en-US" dirty="0" smtClean="0">
-                <a:latin typeface="+mn-ea"/>
-                <a:ea typeface="+mn-ea"/>
-              </a:rPr>
-              <a:t>簡介</a:t>
-            </a:r>
-            <a:endParaRPr lang="zh-TW" altLang="en-US" dirty="0">
-              <a:latin typeface="+mn-ea"/>
-              <a:ea typeface="+mn-ea"/>
-            </a:endParaRPr>
-          </a:p>
-        </p:txBody>
-      </p:sp>
-      <p:sp>
-        <p:nvSpPr>
-          <p:cNvPr id="3" name="內容版面配置區 2"/>
-          <p:cNvSpPr>
-            <a:spLocks noGrp="1"/>
-          </p:cNvSpPr>
-          <p:nvPr>
-            <p:ph idx="1"/>
-          </p:nvPr>
-        </p:nvSpPr>
-        <p:spPr/>
-        <p:txBody>
-          <a:bodyPr>
-            <a:normAutofit/>
-          </a:bodyPr>
-          <a:lstStyle/>
-          <a:p>
-            <a:r>
-              <a:rPr lang="en-US" altLang="zh-TW" dirty="0">
-                <a:latin typeface="+mn-ea"/>
-              </a:rPr>
-              <a:t>Yelp</a:t>
-            </a:r>
-            <a:r>
-              <a:rPr lang="zh-TW" altLang="en-US" dirty="0">
-                <a:latin typeface="+mn-ea"/>
-              </a:rPr>
-              <a:t>是美國最大的點評網站，被稱作「美國版的大眾點評」， </a:t>
-            </a:r>
-            <a:r>
-              <a:rPr lang="en-US" altLang="zh-TW" dirty="0">
-                <a:latin typeface="+mn-ea"/>
-              </a:rPr>
-              <a:t>2004</a:t>
-            </a:r>
-            <a:r>
-              <a:rPr lang="zh-TW" altLang="en-US" dirty="0">
-                <a:latin typeface="+mn-ea"/>
-              </a:rPr>
-              <a:t>年創立於加州舊金山。在</a:t>
-            </a:r>
-            <a:r>
-              <a:rPr lang="en-US" altLang="zh-TW" dirty="0">
-                <a:latin typeface="+mn-ea"/>
-              </a:rPr>
-              <a:t>O2O</a:t>
-            </a:r>
-            <a:r>
-              <a:rPr lang="zh-TW" altLang="en-US" dirty="0">
-                <a:latin typeface="+mn-ea"/>
-              </a:rPr>
-              <a:t>的平台上，</a:t>
-            </a:r>
-            <a:r>
-              <a:rPr lang="en-US" altLang="zh-TW" dirty="0">
-                <a:latin typeface="+mn-ea"/>
-              </a:rPr>
-              <a:t>Yelp</a:t>
-            </a:r>
-            <a:r>
-              <a:rPr lang="zh-TW" altLang="en-US" dirty="0">
-                <a:latin typeface="+mn-ea"/>
-              </a:rPr>
-              <a:t>的移動端平台觸及的用戶算是名列前茅</a:t>
-            </a:r>
-            <a:r>
-              <a:rPr lang="zh-TW" altLang="en-US" dirty="0">
-                <a:latin typeface="+mn-ea"/>
-              </a:rPr>
-              <a:t/>
-            </a:r>
-            <a:br>
-              <a:rPr lang="zh-TW" altLang="en-US" dirty="0">
-                <a:latin typeface="+mn-ea"/>
-              </a:rPr>
-            </a:br>
-            <a:endParaRPr lang="en-US" altLang="zh-TW" dirty="0">
-              <a:latin typeface="+mn-ea"/>
-            </a:endParaRPr>
-          </a:p>
-          <a:p>
-            <a:pPr fontAlgn="base"/>
-            <a:r>
-              <a:rPr lang="zh-TW" altLang="en-US" dirty="0" smtClean="0">
-                <a:latin typeface="+mn-ea"/>
-              </a:rPr>
-              <a:t>透過</a:t>
-            </a:r>
-            <a:r>
-              <a:rPr lang="en-US" altLang="zh-TW" dirty="0" smtClean="0">
-                <a:latin typeface="+mn-ea"/>
-              </a:rPr>
-              <a:t>Yelp API</a:t>
-            </a:r>
-            <a:r>
-              <a:rPr lang="zh-TW" altLang="en-US" dirty="0" smtClean="0">
-                <a:latin typeface="+mn-ea"/>
-              </a:rPr>
-              <a:t>便可取得</a:t>
-            </a:r>
-            <a:r>
-              <a:rPr lang="en-US" altLang="zh-TW" dirty="0" smtClean="0">
-                <a:latin typeface="+mn-ea"/>
-              </a:rPr>
-              <a:t>Yelp</a:t>
-            </a:r>
-            <a:r>
-              <a:rPr lang="zh-TW" altLang="en-US" dirty="0" smtClean="0">
-                <a:latin typeface="+mn-ea"/>
-              </a:rPr>
-              <a:t>以下的資料</a:t>
-            </a:r>
-            <a:endParaRPr lang="en-US" altLang="zh-TW" dirty="0" smtClean="0">
-              <a:latin typeface="+mn-ea"/>
-            </a:endParaRPr>
-          </a:p>
-          <a:p>
-            <a:pPr marL="457200" lvl="1" indent="0" fontAlgn="base">
-              <a:buNone/>
-            </a:pPr>
-            <a:r>
-              <a:rPr lang="en-US" altLang="zh-TW" sz="1800" b="1" dirty="0" smtClean="0">
-                <a:latin typeface="+mn-ea"/>
-                <a:hlinkClick r:id="rId2"/>
-              </a:rPr>
-              <a:t>Search</a:t>
-            </a:r>
-            <a:r>
-              <a:rPr lang="zh-TW" altLang="en-US" sz="1800" b="1" dirty="0" smtClean="0">
-                <a:latin typeface="+mn-ea"/>
-              </a:rPr>
-              <a:t> </a:t>
-            </a:r>
-            <a:r>
-              <a:rPr lang="en-US" altLang="zh-TW" sz="1800" b="1" dirty="0" smtClean="0">
-                <a:latin typeface="+mn-ea"/>
-              </a:rPr>
-              <a:t>:</a:t>
-            </a:r>
-            <a:r>
-              <a:rPr lang="zh-TW" altLang="en-US" sz="1800" b="1" dirty="0" smtClean="0">
-                <a:latin typeface="+mn-ea"/>
-              </a:rPr>
-              <a:t> </a:t>
-            </a:r>
-            <a:r>
-              <a:rPr lang="zh-TW" altLang="en-US" sz="1800" dirty="0" smtClean="0">
-                <a:latin typeface="+mn-ea"/>
-              </a:rPr>
-              <a:t>通過關鍵字，位置，類別查找企業，甚至價格水平！</a:t>
-            </a:r>
-            <a:endParaRPr lang="en-US" altLang="zh-TW" sz="1800" dirty="0" smtClean="0">
-              <a:latin typeface="+mn-ea"/>
-            </a:endParaRPr>
-          </a:p>
-          <a:p>
-            <a:pPr marL="457200" lvl="1" indent="0" fontAlgn="base">
-              <a:buNone/>
-            </a:pPr>
-            <a:r>
-              <a:rPr lang="en-US" altLang="zh-TW" sz="1800" b="1" u="sng" dirty="0">
-                <a:latin typeface="+mn-ea"/>
-                <a:hlinkClick r:id="rId3"/>
-              </a:rPr>
-              <a:t>Phone </a:t>
-            </a:r>
-            <a:r>
-              <a:rPr lang="en-US" altLang="zh-TW" sz="1800" b="1" u="sng" dirty="0" smtClean="0">
-                <a:latin typeface="+mn-ea"/>
-                <a:hlinkClick r:id="rId3"/>
-              </a:rPr>
-              <a:t>Search</a:t>
-            </a:r>
-            <a:r>
-              <a:rPr lang="zh-TW" altLang="en-US" sz="1800" b="1" dirty="0">
-                <a:latin typeface="+mn-ea"/>
-              </a:rPr>
-              <a:t> </a:t>
-            </a:r>
-            <a:r>
-              <a:rPr lang="en-US" altLang="zh-TW" sz="1800" b="1" dirty="0" smtClean="0">
-                <a:latin typeface="+mn-ea"/>
-              </a:rPr>
-              <a:t>:</a:t>
-            </a:r>
-            <a:r>
-              <a:rPr lang="zh-TW" altLang="en-US" sz="1800" b="1" dirty="0" smtClean="0">
-                <a:latin typeface="+mn-ea"/>
-              </a:rPr>
-              <a:t> </a:t>
-            </a:r>
-            <a:r>
-              <a:rPr lang="zh-TW" altLang="en-US" sz="1800" dirty="0" smtClean="0">
-                <a:latin typeface="+mn-ea"/>
-              </a:rPr>
-              <a:t>使用</a:t>
-            </a:r>
-            <a:r>
-              <a:rPr lang="zh-TW" altLang="en-US" sz="1800" dirty="0">
-                <a:latin typeface="+mn-ea"/>
-              </a:rPr>
-              <a:t>電話號碼搜索商家</a:t>
-            </a:r>
-            <a:r>
-              <a:rPr lang="zh-TW" altLang="en-US" sz="1800" dirty="0" smtClean="0">
-                <a:latin typeface="+mn-ea"/>
-              </a:rPr>
-              <a:t>。</a:t>
-            </a:r>
-            <a:endParaRPr lang="en-US" altLang="zh-TW" sz="1800" dirty="0" smtClean="0">
-              <a:latin typeface="+mn-ea"/>
-            </a:endParaRPr>
-          </a:p>
-          <a:p>
-            <a:pPr marL="457200" lvl="1" indent="0" fontAlgn="base">
-              <a:buNone/>
-            </a:pPr>
-            <a:r>
-              <a:rPr lang="en-US" altLang="zh-TW" sz="1800" b="1" u="sng" dirty="0">
-                <a:latin typeface="+mn-ea"/>
-                <a:hlinkClick r:id="rId4"/>
-              </a:rPr>
-              <a:t>Transaction </a:t>
-            </a:r>
-            <a:r>
-              <a:rPr lang="en-US" altLang="zh-TW" sz="1800" b="1" u="sng" dirty="0" smtClean="0">
-                <a:latin typeface="+mn-ea"/>
-                <a:hlinkClick r:id="rId4"/>
-              </a:rPr>
-              <a:t>Search</a:t>
-            </a:r>
-            <a:r>
-              <a:rPr lang="zh-TW" altLang="en-US" sz="1800" b="1" dirty="0">
-                <a:latin typeface="+mn-ea"/>
-              </a:rPr>
-              <a:t> </a:t>
-            </a:r>
-            <a:r>
-              <a:rPr lang="en-US" altLang="zh-TW" sz="1800" b="1" dirty="0" smtClean="0">
-                <a:latin typeface="+mn-ea"/>
-              </a:rPr>
-              <a:t>:</a:t>
-            </a:r>
-            <a:r>
-              <a:rPr lang="zh-TW" altLang="en-US" sz="1800" b="1" dirty="0" smtClean="0">
-                <a:latin typeface="+mn-ea"/>
-              </a:rPr>
-              <a:t> </a:t>
-            </a:r>
-            <a:r>
-              <a:rPr lang="zh-TW" altLang="en-US" sz="1800" dirty="0" smtClean="0">
-                <a:latin typeface="+mn-ea"/>
-              </a:rPr>
-              <a:t>搜索</a:t>
-            </a:r>
-            <a:r>
-              <a:rPr lang="zh-TW" altLang="en-US" sz="1800" dirty="0">
-                <a:latin typeface="+mn-ea"/>
-              </a:rPr>
-              <a:t>支持某些交易的企業，如食品交付和提貨</a:t>
-            </a:r>
-            <a:r>
-              <a:rPr lang="zh-TW" altLang="en-US" sz="1800" dirty="0" smtClean="0">
-                <a:latin typeface="+mn-ea"/>
-              </a:rPr>
-              <a:t>。</a:t>
-            </a:r>
-            <a:endParaRPr lang="en-US" altLang="zh-TW" sz="1800" dirty="0" smtClean="0">
-              <a:latin typeface="+mn-ea"/>
-            </a:endParaRPr>
-          </a:p>
-          <a:p>
-            <a:pPr marL="457200" lvl="1" indent="0" fontAlgn="base">
-              <a:buNone/>
-            </a:pPr>
-            <a:r>
-              <a:rPr lang="en-US" altLang="zh-TW" sz="1800" b="1" dirty="0" smtClean="0">
-                <a:latin typeface="+mn-ea"/>
-                <a:hlinkClick r:id="rId5"/>
-              </a:rPr>
-              <a:t>Business</a:t>
-            </a:r>
-            <a:r>
-              <a:rPr lang="zh-TW" altLang="en-US" sz="1800" b="1" dirty="0" smtClean="0">
-                <a:latin typeface="+mn-ea"/>
-              </a:rPr>
-              <a:t> </a:t>
-            </a:r>
-            <a:r>
-              <a:rPr lang="en-US" altLang="zh-TW" sz="1800" b="1" dirty="0" smtClean="0">
-                <a:latin typeface="+mn-ea"/>
-              </a:rPr>
-              <a:t>:</a:t>
-            </a:r>
-            <a:r>
-              <a:rPr lang="zh-TW" altLang="en-US" sz="1800" b="1" dirty="0" smtClean="0">
-                <a:latin typeface="+mn-ea"/>
-              </a:rPr>
-              <a:t> </a:t>
-            </a:r>
-            <a:r>
-              <a:rPr lang="zh-TW" altLang="en-US" sz="1800" dirty="0" smtClean="0">
-                <a:latin typeface="+mn-ea"/>
-              </a:rPr>
-              <a:t>返回</a:t>
-            </a:r>
-            <a:r>
-              <a:rPr lang="zh-TW" altLang="en-US" sz="1800" dirty="0">
-                <a:latin typeface="+mn-ea"/>
-              </a:rPr>
-              <a:t>豐富的業務數據，如照片，</a:t>
-            </a:r>
-            <a:r>
-              <a:rPr lang="en-US" altLang="zh-TW" sz="1800" dirty="0">
-                <a:latin typeface="+mn-ea"/>
-              </a:rPr>
-              <a:t>Yelp</a:t>
-            </a:r>
-            <a:r>
-              <a:rPr lang="zh-TW" altLang="en-US" sz="1800" dirty="0">
-                <a:latin typeface="+mn-ea"/>
-              </a:rPr>
-              <a:t>評級，價格水平和營業時間</a:t>
-            </a:r>
-            <a:r>
-              <a:rPr lang="zh-TW" altLang="en-US" sz="1800" dirty="0" smtClean="0">
-                <a:latin typeface="+mn-ea"/>
-              </a:rPr>
-              <a:t>。</a:t>
-            </a:r>
-            <a:endParaRPr lang="en-US" altLang="zh-TW" sz="1800" dirty="0" smtClean="0">
-              <a:latin typeface="+mn-ea"/>
-            </a:endParaRPr>
-          </a:p>
-          <a:p>
-            <a:pPr marL="457200" lvl="1" indent="0" fontAlgn="base">
-              <a:buNone/>
-            </a:pPr>
-            <a:r>
-              <a:rPr lang="en-US" altLang="zh-TW" sz="1800" b="1" u="sng" dirty="0" smtClean="0">
-                <a:latin typeface="+mn-ea"/>
-                <a:hlinkClick r:id="rId6"/>
-              </a:rPr>
-              <a:t>Reviews</a:t>
-            </a:r>
-            <a:r>
-              <a:rPr lang="zh-TW" altLang="en-US" sz="1800" b="1" dirty="0">
-                <a:latin typeface="+mn-ea"/>
-              </a:rPr>
-              <a:t> </a:t>
-            </a:r>
-            <a:r>
-              <a:rPr lang="en-US" altLang="zh-TW" sz="1800" b="1" dirty="0" smtClean="0">
-                <a:latin typeface="+mn-ea"/>
-              </a:rPr>
-              <a:t>:</a:t>
-            </a:r>
-            <a:r>
-              <a:rPr lang="zh-TW" altLang="en-US" sz="1800" b="1" dirty="0" smtClean="0">
-                <a:latin typeface="+mn-ea"/>
-              </a:rPr>
-              <a:t> </a:t>
-            </a:r>
-            <a:r>
-              <a:rPr lang="zh-TW" altLang="en-US" sz="1800" dirty="0" smtClean="0">
-                <a:latin typeface="+mn-ea"/>
-              </a:rPr>
-              <a:t>返回</a:t>
-            </a:r>
-            <a:r>
-              <a:rPr lang="zh-TW" altLang="en-US" sz="1800" dirty="0">
-                <a:latin typeface="+mn-ea"/>
-              </a:rPr>
-              <a:t>最多</a:t>
-            </a:r>
-            <a:r>
-              <a:rPr lang="en-US" altLang="zh-TW" sz="1800" dirty="0">
-                <a:latin typeface="+mn-ea"/>
-              </a:rPr>
-              <a:t>3</a:t>
-            </a:r>
-            <a:r>
-              <a:rPr lang="zh-TW" altLang="en-US" sz="1800" dirty="0">
-                <a:latin typeface="+mn-ea"/>
-              </a:rPr>
-              <a:t>個審查摘錄的業務</a:t>
-            </a:r>
-            <a:r>
-              <a:rPr lang="zh-TW" altLang="en-US" sz="1800" dirty="0" smtClean="0">
-                <a:latin typeface="+mn-ea"/>
-              </a:rPr>
-              <a:t>。</a:t>
-            </a:r>
-            <a:endParaRPr lang="en-US" altLang="zh-TW" sz="1800" dirty="0" smtClean="0">
-              <a:latin typeface="+mn-ea"/>
-            </a:endParaRPr>
-          </a:p>
-          <a:p>
-            <a:pPr marL="457200" lvl="1" indent="0" fontAlgn="base">
-              <a:buNone/>
-            </a:pPr>
-            <a:r>
-              <a:rPr lang="en-US" altLang="zh-TW" sz="1800" b="1" u="sng" dirty="0" smtClean="0">
-                <a:latin typeface="+mn-ea"/>
-                <a:hlinkClick r:id="rId7"/>
-              </a:rPr>
-              <a:t>Autocomplete</a:t>
-            </a:r>
-            <a:r>
-              <a:rPr lang="zh-TW" altLang="en-US" sz="1800" b="1" dirty="0" smtClean="0">
-                <a:latin typeface="+mn-ea"/>
-              </a:rPr>
-              <a:t> </a:t>
-            </a:r>
-            <a:r>
-              <a:rPr lang="en-US" altLang="zh-TW" sz="1800" b="1" dirty="0" smtClean="0">
-                <a:latin typeface="+mn-ea"/>
-              </a:rPr>
-              <a:t>:</a:t>
-            </a:r>
-            <a:r>
-              <a:rPr lang="zh-TW" altLang="en-US" sz="1800" b="1" dirty="0" smtClean="0">
-                <a:latin typeface="+mn-ea"/>
-              </a:rPr>
-              <a:t> </a:t>
-            </a:r>
-            <a:r>
-              <a:rPr lang="zh-TW" altLang="en-US" sz="1800" dirty="0" smtClean="0">
-                <a:latin typeface="+mn-ea"/>
-              </a:rPr>
-              <a:t>為</a:t>
-            </a:r>
-            <a:r>
-              <a:rPr lang="zh-TW" altLang="en-US" sz="1800" dirty="0">
-                <a:latin typeface="+mn-ea"/>
-              </a:rPr>
-              <a:t>企業，搜索關鍵字和類別提供自動填充建議。</a:t>
-            </a:r>
-          </a:p>
-          <a:p>
-            <a:endParaRPr lang="zh-TW" altLang="en-US" dirty="0">
-              <a:latin typeface="+mn-ea"/>
-            </a:endParaRPr>
-          </a:p>
-        </p:txBody>
-      </p:sp>
-    </p:spTree>
-    <p:extLst>
-      <p:ext uri="{BB962C8B-B14F-4D97-AF65-F5344CB8AC3E}">
-        <p14:creationId xmlns:p14="http://schemas.microsoft.com/office/powerpoint/2010/main" val="131943811"/>
       </p:ext>
     </p:extLst>
   </p:cSld>
@@ -10684,11 +13883,7 @@
           <a:p>
             <a:r>
               <a:rPr lang="zh-TW" altLang="en-US" dirty="0" smtClean="0"/>
-              <a:t>技術</a:t>
-            </a:r>
-            <a:r>
-              <a:rPr lang="zh-TW" altLang="en-US" dirty="0" smtClean="0"/>
-              <a:t>概念、特色</a:t>
+              <a:t>技術概念和特色</a:t>
             </a:r>
             <a:endParaRPr lang="zh-TW" altLang="en-US" dirty="0"/>
           </a:p>
@@ -10817,6 +14012,13 @@
   <p:clrMapOvr>
     <a:masterClrMapping/>
   </p:clrMapOvr>
+  <p:timing>
+    <p:tnLst>
+      <p:par>
+        <p:cTn id="1" dur="indefinite" restart="never" nodeType="tmRoot"/>
+      </p:par>
+    </p:tnLst>
+  </p:timing>
 </p:sld>
 </file>
 
@@ -10853,24 +14055,8 @@
           <a:lstStyle/>
           <a:p>
             <a:r>
-              <a:rPr lang="en-US" altLang="zh-TW" dirty="0" smtClean="0"/>
-              <a:t>API</a:t>
-            </a:r>
-            <a:r>
               <a:rPr lang="zh-TW" altLang="en-US" dirty="0" smtClean="0"/>
-              <a:t>操作範例 </a:t>
-            </a:r>
-            <a:r>
-              <a:rPr lang="en-US" altLang="zh-TW" dirty="0" smtClean="0"/>
-              <a:t>-</a:t>
-            </a:r>
-            <a:r>
-              <a:rPr lang="zh-TW" altLang="en-US" dirty="0" smtClean="0"/>
-              <a:t> </a:t>
-            </a:r>
-            <a:r>
-              <a:rPr lang="en-US" altLang="zh-TW" dirty="0" smtClean="0"/>
-              <a:t>Search</a:t>
+              <a:t>操作方式</a:t>
             </a:r>
             <a:endParaRPr lang="zh-TW" altLang="en-US" dirty="0"/>
           </a:p>
@@ -10888,289 +14074,105 @@
         </p:nvSpPr>
         <p:spPr/>
         <p:txBody>
-          <a:bodyPr>
-            <a:normAutofit lnSpcReduction="10000"/>
-          </a:bodyPr>
-          <a:lstStyle/>
-          <a:p>
-            <a:r>
-              <a:rPr lang="en-US" altLang="zh-TW" dirty="0" smtClean="0"/>
-              <a:t>API</a:t>
-            </a:r>
+          <a:bodyPr/>
+          <a:lstStyle/>
+          <a:p>
             <a:r>
               <a:rPr lang="zh-TW" altLang="en-US" dirty="0" smtClean="0"/>
-              <a:t> </a:t>
-            </a:r>
-            <a:r>
-              <a:rPr lang="en-US" altLang="zh-TW" dirty="0" smtClean="0"/>
-              <a:t>URL:</a:t>
-            </a:r>
-            <a:r>
-              <a:rPr lang="zh-TW" altLang="en-US" dirty="0" smtClean="0"/>
-              <a:t> </a:t>
-            </a:r>
-            <a:r>
-              <a:rPr lang="en-US" altLang="zh-TW" dirty="0" smtClean="0"/>
-              <a:t>https</a:t>
-            </a:r>
-            <a:r>
-              <a:rPr lang="en-US" altLang="zh-TW" dirty="0"/>
-              <a:t>://</a:t>
-            </a:r>
-            <a:r>
-              <a:rPr lang="en-US" altLang="zh-TW" dirty="0" smtClean="0"/>
-              <a:t>api.yelp.com/v3/businesses/search</a:t>
-            </a:r>
-          </a:p>
-          <a:p>
-            <a:r>
-              <a:rPr lang="en-US" altLang="zh-TW" dirty="0" smtClean="0"/>
-              <a:t>Example: https</a:t>
-            </a:r>
-            <a:r>
-              <a:rPr lang="en-US" altLang="zh-TW" dirty="0"/>
-              <a:t>://</a:t>
-            </a:r>
-            <a:r>
-              <a:rPr lang="en-US" altLang="zh-TW" dirty="0" smtClean="0"/>
-              <a:t>api.yelp.com/v3/businesses/search?term=starbucks&amp;location=taitpei</a:t>
-            </a:r>
-          </a:p>
-          <a:p>
-            <a:r>
-              <a:rPr lang="en-US" altLang="zh-TW" dirty="0" smtClean="0"/>
-              <a:t>Return Value: </a:t>
-            </a:r>
-            <a:r>
-              <a:rPr lang="en-US" altLang="zh-TW" dirty="0" smtClean="0">
-                <a:latin typeface="Consolas" panose="020B0609020204030204" pitchFamily="49" charset="0"/>
-              </a:rPr>
-              <a:t/>
-            </a:r>
-            <a:br>
-              <a:rPr lang="en-US" altLang="zh-TW" dirty="0" smtClean="0">
-                <a:latin typeface="Consolas" panose="020B0609020204030204" pitchFamily="49" charset="0"/>
-              </a:rPr>
-            </a:br>
-            <a:r>
-              <a:rPr lang="en-US" altLang="zh-TW" dirty="0" smtClean="0">
-                <a:latin typeface="Consolas" panose="020B0609020204030204" pitchFamily="49" charset="0"/>
-              </a:rPr>
-              <a:t>{</a:t>
-            </a:r>
-            <a:br>
-              <a:rPr lang="en-US" altLang="zh-TW" dirty="0" smtClean="0">
-                <a:latin typeface="Consolas" panose="020B0609020204030204" pitchFamily="49" charset="0"/>
-              </a:rPr>
-            </a:br>
-            <a:r>
-              <a:rPr lang="en-US" altLang="zh-TW" dirty="0" smtClean="0">
-                <a:latin typeface="Consolas" panose="020B0609020204030204" pitchFamily="49" charset="0"/>
-              </a:rPr>
-              <a:t>		“businesses”: [</a:t>
-            </a:r>
-            <a:br>
-              <a:rPr lang="en-US" altLang="zh-TW" dirty="0" smtClean="0">
-                <a:latin typeface="Consolas" panose="020B0609020204030204" pitchFamily="49" charset="0"/>
-              </a:rPr>
-            </a:br>
-            <a:r>
-              <a:rPr lang="en-US" altLang="zh-TW" dirty="0" smtClean="0">
-                <a:latin typeface="Consolas" panose="020B0609020204030204" pitchFamily="49" charset="0"/>
-              </a:rPr>
-              <a:t>		{</a:t>
-            </a:r>
-            <a:br>
-              <a:rPr lang="en-US" altLang="zh-TW" dirty="0" smtClean="0">
-                <a:latin typeface="Consolas" panose="020B0609020204030204" pitchFamily="49" charset="0"/>
-              </a:rPr>
-            </a:br>
-            <a:r>
-              <a:rPr lang="en-US" altLang="zh-TW" dirty="0" smtClean="0">
-                <a:latin typeface="Consolas" panose="020B0609020204030204" pitchFamily="49" charset="0"/>
-              </a:rPr>
-              <a:t>			“id”: “</a:t>
-            </a:r>
-            <a:r>
-              <a:rPr lang="zh-TW" altLang="en-US" dirty="0">
-                <a:latin typeface="Consolas" panose="020B0609020204030204" pitchFamily="49" charset="0"/>
-              </a:rPr>
-              <a:t>星巴克</a:t>
-            </a:r>
-            <a:r>
-              <a:rPr lang="en-US" altLang="zh-TW" dirty="0">
-                <a:latin typeface="Consolas" panose="020B0609020204030204" pitchFamily="49" charset="0"/>
-              </a:rPr>
-              <a:t>-</a:t>
-            </a:r>
-            <a:r>
-              <a:rPr lang="zh-TW" altLang="en-US" dirty="0">
-                <a:latin typeface="Consolas" panose="020B0609020204030204" pitchFamily="49" charset="0"/>
-              </a:rPr>
-              <a:t>信義區</a:t>
-            </a:r>
-            <a:r>
-              <a:rPr lang="en-US" altLang="zh-TW" dirty="0">
-                <a:latin typeface="Consolas" panose="020B0609020204030204" pitchFamily="49" charset="0"/>
-              </a:rPr>
-              <a:t>-4”,</a:t>
-            </a:r>
-            <a:r>
-              <a:rPr lang="en-US" altLang="zh-TW" dirty="0" smtClean="0">
-                <a:latin typeface="Consolas" panose="020B0609020204030204" pitchFamily="49" charset="0"/>
-              </a:rPr>
-              <a:t/>
-            </a:r>
-            <a:br>
-              <a:rPr lang="en-US" altLang="zh-TW" dirty="0" smtClean="0">
-                <a:latin typeface="Consolas" panose="020B0609020204030204" pitchFamily="49" charset="0"/>
-              </a:rPr>
-            </a:br>
-            <a:r>
-              <a:rPr lang="en-US" altLang="zh-TW" dirty="0" smtClean="0">
-                <a:latin typeface="Consolas" panose="020B0609020204030204" pitchFamily="49" charset="0"/>
-              </a:rPr>
-              <a:t>			“name</a:t>
-            </a:r>
-            <a:r>
-              <a:rPr lang="en-US" altLang="zh-TW" dirty="0">
-                <a:latin typeface="Consolas" panose="020B0609020204030204" pitchFamily="49" charset="0"/>
-              </a:rPr>
-              <a:t>”: “Starbucks”,</a:t>
-            </a:r>
-            <a:r>
-              <a:rPr lang="en-US" altLang="zh-TW" dirty="0" smtClean="0">
-                <a:latin typeface="Consolas" panose="020B0609020204030204" pitchFamily="49" charset="0"/>
-              </a:rPr>
-              <a:t/>
-            </a:r>
-            <a:br>
-              <a:rPr lang="en-US" altLang="zh-TW" dirty="0" smtClean="0">
-                <a:latin typeface="Consolas" panose="020B0609020204030204" pitchFamily="49" charset="0"/>
-              </a:rPr>
-            </a:br>
-            <a:r>
-              <a:rPr lang="en-US" altLang="zh-TW" dirty="0" smtClean="0">
-                <a:latin typeface="Consolas" panose="020B0609020204030204" pitchFamily="49" charset="0"/>
-              </a:rPr>
-              <a:t>			“</a:t>
-            </a:r>
-            <a:r>
-              <a:rPr lang="en-US" altLang="zh-TW" dirty="0" err="1" smtClean="0">
-                <a:latin typeface="Consolas" panose="020B0609020204030204" pitchFamily="49" charset="0"/>
-              </a:rPr>
-              <a:t>image_url</a:t>
-            </a:r>
-            <a:r>
-              <a:rPr lang="en-US" altLang="zh-TW" dirty="0">
-                <a:latin typeface="Consolas" panose="020B0609020204030204" pitchFamily="49" charset="0"/>
-              </a:rPr>
-              <a:t>”: “https://s3-media1.fl.yelpcdn.com/</a:t>
-            </a:r>
-            <a:r>
-              <a:rPr lang="en-US" altLang="zh-TW" dirty="0" err="1">
-                <a:latin typeface="Consolas" panose="020B0609020204030204" pitchFamily="49" charset="0"/>
-              </a:rPr>
-              <a:t>bphoto</a:t>
-            </a:r>
-            <a:r>
-              <a:rPr lang="en-US" altLang="zh-TW" dirty="0">
-                <a:latin typeface="Consolas" panose="020B0609020204030204" pitchFamily="49" charset="0"/>
-              </a:rPr>
-              <a:t>/kMe6RIVCIEsNOC0zocO7ag/o.jpg”,</a:t>
-            </a:r>
-            <a:r>
-              <a:rPr lang="en-US" altLang="zh-TW" dirty="0" smtClean="0">
-                <a:latin typeface="Consolas" panose="020B0609020204030204" pitchFamily="49" charset="0"/>
-              </a:rPr>
-              <a:t/>
-            </a:r>
-            <a:br>
-              <a:rPr lang="en-US" altLang="zh-TW" dirty="0" smtClean="0">
-                <a:latin typeface="Consolas" panose="020B0609020204030204" pitchFamily="49" charset="0"/>
-              </a:rPr>
-            </a:br>
-            <a:r>
-              <a:rPr lang="en-US" altLang="zh-TW" dirty="0" smtClean="0">
-                <a:latin typeface="Consolas" panose="020B0609020204030204" pitchFamily="49" charset="0"/>
-              </a:rPr>
-              <a:t>			“</a:t>
-            </a:r>
-            <a:r>
-              <a:rPr lang="en-US" altLang="zh-TW" dirty="0" err="1" smtClean="0">
-                <a:latin typeface="Consolas" panose="020B0609020204030204" pitchFamily="49" charset="0"/>
-              </a:rPr>
-              <a:t>is_closed</a:t>
-            </a:r>
-            <a:r>
-              <a:rPr lang="en-US" altLang="zh-TW" dirty="0" smtClean="0">
-                <a:latin typeface="Consolas" panose="020B0609020204030204" pitchFamily="49" charset="0"/>
-              </a:rPr>
-              <a:t>”: </a:t>
-            </a:r>
-            <a:r>
-              <a:rPr lang="en-US" altLang="zh-TW" dirty="0">
-                <a:latin typeface="Consolas" panose="020B0609020204030204" pitchFamily="49" charset="0"/>
-              </a:rPr>
-              <a:t>false</a:t>
-            </a:r>
-            <a:r>
-              <a:rPr lang="en-US" altLang="zh-TW" dirty="0" smtClean="0">
-                <a:latin typeface="Consolas" panose="020B0609020204030204" pitchFamily="49" charset="0"/>
-              </a:rPr>
-              <a:t>,</a:t>
-            </a:r>
-            <a:r>
-              <a:rPr lang="zh-TW" altLang="en-US" dirty="0" smtClean="0">
-                <a:latin typeface="Consolas" panose="020B0609020204030204" pitchFamily="49" charset="0"/>
-              </a:rPr>
-              <a:t> </a:t>
-            </a:r>
-            <a:r>
-              <a:rPr lang="en-US" altLang="zh-TW" dirty="0" smtClean="0"/>
-              <a:t/>
-            </a:r>
-            <a:br>
-              <a:rPr lang="en-US" altLang="zh-TW" dirty="0" smtClean="0"/>
-            </a:br>
-            <a:r>
-              <a:rPr lang="en-US" altLang="zh-TW" dirty="0" smtClean="0"/>
-              <a:t>	…</a:t>
-            </a:r>
-            <a:r>
-              <a:rPr lang="zh-TW" altLang="en-US" dirty="0" smtClean="0"/>
-              <a:t>等</a:t>
-            </a:r>
-            <a:r>
-              <a:rPr lang="en-US" altLang="zh-TW" dirty="0" smtClean="0"/>
-              <a:t>JSON</a:t>
-            </a:r>
-            <a:r>
-              <a:rPr lang="zh-TW" altLang="en-US" dirty="0" smtClean="0"/>
-              <a:t>格式的</a:t>
-            </a:r>
-            <a:r>
-              <a:rPr lang="en-US" altLang="zh-TW" dirty="0" smtClean="0"/>
-              <a:t>20</a:t>
-            </a:r>
-            <a:r>
-              <a:rPr lang="zh-TW" altLang="en-US" dirty="0" smtClean="0"/>
-              <a:t>個店家資訊</a:t>
+              <a:t>點擊標頭列中註冊的即可註冊成為會員</a:t>
             </a:r>
             <a:endParaRPr lang="en-US" altLang="zh-TW" dirty="0" smtClean="0"/>
+          </a:p>
+          <a:p>
+            <a:endParaRPr lang="zh-TW" altLang="en-US" dirty="0"/>
+          </a:p>
+        </p:txBody>
+      </p:sp>
+      <p:pic>
+        <p:nvPicPr>
+          <p:cNvPr id="4" name="圖片 3"/>
+          <p:cNvPicPr>
+            <a:picLocks noChangeAspect="1"/>
+          </p:cNvPicPr>
+          <p:nvPr/>
+        </p:nvPicPr>
+        <p:blipFill>
+          <a:blip r:embed="rId2"/>
+          <a:stretch>
+            <a:fillRect/>
+          </a:stretch>
+        </p:blipFill>
+        <p:spPr>
+          <a:xfrm>
+            <a:off x="2853225" y="2582684"/>
+            <a:ext cx="7346428" cy="4130349"/>
+          </a:xfrm>
+          <a:prstGeom prst="rect">
+            <a:avLst/>
+          </a:prstGeom>
+        </p:spPr>
+      </p:pic>
+      <p:sp>
+        <p:nvSpPr>
+          <p:cNvPr id="5" name="橢圓 4"/>
+          <p:cNvSpPr/>
+          <p:nvPr/>
+        </p:nvSpPr>
+        <p:spPr>
+          <a:xfrm>
+            <a:off x="9564167" y="2988527"/>
+            <a:ext cx="1022163" cy="448247"/>
+          </a:xfrm>
+          <a:prstGeom prst="ellipse">
+            <a:avLst/>
+          </a:prstGeom>
+          <a:noFill/>
+          <a:ln>
+            <a:solidFill>
+              <a:srgbClr val="FF0000"/>
+            </a:solidFill>
+          </a:ln>
+        </p:spPr>
+        <p:style>
+          <a:lnRef idx="2">
+            <a:schemeClr val="dk1"/>
+          </a:lnRef>
+          <a:fillRef idx="1">
+            <a:schemeClr val="lt1"/>
+          </a:fillRef>
+          <a:effectRef idx="0">
+            <a:schemeClr val="dk1"/>
+          </a:effectRef>
+          <a:fontRef idx="minor">
+            <a:schemeClr val="dk1"/>
+          </a:fontRef>
+        </p:style>
+        <p:txBody>
+          <a:bodyPr rtlCol="0" anchor="ctr"/>
+          <a:lstStyle/>
+          <a:p>
+            <a:pPr algn="ctr"/>
+            <a:endParaRPr lang="zh-TW" altLang="en-US"/>
           </a:p>
         </p:txBody>
       </p:sp>
     </p:spTree>
     <p:extLst>
       <p:ext uri="{BB962C8B-B14F-4D97-AF65-F5344CB8AC3E}">
-        <p14:creationId xmlns:p14="http://schemas.microsoft.com/office/powerpoint/2010/main" val="3996755120"/>
+        <p14:creationId xmlns:p14="http://schemas.microsoft.com/office/powerpoint/2010/main" val="1486146415"/>
       </p:ext>
     </p:extLst>
   </p:cSld>
   <p:clrMapOvr>
     <a:masterClrMapping/>
   </p:clrMapOvr>
+  <p:timing>
+    <p:tnLst>
+      <p:par>
+        <p:cTn id="1" dur="indefinite" restart="never" nodeType="tmRoot"/>
+      </p:par>
+    </p:tnLst>
+  </p:timing>
 </p:sld>
 </file>
 
@@ -11206,27 +14208,7 @@
           <a:bodyPr/>
           <a:lstStyle/>
           <a:p>
-            <a:r>
-              <a:rPr lang="en-US" altLang="zh-TW" dirty="0" smtClean="0"/>
-              <a:t>API</a:t>
-            </a:r>
-            <a:r>
-              <a:rPr lang="zh-TW" altLang="en-US" dirty="0" smtClean="0"/>
-              <a:t>操作範例 </a:t>
-            </a:r>
-            <a:r>
-              <a:rPr lang="en-US" altLang="zh-TW" dirty="0" smtClean="0"/>
-              <a:t>-</a:t>
-            </a:r>
-            <a:r>
-              <a:rPr lang="zh-TW" altLang="en-US" dirty="0" smtClean="0"/>
-              <a:t> </a:t>
-            </a:r>
-            <a:r>
-              <a:rPr lang="en-US" altLang="zh-TW" dirty="0" smtClean="0"/>
-              <a:t>Review</a:t>
-            </a:r>
-            <a:endParaRPr lang="zh-TW" altLang="en-US" dirty="0"/>
+            <a:endParaRPr lang="zh-TW" altLang="en-US"/>
           </a:p>
         </p:txBody>
       </p:sp>
@@ -11242,321 +14224,54 @@
         </p:nvSpPr>
         <p:spPr/>
         <p:txBody>
-          <a:bodyPr>
-            <a:normAutofit fontScale="92500" lnSpcReduction="20000"/>
-          </a:bodyPr>
-          <a:lstStyle/>
-          <a:p>
-            <a:r>
-              <a:rPr lang="en-US" altLang="zh-TW" dirty="0" smtClean="0"/>
-              <a:t>API</a:t>
-            </a:r>
-            <a:r>
-              <a:rPr lang="zh-TW" altLang="en-US" dirty="0" smtClean="0"/>
-              <a:t> </a:t>
-            </a:r>
-            <a:r>
-              <a:rPr lang="en-US" altLang="zh-TW" dirty="0" smtClean="0"/>
-              <a:t>URL:</a:t>
-            </a:r>
-            <a:r>
-              <a:rPr lang="zh-TW" altLang="en-US" dirty="0" smtClean="0"/>
-              <a:t> </a:t>
-            </a:r>
-            <a:r>
-              <a:rPr lang="en-US" altLang="zh-TW" dirty="0"/>
-              <a:t>https://api.yelp.com/v3/businesses</a:t>
-            </a:r>
-            <a:r>
-              <a:rPr lang="en-US" altLang="zh-TW" dirty="0" smtClean="0"/>
-              <a:t>/{id}/reviews</a:t>
-            </a:r>
-          </a:p>
-          <a:p>
-            <a:r>
-              <a:rPr lang="en-US" altLang="zh-TW" dirty="0" smtClean="0"/>
-              <a:t>Example: </a:t>
-            </a:r>
-            <a:r>
-              <a:rPr lang="en-US" altLang="zh-TW" dirty="0"/>
-              <a:t>https://</a:t>
-            </a:r>
-            <a:r>
-              <a:rPr lang="en-US" altLang="zh-TW" dirty="0" smtClean="0"/>
-              <a:t>api.yelp.com/v3/businesses/</a:t>
-            </a:r>
-            <a:r>
-              <a:rPr lang="en-US" altLang="zh-TW" dirty="0"/>
-              <a:t>starbucks-new-york-487</a:t>
-            </a:r>
-            <a:r>
-              <a:rPr lang="en-US" altLang="zh-TW" dirty="0" smtClean="0"/>
-              <a:t>/reviews</a:t>
-            </a:r>
-          </a:p>
-          <a:p>
-            <a:r>
-              <a:rPr lang="en-US" altLang="zh-TW" dirty="0" smtClean="0"/>
-              <a:t>Return Value:</a:t>
-            </a:r>
-            <a:br>
-              <a:rPr lang="en-US" altLang="zh-TW" dirty="0" smtClean="0"/>
-            </a:br>
-            <a:r>
-              <a:rPr lang="en-US" altLang="zh-TW" dirty="0" smtClean="0">
-                <a:latin typeface="Consolas" panose="020B0609020204030204" pitchFamily="49" charset="0"/>
-              </a:rPr>
-              <a:t>{</a:t>
-            </a:r>
-            <a:br>
-              <a:rPr lang="en-US" altLang="zh-TW" dirty="0" smtClean="0">
-                <a:latin typeface="Consolas" panose="020B0609020204030204" pitchFamily="49" charset="0"/>
-              </a:rPr>
-            </a:br>
-            <a:r>
-              <a:rPr lang="en-US" altLang="zh-TW" dirty="0" smtClean="0">
-                <a:latin typeface="Consolas" panose="020B0609020204030204" pitchFamily="49" charset="0"/>
-              </a:rPr>
-              <a:t>  </a:t>
-            </a:r>
-            <a:r>
-              <a:rPr lang="en-US" altLang="zh-TW" dirty="0">
-                <a:latin typeface="Consolas" panose="020B0609020204030204" pitchFamily="49" charset="0"/>
-              </a:rPr>
-              <a:t>"reviews": </a:t>
-            </a:r>
-            <a:r>
-              <a:rPr lang="en-US" altLang="zh-TW" dirty="0" smtClean="0">
-                <a:latin typeface="Consolas" panose="020B0609020204030204" pitchFamily="49" charset="0"/>
-              </a:rPr>
-              <a:t>[</a:t>
-            </a:r>
-            <a:br>
-              <a:rPr lang="en-US" altLang="zh-TW" dirty="0" smtClean="0">
-                <a:latin typeface="Consolas" panose="020B0609020204030204" pitchFamily="49" charset="0"/>
-              </a:rPr>
-            </a:br>
-            <a:r>
-              <a:rPr lang="en-US" altLang="zh-TW" dirty="0" smtClean="0">
-                <a:latin typeface="Consolas" panose="020B0609020204030204" pitchFamily="49" charset="0"/>
-              </a:rPr>
-              <a:t>    {</a:t>
-            </a:r>
-            <a:br>
-              <a:rPr lang="en-US" altLang="zh-TW" dirty="0" smtClean="0">
-                <a:latin typeface="Consolas" panose="020B0609020204030204" pitchFamily="49" charset="0"/>
-              </a:rPr>
-            </a:br>
-            <a:r>
-              <a:rPr lang="en-US" altLang="zh-TW" dirty="0" smtClean="0">
-                <a:latin typeface="Consolas" panose="020B0609020204030204" pitchFamily="49" charset="0"/>
-              </a:rPr>
-              <a:t>      </a:t>
-            </a:r>
-            <a:r>
-              <a:rPr lang="en-US" altLang="zh-TW" dirty="0">
-                <a:latin typeface="Consolas" panose="020B0609020204030204" pitchFamily="49" charset="0"/>
-              </a:rPr>
-              <a:t>"</a:t>
-            </a:r>
-            <a:r>
-              <a:rPr lang="en-US" altLang="zh-TW" dirty="0" err="1">
-                <a:latin typeface="Consolas" panose="020B0609020204030204" pitchFamily="49" charset="0"/>
-              </a:rPr>
-              <a:t>url</a:t>
-            </a:r>
-            <a:r>
-              <a:rPr lang="en-US" altLang="zh-TW" dirty="0">
-                <a:latin typeface="Consolas" panose="020B0609020204030204" pitchFamily="49" charset="0"/>
-              </a:rPr>
-              <a:t>": </a:t>
-            </a:r>
-            <a:r>
-              <a:rPr lang="en-US" altLang="zh-TW" dirty="0" smtClean="0">
-                <a:latin typeface="Consolas" panose="020B0609020204030204" pitchFamily="49" charset="0"/>
-              </a:rPr>
-              <a:t>“…",</a:t>
-            </a:r>
-            <a:br>
-              <a:rPr lang="en-US" altLang="zh-TW" dirty="0" smtClean="0">
-                <a:latin typeface="Consolas" panose="020B0609020204030204" pitchFamily="49" charset="0"/>
-              </a:rPr>
-            </a:br>
-            <a:r>
-              <a:rPr lang="en-US" altLang="zh-TW" dirty="0" smtClean="0">
-                <a:latin typeface="Consolas" panose="020B0609020204030204" pitchFamily="49" charset="0"/>
-              </a:rPr>
-              <a:t>      </a:t>
-            </a:r>
-            <a:r>
-              <a:rPr lang="en-US" altLang="zh-TW" dirty="0">
-                <a:latin typeface="Consolas" panose="020B0609020204030204" pitchFamily="49" charset="0"/>
-              </a:rPr>
-              <a:t>"text": "I normally don't find Starbucks all that remarkable but this is the nicest one I've ever been to!! The staff is SO nice and takes the time to explain this</a:t>
-            </a:r>
-            <a:r>
-              <a:rPr lang="en-US" altLang="zh-TW" dirty="0" smtClean="0">
-                <a:latin typeface="Consolas" panose="020B0609020204030204" pitchFamily="49" charset="0"/>
-              </a:rPr>
-              <a:t>...",</a:t>
-            </a:r>
-            <a:br>
-              <a:rPr lang="en-US" altLang="zh-TW" dirty="0" smtClean="0">
-                <a:latin typeface="Consolas" panose="020B0609020204030204" pitchFamily="49" charset="0"/>
-              </a:rPr>
-            </a:br>
-            <a:r>
-              <a:rPr lang="en-US" altLang="zh-TW" dirty="0" smtClean="0">
-                <a:latin typeface="Consolas" panose="020B0609020204030204" pitchFamily="49" charset="0"/>
-              </a:rPr>
-              <a:t>      </a:t>
-            </a:r>
-            <a:r>
-              <a:rPr lang="en-US" altLang="zh-TW" dirty="0">
-                <a:latin typeface="Consolas" panose="020B0609020204030204" pitchFamily="49" charset="0"/>
-              </a:rPr>
-              <a:t>"rating": 5</a:t>
-            </a:r>
-            <a:r>
-              <a:rPr lang="en-US" altLang="zh-TW" dirty="0" smtClean="0">
-                <a:latin typeface="Consolas" panose="020B0609020204030204" pitchFamily="49" charset="0"/>
-              </a:rPr>
-              <a:t>,</a:t>
-            </a:r>
-            <a:br>
-              <a:rPr lang="en-US" altLang="zh-TW" dirty="0" smtClean="0">
-                <a:latin typeface="Consolas" panose="020B0609020204030204" pitchFamily="49" charset="0"/>
-              </a:rPr>
-            </a:br>
-            <a:r>
-              <a:rPr lang="en-US" altLang="zh-TW" dirty="0" smtClean="0">
-                <a:latin typeface="Consolas" panose="020B0609020204030204" pitchFamily="49" charset="0"/>
-              </a:rPr>
-              <a:t>      </a:t>
-            </a:r>
-            <a:r>
-              <a:rPr lang="en-US" altLang="zh-TW" dirty="0">
-                <a:latin typeface="Consolas" panose="020B0609020204030204" pitchFamily="49" charset="0"/>
-              </a:rPr>
-              <a:t>"user": </a:t>
-            </a:r>
-            <a:r>
-              <a:rPr lang="en-US" altLang="zh-TW" dirty="0" smtClean="0">
-                <a:latin typeface="Consolas" panose="020B0609020204030204" pitchFamily="49" charset="0"/>
-              </a:rPr>
-              <a:t>{</a:t>
-            </a:r>
-            <a:br>
-              <a:rPr lang="en-US" altLang="zh-TW" dirty="0" smtClean="0">
-                <a:latin typeface="Consolas" panose="020B0609020204030204" pitchFamily="49" charset="0"/>
-              </a:rPr>
-            </a:br>
-            <a:r>
-              <a:rPr lang="en-US" altLang="zh-TW" dirty="0" smtClean="0">
-                <a:latin typeface="Consolas" panose="020B0609020204030204" pitchFamily="49" charset="0"/>
-              </a:rPr>
-              <a:t>        </a:t>
-            </a:r>
-            <a:r>
-              <a:rPr lang="en-US" altLang="zh-TW" dirty="0">
-                <a:latin typeface="Consolas" panose="020B0609020204030204" pitchFamily="49" charset="0"/>
-              </a:rPr>
-              <a:t>"</a:t>
-            </a:r>
-            <a:r>
-              <a:rPr lang="en-US" altLang="zh-TW" dirty="0" err="1">
-                <a:latin typeface="Consolas" panose="020B0609020204030204" pitchFamily="49" charset="0"/>
-              </a:rPr>
-              <a:t>image_url</a:t>
-            </a:r>
-            <a:r>
-              <a:rPr lang="en-US" altLang="zh-TW" dirty="0">
-                <a:latin typeface="Consolas" panose="020B0609020204030204" pitchFamily="49" charset="0"/>
-              </a:rPr>
-              <a:t>": </a:t>
-            </a:r>
-            <a:r>
-              <a:rPr lang="en-US" altLang="zh-TW" dirty="0" smtClean="0">
-                <a:latin typeface="Consolas" panose="020B0609020204030204" pitchFamily="49" charset="0"/>
-              </a:rPr>
-              <a:t>“…",</a:t>
-            </a:r>
-            <a:br>
-              <a:rPr lang="en-US" altLang="zh-TW" dirty="0" smtClean="0">
-                <a:latin typeface="Consolas" panose="020B0609020204030204" pitchFamily="49" charset="0"/>
-              </a:rPr>
-            </a:br>
-            <a:r>
-              <a:rPr lang="en-US" altLang="zh-TW" dirty="0" smtClean="0">
-                <a:latin typeface="Consolas" panose="020B0609020204030204" pitchFamily="49" charset="0"/>
-              </a:rPr>
-              <a:t>        </a:t>
-            </a:r>
-            <a:r>
-              <a:rPr lang="en-US" altLang="zh-TW" dirty="0">
-                <a:latin typeface="Consolas" panose="020B0609020204030204" pitchFamily="49" charset="0"/>
-              </a:rPr>
-              <a:t>"name": "Emily C</a:t>
-            </a:r>
-            <a:r>
-              <a:rPr lang="en-US" altLang="zh-TW" dirty="0" smtClean="0">
-                <a:latin typeface="Consolas" panose="020B0609020204030204" pitchFamily="49" charset="0"/>
-              </a:rPr>
-              <a:t>.“</a:t>
-            </a:r>
-            <a:br>
-              <a:rPr lang="en-US" altLang="zh-TW" dirty="0" smtClean="0">
-                <a:latin typeface="Consolas" panose="020B0609020204030204" pitchFamily="49" charset="0"/>
-              </a:rPr>
-            </a:br>
-            <a:r>
-              <a:rPr lang="en-US" altLang="zh-TW" dirty="0" smtClean="0">
-                <a:latin typeface="Consolas" panose="020B0609020204030204" pitchFamily="49" charset="0"/>
-              </a:rPr>
-              <a:t>      },</a:t>
-            </a:r>
-            <a:br>
-              <a:rPr lang="en-US" altLang="zh-TW" dirty="0" smtClean="0">
-                <a:latin typeface="Consolas" panose="020B0609020204030204" pitchFamily="49" charset="0"/>
-              </a:rPr>
-            </a:br>
-            <a:r>
-              <a:rPr lang="en-US" altLang="zh-TW" dirty="0" smtClean="0">
-                <a:latin typeface="Consolas" panose="020B0609020204030204" pitchFamily="49" charset="0"/>
-              </a:rPr>
-              <a:t>      </a:t>
-            </a:r>
-            <a:r>
-              <a:rPr lang="en-US" altLang="zh-TW" dirty="0">
-                <a:latin typeface="Consolas" panose="020B0609020204030204" pitchFamily="49" charset="0"/>
-              </a:rPr>
-              <a:t>"</a:t>
-            </a:r>
-            <a:r>
-              <a:rPr lang="en-US" altLang="zh-TW" dirty="0" err="1">
-                <a:latin typeface="Consolas" panose="020B0609020204030204" pitchFamily="49" charset="0"/>
-              </a:rPr>
-              <a:t>time_created</a:t>
-            </a:r>
-            <a:r>
-              <a:rPr lang="en-US" altLang="zh-TW" dirty="0">
-                <a:latin typeface="Consolas" panose="020B0609020204030204" pitchFamily="49" charset="0"/>
-              </a:rPr>
-              <a:t>": "2017-06-10 04:09:58"</a:t>
-            </a:r>
-          </a:p>
-        </p:txBody>
-      </p:sp>
+          <a:bodyPr/>
+          <a:lstStyle/>
+          <a:p>
+            <a:endParaRPr lang="zh-TW" altLang="en-US"/>
+          </a:p>
+        </p:txBody>
+      </p:sp>
+      <p:pic>
+        <p:nvPicPr>
+          <p:cNvPr id="4" name="圖片 3"/>
+          <p:cNvPicPr>
+            <a:picLocks noChangeAspect="1"/>
+          </p:cNvPicPr>
+          <p:nvPr/>
+        </p:nvPicPr>
+        <p:blipFill>
+          <a:blip r:embed="rId2"/>
+          <a:stretch>
+            <a:fillRect/>
+          </a:stretch>
+        </p:blipFill>
+        <p:spPr>
+          <a:xfrm>
+            <a:off x="1634489" y="1127336"/>
+            <a:ext cx="9298305" cy="5227744"/>
+          </a:xfrm>
+          <a:prstGeom prst="rect">
+            <a:avLst/>
+          </a:prstGeom>
+        </p:spPr>
+      </p:pic>
     </p:spTree>
     <p:extLst>
       <p:ext uri="{BB962C8B-B14F-4D97-AF65-F5344CB8AC3E}">
-        <p14:creationId xmlns:p14="http://schemas.microsoft.com/office/powerpoint/2010/main" val="1376789628"/>
+        <p14:creationId xmlns:p14="http://schemas.microsoft.com/office/powerpoint/2010/main" val="173065008"/>
       </p:ext>
     </p:extLst>
   </p:cSld>
   <p:clrMapOvr>
     <a:masterClrMapping/>
   </p:clrMapOvr>
+  <p:timing>
+    <p:tnLst>
+      <p:par>
+        <p:cTn id="1" dur="indefinite" restart="never" nodeType="tmRoot"/>
+      </p:par>
+    </p:tnLst>
+  </p:timing>
 </p:sld>
 </file>
 
@@ -11594,12 +14309,9 @@
           <a:p>
             <a:r>
               <a:rPr lang="zh-TW" altLang="en-US" dirty="0" smtClean="0"/>
-              <a:t>目前存在之</a:t>
-            </a:r>
-            <a:r>
-              <a:rPr lang="zh-TW" altLang="en-US" dirty="0"/>
-              <a:t>應用</a:t>
-            </a:r>
+              <a:t>操作方式</a:t>
+            </a:r>
+            <a:endParaRPr lang="zh-TW" altLang="en-US" dirty="0"/>
           </a:p>
         </p:txBody>
       </p:sp>
@@ -11619,56 +14331,103 @@
           <a:lstStyle/>
           <a:p>
             <a:r>
-              <a:rPr lang="en-US" altLang="zh-TW" dirty="0" smtClean="0"/>
-              <a:t>GRAPHIQ:</a:t>
-            </a:r>
-            <a:r>
               <a:rPr lang="zh-TW" altLang="en-US" dirty="0" smtClean="0"/>
-              <a:t> </a:t>
-            </a:r>
-            <a:r>
-              <a:rPr lang="en-US" altLang="zh-TW" dirty="0" smtClean="0">
-                <a:hlinkClick r:id="rId2"/>
-              </a:rPr>
-              <a:t>https</a:t>
-            </a:r>
-            <a:r>
-              <a:rPr lang="en-US" altLang="zh-TW" dirty="0">
-                <a:hlinkClick r:id="rId2"/>
-              </a:rPr>
-              <a:t>://www.graphiq.com</a:t>
-            </a:r>
-            <a:r>
-              <a:rPr lang="en-US" altLang="zh-TW" dirty="0" smtClean="0">
-                <a:hlinkClick r:id="rId2"/>
-              </a:rPr>
-              <a:t>/</a:t>
+              <a:t>點擊標頭列上登入即可輸入帳號密碼登入</a:t>
             </a:r>
             <a:endParaRPr lang="en-US" altLang="zh-TW" dirty="0" smtClean="0"/>
           </a:p>
           <a:p>
-            <a:pPr lvl="1"/>
-            <a:r>
-              <a:rPr lang="zh-TW" altLang="en-US" dirty="0" smtClean="0"/>
-              <a:t>可以搜尋關於該地區的圖形資訊，例如：天氣、地形等</a:t>
-            </a:r>
-            <a:endParaRPr lang="en-US" altLang="zh-TW" dirty="0" smtClean="0"/>
-          </a:p>
-          <a:p>
-            <a:endParaRPr lang="en-US" altLang="zh-TW" dirty="0" smtClean="0"/>
+            <a:endParaRPr lang="zh-TW" altLang="en-US" dirty="0"/>
+          </a:p>
+        </p:txBody>
+      </p:sp>
+      <p:pic>
+        <p:nvPicPr>
+          <p:cNvPr id="4" name="圖片 3"/>
+          <p:cNvPicPr>
+            <a:picLocks noChangeAspect="1"/>
+          </p:cNvPicPr>
+          <p:nvPr/>
+        </p:nvPicPr>
+        <p:blipFill>
+          <a:blip r:embed="rId2"/>
+          <a:stretch>
+            <a:fillRect/>
+          </a:stretch>
+        </p:blipFill>
+        <p:spPr>
+          <a:xfrm>
+            <a:off x="2265827" y="2487597"/>
+            <a:ext cx="7618194" cy="4283143"/>
+          </a:xfrm>
+          <a:prstGeom prst="rect">
+            <a:avLst/>
+          </a:prstGeom>
+        </p:spPr>
+      </p:pic>
+      <p:sp>
+        <p:nvSpPr>
+          <p:cNvPr id="5" name="橢圓 4"/>
+          <p:cNvSpPr/>
+          <p:nvPr/>
+        </p:nvSpPr>
+        <p:spPr>
+          <a:xfrm>
+            <a:off x="8876371" y="2977376"/>
+            <a:ext cx="669073" cy="312234"/>
+          </a:xfrm>
+          <a:prstGeom prst="ellipse">
+            <a:avLst/>
+          </a:prstGeom>
+          <a:noFill/>
+          <a:ln>
+            <a:solidFill>
+              <a:srgbClr val="FF0000"/>
+            </a:solidFill>
+          </a:ln>
+        </p:spPr>
+        <p:style>
+          <a:lnRef idx="2">
+            <a:schemeClr val="accent1">
+              <a:shade val="50000"/>
+            </a:schemeClr>
+          </a:lnRef>
+          <a:fillRef idx="1">
+            <a:schemeClr val="accent1"/>
+          </a:fillRef>
+          <a:effectRef idx="0">
+            <a:schemeClr val="accent1"/>
+          </a:effectRef>
+          <a:fontRef idx="minor">
+            <a:schemeClr val="lt1"/>
+          </a:fontRef>
+        </p:style>
+        <p:txBody>
+          <a:bodyPr rtlCol="0" anchor="ctr"/>
+          <a:lstStyle/>
+          <a:p>
+            <a:pPr algn="ctr"/>
+            <a:endParaRPr lang="zh-TW" altLang="en-US"/>
           </a:p>
         </p:txBody>
       </p:sp>
     </p:spTree>
     <p:extLst>
       <p:ext uri="{BB962C8B-B14F-4D97-AF65-F5344CB8AC3E}">
-        <p14:creationId xmlns:p14="http://schemas.microsoft.com/office/powerpoint/2010/main" val="366612798"/>
+        <p14:creationId xmlns:p14="http://schemas.microsoft.com/office/powerpoint/2010/main" val="3317156664"/>
       </p:ext>
     </p:extLst>
   </p:cSld>
   <p:clrMapOvr>
     <a:masterClrMapping/>
   </p:clrMapOvr>
+  <p:timing>
+    <p:tnLst>
+      <p:par>
+        <p:cTn id="1" dur="indefinite" restart="never" nodeType="tmRoot"/>
+      </p:par>
+    </p:tnLst>
+  </p:timing>
 </p:sld>
 </file>
 
@@ -11704,10 +14463,7 @@
           <a:bodyPr/>
           <a:lstStyle/>
           <a:p>
-            <a:r>
-              <a:rPr lang="zh-TW" altLang="en-US" dirty="0"/>
-              <a:t>潛在之應用</a:t>
-            </a:r>
+            <a:endParaRPr lang="zh-TW" altLang="en-US"/>
           </a:p>
         </p:txBody>
       </p:sp>
@@ -11726,20 +14482,51 @@
           <a:bodyPr/>
           <a:lstStyle/>
           <a:p>
-            <a:endParaRPr lang="zh-TW" altLang="en-US" dirty="0"/>
-          </a:p>
-        </p:txBody>
-      </p:sp>
+            <a:endParaRPr lang="zh-TW" altLang="en-US"/>
+          </a:p>
+        </p:txBody>
+      </p:sp>
+      <p:pic>
+        <p:nvPicPr>
+          <p:cNvPr id="4" name="圖片 3"/>
+          <p:cNvPicPr>
+            <a:picLocks noChangeAspect="1"/>
+          </p:cNvPicPr>
+          <p:nvPr/>
+        </p:nvPicPr>
+        <p:blipFill>
+          <a:blip r:embed="rId2"/>
+          <a:stretch>
+            <a:fillRect/>
+          </a:stretch>
+        </p:blipFill>
+        <p:spPr>
+          <a:xfrm>
+            <a:off x="1490576" y="1115122"/>
+            <a:ext cx="9623984" cy="5410849"/>
+          </a:xfrm>
+          <a:prstGeom prst="rect">
+            <a:avLst/>
+          </a:prstGeom>
+        </p:spPr>
+      </p:pic>
     </p:spTree>
     <p:extLst>
       <p:ext uri="{BB962C8B-B14F-4D97-AF65-F5344CB8AC3E}">
-        <p14:creationId xmlns:p14="http://schemas.microsoft.com/office/powerpoint/2010/main" val="1651168817"/>
+        <p14:creationId xmlns:p14="http://schemas.microsoft.com/office/powerpoint/2010/main" val="3012362008"/>
       </p:ext>
     </p:extLst>
   </p:cSld>
   <p:clrMapOvr>
     <a:masterClrMapping/>
   </p:clrMapOvr>
+  <p:timing>
+    <p:tnLst>
+      <p:par>
+        <p:cTn id="1" dur="indefinite" restart="never" nodeType="tmRoot"/>
+      </p:par>
+    </p:tnLst>
+  </p:timing>
 </p:sld>
 </file>
 
@@ -11776,12 +14563,8 @@
           <a:lstStyle/>
           <a:p>
             <a:r>
-              <a:rPr lang="en-US" altLang="zh-TW" dirty="0" err="1" smtClean="0"/>
-              <a:t>YelpBlaBla</a:t>
-            </a:r>
-            <a:r>
               <a:rPr lang="zh-TW" altLang="en-US" dirty="0" smtClean="0"/>
-              <a:t>簡介</a:t>
+              <a:t>操作方式</a:t>
             </a:r>
             <a:endParaRPr lang="zh-TW" altLang="en-US" dirty="0"/>
           </a:p>
@@ -11799,186 +14582,165 @@
         </p:nvSpPr>
         <p:spPr/>
         <p:txBody>
-          <a:bodyPr>
-            <a:normAutofit/>
-          </a:bodyPr>
-          <a:lstStyle/>
-          <a:p>
-            <a:r>
-              <a:rPr lang="zh-TW" altLang="en-US" sz="2000" b="1" dirty="0" smtClean="0"/>
-              <a:t>會員系統</a:t>
-            </a:r>
-            <a:endParaRPr lang="en-US" altLang="zh-TW" sz="2000" b="1" dirty="0"/>
-          </a:p>
-          <a:p>
-            <a:pPr marL="0" indent="0">
-              <a:buNone/>
-            </a:pPr>
-            <a:r>
-              <a:rPr lang="en-US" altLang="zh-TW" sz="2000" b="1" dirty="0" smtClean="0"/>
-              <a:t>	</a:t>
+          <a:bodyPr/>
+          <a:lstStyle/>
+          <a:p>
+            <a:r>
+              <a:rPr lang="en-US" altLang="zh-TW" dirty="0" smtClean="0"/>
+              <a:t>Search</a:t>
             </a:r>
             <a:r>
               <a:rPr lang="zh-TW" altLang="en-US" dirty="0" smtClean="0"/>
-              <a:t>註冊 </a:t>
+              <a:t>欄中鍵入想搜尋的店家名稱，</a:t>
             </a:r>
             <a:r>
               <a:rPr lang="en-US" altLang="zh-TW" dirty="0" smtClean="0"/>
-              <a:t>:</a:t>
+              <a:t>Near</a:t>
             </a:r>
             <a:r>
               <a:rPr lang="zh-TW" altLang="en-US" dirty="0" smtClean="0"/>
-              <a:t> 使用者輸入「</a:t>
-            </a:r>
-            <a:r>
-              <a:rPr lang="zh-TW" altLang="en-US" dirty="0"/>
-              <a:t>帳號」 「密碼」 「生日」 「姓名」 「使用者名稱</a:t>
-            </a:r>
-            <a:r>
-              <a:rPr lang="zh-TW" altLang="en-US" dirty="0" smtClean="0"/>
-              <a:t>」後。</a:t>
-            </a:r>
-            <a:r>
-              <a:rPr lang="en-US" altLang="zh-TW" dirty="0" smtClean="0"/>
-              <a:t/>
-            </a:r>
-            <a:br>
-              <a:rPr lang="en-US" altLang="zh-TW" dirty="0" smtClean="0"/>
-            </a:br>
-            <a:r>
-              <a:rPr lang="en-US" altLang="zh-TW" dirty="0" smtClean="0"/>
-              <a:t>	</a:t>
-            </a:r>
-            <a:r>
-              <a:rPr lang="zh-TW" altLang="en-US" dirty="0" smtClean="0"/>
-              <a:t>登入 </a:t>
-            </a:r>
-            <a:r>
-              <a:rPr lang="en-US" altLang="zh-TW" dirty="0" smtClean="0"/>
-              <a:t>:</a:t>
-            </a:r>
-            <a:r>
-              <a:rPr lang="zh-TW" altLang="en-US" dirty="0" smtClean="0"/>
-              <a:t> 使用者</a:t>
-            </a:r>
-            <a:r>
-              <a:rPr lang="zh-TW" altLang="en-US" dirty="0"/>
-              <a:t>輸入帳號密碼後登入。</a:t>
-            </a:r>
-            <a:endParaRPr lang="en-US" altLang="zh-TW" dirty="0"/>
-          </a:p>
-          <a:p>
-            <a:r>
-              <a:rPr lang="zh-TW" altLang="en-US" sz="2000" b="1" dirty="0"/>
-              <a:t>查詢店家</a:t>
-            </a:r>
-            <a:r>
-              <a:rPr lang="zh-TW" altLang="en-US" sz="2000" b="1" dirty="0" smtClean="0"/>
-              <a:t>資料</a:t>
-            </a:r>
-            <a:r>
-              <a:rPr lang="en-US" altLang="zh-TW" sz="2000" b="1" dirty="0" smtClean="0"/>
-              <a:t>(</a:t>
-            </a:r>
-            <a:r>
-              <a:rPr lang="zh-TW" altLang="en-US" sz="2000" b="1" dirty="0" smtClean="0"/>
-              <a:t>無須會員</a:t>
-            </a:r>
-            <a:r>
-              <a:rPr lang="en-US" altLang="zh-TW" sz="2000" b="1" dirty="0" smtClean="0"/>
-              <a:t>)</a:t>
-            </a:r>
-          </a:p>
-          <a:p>
-            <a:pPr marL="0" indent="0">
-              <a:buNone/>
-            </a:pPr>
-            <a:r>
-              <a:rPr lang="en-US" altLang="zh-TW" sz="2000" b="1" dirty="0"/>
-              <a:t>	</a:t>
-            </a:r>
-            <a:r>
-              <a:rPr lang="zh-TW" altLang="en-US" dirty="0" smtClean="0"/>
-              <a:t>於搜尋</a:t>
-            </a:r>
-            <a:r>
-              <a:rPr lang="zh-TW" altLang="en-US" dirty="0"/>
-              <a:t>頁面鍵入欲查詢店家名，可獲得店家名稱、評分、評論、</a:t>
-            </a:r>
-            <a:r>
-              <a:rPr lang="zh-TW" altLang="en-US" dirty="0" smtClean="0"/>
-              <a:t>電話</a:t>
-            </a:r>
-            <a:r>
-              <a:rPr lang="zh-TW" altLang="en-US" dirty="0"/>
-              <a:t>、地址</a:t>
-            </a:r>
-            <a:r>
-              <a:rPr lang="zh-TW" altLang="en-US" dirty="0" smtClean="0"/>
-              <a:t>以及</a:t>
-            </a:r>
-            <a:r>
-              <a:rPr lang="en-US" altLang="zh-TW" dirty="0" smtClean="0"/>
-              <a:t>GOOGLE </a:t>
-            </a:r>
-            <a:r>
-              <a:rPr lang="en-US" altLang="zh-TW" dirty="0"/>
-              <a:t>MAP</a:t>
-            </a:r>
-            <a:r>
-              <a:rPr lang="zh-TW" altLang="en-US" dirty="0"/>
-              <a:t>顯示地圖等等資料。</a:t>
-            </a:r>
-            <a:endParaRPr lang="en-US" altLang="zh-TW" dirty="0"/>
-          </a:p>
-          <a:p>
-            <a:r>
-              <a:rPr lang="zh-TW" altLang="en-US" sz="2000" b="1" dirty="0"/>
-              <a:t>收藏喜愛</a:t>
-            </a:r>
-            <a:r>
-              <a:rPr lang="zh-TW" altLang="en-US" sz="2000" b="1" dirty="0" smtClean="0"/>
-              <a:t>店家</a:t>
-            </a:r>
-            <a:r>
-              <a:rPr lang="en-US" altLang="zh-TW" sz="2000" b="1" dirty="0" smtClean="0"/>
-              <a:t>(</a:t>
-            </a:r>
-            <a:r>
-              <a:rPr lang="zh-TW" altLang="en-US" sz="2000" b="1" dirty="0" smtClean="0"/>
-              <a:t>需會員</a:t>
-            </a:r>
-            <a:r>
-              <a:rPr lang="en-US" altLang="zh-TW" sz="2000" b="1" dirty="0" smtClean="0"/>
-              <a:t>)</a:t>
-            </a:r>
-            <a:endParaRPr lang="en-US" altLang="zh-TW" sz="2000" b="1" dirty="0"/>
-          </a:p>
-          <a:p>
-            <a:pPr marL="45720" indent="0">
-              <a:buNone/>
-            </a:pPr>
-            <a:r>
-              <a:rPr lang="zh-TW" altLang="en-US" dirty="0"/>
-              <a:t>   可於搜尋結果頁面將喜愛的店家加入收藏。</a:t>
-            </a:r>
-            <a:endParaRPr lang="en-US" altLang="zh-TW" dirty="0"/>
+              <a:t>欄中鍵入地名或地址，可搜尋符合條件的商家。</a:t>
+            </a:r>
+            <a:endParaRPr lang="en-US" altLang="zh-TW" dirty="0" smtClean="0"/>
           </a:p>
           <a:p>
             <a:endParaRPr lang="zh-TW" altLang="en-US" dirty="0"/>
+          </a:p>
+        </p:txBody>
+      </p:sp>
+      <p:pic>
+        <p:nvPicPr>
+          <p:cNvPr id="4" name="圖片 3"/>
+          <p:cNvPicPr>
+            <a:picLocks noChangeAspect="1"/>
+          </p:cNvPicPr>
+          <p:nvPr/>
+        </p:nvPicPr>
+        <p:blipFill>
+          <a:blip r:embed="rId2"/>
+          <a:stretch>
+            <a:fillRect/>
+          </a:stretch>
+        </p:blipFill>
+        <p:spPr>
+          <a:xfrm>
+            <a:off x="3311912" y="2714283"/>
+            <a:ext cx="7100957" cy="3992339"/>
+          </a:xfrm>
+          <a:prstGeom prst="rect">
+            <a:avLst/>
+          </a:prstGeom>
+        </p:spPr>
+      </p:pic>
+      <p:sp>
+        <p:nvSpPr>
+          <p:cNvPr id="5" name="橢圓 4"/>
+          <p:cNvSpPr/>
+          <p:nvPr/>
+        </p:nvSpPr>
+        <p:spPr>
+          <a:xfrm>
+            <a:off x="5564458" y="4276491"/>
+            <a:ext cx="1215483" cy="557561"/>
+          </a:xfrm>
+          <a:prstGeom prst="ellipse">
+            <a:avLst/>
+          </a:prstGeom>
+          <a:noFill/>
+          <a:ln>
+            <a:solidFill>
+              <a:srgbClr val="FF0000"/>
+            </a:solidFill>
+          </a:ln>
+        </p:spPr>
+        <p:style>
+          <a:lnRef idx="2">
+            <a:schemeClr val="accent1">
+              <a:shade val="50000"/>
+            </a:schemeClr>
+          </a:lnRef>
+          <a:fillRef idx="1">
+            <a:schemeClr val="accent1"/>
+          </a:fillRef>
+          <a:effectRef idx="0">
+            <a:schemeClr val="accent1"/>
+          </a:effectRef>
+          <a:fontRef idx="minor">
+            <a:schemeClr val="lt1"/>
+          </a:fontRef>
+        </p:style>
+        <p:txBody>
+          <a:bodyPr rtlCol="0" anchor="ctr"/>
+          <a:lstStyle/>
+          <a:p>
+            <a:pPr algn="ctr"/>
+            <a:endParaRPr lang="zh-TW" altLang="en-US"/>
+          </a:p>
+        </p:txBody>
+      </p:sp>
+      <p:sp>
+        <p:nvSpPr>
+          <p:cNvPr id="6" name="橢圓 5"/>
+          <p:cNvSpPr/>
+          <p:nvPr/>
+        </p:nvSpPr>
+        <p:spPr>
+          <a:xfrm>
+            <a:off x="7099880" y="4298795"/>
+            <a:ext cx="1022796" cy="535257"/>
+          </a:xfrm>
+          <a:prstGeom prst="ellipse">
+            <a:avLst/>
+          </a:prstGeom>
+          <a:noFill/>
+          <a:ln>
+            <a:solidFill>
+              <a:srgbClr val="FF0000"/>
+            </a:solidFill>
+          </a:ln>
+        </p:spPr>
+        <p:style>
+          <a:lnRef idx="2">
+            <a:schemeClr val="accent1">
+              <a:shade val="50000"/>
+            </a:schemeClr>
+          </a:lnRef>
+          <a:fillRef idx="1">
+            <a:schemeClr val="accent1"/>
+          </a:fillRef>
+          <a:effectRef idx="0">
+            <a:schemeClr val="accent1"/>
+          </a:effectRef>
+          <a:fontRef idx="minor">
+            <a:schemeClr val="lt1"/>
+          </a:fontRef>
+        </p:style>
+        <p:txBody>
+          <a:bodyPr rtlCol="0" anchor="ctr"/>
+          <a:lstStyle/>
+          <a:p>
+            <a:pPr algn="ctr"/>
+            <a:endParaRPr lang="zh-TW" altLang="en-US"/>
           </a:p>
         </p:txBody>
       </p:sp>
     </p:spTree>
     <p:extLst>
       <p:ext uri="{BB962C8B-B14F-4D97-AF65-F5344CB8AC3E}">
-        <p14:creationId xmlns:p14="http://schemas.microsoft.com/office/powerpoint/2010/main" val="3146759844"/>
+        <p14:creationId xmlns:p14="http://schemas.microsoft.com/office/powerpoint/2010/main" val="275549028"/>
       </p:ext>
     </p:extLst>
   </p:cSld>
   <p:clrMapOvr>
     <a:masterClrMapping/>
   </p:clrMapOvr>
+  <p:timing>
+    <p:tnLst>
+      <p:par>
+        <p:cTn id="1" dur="indefinite" restart="never" nodeType="tmRoot"/>
+      </p:par>
+    </p:tnLst>
+  </p:timing>
 </p:sld>
 </file>
 
@@ -12014,19 +14776,7 @@
           <a:bodyPr/>
           <a:lstStyle/>
           <a:p>
-            <a:r>
-              <a:rPr lang="zh-TW" altLang="en-US" dirty="0" smtClean="0"/>
-              <a:t>使</a:t>
-            </a:r>
-            <a:r>
-              <a:rPr lang="zh-TW" altLang="en-US" dirty="0"/>
-              <a:t>用</a:t>
-            </a:r>
-            <a:r>
-              <a:rPr lang="zh-TW" altLang="en-US" dirty="0" smtClean="0"/>
-              <a:t>技術</a:t>
-            </a:r>
-            <a:endParaRPr lang="zh-TW" altLang="en-US" dirty="0"/>
+            <a:endParaRPr lang="zh-TW" altLang="en-US"/>
           </a:p>
         </p:txBody>
       </p:sp>
@@ -12045,76 +14795,51 @@
           <a:bodyPr/>
           <a:lstStyle/>
           <a:p>
-            <a:r>
-              <a:rPr lang="en-US" altLang="zh-TW" dirty="0" smtClean="0"/>
-              <a:t>Html</a:t>
-            </a:r>
-          </a:p>
-          <a:p>
-            <a:r>
-              <a:rPr lang="en-US" altLang="zh-TW" dirty="0" smtClean="0"/>
-              <a:t>Bootstrap</a:t>
-            </a:r>
-          </a:p>
-          <a:p>
-            <a:r>
-              <a:rPr lang="en-US" altLang="zh-TW" dirty="0" smtClean="0"/>
-              <a:t>JavaScript</a:t>
-            </a:r>
-          </a:p>
-          <a:p>
-            <a:r>
-              <a:rPr lang="en-US" altLang="zh-TW" dirty="0" smtClean="0"/>
-              <a:t>My SQL</a:t>
-            </a:r>
-          </a:p>
-          <a:p>
-            <a:r>
-              <a:rPr lang="en-US" altLang="zh-TW" dirty="0" smtClean="0"/>
-              <a:t>Java Servlet</a:t>
-            </a:r>
-          </a:p>
-          <a:p>
-            <a:r>
-              <a:rPr lang="en-US" altLang="zh-TW" dirty="0" smtClean="0"/>
-              <a:t>Yelp </a:t>
-            </a:r>
-            <a:r>
-              <a:rPr lang="en-US" altLang="zh-TW" dirty="0" smtClean="0"/>
-              <a:t>API</a:t>
-            </a:r>
-          </a:p>
-          <a:p>
-            <a:r>
-              <a:rPr lang="en-US" altLang="zh-TW" dirty="0" smtClean="0"/>
-              <a:t>Rating </a:t>
-            </a:r>
-            <a:r>
-              <a:rPr lang="en-US" altLang="zh-TW" dirty="0" err="1" smtClean="0"/>
-              <a:t>Y</a:t>
-            </a:r>
-            <a:r>
-              <a:rPr lang="en-US" altLang="zh-TW" dirty="0" err="1" smtClean="0"/>
-              <a:t>o</a:t>
-            </a:r>
-            <a:r>
-              <a:rPr lang="en-US" altLang="zh-TW" dirty="0" smtClean="0"/>
-              <a:t> API</a:t>
-            </a:r>
-            <a:endParaRPr lang="zh-TW" altLang="en-US" dirty="0"/>
-          </a:p>
-        </p:txBody>
-      </p:sp>
+            <a:endParaRPr lang="zh-TW" altLang="en-US"/>
+          </a:p>
+        </p:txBody>
+      </p:sp>
+      <p:pic>
+        <p:nvPicPr>
+          <p:cNvPr id="4" name="圖片 3"/>
+          <p:cNvPicPr>
+            <a:picLocks noChangeAspect="1"/>
+          </p:cNvPicPr>
+          <p:nvPr/>
+        </p:nvPicPr>
+        <p:blipFill>
+          <a:blip r:embed="rId2"/>
+          <a:stretch>
+            <a:fillRect/>
+          </a:stretch>
+        </p:blipFill>
+        <p:spPr>
+          <a:xfrm>
+            <a:off x="1658421" y="1165860"/>
+            <a:ext cx="9514403" cy="5349240"/>
+          </a:xfrm>
+          <a:prstGeom prst="rect">
+            <a:avLst/>
+          </a:prstGeom>
+        </p:spPr>
+      </p:pic>
     </p:spTree>
     <p:extLst>
       <p:ext uri="{BB962C8B-B14F-4D97-AF65-F5344CB8AC3E}">
-        <p14:creationId xmlns:p14="http://schemas.microsoft.com/office/powerpoint/2010/main" val="4114352341"/>
+        <p14:creationId xmlns:p14="http://schemas.microsoft.com/office/powerpoint/2010/main" val="1438976860"/>
       </p:ext>
     </p:extLst>
   </p:cSld>
   <p:clrMapOvr>
     <a:masterClrMapping/>
   </p:clrMapOvr>
+  <p:timing>
+    <p:tnLst>
+      <p:par>
+        <p:cTn id="1" dur="indefinite" restart="never" nodeType="tmRoot"/>
+      </p:par>
+    </p:tnLst>
+  </p:timing>
 </p:sld>
 </file>
 

--- a/其他/YelpBlaBla.pptx
+++ b/其他/YelpBlaBla.pptx
@@ -32,8 +32,11 @@
     <p:sldId id="270" r:id="rId26"/>
     <p:sldId id="271" r:id="rId27"/>
     <p:sldId id="265" r:id="rId28"/>
-    <p:sldId id="266" r:id="rId29"/>
-    <p:sldId id="267" r:id="rId30"/>
+    <p:sldId id="287" r:id="rId29"/>
+    <p:sldId id="288" r:id="rId30"/>
+    <p:sldId id="289" r:id="rId31"/>
+    <p:sldId id="266" r:id="rId32"/>
+    <p:sldId id="267" r:id="rId33"/>
   </p:sldIdLst>
   <p:sldSz cx="12192000" cy="6858000"/>
   <p:notesSz cx="6858000" cy="9144000"/>
@@ -13658,9 +13661,13 @@
           <a:p>
             <a:r>
               <a:rPr lang="zh-TW" altLang="en-US" dirty="0" smtClean="0"/>
-              <a:t>參考</a:t>
-            </a:r>
-            <a:endParaRPr lang="zh-TW" altLang="en-US" dirty="0"/>
+              <a:t>遭遇的困難</a:t>
+            </a:r>
+            <a:r>
+              <a:rPr lang="en-US" altLang="zh-TW" baseline="-25000" dirty="0" smtClean="0"/>
+              <a:t>1</a:t>
+            </a:r>
+            <a:endParaRPr lang="zh-TW" altLang="en-US" baseline="-25000" dirty="0"/>
           </a:p>
         </p:txBody>
       </p:sp>
@@ -13681,35 +13688,65 @@
           <a:p>
             <a:r>
               <a:rPr lang="en-US" altLang="zh-TW" dirty="0" smtClean="0"/>
-              <a:t>Yelp </a:t>
-            </a:r>
-            <a:r>
-              <a:rPr lang="en-US" altLang="zh-TW" dirty="0"/>
-              <a:t>API Document: </a:t>
-            </a:r>
-            <a:r>
-              <a:rPr lang="en-US" altLang="zh-TW" dirty="0">
-                <a:hlinkClick r:id="rId2"/>
-              </a:rPr>
-              <a:t>https://</a:t>
-            </a:r>
-            <a:r>
-              <a:rPr lang="en-US" altLang="zh-TW" dirty="0" smtClean="0">
-                <a:hlinkClick r:id="rId2"/>
-              </a:rPr>
-              <a:t>www.yelp.com/developers/documentation/v3</a:t>
-            </a:r>
+              <a:t>Yelp API</a:t>
+            </a:r>
+            <a:r>
+              <a:rPr lang="zh-TW" altLang="en-US" dirty="0" smtClean="0"/>
+              <a:t>對一開始的我們過於陌生，沒有任何一個組員有聽過。</a:t>
+            </a:r>
+            <a:endParaRPr lang="en-US" altLang="zh-TW" dirty="0"/>
+          </a:p>
+          <a:p>
             <a:endParaRPr lang="en-US" altLang="zh-TW" dirty="0" smtClean="0"/>
           </a:p>
           <a:p>
-            <a:endParaRPr lang="zh-TW" altLang="en-US" dirty="0"/>
+            <a:r>
+              <a:rPr lang="zh-TW" altLang="en-US" dirty="0" smtClean="0"/>
+              <a:t>解決辦法</a:t>
+            </a:r>
+            <a:r>
+              <a:rPr lang="en-US" altLang="zh-TW" dirty="0" smtClean="0"/>
+              <a:t>:</a:t>
+            </a:r>
+          </a:p>
+          <a:p>
+            <a:pPr lvl="1"/>
+            <a:r>
+              <a:rPr lang="zh-TW" altLang="en-US" dirty="0" smtClean="0"/>
+              <a:t>前</a:t>
+            </a:r>
+            <a:r>
+              <a:rPr lang="zh-TW" altLang="en-US" dirty="0"/>
+              <a:t>一個</a:t>
+            </a:r>
+            <a:r>
+              <a:rPr lang="zh-TW" altLang="en-US" dirty="0" smtClean="0"/>
+              <a:t>禮拜分頭搜尋並試圖了解</a:t>
+            </a:r>
+            <a:r>
+              <a:rPr lang="en-US" altLang="zh-TW" dirty="0" smtClean="0"/>
+              <a:t>Yelp</a:t>
+            </a:r>
+            <a:r>
+              <a:rPr lang="zh-TW" altLang="en-US" dirty="0"/>
+              <a:t> </a:t>
+            </a:r>
+            <a:r>
+              <a:rPr lang="en-US" altLang="zh-TW" dirty="0" smtClean="0"/>
+              <a:t>API</a:t>
+            </a:r>
+            <a:r>
+              <a:rPr lang="zh-TW" altLang="en-US" dirty="0" smtClean="0"/>
+              <a:t>的功能以及發展性。</a:t>
+            </a:r>
+            <a:endParaRPr lang="en-US" altLang="zh-TW" dirty="0" smtClean="0"/>
           </a:p>
         </p:txBody>
       </p:sp>
     </p:spTree>
     <p:extLst>
       <p:ext uri="{BB962C8B-B14F-4D97-AF65-F5344CB8AC3E}">
-        <p14:creationId xmlns:p14="http://schemas.microsoft.com/office/powerpoint/2010/main" val="430039658"/>
+        <p14:creationId xmlns:p14="http://schemas.microsoft.com/office/powerpoint/2010/main" val="1711582087"/>
       </p:ext>
     </p:extLst>
   </p:cSld>
@@ -13752,9 +13789,14 @@
           <a:lstStyle/>
           <a:p>
             <a:r>
-              <a:rPr lang="zh-TW" altLang="en-US" dirty="0"/>
-              <a:t>組員分工情況</a:t>
-            </a:r>
+              <a:rPr lang="zh-TW" altLang="en-US" dirty="0" smtClean="0"/>
+              <a:t>遭遇的困難</a:t>
+            </a:r>
+            <a:r>
+              <a:rPr lang="en-US" altLang="zh-TW" baseline="-25000" dirty="0" smtClean="0"/>
+              <a:t>2</a:t>
+            </a:r>
+            <a:endParaRPr lang="zh-TW" altLang="en-US" baseline="-25000" dirty="0"/>
           </a:p>
         </p:txBody>
       </p:sp>
@@ -13774,72 +13816,55 @@
           <a:lstStyle/>
           <a:p>
             <a:r>
-              <a:rPr lang="zh-TW" altLang="en-US" dirty="0" smtClean="0"/>
-              <a:t>黃佳惠：會員系統，資料庫管理，網站</a:t>
-            </a:r>
-            <a:r>
-              <a:rPr lang="en-US" altLang="zh-TW" dirty="0" smtClean="0"/>
-              <a:t>UI</a:t>
-            </a:r>
-            <a:r>
-              <a:rPr lang="zh-TW" altLang="en-US" dirty="0" smtClean="0"/>
-              <a:t>設計</a:t>
-            </a:r>
-            <a:endParaRPr lang="en-US" altLang="zh-TW" dirty="0" smtClean="0"/>
-          </a:p>
-          <a:p>
-            <a:r>
-              <a:rPr lang="zh-TW" altLang="en-US" dirty="0" smtClean="0"/>
-              <a:t>吉天仲：</a:t>
-            </a:r>
-            <a:r>
-              <a:rPr lang="en-US" altLang="zh-TW" dirty="0" smtClean="0"/>
-              <a:t>Google Map</a:t>
-            </a:r>
-            <a:r>
-              <a:rPr lang="zh-TW" altLang="en-US" dirty="0" smtClean="0"/>
-              <a:t>，搜尋結果</a:t>
-            </a:r>
-            <a:endParaRPr lang="en-US" altLang="zh-TW" dirty="0" smtClean="0"/>
-          </a:p>
-          <a:p>
-            <a:r>
-              <a:rPr lang="zh-TW" altLang="en-US" dirty="0" smtClean="0"/>
-              <a:t>彭冠傑：收藏，收藏列表</a:t>
-            </a:r>
-            <a:endParaRPr lang="en-US" altLang="zh-TW" dirty="0" smtClean="0"/>
-          </a:p>
-          <a:p>
-            <a:r>
-              <a:rPr lang="zh-TW" altLang="en-US" dirty="0" smtClean="0"/>
-              <a:t>陳威廷：</a:t>
-            </a:r>
-            <a:r>
               <a:rPr lang="en-US" altLang="zh-TW" dirty="0" smtClean="0"/>
               <a:t>Yelp API</a:t>
             </a:r>
             <a:r>
               <a:rPr lang="zh-TW" altLang="en-US" dirty="0" smtClean="0"/>
-              <a:t>封裝</a:t>
+              <a:t>的回應速度非常緩慢，我們時常會以為是程式有誤，但其實只是</a:t>
+            </a:r>
+            <a:r>
+              <a:rPr lang="en-US" altLang="zh-TW" dirty="0" smtClean="0"/>
+              <a:t>Yelp API</a:t>
+            </a:r>
+            <a:r>
+              <a:rPr lang="zh-TW" altLang="en-US" dirty="0" smtClean="0"/>
+              <a:t>尚未處理完資訊，導致浪費許多時間。</a:t>
             </a:r>
             <a:endParaRPr lang="en-US" altLang="zh-TW" dirty="0" smtClean="0"/>
           </a:p>
           <a:p>
+            <a:endParaRPr lang="en-US" altLang="zh-TW" dirty="0"/>
+          </a:p>
+          <a:p>
             <a:r>
               <a:rPr lang="zh-TW" altLang="en-US" dirty="0" smtClean="0"/>
-              <a:t>田慶秋</a:t>
-            </a:r>
-            <a:r>
-              <a:rPr lang="zh-TW" altLang="en-US" dirty="0"/>
-              <a:t>：</a:t>
-            </a:r>
+              <a:t>解決辦法</a:t>
+            </a:r>
+            <a:endParaRPr lang="en-US" altLang="zh-TW" dirty="0" smtClean="0"/>
+          </a:p>
+          <a:p>
+            <a:pPr lvl="1"/>
+            <a:r>
+              <a:rPr lang="zh-TW" altLang="en-US" dirty="0" smtClean="0"/>
+              <a:t>在其他地方盡量加快程式的運作速度，補足</a:t>
+            </a:r>
+            <a:r>
+              <a:rPr lang="en-US" altLang="zh-TW" dirty="0" smtClean="0"/>
+              <a:t>Yelp</a:t>
+            </a:r>
+            <a:r>
+              <a:rPr lang="zh-TW" altLang="en-US" dirty="0" smtClean="0"/>
+              <a:t>速度緩慢地問題，以及有耐心。</a:t>
+            </a:r>
+            <a:endParaRPr lang="zh-TW" altLang="en-US" dirty="0"/>
           </a:p>
         </p:txBody>
       </p:sp>
     </p:spTree>
     <p:extLst>
       <p:ext uri="{BB962C8B-B14F-4D97-AF65-F5344CB8AC3E}">
-        <p14:creationId xmlns:p14="http://schemas.microsoft.com/office/powerpoint/2010/main" val="353536252"/>
+        <p14:creationId xmlns:p14="http://schemas.microsoft.com/office/powerpoint/2010/main" val="715765762"/>
       </p:ext>
     </p:extLst>
   </p:cSld>
@@ -14019,6 +14044,345 @@
       </p:par>
     </p:tnLst>
   </p:timing>
+</p:sld>
+</file>
+
+<file path=ppt/slides/slide30.xml><?xml version="1.0" encoding="utf-8"?>
+<p:sld xmlns:a="http://schemas.openxmlformats.org/drawingml/2006/main" xmlns:r="http://schemas.openxmlformats.org/officeDocument/2006/relationships" xmlns:p="http://schemas.openxmlformats.org/presentationml/2006/main">
+  <p:cSld>
+    <p:spTree>
+      <p:nvGrpSpPr>
+        <p:cNvPr id="1" name=""/>
+        <p:cNvGrpSpPr/>
+        <p:nvPr/>
+      </p:nvGrpSpPr>
+      <p:grpSpPr>
+        <a:xfrm>
+          <a:off x="0" y="0"/>
+          <a:ext cx="0" cy="0"/>
+          <a:chOff x="0" y="0"/>
+          <a:chExt cx="0" cy="0"/>
+        </a:xfrm>
+      </p:grpSpPr>
+      <p:sp>
+        <p:nvSpPr>
+          <p:cNvPr id="2" name="標題 1"/>
+          <p:cNvSpPr>
+            <a:spLocks noGrp="1"/>
+          </p:cNvSpPr>
+          <p:nvPr>
+            <p:ph type="title"/>
+          </p:nvPr>
+        </p:nvSpPr>
+        <p:spPr/>
+        <p:txBody>
+          <a:bodyPr/>
+          <a:lstStyle/>
+          <a:p>
+            <a:r>
+              <a:rPr lang="zh-TW" altLang="en-US" dirty="0" smtClean="0"/>
+              <a:t>遭遇的困難</a:t>
+            </a:r>
+            <a:r>
+              <a:rPr lang="en-US" altLang="zh-TW" baseline="-25000" dirty="0" smtClean="0"/>
+              <a:t>3</a:t>
+            </a:r>
+            <a:endParaRPr lang="zh-TW" altLang="en-US" baseline="-25000" dirty="0"/>
+          </a:p>
+        </p:txBody>
+      </p:sp>
+      <p:sp>
+        <p:nvSpPr>
+          <p:cNvPr id="3" name="內容版面配置區 2"/>
+          <p:cNvSpPr>
+            <a:spLocks noGrp="1"/>
+          </p:cNvSpPr>
+          <p:nvPr>
+            <p:ph idx="1"/>
+          </p:nvPr>
+        </p:nvSpPr>
+        <p:spPr/>
+        <p:txBody>
+          <a:bodyPr/>
+          <a:lstStyle/>
+          <a:p>
+            <a:r>
+              <a:rPr lang="zh-TW" altLang="en-US" dirty="0" smtClean="0"/>
+              <a:t>找了一整天的</a:t>
+            </a:r>
+            <a:r>
+              <a:rPr lang="en-US" altLang="zh-TW" dirty="0" smtClean="0"/>
+              <a:t>BUG</a:t>
+            </a:r>
+            <a:r>
+              <a:rPr lang="zh-TW" altLang="en-US" dirty="0" smtClean="0"/>
+              <a:t>，最後發現是某位組員的編碼設定有誤導致。</a:t>
+            </a:r>
+            <a:endParaRPr lang="en-US" altLang="zh-TW" dirty="0" smtClean="0"/>
+          </a:p>
+          <a:p>
+            <a:endParaRPr lang="en-US" altLang="zh-TW" dirty="0"/>
+          </a:p>
+          <a:p>
+            <a:r>
+              <a:rPr lang="zh-TW" altLang="en-US" dirty="0" smtClean="0"/>
+              <a:t>解決辦法</a:t>
+            </a:r>
+            <a:endParaRPr lang="en-US" altLang="zh-TW" dirty="0"/>
+          </a:p>
+          <a:p>
+            <a:pPr lvl="1"/>
+            <a:r>
+              <a:rPr lang="zh-TW" altLang="en-US" dirty="0" smtClean="0"/>
+              <a:t>統一使用固定的標頭檔以及</a:t>
+            </a:r>
+            <a:r>
+              <a:rPr lang="en-US" altLang="zh-TW" dirty="0" smtClean="0"/>
+              <a:t>JS</a:t>
+            </a:r>
+            <a:r>
+              <a:rPr lang="zh-TW" altLang="en-US" smtClean="0"/>
+              <a:t>，不讓這種事情再次發生。</a:t>
+            </a:r>
+            <a:endParaRPr lang="zh-TW" altLang="en-US" dirty="0"/>
+          </a:p>
+        </p:txBody>
+      </p:sp>
+    </p:spTree>
+    <p:extLst>
+      <p:ext uri="{BB962C8B-B14F-4D97-AF65-F5344CB8AC3E}">
+        <p14:creationId xmlns:p14="http://schemas.microsoft.com/office/powerpoint/2010/main" val="1011033778"/>
+      </p:ext>
+    </p:extLst>
+  </p:cSld>
+  <p:clrMapOvr>
+    <a:masterClrMapping/>
+  </p:clrMapOvr>
+</p:sld>
+</file>
+
+<file path=ppt/slides/slide31.xml><?xml version="1.0" encoding="utf-8"?>
+<p:sld xmlns:a="http://schemas.openxmlformats.org/drawingml/2006/main" xmlns:r="http://schemas.openxmlformats.org/officeDocument/2006/relationships" xmlns:p="http://schemas.openxmlformats.org/presentationml/2006/main">
+  <p:cSld>
+    <p:spTree>
+      <p:nvGrpSpPr>
+        <p:cNvPr id="1" name=""/>
+        <p:cNvGrpSpPr/>
+        <p:nvPr/>
+      </p:nvGrpSpPr>
+      <p:grpSpPr>
+        <a:xfrm>
+          <a:off x="0" y="0"/>
+          <a:ext cx="0" cy="0"/>
+          <a:chOff x="0" y="0"/>
+          <a:chExt cx="0" cy="0"/>
+        </a:xfrm>
+      </p:grpSpPr>
+      <p:sp>
+        <p:nvSpPr>
+          <p:cNvPr id="2" name="標題 1"/>
+          <p:cNvSpPr>
+            <a:spLocks noGrp="1"/>
+          </p:cNvSpPr>
+          <p:nvPr>
+            <p:ph type="title"/>
+          </p:nvPr>
+        </p:nvSpPr>
+        <p:spPr/>
+        <p:txBody>
+          <a:bodyPr/>
+          <a:lstStyle/>
+          <a:p>
+            <a:r>
+              <a:rPr lang="zh-TW" altLang="en-US" dirty="0" smtClean="0"/>
+              <a:t>參考</a:t>
+            </a:r>
+            <a:endParaRPr lang="zh-TW" altLang="en-US" dirty="0"/>
+          </a:p>
+        </p:txBody>
+      </p:sp>
+      <p:sp>
+        <p:nvSpPr>
+          <p:cNvPr id="3" name="內容版面配置區 2"/>
+          <p:cNvSpPr>
+            <a:spLocks noGrp="1"/>
+          </p:cNvSpPr>
+          <p:nvPr>
+            <p:ph idx="1"/>
+          </p:nvPr>
+        </p:nvSpPr>
+        <p:spPr/>
+        <p:txBody>
+          <a:bodyPr/>
+          <a:lstStyle/>
+          <a:p>
+            <a:r>
+              <a:rPr lang="en-US" altLang="zh-TW" dirty="0" smtClean="0"/>
+              <a:t>Yelp </a:t>
+            </a:r>
+            <a:r>
+              <a:rPr lang="en-US" altLang="zh-TW" dirty="0"/>
+              <a:t>API Document: </a:t>
+            </a:r>
+            <a:r>
+              <a:rPr lang="en-US" altLang="zh-TW" dirty="0">
+                <a:hlinkClick r:id="rId2"/>
+              </a:rPr>
+              <a:t>https://</a:t>
+            </a:r>
+            <a:r>
+              <a:rPr lang="en-US" altLang="zh-TW" dirty="0" smtClean="0">
+                <a:hlinkClick r:id="rId2"/>
+              </a:rPr>
+              <a:t>www.yelp.com/developers/documentation/v3</a:t>
+            </a:r>
+            <a:endParaRPr lang="en-US" altLang="zh-TW" dirty="0" smtClean="0"/>
+          </a:p>
+          <a:p>
+            <a:endParaRPr lang="zh-TW" altLang="en-US" dirty="0"/>
+          </a:p>
+        </p:txBody>
+      </p:sp>
+    </p:spTree>
+    <p:extLst>
+      <p:ext uri="{BB962C8B-B14F-4D97-AF65-F5344CB8AC3E}">
+        <p14:creationId xmlns:p14="http://schemas.microsoft.com/office/powerpoint/2010/main" val="430039658"/>
+      </p:ext>
+    </p:extLst>
+  </p:cSld>
+  <p:clrMapOvr>
+    <a:masterClrMapping/>
+  </p:clrMapOvr>
+</p:sld>
+</file>
+
+<file path=ppt/slides/slide32.xml><?xml version="1.0" encoding="utf-8"?>
+<p:sld xmlns:a="http://schemas.openxmlformats.org/drawingml/2006/main" xmlns:r="http://schemas.openxmlformats.org/officeDocument/2006/relationships" xmlns:p="http://schemas.openxmlformats.org/presentationml/2006/main">
+  <p:cSld>
+    <p:spTree>
+      <p:nvGrpSpPr>
+        <p:cNvPr id="1" name=""/>
+        <p:cNvGrpSpPr/>
+        <p:nvPr/>
+      </p:nvGrpSpPr>
+      <p:grpSpPr>
+        <a:xfrm>
+          <a:off x="0" y="0"/>
+          <a:ext cx="0" cy="0"/>
+          <a:chOff x="0" y="0"/>
+          <a:chExt cx="0" cy="0"/>
+        </a:xfrm>
+      </p:grpSpPr>
+      <p:sp>
+        <p:nvSpPr>
+          <p:cNvPr id="2" name="標題 1"/>
+          <p:cNvSpPr>
+            <a:spLocks noGrp="1"/>
+          </p:cNvSpPr>
+          <p:nvPr>
+            <p:ph type="title"/>
+          </p:nvPr>
+        </p:nvSpPr>
+        <p:spPr/>
+        <p:txBody>
+          <a:bodyPr/>
+          <a:lstStyle/>
+          <a:p>
+            <a:r>
+              <a:rPr lang="zh-TW" altLang="en-US" dirty="0"/>
+              <a:t>組員分工情況</a:t>
+            </a:r>
+          </a:p>
+        </p:txBody>
+      </p:sp>
+      <p:sp>
+        <p:nvSpPr>
+          <p:cNvPr id="3" name="內容版面配置區 2"/>
+          <p:cNvSpPr>
+            <a:spLocks noGrp="1"/>
+          </p:cNvSpPr>
+          <p:nvPr>
+            <p:ph idx="1"/>
+          </p:nvPr>
+        </p:nvSpPr>
+        <p:spPr/>
+        <p:txBody>
+          <a:bodyPr/>
+          <a:lstStyle/>
+          <a:p>
+            <a:r>
+              <a:rPr lang="zh-TW" altLang="en-US" dirty="0" smtClean="0"/>
+              <a:t>黃佳惠：會員系統，資料庫管理，網站</a:t>
+            </a:r>
+            <a:r>
+              <a:rPr lang="en-US" altLang="zh-TW" dirty="0" smtClean="0"/>
+              <a:t>UI</a:t>
+            </a:r>
+            <a:r>
+              <a:rPr lang="zh-TW" altLang="en-US" dirty="0" smtClean="0"/>
+              <a:t>設計</a:t>
+            </a:r>
+            <a:endParaRPr lang="en-US" altLang="zh-TW" dirty="0" smtClean="0"/>
+          </a:p>
+          <a:p>
+            <a:r>
+              <a:rPr lang="zh-TW" altLang="en-US" dirty="0" smtClean="0"/>
+              <a:t>吉天仲：</a:t>
+            </a:r>
+            <a:r>
+              <a:rPr lang="en-US" altLang="zh-TW" dirty="0" smtClean="0"/>
+              <a:t>Google Map</a:t>
+            </a:r>
+            <a:r>
+              <a:rPr lang="zh-TW" altLang="en-US" dirty="0" smtClean="0"/>
+              <a:t>，搜尋結果</a:t>
+            </a:r>
+            <a:endParaRPr lang="en-US" altLang="zh-TW" dirty="0" smtClean="0"/>
+          </a:p>
+          <a:p>
+            <a:r>
+              <a:rPr lang="zh-TW" altLang="en-US" dirty="0" smtClean="0"/>
+              <a:t>彭冠傑：收藏，收藏列表</a:t>
+            </a:r>
+            <a:endParaRPr lang="en-US" altLang="zh-TW" dirty="0" smtClean="0"/>
+          </a:p>
+          <a:p>
+            <a:r>
+              <a:rPr lang="zh-TW" altLang="en-US" dirty="0" smtClean="0"/>
+              <a:t>陳威廷：</a:t>
+            </a:r>
+            <a:r>
+              <a:rPr lang="en-US" altLang="zh-TW" dirty="0" smtClean="0"/>
+              <a:t>Yelp API</a:t>
+            </a:r>
+            <a:r>
+              <a:rPr lang="zh-TW" altLang="en-US" dirty="0" smtClean="0"/>
+              <a:t>封裝</a:t>
+            </a:r>
+            <a:endParaRPr lang="en-US" altLang="zh-TW" dirty="0" smtClean="0"/>
+          </a:p>
+          <a:p>
+            <a:r>
+              <a:rPr lang="zh-TW" altLang="en-US" dirty="0" smtClean="0"/>
+              <a:t>田慶秋</a:t>
+            </a:r>
+            <a:r>
+              <a:rPr lang="zh-TW" altLang="en-US" dirty="0"/>
+              <a:t>：</a:t>
+            </a:r>
+          </a:p>
+        </p:txBody>
+      </p:sp>
+    </p:spTree>
+    <p:extLst>
+      <p:ext uri="{BB962C8B-B14F-4D97-AF65-F5344CB8AC3E}">
+        <p14:creationId xmlns:p14="http://schemas.microsoft.com/office/powerpoint/2010/main" val="353536252"/>
+      </p:ext>
+    </p:extLst>
+  </p:cSld>
+  <p:clrMapOvr>
+    <a:masterClrMapping/>
+  </p:clrMapOvr>
 </p:sld>
 </file>
 

--- a/其他/YelpBlaBla.pptx
+++ b/其他/YelpBlaBla.pptx
@@ -32,11 +32,8 @@
     <p:sldId id="270" r:id="rId26"/>
     <p:sldId id="271" r:id="rId27"/>
     <p:sldId id="265" r:id="rId28"/>
-    <p:sldId id="287" r:id="rId29"/>
-    <p:sldId id="288" r:id="rId30"/>
-    <p:sldId id="289" r:id="rId31"/>
-    <p:sldId id="266" r:id="rId32"/>
-    <p:sldId id="267" r:id="rId33"/>
+    <p:sldId id="266" r:id="rId29"/>
+    <p:sldId id="267" r:id="rId30"/>
   </p:sldIdLst>
   <p:sldSz cx="12192000" cy="6858000"/>
   <p:notesSz cx="6858000" cy="9144000"/>
@@ -8627,8 +8624,8 @@
           <a:lstStyle/>
           <a:p>
             <a:r>
-              <a:rPr lang="zh-TW" altLang="en-US" dirty="0" smtClean="0"/>
-              <a:t>技術概念</a:t>
+              <a:rPr lang="zh-TW" altLang="en-US" dirty="0"/>
+              <a:t>操作方式</a:t>
             </a:r>
             <a:endParaRPr lang="zh-TW" altLang="en-US" dirty="0"/>
           </a:p>
@@ -10443,7 +10440,19 @@
             </a:r>
             <a:r>
               <a:rPr lang="zh-TW" altLang="en-US" dirty="0" smtClean="0"/>
-              <a:t>」後。</a:t>
+              <a:t>」</a:t>
+            </a:r>
+            <a:r>
+              <a:rPr lang="zh-TW" altLang="en-US" dirty="0" smtClean="0"/>
+              <a:t>後</a:t>
+            </a:r>
+            <a:r>
+              <a:rPr lang="zh-TW" altLang="en-US" dirty="0"/>
+              <a:t>註冊</a:t>
+            </a:r>
+            <a:r>
+              <a:rPr lang="zh-TW" altLang="en-US" dirty="0" smtClean="0"/>
+              <a:t>。</a:t>
             </a:r>
             <a:r>
               <a:rPr lang="en-US" altLang="zh-TW" dirty="0" smtClean="0"/>
@@ -10602,6 +10611,13 @@
   <p:clrMapOvr>
     <a:masterClrMapping/>
   </p:clrMapOvr>
+  <p:timing>
+    <p:tnLst>
+      <p:par>
+        <p:cTn id="1" dur="indefinite" restart="never" nodeType="tmRoot"/>
+      </p:par>
+    </p:tnLst>
+  </p:timing>
 </p:sld>
 </file>
 
@@ -10736,6 +10752,13 @@
   <p:clrMapOvr>
     <a:masterClrMapping/>
   </p:clrMapOvr>
+  <p:timing>
+    <p:tnLst>
+      <p:par>
+        <p:cTn id="1" dur="indefinite" restart="never" nodeType="tmRoot"/>
+      </p:par>
+    </p:tnLst>
+  </p:timing>
 </p:sld>
 </file>
 
@@ -10789,7 +10812,12 @@
             <p:ph idx="1"/>
           </p:nvPr>
         </p:nvSpPr>
-        <p:spPr/>
+        <p:spPr>
+          <a:xfrm>
+            <a:off x="2879358" y="1975339"/>
+            <a:ext cx="8915400" cy="3777622"/>
+          </a:xfrm>
+        </p:spPr>
         <p:txBody>
           <a:bodyPr/>
           <a:lstStyle/>
@@ -10806,8 +10834,8 @@
         </p:nvSpPr>
         <p:spPr>
           <a:xfrm>
-            <a:off x="493626" y="3348785"/>
-            <a:ext cx="2210937" cy="1228298"/>
+            <a:off x="2215662" y="3502796"/>
+            <a:ext cx="2300117" cy="927633"/>
           </a:xfrm>
           <a:prstGeom prst="roundRect">
             <a:avLst/>
@@ -10858,7 +10886,7 @@
         </p:nvSpPr>
         <p:spPr>
           <a:xfrm>
-            <a:off x="3591874" y="1507843"/>
+            <a:off x="5403090" y="1361190"/>
             <a:ext cx="2210937" cy="1228298"/>
           </a:xfrm>
           <a:prstGeom prst="roundRect">
@@ -10910,7 +10938,7 @@
         </p:nvSpPr>
         <p:spPr>
           <a:xfrm>
-            <a:off x="3591874" y="2862955"/>
+            <a:off x="5403090" y="2716302"/>
             <a:ext cx="2210937" cy="1228298"/>
           </a:xfrm>
           <a:prstGeom prst="roundRect">
@@ -10962,7 +10990,7 @@
         </p:nvSpPr>
         <p:spPr>
           <a:xfrm>
-            <a:off x="3591875" y="4237895"/>
+            <a:off x="5403091" y="4091242"/>
             <a:ext cx="2210937" cy="1228298"/>
           </a:xfrm>
           <a:prstGeom prst="roundRect">
@@ -11014,7 +11042,7 @@
         </p:nvSpPr>
         <p:spPr>
           <a:xfrm>
-            <a:off x="3591874" y="5581619"/>
+            <a:off x="5403090" y="5434966"/>
             <a:ext cx="2210937" cy="1228298"/>
           </a:xfrm>
           <a:prstGeom prst="roundRect">
@@ -11066,7 +11094,7 @@
         </p:nvSpPr>
         <p:spPr>
           <a:xfrm>
-            <a:off x="6446533" y="1507843"/>
+            <a:off x="8257749" y="1361190"/>
             <a:ext cx="2210937" cy="1228298"/>
           </a:xfrm>
           <a:prstGeom prst="roundRect">
@@ -11118,7 +11146,7 @@
         </p:nvSpPr>
         <p:spPr>
           <a:xfrm>
-            <a:off x="6446533" y="4237895"/>
+            <a:off x="8257749" y="4091242"/>
             <a:ext cx="2210937" cy="1228298"/>
           </a:xfrm>
           <a:prstGeom prst="roundRect">
@@ -11174,7 +11202,7 @@
         </p:nvSpPr>
         <p:spPr>
           <a:xfrm>
-            <a:off x="6446533" y="5581619"/>
+            <a:off x="8257749" y="5434966"/>
             <a:ext cx="2210937" cy="1228298"/>
           </a:xfrm>
           <a:prstGeom prst="roundRect">
@@ -11229,8 +11257,8 @@
         </p:nvCxnSpPr>
         <p:spPr>
           <a:xfrm flipV="1">
-            <a:off x="2704563" y="3477104"/>
-            <a:ext cx="887311" cy="485830"/>
+            <a:off x="4515779" y="3330451"/>
+            <a:ext cx="887311" cy="636162"/>
           </a:xfrm>
           <a:prstGeom prst="straightConnector1">
             <a:avLst/>
@@ -11268,8 +11296,8 @@
         </p:nvCxnSpPr>
         <p:spPr>
           <a:xfrm flipV="1">
-            <a:off x="2704563" y="2121992"/>
-            <a:ext cx="887311" cy="1840942"/>
+            <a:off x="4515779" y="1975339"/>
+            <a:ext cx="887311" cy="1991274"/>
           </a:xfrm>
           <a:prstGeom prst="straightConnector1">
             <a:avLst/>
@@ -11306,7 +11334,7 @@
         </p:nvCxnSpPr>
         <p:spPr>
           <a:xfrm>
-            <a:off x="2702497" y="3945603"/>
+            <a:off x="4513713" y="3798950"/>
             <a:ext cx="889378" cy="906441"/>
           </a:xfrm>
           <a:prstGeom prst="straightConnector1">
@@ -11344,7 +11372,7 @@
         </p:nvCxnSpPr>
         <p:spPr>
           <a:xfrm>
-            <a:off x="2731336" y="3962934"/>
+            <a:off x="4542552" y="3816281"/>
             <a:ext cx="860538" cy="2232834"/>
           </a:xfrm>
           <a:prstGeom prst="straightConnector1">
@@ -11382,7 +11410,7 @@
         </p:nvCxnSpPr>
         <p:spPr>
           <a:xfrm flipV="1">
-            <a:off x="5802811" y="2121992"/>
+            <a:off x="7614027" y="1975339"/>
             <a:ext cx="643722" cy="1"/>
           </a:xfrm>
           <a:prstGeom prst="straightConnector1">
@@ -11418,7 +11446,7 @@
         </p:nvCxnSpPr>
         <p:spPr>
           <a:xfrm flipV="1">
-            <a:off x="5802811" y="4875327"/>
+            <a:off x="7614027" y="4728674"/>
             <a:ext cx="643722" cy="1"/>
           </a:xfrm>
           <a:prstGeom prst="straightConnector1">
@@ -11454,7 +11482,7 @@
         </p:nvCxnSpPr>
         <p:spPr>
           <a:xfrm flipV="1">
-            <a:off x="5802811" y="6224099"/>
+            <a:off x="7614027" y="6077446"/>
             <a:ext cx="643722" cy="1"/>
           </a:xfrm>
           <a:prstGeom prst="straightConnector1">
@@ -11492,6 +11520,13 @@
   <p:clrMapOvr>
     <a:masterClrMapping/>
   </p:clrMapOvr>
+  <p:timing>
+    <p:tnLst>
+      <p:par>
+        <p:cTn id="1" dur="indefinite" restart="never" nodeType="tmRoot"/>
+      </p:par>
+    </p:tnLst>
+  </p:timing>
 </p:sld>
 </file>
 
@@ -12308,6 +12343,13 @@
   <p:clrMapOvr>
     <a:masterClrMapping/>
   </p:clrMapOvr>
+  <p:timing>
+    <p:tnLst>
+      <p:par>
+        <p:cTn id="1" dur="indefinite" restart="never" nodeType="tmRoot"/>
+      </p:par>
+    </p:tnLst>
+  </p:timing>
 </p:sld>
 </file>
 
@@ -12842,6 +12884,13 @@
   <p:clrMapOvr>
     <a:masterClrMapping/>
   </p:clrMapOvr>
+  <p:timing>
+    <p:tnLst>
+      <p:par>
+        <p:cTn id="1" dur="indefinite" restart="never" nodeType="tmRoot"/>
+      </p:par>
+    </p:tnLst>
+  </p:timing>
 </p:sld>
 </file>
 
@@ -13661,13 +13710,9 @@
           <a:p>
             <a:r>
               <a:rPr lang="zh-TW" altLang="en-US" dirty="0" smtClean="0"/>
-              <a:t>遭遇的困難</a:t>
-            </a:r>
-            <a:r>
-              <a:rPr lang="en-US" altLang="zh-TW" baseline="-25000" dirty="0" smtClean="0"/>
-              <a:t>1</a:t>
-            </a:r>
-            <a:endParaRPr lang="zh-TW" altLang="en-US" baseline="-25000" dirty="0"/>
+              <a:t>參考</a:t>
+            </a:r>
+            <a:endParaRPr lang="zh-TW" altLang="en-US" dirty="0"/>
           </a:p>
         </p:txBody>
       </p:sp>
@@ -13688,65 +13733,35 @@
           <a:p>
             <a:r>
               <a:rPr lang="en-US" altLang="zh-TW" dirty="0" smtClean="0"/>
-              <a:t>Yelp API</a:t>
-            </a:r>
-            <a:r>
-              <a:rPr lang="zh-TW" altLang="en-US" dirty="0" smtClean="0"/>
-              <a:t>對一開始的我們過於陌生，沒有任何一個組員有聽過。</a:t>
-            </a:r>
-            <a:endParaRPr lang="en-US" altLang="zh-TW" dirty="0"/>
-          </a:p>
-          <a:p>
+              <a:t>Yelp </a:t>
+            </a:r>
+            <a:r>
+              <a:rPr lang="en-US" altLang="zh-TW" dirty="0"/>
+              <a:t>API Document: </a:t>
+            </a:r>
+            <a:r>
+              <a:rPr lang="en-US" altLang="zh-TW" dirty="0">
+                <a:hlinkClick r:id="rId2"/>
+              </a:rPr>
+              <a:t>https://</a:t>
+            </a:r>
+            <a:r>
+              <a:rPr lang="en-US" altLang="zh-TW" dirty="0" smtClean="0">
+                <a:hlinkClick r:id="rId2"/>
+              </a:rPr>
+              <a:t>www.yelp.com/developers/documentation/v3</a:t>
+            </a:r>
             <a:endParaRPr lang="en-US" altLang="zh-TW" dirty="0" smtClean="0"/>
           </a:p>
           <a:p>
-            <a:r>
-              <a:rPr lang="zh-TW" altLang="en-US" dirty="0" smtClean="0"/>
-              <a:t>解決辦法</a:t>
-            </a:r>
-            <a:r>
-              <a:rPr lang="en-US" altLang="zh-TW" dirty="0" smtClean="0"/>
-              <a:t>:</a:t>
-            </a:r>
-          </a:p>
-          <a:p>
-            <a:pPr lvl="1"/>
-            <a:r>
-              <a:rPr lang="zh-TW" altLang="en-US" dirty="0" smtClean="0"/>
-              <a:t>前</a:t>
-            </a:r>
-            <a:r>
-              <a:rPr lang="zh-TW" altLang="en-US" dirty="0"/>
-              <a:t>一個</a:t>
-            </a:r>
-            <a:r>
-              <a:rPr lang="zh-TW" altLang="en-US" dirty="0" smtClean="0"/>
-              <a:t>禮拜分頭搜尋並試圖了解</a:t>
-            </a:r>
-            <a:r>
-              <a:rPr lang="en-US" altLang="zh-TW" dirty="0" smtClean="0"/>
-              <a:t>Yelp</a:t>
-            </a:r>
-            <a:r>
-              <a:rPr lang="zh-TW" altLang="en-US" dirty="0"/>
-              <a:t> </a:t>
-            </a:r>
-            <a:r>
-              <a:rPr lang="en-US" altLang="zh-TW" dirty="0" smtClean="0"/>
-              <a:t>API</a:t>
-            </a:r>
-            <a:r>
-              <a:rPr lang="zh-TW" altLang="en-US" dirty="0" smtClean="0"/>
-              <a:t>的功能以及發展性。</a:t>
-            </a:r>
-            <a:endParaRPr lang="en-US" altLang="zh-TW" dirty="0" smtClean="0"/>
+            <a:endParaRPr lang="zh-TW" altLang="en-US" dirty="0"/>
           </a:p>
         </p:txBody>
       </p:sp>
     </p:spTree>
     <p:extLst>
       <p:ext uri="{BB962C8B-B14F-4D97-AF65-F5344CB8AC3E}">
-        <p14:creationId xmlns:p14="http://schemas.microsoft.com/office/powerpoint/2010/main" val="1711582087"/>
+        <p14:creationId xmlns:p14="http://schemas.microsoft.com/office/powerpoint/2010/main" val="430039658"/>
       </p:ext>
     </p:extLst>
   </p:cSld>
@@ -13789,14 +13804,9 @@
           <a:lstStyle/>
           <a:p>
             <a:r>
-              <a:rPr lang="zh-TW" altLang="en-US" dirty="0" smtClean="0"/>
-              <a:t>遭遇的困難</a:t>
-            </a:r>
-            <a:r>
-              <a:rPr lang="en-US" altLang="zh-TW" baseline="-25000" dirty="0" smtClean="0"/>
-              <a:t>2</a:t>
-            </a:r>
-            <a:endParaRPr lang="zh-TW" altLang="en-US" baseline="-25000" dirty="0"/>
+              <a:rPr lang="zh-TW" altLang="en-US" dirty="0"/>
+              <a:t>組員分工情況</a:t>
+            </a:r>
           </a:p>
         </p:txBody>
       </p:sp>
@@ -13816,55 +13826,131 @@
           <a:lstStyle/>
           <a:p>
             <a:r>
+              <a:rPr lang="zh-TW" altLang="en-US" dirty="0" smtClean="0"/>
+              <a:t>黃佳惠：會員系統</a:t>
+            </a:r>
+            <a:r>
+              <a:rPr lang="zh-TW" altLang="en-US" dirty="0" smtClean="0"/>
+              <a:t>，</a:t>
+            </a:r>
+            <a:r>
               <a:rPr lang="en-US" altLang="zh-TW" dirty="0" smtClean="0"/>
-              <a:t>Yelp API</a:t>
+              <a:t>UI</a:t>
             </a:r>
             <a:r>
               <a:rPr lang="zh-TW" altLang="en-US" dirty="0" smtClean="0"/>
-              <a:t>的回應速度非常緩慢，我們時常會以為是程式有誤，但其實只是</a:t>
+              <a:t>整</a:t>
+            </a:r>
+            <a:r>
+              <a:rPr lang="zh-TW" altLang="en-US" dirty="0"/>
+              <a:t>合</a:t>
+            </a:r>
+            <a:endParaRPr lang="en-US" altLang="zh-TW" dirty="0" smtClean="0"/>
+          </a:p>
+          <a:p>
+            <a:r>
+              <a:rPr lang="zh-TW" altLang="en-US" dirty="0" smtClean="0"/>
+              <a:t>吉天仲：</a:t>
             </a:r>
             <a:r>
               <a:rPr lang="en-US" altLang="zh-TW" dirty="0" smtClean="0"/>
-              <a:t>Yelp API</a:t>
+              <a:t>Google Map</a:t>
             </a:r>
             <a:r>
               <a:rPr lang="zh-TW" altLang="en-US" dirty="0" smtClean="0"/>
-              <a:t>尚未處理完資訊，導致浪費許多時間。</a:t>
+              <a:t>，搜尋結果</a:t>
             </a:r>
             <a:endParaRPr lang="en-US" altLang="zh-TW" dirty="0" smtClean="0"/>
           </a:p>
           <a:p>
-            <a:endParaRPr lang="en-US" altLang="zh-TW" dirty="0"/>
-          </a:p>
-          <a:p>
             <a:r>
               <a:rPr lang="zh-TW" altLang="en-US" dirty="0" smtClean="0"/>
-              <a:t>解決辦法</a:t>
+              <a:t>彭冠傑</a:t>
+            </a:r>
+            <a:r>
+              <a:rPr lang="zh-TW" altLang="en-US" dirty="0" smtClean="0"/>
+              <a:t>：搜尋列表、收藏列表、收藏結果</a:t>
             </a:r>
             <a:endParaRPr lang="en-US" altLang="zh-TW" dirty="0" smtClean="0"/>
           </a:p>
           <a:p>
-            <a:pPr lvl="1"/>
             <a:r>
               <a:rPr lang="zh-TW" altLang="en-US" dirty="0" smtClean="0"/>
-              <a:t>在其他地方盡量加快程式的運作速度，補足</a:t>
+              <a:t>陳威廷</a:t>
+            </a:r>
+            <a:r>
+              <a:rPr lang="zh-TW" altLang="en-US" dirty="0" smtClean="0"/>
+              <a:t>：評論、</a:t>
             </a:r>
             <a:r>
               <a:rPr lang="en-US" altLang="zh-TW" dirty="0" smtClean="0"/>
-              <a:t>Yelp</a:t>
+              <a:t>Yelp </a:t>
+            </a:r>
+            <a:r>
+              <a:rPr lang="en-US" altLang="zh-TW" dirty="0" smtClean="0"/>
+              <a:t>API</a:t>
             </a:r>
             <a:r>
               <a:rPr lang="zh-TW" altLang="en-US" dirty="0" smtClean="0"/>
-              <a:t>速度緩慢地問題，以及有耐心。</a:t>
+              <a:t>封裝</a:t>
+            </a:r>
+            <a:endParaRPr lang="en-US" altLang="zh-TW" dirty="0" smtClean="0"/>
+          </a:p>
+          <a:p>
+            <a:r>
+              <a:rPr lang="zh-TW" altLang="en-US" dirty="0" smtClean="0"/>
+              <a:t>田慶秋</a:t>
+            </a:r>
+            <a:r>
+              <a:rPr lang="zh-TW" altLang="en-US" dirty="0" smtClean="0"/>
+              <a:t>：</a:t>
+            </a:r>
+            <a:r>
+              <a:rPr lang="en-US" altLang="zh-TW" dirty="0" smtClean="0"/>
+              <a:t>UI</a:t>
+            </a:r>
+            <a:r>
+              <a:rPr lang="zh-TW" altLang="en-US" dirty="0" smtClean="0"/>
+              <a:t>設計</a:t>
             </a:r>
             <a:endParaRPr lang="zh-TW" altLang="en-US" dirty="0"/>
           </a:p>
         </p:txBody>
       </p:sp>
+      <p:pic>
+        <p:nvPicPr>
+          <p:cNvPr id="4" name="內容版面配置區 3"/>
+          <p:cNvPicPr>
+            <a:picLocks noChangeAspect="1"/>
+          </p:cNvPicPr>
+          <p:nvPr/>
+        </p:nvPicPr>
+        <p:blipFill>
+          <a:blip r:embed="rId2">
+            <a:extLst>
+              <a:ext uri="{28A0092B-C50C-407E-A947-70E740481C1C}">
+                <a14:useLocalDpi xmlns:a14="http://schemas.microsoft.com/office/drawing/2010/main" val="0"/>
+              </a:ext>
+            </a:extLst>
+          </a:blip>
+          <a:stretch>
+            <a:fillRect/>
+          </a:stretch>
+        </p:blipFill>
+        <p:spPr>
+          <a:xfrm>
+            <a:off x="7542379" y="2132972"/>
+            <a:ext cx="3962233" cy="3778250"/>
+          </a:xfrm>
+          <a:prstGeom prst="rect">
+            <a:avLst/>
+          </a:prstGeom>
+        </p:spPr>
+      </p:pic>
     </p:spTree>
     <p:extLst>
       <p:ext uri="{BB962C8B-B14F-4D97-AF65-F5344CB8AC3E}">
-        <p14:creationId xmlns:p14="http://schemas.microsoft.com/office/powerpoint/2010/main" val="715765762"/>
+        <p14:creationId xmlns:p14="http://schemas.microsoft.com/office/powerpoint/2010/main" val="353536252"/>
       </p:ext>
     </p:extLst>
   </p:cSld>
@@ -14044,345 +14130,6 @@
       </p:par>
     </p:tnLst>
   </p:timing>
-</p:sld>
-</file>
-
-<file path=ppt/slides/slide30.xml><?xml version="1.0" encoding="utf-8"?>
-<p:sld xmlns:a="http://schemas.openxmlformats.org/drawingml/2006/main" xmlns:r="http://schemas.openxmlformats.org/officeDocument/2006/relationships" xmlns:p="http://schemas.openxmlformats.org/presentationml/2006/main">
-  <p:cSld>
-    <p:spTree>
-      <p:nvGrpSpPr>
-        <p:cNvPr id="1" name=""/>
-        <p:cNvGrpSpPr/>
-        <p:nvPr/>
-      </p:nvGrpSpPr>
-      <p:grpSpPr>
-        <a:xfrm>
-          <a:off x="0" y="0"/>
-          <a:ext cx="0" cy="0"/>
-          <a:chOff x="0" y="0"/>
-          <a:chExt cx="0" cy="0"/>
-        </a:xfrm>
-      </p:grpSpPr>
-      <p:sp>
-        <p:nvSpPr>
-          <p:cNvPr id="2" name="標題 1"/>
-          <p:cNvSpPr>
-            <a:spLocks noGrp="1"/>
-          </p:cNvSpPr>
-          <p:nvPr>
-            <p:ph type="title"/>
-          </p:nvPr>
-        </p:nvSpPr>
-        <p:spPr/>
-        <p:txBody>
-          <a:bodyPr/>
-          <a:lstStyle/>
-          <a:p>
-            <a:r>
-              <a:rPr lang="zh-TW" altLang="en-US" dirty="0" smtClean="0"/>
-              <a:t>遭遇的困難</a:t>
-            </a:r>
-            <a:r>
-              <a:rPr lang="en-US" altLang="zh-TW" baseline="-25000" dirty="0" smtClean="0"/>
-              <a:t>3</a:t>
-            </a:r>
-            <a:endParaRPr lang="zh-TW" altLang="en-US" baseline="-25000" dirty="0"/>
-          </a:p>
-        </p:txBody>
-      </p:sp>
-      <p:sp>
-        <p:nvSpPr>
-          <p:cNvPr id="3" name="內容版面配置區 2"/>
-          <p:cNvSpPr>
-            <a:spLocks noGrp="1"/>
-          </p:cNvSpPr>
-          <p:nvPr>
-            <p:ph idx="1"/>
-          </p:nvPr>
-        </p:nvSpPr>
-        <p:spPr/>
-        <p:txBody>
-          <a:bodyPr/>
-          <a:lstStyle/>
-          <a:p>
-            <a:r>
-              <a:rPr lang="zh-TW" altLang="en-US" dirty="0" smtClean="0"/>
-              <a:t>找了一整天的</a:t>
-            </a:r>
-            <a:r>
-              <a:rPr lang="en-US" altLang="zh-TW" dirty="0" smtClean="0"/>
-              <a:t>BUG</a:t>
-            </a:r>
-            <a:r>
-              <a:rPr lang="zh-TW" altLang="en-US" dirty="0" smtClean="0"/>
-              <a:t>，最後發現是某位組員的編碼設定有誤導致。</a:t>
-            </a:r>
-            <a:endParaRPr lang="en-US" altLang="zh-TW" dirty="0" smtClean="0"/>
-          </a:p>
-          <a:p>
-            <a:endParaRPr lang="en-US" altLang="zh-TW" dirty="0"/>
-          </a:p>
-          <a:p>
-            <a:r>
-              <a:rPr lang="zh-TW" altLang="en-US" dirty="0" smtClean="0"/>
-              <a:t>解決辦法</a:t>
-            </a:r>
-            <a:endParaRPr lang="en-US" altLang="zh-TW" dirty="0"/>
-          </a:p>
-          <a:p>
-            <a:pPr lvl="1"/>
-            <a:r>
-              <a:rPr lang="zh-TW" altLang="en-US" dirty="0" smtClean="0"/>
-              <a:t>統一使用固定的標頭檔以及</a:t>
-            </a:r>
-            <a:r>
-              <a:rPr lang="en-US" altLang="zh-TW" dirty="0" smtClean="0"/>
-              <a:t>JS</a:t>
-            </a:r>
-            <a:r>
-              <a:rPr lang="zh-TW" altLang="en-US" smtClean="0"/>
-              <a:t>，不讓這種事情再次發生。</a:t>
-            </a:r>
-            <a:endParaRPr lang="zh-TW" altLang="en-US" dirty="0"/>
-          </a:p>
-        </p:txBody>
-      </p:sp>
-    </p:spTree>
-    <p:extLst>
-      <p:ext uri="{BB962C8B-B14F-4D97-AF65-F5344CB8AC3E}">
-        <p14:creationId xmlns:p14="http://schemas.microsoft.com/office/powerpoint/2010/main" val="1011033778"/>
-      </p:ext>
-    </p:extLst>
-  </p:cSld>
-  <p:clrMapOvr>
-    <a:masterClrMapping/>
-  </p:clrMapOvr>
-</p:sld>
-</file>
-
-<file path=ppt/slides/slide31.xml><?xml version="1.0" encoding="utf-8"?>
-<p:sld xmlns:a="http://schemas.openxmlformats.org/drawingml/2006/main" xmlns:r="http://schemas.openxmlformats.org/officeDocument/2006/relationships" xmlns:p="http://schemas.openxmlformats.org/presentationml/2006/main">
-  <p:cSld>
-    <p:spTree>
-      <p:nvGrpSpPr>
-        <p:cNvPr id="1" name=""/>
-        <p:cNvGrpSpPr/>
-        <p:nvPr/>
-      </p:nvGrpSpPr>
-      <p:grpSpPr>
-        <a:xfrm>
-          <a:off x="0" y="0"/>
-          <a:ext cx="0" cy="0"/>
-          <a:chOff x="0" y="0"/>
-          <a:chExt cx="0" cy="0"/>
-        </a:xfrm>
-      </p:grpSpPr>
-      <p:sp>
-        <p:nvSpPr>
-          <p:cNvPr id="2" name="標題 1"/>
-          <p:cNvSpPr>
-            <a:spLocks noGrp="1"/>
-          </p:cNvSpPr>
-          <p:nvPr>
-            <p:ph type="title"/>
-          </p:nvPr>
-        </p:nvSpPr>
-        <p:spPr/>
-        <p:txBody>
-          <a:bodyPr/>
-          <a:lstStyle/>
-          <a:p>
-            <a:r>
-              <a:rPr lang="zh-TW" altLang="en-US" dirty="0" smtClean="0"/>
-              <a:t>參考</a:t>
-            </a:r>
-            <a:endParaRPr lang="zh-TW" altLang="en-US" dirty="0"/>
-          </a:p>
-        </p:txBody>
-      </p:sp>
-      <p:sp>
-        <p:nvSpPr>
-          <p:cNvPr id="3" name="內容版面配置區 2"/>
-          <p:cNvSpPr>
-            <a:spLocks noGrp="1"/>
-          </p:cNvSpPr>
-          <p:nvPr>
-            <p:ph idx="1"/>
-          </p:nvPr>
-        </p:nvSpPr>
-        <p:spPr/>
-        <p:txBody>
-          <a:bodyPr/>
-          <a:lstStyle/>
-          <a:p>
-            <a:r>
-              <a:rPr lang="en-US" altLang="zh-TW" dirty="0" smtClean="0"/>
-              <a:t>Yelp </a:t>
-            </a:r>
-            <a:r>
-              <a:rPr lang="en-US" altLang="zh-TW" dirty="0"/>
-              <a:t>API Document: </a:t>
-            </a:r>
-            <a:r>
-              <a:rPr lang="en-US" altLang="zh-TW" dirty="0">
-                <a:hlinkClick r:id="rId2"/>
-              </a:rPr>
-              <a:t>https://</a:t>
-            </a:r>
-            <a:r>
-              <a:rPr lang="en-US" altLang="zh-TW" dirty="0" smtClean="0">
-                <a:hlinkClick r:id="rId2"/>
-              </a:rPr>
-              <a:t>www.yelp.com/developers/documentation/v3</a:t>
-            </a:r>
-            <a:endParaRPr lang="en-US" altLang="zh-TW" dirty="0" smtClean="0"/>
-          </a:p>
-          <a:p>
-            <a:endParaRPr lang="zh-TW" altLang="en-US" dirty="0"/>
-          </a:p>
-        </p:txBody>
-      </p:sp>
-    </p:spTree>
-    <p:extLst>
-      <p:ext uri="{BB962C8B-B14F-4D97-AF65-F5344CB8AC3E}">
-        <p14:creationId xmlns:p14="http://schemas.microsoft.com/office/powerpoint/2010/main" val="430039658"/>
-      </p:ext>
-    </p:extLst>
-  </p:cSld>
-  <p:clrMapOvr>
-    <a:masterClrMapping/>
-  </p:clrMapOvr>
-</p:sld>
-</file>
-
-<file path=ppt/slides/slide32.xml><?xml version="1.0" encoding="utf-8"?>
-<p:sld xmlns:a="http://schemas.openxmlformats.org/drawingml/2006/main" xmlns:r="http://schemas.openxmlformats.org/officeDocument/2006/relationships" xmlns:p="http://schemas.openxmlformats.org/presentationml/2006/main">
-  <p:cSld>
-    <p:spTree>
-      <p:nvGrpSpPr>
-        <p:cNvPr id="1" name=""/>
-        <p:cNvGrpSpPr/>
-        <p:nvPr/>
-      </p:nvGrpSpPr>
-      <p:grpSpPr>
-        <a:xfrm>
-          <a:off x="0" y="0"/>
-          <a:ext cx="0" cy="0"/>
-          <a:chOff x="0" y="0"/>
-          <a:chExt cx="0" cy="0"/>
-        </a:xfrm>
-      </p:grpSpPr>
-      <p:sp>
-        <p:nvSpPr>
-          <p:cNvPr id="2" name="標題 1"/>
-          <p:cNvSpPr>
-            <a:spLocks noGrp="1"/>
-          </p:cNvSpPr>
-          <p:nvPr>
-            <p:ph type="title"/>
-          </p:nvPr>
-        </p:nvSpPr>
-        <p:spPr/>
-        <p:txBody>
-          <a:bodyPr/>
-          <a:lstStyle/>
-          <a:p>
-            <a:r>
-              <a:rPr lang="zh-TW" altLang="en-US" dirty="0"/>
-              <a:t>組員分工情況</a:t>
-            </a:r>
-          </a:p>
-        </p:txBody>
-      </p:sp>
-      <p:sp>
-        <p:nvSpPr>
-          <p:cNvPr id="3" name="內容版面配置區 2"/>
-          <p:cNvSpPr>
-            <a:spLocks noGrp="1"/>
-          </p:cNvSpPr>
-          <p:nvPr>
-            <p:ph idx="1"/>
-          </p:nvPr>
-        </p:nvSpPr>
-        <p:spPr/>
-        <p:txBody>
-          <a:bodyPr/>
-          <a:lstStyle/>
-          <a:p>
-            <a:r>
-              <a:rPr lang="zh-TW" altLang="en-US" dirty="0" smtClean="0"/>
-              <a:t>黃佳惠：會員系統，資料庫管理，網站</a:t>
-            </a:r>
-            <a:r>
-              <a:rPr lang="en-US" altLang="zh-TW" dirty="0" smtClean="0"/>
-              <a:t>UI</a:t>
-            </a:r>
-            <a:r>
-              <a:rPr lang="zh-TW" altLang="en-US" dirty="0" smtClean="0"/>
-              <a:t>設計</a:t>
-            </a:r>
-            <a:endParaRPr lang="en-US" altLang="zh-TW" dirty="0" smtClean="0"/>
-          </a:p>
-          <a:p>
-            <a:r>
-              <a:rPr lang="zh-TW" altLang="en-US" dirty="0" smtClean="0"/>
-              <a:t>吉天仲：</a:t>
-            </a:r>
-            <a:r>
-              <a:rPr lang="en-US" altLang="zh-TW" dirty="0" smtClean="0"/>
-              <a:t>Google Map</a:t>
-            </a:r>
-            <a:r>
-              <a:rPr lang="zh-TW" altLang="en-US" dirty="0" smtClean="0"/>
-              <a:t>，搜尋結果</a:t>
-            </a:r>
-            <a:endParaRPr lang="en-US" altLang="zh-TW" dirty="0" smtClean="0"/>
-          </a:p>
-          <a:p>
-            <a:r>
-              <a:rPr lang="zh-TW" altLang="en-US" dirty="0" smtClean="0"/>
-              <a:t>彭冠傑：收藏，收藏列表</a:t>
-            </a:r>
-            <a:endParaRPr lang="en-US" altLang="zh-TW" dirty="0" smtClean="0"/>
-          </a:p>
-          <a:p>
-            <a:r>
-              <a:rPr lang="zh-TW" altLang="en-US" dirty="0" smtClean="0"/>
-              <a:t>陳威廷：</a:t>
-            </a:r>
-            <a:r>
-              <a:rPr lang="en-US" altLang="zh-TW" dirty="0" smtClean="0"/>
-              <a:t>Yelp API</a:t>
-            </a:r>
-            <a:r>
-              <a:rPr lang="zh-TW" altLang="en-US" dirty="0" smtClean="0"/>
-              <a:t>封裝</a:t>
-            </a:r>
-            <a:endParaRPr lang="en-US" altLang="zh-TW" dirty="0" smtClean="0"/>
-          </a:p>
-          <a:p>
-            <a:r>
-              <a:rPr lang="zh-TW" altLang="en-US" dirty="0" smtClean="0"/>
-              <a:t>田慶秋</a:t>
-            </a:r>
-            <a:r>
-              <a:rPr lang="zh-TW" altLang="en-US" dirty="0"/>
-              <a:t>：</a:t>
-            </a:r>
-          </a:p>
-        </p:txBody>
-      </p:sp>
-    </p:spTree>
-    <p:extLst>
-      <p:ext uri="{BB962C8B-B14F-4D97-AF65-F5344CB8AC3E}">
-        <p14:creationId xmlns:p14="http://schemas.microsoft.com/office/powerpoint/2010/main" val="353536252"/>
-      </p:ext>
-    </p:extLst>
-  </p:cSld>
-  <p:clrMapOvr>
-    <a:masterClrMapping/>
-  </p:clrMapOvr>
 </p:sld>
 </file>
 
@@ -14572,7 +14319,7 @@
           <a:bodyPr/>
           <a:lstStyle/>
           <a:p>
-            <a:endParaRPr lang="zh-TW" altLang="en-US"/>
+            <a:endParaRPr lang="zh-TW" altLang="en-US" dirty="0"/>
           </a:p>
         </p:txBody>
       </p:sp>

--- a/其他/YelpBlaBla.pptx
+++ b/其他/YelpBlaBla.pptx
@@ -8,32 +8,37 @@
     <p:sldId id="256" r:id="rId2"/>
     <p:sldId id="272" r:id="rId3"/>
     <p:sldId id="258" r:id="rId4"/>
-    <p:sldId id="274" r:id="rId5"/>
-    <p:sldId id="275" r:id="rId6"/>
-    <p:sldId id="279" r:id="rId7"/>
-    <p:sldId id="280" r:id="rId8"/>
-    <p:sldId id="281" r:id="rId9"/>
-    <p:sldId id="282" r:id="rId10"/>
-    <p:sldId id="283" r:id="rId11"/>
-    <p:sldId id="284" r:id="rId12"/>
-    <p:sldId id="285" r:id="rId13"/>
-    <p:sldId id="286" r:id="rId14"/>
-    <p:sldId id="276" r:id="rId15"/>
-    <p:sldId id="277" r:id="rId16"/>
-    <p:sldId id="278" r:id="rId17"/>
-    <p:sldId id="260" r:id="rId18"/>
-    <p:sldId id="261" r:id="rId19"/>
-    <p:sldId id="262" r:id="rId20"/>
-    <p:sldId id="263" r:id="rId21"/>
-    <p:sldId id="264" r:id="rId22"/>
-    <p:sldId id="257" r:id="rId23"/>
+    <p:sldId id="262" r:id="rId5"/>
+    <p:sldId id="263" r:id="rId6"/>
+    <p:sldId id="260" r:id="rId7"/>
+    <p:sldId id="261" r:id="rId8"/>
+    <p:sldId id="264" r:id="rId9"/>
+    <p:sldId id="257" r:id="rId10"/>
+    <p:sldId id="274" r:id="rId11"/>
+    <p:sldId id="275" r:id="rId12"/>
+    <p:sldId id="279" r:id="rId13"/>
+    <p:sldId id="280" r:id="rId14"/>
+    <p:sldId id="281" r:id="rId15"/>
+    <p:sldId id="282" r:id="rId16"/>
+    <p:sldId id="283" r:id="rId17"/>
+    <p:sldId id="284" r:id="rId18"/>
+    <p:sldId id="285" r:id="rId19"/>
+    <p:sldId id="286" r:id="rId20"/>
+    <p:sldId id="276" r:id="rId21"/>
+    <p:sldId id="277" r:id="rId22"/>
+    <p:sldId id="278" r:id="rId23"/>
     <p:sldId id="273" r:id="rId24"/>
     <p:sldId id="269" r:id="rId25"/>
     <p:sldId id="270" r:id="rId26"/>
     <p:sldId id="271" r:id="rId27"/>
     <p:sldId id="265" r:id="rId28"/>
-    <p:sldId id="266" r:id="rId29"/>
-    <p:sldId id="267" r:id="rId30"/>
+    <p:sldId id="287" r:id="rId29"/>
+    <p:sldId id="288" r:id="rId30"/>
+    <p:sldId id="289" r:id="rId31"/>
+    <p:sldId id="290" r:id="rId32"/>
+    <p:sldId id="291" r:id="rId33"/>
+    <p:sldId id="266" r:id="rId34"/>
+    <p:sldId id="267" r:id="rId35"/>
   </p:sldIdLst>
   <p:sldSz cx="12192000" cy="6858000"/>
   <p:notesSz cx="6858000" cy="9144000"/>
@@ -328,7 +333,7 @@
           <a:p>
             <a:fld id="{1FF29D48-3DE5-4256-A428-EC8246B949DF}" type="datetimeFigureOut">
               <a:rPr lang="zh-TW" altLang="en-US" smtClean="0"/>
-              <a:t>2017/6/20</a:t>
+              <a:t>2017/6/21</a:t>
             </a:fld>
             <a:endParaRPr lang="zh-TW" altLang="en-US"/>
           </a:p>
@@ -666,7 +671,7 @@
           <a:p>
             <a:fld id="{1FF29D48-3DE5-4256-A428-EC8246B949DF}" type="datetimeFigureOut">
               <a:rPr lang="zh-TW" altLang="en-US" smtClean="0"/>
-              <a:t>2017/6/20</a:t>
+              <a:t>2017/6/21</a:t>
             </a:fld>
             <a:endParaRPr lang="zh-TW" altLang="en-US"/>
           </a:p>
@@ -1067,7 +1072,7 @@
           <a:p>
             <a:fld id="{1FF29D48-3DE5-4256-A428-EC8246B949DF}" type="datetimeFigureOut">
               <a:rPr lang="zh-TW" altLang="en-US" smtClean="0"/>
-              <a:t>2017/6/20</a:t>
+              <a:t>2017/6/21</a:t>
             </a:fld>
             <a:endParaRPr lang="zh-TW" altLang="en-US"/>
           </a:p>
@@ -1403,7 +1408,7 @@
           <a:p>
             <a:fld id="{1FF29D48-3DE5-4256-A428-EC8246B949DF}" type="datetimeFigureOut">
               <a:rPr lang="zh-TW" altLang="en-US" smtClean="0"/>
-              <a:t>2017/6/20</a:t>
+              <a:t>2017/6/21</a:t>
             </a:fld>
             <a:endParaRPr lang="zh-TW" altLang="en-US"/>
           </a:p>
@@ -1723,7 +1728,7 @@
           <a:p>
             <a:fld id="{1FF29D48-3DE5-4256-A428-EC8246B949DF}" type="datetimeFigureOut">
               <a:rPr lang="zh-TW" altLang="en-US" smtClean="0"/>
-              <a:t>2017/6/20</a:t>
+              <a:t>2017/6/21</a:t>
             </a:fld>
             <a:endParaRPr lang="zh-TW" altLang="en-US"/>
           </a:p>
@@ -2119,7 +2124,7 @@
           <a:p>
             <a:fld id="{1FF29D48-3DE5-4256-A428-EC8246B949DF}" type="datetimeFigureOut">
               <a:rPr lang="zh-TW" altLang="en-US" smtClean="0"/>
-              <a:t>2017/6/20</a:t>
+              <a:t>2017/6/21</a:t>
             </a:fld>
             <a:endParaRPr lang="zh-TW" altLang="en-US"/>
           </a:p>
@@ -2376,7 +2381,7 @@
           <a:p>
             <a:fld id="{1FF29D48-3DE5-4256-A428-EC8246B949DF}" type="datetimeFigureOut">
               <a:rPr lang="zh-TW" altLang="en-US" smtClean="0"/>
-              <a:t>2017/6/20</a:t>
+              <a:t>2017/6/21</a:t>
             </a:fld>
             <a:endParaRPr lang="zh-TW" altLang="en-US"/>
           </a:p>
@@ -2638,7 +2643,7 @@
           <a:p>
             <a:fld id="{1FF29D48-3DE5-4256-A428-EC8246B949DF}" type="datetimeFigureOut">
               <a:rPr lang="zh-TW" altLang="en-US" smtClean="0"/>
-              <a:t>2017/6/20</a:t>
+              <a:t>2017/6/21</a:t>
             </a:fld>
             <a:endParaRPr lang="zh-TW" altLang="en-US"/>
           </a:p>
@@ -2900,7 +2905,7 @@
           <a:p>
             <a:fld id="{1FF29D48-3DE5-4256-A428-EC8246B949DF}" type="datetimeFigureOut">
               <a:rPr lang="zh-TW" altLang="en-US" smtClean="0"/>
-              <a:t>2017/6/20</a:t>
+              <a:t>2017/6/21</a:t>
             </a:fld>
             <a:endParaRPr lang="zh-TW" altLang="en-US"/>
           </a:p>
@@ -3229,7 +3234,7 @@
           <a:p>
             <a:fld id="{1FF29D48-3DE5-4256-A428-EC8246B949DF}" type="datetimeFigureOut">
               <a:rPr lang="zh-TW" altLang="en-US" smtClean="0"/>
-              <a:t>2017/6/20</a:t>
+              <a:t>2017/6/21</a:t>
             </a:fld>
             <a:endParaRPr lang="zh-TW" altLang="en-US"/>
           </a:p>
@@ -3552,7 +3557,7 @@
           <a:p>
             <a:fld id="{1FF29D48-3DE5-4256-A428-EC8246B949DF}" type="datetimeFigureOut">
               <a:rPr lang="zh-TW" altLang="en-US" smtClean="0"/>
-              <a:t>2017/6/20</a:t>
+              <a:t>2017/6/21</a:t>
             </a:fld>
             <a:endParaRPr lang="zh-TW" altLang="en-US"/>
           </a:p>
@@ -4009,7 +4014,7 @@
           <a:p>
             <a:fld id="{1FF29D48-3DE5-4256-A428-EC8246B949DF}" type="datetimeFigureOut">
               <a:rPr lang="zh-TW" altLang="en-US" smtClean="0"/>
-              <a:t>2017/6/20</a:t>
+              <a:t>2017/6/21</a:t>
             </a:fld>
             <a:endParaRPr lang="zh-TW" altLang="en-US"/>
           </a:p>
@@ -4214,7 +4219,7 @@
           <a:p>
             <a:fld id="{1FF29D48-3DE5-4256-A428-EC8246B949DF}" type="datetimeFigureOut">
               <a:rPr lang="zh-TW" altLang="en-US" smtClean="0"/>
-              <a:t>2017/6/20</a:t>
+              <a:t>2017/6/21</a:t>
             </a:fld>
             <a:endParaRPr lang="zh-TW" altLang="en-US"/>
           </a:p>
@@ -4391,7 +4396,7 @@
           <a:p>
             <a:fld id="{1FF29D48-3DE5-4256-A428-EC8246B949DF}" type="datetimeFigureOut">
               <a:rPr lang="zh-TW" altLang="en-US" smtClean="0"/>
-              <a:t>2017/6/20</a:t>
+              <a:t>2017/6/21</a:t>
             </a:fld>
             <a:endParaRPr lang="zh-TW" altLang="en-US"/>
           </a:p>
@@ -4724,7 +4729,7 @@
           <a:p>
             <a:fld id="{1FF29D48-3DE5-4256-A428-EC8246B949DF}" type="datetimeFigureOut">
               <a:rPr lang="zh-TW" altLang="en-US" smtClean="0"/>
-              <a:t>2017/6/20</a:t>
+              <a:t>2017/6/21</a:t>
             </a:fld>
             <a:endParaRPr lang="zh-TW" altLang="en-US"/>
           </a:p>
@@ -5069,7 +5074,7 @@
           <a:p>
             <a:fld id="{1FF29D48-3DE5-4256-A428-EC8246B949DF}" type="datetimeFigureOut">
               <a:rPr lang="zh-TW" altLang="en-US" smtClean="0"/>
-              <a:t>2017/6/20</a:t>
+              <a:t>2017/6/21</a:t>
             </a:fld>
             <a:endParaRPr lang="zh-TW" altLang="en-US"/>
           </a:p>
@@ -7186,7 +7191,7 @@
           <a:p>
             <a:fld id="{1FF29D48-3DE5-4256-A428-EC8246B949DF}" type="datetimeFigureOut">
               <a:rPr lang="zh-TW" altLang="en-US" smtClean="0"/>
-              <a:t>2017/6/20</a:t>
+              <a:t>2017/6/21</a:t>
             </a:fld>
             <a:endParaRPr lang="zh-TW" altLang="en-US"/>
           </a:p>
@@ -7872,6 +7877,827 @@
           <a:p>
             <a:r>
               <a:rPr lang="zh-TW" altLang="en-US" dirty="0" smtClean="0"/>
+              <a:t>點擊標頭列中註冊的即可註冊成為會員</a:t>
+            </a:r>
+            <a:endParaRPr lang="en-US" altLang="zh-TW" dirty="0" smtClean="0"/>
+          </a:p>
+          <a:p>
+            <a:endParaRPr lang="zh-TW" altLang="en-US" dirty="0"/>
+          </a:p>
+        </p:txBody>
+      </p:sp>
+      <p:pic>
+        <p:nvPicPr>
+          <p:cNvPr id="4" name="圖片 3"/>
+          <p:cNvPicPr>
+            <a:picLocks noChangeAspect="1"/>
+          </p:cNvPicPr>
+          <p:nvPr/>
+        </p:nvPicPr>
+        <p:blipFill>
+          <a:blip r:embed="rId2"/>
+          <a:stretch>
+            <a:fillRect/>
+          </a:stretch>
+        </p:blipFill>
+        <p:spPr>
+          <a:xfrm>
+            <a:off x="2853225" y="2582684"/>
+            <a:ext cx="7346428" cy="4130349"/>
+          </a:xfrm>
+          <a:prstGeom prst="rect">
+            <a:avLst/>
+          </a:prstGeom>
+        </p:spPr>
+      </p:pic>
+      <p:sp>
+        <p:nvSpPr>
+          <p:cNvPr id="5" name="橢圓 4"/>
+          <p:cNvSpPr/>
+          <p:nvPr/>
+        </p:nvSpPr>
+        <p:spPr>
+          <a:xfrm>
+            <a:off x="9564167" y="2988527"/>
+            <a:ext cx="1022163" cy="448247"/>
+          </a:xfrm>
+          <a:prstGeom prst="ellipse">
+            <a:avLst/>
+          </a:prstGeom>
+          <a:noFill/>
+          <a:ln>
+            <a:solidFill>
+              <a:srgbClr val="FF0000"/>
+            </a:solidFill>
+          </a:ln>
+        </p:spPr>
+        <p:style>
+          <a:lnRef idx="2">
+            <a:schemeClr val="dk1"/>
+          </a:lnRef>
+          <a:fillRef idx="1">
+            <a:schemeClr val="lt1"/>
+          </a:fillRef>
+          <a:effectRef idx="0">
+            <a:schemeClr val="dk1"/>
+          </a:effectRef>
+          <a:fontRef idx="minor">
+            <a:schemeClr val="dk1"/>
+          </a:fontRef>
+        </p:style>
+        <p:txBody>
+          <a:bodyPr rtlCol="0" anchor="ctr"/>
+          <a:lstStyle/>
+          <a:p>
+            <a:pPr algn="ctr"/>
+            <a:endParaRPr lang="zh-TW" altLang="en-US"/>
+          </a:p>
+        </p:txBody>
+      </p:sp>
+    </p:spTree>
+    <p:extLst>
+      <p:ext uri="{BB962C8B-B14F-4D97-AF65-F5344CB8AC3E}">
+        <p14:creationId xmlns:p14="http://schemas.microsoft.com/office/powerpoint/2010/main" val="1486146415"/>
+      </p:ext>
+    </p:extLst>
+  </p:cSld>
+  <p:clrMapOvr>
+    <a:masterClrMapping/>
+  </p:clrMapOvr>
+  <p:timing>
+    <p:tnLst>
+      <p:par>
+        <p:cTn id="1" dur="indefinite" restart="never" nodeType="tmRoot"/>
+      </p:par>
+    </p:tnLst>
+  </p:timing>
+</p:sld>
+</file>
+
+<file path=ppt/slides/slide11.xml><?xml version="1.0" encoding="utf-8"?>
+<p:sld xmlns:a="http://schemas.openxmlformats.org/drawingml/2006/main" xmlns:r="http://schemas.openxmlformats.org/officeDocument/2006/relationships" xmlns:p="http://schemas.openxmlformats.org/presentationml/2006/main">
+  <p:cSld>
+    <p:spTree>
+      <p:nvGrpSpPr>
+        <p:cNvPr id="1" name=""/>
+        <p:cNvGrpSpPr/>
+        <p:nvPr/>
+      </p:nvGrpSpPr>
+      <p:grpSpPr>
+        <a:xfrm>
+          <a:off x="0" y="0"/>
+          <a:ext cx="0" cy="0"/>
+          <a:chOff x="0" y="0"/>
+          <a:chExt cx="0" cy="0"/>
+        </a:xfrm>
+      </p:grpSpPr>
+      <p:sp>
+        <p:nvSpPr>
+          <p:cNvPr id="2" name="標題 1"/>
+          <p:cNvSpPr>
+            <a:spLocks noGrp="1"/>
+          </p:cNvSpPr>
+          <p:nvPr>
+            <p:ph type="title"/>
+          </p:nvPr>
+        </p:nvSpPr>
+        <p:spPr/>
+        <p:txBody>
+          <a:bodyPr/>
+          <a:lstStyle/>
+          <a:p>
+            <a:endParaRPr lang="zh-TW" altLang="en-US" dirty="0"/>
+          </a:p>
+        </p:txBody>
+      </p:sp>
+      <p:sp>
+        <p:nvSpPr>
+          <p:cNvPr id="3" name="內容版面配置區 2"/>
+          <p:cNvSpPr>
+            <a:spLocks noGrp="1"/>
+          </p:cNvSpPr>
+          <p:nvPr>
+            <p:ph idx="1"/>
+          </p:nvPr>
+        </p:nvSpPr>
+        <p:spPr/>
+        <p:txBody>
+          <a:bodyPr/>
+          <a:lstStyle/>
+          <a:p>
+            <a:endParaRPr lang="zh-TW" altLang="en-US"/>
+          </a:p>
+        </p:txBody>
+      </p:sp>
+      <p:pic>
+        <p:nvPicPr>
+          <p:cNvPr id="4" name="圖片 3"/>
+          <p:cNvPicPr>
+            <a:picLocks noChangeAspect="1"/>
+          </p:cNvPicPr>
+          <p:nvPr/>
+        </p:nvPicPr>
+        <p:blipFill>
+          <a:blip r:embed="rId2"/>
+          <a:stretch>
+            <a:fillRect/>
+          </a:stretch>
+        </p:blipFill>
+        <p:spPr>
+          <a:xfrm>
+            <a:off x="1634489" y="1127336"/>
+            <a:ext cx="9298305" cy="5227744"/>
+          </a:xfrm>
+          <a:prstGeom prst="rect">
+            <a:avLst/>
+          </a:prstGeom>
+        </p:spPr>
+      </p:pic>
+    </p:spTree>
+    <p:extLst>
+      <p:ext uri="{BB962C8B-B14F-4D97-AF65-F5344CB8AC3E}">
+        <p14:creationId xmlns:p14="http://schemas.microsoft.com/office/powerpoint/2010/main" val="173065008"/>
+      </p:ext>
+    </p:extLst>
+  </p:cSld>
+  <p:clrMapOvr>
+    <a:masterClrMapping/>
+  </p:clrMapOvr>
+  <p:timing>
+    <p:tnLst>
+      <p:par>
+        <p:cTn id="1" dur="indefinite" restart="never" nodeType="tmRoot"/>
+      </p:par>
+    </p:tnLst>
+  </p:timing>
+</p:sld>
+</file>
+
+<file path=ppt/slides/slide12.xml><?xml version="1.0" encoding="utf-8"?>
+<p:sld xmlns:a="http://schemas.openxmlformats.org/drawingml/2006/main" xmlns:r="http://schemas.openxmlformats.org/officeDocument/2006/relationships" xmlns:p="http://schemas.openxmlformats.org/presentationml/2006/main">
+  <p:cSld>
+    <p:spTree>
+      <p:nvGrpSpPr>
+        <p:cNvPr id="1" name=""/>
+        <p:cNvGrpSpPr/>
+        <p:nvPr/>
+      </p:nvGrpSpPr>
+      <p:grpSpPr>
+        <a:xfrm>
+          <a:off x="0" y="0"/>
+          <a:ext cx="0" cy="0"/>
+          <a:chOff x="0" y="0"/>
+          <a:chExt cx="0" cy="0"/>
+        </a:xfrm>
+      </p:grpSpPr>
+      <p:sp>
+        <p:nvSpPr>
+          <p:cNvPr id="2" name="標題 1"/>
+          <p:cNvSpPr>
+            <a:spLocks noGrp="1"/>
+          </p:cNvSpPr>
+          <p:nvPr>
+            <p:ph type="title"/>
+          </p:nvPr>
+        </p:nvSpPr>
+        <p:spPr/>
+        <p:txBody>
+          <a:bodyPr/>
+          <a:lstStyle/>
+          <a:p>
+            <a:r>
+              <a:rPr lang="zh-TW" altLang="en-US" dirty="0" smtClean="0"/>
+              <a:t>操作方式</a:t>
+            </a:r>
+            <a:endParaRPr lang="zh-TW" altLang="en-US" dirty="0"/>
+          </a:p>
+        </p:txBody>
+      </p:sp>
+      <p:sp>
+        <p:nvSpPr>
+          <p:cNvPr id="3" name="內容版面配置區 2"/>
+          <p:cNvSpPr>
+            <a:spLocks noGrp="1"/>
+          </p:cNvSpPr>
+          <p:nvPr>
+            <p:ph idx="1"/>
+          </p:nvPr>
+        </p:nvSpPr>
+        <p:spPr/>
+        <p:txBody>
+          <a:bodyPr/>
+          <a:lstStyle/>
+          <a:p>
+            <a:r>
+              <a:rPr lang="zh-TW" altLang="en-US" dirty="0" smtClean="0"/>
+              <a:t>點擊標頭列上登入即可輸入帳號密碼登入</a:t>
+            </a:r>
+            <a:endParaRPr lang="en-US" altLang="zh-TW" dirty="0" smtClean="0"/>
+          </a:p>
+          <a:p>
+            <a:endParaRPr lang="zh-TW" altLang="en-US" dirty="0"/>
+          </a:p>
+        </p:txBody>
+      </p:sp>
+      <p:pic>
+        <p:nvPicPr>
+          <p:cNvPr id="4" name="圖片 3"/>
+          <p:cNvPicPr>
+            <a:picLocks noChangeAspect="1"/>
+          </p:cNvPicPr>
+          <p:nvPr/>
+        </p:nvPicPr>
+        <p:blipFill>
+          <a:blip r:embed="rId2"/>
+          <a:stretch>
+            <a:fillRect/>
+          </a:stretch>
+        </p:blipFill>
+        <p:spPr>
+          <a:xfrm>
+            <a:off x="2265827" y="2487597"/>
+            <a:ext cx="7618194" cy="4283143"/>
+          </a:xfrm>
+          <a:prstGeom prst="rect">
+            <a:avLst/>
+          </a:prstGeom>
+        </p:spPr>
+      </p:pic>
+      <p:sp>
+        <p:nvSpPr>
+          <p:cNvPr id="5" name="橢圓 4"/>
+          <p:cNvSpPr/>
+          <p:nvPr/>
+        </p:nvSpPr>
+        <p:spPr>
+          <a:xfrm>
+            <a:off x="8876371" y="2977376"/>
+            <a:ext cx="669073" cy="312234"/>
+          </a:xfrm>
+          <a:prstGeom prst="ellipse">
+            <a:avLst/>
+          </a:prstGeom>
+          <a:noFill/>
+          <a:ln>
+            <a:solidFill>
+              <a:srgbClr val="FF0000"/>
+            </a:solidFill>
+          </a:ln>
+        </p:spPr>
+        <p:style>
+          <a:lnRef idx="2">
+            <a:schemeClr val="accent1">
+              <a:shade val="50000"/>
+            </a:schemeClr>
+          </a:lnRef>
+          <a:fillRef idx="1">
+            <a:schemeClr val="accent1"/>
+          </a:fillRef>
+          <a:effectRef idx="0">
+            <a:schemeClr val="accent1"/>
+          </a:effectRef>
+          <a:fontRef idx="minor">
+            <a:schemeClr val="lt1"/>
+          </a:fontRef>
+        </p:style>
+        <p:txBody>
+          <a:bodyPr rtlCol="0" anchor="ctr"/>
+          <a:lstStyle/>
+          <a:p>
+            <a:pPr algn="ctr"/>
+            <a:endParaRPr lang="zh-TW" altLang="en-US"/>
+          </a:p>
+        </p:txBody>
+      </p:sp>
+    </p:spTree>
+    <p:extLst>
+      <p:ext uri="{BB962C8B-B14F-4D97-AF65-F5344CB8AC3E}">
+        <p14:creationId xmlns:p14="http://schemas.microsoft.com/office/powerpoint/2010/main" val="3317156664"/>
+      </p:ext>
+    </p:extLst>
+  </p:cSld>
+  <p:clrMapOvr>
+    <a:masterClrMapping/>
+  </p:clrMapOvr>
+  <p:timing>
+    <p:tnLst>
+      <p:par>
+        <p:cTn id="1" dur="indefinite" restart="never" nodeType="tmRoot"/>
+      </p:par>
+    </p:tnLst>
+  </p:timing>
+</p:sld>
+</file>
+
+<file path=ppt/slides/slide13.xml><?xml version="1.0" encoding="utf-8"?>
+<p:sld xmlns:a="http://schemas.openxmlformats.org/drawingml/2006/main" xmlns:r="http://schemas.openxmlformats.org/officeDocument/2006/relationships" xmlns:p="http://schemas.openxmlformats.org/presentationml/2006/main">
+  <p:cSld>
+    <p:spTree>
+      <p:nvGrpSpPr>
+        <p:cNvPr id="1" name=""/>
+        <p:cNvGrpSpPr/>
+        <p:nvPr/>
+      </p:nvGrpSpPr>
+      <p:grpSpPr>
+        <a:xfrm>
+          <a:off x="0" y="0"/>
+          <a:ext cx="0" cy="0"/>
+          <a:chOff x="0" y="0"/>
+          <a:chExt cx="0" cy="0"/>
+        </a:xfrm>
+      </p:grpSpPr>
+      <p:sp>
+        <p:nvSpPr>
+          <p:cNvPr id="2" name="標題 1"/>
+          <p:cNvSpPr>
+            <a:spLocks noGrp="1"/>
+          </p:cNvSpPr>
+          <p:nvPr>
+            <p:ph type="title"/>
+          </p:nvPr>
+        </p:nvSpPr>
+        <p:spPr/>
+        <p:txBody>
+          <a:bodyPr/>
+          <a:lstStyle/>
+          <a:p>
+            <a:endParaRPr lang="zh-TW" altLang="en-US"/>
+          </a:p>
+        </p:txBody>
+      </p:sp>
+      <p:sp>
+        <p:nvSpPr>
+          <p:cNvPr id="3" name="內容版面配置區 2"/>
+          <p:cNvSpPr>
+            <a:spLocks noGrp="1"/>
+          </p:cNvSpPr>
+          <p:nvPr>
+            <p:ph idx="1"/>
+          </p:nvPr>
+        </p:nvSpPr>
+        <p:spPr/>
+        <p:txBody>
+          <a:bodyPr/>
+          <a:lstStyle/>
+          <a:p>
+            <a:endParaRPr lang="zh-TW" altLang="en-US"/>
+          </a:p>
+        </p:txBody>
+      </p:sp>
+      <p:pic>
+        <p:nvPicPr>
+          <p:cNvPr id="4" name="圖片 3"/>
+          <p:cNvPicPr>
+            <a:picLocks noChangeAspect="1"/>
+          </p:cNvPicPr>
+          <p:nvPr/>
+        </p:nvPicPr>
+        <p:blipFill>
+          <a:blip r:embed="rId2"/>
+          <a:stretch>
+            <a:fillRect/>
+          </a:stretch>
+        </p:blipFill>
+        <p:spPr>
+          <a:xfrm>
+            <a:off x="1490576" y="1115122"/>
+            <a:ext cx="9623984" cy="5410849"/>
+          </a:xfrm>
+          <a:prstGeom prst="rect">
+            <a:avLst/>
+          </a:prstGeom>
+        </p:spPr>
+      </p:pic>
+    </p:spTree>
+    <p:extLst>
+      <p:ext uri="{BB962C8B-B14F-4D97-AF65-F5344CB8AC3E}">
+        <p14:creationId xmlns:p14="http://schemas.microsoft.com/office/powerpoint/2010/main" val="3012362008"/>
+      </p:ext>
+    </p:extLst>
+  </p:cSld>
+  <p:clrMapOvr>
+    <a:masterClrMapping/>
+  </p:clrMapOvr>
+  <p:timing>
+    <p:tnLst>
+      <p:par>
+        <p:cTn id="1" dur="indefinite" restart="never" nodeType="tmRoot"/>
+      </p:par>
+    </p:tnLst>
+  </p:timing>
+</p:sld>
+</file>
+
+<file path=ppt/slides/slide14.xml><?xml version="1.0" encoding="utf-8"?>
+<p:sld xmlns:a="http://schemas.openxmlformats.org/drawingml/2006/main" xmlns:r="http://schemas.openxmlformats.org/officeDocument/2006/relationships" xmlns:p="http://schemas.openxmlformats.org/presentationml/2006/main">
+  <p:cSld>
+    <p:spTree>
+      <p:nvGrpSpPr>
+        <p:cNvPr id="1" name=""/>
+        <p:cNvGrpSpPr/>
+        <p:nvPr/>
+      </p:nvGrpSpPr>
+      <p:grpSpPr>
+        <a:xfrm>
+          <a:off x="0" y="0"/>
+          <a:ext cx="0" cy="0"/>
+          <a:chOff x="0" y="0"/>
+          <a:chExt cx="0" cy="0"/>
+        </a:xfrm>
+      </p:grpSpPr>
+      <p:sp>
+        <p:nvSpPr>
+          <p:cNvPr id="2" name="標題 1"/>
+          <p:cNvSpPr>
+            <a:spLocks noGrp="1"/>
+          </p:cNvSpPr>
+          <p:nvPr>
+            <p:ph type="title"/>
+          </p:nvPr>
+        </p:nvSpPr>
+        <p:spPr/>
+        <p:txBody>
+          <a:bodyPr/>
+          <a:lstStyle/>
+          <a:p>
+            <a:r>
+              <a:rPr lang="zh-TW" altLang="en-US" dirty="0" smtClean="0"/>
+              <a:t>操作方式</a:t>
+            </a:r>
+            <a:endParaRPr lang="zh-TW" altLang="en-US" dirty="0"/>
+          </a:p>
+        </p:txBody>
+      </p:sp>
+      <p:sp>
+        <p:nvSpPr>
+          <p:cNvPr id="3" name="內容版面配置區 2"/>
+          <p:cNvSpPr>
+            <a:spLocks noGrp="1"/>
+          </p:cNvSpPr>
+          <p:nvPr>
+            <p:ph idx="1"/>
+          </p:nvPr>
+        </p:nvSpPr>
+        <p:spPr/>
+        <p:txBody>
+          <a:bodyPr/>
+          <a:lstStyle/>
+          <a:p>
+            <a:r>
+              <a:rPr lang="en-US" altLang="zh-TW" dirty="0" smtClean="0"/>
+              <a:t>Search</a:t>
+            </a:r>
+            <a:r>
+              <a:rPr lang="zh-TW" altLang="en-US" dirty="0" smtClean="0"/>
+              <a:t>欄中鍵入想搜尋的店家名稱，</a:t>
+            </a:r>
+            <a:r>
+              <a:rPr lang="en-US" altLang="zh-TW" dirty="0" smtClean="0"/>
+              <a:t>Near</a:t>
+            </a:r>
+            <a:r>
+              <a:rPr lang="zh-TW" altLang="en-US" dirty="0" smtClean="0"/>
+              <a:t>欄中鍵入地名或地址，可搜尋符合條件的商家。</a:t>
+            </a:r>
+            <a:endParaRPr lang="en-US" altLang="zh-TW" dirty="0" smtClean="0"/>
+          </a:p>
+          <a:p>
+            <a:endParaRPr lang="zh-TW" altLang="en-US" dirty="0"/>
+          </a:p>
+        </p:txBody>
+      </p:sp>
+      <p:pic>
+        <p:nvPicPr>
+          <p:cNvPr id="4" name="圖片 3"/>
+          <p:cNvPicPr>
+            <a:picLocks noChangeAspect="1"/>
+          </p:cNvPicPr>
+          <p:nvPr/>
+        </p:nvPicPr>
+        <p:blipFill>
+          <a:blip r:embed="rId2"/>
+          <a:stretch>
+            <a:fillRect/>
+          </a:stretch>
+        </p:blipFill>
+        <p:spPr>
+          <a:xfrm>
+            <a:off x="3311912" y="2714283"/>
+            <a:ext cx="7100957" cy="3992339"/>
+          </a:xfrm>
+          <a:prstGeom prst="rect">
+            <a:avLst/>
+          </a:prstGeom>
+        </p:spPr>
+      </p:pic>
+      <p:sp>
+        <p:nvSpPr>
+          <p:cNvPr id="5" name="橢圓 4"/>
+          <p:cNvSpPr/>
+          <p:nvPr/>
+        </p:nvSpPr>
+        <p:spPr>
+          <a:xfrm>
+            <a:off x="5564458" y="4276491"/>
+            <a:ext cx="1215483" cy="557561"/>
+          </a:xfrm>
+          <a:prstGeom prst="ellipse">
+            <a:avLst/>
+          </a:prstGeom>
+          <a:noFill/>
+          <a:ln>
+            <a:solidFill>
+              <a:srgbClr val="FF0000"/>
+            </a:solidFill>
+          </a:ln>
+        </p:spPr>
+        <p:style>
+          <a:lnRef idx="2">
+            <a:schemeClr val="accent1">
+              <a:shade val="50000"/>
+            </a:schemeClr>
+          </a:lnRef>
+          <a:fillRef idx="1">
+            <a:schemeClr val="accent1"/>
+          </a:fillRef>
+          <a:effectRef idx="0">
+            <a:schemeClr val="accent1"/>
+          </a:effectRef>
+          <a:fontRef idx="minor">
+            <a:schemeClr val="lt1"/>
+          </a:fontRef>
+        </p:style>
+        <p:txBody>
+          <a:bodyPr rtlCol="0" anchor="ctr"/>
+          <a:lstStyle/>
+          <a:p>
+            <a:pPr algn="ctr"/>
+            <a:endParaRPr lang="zh-TW" altLang="en-US"/>
+          </a:p>
+        </p:txBody>
+      </p:sp>
+      <p:sp>
+        <p:nvSpPr>
+          <p:cNvPr id="6" name="橢圓 5"/>
+          <p:cNvSpPr/>
+          <p:nvPr/>
+        </p:nvSpPr>
+        <p:spPr>
+          <a:xfrm>
+            <a:off x="7099880" y="4298795"/>
+            <a:ext cx="1022796" cy="535257"/>
+          </a:xfrm>
+          <a:prstGeom prst="ellipse">
+            <a:avLst/>
+          </a:prstGeom>
+          <a:noFill/>
+          <a:ln>
+            <a:solidFill>
+              <a:srgbClr val="FF0000"/>
+            </a:solidFill>
+          </a:ln>
+        </p:spPr>
+        <p:style>
+          <a:lnRef idx="2">
+            <a:schemeClr val="accent1">
+              <a:shade val="50000"/>
+            </a:schemeClr>
+          </a:lnRef>
+          <a:fillRef idx="1">
+            <a:schemeClr val="accent1"/>
+          </a:fillRef>
+          <a:effectRef idx="0">
+            <a:schemeClr val="accent1"/>
+          </a:effectRef>
+          <a:fontRef idx="minor">
+            <a:schemeClr val="lt1"/>
+          </a:fontRef>
+        </p:style>
+        <p:txBody>
+          <a:bodyPr rtlCol="0" anchor="ctr"/>
+          <a:lstStyle/>
+          <a:p>
+            <a:pPr algn="ctr"/>
+            <a:endParaRPr lang="zh-TW" altLang="en-US"/>
+          </a:p>
+        </p:txBody>
+      </p:sp>
+    </p:spTree>
+    <p:extLst>
+      <p:ext uri="{BB962C8B-B14F-4D97-AF65-F5344CB8AC3E}">
+        <p14:creationId xmlns:p14="http://schemas.microsoft.com/office/powerpoint/2010/main" val="275549028"/>
+      </p:ext>
+    </p:extLst>
+  </p:cSld>
+  <p:clrMapOvr>
+    <a:masterClrMapping/>
+  </p:clrMapOvr>
+  <p:timing>
+    <p:tnLst>
+      <p:par>
+        <p:cTn id="1" dur="indefinite" restart="never" nodeType="tmRoot"/>
+      </p:par>
+    </p:tnLst>
+  </p:timing>
+</p:sld>
+</file>
+
+<file path=ppt/slides/slide15.xml><?xml version="1.0" encoding="utf-8"?>
+<p:sld xmlns:a="http://schemas.openxmlformats.org/drawingml/2006/main" xmlns:r="http://schemas.openxmlformats.org/officeDocument/2006/relationships" xmlns:p="http://schemas.openxmlformats.org/presentationml/2006/main">
+  <p:cSld>
+    <p:spTree>
+      <p:nvGrpSpPr>
+        <p:cNvPr id="1" name=""/>
+        <p:cNvGrpSpPr/>
+        <p:nvPr/>
+      </p:nvGrpSpPr>
+      <p:grpSpPr>
+        <a:xfrm>
+          <a:off x="0" y="0"/>
+          <a:ext cx="0" cy="0"/>
+          <a:chOff x="0" y="0"/>
+          <a:chExt cx="0" cy="0"/>
+        </a:xfrm>
+      </p:grpSpPr>
+      <p:sp>
+        <p:nvSpPr>
+          <p:cNvPr id="2" name="標題 1"/>
+          <p:cNvSpPr>
+            <a:spLocks noGrp="1"/>
+          </p:cNvSpPr>
+          <p:nvPr>
+            <p:ph type="title"/>
+          </p:nvPr>
+        </p:nvSpPr>
+        <p:spPr/>
+        <p:txBody>
+          <a:bodyPr/>
+          <a:lstStyle/>
+          <a:p>
+            <a:endParaRPr lang="zh-TW" altLang="en-US"/>
+          </a:p>
+        </p:txBody>
+      </p:sp>
+      <p:sp>
+        <p:nvSpPr>
+          <p:cNvPr id="3" name="內容版面配置區 2"/>
+          <p:cNvSpPr>
+            <a:spLocks noGrp="1"/>
+          </p:cNvSpPr>
+          <p:nvPr>
+            <p:ph idx="1"/>
+          </p:nvPr>
+        </p:nvSpPr>
+        <p:spPr/>
+        <p:txBody>
+          <a:bodyPr/>
+          <a:lstStyle/>
+          <a:p>
+            <a:endParaRPr lang="zh-TW" altLang="en-US"/>
+          </a:p>
+        </p:txBody>
+      </p:sp>
+      <p:pic>
+        <p:nvPicPr>
+          <p:cNvPr id="4" name="圖片 3"/>
+          <p:cNvPicPr>
+            <a:picLocks noChangeAspect="1"/>
+          </p:cNvPicPr>
+          <p:nvPr/>
+        </p:nvPicPr>
+        <p:blipFill>
+          <a:blip r:embed="rId2"/>
+          <a:stretch>
+            <a:fillRect/>
+          </a:stretch>
+        </p:blipFill>
+        <p:spPr>
+          <a:xfrm>
+            <a:off x="1658421" y="1165860"/>
+            <a:ext cx="9514403" cy="5349240"/>
+          </a:xfrm>
+          <a:prstGeom prst="rect">
+            <a:avLst/>
+          </a:prstGeom>
+        </p:spPr>
+      </p:pic>
+    </p:spTree>
+    <p:extLst>
+      <p:ext uri="{BB962C8B-B14F-4D97-AF65-F5344CB8AC3E}">
+        <p14:creationId xmlns:p14="http://schemas.microsoft.com/office/powerpoint/2010/main" val="1438976860"/>
+      </p:ext>
+    </p:extLst>
+  </p:cSld>
+  <p:clrMapOvr>
+    <a:masterClrMapping/>
+  </p:clrMapOvr>
+  <p:timing>
+    <p:tnLst>
+      <p:par>
+        <p:cTn id="1" dur="indefinite" restart="never" nodeType="tmRoot"/>
+      </p:par>
+    </p:tnLst>
+  </p:timing>
+</p:sld>
+</file>
+
+<file path=ppt/slides/slide16.xml><?xml version="1.0" encoding="utf-8"?>
+<p:sld xmlns:a="http://schemas.openxmlformats.org/drawingml/2006/main" xmlns:r="http://schemas.openxmlformats.org/officeDocument/2006/relationships" xmlns:p="http://schemas.openxmlformats.org/presentationml/2006/main">
+  <p:cSld>
+    <p:spTree>
+      <p:nvGrpSpPr>
+        <p:cNvPr id="1" name=""/>
+        <p:cNvGrpSpPr/>
+        <p:nvPr/>
+      </p:nvGrpSpPr>
+      <p:grpSpPr>
+        <a:xfrm>
+          <a:off x="0" y="0"/>
+          <a:ext cx="0" cy="0"/>
+          <a:chOff x="0" y="0"/>
+          <a:chExt cx="0" cy="0"/>
+        </a:xfrm>
+      </p:grpSpPr>
+      <p:sp>
+        <p:nvSpPr>
+          <p:cNvPr id="2" name="標題 1"/>
+          <p:cNvSpPr>
+            <a:spLocks noGrp="1"/>
+          </p:cNvSpPr>
+          <p:nvPr>
+            <p:ph type="title"/>
+          </p:nvPr>
+        </p:nvSpPr>
+        <p:spPr/>
+        <p:txBody>
+          <a:bodyPr/>
+          <a:lstStyle/>
+          <a:p>
+            <a:r>
+              <a:rPr lang="zh-TW" altLang="en-US" dirty="0" smtClean="0"/>
+              <a:t>操作方式</a:t>
+            </a:r>
+            <a:endParaRPr lang="zh-TW" altLang="en-US" dirty="0"/>
+          </a:p>
+        </p:txBody>
+      </p:sp>
+      <p:sp>
+        <p:nvSpPr>
+          <p:cNvPr id="3" name="內容版面配置區 2"/>
+          <p:cNvSpPr>
+            <a:spLocks noGrp="1"/>
+          </p:cNvSpPr>
+          <p:nvPr>
+            <p:ph idx="1"/>
+          </p:nvPr>
+        </p:nvSpPr>
+        <p:spPr/>
+        <p:txBody>
+          <a:bodyPr/>
+          <a:lstStyle/>
+          <a:p>
+            <a:r>
+              <a:rPr lang="zh-TW" altLang="en-US" dirty="0" smtClean="0"/>
               <a:t>典籍搜尋列表鍾任一商家，即可查看該商家詳細資料</a:t>
             </a:r>
             <a:endParaRPr lang="en-US" altLang="zh-TW" dirty="0" smtClean="0"/>
@@ -7971,7 +8797,7 @@
 </p:sld>
 </file>
 
-<file path=ppt/slides/slide11.xml><?xml version="1.0" encoding="utf-8"?>
+<file path=ppt/slides/slide17.xml><?xml version="1.0" encoding="utf-8"?>
 <p:sld xmlns:a="http://schemas.openxmlformats.org/drawingml/2006/main" xmlns:r="http://schemas.openxmlformats.org/officeDocument/2006/relationships" xmlns:p="http://schemas.openxmlformats.org/presentationml/2006/main">
   <p:cSld>
     <p:spTree>
@@ -8070,7 +8896,7 @@
 </p:sld>
 </file>
 
-<file path=ppt/slides/slide12.xml><?xml version="1.0" encoding="utf-8"?>
+<file path=ppt/slides/slide18.xml><?xml version="1.0" encoding="utf-8"?>
 <p:sld xmlns:a="http://schemas.openxmlformats.org/drawingml/2006/main" xmlns:r="http://schemas.openxmlformats.org/officeDocument/2006/relationships" xmlns:p="http://schemas.openxmlformats.org/presentationml/2006/main">
   <p:cSld>
     <p:spTree>
@@ -8226,7 +9052,7 @@
 </p:sld>
 </file>
 
-<file path=ppt/slides/slide13.xml><?xml version="1.0" encoding="utf-8"?>
+<file path=ppt/slides/slide19.xml><?xml version="1.0" encoding="utf-8"?>
 <p:sld xmlns:a="http://schemas.openxmlformats.org/drawingml/2006/main" xmlns:r="http://schemas.openxmlformats.org/officeDocument/2006/relationships" xmlns:p="http://schemas.openxmlformats.org/presentationml/2006/main">
   <p:cSld>
     <p:spTree>
@@ -8325,7 +9151,520 @@
 </p:sld>
 </file>
 
-<file path=ppt/slides/slide14.xml><?xml version="1.0" encoding="utf-8"?>
+<file path=ppt/slides/slide2.xml><?xml version="1.0" encoding="utf-8"?>
+<p:sld xmlns:a="http://schemas.openxmlformats.org/drawingml/2006/main" xmlns:r="http://schemas.openxmlformats.org/officeDocument/2006/relationships" xmlns:p="http://schemas.openxmlformats.org/presentationml/2006/main">
+  <p:cSld>
+    <p:spTree>
+      <p:nvGrpSpPr>
+        <p:cNvPr id="1" name=""/>
+        <p:cNvGrpSpPr/>
+        <p:nvPr/>
+      </p:nvGrpSpPr>
+      <p:grpSpPr>
+        <a:xfrm>
+          <a:off x="0" y="0"/>
+          <a:ext cx="0" cy="0"/>
+          <a:chOff x="0" y="0"/>
+          <a:chExt cx="0" cy="0"/>
+        </a:xfrm>
+      </p:grpSpPr>
+      <p:sp>
+        <p:nvSpPr>
+          <p:cNvPr id="2" name="標題 1"/>
+          <p:cNvSpPr>
+            <a:spLocks noGrp="1"/>
+          </p:cNvSpPr>
+          <p:nvPr>
+            <p:ph type="title"/>
+          </p:nvPr>
+        </p:nvSpPr>
+        <p:spPr/>
+        <p:txBody>
+          <a:bodyPr/>
+          <a:lstStyle/>
+          <a:p>
+            <a:r>
+              <a:rPr lang="en-US" altLang="zh-TW" dirty="0" smtClean="0">
+                <a:latin typeface="+mn-ea"/>
+                <a:ea typeface="+mn-ea"/>
+              </a:rPr>
+              <a:t>Yelp API</a:t>
+            </a:r>
+            <a:r>
+              <a:rPr lang="zh-TW" altLang="en-US" dirty="0" smtClean="0">
+                <a:latin typeface="+mn-ea"/>
+                <a:ea typeface="+mn-ea"/>
+              </a:rPr>
+              <a:t>簡介</a:t>
+            </a:r>
+            <a:endParaRPr lang="zh-TW" altLang="en-US" dirty="0">
+              <a:latin typeface="+mn-ea"/>
+              <a:ea typeface="+mn-ea"/>
+            </a:endParaRPr>
+          </a:p>
+        </p:txBody>
+      </p:sp>
+      <p:sp>
+        <p:nvSpPr>
+          <p:cNvPr id="3" name="內容版面配置區 2"/>
+          <p:cNvSpPr>
+            <a:spLocks noGrp="1"/>
+          </p:cNvSpPr>
+          <p:nvPr>
+            <p:ph idx="1"/>
+          </p:nvPr>
+        </p:nvSpPr>
+        <p:spPr/>
+        <p:txBody>
+          <a:bodyPr>
+            <a:normAutofit/>
+          </a:bodyPr>
+          <a:lstStyle/>
+          <a:p>
+            <a:r>
+              <a:rPr lang="en-US" altLang="zh-TW" dirty="0">
+                <a:latin typeface="+mn-ea"/>
+              </a:rPr>
+              <a:t>Yelp</a:t>
+            </a:r>
+            <a:r>
+              <a:rPr lang="zh-TW" altLang="en-US" dirty="0">
+                <a:latin typeface="+mn-ea"/>
+              </a:rPr>
+              <a:t>是美國最大的點評網站，被稱作「美國版的大眾點評」， </a:t>
+            </a:r>
+            <a:r>
+              <a:rPr lang="en-US" altLang="zh-TW" dirty="0">
+                <a:latin typeface="+mn-ea"/>
+              </a:rPr>
+              <a:t>2004</a:t>
+            </a:r>
+            <a:r>
+              <a:rPr lang="zh-TW" altLang="en-US" dirty="0">
+                <a:latin typeface="+mn-ea"/>
+              </a:rPr>
+              <a:t>年創立於加州舊金山。在</a:t>
+            </a:r>
+            <a:r>
+              <a:rPr lang="en-US" altLang="zh-TW" dirty="0">
+                <a:latin typeface="+mn-ea"/>
+              </a:rPr>
+              <a:t>O2O</a:t>
+            </a:r>
+            <a:r>
+              <a:rPr lang="zh-TW" altLang="en-US" dirty="0">
+                <a:latin typeface="+mn-ea"/>
+              </a:rPr>
+              <a:t>的平台上，</a:t>
+            </a:r>
+            <a:r>
+              <a:rPr lang="en-US" altLang="zh-TW" dirty="0">
+                <a:latin typeface="+mn-ea"/>
+              </a:rPr>
+              <a:t>Yelp</a:t>
+            </a:r>
+            <a:r>
+              <a:rPr lang="zh-TW" altLang="en-US" dirty="0">
+                <a:latin typeface="+mn-ea"/>
+              </a:rPr>
+              <a:t>的移動端平台觸及的用戶算是名列前茅</a:t>
+            </a:r>
+            <a:br>
+              <a:rPr lang="zh-TW" altLang="en-US" dirty="0">
+                <a:latin typeface="+mn-ea"/>
+              </a:rPr>
+            </a:br>
+            <a:endParaRPr lang="en-US" altLang="zh-TW" dirty="0">
+              <a:latin typeface="+mn-ea"/>
+            </a:endParaRPr>
+          </a:p>
+          <a:p>
+            <a:pPr fontAlgn="base"/>
+            <a:r>
+              <a:rPr lang="zh-TW" altLang="en-US" dirty="0" smtClean="0">
+                <a:latin typeface="+mn-ea"/>
+              </a:rPr>
+              <a:t>透過</a:t>
+            </a:r>
+            <a:r>
+              <a:rPr lang="en-US" altLang="zh-TW" dirty="0" smtClean="0">
+                <a:latin typeface="+mn-ea"/>
+              </a:rPr>
+              <a:t>Yelp API</a:t>
+            </a:r>
+            <a:r>
+              <a:rPr lang="zh-TW" altLang="en-US" dirty="0" smtClean="0">
+                <a:latin typeface="+mn-ea"/>
+              </a:rPr>
+              <a:t>便可取得</a:t>
+            </a:r>
+            <a:r>
+              <a:rPr lang="en-US" altLang="zh-TW" dirty="0" smtClean="0">
+                <a:latin typeface="+mn-ea"/>
+              </a:rPr>
+              <a:t>Yelp</a:t>
+            </a:r>
+            <a:r>
+              <a:rPr lang="zh-TW" altLang="en-US" dirty="0" smtClean="0">
+                <a:latin typeface="+mn-ea"/>
+              </a:rPr>
+              <a:t>以下的資料</a:t>
+            </a:r>
+            <a:endParaRPr lang="en-US" altLang="zh-TW" dirty="0" smtClean="0">
+              <a:latin typeface="+mn-ea"/>
+            </a:endParaRPr>
+          </a:p>
+          <a:p>
+            <a:pPr marL="457200" lvl="1" indent="0" fontAlgn="base">
+              <a:buNone/>
+            </a:pPr>
+            <a:r>
+              <a:rPr lang="en-US" altLang="zh-TW" sz="1800" b="1" dirty="0" smtClean="0">
+                <a:latin typeface="+mn-ea"/>
+                <a:hlinkClick r:id="rId2"/>
+              </a:rPr>
+              <a:t>Search</a:t>
+            </a:r>
+            <a:r>
+              <a:rPr lang="zh-TW" altLang="en-US" sz="1800" b="1" dirty="0" smtClean="0">
+                <a:latin typeface="+mn-ea"/>
+              </a:rPr>
+              <a:t> </a:t>
+            </a:r>
+            <a:r>
+              <a:rPr lang="en-US" altLang="zh-TW" sz="1800" b="1" dirty="0" smtClean="0">
+                <a:latin typeface="+mn-ea"/>
+              </a:rPr>
+              <a:t>:</a:t>
+            </a:r>
+            <a:r>
+              <a:rPr lang="zh-TW" altLang="en-US" sz="1800" b="1" dirty="0" smtClean="0">
+                <a:latin typeface="+mn-ea"/>
+              </a:rPr>
+              <a:t> </a:t>
+            </a:r>
+            <a:r>
+              <a:rPr lang="zh-TW" altLang="en-US" sz="1800" dirty="0" smtClean="0">
+                <a:latin typeface="+mn-ea"/>
+              </a:rPr>
+              <a:t>通過關鍵字，位置，類別查找企業，甚至價格水平！</a:t>
+            </a:r>
+            <a:endParaRPr lang="en-US" altLang="zh-TW" sz="1800" dirty="0" smtClean="0">
+              <a:latin typeface="+mn-ea"/>
+            </a:endParaRPr>
+          </a:p>
+          <a:p>
+            <a:pPr marL="457200" lvl="1" indent="0" fontAlgn="base">
+              <a:buNone/>
+            </a:pPr>
+            <a:r>
+              <a:rPr lang="en-US" altLang="zh-TW" sz="1800" b="1" u="sng" dirty="0">
+                <a:latin typeface="+mn-ea"/>
+                <a:hlinkClick r:id="rId3"/>
+              </a:rPr>
+              <a:t>Phone </a:t>
+            </a:r>
+            <a:r>
+              <a:rPr lang="en-US" altLang="zh-TW" sz="1800" b="1" u="sng" dirty="0" smtClean="0">
+                <a:latin typeface="+mn-ea"/>
+                <a:hlinkClick r:id="rId3"/>
+              </a:rPr>
+              <a:t>Search</a:t>
+            </a:r>
+            <a:r>
+              <a:rPr lang="zh-TW" altLang="en-US" sz="1800" b="1" dirty="0">
+                <a:latin typeface="+mn-ea"/>
+              </a:rPr>
+              <a:t> </a:t>
+            </a:r>
+            <a:r>
+              <a:rPr lang="en-US" altLang="zh-TW" sz="1800" b="1" dirty="0" smtClean="0">
+                <a:latin typeface="+mn-ea"/>
+              </a:rPr>
+              <a:t>:</a:t>
+            </a:r>
+            <a:r>
+              <a:rPr lang="zh-TW" altLang="en-US" sz="1800" b="1" dirty="0" smtClean="0">
+                <a:latin typeface="+mn-ea"/>
+              </a:rPr>
+              <a:t> </a:t>
+            </a:r>
+            <a:r>
+              <a:rPr lang="zh-TW" altLang="en-US" sz="1800" dirty="0" smtClean="0">
+                <a:latin typeface="+mn-ea"/>
+              </a:rPr>
+              <a:t>使用</a:t>
+            </a:r>
+            <a:r>
+              <a:rPr lang="zh-TW" altLang="en-US" sz="1800" dirty="0">
+                <a:latin typeface="+mn-ea"/>
+              </a:rPr>
+              <a:t>電話號碼搜索商家</a:t>
+            </a:r>
+            <a:r>
+              <a:rPr lang="zh-TW" altLang="en-US" sz="1800" dirty="0" smtClean="0">
+                <a:latin typeface="+mn-ea"/>
+              </a:rPr>
+              <a:t>。</a:t>
+            </a:r>
+            <a:endParaRPr lang="en-US" altLang="zh-TW" sz="1800" dirty="0" smtClean="0">
+              <a:latin typeface="+mn-ea"/>
+            </a:endParaRPr>
+          </a:p>
+          <a:p>
+            <a:pPr marL="457200" lvl="1" indent="0" fontAlgn="base">
+              <a:buNone/>
+            </a:pPr>
+            <a:r>
+              <a:rPr lang="en-US" altLang="zh-TW" sz="1800" b="1" u="sng" dirty="0">
+                <a:latin typeface="+mn-ea"/>
+                <a:hlinkClick r:id="rId4"/>
+              </a:rPr>
+              <a:t>Transaction </a:t>
+            </a:r>
+            <a:r>
+              <a:rPr lang="en-US" altLang="zh-TW" sz="1800" b="1" u="sng" dirty="0" smtClean="0">
+                <a:latin typeface="+mn-ea"/>
+                <a:hlinkClick r:id="rId4"/>
+              </a:rPr>
+              <a:t>Search</a:t>
+            </a:r>
+            <a:r>
+              <a:rPr lang="zh-TW" altLang="en-US" sz="1800" b="1" dirty="0">
+                <a:latin typeface="+mn-ea"/>
+              </a:rPr>
+              <a:t> </a:t>
+            </a:r>
+            <a:r>
+              <a:rPr lang="en-US" altLang="zh-TW" sz="1800" b="1" dirty="0" smtClean="0">
+                <a:latin typeface="+mn-ea"/>
+              </a:rPr>
+              <a:t>:</a:t>
+            </a:r>
+            <a:r>
+              <a:rPr lang="zh-TW" altLang="en-US" sz="1800" b="1" dirty="0" smtClean="0">
+                <a:latin typeface="+mn-ea"/>
+              </a:rPr>
+              <a:t> </a:t>
+            </a:r>
+            <a:r>
+              <a:rPr lang="zh-TW" altLang="en-US" sz="1800" dirty="0" smtClean="0">
+                <a:latin typeface="+mn-ea"/>
+              </a:rPr>
+              <a:t>搜索</a:t>
+            </a:r>
+            <a:r>
+              <a:rPr lang="zh-TW" altLang="en-US" sz="1800" dirty="0">
+                <a:latin typeface="+mn-ea"/>
+              </a:rPr>
+              <a:t>支持某些交易的企業，如食品交付和提貨</a:t>
+            </a:r>
+            <a:r>
+              <a:rPr lang="zh-TW" altLang="en-US" sz="1800" dirty="0" smtClean="0">
+                <a:latin typeface="+mn-ea"/>
+              </a:rPr>
+              <a:t>。</a:t>
+            </a:r>
+            <a:endParaRPr lang="en-US" altLang="zh-TW" sz="1800" dirty="0" smtClean="0">
+              <a:latin typeface="+mn-ea"/>
+            </a:endParaRPr>
+          </a:p>
+          <a:p>
+            <a:pPr marL="457200" lvl="1" indent="0" fontAlgn="base">
+              <a:buNone/>
+            </a:pPr>
+            <a:r>
+              <a:rPr lang="en-US" altLang="zh-TW" sz="1800" b="1" dirty="0" smtClean="0">
+                <a:latin typeface="+mn-ea"/>
+                <a:hlinkClick r:id="rId5"/>
+              </a:rPr>
+              <a:t>Business</a:t>
+            </a:r>
+            <a:r>
+              <a:rPr lang="zh-TW" altLang="en-US" sz="1800" b="1" dirty="0" smtClean="0">
+                <a:latin typeface="+mn-ea"/>
+              </a:rPr>
+              <a:t> </a:t>
+            </a:r>
+            <a:r>
+              <a:rPr lang="en-US" altLang="zh-TW" sz="1800" b="1" dirty="0" smtClean="0">
+                <a:latin typeface="+mn-ea"/>
+              </a:rPr>
+              <a:t>:</a:t>
+            </a:r>
+            <a:r>
+              <a:rPr lang="zh-TW" altLang="en-US" sz="1800" b="1" dirty="0" smtClean="0">
+                <a:latin typeface="+mn-ea"/>
+              </a:rPr>
+              <a:t> </a:t>
+            </a:r>
+            <a:r>
+              <a:rPr lang="zh-TW" altLang="en-US" sz="1800" dirty="0" smtClean="0">
+                <a:latin typeface="+mn-ea"/>
+              </a:rPr>
+              <a:t>返回</a:t>
+            </a:r>
+            <a:r>
+              <a:rPr lang="zh-TW" altLang="en-US" sz="1800" dirty="0">
+                <a:latin typeface="+mn-ea"/>
+              </a:rPr>
+              <a:t>豐富的業務數據，如照片，</a:t>
+            </a:r>
+            <a:r>
+              <a:rPr lang="en-US" altLang="zh-TW" sz="1800" dirty="0">
+                <a:latin typeface="+mn-ea"/>
+              </a:rPr>
+              <a:t>Yelp</a:t>
+            </a:r>
+            <a:r>
+              <a:rPr lang="zh-TW" altLang="en-US" sz="1800" dirty="0">
+                <a:latin typeface="+mn-ea"/>
+              </a:rPr>
+              <a:t>評級，價格水平和營業時間</a:t>
+            </a:r>
+            <a:r>
+              <a:rPr lang="zh-TW" altLang="en-US" sz="1800" dirty="0" smtClean="0">
+                <a:latin typeface="+mn-ea"/>
+              </a:rPr>
+              <a:t>。</a:t>
+            </a:r>
+            <a:endParaRPr lang="en-US" altLang="zh-TW" sz="1800" dirty="0" smtClean="0">
+              <a:latin typeface="+mn-ea"/>
+            </a:endParaRPr>
+          </a:p>
+          <a:p>
+            <a:pPr marL="457200" lvl="1" indent="0" fontAlgn="base">
+              <a:buNone/>
+            </a:pPr>
+            <a:r>
+              <a:rPr lang="en-US" altLang="zh-TW" sz="1800" b="1" u="sng" dirty="0" smtClean="0">
+                <a:latin typeface="+mn-ea"/>
+                <a:hlinkClick r:id="rId6"/>
+              </a:rPr>
+              <a:t>Reviews</a:t>
+            </a:r>
+            <a:r>
+              <a:rPr lang="zh-TW" altLang="en-US" sz="1800" b="1" dirty="0">
+                <a:latin typeface="+mn-ea"/>
+              </a:rPr>
+              <a:t> </a:t>
+            </a:r>
+            <a:r>
+              <a:rPr lang="en-US" altLang="zh-TW" sz="1800" b="1" dirty="0" smtClean="0">
+                <a:latin typeface="+mn-ea"/>
+              </a:rPr>
+              <a:t>:</a:t>
+            </a:r>
+            <a:r>
+              <a:rPr lang="zh-TW" altLang="en-US" sz="1800" b="1" dirty="0" smtClean="0">
+                <a:latin typeface="+mn-ea"/>
+              </a:rPr>
+              <a:t> </a:t>
+            </a:r>
+            <a:r>
+              <a:rPr lang="zh-TW" altLang="en-US" sz="1800" dirty="0" smtClean="0">
+                <a:latin typeface="+mn-ea"/>
+              </a:rPr>
+              <a:t>返回</a:t>
+            </a:r>
+            <a:r>
+              <a:rPr lang="zh-TW" altLang="en-US" sz="1800" dirty="0">
+                <a:latin typeface="+mn-ea"/>
+              </a:rPr>
+              <a:t>最多</a:t>
+            </a:r>
+            <a:r>
+              <a:rPr lang="en-US" altLang="zh-TW" sz="1800" dirty="0">
+                <a:latin typeface="+mn-ea"/>
+              </a:rPr>
+              <a:t>3</a:t>
+            </a:r>
+            <a:r>
+              <a:rPr lang="zh-TW" altLang="en-US" sz="1800" dirty="0">
+                <a:latin typeface="+mn-ea"/>
+              </a:rPr>
+              <a:t>個審查摘錄的業務</a:t>
+            </a:r>
+            <a:r>
+              <a:rPr lang="zh-TW" altLang="en-US" sz="1800" dirty="0" smtClean="0">
+                <a:latin typeface="+mn-ea"/>
+              </a:rPr>
+              <a:t>。</a:t>
+            </a:r>
+            <a:endParaRPr lang="en-US" altLang="zh-TW" sz="1800" dirty="0" smtClean="0">
+              <a:latin typeface="+mn-ea"/>
+            </a:endParaRPr>
+          </a:p>
+          <a:p>
+            <a:pPr marL="457200" lvl="1" indent="0" fontAlgn="base">
+              <a:buNone/>
+            </a:pPr>
+            <a:r>
+              <a:rPr lang="en-US" altLang="zh-TW" sz="1800" b="1" u="sng" dirty="0" smtClean="0">
+                <a:latin typeface="+mn-ea"/>
+                <a:hlinkClick r:id="rId7"/>
+              </a:rPr>
+              <a:t>Autocomplete</a:t>
+            </a:r>
+            <a:r>
+              <a:rPr lang="zh-TW" altLang="en-US" sz="1800" b="1" dirty="0" smtClean="0">
+                <a:latin typeface="+mn-ea"/>
+              </a:rPr>
+              <a:t> </a:t>
+            </a:r>
+            <a:r>
+              <a:rPr lang="en-US" altLang="zh-TW" sz="1800" b="1" dirty="0" smtClean="0">
+                <a:latin typeface="+mn-ea"/>
+              </a:rPr>
+              <a:t>:</a:t>
+            </a:r>
+            <a:r>
+              <a:rPr lang="zh-TW" altLang="en-US" sz="1800" b="1" dirty="0" smtClean="0">
+                <a:latin typeface="+mn-ea"/>
+              </a:rPr>
+              <a:t> </a:t>
+            </a:r>
+            <a:r>
+              <a:rPr lang="zh-TW" altLang="en-US" sz="1800" dirty="0" smtClean="0">
+                <a:latin typeface="+mn-ea"/>
+              </a:rPr>
+              <a:t>為</a:t>
+            </a:r>
+            <a:r>
+              <a:rPr lang="zh-TW" altLang="en-US" sz="1800" dirty="0">
+                <a:latin typeface="+mn-ea"/>
+              </a:rPr>
+              <a:t>企業，搜索關鍵字和類別提供自動填充建議。</a:t>
+            </a:r>
+          </a:p>
+          <a:p>
+            <a:endParaRPr lang="zh-TW" altLang="en-US" dirty="0">
+              <a:latin typeface="+mn-ea"/>
+            </a:endParaRPr>
+          </a:p>
+        </p:txBody>
+      </p:sp>
+    </p:spTree>
+    <p:extLst>
+      <p:ext uri="{BB962C8B-B14F-4D97-AF65-F5344CB8AC3E}">
+        <p14:creationId xmlns:p14="http://schemas.microsoft.com/office/powerpoint/2010/main" val="131943811"/>
+      </p:ext>
+    </p:extLst>
+  </p:cSld>
+  <p:clrMapOvr>
+    <a:masterClrMapping/>
+  </p:clrMapOvr>
+  <p:timing>
+    <p:tnLst>
+      <p:par>
+        <p:cTn id="1" dur="indefinite" restart="never" nodeType="tmRoot"/>
+      </p:par>
+    </p:tnLst>
+  </p:timing>
+</p:sld>
+</file>
+
+<file path=ppt/slides/slide20.xml><?xml version="1.0" encoding="utf-8"?>
 <p:sld xmlns:a="http://schemas.openxmlformats.org/drawingml/2006/main" xmlns:r="http://schemas.openxmlformats.org/officeDocument/2006/relationships" xmlns:p="http://schemas.openxmlformats.org/presentationml/2006/main">
   <p:cSld>
     <p:spTree>
@@ -8492,7 +9831,7 @@
 </p:sld>
 </file>
 
-<file path=ppt/slides/slide15.xml><?xml version="1.0" encoding="utf-8"?>
+<file path=ppt/slides/slide21.xml><?xml version="1.0" encoding="utf-8"?>
 <p:sld xmlns:a="http://schemas.openxmlformats.org/drawingml/2006/main" xmlns:r="http://schemas.openxmlformats.org/officeDocument/2006/relationships" xmlns:p="http://schemas.openxmlformats.org/presentationml/2006/main">
   <p:cSld>
     <p:spTree>
@@ -8591,2036 +9930,6 @@
 </p:sld>
 </file>
 
-<file path=ppt/slides/slide16.xml><?xml version="1.0" encoding="utf-8"?>
-<p:sld xmlns:a="http://schemas.openxmlformats.org/drawingml/2006/main" xmlns:r="http://schemas.openxmlformats.org/officeDocument/2006/relationships" xmlns:p="http://schemas.openxmlformats.org/presentationml/2006/main">
-  <p:cSld>
-    <p:spTree>
-      <p:nvGrpSpPr>
-        <p:cNvPr id="1" name=""/>
-        <p:cNvGrpSpPr/>
-        <p:nvPr/>
-      </p:nvGrpSpPr>
-      <p:grpSpPr>
-        <a:xfrm>
-          <a:off x="0" y="0"/>
-          <a:ext cx="0" cy="0"/>
-          <a:chOff x="0" y="0"/>
-          <a:chExt cx="0" cy="0"/>
-        </a:xfrm>
-      </p:grpSpPr>
-      <p:sp>
-        <p:nvSpPr>
-          <p:cNvPr id="2" name="標題 1"/>
-          <p:cNvSpPr>
-            <a:spLocks noGrp="1"/>
-          </p:cNvSpPr>
-          <p:nvPr>
-            <p:ph type="title"/>
-          </p:nvPr>
-        </p:nvSpPr>
-        <p:spPr/>
-        <p:txBody>
-          <a:bodyPr/>
-          <a:lstStyle/>
-          <a:p>
-            <a:r>
-              <a:rPr lang="zh-TW" altLang="en-US" dirty="0"/>
-              <a:t>操作方式</a:t>
-            </a:r>
-            <a:endParaRPr lang="zh-TW" altLang="en-US" dirty="0"/>
-          </a:p>
-        </p:txBody>
-      </p:sp>
-      <p:sp>
-        <p:nvSpPr>
-          <p:cNvPr id="3" name="內容版面配置區 2"/>
-          <p:cNvSpPr>
-            <a:spLocks noGrp="1"/>
-          </p:cNvSpPr>
-          <p:nvPr>
-            <p:ph idx="1"/>
-          </p:nvPr>
-        </p:nvSpPr>
-        <p:spPr/>
-        <p:txBody>
-          <a:bodyPr/>
-          <a:lstStyle/>
-          <a:p>
-            <a:r>
-              <a:rPr lang="zh-TW" altLang="en-US" dirty="0" smtClean="0"/>
-              <a:t>收藏列表亦可點擊商家觀看詳細資料。</a:t>
-            </a:r>
-            <a:endParaRPr lang="en-US" altLang="zh-TW" dirty="0" smtClean="0"/>
-          </a:p>
-          <a:p>
-            <a:r>
-              <a:rPr lang="zh-TW" altLang="en-US" dirty="0" smtClean="0"/>
-              <a:t>詳細資料中，店家名稱旁的愛心，若為紅色代表此店家已被加入收藏，白色則無。</a:t>
-            </a:r>
-            <a:endParaRPr lang="en-US" altLang="zh-TW" dirty="0" smtClean="0"/>
-          </a:p>
-          <a:p>
-            <a:r>
-              <a:rPr lang="zh-TW" altLang="en-US" dirty="0" smtClean="0"/>
-              <a:t>路線規劃可選擇由搜尋時輸入的地名為起點或是由裝置現在位置為起點。</a:t>
-            </a:r>
-            <a:endParaRPr lang="en-US" altLang="zh-TW" dirty="0" smtClean="0"/>
-          </a:p>
-          <a:p>
-            <a:r>
-              <a:rPr lang="zh-TW" altLang="en-US" dirty="0" smtClean="0"/>
-              <a:t>路線規劃可選擇四種不同的交通方式。</a:t>
-            </a:r>
-            <a:endParaRPr lang="en-US" altLang="zh-TW" dirty="0" smtClean="0"/>
-          </a:p>
-          <a:p>
-            <a:endParaRPr lang="zh-TW" altLang="en-US" dirty="0"/>
-          </a:p>
-        </p:txBody>
-      </p:sp>
-    </p:spTree>
-    <p:extLst>
-      <p:ext uri="{BB962C8B-B14F-4D97-AF65-F5344CB8AC3E}">
-        <p14:creationId xmlns:p14="http://schemas.microsoft.com/office/powerpoint/2010/main" val="3547676615"/>
-      </p:ext>
-    </p:extLst>
-  </p:cSld>
-  <p:clrMapOvr>
-    <a:masterClrMapping/>
-  </p:clrMapOvr>
-  <p:timing>
-    <p:tnLst>
-      <p:par>
-        <p:cTn id="1" dur="indefinite" restart="never" nodeType="tmRoot"/>
-      </p:par>
-    </p:tnLst>
-  </p:timing>
-</p:sld>
-</file>
-
-<file path=ppt/slides/slide17.xml><?xml version="1.0" encoding="utf-8"?>
-<p:sld xmlns:a="http://schemas.openxmlformats.org/drawingml/2006/main" xmlns:r="http://schemas.openxmlformats.org/officeDocument/2006/relationships" xmlns:p="http://schemas.openxmlformats.org/presentationml/2006/main">
-  <p:cSld>
-    <p:spTree>
-      <p:nvGrpSpPr>
-        <p:cNvPr id="1" name=""/>
-        <p:cNvGrpSpPr/>
-        <p:nvPr/>
-      </p:nvGrpSpPr>
-      <p:grpSpPr>
-        <a:xfrm>
-          <a:off x="0" y="0"/>
-          <a:ext cx="0" cy="0"/>
-          <a:chOff x="0" y="0"/>
-          <a:chExt cx="0" cy="0"/>
-        </a:xfrm>
-      </p:grpSpPr>
-      <p:sp>
-        <p:nvSpPr>
-          <p:cNvPr id="2" name="標題 1"/>
-          <p:cNvSpPr>
-            <a:spLocks noGrp="1"/>
-          </p:cNvSpPr>
-          <p:nvPr>
-            <p:ph type="title"/>
-          </p:nvPr>
-        </p:nvSpPr>
-        <p:spPr/>
-        <p:txBody>
-          <a:bodyPr/>
-          <a:lstStyle/>
-          <a:p>
-            <a:r>
-              <a:rPr lang="en-US" altLang="zh-TW" dirty="0" smtClean="0"/>
-              <a:t>API</a:t>
-            </a:r>
-            <a:r>
-              <a:rPr lang="zh-TW" altLang="en-US" dirty="0" smtClean="0"/>
-              <a:t>操作範例 </a:t>
-            </a:r>
-            <a:r>
-              <a:rPr lang="en-US" altLang="zh-TW" dirty="0" smtClean="0"/>
-              <a:t>-</a:t>
-            </a:r>
-            <a:r>
-              <a:rPr lang="zh-TW" altLang="en-US" dirty="0" smtClean="0"/>
-              <a:t> </a:t>
-            </a:r>
-            <a:r>
-              <a:rPr lang="en-US" altLang="zh-TW" dirty="0" smtClean="0"/>
-              <a:t>Search</a:t>
-            </a:r>
-            <a:endParaRPr lang="zh-TW" altLang="en-US" dirty="0"/>
-          </a:p>
-        </p:txBody>
-      </p:sp>
-      <p:sp>
-        <p:nvSpPr>
-          <p:cNvPr id="3" name="內容版面配置區 2"/>
-          <p:cNvSpPr>
-            <a:spLocks noGrp="1"/>
-          </p:cNvSpPr>
-          <p:nvPr>
-            <p:ph idx="1"/>
-          </p:nvPr>
-        </p:nvSpPr>
-        <p:spPr/>
-        <p:txBody>
-          <a:bodyPr>
-            <a:normAutofit lnSpcReduction="10000"/>
-          </a:bodyPr>
-          <a:lstStyle/>
-          <a:p>
-            <a:r>
-              <a:rPr lang="en-US" altLang="zh-TW" dirty="0" smtClean="0"/>
-              <a:t>API</a:t>
-            </a:r>
-            <a:r>
-              <a:rPr lang="zh-TW" altLang="en-US" dirty="0" smtClean="0"/>
-              <a:t> </a:t>
-            </a:r>
-            <a:r>
-              <a:rPr lang="en-US" altLang="zh-TW" dirty="0" smtClean="0"/>
-              <a:t>URL:</a:t>
-            </a:r>
-            <a:r>
-              <a:rPr lang="zh-TW" altLang="en-US" dirty="0" smtClean="0"/>
-              <a:t> </a:t>
-            </a:r>
-            <a:r>
-              <a:rPr lang="en-US" altLang="zh-TW" dirty="0" smtClean="0"/>
-              <a:t>https</a:t>
-            </a:r>
-            <a:r>
-              <a:rPr lang="en-US" altLang="zh-TW" dirty="0"/>
-              <a:t>://</a:t>
-            </a:r>
-            <a:r>
-              <a:rPr lang="en-US" altLang="zh-TW" dirty="0" smtClean="0"/>
-              <a:t>api.yelp.com/v3/businesses/search</a:t>
-            </a:r>
-          </a:p>
-          <a:p>
-            <a:r>
-              <a:rPr lang="en-US" altLang="zh-TW" dirty="0" smtClean="0"/>
-              <a:t>Example: https</a:t>
-            </a:r>
-            <a:r>
-              <a:rPr lang="en-US" altLang="zh-TW" dirty="0"/>
-              <a:t>://</a:t>
-            </a:r>
-            <a:r>
-              <a:rPr lang="en-US" altLang="zh-TW" dirty="0" smtClean="0"/>
-              <a:t>api.yelp.com/v3/businesses/search?term=starbucks&amp;location=taitpei</a:t>
-            </a:r>
-          </a:p>
-          <a:p>
-            <a:r>
-              <a:rPr lang="en-US" altLang="zh-TW" dirty="0" smtClean="0"/>
-              <a:t>Return Value: </a:t>
-            </a:r>
-            <a:r>
-              <a:rPr lang="en-US" altLang="zh-TW" dirty="0" smtClean="0">
-                <a:latin typeface="Consolas" panose="020B0609020204030204" pitchFamily="49" charset="0"/>
-              </a:rPr>
-              <a:t/>
-            </a:r>
-            <a:br>
-              <a:rPr lang="en-US" altLang="zh-TW" dirty="0" smtClean="0">
-                <a:latin typeface="Consolas" panose="020B0609020204030204" pitchFamily="49" charset="0"/>
-              </a:rPr>
-            </a:br>
-            <a:r>
-              <a:rPr lang="en-US" altLang="zh-TW" dirty="0" smtClean="0">
-                <a:latin typeface="Consolas" panose="020B0609020204030204" pitchFamily="49" charset="0"/>
-              </a:rPr>
-              <a:t>{</a:t>
-            </a:r>
-            <a:br>
-              <a:rPr lang="en-US" altLang="zh-TW" dirty="0" smtClean="0">
-                <a:latin typeface="Consolas" panose="020B0609020204030204" pitchFamily="49" charset="0"/>
-              </a:rPr>
-            </a:br>
-            <a:r>
-              <a:rPr lang="en-US" altLang="zh-TW" dirty="0" smtClean="0">
-                <a:latin typeface="Consolas" panose="020B0609020204030204" pitchFamily="49" charset="0"/>
-              </a:rPr>
-              <a:t>		“businesses”: [</a:t>
-            </a:r>
-            <a:br>
-              <a:rPr lang="en-US" altLang="zh-TW" dirty="0" smtClean="0">
-                <a:latin typeface="Consolas" panose="020B0609020204030204" pitchFamily="49" charset="0"/>
-              </a:rPr>
-            </a:br>
-            <a:r>
-              <a:rPr lang="en-US" altLang="zh-TW" dirty="0" smtClean="0">
-                <a:latin typeface="Consolas" panose="020B0609020204030204" pitchFamily="49" charset="0"/>
-              </a:rPr>
-              <a:t>		{</a:t>
-            </a:r>
-            <a:br>
-              <a:rPr lang="en-US" altLang="zh-TW" dirty="0" smtClean="0">
-                <a:latin typeface="Consolas" panose="020B0609020204030204" pitchFamily="49" charset="0"/>
-              </a:rPr>
-            </a:br>
-            <a:r>
-              <a:rPr lang="en-US" altLang="zh-TW" dirty="0" smtClean="0">
-                <a:latin typeface="Consolas" panose="020B0609020204030204" pitchFamily="49" charset="0"/>
-              </a:rPr>
-              <a:t>			“id”: “</a:t>
-            </a:r>
-            <a:r>
-              <a:rPr lang="zh-TW" altLang="en-US" dirty="0">
-                <a:latin typeface="Consolas" panose="020B0609020204030204" pitchFamily="49" charset="0"/>
-              </a:rPr>
-              <a:t>星巴克</a:t>
-            </a:r>
-            <a:r>
-              <a:rPr lang="en-US" altLang="zh-TW" dirty="0">
-                <a:latin typeface="Consolas" panose="020B0609020204030204" pitchFamily="49" charset="0"/>
-              </a:rPr>
-              <a:t>-</a:t>
-            </a:r>
-            <a:r>
-              <a:rPr lang="zh-TW" altLang="en-US" dirty="0">
-                <a:latin typeface="Consolas" panose="020B0609020204030204" pitchFamily="49" charset="0"/>
-              </a:rPr>
-              <a:t>信義區</a:t>
-            </a:r>
-            <a:r>
-              <a:rPr lang="en-US" altLang="zh-TW" dirty="0">
-                <a:latin typeface="Consolas" panose="020B0609020204030204" pitchFamily="49" charset="0"/>
-              </a:rPr>
-              <a:t>-4”,</a:t>
-            </a:r>
-            <a:r>
-              <a:rPr lang="en-US" altLang="zh-TW" dirty="0" smtClean="0">
-                <a:latin typeface="Consolas" panose="020B0609020204030204" pitchFamily="49" charset="0"/>
-              </a:rPr>
-              <a:t/>
-            </a:r>
-            <a:br>
-              <a:rPr lang="en-US" altLang="zh-TW" dirty="0" smtClean="0">
-                <a:latin typeface="Consolas" panose="020B0609020204030204" pitchFamily="49" charset="0"/>
-              </a:rPr>
-            </a:br>
-            <a:r>
-              <a:rPr lang="en-US" altLang="zh-TW" dirty="0" smtClean="0">
-                <a:latin typeface="Consolas" panose="020B0609020204030204" pitchFamily="49" charset="0"/>
-              </a:rPr>
-              <a:t>			“name</a:t>
-            </a:r>
-            <a:r>
-              <a:rPr lang="en-US" altLang="zh-TW" dirty="0">
-                <a:latin typeface="Consolas" panose="020B0609020204030204" pitchFamily="49" charset="0"/>
-              </a:rPr>
-              <a:t>”: “Starbucks”,</a:t>
-            </a:r>
-            <a:r>
-              <a:rPr lang="en-US" altLang="zh-TW" dirty="0" smtClean="0">
-                <a:latin typeface="Consolas" panose="020B0609020204030204" pitchFamily="49" charset="0"/>
-              </a:rPr>
-              <a:t/>
-            </a:r>
-            <a:br>
-              <a:rPr lang="en-US" altLang="zh-TW" dirty="0" smtClean="0">
-                <a:latin typeface="Consolas" panose="020B0609020204030204" pitchFamily="49" charset="0"/>
-              </a:rPr>
-            </a:br>
-            <a:r>
-              <a:rPr lang="en-US" altLang="zh-TW" dirty="0" smtClean="0">
-                <a:latin typeface="Consolas" panose="020B0609020204030204" pitchFamily="49" charset="0"/>
-              </a:rPr>
-              <a:t>			“</a:t>
-            </a:r>
-            <a:r>
-              <a:rPr lang="en-US" altLang="zh-TW" dirty="0" err="1" smtClean="0">
-                <a:latin typeface="Consolas" panose="020B0609020204030204" pitchFamily="49" charset="0"/>
-              </a:rPr>
-              <a:t>image_url</a:t>
-            </a:r>
-            <a:r>
-              <a:rPr lang="en-US" altLang="zh-TW" dirty="0">
-                <a:latin typeface="Consolas" panose="020B0609020204030204" pitchFamily="49" charset="0"/>
-              </a:rPr>
-              <a:t>”: “https://s3-media1.fl.yelpcdn.com/</a:t>
-            </a:r>
-            <a:r>
-              <a:rPr lang="en-US" altLang="zh-TW" dirty="0" err="1">
-                <a:latin typeface="Consolas" panose="020B0609020204030204" pitchFamily="49" charset="0"/>
-              </a:rPr>
-              <a:t>bphoto</a:t>
-            </a:r>
-            <a:r>
-              <a:rPr lang="en-US" altLang="zh-TW" dirty="0">
-                <a:latin typeface="Consolas" panose="020B0609020204030204" pitchFamily="49" charset="0"/>
-              </a:rPr>
-              <a:t>/kMe6RIVCIEsNOC0zocO7ag/o.jpg”,</a:t>
-            </a:r>
-            <a:r>
-              <a:rPr lang="en-US" altLang="zh-TW" dirty="0" smtClean="0">
-                <a:latin typeface="Consolas" panose="020B0609020204030204" pitchFamily="49" charset="0"/>
-              </a:rPr>
-              <a:t/>
-            </a:r>
-            <a:br>
-              <a:rPr lang="en-US" altLang="zh-TW" dirty="0" smtClean="0">
-                <a:latin typeface="Consolas" panose="020B0609020204030204" pitchFamily="49" charset="0"/>
-              </a:rPr>
-            </a:br>
-            <a:r>
-              <a:rPr lang="en-US" altLang="zh-TW" dirty="0" smtClean="0">
-                <a:latin typeface="Consolas" panose="020B0609020204030204" pitchFamily="49" charset="0"/>
-              </a:rPr>
-              <a:t>			“</a:t>
-            </a:r>
-            <a:r>
-              <a:rPr lang="en-US" altLang="zh-TW" dirty="0" err="1" smtClean="0">
-                <a:latin typeface="Consolas" panose="020B0609020204030204" pitchFamily="49" charset="0"/>
-              </a:rPr>
-              <a:t>is_closed</a:t>
-            </a:r>
-            <a:r>
-              <a:rPr lang="en-US" altLang="zh-TW" dirty="0" smtClean="0">
-                <a:latin typeface="Consolas" panose="020B0609020204030204" pitchFamily="49" charset="0"/>
-              </a:rPr>
-              <a:t>”: </a:t>
-            </a:r>
-            <a:r>
-              <a:rPr lang="en-US" altLang="zh-TW" dirty="0">
-                <a:latin typeface="Consolas" panose="020B0609020204030204" pitchFamily="49" charset="0"/>
-              </a:rPr>
-              <a:t>false</a:t>
-            </a:r>
-            <a:r>
-              <a:rPr lang="en-US" altLang="zh-TW" dirty="0" smtClean="0">
-                <a:latin typeface="Consolas" panose="020B0609020204030204" pitchFamily="49" charset="0"/>
-              </a:rPr>
-              <a:t>,</a:t>
-            </a:r>
-            <a:r>
-              <a:rPr lang="zh-TW" altLang="en-US" dirty="0" smtClean="0">
-                <a:latin typeface="Consolas" panose="020B0609020204030204" pitchFamily="49" charset="0"/>
-              </a:rPr>
-              <a:t> </a:t>
-            </a:r>
-            <a:r>
-              <a:rPr lang="en-US" altLang="zh-TW" dirty="0" smtClean="0"/>
-              <a:t/>
-            </a:r>
-            <a:br>
-              <a:rPr lang="en-US" altLang="zh-TW" dirty="0" smtClean="0"/>
-            </a:br>
-            <a:r>
-              <a:rPr lang="en-US" altLang="zh-TW" dirty="0" smtClean="0"/>
-              <a:t>	…</a:t>
-            </a:r>
-            <a:r>
-              <a:rPr lang="zh-TW" altLang="en-US" dirty="0" smtClean="0"/>
-              <a:t>等</a:t>
-            </a:r>
-            <a:r>
-              <a:rPr lang="en-US" altLang="zh-TW" dirty="0" smtClean="0"/>
-              <a:t>JSON</a:t>
-            </a:r>
-            <a:r>
-              <a:rPr lang="zh-TW" altLang="en-US" dirty="0" smtClean="0"/>
-              <a:t>格式的</a:t>
-            </a:r>
-            <a:r>
-              <a:rPr lang="en-US" altLang="zh-TW" dirty="0" smtClean="0"/>
-              <a:t>20</a:t>
-            </a:r>
-            <a:r>
-              <a:rPr lang="zh-TW" altLang="en-US" dirty="0" smtClean="0"/>
-              <a:t>個店家資訊</a:t>
-            </a:r>
-            <a:endParaRPr lang="en-US" altLang="zh-TW" dirty="0" smtClean="0"/>
-          </a:p>
-        </p:txBody>
-      </p:sp>
-    </p:spTree>
-    <p:extLst>
-      <p:ext uri="{BB962C8B-B14F-4D97-AF65-F5344CB8AC3E}">
-        <p14:creationId xmlns:p14="http://schemas.microsoft.com/office/powerpoint/2010/main" val="3996755120"/>
-      </p:ext>
-    </p:extLst>
-  </p:cSld>
-  <p:clrMapOvr>
-    <a:masterClrMapping/>
-  </p:clrMapOvr>
-  <p:timing>
-    <p:tnLst>
-      <p:par>
-        <p:cTn id="1" dur="indefinite" restart="never" nodeType="tmRoot"/>
-      </p:par>
-    </p:tnLst>
-  </p:timing>
-</p:sld>
-</file>
-
-<file path=ppt/slides/slide18.xml><?xml version="1.0" encoding="utf-8"?>
-<p:sld xmlns:a="http://schemas.openxmlformats.org/drawingml/2006/main" xmlns:r="http://schemas.openxmlformats.org/officeDocument/2006/relationships" xmlns:p="http://schemas.openxmlformats.org/presentationml/2006/main">
-  <p:cSld>
-    <p:spTree>
-      <p:nvGrpSpPr>
-        <p:cNvPr id="1" name=""/>
-        <p:cNvGrpSpPr/>
-        <p:nvPr/>
-      </p:nvGrpSpPr>
-      <p:grpSpPr>
-        <a:xfrm>
-          <a:off x="0" y="0"/>
-          <a:ext cx="0" cy="0"/>
-          <a:chOff x="0" y="0"/>
-          <a:chExt cx="0" cy="0"/>
-        </a:xfrm>
-      </p:grpSpPr>
-      <p:sp>
-        <p:nvSpPr>
-          <p:cNvPr id="2" name="標題 1"/>
-          <p:cNvSpPr>
-            <a:spLocks noGrp="1"/>
-          </p:cNvSpPr>
-          <p:nvPr>
-            <p:ph type="title"/>
-          </p:nvPr>
-        </p:nvSpPr>
-        <p:spPr/>
-        <p:txBody>
-          <a:bodyPr/>
-          <a:lstStyle/>
-          <a:p>
-            <a:r>
-              <a:rPr lang="en-US" altLang="zh-TW" dirty="0" smtClean="0"/>
-              <a:t>API</a:t>
-            </a:r>
-            <a:r>
-              <a:rPr lang="zh-TW" altLang="en-US" dirty="0" smtClean="0"/>
-              <a:t>操作範例 </a:t>
-            </a:r>
-            <a:r>
-              <a:rPr lang="en-US" altLang="zh-TW" dirty="0" smtClean="0"/>
-              <a:t>-</a:t>
-            </a:r>
-            <a:r>
-              <a:rPr lang="zh-TW" altLang="en-US" dirty="0" smtClean="0"/>
-              <a:t> </a:t>
-            </a:r>
-            <a:r>
-              <a:rPr lang="en-US" altLang="zh-TW" dirty="0" smtClean="0"/>
-              <a:t>Review</a:t>
-            </a:r>
-            <a:endParaRPr lang="zh-TW" altLang="en-US" dirty="0"/>
-          </a:p>
-        </p:txBody>
-      </p:sp>
-      <p:sp>
-        <p:nvSpPr>
-          <p:cNvPr id="3" name="內容版面配置區 2"/>
-          <p:cNvSpPr>
-            <a:spLocks noGrp="1"/>
-          </p:cNvSpPr>
-          <p:nvPr>
-            <p:ph idx="1"/>
-          </p:nvPr>
-        </p:nvSpPr>
-        <p:spPr/>
-        <p:txBody>
-          <a:bodyPr>
-            <a:normAutofit fontScale="92500" lnSpcReduction="20000"/>
-          </a:bodyPr>
-          <a:lstStyle/>
-          <a:p>
-            <a:r>
-              <a:rPr lang="en-US" altLang="zh-TW" dirty="0" smtClean="0"/>
-              <a:t>API</a:t>
-            </a:r>
-            <a:r>
-              <a:rPr lang="zh-TW" altLang="en-US" dirty="0" smtClean="0"/>
-              <a:t> </a:t>
-            </a:r>
-            <a:r>
-              <a:rPr lang="en-US" altLang="zh-TW" dirty="0" smtClean="0"/>
-              <a:t>URL:</a:t>
-            </a:r>
-            <a:r>
-              <a:rPr lang="zh-TW" altLang="en-US" dirty="0" smtClean="0"/>
-              <a:t> </a:t>
-            </a:r>
-            <a:r>
-              <a:rPr lang="en-US" altLang="zh-TW" dirty="0"/>
-              <a:t>https://api.yelp.com/v3/businesses</a:t>
-            </a:r>
-            <a:r>
-              <a:rPr lang="en-US" altLang="zh-TW" dirty="0" smtClean="0"/>
-              <a:t>/{id}/reviews</a:t>
-            </a:r>
-          </a:p>
-          <a:p>
-            <a:r>
-              <a:rPr lang="en-US" altLang="zh-TW" dirty="0" smtClean="0"/>
-              <a:t>Example: </a:t>
-            </a:r>
-            <a:r>
-              <a:rPr lang="en-US" altLang="zh-TW" dirty="0"/>
-              <a:t>https://</a:t>
-            </a:r>
-            <a:r>
-              <a:rPr lang="en-US" altLang="zh-TW" dirty="0" smtClean="0"/>
-              <a:t>api.yelp.com/v3/businesses/</a:t>
-            </a:r>
-            <a:r>
-              <a:rPr lang="en-US" altLang="zh-TW" dirty="0"/>
-              <a:t>starbucks-new-york-487</a:t>
-            </a:r>
-            <a:r>
-              <a:rPr lang="en-US" altLang="zh-TW" dirty="0" smtClean="0"/>
-              <a:t>/reviews</a:t>
-            </a:r>
-          </a:p>
-          <a:p>
-            <a:r>
-              <a:rPr lang="en-US" altLang="zh-TW" dirty="0" smtClean="0"/>
-              <a:t>Return Value:</a:t>
-            </a:r>
-            <a:br>
-              <a:rPr lang="en-US" altLang="zh-TW" dirty="0" smtClean="0"/>
-            </a:br>
-            <a:r>
-              <a:rPr lang="en-US" altLang="zh-TW" dirty="0" smtClean="0">
-                <a:latin typeface="Consolas" panose="020B0609020204030204" pitchFamily="49" charset="0"/>
-              </a:rPr>
-              <a:t>{</a:t>
-            </a:r>
-            <a:br>
-              <a:rPr lang="en-US" altLang="zh-TW" dirty="0" smtClean="0">
-                <a:latin typeface="Consolas" panose="020B0609020204030204" pitchFamily="49" charset="0"/>
-              </a:rPr>
-            </a:br>
-            <a:r>
-              <a:rPr lang="en-US" altLang="zh-TW" dirty="0" smtClean="0">
-                <a:latin typeface="Consolas" panose="020B0609020204030204" pitchFamily="49" charset="0"/>
-              </a:rPr>
-              <a:t>  </a:t>
-            </a:r>
-            <a:r>
-              <a:rPr lang="en-US" altLang="zh-TW" dirty="0">
-                <a:latin typeface="Consolas" panose="020B0609020204030204" pitchFamily="49" charset="0"/>
-              </a:rPr>
-              <a:t>"reviews": </a:t>
-            </a:r>
-            <a:r>
-              <a:rPr lang="en-US" altLang="zh-TW" dirty="0" smtClean="0">
-                <a:latin typeface="Consolas" panose="020B0609020204030204" pitchFamily="49" charset="0"/>
-              </a:rPr>
-              <a:t>[</a:t>
-            </a:r>
-            <a:br>
-              <a:rPr lang="en-US" altLang="zh-TW" dirty="0" smtClean="0">
-                <a:latin typeface="Consolas" panose="020B0609020204030204" pitchFamily="49" charset="0"/>
-              </a:rPr>
-            </a:br>
-            <a:r>
-              <a:rPr lang="en-US" altLang="zh-TW" dirty="0" smtClean="0">
-                <a:latin typeface="Consolas" panose="020B0609020204030204" pitchFamily="49" charset="0"/>
-              </a:rPr>
-              <a:t>    {</a:t>
-            </a:r>
-            <a:br>
-              <a:rPr lang="en-US" altLang="zh-TW" dirty="0" smtClean="0">
-                <a:latin typeface="Consolas" panose="020B0609020204030204" pitchFamily="49" charset="0"/>
-              </a:rPr>
-            </a:br>
-            <a:r>
-              <a:rPr lang="en-US" altLang="zh-TW" dirty="0" smtClean="0">
-                <a:latin typeface="Consolas" panose="020B0609020204030204" pitchFamily="49" charset="0"/>
-              </a:rPr>
-              <a:t>      </a:t>
-            </a:r>
-            <a:r>
-              <a:rPr lang="en-US" altLang="zh-TW" dirty="0">
-                <a:latin typeface="Consolas" panose="020B0609020204030204" pitchFamily="49" charset="0"/>
-              </a:rPr>
-              <a:t>"</a:t>
-            </a:r>
-            <a:r>
-              <a:rPr lang="en-US" altLang="zh-TW" dirty="0" err="1">
-                <a:latin typeface="Consolas" panose="020B0609020204030204" pitchFamily="49" charset="0"/>
-              </a:rPr>
-              <a:t>url</a:t>
-            </a:r>
-            <a:r>
-              <a:rPr lang="en-US" altLang="zh-TW" dirty="0">
-                <a:latin typeface="Consolas" panose="020B0609020204030204" pitchFamily="49" charset="0"/>
-              </a:rPr>
-              <a:t>": </a:t>
-            </a:r>
-            <a:r>
-              <a:rPr lang="en-US" altLang="zh-TW" dirty="0" smtClean="0">
-                <a:latin typeface="Consolas" panose="020B0609020204030204" pitchFamily="49" charset="0"/>
-              </a:rPr>
-              <a:t>“…",</a:t>
-            </a:r>
-            <a:br>
-              <a:rPr lang="en-US" altLang="zh-TW" dirty="0" smtClean="0">
-                <a:latin typeface="Consolas" panose="020B0609020204030204" pitchFamily="49" charset="0"/>
-              </a:rPr>
-            </a:br>
-            <a:r>
-              <a:rPr lang="en-US" altLang="zh-TW" dirty="0" smtClean="0">
-                <a:latin typeface="Consolas" panose="020B0609020204030204" pitchFamily="49" charset="0"/>
-              </a:rPr>
-              <a:t>      </a:t>
-            </a:r>
-            <a:r>
-              <a:rPr lang="en-US" altLang="zh-TW" dirty="0">
-                <a:latin typeface="Consolas" panose="020B0609020204030204" pitchFamily="49" charset="0"/>
-              </a:rPr>
-              <a:t>"text": "I normally don't find Starbucks all that remarkable but this is the nicest one I've ever been to!! The staff is SO nice and takes the time to explain this</a:t>
-            </a:r>
-            <a:r>
-              <a:rPr lang="en-US" altLang="zh-TW" dirty="0" smtClean="0">
-                <a:latin typeface="Consolas" panose="020B0609020204030204" pitchFamily="49" charset="0"/>
-              </a:rPr>
-              <a:t>...",</a:t>
-            </a:r>
-            <a:br>
-              <a:rPr lang="en-US" altLang="zh-TW" dirty="0" smtClean="0">
-                <a:latin typeface="Consolas" panose="020B0609020204030204" pitchFamily="49" charset="0"/>
-              </a:rPr>
-            </a:br>
-            <a:r>
-              <a:rPr lang="en-US" altLang="zh-TW" dirty="0" smtClean="0">
-                <a:latin typeface="Consolas" panose="020B0609020204030204" pitchFamily="49" charset="0"/>
-              </a:rPr>
-              <a:t>      </a:t>
-            </a:r>
-            <a:r>
-              <a:rPr lang="en-US" altLang="zh-TW" dirty="0">
-                <a:latin typeface="Consolas" panose="020B0609020204030204" pitchFamily="49" charset="0"/>
-              </a:rPr>
-              <a:t>"rating": 5</a:t>
-            </a:r>
-            <a:r>
-              <a:rPr lang="en-US" altLang="zh-TW" dirty="0" smtClean="0">
-                <a:latin typeface="Consolas" panose="020B0609020204030204" pitchFamily="49" charset="0"/>
-              </a:rPr>
-              <a:t>,</a:t>
-            </a:r>
-            <a:br>
-              <a:rPr lang="en-US" altLang="zh-TW" dirty="0" smtClean="0">
-                <a:latin typeface="Consolas" panose="020B0609020204030204" pitchFamily="49" charset="0"/>
-              </a:rPr>
-            </a:br>
-            <a:r>
-              <a:rPr lang="en-US" altLang="zh-TW" dirty="0" smtClean="0">
-                <a:latin typeface="Consolas" panose="020B0609020204030204" pitchFamily="49" charset="0"/>
-              </a:rPr>
-              <a:t>      </a:t>
-            </a:r>
-            <a:r>
-              <a:rPr lang="en-US" altLang="zh-TW" dirty="0">
-                <a:latin typeface="Consolas" panose="020B0609020204030204" pitchFamily="49" charset="0"/>
-              </a:rPr>
-              <a:t>"user": </a:t>
-            </a:r>
-            <a:r>
-              <a:rPr lang="en-US" altLang="zh-TW" dirty="0" smtClean="0">
-                <a:latin typeface="Consolas" panose="020B0609020204030204" pitchFamily="49" charset="0"/>
-              </a:rPr>
-              <a:t>{</a:t>
-            </a:r>
-            <a:br>
-              <a:rPr lang="en-US" altLang="zh-TW" dirty="0" smtClean="0">
-                <a:latin typeface="Consolas" panose="020B0609020204030204" pitchFamily="49" charset="0"/>
-              </a:rPr>
-            </a:br>
-            <a:r>
-              <a:rPr lang="en-US" altLang="zh-TW" dirty="0" smtClean="0">
-                <a:latin typeface="Consolas" panose="020B0609020204030204" pitchFamily="49" charset="0"/>
-              </a:rPr>
-              <a:t>        </a:t>
-            </a:r>
-            <a:r>
-              <a:rPr lang="en-US" altLang="zh-TW" dirty="0">
-                <a:latin typeface="Consolas" panose="020B0609020204030204" pitchFamily="49" charset="0"/>
-              </a:rPr>
-              <a:t>"</a:t>
-            </a:r>
-            <a:r>
-              <a:rPr lang="en-US" altLang="zh-TW" dirty="0" err="1">
-                <a:latin typeface="Consolas" panose="020B0609020204030204" pitchFamily="49" charset="0"/>
-              </a:rPr>
-              <a:t>image_url</a:t>
-            </a:r>
-            <a:r>
-              <a:rPr lang="en-US" altLang="zh-TW" dirty="0">
-                <a:latin typeface="Consolas" panose="020B0609020204030204" pitchFamily="49" charset="0"/>
-              </a:rPr>
-              <a:t>": </a:t>
-            </a:r>
-            <a:r>
-              <a:rPr lang="en-US" altLang="zh-TW" dirty="0" smtClean="0">
-                <a:latin typeface="Consolas" panose="020B0609020204030204" pitchFamily="49" charset="0"/>
-              </a:rPr>
-              <a:t>“…",</a:t>
-            </a:r>
-            <a:br>
-              <a:rPr lang="en-US" altLang="zh-TW" dirty="0" smtClean="0">
-                <a:latin typeface="Consolas" panose="020B0609020204030204" pitchFamily="49" charset="0"/>
-              </a:rPr>
-            </a:br>
-            <a:r>
-              <a:rPr lang="en-US" altLang="zh-TW" dirty="0" smtClean="0">
-                <a:latin typeface="Consolas" panose="020B0609020204030204" pitchFamily="49" charset="0"/>
-              </a:rPr>
-              <a:t>        </a:t>
-            </a:r>
-            <a:r>
-              <a:rPr lang="en-US" altLang="zh-TW" dirty="0">
-                <a:latin typeface="Consolas" panose="020B0609020204030204" pitchFamily="49" charset="0"/>
-              </a:rPr>
-              <a:t>"name": "Emily C</a:t>
-            </a:r>
-            <a:r>
-              <a:rPr lang="en-US" altLang="zh-TW" dirty="0" smtClean="0">
-                <a:latin typeface="Consolas" panose="020B0609020204030204" pitchFamily="49" charset="0"/>
-              </a:rPr>
-              <a:t>.“</a:t>
-            </a:r>
-            <a:br>
-              <a:rPr lang="en-US" altLang="zh-TW" dirty="0" smtClean="0">
-                <a:latin typeface="Consolas" panose="020B0609020204030204" pitchFamily="49" charset="0"/>
-              </a:rPr>
-            </a:br>
-            <a:r>
-              <a:rPr lang="en-US" altLang="zh-TW" dirty="0" smtClean="0">
-                <a:latin typeface="Consolas" panose="020B0609020204030204" pitchFamily="49" charset="0"/>
-              </a:rPr>
-              <a:t>      },</a:t>
-            </a:r>
-            <a:br>
-              <a:rPr lang="en-US" altLang="zh-TW" dirty="0" smtClean="0">
-                <a:latin typeface="Consolas" panose="020B0609020204030204" pitchFamily="49" charset="0"/>
-              </a:rPr>
-            </a:br>
-            <a:r>
-              <a:rPr lang="en-US" altLang="zh-TW" dirty="0" smtClean="0">
-                <a:latin typeface="Consolas" panose="020B0609020204030204" pitchFamily="49" charset="0"/>
-              </a:rPr>
-              <a:t>      </a:t>
-            </a:r>
-            <a:r>
-              <a:rPr lang="en-US" altLang="zh-TW" dirty="0">
-                <a:latin typeface="Consolas" panose="020B0609020204030204" pitchFamily="49" charset="0"/>
-              </a:rPr>
-              <a:t>"</a:t>
-            </a:r>
-            <a:r>
-              <a:rPr lang="en-US" altLang="zh-TW" dirty="0" err="1">
-                <a:latin typeface="Consolas" panose="020B0609020204030204" pitchFamily="49" charset="0"/>
-              </a:rPr>
-              <a:t>time_created</a:t>
-            </a:r>
-            <a:r>
-              <a:rPr lang="en-US" altLang="zh-TW" dirty="0">
-                <a:latin typeface="Consolas" panose="020B0609020204030204" pitchFamily="49" charset="0"/>
-              </a:rPr>
-              <a:t>": "2017-06-10 04:09:58"</a:t>
-            </a:r>
-          </a:p>
-        </p:txBody>
-      </p:sp>
-    </p:spTree>
-    <p:extLst>
-      <p:ext uri="{BB962C8B-B14F-4D97-AF65-F5344CB8AC3E}">
-        <p14:creationId xmlns:p14="http://schemas.microsoft.com/office/powerpoint/2010/main" val="1376789628"/>
-      </p:ext>
-    </p:extLst>
-  </p:cSld>
-  <p:clrMapOvr>
-    <a:masterClrMapping/>
-  </p:clrMapOvr>
-  <p:timing>
-    <p:tnLst>
-      <p:par>
-        <p:cTn id="1" dur="indefinite" restart="never" nodeType="tmRoot"/>
-      </p:par>
-    </p:tnLst>
-  </p:timing>
-</p:sld>
-</file>
-
-<file path=ppt/slides/slide19.xml><?xml version="1.0" encoding="utf-8"?>
-<p:sld xmlns:a="http://schemas.openxmlformats.org/drawingml/2006/main" xmlns:r="http://schemas.openxmlformats.org/officeDocument/2006/relationships" xmlns:p="http://schemas.openxmlformats.org/presentationml/2006/main">
-  <p:cSld>
-    <p:spTree>
-      <p:nvGrpSpPr>
-        <p:cNvPr id="1" name=""/>
-        <p:cNvGrpSpPr/>
-        <p:nvPr/>
-      </p:nvGrpSpPr>
-      <p:grpSpPr>
-        <a:xfrm>
-          <a:off x="0" y="0"/>
-          <a:ext cx="0" cy="0"/>
-          <a:chOff x="0" y="0"/>
-          <a:chExt cx="0" cy="0"/>
-        </a:xfrm>
-      </p:grpSpPr>
-      <p:sp>
-        <p:nvSpPr>
-          <p:cNvPr id="2" name="標題 1"/>
-          <p:cNvSpPr>
-            <a:spLocks noGrp="1"/>
-          </p:cNvSpPr>
-          <p:nvPr>
-            <p:ph type="title"/>
-          </p:nvPr>
-        </p:nvSpPr>
-        <p:spPr/>
-        <p:txBody>
-          <a:bodyPr/>
-          <a:lstStyle/>
-          <a:p>
-            <a:r>
-              <a:rPr lang="zh-TW" altLang="en-US" dirty="0" smtClean="0"/>
-              <a:t>目前存在之</a:t>
-            </a:r>
-            <a:r>
-              <a:rPr lang="zh-TW" altLang="en-US" dirty="0"/>
-              <a:t>應用</a:t>
-            </a:r>
-          </a:p>
-        </p:txBody>
-      </p:sp>
-      <p:sp>
-        <p:nvSpPr>
-          <p:cNvPr id="3" name="內容版面配置區 2"/>
-          <p:cNvSpPr>
-            <a:spLocks noGrp="1"/>
-          </p:cNvSpPr>
-          <p:nvPr>
-            <p:ph idx="1"/>
-          </p:nvPr>
-        </p:nvSpPr>
-        <p:spPr/>
-        <p:txBody>
-          <a:bodyPr/>
-          <a:lstStyle/>
-          <a:p>
-            <a:r>
-              <a:rPr lang="en-US" altLang="zh-TW" dirty="0" smtClean="0"/>
-              <a:t>GRAPHIQ:</a:t>
-            </a:r>
-            <a:r>
-              <a:rPr lang="zh-TW" altLang="en-US" dirty="0" smtClean="0"/>
-              <a:t> </a:t>
-            </a:r>
-            <a:r>
-              <a:rPr lang="en-US" altLang="zh-TW" dirty="0" smtClean="0">
-                <a:hlinkClick r:id="rId2"/>
-              </a:rPr>
-              <a:t>https</a:t>
-            </a:r>
-            <a:r>
-              <a:rPr lang="en-US" altLang="zh-TW" dirty="0">
-                <a:hlinkClick r:id="rId2"/>
-              </a:rPr>
-              <a:t>://www.graphiq.com</a:t>
-            </a:r>
-            <a:r>
-              <a:rPr lang="en-US" altLang="zh-TW" dirty="0" smtClean="0">
-                <a:hlinkClick r:id="rId2"/>
-              </a:rPr>
-              <a:t>/</a:t>
-            </a:r>
-            <a:endParaRPr lang="en-US" altLang="zh-TW" dirty="0" smtClean="0"/>
-          </a:p>
-          <a:p>
-            <a:pPr lvl="1"/>
-            <a:r>
-              <a:rPr lang="zh-TW" altLang="en-US" dirty="0" smtClean="0"/>
-              <a:t>可以搜尋關於該地區的圖形資訊，例如：天氣、地形等</a:t>
-            </a:r>
-            <a:endParaRPr lang="en-US" altLang="zh-TW" dirty="0" smtClean="0"/>
-          </a:p>
-          <a:p>
-            <a:endParaRPr lang="en-US" altLang="zh-TW" dirty="0" smtClean="0"/>
-          </a:p>
-          <a:p>
-            <a:r>
-              <a:rPr lang="en-US" altLang="zh-TW" dirty="0" smtClean="0"/>
-              <a:t>Yelp</a:t>
-            </a:r>
-          </a:p>
-          <a:p>
-            <a:pPr lvl="1"/>
-            <a:r>
-              <a:rPr lang="zh-TW" altLang="en-US" dirty="0"/>
-              <a:t>手機</a:t>
-            </a:r>
-            <a:r>
-              <a:rPr lang="en-US" altLang="zh-TW" dirty="0"/>
-              <a:t>APP</a:t>
-            </a:r>
-            <a:r>
-              <a:rPr lang="zh-TW" altLang="en-US" dirty="0"/>
-              <a:t>，可搜尋自己附近或是指定位置附近的店家或景點資訊</a:t>
-            </a:r>
-            <a:r>
-              <a:rPr lang="zh-TW" altLang="en-US" dirty="0" smtClean="0"/>
-              <a:t>。</a:t>
-            </a:r>
-            <a:endParaRPr lang="en-US" altLang="zh-TW" dirty="0" smtClean="0"/>
-          </a:p>
-          <a:p>
-            <a:endParaRPr lang="en-US" altLang="zh-TW" dirty="0" smtClean="0"/>
-          </a:p>
-          <a:p>
-            <a:r>
-              <a:rPr lang="en-US" altLang="zh-TW" dirty="0"/>
-              <a:t>Yelp Fusion</a:t>
-            </a:r>
-          </a:p>
-          <a:p>
-            <a:pPr lvl="1"/>
-            <a:r>
-              <a:rPr lang="en-US" altLang="zh-TW" dirty="0"/>
-              <a:t>Yelp</a:t>
-            </a:r>
-            <a:r>
-              <a:rPr lang="zh-TW" altLang="en-US" dirty="0"/>
-              <a:t>宣布結合</a:t>
-            </a:r>
-            <a:r>
-              <a:rPr lang="en-US" altLang="zh-TW" dirty="0"/>
-              <a:t>Fusion</a:t>
-            </a:r>
-            <a:r>
-              <a:rPr lang="zh-TW" altLang="en-US" dirty="0"/>
-              <a:t> </a:t>
-            </a:r>
-            <a:r>
-              <a:rPr lang="en-US" altLang="zh-TW" dirty="0" err="1"/>
-              <a:t>api</a:t>
-            </a:r>
-            <a:r>
-              <a:rPr lang="zh-TW" altLang="en-US" dirty="0"/>
-              <a:t>，可將搜尋結果最佳化及細分化，以及全天候的緩存，在搜尋某些資料時可以更加快速。</a:t>
-            </a:r>
-            <a:endParaRPr lang="en-US" altLang="zh-TW" dirty="0"/>
-          </a:p>
-          <a:p>
-            <a:pPr lvl="1"/>
-            <a:endParaRPr lang="en-US" altLang="zh-TW" dirty="0" smtClean="0"/>
-          </a:p>
-        </p:txBody>
-      </p:sp>
-    </p:spTree>
-    <p:extLst>
-      <p:ext uri="{BB962C8B-B14F-4D97-AF65-F5344CB8AC3E}">
-        <p14:creationId xmlns:p14="http://schemas.microsoft.com/office/powerpoint/2010/main" val="366612798"/>
-      </p:ext>
-    </p:extLst>
-  </p:cSld>
-  <p:clrMapOvr>
-    <a:masterClrMapping/>
-  </p:clrMapOvr>
-  <p:timing>
-    <p:tnLst>
-      <p:par>
-        <p:cTn id="1" dur="indefinite" restart="never" nodeType="tmRoot"/>
-      </p:par>
-    </p:tnLst>
-  </p:timing>
-</p:sld>
-</file>
-
-<file path=ppt/slides/slide2.xml><?xml version="1.0" encoding="utf-8"?>
-<p:sld xmlns:a="http://schemas.openxmlformats.org/drawingml/2006/main" xmlns:r="http://schemas.openxmlformats.org/officeDocument/2006/relationships" xmlns:p="http://schemas.openxmlformats.org/presentationml/2006/main">
-  <p:cSld>
-    <p:spTree>
-      <p:nvGrpSpPr>
-        <p:cNvPr id="1" name=""/>
-        <p:cNvGrpSpPr/>
-        <p:nvPr/>
-      </p:nvGrpSpPr>
-      <p:grpSpPr>
-        <a:xfrm>
-          <a:off x="0" y="0"/>
-          <a:ext cx="0" cy="0"/>
-          <a:chOff x="0" y="0"/>
-          <a:chExt cx="0" cy="0"/>
-        </a:xfrm>
-      </p:grpSpPr>
-      <p:sp>
-        <p:nvSpPr>
-          <p:cNvPr id="2" name="標題 1"/>
-          <p:cNvSpPr>
-            <a:spLocks noGrp="1"/>
-          </p:cNvSpPr>
-          <p:nvPr>
-            <p:ph type="title"/>
-          </p:nvPr>
-        </p:nvSpPr>
-        <p:spPr/>
-        <p:txBody>
-          <a:bodyPr/>
-          <a:lstStyle/>
-          <a:p>
-            <a:r>
-              <a:rPr lang="en-US" altLang="zh-TW" dirty="0" smtClean="0">
-                <a:latin typeface="+mn-ea"/>
-                <a:ea typeface="+mn-ea"/>
-              </a:rPr>
-              <a:t>Yelp API</a:t>
-            </a:r>
-            <a:r>
-              <a:rPr lang="zh-TW" altLang="en-US" dirty="0" smtClean="0">
-                <a:latin typeface="+mn-ea"/>
-                <a:ea typeface="+mn-ea"/>
-              </a:rPr>
-              <a:t>簡介</a:t>
-            </a:r>
-            <a:endParaRPr lang="zh-TW" altLang="en-US" dirty="0">
-              <a:latin typeface="+mn-ea"/>
-              <a:ea typeface="+mn-ea"/>
-            </a:endParaRPr>
-          </a:p>
-        </p:txBody>
-      </p:sp>
-      <p:sp>
-        <p:nvSpPr>
-          <p:cNvPr id="3" name="內容版面配置區 2"/>
-          <p:cNvSpPr>
-            <a:spLocks noGrp="1"/>
-          </p:cNvSpPr>
-          <p:nvPr>
-            <p:ph idx="1"/>
-          </p:nvPr>
-        </p:nvSpPr>
-        <p:spPr/>
-        <p:txBody>
-          <a:bodyPr>
-            <a:normAutofit/>
-          </a:bodyPr>
-          <a:lstStyle/>
-          <a:p>
-            <a:r>
-              <a:rPr lang="en-US" altLang="zh-TW" dirty="0">
-                <a:latin typeface="+mn-ea"/>
-              </a:rPr>
-              <a:t>Yelp</a:t>
-            </a:r>
-            <a:r>
-              <a:rPr lang="zh-TW" altLang="en-US" dirty="0">
-                <a:latin typeface="+mn-ea"/>
-              </a:rPr>
-              <a:t>是美國最大的點評網站，被稱作「美國版的大眾點評」， </a:t>
-            </a:r>
-            <a:r>
-              <a:rPr lang="en-US" altLang="zh-TW" dirty="0">
-                <a:latin typeface="+mn-ea"/>
-              </a:rPr>
-              <a:t>2004</a:t>
-            </a:r>
-            <a:r>
-              <a:rPr lang="zh-TW" altLang="en-US" dirty="0">
-                <a:latin typeface="+mn-ea"/>
-              </a:rPr>
-              <a:t>年創立於加州舊金山。在</a:t>
-            </a:r>
-            <a:r>
-              <a:rPr lang="en-US" altLang="zh-TW" dirty="0">
-                <a:latin typeface="+mn-ea"/>
-              </a:rPr>
-              <a:t>O2O</a:t>
-            </a:r>
-            <a:r>
-              <a:rPr lang="zh-TW" altLang="en-US" dirty="0">
-                <a:latin typeface="+mn-ea"/>
-              </a:rPr>
-              <a:t>的平台上，</a:t>
-            </a:r>
-            <a:r>
-              <a:rPr lang="en-US" altLang="zh-TW" dirty="0">
-                <a:latin typeface="+mn-ea"/>
-              </a:rPr>
-              <a:t>Yelp</a:t>
-            </a:r>
-            <a:r>
-              <a:rPr lang="zh-TW" altLang="en-US" dirty="0">
-                <a:latin typeface="+mn-ea"/>
-              </a:rPr>
-              <a:t>的移動端平台觸及的用戶算是名列前茅</a:t>
-            </a:r>
-            <a:br>
-              <a:rPr lang="zh-TW" altLang="en-US" dirty="0">
-                <a:latin typeface="+mn-ea"/>
-              </a:rPr>
-            </a:br>
-            <a:endParaRPr lang="en-US" altLang="zh-TW" dirty="0">
-              <a:latin typeface="+mn-ea"/>
-            </a:endParaRPr>
-          </a:p>
-          <a:p>
-            <a:pPr fontAlgn="base"/>
-            <a:r>
-              <a:rPr lang="zh-TW" altLang="en-US" dirty="0" smtClean="0">
-                <a:latin typeface="+mn-ea"/>
-              </a:rPr>
-              <a:t>透過</a:t>
-            </a:r>
-            <a:r>
-              <a:rPr lang="en-US" altLang="zh-TW" dirty="0" smtClean="0">
-                <a:latin typeface="+mn-ea"/>
-              </a:rPr>
-              <a:t>Yelp API</a:t>
-            </a:r>
-            <a:r>
-              <a:rPr lang="zh-TW" altLang="en-US" dirty="0" smtClean="0">
-                <a:latin typeface="+mn-ea"/>
-              </a:rPr>
-              <a:t>便可取得</a:t>
-            </a:r>
-            <a:r>
-              <a:rPr lang="en-US" altLang="zh-TW" dirty="0" smtClean="0">
-                <a:latin typeface="+mn-ea"/>
-              </a:rPr>
-              <a:t>Yelp</a:t>
-            </a:r>
-            <a:r>
-              <a:rPr lang="zh-TW" altLang="en-US" dirty="0" smtClean="0">
-                <a:latin typeface="+mn-ea"/>
-              </a:rPr>
-              <a:t>以下的資料</a:t>
-            </a:r>
-            <a:endParaRPr lang="en-US" altLang="zh-TW" dirty="0" smtClean="0">
-              <a:latin typeface="+mn-ea"/>
-            </a:endParaRPr>
-          </a:p>
-          <a:p>
-            <a:pPr marL="457200" lvl="1" indent="0" fontAlgn="base">
-              <a:buNone/>
-            </a:pPr>
-            <a:r>
-              <a:rPr lang="en-US" altLang="zh-TW" sz="1800" b="1" dirty="0" smtClean="0">
-                <a:latin typeface="+mn-ea"/>
-                <a:hlinkClick r:id="rId2"/>
-              </a:rPr>
-              <a:t>Search</a:t>
-            </a:r>
-            <a:r>
-              <a:rPr lang="zh-TW" altLang="en-US" sz="1800" b="1" dirty="0" smtClean="0">
-                <a:latin typeface="+mn-ea"/>
-              </a:rPr>
-              <a:t> </a:t>
-            </a:r>
-            <a:r>
-              <a:rPr lang="en-US" altLang="zh-TW" sz="1800" b="1" dirty="0" smtClean="0">
-                <a:latin typeface="+mn-ea"/>
-              </a:rPr>
-              <a:t>:</a:t>
-            </a:r>
-            <a:r>
-              <a:rPr lang="zh-TW" altLang="en-US" sz="1800" b="1" dirty="0" smtClean="0">
-                <a:latin typeface="+mn-ea"/>
-              </a:rPr>
-              <a:t> </a:t>
-            </a:r>
-            <a:r>
-              <a:rPr lang="zh-TW" altLang="en-US" sz="1800" dirty="0" smtClean="0">
-                <a:latin typeface="+mn-ea"/>
-              </a:rPr>
-              <a:t>通過關鍵字，位置，類別查找企業，甚至價格水平！</a:t>
-            </a:r>
-            <a:endParaRPr lang="en-US" altLang="zh-TW" sz="1800" dirty="0" smtClean="0">
-              <a:latin typeface="+mn-ea"/>
-            </a:endParaRPr>
-          </a:p>
-          <a:p>
-            <a:pPr marL="457200" lvl="1" indent="0" fontAlgn="base">
-              <a:buNone/>
-            </a:pPr>
-            <a:r>
-              <a:rPr lang="en-US" altLang="zh-TW" sz="1800" b="1" u="sng" dirty="0">
-                <a:latin typeface="+mn-ea"/>
-                <a:hlinkClick r:id="rId3"/>
-              </a:rPr>
-              <a:t>Phone </a:t>
-            </a:r>
-            <a:r>
-              <a:rPr lang="en-US" altLang="zh-TW" sz="1800" b="1" u="sng" dirty="0" smtClean="0">
-                <a:latin typeface="+mn-ea"/>
-                <a:hlinkClick r:id="rId3"/>
-              </a:rPr>
-              <a:t>Search</a:t>
-            </a:r>
-            <a:r>
-              <a:rPr lang="zh-TW" altLang="en-US" sz="1800" b="1" dirty="0">
-                <a:latin typeface="+mn-ea"/>
-              </a:rPr>
-              <a:t> </a:t>
-            </a:r>
-            <a:r>
-              <a:rPr lang="en-US" altLang="zh-TW" sz="1800" b="1" dirty="0" smtClean="0">
-                <a:latin typeface="+mn-ea"/>
-              </a:rPr>
-              <a:t>:</a:t>
-            </a:r>
-            <a:r>
-              <a:rPr lang="zh-TW" altLang="en-US" sz="1800" b="1" dirty="0" smtClean="0">
-                <a:latin typeface="+mn-ea"/>
-              </a:rPr>
-              <a:t> </a:t>
-            </a:r>
-            <a:r>
-              <a:rPr lang="zh-TW" altLang="en-US" sz="1800" dirty="0" smtClean="0">
-                <a:latin typeface="+mn-ea"/>
-              </a:rPr>
-              <a:t>使用</a:t>
-            </a:r>
-            <a:r>
-              <a:rPr lang="zh-TW" altLang="en-US" sz="1800" dirty="0">
-                <a:latin typeface="+mn-ea"/>
-              </a:rPr>
-              <a:t>電話號碼搜索商家</a:t>
-            </a:r>
-            <a:r>
-              <a:rPr lang="zh-TW" altLang="en-US" sz="1800" dirty="0" smtClean="0">
-                <a:latin typeface="+mn-ea"/>
-              </a:rPr>
-              <a:t>。</a:t>
-            </a:r>
-            <a:endParaRPr lang="en-US" altLang="zh-TW" sz="1800" dirty="0" smtClean="0">
-              <a:latin typeface="+mn-ea"/>
-            </a:endParaRPr>
-          </a:p>
-          <a:p>
-            <a:pPr marL="457200" lvl="1" indent="0" fontAlgn="base">
-              <a:buNone/>
-            </a:pPr>
-            <a:r>
-              <a:rPr lang="en-US" altLang="zh-TW" sz="1800" b="1" u="sng" dirty="0">
-                <a:latin typeface="+mn-ea"/>
-                <a:hlinkClick r:id="rId4"/>
-              </a:rPr>
-              <a:t>Transaction </a:t>
-            </a:r>
-            <a:r>
-              <a:rPr lang="en-US" altLang="zh-TW" sz="1800" b="1" u="sng" dirty="0" smtClean="0">
-                <a:latin typeface="+mn-ea"/>
-                <a:hlinkClick r:id="rId4"/>
-              </a:rPr>
-              <a:t>Search</a:t>
-            </a:r>
-            <a:r>
-              <a:rPr lang="zh-TW" altLang="en-US" sz="1800" b="1" dirty="0">
-                <a:latin typeface="+mn-ea"/>
-              </a:rPr>
-              <a:t> </a:t>
-            </a:r>
-            <a:r>
-              <a:rPr lang="en-US" altLang="zh-TW" sz="1800" b="1" dirty="0" smtClean="0">
-                <a:latin typeface="+mn-ea"/>
-              </a:rPr>
-              <a:t>:</a:t>
-            </a:r>
-            <a:r>
-              <a:rPr lang="zh-TW" altLang="en-US" sz="1800" b="1" dirty="0" smtClean="0">
-                <a:latin typeface="+mn-ea"/>
-              </a:rPr>
-              <a:t> </a:t>
-            </a:r>
-            <a:r>
-              <a:rPr lang="zh-TW" altLang="en-US" sz="1800" dirty="0" smtClean="0">
-                <a:latin typeface="+mn-ea"/>
-              </a:rPr>
-              <a:t>搜索</a:t>
-            </a:r>
-            <a:r>
-              <a:rPr lang="zh-TW" altLang="en-US" sz="1800" dirty="0">
-                <a:latin typeface="+mn-ea"/>
-              </a:rPr>
-              <a:t>支持某些交易的企業，如食品交付和提貨</a:t>
-            </a:r>
-            <a:r>
-              <a:rPr lang="zh-TW" altLang="en-US" sz="1800" dirty="0" smtClean="0">
-                <a:latin typeface="+mn-ea"/>
-              </a:rPr>
-              <a:t>。</a:t>
-            </a:r>
-            <a:endParaRPr lang="en-US" altLang="zh-TW" sz="1800" dirty="0" smtClean="0">
-              <a:latin typeface="+mn-ea"/>
-            </a:endParaRPr>
-          </a:p>
-          <a:p>
-            <a:pPr marL="457200" lvl="1" indent="0" fontAlgn="base">
-              <a:buNone/>
-            </a:pPr>
-            <a:r>
-              <a:rPr lang="en-US" altLang="zh-TW" sz="1800" b="1" dirty="0" smtClean="0">
-                <a:latin typeface="+mn-ea"/>
-                <a:hlinkClick r:id="rId5"/>
-              </a:rPr>
-              <a:t>Business</a:t>
-            </a:r>
-            <a:r>
-              <a:rPr lang="zh-TW" altLang="en-US" sz="1800" b="1" dirty="0" smtClean="0">
-                <a:latin typeface="+mn-ea"/>
-              </a:rPr>
-              <a:t> </a:t>
-            </a:r>
-            <a:r>
-              <a:rPr lang="en-US" altLang="zh-TW" sz="1800" b="1" dirty="0" smtClean="0">
-                <a:latin typeface="+mn-ea"/>
-              </a:rPr>
-              <a:t>:</a:t>
-            </a:r>
-            <a:r>
-              <a:rPr lang="zh-TW" altLang="en-US" sz="1800" b="1" dirty="0" smtClean="0">
-                <a:latin typeface="+mn-ea"/>
-              </a:rPr>
-              <a:t> </a:t>
-            </a:r>
-            <a:r>
-              <a:rPr lang="zh-TW" altLang="en-US" sz="1800" dirty="0" smtClean="0">
-                <a:latin typeface="+mn-ea"/>
-              </a:rPr>
-              <a:t>返回</a:t>
-            </a:r>
-            <a:r>
-              <a:rPr lang="zh-TW" altLang="en-US" sz="1800" dirty="0">
-                <a:latin typeface="+mn-ea"/>
-              </a:rPr>
-              <a:t>豐富的業務數據，如照片，</a:t>
-            </a:r>
-            <a:r>
-              <a:rPr lang="en-US" altLang="zh-TW" sz="1800" dirty="0">
-                <a:latin typeface="+mn-ea"/>
-              </a:rPr>
-              <a:t>Yelp</a:t>
-            </a:r>
-            <a:r>
-              <a:rPr lang="zh-TW" altLang="en-US" sz="1800" dirty="0">
-                <a:latin typeface="+mn-ea"/>
-              </a:rPr>
-              <a:t>評級，價格水平和營業時間</a:t>
-            </a:r>
-            <a:r>
-              <a:rPr lang="zh-TW" altLang="en-US" sz="1800" dirty="0" smtClean="0">
-                <a:latin typeface="+mn-ea"/>
-              </a:rPr>
-              <a:t>。</a:t>
-            </a:r>
-            <a:endParaRPr lang="en-US" altLang="zh-TW" sz="1800" dirty="0" smtClean="0">
-              <a:latin typeface="+mn-ea"/>
-            </a:endParaRPr>
-          </a:p>
-          <a:p>
-            <a:pPr marL="457200" lvl="1" indent="0" fontAlgn="base">
-              <a:buNone/>
-            </a:pPr>
-            <a:r>
-              <a:rPr lang="en-US" altLang="zh-TW" sz="1800" b="1" u="sng" dirty="0" smtClean="0">
-                <a:latin typeface="+mn-ea"/>
-                <a:hlinkClick r:id="rId6"/>
-              </a:rPr>
-              <a:t>Reviews</a:t>
-            </a:r>
-            <a:r>
-              <a:rPr lang="zh-TW" altLang="en-US" sz="1800" b="1" dirty="0">
-                <a:latin typeface="+mn-ea"/>
-              </a:rPr>
-              <a:t> </a:t>
-            </a:r>
-            <a:r>
-              <a:rPr lang="en-US" altLang="zh-TW" sz="1800" b="1" dirty="0" smtClean="0">
-                <a:latin typeface="+mn-ea"/>
-              </a:rPr>
-              <a:t>:</a:t>
-            </a:r>
-            <a:r>
-              <a:rPr lang="zh-TW" altLang="en-US" sz="1800" b="1" dirty="0" smtClean="0">
-                <a:latin typeface="+mn-ea"/>
-              </a:rPr>
-              <a:t> </a:t>
-            </a:r>
-            <a:r>
-              <a:rPr lang="zh-TW" altLang="en-US" sz="1800" dirty="0" smtClean="0">
-                <a:latin typeface="+mn-ea"/>
-              </a:rPr>
-              <a:t>返回</a:t>
-            </a:r>
-            <a:r>
-              <a:rPr lang="zh-TW" altLang="en-US" sz="1800" dirty="0">
-                <a:latin typeface="+mn-ea"/>
-              </a:rPr>
-              <a:t>最多</a:t>
-            </a:r>
-            <a:r>
-              <a:rPr lang="en-US" altLang="zh-TW" sz="1800" dirty="0">
-                <a:latin typeface="+mn-ea"/>
-              </a:rPr>
-              <a:t>3</a:t>
-            </a:r>
-            <a:r>
-              <a:rPr lang="zh-TW" altLang="en-US" sz="1800" dirty="0">
-                <a:latin typeface="+mn-ea"/>
-              </a:rPr>
-              <a:t>個審查摘錄的業務</a:t>
-            </a:r>
-            <a:r>
-              <a:rPr lang="zh-TW" altLang="en-US" sz="1800" dirty="0" smtClean="0">
-                <a:latin typeface="+mn-ea"/>
-              </a:rPr>
-              <a:t>。</a:t>
-            </a:r>
-            <a:endParaRPr lang="en-US" altLang="zh-TW" sz="1800" dirty="0" smtClean="0">
-              <a:latin typeface="+mn-ea"/>
-            </a:endParaRPr>
-          </a:p>
-          <a:p>
-            <a:pPr marL="457200" lvl="1" indent="0" fontAlgn="base">
-              <a:buNone/>
-            </a:pPr>
-            <a:r>
-              <a:rPr lang="en-US" altLang="zh-TW" sz="1800" b="1" u="sng" dirty="0" smtClean="0">
-                <a:latin typeface="+mn-ea"/>
-                <a:hlinkClick r:id="rId7"/>
-              </a:rPr>
-              <a:t>Autocomplete</a:t>
-            </a:r>
-            <a:r>
-              <a:rPr lang="zh-TW" altLang="en-US" sz="1800" b="1" dirty="0" smtClean="0">
-                <a:latin typeface="+mn-ea"/>
-              </a:rPr>
-              <a:t> </a:t>
-            </a:r>
-            <a:r>
-              <a:rPr lang="en-US" altLang="zh-TW" sz="1800" b="1" dirty="0" smtClean="0">
-                <a:latin typeface="+mn-ea"/>
-              </a:rPr>
-              <a:t>:</a:t>
-            </a:r>
-            <a:r>
-              <a:rPr lang="zh-TW" altLang="en-US" sz="1800" b="1" dirty="0" smtClean="0">
-                <a:latin typeface="+mn-ea"/>
-              </a:rPr>
-              <a:t> </a:t>
-            </a:r>
-            <a:r>
-              <a:rPr lang="zh-TW" altLang="en-US" sz="1800" dirty="0" smtClean="0">
-                <a:latin typeface="+mn-ea"/>
-              </a:rPr>
-              <a:t>為</a:t>
-            </a:r>
-            <a:r>
-              <a:rPr lang="zh-TW" altLang="en-US" sz="1800" dirty="0">
-                <a:latin typeface="+mn-ea"/>
-              </a:rPr>
-              <a:t>企業，搜索關鍵字和類別提供自動填充建議。</a:t>
-            </a:r>
-          </a:p>
-          <a:p>
-            <a:endParaRPr lang="zh-TW" altLang="en-US" dirty="0">
-              <a:latin typeface="+mn-ea"/>
-            </a:endParaRPr>
-          </a:p>
-        </p:txBody>
-      </p:sp>
-    </p:spTree>
-    <p:extLst>
-      <p:ext uri="{BB962C8B-B14F-4D97-AF65-F5344CB8AC3E}">
-        <p14:creationId xmlns:p14="http://schemas.microsoft.com/office/powerpoint/2010/main" val="131943811"/>
-      </p:ext>
-    </p:extLst>
-  </p:cSld>
-  <p:clrMapOvr>
-    <a:masterClrMapping/>
-  </p:clrMapOvr>
-  <p:timing>
-    <p:tnLst>
-      <p:par>
-        <p:cTn id="1" dur="indefinite" restart="never" nodeType="tmRoot"/>
-      </p:par>
-    </p:tnLst>
-  </p:timing>
-</p:sld>
-</file>
-
-<file path=ppt/slides/slide20.xml><?xml version="1.0" encoding="utf-8"?>
-<p:sld xmlns:a="http://schemas.openxmlformats.org/drawingml/2006/main" xmlns:r="http://schemas.openxmlformats.org/officeDocument/2006/relationships" xmlns:p="http://schemas.openxmlformats.org/presentationml/2006/main">
-  <p:cSld>
-    <p:spTree>
-      <p:nvGrpSpPr>
-        <p:cNvPr id="1" name=""/>
-        <p:cNvGrpSpPr/>
-        <p:nvPr/>
-      </p:nvGrpSpPr>
-      <p:grpSpPr>
-        <a:xfrm>
-          <a:off x="0" y="0"/>
-          <a:ext cx="0" cy="0"/>
-          <a:chOff x="0" y="0"/>
-          <a:chExt cx="0" cy="0"/>
-        </a:xfrm>
-      </p:grpSpPr>
-      <p:sp>
-        <p:nvSpPr>
-          <p:cNvPr id="2" name="標題 1"/>
-          <p:cNvSpPr>
-            <a:spLocks noGrp="1"/>
-          </p:cNvSpPr>
-          <p:nvPr>
-            <p:ph type="title"/>
-          </p:nvPr>
-        </p:nvSpPr>
-        <p:spPr/>
-        <p:txBody>
-          <a:bodyPr/>
-          <a:lstStyle/>
-          <a:p>
-            <a:r>
-              <a:rPr lang="zh-TW" altLang="en-US" dirty="0"/>
-              <a:t>潛在之應用</a:t>
-            </a:r>
-          </a:p>
-        </p:txBody>
-      </p:sp>
-      <p:sp>
-        <p:nvSpPr>
-          <p:cNvPr id="3" name="內容版面配置區 2"/>
-          <p:cNvSpPr>
-            <a:spLocks noGrp="1"/>
-          </p:cNvSpPr>
-          <p:nvPr>
-            <p:ph idx="1"/>
-          </p:nvPr>
-        </p:nvSpPr>
-        <p:spPr/>
-        <p:txBody>
-          <a:bodyPr/>
-          <a:lstStyle/>
-          <a:p>
-            <a:r>
-              <a:rPr lang="zh-TW" altLang="en-US" dirty="0"/>
-              <a:t>結合分享及貼文，成為類社群網站</a:t>
-            </a:r>
-            <a:r>
-              <a:rPr lang="en-US" altLang="zh-TW" dirty="0" smtClean="0"/>
-              <a:t>APP</a:t>
-            </a:r>
-          </a:p>
-          <a:p>
-            <a:pPr lvl="1"/>
-            <a:r>
-              <a:rPr lang="zh-TW" altLang="en-US" dirty="0" smtClean="0"/>
-              <a:t>可</a:t>
-            </a:r>
-            <a:r>
-              <a:rPr lang="zh-TW" altLang="en-US" dirty="0"/>
-              <a:t>讓用戶貼文打卡或是推薦餐廳，其他用戶並可在下面留言，製作出類似社群網站的多人互動</a:t>
-            </a:r>
-            <a:r>
-              <a:rPr lang="en-US" altLang="zh-TW" dirty="0"/>
-              <a:t>APP</a:t>
-            </a:r>
-            <a:r>
-              <a:rPr lang="zh-TW" altLang="en-US" dirty="0" smtClean="0"/>
-              <a:t>。</a:t>
-            </a:r>
-            <a:endParaRPr lang="en-US" altLang="zh-TW" dirty="0" smtClean="0"/>
-          </a:p>
-          <a:p>
-            <a:endParaRPr lang="en-US" altLang="zh-TW" dirty="0" smtClean="0"/>
-          </a:p>
-          <a:p>
-            <a:r>
-              <a:rPr lang="zh-TW" altLang="en-US" dirty="0"/>
-              <a:t>開發商家端</a:t>
-            </a:r>
-            <a:r>
-              <a:rPr lang="en-US" altLang="zh-TW" dirty="0"/>
-              <a:t>APP</a:t>
-            </a:r>
-            <a:r>
-              <a:rPr lang="zh-TW" altLang="en-US" dirty="0"/>
-              <a:t>，藉由</a:t>
-            </a:r>
-            <a:r>
-              <a:rPr lang="en-US" altLang="zh-TW" dirty="0"/>
-              <a:t>SERVER</a:t>
-            </a:r>
-            <a:r>
-              <a:rPr lang="zh-TW" altLang="en-US" dirty="0"/>
-              <a:t>間的互動增進效益</a:t>
-            </a:r>
-            <a:endParaRPr lang="en-US" altLang="zh-TW" dirty="0"/>
-          </a:p>
-          <a:p>
-            <a:pPr lvl="1"/>
-            <a:r>
-              <a:rPr lang="zh-TW" altLang="en-US" dirty="0"/>
-              <a:t>可開發商家端</a:t>
-            </a:r>
-            <a:r>
-              <a:rPr lang="en-US" altLang="zh-TW" dirty="0"/>
-              <a:t>APP</a:t>
-            </a:r>
-            <a:r>
-              <a:rPr lang="zh-TW" altLang="en-US" dirty="0"/>
-              <a:t>，藉此可增加許多新功能，例如</a:t>
-            </a:r>
-            <a:r>
-              <a:rPr lang="en-US" altLang="zh-TW" dirty="0"/>
-              <a:t>:</a:t>
-            </a:r>
-            <a:r>
-              <a:rPr lang="zh-TW" altLang="en-US" dirty="0"/>
-              <a:t>線上訂位，店家即時更新菜單</a:t>
-            </a:r>
-            <a:r>
-              <a:rPr lang="en-US" altLang="zh-TW" dirty="0"/>
-              <a:t>….</a:t>
-            </a:r>
-            <a:r>
-              <a:rPr lang="zh-TW" altLang="en-US" dirty="0"/>
-              <a:t>等等。</a:t>
-            </a:r>
-            <a:endParaRPr lang="en-US" altLang="zh-TW" dirty="0"/>
-          </a:p>
-          <a:p>
-            <a:pPr lvl="1"/>
-            <a:endParaRPr lang="en-US" altLang="zh-TW" dirty="0"/>
-          </a:p>
-          <a:p>
-            <a:pPr marL="0" indent="0">
-              <a:buNone/>
-            </a:pPr>
-            <a:endParaRPr lang="en-US" altLang="zh-TW" dirty="0" smtClean="0"/>
-          </a:p>
-          <a:p>
-            <a:endParaRPr lang="en-US" altLang="zh-TW" dirty="0"/>
-          </a:p>
-          <a:p>
-            <a:endParaRPr lang="en-US" altLang="zh-TW" dirty="0" smtClean="0"/>
-          </a:p>
-          <a:p>
-            <a:pPr lvl="1"/>
-            <a:endParaRPr lang="en-US" altLang="zh-TW" dirty="0" smtClean="0"/>
-          </a:p>
-          <a:p>
-            <a:pPr lvl="1"/>
-            <a:endParaRPr lang="en-US" altLang="zh-TW" dirty="0"/>
-          </a:p>
-          <a:p>
-            <a:pPr lvl="1"/>
-            <a:endParaRPr lang="en-US" altLang="zh-TW" dirty="0" smtClean="0"/>
-          </a:p>
-          <a:p>
-            <a:pPr lvl="1"/>
-            <a:endParaRPr lang="en-US" altLang="zh-TW" dirty="0"/>
-          </a:p>
-          <a:p>
-            <a:pPr lvl="1"/>
-            <a:endParaRPr lang="en-US" altLang="zh-TW" dirty="0" smtClean="0"/>
-          </a:p>
-          <a:p>
-            <a:pPr lvl="1"/>
-            <a:endParaRPr lang="en-US" altLang="zh-TW" dirty="0" smtClean="0"/>
-          </a:p>
-        </p:txBody>
-      </p:sp>
-    </p:spTree>
-    <p:extLst>
-      <p:ext uri="{BB962C8B-B14F-4D97-AF65-F5344CB8AC3E}">
-        <p14:creationId xmlns:p14="http://schemas.microsoft.com/office/powerpoint/2010/main" val="1651168817"/>
-      </p:ext>
-    </p:extLst>
-  </p:cSld>
-  <p:clrMapOvr>
-    <a:masterClrMapping/>
-  </p:clrMapOvr>
-</p:sld>
-</file>
-
-<file path=ppt/slides/slide21.xml><?xml version="1.0" encoding="utf-8"?>
-<p:sld xmlns:a="http://schemas.openxmlformats.org/drawingml/2006/main" xmlns:r="http://schemas.openxmlformats.org/officeDocument/2006/relationships" xmlns:p="http://schemas.openxmlformats.org/presentationml/2006/main">
-  <p:cSld>
-    <p:spTree>
-      <p:nvGrpSpPr>
-        <p:cNvPr id="1" name=""/>
-        <p:cNvGrpSpPr/>
-        <p:nvPr/>
-      </p:nvGrpSpPr>
-      <p:grpSpPr>
-        <a:xfrm>
-          <a:off x="0" y="0"/>
-          <a:ext cx="0" cy="0"/>
-          <a:chOff x="0" y="0"/>
-          <a:chExt cx="0" cy="0"/>
-        </a:xfrm>
-      </p:grpSpPr>
-      <p:sp>
-        <p:nvSpPr>
-          <p:cNvPr id="2" name="標題 1"/>
-          <p:cNvSpPr>
-            <a:spLocks noGrp="1"/>
-          </p:cNvSpPr>
-          <p:nvPr>
-            <p:ph type="title"/>
-          </p:nvPr>
-        </p:nvSpPr>
-        <p:spPr/>
-        <p:txBody>
-          <a:bodyPr/>
-          <a:lstStyle/>
-          <a:p>
-            <a:r>
-              <a:rPr lang="en-US" altLang="zh-TW" dirty="0" err="1" smtClean="0"/>
-              <a:t>YelpBlaBla</a:t>
-            </a:r>
-            <a:r>
-              <a:rPr lang="zh-TW" altLang="en-US" dirty="0" smtClean="0"/>
-              <a:t>簡介</a:t>
-            </a:r>
-            <a:endParaRPr lang="zh-TW" altLang="en-US" dirty="0"/>
-          </a:p>
-        </p:txBody>
-      </p:sp>
-      <p:sp>
-        <p:nvSpPr>
-          <p:cNvPr id="3" name="內容版面配置區 2"/>
-          <p:cNvSpPr>
-            <a:spLocks noGrp="1"/>
-          </p:cNvSpPr>
-          <p:nvPr>
-            <p:ph idx="1"/>
-          </p:nvPr>
-        </p:nvSpPr>
-        <p:spPr/>
-        <p:txBody>
-          <a:bodyPr>
-            <a:normAutofit/>
-          </a:bodyPr>
-          <a:lstStyle/>
-          <a:p>
-            <a:r>
-              <a:rPr lang="zh-TW" altLang="en-US" sz="2000" b="1" dirty="0" smtClean="0"/>
-              <a:t>會員系統</a:t>
-            </a:r>
-            <a:endParaRPr lang="en-US" altLang="zh-TW" sz="2000" b="1" dirty="0"/>
-          </a:p>
-          <a:p>
-            <a:pPr marL="0" indent="0">
-              <a:buNone/>
-            </a:pPr>
-            <a:r>
-              <a:rPr lang="en-US" altLang="zh-TW" sz="2000" b="1" dirty="0" smtClean="0"/>
-              <a:t>	</a:t>
-            </a:r>
-            <a:r>
-              <a:rPr lang="zh-TW" altLang="en-US" dirty="0" smtClean="0"/>
-              <a:t>註冊 </a:t>
-            </a:r>
-            <a:r>
-              <a:rPr lang="en-US" altLang="zh-TW" dirty="0" smtClean="0"/>
-              <a:t>:</a:t>
-            </a:r>
-            <a:r>
-              <a:rPr lang="zh-TW" altLang="en-US" dirty="0" smtClean="0"/>
-              <a:t> 使用者輸入「</a:t>
-            </a:r>
-            <a:r>
-              <a:rPr lang="zh-TW" altLang="en-US" dirty="0"/>
-              <a:t>帳號」 「密碼」 「生日」 「姓名」 「使用者名稱</a:t>
-            </a:r>
-            <a:r>
-              <a:rPr lang="zh-TW" altLang="en-US" dirty="0" smtClean="0"/>
-              <a:t>」</a:t>
-            </a:r>
-            <a:r>
-              <a:rPr lang="zh-TW" altLang="en-US" dirty="0" smtClean="0"/>
-              <a:t>後</a:t>
-            </a:r>
-            <a:r>
-              <a:rPr lang="zh-TW" altLang="en-US" dirty="0"/>
-              <a:t>註冊</a:t>
-            </a:r>
-            <a:r>
-              <a:rPr lang="zh-TW" altLang="en-US" dirty="0" smtClean="0"/>
-              <a:t>。</a:t>
-            </a:r>
-            <a:r>
-              <a:rPr lang="en-US" altLang="zh-TW" dirty="0" smtClean="0"/>
-              <a:t/>
-            </a:r>
-            <a:br>
-              <a:rPr lang="en-US" altLang="zh-TW" dirty="0" smtClean="0"/>
-            </a:br>
-            <a:r>
-              <a:rPr lang="en-US" altLang="zh-TW" dirty="0" smtClean="0"/>
-              <a:t>	</a:t>
-            </a:r>
-            <a:r>
-              <a:rPr lang="zh-TW" altLang="en-US" dirty="0" smtClean="0"/>
-              <a:t>登入 </a:t>
-            </a:r>
-            <a:r>
-              <a:rPr lang="en-US" altLang="zh-TW" dirty="0" smtClean="0"/>
-              <a:t>:</a:t>
-            </a:r>
-            <a:r>
-              <a:rPr lang="zh-TW" altLang="en-US" dirty="0" smtClean="0"/>
-              <a:t> 使用者</a:t>
-            </a:r>
-            <a:r>
-              <a:rPr lang="zh-TW" altLang="en-US" dirty="0"/>
-              <a:t>輸入帳號密碼後登入。</a:t>
-            </a:r>
-            <a:endParaRPr lang="en-US" altLang="zh-TW" dirty="0"/>
-          </a:p>
-          <a:p>
-            <a:r>
-              <a:rPr lang="zh-TW" altLang="en-US" sz="2000" b="1" dirty="0"/>
-              <a:t>查詢店家</a:t>
-            </a:r>
-            <a:r>
-              <a:rPr lang="zh-TW" altLang="en-US" sz="2000" b="1" dirty="0" smtClean="0"/>
-              <a:t>資料</a:t>
-            </a:r>
-            <a:r>
-              <a:rPr lang="en-US" altLang="zh-TW" sz="2000" b="1" dirty="0" smtClean="0"/>
-              <a:t>(</a:t>
-            </a:r>
-            <a:r>
-              <a:rPr lang="zh-TW" altLang="en-US" sz="2000" b="1" dirty="0" smtClean="0"/>
-              <a:t>無須會員</a:t>
-            </a:r>
-            <a:r>
-              <a:rPr lang="en-US" altLang="zh-TW" sz="2000" b="1" dirty="0" smtClean="0"/>
-              <a:t>)</a:t>
-            </a:r>
-          </a:p>
-          <a:p>
-            <a:pPr marL="0" indent="0">
-              <a:buNone/>
-            </a:pPr>
-            <a:r>
-              <a:rPr lang="en-US" altLang="zh-TW" sz="2000" b="1" dirty="0"/>
-              <a:t>	</a:t>
-            </a:r>
-            <a:r>
-              <a:rPr lang="zh-TW" altLang="en-US" dirty="0" smtClean="0"/>
-              <a:t>於搜尋</a:t>
-            </a:r>
-            <a:r>
-              <a:rPr lang="zh-TW" altLang="en-US" dirty="0"/>
-              <a:t>頁面鍵入欲查詢店家名，可獲得店家名稱、評分、評論、</a:t>
-            </a:r>
-            <a:r>
-              <a:rPr lang="zh-TW" altLang="en-US" dirty="0" smtClean="0"/>
-              <a:t>電話</a:t>
-            </a:r>
-            <a:r>
-              <a:rPr lang="zh-TW" altLang="en-US" dirty="0"/>
-              <a:t>、地址</a:t>
-            </a:r>
-            <a:r>
-              <a:rPr lang="zh-TW" altLang="en-US" dirty="0" smtClean="0"/>
-              <a:t>以及</a:t>
-            </a:r>
-            <a:r>
-              <a:rPr lang="en-US" altLang="zh-TW" dirty="0" smtClean="0"/>
-              <a:t>	GOOGLE </a:t>
-            </a:r>
-            <a:r>
-              <a:rPr lang="en-US" altLang="zh-TW" dirty="0"/>
-              <a:t>MAP</a:t>
-            </a:r>
-            <a:r>
-              <a:rPr lang="zh-TW" altLang="en-US" dirty="0"/>
-              <a:t>顯示地圖等等資料。</a:t>
-            </a:r>
-            <a:endParaRPr lang="en-US" altLang="zh-TW" dirty="0"/>
-          </a:p>
-          <a:p>
-            <a:r>
-              <a:rPr lang="zh-TW" altLang="en-US" sz="2000" b="1" dirty="0"/>
-              <a:t>收藏喜愛</a:t>
-            </a:r>
-            <a:r>
-              <a:rPr lang="zh-TW" altLang="en-US" sz="2000" b="1" dirty="0" smtClean="0"/>
-              <a:t>店家</a:t>
-            </a:r>
-            <a:r>
-              <a:rPr lang="en-US" altLang="zh-TW" sz="2000" b="1" dirty="0" smtClean="0"/>
-              <a:t>(</a:t>
-            </a:r>
-            <a:r>
-              <a:rPr lang="zh-TW" altLang="en-US" sz="2000" b="1" dirty="0" smtClean="0"/>
-              <a:t>需會員</a:t>
-            </a:r>
-            <a:r>
-              <a:rPr lang="en-US" altLang="zh-TW" sz="2000" b="1" dirty="0" smtClean="0"/>
-              <a:t>)</a:t>
-            </a:r>
-            <a:endParaRPr lang="en-US" altLang="zh-TW" sz="2000" b="1" dirty="0"/>
-          </a:p>
-          <a:p>
-            <a:pPr marL="45720" indent="0">
-              <a:buNone/>
-            </a:pPr>
-            <a:r>
-              <a:rPr lang="zh-TW" altLang="en-US" dirty="0"/>
-              <a:t>   </a:t>
-            </a:r>
-            <a:r>
-              <a:rPr lang="en-US" altLang="zh-TW" dirty="0" smtClean="0"/>
-              <a:t>	</a:t>
-            </a:r>
-            <a:r>
-              <a:rPr lang="zh-TW" altLang="en-US" dirty="0" smtClean="0"/>
-              <a:t>可</a:t>
-            </a:r>
-            <a:r>
-              <a:rPr lang="zh-TW" altLang="en-US" dirty="0"/>
-              <a:t>於搜尋結果頁面將喜愛的店家加入</a:t>
-            </a:r>
-            <a:r>
-              <a:rPr lang="zh-TW" altLang="en-US" dirty="0" smtClean="0"/>
-              <a:t>收藏，事後可在收藏列表中快速找該店家。</a:t>
-            </a:r>
-            <a:endParaRPr lang="en-US" altLang="zh-TW" dirty="0"/>
-          </a:p>
-          <a:p>
-            <a:endParaRPr lang="zh-TW" altLang="en-US" dirty="0"/>
-          </a:p>
-        </p:txBody>
-      </p:sp>
-    </p:spTree>
-    <p:extLst>
-      <p:ext uri="{BB962C8B-B14F-4D97-AF65-F5344CB8AC3E}">
-        <p14:creationId xmlns:p14="http://schemas.microsoft.com/office/powerpoint/2010/main" val="3146759844"/>
-      </p:ext>
-    </p:extLst>
-  </p:cSld>
-  <p:clrMapOvr>
-    <a:masterClrMapping/>
-  </p:clrMapOvr>
-  <p:timing>
-    <p:tnLst>
-      <p:par>
-        <p:cTn id="1" dur="indefinite" restart="never" nodeType="tmRoot"/>
-      </p:par>
-    </p:tnLst>
-  </p:timing>
-</p:sld>
-</file>
-
 <file path=ppt/slides/slide22.xml><?xml version="1.0" encoding="utf-8"?>
 <p:sld xmlns:a="http://schemas.openxmlformats.org/drawingml/2006/main" xmlns:r="http://schemas.openxmlformats.org/officeDocument/2006/relationships" xmlns:p="http://schemas.openxmlformats.org/presentationml/2006/main">
   <p:cSld>
@@ -10654,18 +9963,9 @@
           <a:lstStyle/>
           <a:p>
             <a:r>
-              <a:rPr lang="zh-TW" altLang="en-US" dirty="0" smtClean="0"/>
-              <a:t>使</a:t>
-            </a:r>
-            <a:r>
               <a:rPr lang="zh-TW" altLang="en-US" dirty="0"/>
-              <a:t>用</a:t>
-            </a:r>
-            <a:r>
-              <a:rPr lang="zh-TW" altLang="en-US" dirty="0" smtClean="0"/>
-              <a:t>技術</a:t>
-            </a:r>
-            <a:endParaRPr lang="zh-TW" altLang="en-US" dirty="0"/>
+              <a:t>操作方式</a:t>
+            </a:r>
           </a:p>
         </p:txBody>
       </p:sp>
@@ -10685,59 +9985,33 @@
           <a:lstStyle/>
           <a:p>
             <a:r>
-              <a:rPr lang="en-US" altLang="zh-TW" dirty="0" smtClean="0"/>
-              <a:t>Html</a:t>
-            </a:r>
-          </a:p>
-          <a:p>
-            <a:r>
-              <a:rPr lang="en-US" altLang="zh-TW" dirty="0" smtClean="0"/>
-              <a:t>Bootstrap</a:t>
-            </a:r>
-          </a:p>
-          <a:p>
-            <a:r>
-              <a:rPr lang="en-US" altLang="zh-TW" dirty="0" smtClean="0"/>
-              <a:t>JavaScript</a:t>
-            </a:r>
-          </a:p>
-          <a:p>
-            <a:r>
-              <a:rPr lang="en-US" altLang="zh-TW" dirty="0" smtClean="0"/>
-              <a:t>My SQL</a:t>
-            </a:r>
-          </a:p>
-          <a:p>
-            <a:r>
-              <a:rPr lang="en-US" altLang="zh-TW" dirty="0" smtClean="0"/>
-              <a:t>Java Servlet</a:t>
-            </a:r>
-          </a:p>
-          <a:p>
-            <a:r>
-              <a:rPr lang="en-US" altLang="zh-TW" dirty="0" smtClean="0"/>
-              <a:t>Yelp API</a:t>
-            </a:r>
-          </a:p>
-          <a:p>
-            <a:r>
-              <a:rPr lang="en-US" altLang="zh-TW" dirty="0" smtClean="0"/>
-              <a:t>Rating </a:t>
-            </a:r>
-            <a:r>
-              <a:rPr lang="en-US" altLang="zh-TW" dirty="0" err="1" smtClean="0"/>
-              <a:t>Yo</a:t>
-            </a:r>
-            <a:r>
-              <a:rPr lang="en-US" altLang="zh-TW" dirty="0" smtClean="0"/>
-              <a:t> API</a:t>
-            </a:r>
-          </a:p>
-          <a:p>
-            <a:r>
-              <a:rPr lang="en-US" altLang="zh-TW" dirty="0" smtClean="0"/>
-              <a:t>Google Map API</a:t>
-            </a:r>
+              <a:rPr lang="zh-TW" altLang="en-US" dirty="0" smtClean="0"/>
+              <a:t>收藏列表亦可點擊商家觀看詳細資料。</a:t>
+            </a:r>
+            <a:endParaRPr lang="en-US" altLang="zh-TW" dirty="0" smtClean="0"/>
+          </a:p>
+          <a:p>
+            <a:r>
+              <a:rPr lang="zh-TW" altLang="en-US" dirty="0" smtClean="0"/>
+              <a:t>詳細資料中，店家名稱旁的愛心，若為紅色代表此店家已被加入收藏，白色則無。</a:t>
+            </a:r>
+            <a:endParaRPr lang="en-US" altLang="zh-TW" dirty="0" smtClean="0"/>
+          </a:p>
+          <a:p>
+            <a:r>
+              <a:rPr lang="zh-TW" altLang="en-US" dirty="0" smtClean="0"/>
+              <a:t>路線規劃可選擇由搜尋時輸入的地名為起點或是由裝置現在位置為起點。</a:t>
+            </a:r>
+            <a:endParaRPr lang="en-US" altLang="zh-TW" dirty="0" smtClean="0"/>
+          </a:p>
+          <a:p>
+            <a:r>
+              <a:rPr lang="zh-TW" altLang="en-US" dirty="0" smtClean="0"/>
+              <a:t>路線規劃可選擇四種不同的交通方式。</a:t>
+            </a:r>
+            <a:endParaRPr lang="en-US" altLang="zh-TW" dirty="0" smtClean="0"/>
+          </a:p>
+          <a:p>
             <a:endParaRPr lang="zh-TW" altLang="en-US" dirty="0"/>
           </a:p>
         </p:txBody>
@@ -10745,7 +10019,7 @@
     </p:spTree>
     <p:extLst>
       <p:ext uri="{BB962C8B-B14F-4D97-AF65-F5344CB8AC3E}">
-        <p14:creationId xmlns:p14="http://schemas.microsoft.com/office/powerpoint/2010/main" val="4114352341"/>
+        <p14:creationId xmlns:p14="http://schemas.microsoft.com/office/powerpoint/2010/main" val="3547676615"/>
       </p:ext>
     </p:extLst>
   </p:cSld>
@@ -10826,433 +10100,10 @@
           </a:p>
         </p:txBody>
       </p:sp>
-      <p:sp>
-        <p:nvSpPr>
-          <p:cNvPr id="4" name="圓角矩形 3"/>
-          <p:cNvSpPr/>
-          <p:nvPr/>
-        </p:nvSpPr>
-        <p:spPr>
-          <a:xfrm>
-            <a:off x="2215662" y="3502796"/>
-            <a:ext cx="2300117" cy="927633"/>
-          </a:xfrm>
-          <a:prstGeom prst="roundRect">
-            <a:avLst/>
-          </a:prstGeom>
-          <a:solidFill>
-            <a:srgbClr val="DC7B54"/>
-          </a:solidFill>
-          <a:ln>
-            <a:solidFill>
-              <a:srgbClr val="DC7B54"/>
-            </a:solidFill>
-          </a:ln>
-        </p:spPr>
-        <p:style>
-          <a:lnRef idx="2">
-            <a:schemeClr val="accent1">
-              <a:shade val="50000"/>
-            </a:schemeClr>
-          </a:lnRef>
-          <a:fillRef idx="1">
-            <a:schemeClr val="accent1"/>
-          </a:fillRef>
-          <a:effectRef idx="0">
-            <a:schemeClr val="accent1"/>
-          </a:effectRef>
-          <a:fontRef idx="minor">
-            <a:schemeClr val="lt1"/>
-          </a:fontRef>
-        </p:style>
-        <p:txBody>
-          <a:bodyPr rtlCol="0" anchor="ctr"/>
-          <a:lstStyle/>
-          <a:p>
-            <a:pPr algn="ctr"/>
-            <a:r>
-              <a:rPr lang="en-US" altLang="zh-TW" sz="3200" dirty="0" err="1" smtClean="0"/>
-              <a:t>Homgpage</a:t>
-            </a:r>
-            <a:endParaRPr lang="zh-TW" altLang="en-US" sz="3200" dirty="0"/>
-          </a:p>
-        </p:txBody>
-      </p:sp>
-      <p:sp>
-        <p:nvSpPr>
-          <p:cNvPr id="5" name="圓角矩形 4"/>
-          <p:cNvSpPr/>
-          <p:nvPr/>
-        </p:nvSpPr>
-        <p:spPr>
-          <a:xfrm>
-            <a:off x="5403090" y="1361190"/>
-            <a:ext cx="2210937" cy="1228298"/>
-          </a:xfrm>
-          <a:prstGeom prst="roundRect">
-            <a:avLst/>
-          </a:prstGeom>
-          <a:solidFill>
-            <a:srgbClr val="DC7B54"/>
-          </a:solidFill>
-          <a:ln>
-            <a:solidFill>
-              <a:srgbClr val="DC7B54"/>
-            </a:solidFill>
-          </a:ln>
-        </p:spPr>
-        <p:style>
-          <a:lnRef idx="2">
-            <a:schemeClr val="accent1">
-              <a:shade val="50000"/>
-            </a:schemeClr>
-          </a:lnRef>
-          <a:fillRef idx="1">
-            <a:schemeClr val="accent1"/>
-          </a:fillRef>
-          <a:effectRef idx="0">
-            <a:schemeClr val="accent1"/>
-          </a:effectRef>
-          <a:fontRef idx="minor">
-            <a:schemeClr val="lt1"/>
-          </a:fontRef>
-        </p:style>
-        <p:txBody>
-          <a:bodyPr rtlCol="0" anchor="ctr"/>
-          <a:lstStyle/>
-          <a:p>
-            <a:pPr algn="ctr"/>
-            <a:r>
-              <a:rPr lang="en-US" altLang="zh-TW" sz="3200" dirty="0" smtClean="0"/>
-              <a:t>Log in</a:t>
-            </a:r>
-            <a:endParaRPr lang="zh-TW" altLang="en-US" sz="3200" dirty="0"/>
-          </a:p>
-        </p:txBody>
-      </p:sp>
-      <p:sp>
-        <p:nvSpPr>
-          <p:cNvPr id="6" name="圓角矩形 5"/>
-          <p:cNvSpPr/>
-          <p:nvPr/>
-        </p:nvSpPr>
-        <p:spPr>
-          <a:xfrm>
-            <a:off x="5403090" y="2716302"/>
-            <a:ext cx="2210937" cy="1228298"/>
-          </a:xfrm>
-          <a:prstGeom prst="roundRect">
-            <a:avLst/>
-          </a:prstGeom>
-          <a:solidFill>
-            <a:srgbClr val="DC7B54"/>
-          </a:solidFill>
-          <a:ln>
-            <a:solidFill>
-              <a:srgbClr val="DC7B54"/>
-            </a:solidFill>
-          </a:ln>
-        </p:spPr>
-        <p:style>
-          <a:lnRef idx="2">
-            <a:schemeClr val="accent1">
-              <a:shade val="50000"/>
-            </a:schemeClr>
-          </a:lnRef>
-          <a:fillRef idx="1">
-            <a:schemeClr val="accent1"/>
-          </a:fillRef>
-          <a:effectRef idx="0">
-            <a:schemeClr val="accent1"/>
-          </a:effectRef>
-          <a:fontRef idx="minor">
-            <a:schemeClr val="lt1"/>
-          </a:fontRef>
-        </p:style>
-        <p:txBody>
-          <a:bodyPr rtlCol="0" anchor="ctr"/>
-          <a:lstStyle/>
-          <a:p>
-            <a:pPr algn="ctr"/>
-            <a:r>
-              <a:rPr lang="en-US" altLang="zh-TW" sz="3200" dirty="0" smtClean="0"/>
-              <a:t>Sign up</a:t>
-            </a:r>
-            <a:endParaRPr lang="zh-TW" altLang="en-US" sz="3200" dirty="0"/>
-          </a:p>
-        </p:txBody>
-      </p:sp>
-      <p:sp>
-        <p:nvSpPr>
-          <p:cNvPr id="7" name="圓角矩形 6"/>
-          <p:cNvSpPr/>
-          <p:nvPr/>
-        </p:nvSpPr>
-        <p:spPr>
-          <a:xfrm>
-            <a:off x="5403091" y="4091242"/>
-            <a:ext cx="2210937" cy="1228298"/>
-          </a:xfrm>
-          <a:prstGeom prst="roundRect">
-            <a:avLst/>
-          </a:prstGeom>
-          <a:solidFill>
-            <a:srgbClr val="DC7B54"/>
-          </a:solidFill>
-          <a:ln>
-            <a:solidFill>
-              <a:srgbClr val="DC7B54"/>
-            </a:solidFill>
-          </a:ln>
-        </p:spPr>
-        <p:style>
-          <a:lnRef idx="2">
-            <a:schemeClr val="accent1">
-              <a:shade val="50000"/>
-            </a:schemeClr>
-          </a:lnRef>
-          <a:fillRef idx="1">
-            <a:schemeClr val="accent1"/>
-          </a:fillRef>
-          <a:effectRef idx="0">
-            <a:schemeClr val="accent1"/>
-          </a:effectRef>
-          <a:fontRef idx="minor">
-            <a:schemeClr val="lt1"/>
-          </a:fontRef>
-        </p:style>
-        <p:txBody>
-          <a:bodyPr rtlCol="0" anchor="ctr"/>
-          <a:lstStyle/>
-          <a:p>
-            <a:pPr algn="ctr"/>
-            <a:r>
-              <a:rPr lang="en-US" altLang="zh-TW" sz="3200" dirty="0" smtClean="0"/>
-              <a:t>Search</a:t>
-            </a:r>
-            <a:endParaRPr lang="zh-TW" altLang="en-US" sz="3200" dirty="0"/>
-          </a:p>
-        </p:txBody>
-      </p:sp>
-      <p:sp>
-        <p:nvSpPr>
-          <p:cNvPr id="8" name="圓角矩形 7"/>
-          <p:cNvSpPr/>
-          <p:nvPr/>
-        </p:nvSpPr>
-        <p:spPr>
-          <a:xfrm>
-            <a:off x="5403090" y="5434966"/>
-            <a:ext cx="2210937" cy="1228298"/>
-          </a:xfrm>
-          <a:prstGeom prst="roundRect">
-            <a:avLst/>
-          </a:prstGeom>
-          <a:solidFill>
-            <a:srgbClr val="DC7B54"/>
-          </a:solidFill>
-          <a:ln>
-            <a:solidFill>
-              <a:srgbClr val="DC7B54"/>
-            </a:solidFill>
-          </a:ln>
-        </p:spPr>
-        <p:style>
-          <a:lnRef idx="2">
-            <a:schemeClr val="accent1">
-              <a:shade val="50000"/>
-            </a:schemeClr>
-          </a:lnRef>
-          <a:fillRef idx="1">
-            <a:schemeClr val="accent1"/>
-          </a:fillRef>
-          <a:effectRef idx="0">
-            <a:schemeClr val="accent1"/>
-          </a:effectRef>
-          <a:fontRef idx="minor">
-            <a:schemeClr val="lt1"/>
-          </a:fontRef>
-        </p:style>
-        <p:txBody>
-          <a:bodyPr rtlCol="0" anchor="ctr"/>
-          <a:lstStyle/>
-          <a:p>
-            <a:pPr algn="ctr"/>
-            <a:r>
-              <a:rPr lang="en-US" altLang="zh-TW" sz="3200" dirty="0" smtClean="0"/>
-              <a:t>Collect</a:t>
-            </a:r>
-            <a:endParaRPr lang="zh-TW" altLang="en-US" sz="3200" dirty="0"/>
-          </a:p>
-        </p:txBody>
-      </p:sp>
-      <p:sp>
-        <p:nvSpPr>
-          <p:cNvPr id="9" name="圓角矩形 8"/>
-          <p:cNvSpPr/>
-          <p:nvPr/>
-        </p:nvSpPr>
-        <p:spPr>
-          <a:xfrm>
-            <a:off x="8257749" y="1361190"/>
-            <a:ext cx="2210937" cy="1228298"/>
-          </a:xfrm>
-          <a:prstGeom prst="roundRect">
-            <a:avLst/>
-          </a:prstGeom>
-          <a:solidFill>
-            <a:srgbClr val="DC7B54"/>
-          </a:solidFill>
-          <a:ln>
-            <a:solidFill>
-              <a:srgbClr val="DC7B54"/>
-            </a:solidFill>
-          </a:ln>
-        </p:spPr>
-        <p:style>
-          <a:lnRef idx="2">
-            <a:schemeClr val="accent1">
-              <a:shade val="50000"/>
-            </a:schemeClr>
-          </a:lnRef>
-          <a:fillRef idx="1">
-            <a:schemeClr val="accent1"/>
-          </a:fillRef>
-          <a:effectRef idx="0">
-            <a:schemeClr val="accent1"/>
-          </a:effectRef>
-          <a:fontRef idx="minor">
-            <a:schemeClr val="lt1"/>
-          </a:fontRef>
-        </p:style>
-        <p:txBody>
-          <a:bodyPr rtlCol="0" anchor="ctr"/>
-          <a:lstStyle/>
-          <a:p>
-            <a:pPr algn="ctr"/>
-            <a:r>
-              <a:rPr lang="en-US" altLang="zh-TW" sz="3200" dirty="0" smtClean="0"/>
-              <a:t>Log out</a:t>
-            </a:r>
-            <a:endParaRPr lang="zh-TW" altLang="en-US" sz="3200" dirty="0"/>
-          </a:p>
-        </p:txBody>
-      </p:sp>
-      <p:sp>
-        <p:nvSpPr>
-          <p:cNvPr id="10" name="圓角矩形 9"/>
-          <p:cNvSpPr/>
-          <p:nvPr/>
-        </p:nvSpPr>
-        <p:spPr>
-          <a:xfrm>
-            <a:off x="8257749" y="4091242"/>
-            <a:ext cx="2210937" cy="1228298"/>
-          </a:xfrm>
-          <a:prstGeom prst="roundRect">
-            <a:avLst/>
-          </a:prstGeom>
-          <a:solidFill>
-            <a:srgbClr val="DC7B54"/>
-          </a:solidFill>
-          <a:ln>
-            <a:solidFill>
-              <a:srgbClr val="DC7B54"/>
-            </a:solidFill>
-          </a:ln>
-        </p:spPr>
-        <p:style>
-          <a:lnRef idx="2">
-            <a:schemeClr val="accent1">
-              <a:shade val="50000"/>
-            </a:schemeClr>
-          </a:lnRef>
-          <a:fillRef idx="1">
-            <a:schemeClr val="accent1"/>
-          </a:fillRef>
-          <a:effectRef idx="0">
-            <a:schemeClr val="accent1"/>
-          </a:effectRef>
-          <a:fontRef idx="minor">
-            <a:schemeClr val="lt1"/>
-          </a:fontRef>
-        </p:style>
-        <p:txBody>
-          <a:bodyPr rtlCol="0" anchor="ctr"/>
-          <a:lstStyle/>
-          <a:p>
-            <a:pPr algn="ctr"/>
-            <a:r>
-              <a:rPr lang="en-US" altLang="zh-TW" sz="3200" dirty="0" smtClean="0"/>
-              <a:t>Search Detai</a:t>
-            </a:r>
-            <a:r>
-              <a:rPr lang="en-US" altLang="zh-TW" sz="3200" dirty="0"/>
-              <a:t>l</a:t>
-            </a:r>
-            <a:endParaRPr lang="zh-TW" altLang="en-US" sz="3200" dirty="0"/>
-          </a:p>
-        </p:txBody>
-      </p:sp>
-      <p:sp>
-        <p:nvSpPr>
-          <p:cNvPr id="11" name="圓角矩形 10"/>
-          <p:cNvSpPr/>
-          <p:nvPr/>
-        </p:nvSpPr>
-        <p:spPr>
-          <a:xfrm>
-            <a:off x="8257749" y="5434966"/>
-            <a:ext cx="2210937" cy="1228298"/>
-          </a:xfrm>
-          <a:prstGeom prst="roundRect">
-            <a:avLst/>
-          </a:prstGeom>
-          <a:solidFill>
-            <a:srgbClr val="DC7B54"/>
-          </a:solidFill>
-          <a:ln>
-            <a:solidFill>
-              <a:srgbClr val="DC7B54"/>
-            </a:solidFill>
-          </a:ln>
-        </p:spPr>
-        <p:style>
-          <a:lnRef idx="2">
-            <a:schemeClr val="accent1">
-              <a:shade val="50000"/>
-            </a:schemeClr>
-          </a:lnRef>
-          <a:fillRef idx="1">
-            <a:schemeClr val="accent1"/>
-          </a:fillRef>
-          <a:effectRef idx="0">
-            <a:schemeClr val="accent1"/>
-          </a:effectRef>
-          <a:fontRef idx="minor">
-            <a:schemeClr val="lt1"/>
-          </a:fontRef>
-        </p:style>
-        <p:txBody>
-          <a:bodyPr rtlCol="0" anchor="ctr"/>
-          <a:lstStyle/>
-          <a:p>
-            <a:pPr algn="ctr"/>
-            <a:r>
-              <a:rPr lang="en-US" altLang="zh-TW" sz="3200" dirty="0" smtClean="0"/>
-              <a:t>Collect Detail</a:t>
-            </a:r>
-            <a:endParaRPr lang="zh-TW" altLang="en-US" sz="3200" dirty="0"/>
-          </a:p>
-        </p:txBody>
-      </p:sp>
       <p:cxnSp>
         <p:nvCxnSpPr>
           <p:cNvPr id="12" name="直線單箭頭接點 11"/>
-          <p:cNvCxnSpPr>
-            <a:stCxn id="4" idx="3"/>
-            <a:endCxn id="6" idx="1"/>
-          </p:cNvCxnSpPr>
+          <p:cNvCxnSpPr/>
           <p:nvPr/>
         </p:nvCxnSpPr>
         <p:spPr>
@@ -11288,10 +10139,7 @@
       <p:cxnSp>
         <p:nvCxnSpPr>
           <p:cNvPr id="13" name="直線單箭頭接點 12"/>
-          <p:cNvCxnSpPr>
-            <a:stCxn id="4" idx="3"/>
-            <a:endCxn id="5" idx="1"/>
-          </p:cNvCxnSpPr>
+          <p:cNvCxnSpPr/>
           <p:nvPr/>
         </p:nvCxnSpPr>
         <p:spPr>
@@ -11327,9 +10175,7 @@
       <p:cxnSp>
         <p:nvCxnSpPr>
           <p:cNvPr id="14" name="直線單箭頭接點 13"/>
-          <p:cNvCxnSpPr>
-            <a:endCxn id="7" idx="1"/>
-          </p:cNvCxnSpPr>
+          <p:cNvCxnSpPr/>
           <p:nvPr/>
         </p:nvCxnSpPr>
         <p:spPr>
@@ -11365,9 +10211,7 @@
       <p:cxnSp>
         <p:nvCxnSpPr>
           <p:cNvPr id="15" name="直線單箭頭接點 14"/>
-          <p:cNvCxnSpPr>
-            <a:endCxn id="8" idx="1"/>
-          </p:cNvCxnSpPr>
+          <p:cNvCxnSpPr/>
           <p:nvPr/>
         </p:nvCxnSpPr>
         <p:spPr>
@@ -11403,14 +10247,12 @@
       <p:cxnSp>
         <p:nvCxnSpPr>
           <p:cNvPr id="16" name="直線單箭頭接點 15"/>
-          <p:cNvCxnSpPr>
-            <a:endCxn id="9" idx="1"/>
-          </p:cNvCxnSpPr>
+          <p:cNvCxnSpPr/>
           <p:nvPr/>
         </p:nvCxnSpPr>
         <p:spPr>
           <a:xfrm flipV="1">
-            <a:off x="7614027" y="1975339"/>
+            <a:off x="7282940" y="1977851"/>
             <a:ext cx="643722" cy="1"/>
           </a:xfrm>
           <a:prstGeom prst="straightConnector1">
@@ -11446,7 +10288,7 @@
         </p:nvCxnSpPr>
         <p:spPr>
           <a:xfrm flipV="1">
-            <a:off x="7614027" y="4728674"/>
+            <a:off x="7327710" y="4705391"/>
             <a:ext cx="643722" cy="1"/>
           </a:xfrm>
           <a:prstGeom prst="straightConnector1">
@@ -11482,7 +10324,7 @@
         </p:nvCxnSpPr>
         <p:spPr>
           <a:xfrm flipV="1">
-            <a:off x="7614027" y="6077446"/>
+            <a:off x="7376052" y="6049114"/>
             <a:ext cx="643722" cy="1"/>
           </a:xfrm>
           <a:prstGeom prst="straightConnector1">
@@ -11510,6 +10352,358 @@
           </a:fontRef>
         </p:style>
       </p:cxnSp>
+      <p:sp>
+        <p:nvSpPr>
+          <p:cNvPr id="19" name="矩形 18"/>
+          <p:cNvSpPr/>
+          <p:nvPr/>
+        </p:nvSpPr>
+        <p:spPr>
+          <a:xfrm>
+            <a:off x="2653857" y="3522934"/>
+            <a:ext cx="1919416" cy="766119"/>
+          </a:xfrm>
+          <a:prstGeom prst="rect">
+            <a:avLst/>
+          </a:prstGeom>
+        </p:spPr>
+        <p:style>
+          <a:lnRef idx="2">
+            <a:schemeClr val="accent1">
+              <a:shade val="50000"/>
+            </a:schemeClr>
+          </a:lnRef>
+          <a:fillRef idx="1">
+            <a:schemeClr val="accent1"/>
+          </a:fillRef>
+          <a:effectRef idx="0">
+            <a:schemeClr val="accent1"/>
+          </a:effectRef>
+          <a:fontRef idx="minor">
+            <a:schemeClr val="lt1"/>
+          </a:fontRef>
+        </p:style>
+        <p:txBody>
+          <a:bodyPr rtlCol="0" anchor="ctr"/>
+          <a:lstStyle/>
+          <a:p>
+            <a:pPr algn="ctr"/>
+            <a:r>
+              <a:rPr lang="en-US" altLang="zh-TW" dirty="0" smtClean="0"/>
+              <a:t>Homepage</a:t>
+            </a:r>
+            <a:endParaRPr lang="en-US" altLang="zh-TW" dirty="0" smtClean="0"/>
+          </a:p>
+        </p:txBody>
+      </p:sp>
+      <p:sp>
+        <p:nvSpPr>
+          <p:cNvPr id="20" name="矩形 19"/>
+          <p:cNvSpPr/>
+          <p:nvPr/>
+        </p:nvSpPr>
+        <p:spPr>
+          <a:xfrm>
+            <a:off x="5429863" y="5631722"/>
+            <a:ext cx="1919416" cy="766119"/>
+          </a:xfrm>
+          <a:prstGeom prst="rect">
+            <a:avLst/>
+          </a:prstGeom>
+        </p:spPr>
+        <p:style>
+          <a:lnRef idx="2">
+            <a:schemeClr val="accent1">
+              <a:shade val="50000"/>
+            </a:schemeClr>
+          </a:lnRef>
+          <a:fillRef idx="1">
+            <a:schemeClr val="accent1"/>
+          </a:fillRef>
+          <a:effectRef idx="0">
+            <a:schemeClr val="accent1"/>
+          </a:effectRef>
+          <a:fontRef idx="minor">
+            <a:schemeClr val="lt1"/>
+          </a:fontRef>
+        </p:style>
+        <p:txBody>
+          <a:bodyPr rtlCol="0" anchor="ctr"/>
+          <a:lstStyle/>
+          <a:p>
+            <a:pPr algn="ctr"/>
+            <a:r>
+              <a:rPr lang="en-US" altLang="zh-TW" dirty="0" smtClean="0"/>
+              <a:t>Collect</a:t>
+            </a:r>
+            <a:endParaRPr lang="en-US" altLang="zh-TW" dirty="0" smtClean="0"/>
+          </a:p>
+        </p:txBody>
+      </p:sp>
+      <p:sp>
+        <p:nvSpPr>
+          <p:cNvPr id="21" name="矩形 20"/>
+          <p:cNvSpPr/>
+          <p:nvPr/>
+        </p:nvSpPr>
+        <p:spPr>
+          <a:xfrm>
+            <a:off x="5417642" y="4270463"/>
+            <a:ext cx="1919416" cy="766119"/>
+          </a:xfrm>
+          <a:prstGeom prst="rect">
+            <a:avLst/>
+          </a:prstGeom>
+        </p:spPr>
+        <p:style>
+          <a:lnRef idx="2">
+            <a:schemeClr val="accent1">
+              <a:shade val="50000"/>
+            </a:schemeClr>
+          </a:lnRef>
+          <a:fillRef idx="1">
+            <a:schemeClr val="accent1"/>
+          </a:fillRef>
+          <a:effectRef idx="0">
+            <a:schemeClr val="accent1"/>
+          </a:effectRef>
+          <a:fontRef idx="minor">
+            <a:schemeClr val="lt1"/>
+          </a:fontRef>
+        </p:style>
+        <p:txBody>
+          <a:bodyPr rtlCol="0" anchor="ctr"/>
+          <a:lstStyle/>
+          <a:p>
+            <a:pPr algn="ctr"/>
+            <a:r>
+              <a:rPr lang="en-US" altLang="zh-TW" dirty="0" smtClean="0"/>
+              <a:t>Search</a:t>
+            </a:r>
+            <a:endParaRPr lang="en-US" altLang="zh-TW" dirty="0" smtClean="0"/>
+          </a:p>
+        </p:txBody>
+      </p:sp>
+      <p:sp>
+        <p:nvSpPr>
+          <p:cNvPr id="22" name="矩形 21"/>
+          <p:cNvSpPr/>
+          <p:nvPr/>
+        </p:nvSpPr>
+        <p:spPr>
+          <a:xfrm>
+            <a:off x="5417642" y="2859464"/>
+            <a:ext cx="1919416" cy="766119"/>
+          </a:xfrm>
+          <a:prstGeom prst="rect">
+            <a:avLst/>
+          </a:prstGeom>
+        </p:spPr>
+        <p:style>
+          <a:lnRef idx="2">
+            <a:schemeClr val="accent1">
+              <a:shade val="50000"/>
+            </a:schemeClr>
+          </a:lnRef>
+          <a:fillRef idx="1">
+            <a:schemeClr val="accent1"/>
+          </a:fillRef>
+          <a:effectRef idx="0">
+            <a:schemeClr val="accent1"/>
+          </a:effectRef>
+          <a:fontRef idx="minor">
+            <a:schemeClr val="lt1"/>
+          </a:fontRef>
+        </p:style>
+        <p:txBody>
+          <a:bodyPr rtlCol="0" anchor="ctr"/>
+          <a:lstStyle/>
+          <a:p>
+            <a:pPr algn="ctr"/>
+            <a:r>
+              <a:rPr lang="en-US" altLang="zh-TW" dirty="0" smtClean="0"/>
+              <a:t>Sign up</a:t>
+            </a:r>
+            <a:endParaRPr lang="en-US" altLang="zh-TW" dirty="0" smtClean="0"/>
+          </a:p>
+        </p:txBody>
+      </p:sp>
+      <p:sp>
+        <p:nvSpPr>
+          <p:cNvPr id="23" name="矩形 22"/>
+          <p:cNvSpPr/>
+          <p:nvPr/>
+        </p:nvSpPr>
+        <p:spPr>
+          <a:xfrm>
+            <a:off x="5417642" y="1564221"/>
+            <a:ext cx="1919416" cy="766119"/>
+          </a:xfrm>
+          <a:prstGeom prst="rect">
+            <a:avLst/>
+          </a:prstGeom>
+        </p:spPr>
+        <p:style>
+          <a:lnRef idx="2">
+            <a:schemeClr val="accent1">
+              <a:shade val="50000"/>
+            </a:schemeClr>
+          </a:lnRef>
+          <a:fillRef idx="1">
+            <a:schemeClr val="accent1"/>
+          </a:fillRef>
+          <a:effectRef idx="0">
+            <a:schemeClr val="accent1"/>
+          </a:effectRef>
+          <a:fontRef idx="minor">
+            <a:schemeClr val="lt1"/>
+          </a:fontRef>
+        </p:style>
+        <p:txBody>
+          <a:bodyPr rtlCol="0" anchor="ctr"/>
+          <a:lstStyle/>
+          <a:p>
+            <a:pPr algn="ctr"/>
+            <a:r>
+              <a:rPr lang="en-US" altLang="zh-TW" dirty="0" smtClean="0"/>
+              <a:t>Log in</a:t>
+            </a:r>
+            <a:endParaRPr lang="en-US" altLang="zh-TW" dirty="0" smtClean="0"/>
+          </a:p>
+        </p:txBody>
+      </p:sp>
+      <p:sp>
+        <p:nvSpPr>
+          <p:cNvPr id="24" name="矩形 23"/>
+          <p:cNvSpPr/>
+          <p:nvPr/>
+        </p:nvSpPr>
+        <p:spPr>
+          <a:xfrm>
+            <a:off x="7935888" y="1592279"/>
+            <a:ext cx="1919416" cy="766119"/>
+          </a:xfrm>
+          <a:prstGeom prst="rect">
+            <a:avLst/>
+          </a:prstGeom>
+        </p:spPr>
+        <p:style>
+          <a:lnRef idx="2">
+            <a:schemeClr val="accent1">
+              <a:shade val="50000"/>
+            </a:schemeClr>
+          </a:lnRef>
+          <a:fillRef idx="1">
+            <a:schemeClr val="accent1"/>
+          </a:fillRef>
+          <a:effectRef idx="0">
+            <a:schemeClr val="accent1"/>
+          </a:effectRef>
+          <a:fontRef idx="minor">
+            <a:schemeClr val="lt1"/>
+          </a:fontRef>
+        </p:style>
+        <p:txBody>
+          <a:bodyPr rtlCol="0" anchor="ctr"/>
+          <a:lstStyle/>
+          <a:p>
+            <a:pPr algn="ctr"/>
+            <a:r>
+              <a:rPr lang="en-US" altLang="zh-TW" dirty="0" smtClean="0"/>
+              <a:t>Log out</a:t>
+            </a:r>
+            <a:endParaRPr lang="en-US" altLang="zh-TW" dirty="0" smtClean="0"/>
+          </a:p>
+        </p:txBody>
+      </p:sp>
+      <p:sp>
+        <p:nvSpPr>
+          <p:cNvPr id="27" name="矩形 26"/>
+          <p:cNvSpPr/>
+          <p:nvPr/>
+        </p:nvSpPr>
+        <p:spPr>
+          <a:xfrm>
+            <a:off x="8019774" y="5633604"/>
+            <a:ext cx="1919416" cy="766119"/>
+          </a:xfrm>
+          <a:prstGeom prst="rect">
+            <a:avLst/>
+          </a:prstGeom>
+        </p:spPr>
+        <p:style>
+          <a:lnRef idx="2">
+            <a:schemeClr val="accent1">
+              <a:shade val="50000"/>
+            </a:schemeClr>
+          </a:lnRef>
+          <a:fillRef idx="1">
+            <a:schemeClr val="accent1"/>
+          </a:fillRef>
+          <a:effectRef idx="0">
+            <a:schemeClr val="accent1"/>
+          </a:effectRef>
+          <a:fontRef idx="minor">
+            <a:schemeClr val="lt1"/>
+          </a:fontRef>
+        </p:style>
+        <p:txBody>
+          <a:bodyPr rtlCol="0" anchor="ctr"/>
+          <a:lstStyle/>
+          <a:p>
+            <a:pPr algn="ctr"/>
+            <a:r>
+              <a:rPr lang="en-US" altLang="zh-TW" dirty="0" err="1" smtClean="0"/>
+              <a:t>CollectDetail</a:t>
+            </a:r>
+            <a:endParaRPr lang="en-US" altLang="zh-TW" dirty="0" smtClean="0"/>
+          </a:p>
+        </p:txBody>
+      </p:sp>
+      <p:sp>
+        <p:nvSpPr>
+          <p:cNvPr id="28" name="矩形 27"/>
+          <p:cNvSpPr/>
+          <p:nvPr/>
+        </p:nvSpPr>
+        <p:spPr>
+          <a:xfrm>
+            <a:off x="7971432" y="4322331"/>
+            <a:ext cx="1919416" cy="766119"/>
+          </a:xfrm>
+          <a:prstGeom prst="rect">
+            <a:avLst/>
+          </a:prstGeom>
+        </p:spPr>
+        <p:style>
+          <a:lnRef idx="2">
+            <a:schemeClr val="accent1">
+              <a:shade val="50000"/>
+            </a:schemeClr>
+          </a:lnRef>
+          <a:fillRef idx="1">
+            <a:schemeClr val="accent1"/>
+          </a:fillRef>
+          <a:effectRef idx="0">
+            <a:schemeClr val="accent1"/>
+          </a:effectRef>
+          <a:fontRef idx="minor">
+            <a:schemeClr val="lt1"/>
+          </a:fontRef>
+        </p:style>
+        <p:txBody>
+          <a:bodyPr rtlCol="0" anchor="ctr"/>
+          <a:lstStyle/>
+          <a:p>
+            <a:pPr algn="ctr"/>
+            <a:r>
+              <a:rPr lang="en-US" altLang="zh-TW" dirty="0" err="1" smtClean="0"/>
+              <a:t>SearchDetail</a:t>
+            </a:r>
+            <a:endParaRPr lang="en-US" altLang="zh-TW" dirty="0" smtClean="0"/>
+          </a:p>
+        </p:txBody>
+      </p:sp>
     </p:spTree>
     <p:extLst>
       <p:ext uri="{BB962C8B-B14F-4D97-AF65-F5344CB8AC3E}">
@@ -13632,30 +12826,87 @@
           <a:p>
             <a:r>
               <a:rPr lang="zh-TW" altLang="en-US" dirty="0"/>
-              <a:t>效能測試</a:t>
-            </a:r>
-          </a:p>
-        </p:txBody>
-      </p:sp>
-      <p:sp>
-        <p:nvSpPr>
-          <p:cNvPr id="3" name="內容版面配置區 2"/>
-          <p:cNvSpPr>
-            <a:spLocks noGrp="1"/>
-          </p:cNvSpPr>
+              <a:t>效能</a:t>
+            </a:r>
+            <a:r>
+              <a:rPr lang="zh-TW" altLang="en-US" dirty="0" smtClean="0"/>
+              <a:t>測試</a:t>
+            </a:r>
+            <a:r>
+              <a:rPr lang="en-US" altLang="zh-TW" dirty="0" smtClean="0"/>
+              <a:t>(</a:t>
+            </a:r>
+            <a:r>
+              <a:rPr lang="zh-TW" altLang="en-US" dirty="0" smtClean="0"/>
+              <a:t>收藏</a:t>
+            </a:r>
+            <a:r>
+              <a:rPr lang="en-US" altLang="zh-TW" dirty="0" smtClean="0"/>
+              <a:t>)</a:t>
+            </a:r>
+            <a:endParaRPr lang="zh-TW" altLang="en-US" dirty="0"/>
+          </a:p>
+        </p:txBody>
+      </p:sp>
+      <p:pic>
+        <p:nvPicPr>
+          <p:cNvPr id="12" name="內容版面配置區 11"/>
+          <p:cNvPicPr>
+            <a:picLocks noGrp="1" noChangeAspect="1"/>
+          </p:cNvPicPr>
           <p:nvPr>
             <p:ph idx="1"/>
           </p:nvPr>
-        </p:nvSpPr>
-        <p:spPr/>
-        <p:txBody>
-          <a:bodyPr/>
-          <a:lstStyle/>
-          <a:p>
-            <a:endParaRPr lang="zh-TW" altLang="en-US"/>
-          </a:p>
-        </p:txBody>
-      </p:sp>
+        </p:nvPicPr>
+        <p:blipFill>
+          <a:blip r:embed="rId2">
+            <a:extLst>
+              <a:ext uri="{28A0092B-C50C-407E-A947-70E740481C1C}">
+                <a14:useLocalDpi xmlns:a14="http://schemas.microsoft.com/office/drawing/2010/main" val="0"/>
+              </a:ext>
+            </a:extLst>
+          </a:blip>
+          <a:stretch>
+            <a:fillRect/>
+          </a:stretch>
+        </p:blipFill>
+        <p:spPr>
+          <a:xfrm>
+            <a:off x="473512" y="2549768"/>
+            <a:ext cx="5074433" cy="3248505"/>
+          </a:xfrm>
+        </p:spPr>
+      </p:pic>
+      <p:pic>
+        <p:nvPicPr>
+          <p:cNvPr id="13" name="圖片 12"/>
+          <p:cNvPicPr>
+            <a:picLocks noChangeAspect="1"/>
+          </p:cNvPicPr>
+          <p:nvPr/>
+        </p:nvPicPr>
+        <p:blipFill>
+          <a:blip r:embed="rId3">
+            <a:extLst>
+              <a:ext uri="{28A0092B-C50C-407E-A947-70E740481C1C}">
+                <a14:useLocalDpi xmlns:a14="http://schemas.microsoft.com/office/drawing/2010/main" val="0"/>
+              </a:ext>
+            </a:extLst>
+          </a:blip>
+          <a:stretch>
+            <a:fillRect/>
+          </a:stretch>
+        </p:blipFill>
+        <p:spPr>
+          <a:xfrm>
+            <a:off x="5547945" y="1591700"/>
+            <a:ext cx="6472203" cy="4143316"/>
+          </a:xfrm>
+          <a:prstGeom prst="rect">
+            <a:avLst/>
+          </a:prstGeom>
+        </p:spPr>
+      </p:pic>
     </p:spTree>
     <p:extLst>
       <p:ext uri="{BB962C8B-B14F-4D97-AF65-F5344CB8AC3E}">
@@ -13709,65 +12960,105 @@
           <a:lstStyle/>
           <a:p>
             <a:r>
+              <a:rPr lang="zh-TW" altLang="en-US" dirty="0"/>
+              <a:t>效能</a:t>
+            </a:r>
+            <a:r>
               <a:rPr lang="zh-TW" altLang="en-US" dirty="0" smtClean="0"/>
-              <a:t>參考</a:t>
+              <a:t>測試</a:t>
+            </a:r>
+            <a:r>
+              <a:rPr lang="en-US" altLang="zh-TW" dirty="0" smtClean="0"/>
+              <a:t>(</a:t>
+            </a:r>
+            <a:r>
+              <a:rPr lang="zh-TW" altLang="en-US" dirty="0" smtClean="0"/>
+              <a:t>登入註冊</a:t>
+            </a:r>
+            <a:r>
+              <a:rPr lang="en-US" altLang="zh-TW" dirty="0" smtClean="0"/>
+              <a:t>)</a:t>
             </a:r>
             <a:endParaRPr lang="zh-TW" altLang="en-US" dirty="0"/>
           </a:p>
         </p:txBody>
       </p:sp>
-      <p:sp>
-        <p:nvSpPr>
-          <p:cNvPr id="3" name="內容版面配置區 2"/>
-          <p:cNvSpPr>
-            <a:spLocks noGrp="1"/>
-          </p:cNvSpPr>
+      <p:pic>
+        <p:nvPicPr>
+          <p:cNvPr id="12" name="內容版面配置區 11"/>
+          <p:cNvPicPr>
+            <a:picLocks noGrp="1" noChangeAspect="1"/>
+          </p:cNvPicPr>
           <p:nvPr>
             <p:ph idx="1"/>
           </p:nvPr>
-        </p:nvSpPr>
-        <p:spPr/>
-        <p:txBody>
-          <a:bodyPr/>
-          <a:lstStyle/>
-          <a:p>
-            <a:r>
-              <a:rPr lang="en-US" altLang="zh-TW" dirty="0" smtClean="0"/>
-              <a:t>Yelp </a:t>
-            </a:r>
-            <a:r>
-              <a:rPr lang="en-US" altLang="zh-TW" dirty="0"/>
-              <a:t>API Document: </a:t>
-            </a:r>
-            <a:r>
-              <a:rPr lang="en-US" altLang="zh-TW" dirty="0">
-                <a:hlinkClick r:id="rId2"/>
-              </a:rPr>
-              <a:t>https://</a:t>
-            </a:r>
-            <a:r>
-              <a:rPr lang="en-US" altLang="zh-TW" dirty="0" smtClean="0">
-                <a:hlinkClick r:id="rId2"/>
-              </a:rPr>
-              <a:t>www.yelp.com/developers/documentation/v3</a:t>
-            </a:r>
-            <a:endParaRPr lang="en-US" altLang="zh-TW" dirty="0" smtClean="0"/>
-          </a:p>
-          <a:p>
-            <a:endParaRPr lang="zh-TW" altLang="en-US" dirty="0"/>
-          </a:p>
-        </p:txBody>
-      </p:sp>
+        </p:nvPicPr>
+        <p:blipFill>
+          <a:blip r:embed="rId2">
+            <a:extLst>
+              <a:ext uri="{28A0092B-C50C-407E-A947-70E740481C1C}">
+                <a14:useLocalDpi xmlns:a14="http://schemas.microsoft.com/office/drawing/2010/main" val="0"/>
+              </a:ext>
+            </a:extLst>
+          </a:blip>
+          <a:stretch>
+            <a:fillRect/>
+          </a:stretch>
+        </p:blipFill>
+        <p:spPr>
+          <a:xfrm>
+            <a:off x="473512" y="2549768"/>
+            <a:ext cx="5074433" cy="3248504"/>
+          </a:xfrm>
+        </p:spPr>
+      </p:pic>
+      <p:pic>
+        <p:nvPicPr>
+          <p:cNvPr id="13" name="圖片 12"/>
+          <p:cNvPicPr>
+            <a:picLocks noChangeAspect="1"/>
+          </p:cNvPicPr>
+          <p:nvPr/>
+        </p:nvPicPr>
+        <p:blipFill>
+          <a:blip r:embed="rId3">
+            <a:extLst>
+              <a:ext uri="{28A0092B-C50C-407E-A947-70E740481C1C}">
+                <a14:useLocalDpi xmlns:a14="http://schemas.microsoft.com/office/drawing/2010/main" val="0"/>
+              </a:ext>
+            </a:extLst>
+          </a:blip>
+          <a:stretch>
+            <a:fillRect/>
+          </a:stretch>
+        </p:blipFill>
+        <p:spPr>
+          <a:xfrm>
+            <a:off x="5547945" y="1591699"/>
+            <a:ext cx="6347737" cy="4226183"/>
+          </a:xfrm>
+          <a:prstGeom prst="rect">
+            <a:avLst/>
+          </a:prstGeom>
+        </p:spPr>
+      </p:pic>
     </p:spTree>
     <p:extLst>
       <p:ext uri="{BB962C8B-B14F-4D97-AF65-F5344CB8AC3E}">
-        <p14:creationId xmlns:p14="http://schemas.microsoft.com/office/powerpoint/2010/main" val="430039658"/>
+        <p14:creationId xmlns:p14="http://schemas.microsoft.com/office/powerpoint/2010/main" val="2156938685"/>
       </p:ext>
     </p:extLst>
   </p:cSld>
   <p:clrMapOvr>
     <a:masterClrMapping/>
   </p:clrMapOvr>
+  <p:timing>
+    <p:tnLst>
+      <p:par>
+        <p:cTn id="1" dur="indefinite" restart="never" nodeType="tmRoot"/>
+      </p:par>
+    </p:tnLst>
+  </p:timing>
 </p:sld>
 </file>
 
@@ -13805,8 +13096,144 @@
           <a:p>
             <a:r>
               <a:rPr lang="zh-TW" altLang="en-US" dirty="0"/>
-              <a:t>組員分工情況</a:t>
-            </a:r>
+              <a:t>效能</a:t>
+            </a:r>
+            <a:r>
+              <a:rPr lang="zh-TW" altLang="en-US" dirty="0" smtClean="0"/>
+              <a:t>測試</a:t>
+            </a:r>
+            <a:r>
+              <a:rPr lang="en-US" altLang="zh-TW" dirty="0" smtClean="0"/>
+              <a:t>(</a:t>
+            </a:r>
+            <a:r>
+              <a:rPr lang="zh-TW" altLang="en-US" dirty="0" smtClean="0"/>
+              <a:t>查詢</a:t>
+            </a:r>
+            <a:r>
+              <a:rPr lang="en-US" altLang="zh-TW" dirty="0" smtClean="0"/>
+              <a:t>)</a:t>
+            </a:r>
+            <a:endParaRPr lang="zh-TW" altLang="en-US" dirty="0"/>
+          </a:p>
+        </p:txBody>
+      </p:sp>
+      <p:pic>
+        <p:nvPicPr>
+          <p:cNvPr id="12" name="內容版面配置區 11"/>
+          <p:cNvPicPr>
+            <a:picLocks noGrp="1" noChangeAspect="1"/>
+          </p:cNvPicPr>
+          <p:nvPr>
+            <p:ph idx="1"/>
+          </p:nvPr>
+        </p:nvPicPr>
+        <p:blipFill>
+          <a:blip r:embed="rId2">
+            <a:extLst>
+              <a:ext uri="{28A0092B-C50C-407E-A947-70E740481C1C}">
+                <a14:useLocalDpi xmlns:a14="http://schemas.microsoft.com/office/drawing/2010/main" val="0"/>
+              </a:ext>
+            </a:extLst>
+          </a:blip>
+          <a:stretch>
+            <a:fillRect/>
+          </a:stretch>
+        </p:blipFill>
+        <p:spPr>
+          <a:xfrm>
+            <a:off x="473512" y="2549768"/>
+            <a:ext cx="5074432" cy="3248504"/>
+          </a:xfrm>
+        </p:spPr>
+      </p:pic>
+      <p:pic>
+        <p:nvPicPr>
+          <p:cNvPr id="13" name="圖片 12"/>
+          <p:cNvPicPr>
+            <a:picLocks noChangeAspect="1"/>
+          </p:cNvPicPr>
+          <p:nvPr/>
+        </p:nvPicPr>
+        <p:blipFill>
+          <a:blip r:embed="rId3">
+            <a:extLst>
+              <a:ext uri="{28A0092B-C50C-407E-A947-70E740481C1C}">
+                <a14:useLocalDpi xmlns:a14="http://schemas.microsoft.com/office/drawing/2010/main" val="0"/>
+              </a:ext>
+            </a:extLst>
+          </a:blip>
+          <a:stretch>
+            <a:fillRect/>
+          </a:stretch>
+        </p:blipFill>
+        <p:spPr>
+          <a:xfrm>
+            <a:off x="5547945" y="1672972"/>
+            <a:ext cx="6347737" cy="4063636"/>
+          </a:xfrm>
+          <a:prstGeom prst="rect">
+            <a:avLst/>
+          </a:prstGeom>
+        </p:spPr>
+      </p:pic>
+    </p:spTree>
+    <p:extLst>
+      <p:ext uri="{BB962C8B-B14F-4D97-AF65-F5344CB8AC3E}">
+        <p14:creationId xmlns:p14="http://schemas.microsoft.com/office/powerpoint/2010/main" val="1144121596"/>
+      </p:ext>
+    </p:extLst>
+  </p:cSld>
+  <p:clrMapOvr>
+    <a:masterClrMapping/>
+  </p:clrMapOvr>
+  <p:timing>
+    <p:tnLst>
+      <p:par>
+        <p:cTn id="1" dur="indefinite" restart="never" nodeType="tmRoot"/>
+      </p:par>
+    </p:tnLst>
+  </p:timing>
+</p:sld>
+</file>
+
+<file path=ppt/slides/slide3.xml><?xml version="1.0" encoding="utf-8"?>
+<p:sld xmlns:a="http://schemas.openxmlformats.org/drawingml/2006/main" xmlns:r="http://schemas.openxmlformats.org/officeDocument/2006/relationships" xmlns:p="http://schemas.openxmlformats.org/presentationml/2006/main">
+  <p:cSld>
+    <p:spTree>
+      <p:nvGrpSpPr>
+        <p:cNvPr id="1" name=""/>
+        <p:cNvGrpSpPr/>
+        <p:nvPr/>
+      </p:nvGrpSpPr>
+      <p:grpSpPr>
+        <a:xfrm>
+          <a:off x="0" y="0"/>
+          <a:ext cx="0" cy="0"/>
+          <a:chOff x="0" y="0"/>
+          <a:chExt cx="0" cy="0"/>
+        </a:xfrm>
+      </p:grpSpPr>
+      <p:sp>
+        <p:nvSpPr>
+          <p:cNvPr id="2" name="標題 1"/>
+          <p:cNvSpPr>
+            <a:spLocks noGrp="1"/>
+          </p:cNvSpPr>
+          <p:nvPr>
+            <p:ph type="title"/>
+          </p:nvPr>
+        </p:nvSpPr>
+        <p:spPr/>
+        <p:txBody>
+          <a:bodyPr/>
+          <a:lstStyle/>
+          <a:p>
+            <a:r>
+              <a:rPr lang="zh-TW" altLang="en-US" dirty="0" smtClean="0"/>
+              <a:t>技術概念和特色</a:t>
+            </a:r>
+            <a:endParaRPr lang="zh-TW" altLang="en-US" dirty="0"/>
           </a:p>
         </p:txBody>
       </p:sp>
@@ -13827,11 +13254,819 @@
           <a:p>
             <a:r>
               <a:rPr lang="zh-TW" altLang="en-US" dirty="0" smtClean="0"/>
-              <a:t>黃佳惠：會員系統</a:t>
+              <a:t>透過簡易的</a:t>
+            </a:r>
+            <a:r>
+              <a:rPr lang="en-US" altLang="zh-TW" dirty="0" smtClean="0"/>
+              <a:t>Http Get</a:t>
             </a:r>
             <a:r>
               <a:rPr lang="zh-TW" altLang="en-US" dirty="0" smtClean="0"/>
-              <a:t>，</a:t>
+              <a:t>即可獲得許</a:t>
+            </a:r>
+            <a:r>
+              <a:rPr lang="zh-TW" altLang="en-US" dirty="0"/>
+              <a:t>多</a:t>
+            </a:r>
+            <a:r>
+              <a:rPr lang="zh-TW" altLang="en-US" dirty="0" smtClean="0"/>
+              <a:t>店家的資訊，包含</a:t>
+            </a:r>
+            <a:endParaRPr lang="en-US" altLang="zh-TW" dirty="0" smtClean="0"/>
+          </a:p>
+          <a:p>
+            <a:pPr lvl="1"/>
+            <a:r>
+              <a:rPr lang="zh-TW" altLang="en-US" dirty="0" smtClean="0"/>
+              <a:t>餐廳</a:t>
+            </a:r>
+            <a:endParaRPr lang="en-US" altLang="zh-TW" dirty="0" smtClean="0"/>
+          </a:p>
+          <a:p>
+            <a:pPr lvl="1"/>
+            <a:r>
+              <a:rPr lang="zh-TW" altLang="en-US" dirty="0" smtClean="0"/>
+              <a:t>快遞</a:t>
+            </a:r>
+            <a:endParaRPr lang="en-US" altLang="zh-TW" dirty="0" smtClean="0"/>
+          </a:p>
+          <a:p>
+            <a:pPr lvl="1"/>
+            <a:r>
+              <a:rPr lang="zh-TW" altLang="en-US" dirty="0" smtClean="0"/>
+              <a:t>景點</a:t>
+            </a:r>
+            <a:endParaRPr lang="en-US" altLang="zh-TW" dirty="0" smtClean="0"/>
+          </a:p>
+          <a:p>
+            <a:pPr lvl="1"/>
+            <a:endParaRPr lang="en-US" altLang="zh-TW" dirty="0" smtClean="0"/>
+          </a:p>
+          <a:p>
+            <a:r>
+              <a:rPr lang="zh-TW" altLang="en-US" dirty="0" smtClean="0"/>
+              <a:t>可</a:t>
+            </a:r>
+            <a:r>
+              <a:rPr lang="zh-TW" altLang="en-US" dirty="0"/>
+              <a:t>設定的參數多樣</a:t>
+            </a:r>
+            <a:endParaRPr lang="en-US" altLang="zh-TW" dirty="0"/>
+          </a:p>
+          <a:p>
+            <a:pPr lvl="1"/>
+            <a:r>
+              <a:rPr lang="zh-TW" altLang="en-US" dirty="0"/>
+              <a:t>店家名稱</a:t>
+            </a:r>
+            <a:endParaRPr lang="en-US" altLang="zh-TW" dirty="0"/>
+          </a:p>
+          <a:p>
+            <a:pPr lvl="1"/>
+            <a:r>
+              <a:rPr lang="zh-TW" altLang="en-US" dirty="0"/>
+              <a:t>距離</a:t>
+            </a:r>
+            <a:endParaRPr lang="en-US" altLang="zh-TW" dirty="0"/>
+          </a:p>
+          <a:p>
+            <a:pPr lvl="1"/>
+            <a:r>
+              <a:rPr lang="zh-TW" altLang="en-US" dirty="0"/>
+              <a:t>區域</a:t>
+            </a:r>
+            <a:endParaRPr lang="en-US" altLang="zh-TW" dirty="0"/>
+          </a:p>
+          <a:p>
+            <a:pPr lvl="1"/>
+            <a:r>
+              <a:rPr lang="zh-TW" altLang="en-US" dirty="0"/>
+              <a:t>營業時間</a:t>
+            </a:r>
+          </a:p>
+          <a:p>
+            <a:pPr lvl="1"/>
+            <a:endParaRPr lang="en-US" altLang="zh-TW" dirty="0" smtClean="0"/>
+          </a:p>
+        </p:txBody>
+      </p:sp>
+    </p:spTree>
+    <p:extLst>
+      <p:ext uri="{BB962C8B-B14F-4D97-AF65-F5344CB8AC3E}">
+        <p14:creationId xmlns:p14="http://schemas.microsoft.com/office/powerpoint/2010/main" val="2539187730"/>
+      </p:ext>
+    </p:extLst>
+  </p:cSld>
+  <p:clrMapOvr>
+    <a:masterClrMapping/>
+  </p:clrMapOvr>
+  <p:timing>
+    <p:tnLst>
+      <p:par>
+        <p:cTn id="1" dur="indefinite" restart="never" nodeType="tmRoot"/>
+      </p:par>
+    </p:tnLst>
+  </p:timing>
+</p:sld>
+</file>
+
+<file path=ppt/slides/slide30.xml><?xml version="1.0" encoding="utf-8"?>
+<p:sld xmlns:a="http://schemas.openxmlformats.org/drawingml/2006/main" xmlns:r="http://schemas.openxmlformats.org/officeDocument/2006/relationships" xmlns:p="http://schemas.openxmlformats.org/presentationml/2006/main">
+  <p:cSld>
+    <p:spTree>
+      <p:nvGrpSpPr>
+        <p:cNvPr id="1" name=""/>
+        <p:cNvGrpSpPr/>
+        <p:nvPr/>
+      </p:nvGrpSpPr>
+      <p:grpSpPr>
+        <a:xfrm>
+          <a:off x="0" y="0"/>
+          <a:ext cx="0" cy="0"/>
+          <a:chOff x="0" y="0"/>
+          <a:chExt cx="0" cy="0"/>
+        </a:xfrm>
+      </p:grpSpPr>
+      <p:sp>
+        <p:nvSpPr>
+          <p:cNvPr id="2" name="標題 1"/>
+          <p:cNvSpPr>
+            <a:spLocks noGrp="1"/>
+          </p:cNvSpPr>
+          <p:nvPr>
+            <p:ph type="title"/>
+          </p:nvPr>
+        </p:nvSpPr>
+        <p:spPr/>
+        <p:txBody>
+          <a:bodyPr/>
+          <a:lstStyle/>
+          <a:p>
+            <a:r>
+              <a:rPr lang="zh-TW" altLang="en-US" dirty="0" smtClean="0"/>
+              <a:t>遭遇的困難</a:t>
+            </a:r>
+            <a:r>
+              <a:rPr lang="en-US" altLang="zh-TW" baseline="-25000" dirty="0" smtClean="0"/>
+              <a:t>1</a:t>
+            </a:r>
+            <a:endParaRPr lang="zh-TW" altLang="en-US" baseline="-25000" dirty="0"/>
+          </a:p>
+        </p:txBody>
+      </p:sp>
+      <p:sp>
+        <p:nvSpPr>
+          <p:cNvPr id="3" name="內容版面配置區 2"/>
+          <p:cNvSpPr>
+            <a:spLocks noGrp="1"/>
+          </p:cNvSpPr>
+          <p:nvPr>
+            <p:ph idx="1"/>
+          </p:nvPr>
+        </p:nvSpPr>
+        <p:spPr/>
+        <p:txBody>
+          <a:bodyPr>
+            <a:normAutofit/>
+          </a:bodyPr>
+          <a:lstStyle/>
+          <a:p>
+            <a:r>
+              <a:rPr lang="en-US" altLang="zh-TW" sz="3200" dirty="0" smtClean="0"/>
+              <a:t>Q</a:t>
+            </a:r>
+            <a:r>
+              <a:rPr lang="zh-TW" altLang="en-US" sz="3200" dirty="0" smtClean="0"/>
+              <a:t> </a:t>
+            </a:r>
+            <a:r>
+              <a:rPr lang="en-US" altLang="zh-TW" sz="3200" dirty="0" smtClean="0"/>
+              <a:t>:</a:t>
+            </a:r>
+            <a:r>
+              <a:rPr lang="zh-TW" altLang="en-US" sz="3200" dirty="0" smtClean="0"/>
+              <a:t> </a:t>
+            </a:r>
+            <a:r>
+              <a:rPr lang="en-US" altLang="zh-TW" sz="3200" dirty="0" smtClean="0"/>
+              <a:t>Yelp API</a:t>
+            </a:r>
+            <a:r>
+              <a:rPr lang="zh-TW" altLang="en-US" sz="3200" dirty="0" smtClean="0"/>
+              <a:t>今年四月份改版，原有的</a:t>
+            </a:r>
+            <a:r>
+              <a:rPr lang="en-US" altLang="zh-TW" sz="3200" dirty="0" smtClean="0"/>
+              <a:t>Java</a:t>
+            </a:r>
+            <a:r>
+              <a:rPr lang="zh-TW" altLang="en-US" sz="3200" dirty="0" smtClean="0"/>
+              <a:t>範例都無法使用。</a:t>
+            </a:r>
+            <a:endParaRPr lang="en-US" altLang="zh-TW" sz="3200" dirty="0" smtClean="0"/>
+          </a:p>
+          <a:p>
+            <a:pPr marL="0" indent="0">
+              <a:buNone/>
+            </a:pPr>
+            <a:endParaRPr lang="en-US" altLang="zh-TW" sz="3200" dirty="0"/>
+          </a:p>
+          <a:p>
+            <a:r>
+              <a:rPr lang="en-US" altLang="zh-TW" sz="2000" dirty="0" smtClean="0">
+                <a:solidFill>
+                  <a:srgbClr val="FF0000"/>
+                </a:solidFill>
+              </a:rPr>
+              <a:t>A : </a:t>
+            </a:r>
+            <a:r>
+              <a:rPr lang="zh-TW" altLang="en-US" sz="2000" dirty="0" smtClean="0">
+                <a:solidFill>
+                  <a:srgbClr val="FF0000"/>
+                </a:solidFill>
+              </a:rPr>
+              <a:t>自己動手刻一個</a:t>
+            </a:r>
+            <a:r>
+              <a:rPr lang="en-US" altLang="zh-TW" sz="2000" dirty="0" smtClean="0">
+                <a:solidFill>
+                  <a:srgbClr val="FF0000"/>
+                </a:solidFill>
+              </a:rPr>
+              <a:t>Java</a:t>
+            </a:r>
+            <a:r>
+              <a:rPr lang="zh-TW" altLang="en-US" sz="2000" dirty="0" smtClean="0">
+                <a:solidFill>
+                  <a:srgbClr val="FF0000"/>
+                </a:solidFill>
+              </a:rPr>
+              <a:t>模板來使用</a:t>
+            </a:r>
+            <a:r>
+              <a:rPr lang="en-US" altLang="zh-TW" sz="2000" dirty="0" smtClean="0">
+                <a:solidFill>
+                  <a:srgbClr val="FF0000"/>
+                </a:solidFill>
+              </a:rPr>
+              <a:t>Yelp</a:t>
+            </a:r>
+            <a:r>
+              <a:rPr lang="zh-TW" altLang="en-US" sz="2000" dirty="0" smtClean="0">
+                <a:solidFill>
+                  <a:srgbClr val="FF0000"/>
+                </a:solidFill>
+              </a:rPr>
+              <a:t> </a:t>
+            </a:r>
+            <a:r>
+              <a:rPr lang="en-US" altLang="zh-TW" sz="2000" dirty="0" smtClean="0">
+                <a:solidFill>
+                  <a:srgbClr val="FF0000"/>
+                </a:solidFill>
+              </a:rPr>
+              <a:t>API</a:t>
+            </a:r>
+            <a:r>
+              <a:rPr lang="zh-TW" altLang="en-US" sz="2000" dirty="0" smtClean="0">
+                <a:solidFill>
+                  <a:srgbClr val="FF0000"/>
+                </a:solidFill>
+              </a:rPr>
+              <a:t>。</a:t>
+            </a:r>
+            <a:endParaRPr lang="zh-TW" altLang="en-US" sz="2000" dirty="0">
+              <a:solidFill>
+                <a:srgbClr val="FF0000"/>
+              </a:solidFill>
+            </a:endParaRPr>
+          </a:p>
+        </p:txBody>
+      </p:sp>
+    </p:spTree>
+    <p:extLst>
+      <p:ext uri="{BB962C8B-B14F-4D97-AF65-F5344CB8AC3E}">
+        <p14:creationId xmlns:p14="http://schemas.microsoft.com/office/powerpoint/2010/main" val="380199"/>
+      </p:ext>
+    </p:extLst>
+  </p:cSld>
+  <p:clrMapOvr>
+    <a:masterClrMapping/>
+  </p:clrMapOvr>
+</p:sld>
+</file>
+
+<file path=ppt/slides/slide31.xml><?xml version="1.0" encoding="utf-8"?>
+<p:sld xmlns:a="http://schemas.openxmlformats.org/drawingml/2006/main" xmlns:r="http://schemas.openxmlformats.org/officeDocument/2006/relationships" xmlns:p="http://schemas.openxmlformats.org/presentationml/2006/main">
+  <p:cSld>
+    <p:spTree>
+      <p:nvGrpSpPr>
+        <p:cNvPr id="1" name=""/>
+        <p:cNvGrpSpPr/>
+        <p:nvPr/>
+      </p:nvGrpSpPr>
+      <p:grpSpPr>
+        <a:xfrm>
+          <a:off x="0" y="0"/>
+          <a:ext cx="0" cy="0"/>
+          <a:chOff x="0" y="0"/>
+          <a:chExt cx="0" cy="0"/>
+        </a:xfrm>
+      </p:grpSpPr>
+      <p:sp>
+        <p:nvSpPr>
+          <p:cNvPr id="2" name="標題 1"/>
+          <p:cNvSpPr>
+            <a:spLocks noGrp="1"/>
+          </p:cNvSpPr>
+          <p:nvPr>
+            <p:ph type="title"/>
+          </p:nvPr>
+        </p:nvSpPr>
+        <p:spPr/>
+        <p:txBody>
+          <a:bodyPr/>
+          <a:lstStyle/>
+          <a:p>
+            <a:r>
+              <a:rPr lang="zh-TW" altLang="en-US" dirty="0" smtClean="0"/>
+              <a:t>遭遇的困難</a:t>
+            </a:r>
+            <a:r>
+              <a:rPr lang="en-US" altLang="zh-TW" baseline="-25000" dirty="0" smtClean="0"/>
+              <a:t>2</a:t>
+            </a:r>
+            <a:endParaRPr lang="zh-TW" altLang="en-US" baseline="-25000" dirty="0"/>
+          </a:p>
+        </p:txBody>
+      </p:sp>
+      <p:sp>
+        <p:nvSpPr>
+          <p:cNvPr id="3" name="內容版面配置區 2"/>
+          <p:cNvSpPr>
+            <a:spLocks noGrp="1"/>
+          </p:cNvSpPr>
+          <p:nvPr>
+            <p:ph idx="1"/>
+          </p:nvPr>
+        </p:nvSpPr>
+        <p:spPr/>
+        <p:txBody>
+          <a:bodyPr>
+            <a:normAutofit/>
+          </a:bodyPr>
+          <a:lstStyle/>
+          <a:p>
+            <a:r>
+              <a:rPr lang="en-US" altLang="zh-TW" sz="3200" dirty="0" smtClean="0"/>
+              <a:t>Q</a:t>
+            </a:r>
+            <a:r>
+              <a:rPr lang="zh-TW" altLang="en-US" sz="3200" dirty="0" smtClean="0"/>
+              <a:t> </a:t>
+            </a:r>
+            <a:r>
+              <a:rPr lang="en-US" altLang="zh-TW" sz="3200" dirty="0" smtClean="0"/>
+              <a:t>:</a:t>
+            </a:r>
+            <a:r>
+              <a:rPr lang="zh-TW" altLang="en-US" sz="3200" dirty="0" smtClean="0"/>
+              <a:t> </a:t>
+            </a:r>
+            <a:r>
+              <a:rPr lang="en-US" altLang="zh-TW" sz="3200" dirty="0" smtClean="0"/>
+              <a:t>Yelp API </a:t>
+            </a:r>
+            <a:r>
+              <a:rPr lang="zh-TW" altLang="en-US" sz="3200" dirty="0" smtClean="0"/>
+              <a:t>運作速度過於緩慢，導致</a:t>
+            </a:r>
+            <a:r>
+              <a:rPr lang="en-US" altLang="zh-TW" sz="3200" dirty="0" smtClean="0"/>
+              <a:t>debug</a:t>
+            </a:r>
+            <a:r>
+              <a:rPr lang="zh-TW" altLang="en-US" sz="3200" dirty="0" smtClean="0"/>
+              <a:t>過程困難。</a:t>
+            </a:r>
+            <a:endParaRPr lang="en-US" altLang="zh-TW" sz="3200" dirty="0" smtClean="0"/>
+          </a:p>
+          <a:p>
+            <a:pPr marL="0" indent="0">
+              <a:buNone/>
+            </a:pPr>
+            <a:endParaRPr lang="en-US" altLang="zh-TW" sz="3200" dirty="0"/>
+          </a:p>
+          <a:p>
+            <a:r>
+              <a:rPr lang="en-US" altLang="zh-TW" sz="2000" dirty="0" smtClean="0">
+                <a:solidFill>
+                  <a:srgbClr val="FF0000"/>
+                </a:solidFill>
+              </a:rPr>
+              <a:t>A : </a:t>
+            </a:r>
+            <a:r>
+              <a:rPr lang="zh-TW" altLang="en-US" sz="2000" dirty="0" smtClean="0">
+                <a:solidFill>
+                  <a:srgbClr val="FF0000"/>
+                </a:solidFill>
+              </a:rPr>
+              <a:t>要有耐心喔</a:t>
+            </a:r>
+            <a:r>
+              <a:rPr lang="en-US" altLang="zh-TW" sz="2000" dirty="0" smtClean="0">
+                <a:solidFill>
+                  <a:srgbClr val="FF0000"/>
+                </a:solidFill>
+              </a:rPr>
+              <a:t>~</a:t>
+            </a:r>
+            <a:r>
+              <a:rPr lang="zh-TW" altLang="en-US" sz="2000" dirty="0" smtClean="0">
+                <a:solidFill>
+                  <a:srgbClr val="FF0000"/>
+                </a:solidFill>
+              </a:rPr>
+              <a:t>啾咪</a:t>
+            </a:r>
+            <a:r>
+              <a:rPr lang="en-US" altLang="zh-TW" sz="2000" dirty="0" smtClean="0">
+                <a:solidFill>
+                  <a:srgbClr val="FF0000"/>
+                </a:solidFill>
+              </a:rPr>
+              <a:t>&gt;_O</a:t>
+            </a:r>
+            <a:r>
+              <a:rPr lang="zh-TW" altLang="en-US" sz="2000" dirty="0" smtClean="0">
+                <a:solidFill>
+                  <a:srgbClr val="FF0000"/>
+                </a:solidFill>
+              </a:rPr>
+              <a:t>。</a:t>
+            </a:r>
+            <a:endParaRPr lang="zh-TW" altLang="en-US" sz="2000" dirty="0">
+              <a:solidFill>
+                <a:srgbClr val="FF0000"/>
+              </a:solidFill>
+            </a:endParaRPr>
+          </a:p>
+        </p:txBody>
+      </p:sp>
+    </p:spTree>
+    <p:extLst>
+      <p:ext uri="{BB962C8B-B14F-4D97-AF65-F5344CB8AC3E}">
+        <p14:creationId xmlns:p14="http://schemas.microsoft.com/office/powerpoint/2010/main" val="148766705"/>
+      </p:ext>
+    </p:extLst>
+  </p:cSld>
+  <p:clrMapOvr>
+    <a:masterClrMapping/>
+  </p:clrMapOvr>
+</p:sld>
+</file>
+
+<file path=ppt/slides/slide32.xml><?xml version="1.0" encoding="utf-8"?>
+<p:sld xmlns:a="http://schemas.openxmlformats.org/drawingml/2006/main" xmlns:r="http://schemas.openxmlformats.org/officeDocument/2006/relationships" xmlns:p="http://schemas.openxmlformats.org/presentationml/2006/main">
+  <p:cSld>
+    <p:spTree>
+      <p:nvGrpSpPr>
+        <p:cNvPr id="1" name=""/>
+        <p:cNvGrpSpPr/>
+        <p:nvPr/>
+      </p:nvGrpSpPr>
+      <p:grpSpPr>
+        <a:xfrm>
+          <a:off x="0" y="0"/>
+          <a:ext cx="0" cy="0"/>
+          <a:chOff x="0" y="0"/>
+          <a:chExt cx="0" cy="0"/>
+        </a:xfrm>
+      </p:grpSpPr>
+      <p:sp>
+        <p:nvSpPr>
+          <p:cNvPr id="2" name="標題 1"/>
+          <p:cNvSpPr>
+            <a:spLocks noGrp="1"/>
+          </p:cNvSpPr>
+          <p:nvPr>
+            <p:ph type="title"/>
+          </p:nvPr>
+        </p:nvSpPr>
+        <p:spPr/>
+        <p:txBody>
+          <a:bodyPr/>
+          <a:lstStyle/>
+          <a:p>
+            <a:r>
+              <a:rPr lang="zh-TW" altLang="en-US" dirty="0" smtClean="0"/>
+              <a:t>遭遇的困難</a:t>
+            </a:r>
+            <a:r>
+              <a:rPr lang="en-US" altLang="zh-TW" baseline="-25000" dirty="0" smtClean="0"/>
+              <a:t>3</a:t>
+            </a:r>
+            <a:endParaRPr lang="zh-TW" altLang="en-US" baseline="-25000" dirty="0"/>
+          </a:p>
+        </p:txBody>
+      </p:sp>
+      <p:sp>
+        <p:nvSpPr>
+          <p:cNvPr id="3" name="內容版面配置區 2"/>
+          <p:cNvSpPr>
+            <a:spLocks noGrp="1"/>
+          </p:cNvSpPr>
+          <p:nvPr>
+            <p:ph idx="1"/>
+          </p:nvPr>
+        </p:nvSpPr>
+        <p:spPr/>
+        <p:txBody>
+          <a:bodyPr>
+            <a:normAutofit/>
+          </a:bodyPr>
+          <a:lstStyle/>
+          <a:p>
+            <a:r>
+              <a:rPr lang="en-US" altLang="zh-TW" sz="3200" dirty="0" smtClean="0"/>
+              <a:t>Q</a:t>
+            </a:r>
+            <a:r>
+              <a:rPr lang="zh-TW" altLang="en-US" sz="3200" dirty="0" smtClean="0"/>
+              <a:t> </a:t>
+            </a:r>
+            <a:r>
+              <a:rPr lang="en-US" altLang="zh-TW" sz="3200" dirty="0" smtClean="0"/>
+              <a:t>:</a:t>
+            </a:r>
+            <a:r>
+              <a:rPr lang="zh-TW" altLang="en-US" sz="3200" dirty="0" smtClean="0"/>
+              <a:t> 有嚴重</a:t>
+            </a:r>
+            <a:r>
+              <a:rPr lang="en-US" altLang="zh-TW" sz="3200" dirty="0" smtClean="0"/>
+              <a:t>Big5</a:t>
+            </a:r>
+            <a:r>
+              <a:rPr lang="zh-TW" altLang="en-US" sz="3200" dirty="0" smtClean="0"/>
+              <a:t>編碼腦粉組員存在，導致</a:t>
+            </a:r>
+            <a:r>
+              <a:rPr lang="en-US" altLang="zh-TW" sz="3200" dirty="0" smtClean="0"/>
+              <a:t>debug</a:t>
+            </a:r>
+            <a:r>
+              <a:rPr lang="zh-TW" altLang="en-US" sz="3200" dirty="0" smtClean="0"/>
+              <a:t>過程艱辛。</a:t>
+            </a:r>
+            <a:endParaRPr lang="en-US" altLang="zh-TW" sz="3200" dirty="0" smtClean="0"/>
+          </a:p>
+          <a:p>
+            <a:pPr marL="0" indent="0">
+              <a:buNone/>
+            </a:pPr>
+            <a:endParaRPr lang="en-US" altLang="zh-TW" sz="3200" dirty="0"/>
+          </a:p>
+          <a:p>
+            <a:r>
+              <a:rPr lang="en-US" altLang="zh-TW" sz="2000" dirty="0" smtClean="0">
+                <a:solidFill>
+                  <a:srgbClr val="FF0000"/>
+                </a:solidFill>
+              </a:rPr>
+              <a:t>A : </a:t>
+            </a:r>
+            <a:r>
+              <a:rPr lang="zh-TW" altLang="en-US" sz="2000" dirty="0" smtClean="0">
+                <a:solidFill>
+                  <a:srgbClr val="FF0000"/>
+                </a:solidFill>
+              </a:rPr>
+              <a:t>鞭打成</a:t>
+            </a:r>
+            <a:r>
+              <a:rPr lang="en-US" altLang="zh-TW" sz="2000" dirty="0" smtClean="0">
+                <a:solidFill>
+                  <a:srgbClr val="FF0000"/>
+                </a:solidFill>
+              </a:rPr>
+              <a:t>UTF-8</a:t>
+            </a:r>
+            <a:r>
+              <a:rPr lang="zh-TW" altLang="en-US" sz="2000" dirty="0" smtClean="0">
+                <a:solidFill>
+                  <a:srgbClr val="FF0000"/>
+                </a:solidFill>
+              </a:rPr>
+              <a:t>腦粉喔</a:t>
+            </a:r>
+            <a:r>
+              <a:rPr lang="en-US" altLang="zh-TW" sz="2000" dirty="0" smtClean="0">
+                <a:solidFill>
+                  <a:srgbClr val="FF0000"/>
+                </a:solidFill>
+              </a:rPr>
+              <a:t>~</a:t>
+            </a:r>
+            <a:r>
+              <a:rPr lang="zh-TW" altLang="en-US" sz="2000" dirty="0" smtClean="0">
+                <a:solidFill>
+                  <a:srgbClr val="FF0000"/>
+                </a:solidFill>
+              </a:rPr>
+              <a:t>啾咪</a:t>
+            </a:r>
+            <a:r>
+              <a:rPr lang="en-US" altLang="zh-TW" sz="2000" dirty="0" smtClean="0">
+                <a:solidFill>
+                  <a:srgbClr val="FF0000"/>
+                </a:solidFill>
+              </a:rPr>
+              <a:t>&gt;_O</a:t>
+            </a:r>
+            <a:r>
+              <a:rPr lang="zh-TW" altLang="en-US" sz="2000" dirty="0" smtClean="0">
+                <a:solidFill>
+                  <a:srgbClr val="FF0000"/>
+                </a:solidFill>
+              </a:rPr>
+              <a:t>。</a:t>
+            </a:r>
+            <a:endParaRPr lang="zh-TW" altLang="en-US" sz="2000" dirty="0">
+              <a:solidFill>
+                <a:srgbClr val="FF0000"/>
+              </a:solidFill>
+            </a:endParaRPr>
+          </a:p>
+        </p:txBody>
+      </p:sp>
+    </p:spTree>
+    <p:extLst>
+      <p:ext uri="{BB962C8B-B14F-4D97-AF65-F5344CB8AC3E}">
+        <p14:creationId xmlns:p14="http://schemas.microsoft.com/office/powerpoint/2010/main" val="3741525345"/>
+      </p:ext>
+    </p:extLst>
+  </p:cSld>
+  <p:clrMapOvr>
+    <a:masterClrMapping/>
+  </p:clrMapOvr>
+</p:sld>
+</file>
+
+<file path=ppt/slides/slide33.xml><?xml version="1.0" encoding="utf-8"?>
+<p:sld xmlns:a="http://schemas.openxmlformats.org/drawingml/2006/main" xmlns:r="http://schemas.openxmlformats.org/officeDocument/2006/relationships" xmlns:p="http://schemas.openxmlformats.org/presentationml/2006/main">
+  <p:cSld>
+    <p:spTree>
+      <p:nvGrpSpPr>
+        <p:cNvPr id="1" name=""/>
+        <p:cNvGrpSpPr/>
+        <p:nvPr/>
+      </p:nvGrpSpPr>
+      <p:grpSpPr>
+        <a:xfrm>
+          <a:off x="0" y="0"/>
+          <a:ext cx="0" cy="0"/>
+          <a:chOff x="0" y="0"/>
+          <a:chExt cx="0" cy="0"/>
+        </a:xfrm>
+      </p:grpSpPr>
+      <p:sp>
+        <p:nvSpPr>
+          <p:cNvPr id="2" name="標題 1"/>
+          <p:cNvSpPr>
+            <a:spLocks noGrp="1"/>
+          </p:cNvSpPr>
+          <p:nvPr>
+            <p:ph type="title"/>
+          </p:nvPr>
+        </p:nvSpPr>
+        <p:spPr/>
+        <p:txBody>
+          <a:bodyPr/>
+          <a:lstStyle/>
+          <a:p>
+            <a:r>
+              <a:rPr lang="zh-TW" altLang="en-US" dirty="0" smtClean="0"/>
+              <a:t>參考</a:t>
+            </a:r>
+            <a:endParaRPr lang="zh-TW" altLang="en-US" dirty="0"/>
+          </a:p>
+        </p:txBody>
+      </p:sp>
+      <p:sp>
+        <p:nvSpPr>
+          <p:cNvPr id="3" name="內容版面配置區 2"/>
+          <p:cNvSpPr>
+            <a:spLocks noGrp="1"/>
+          </p:cNvSpPr>
+          <p:nvPr>
+            <p:ph idx="1"/>
+          </p:nvPr>
+        </p:nvSpPr>
+        <p:spPr/>
+        <p:txBody>
+          <a:bodyPr/>
+          <a:lstStyle/>
+          <a:p>
+            <a:r>
+              <a:rPr lang="en-US" altLang="zh-TW" dirty="0" smtClean="0"/>
+              <a:t>Yelp </a:t>
+            </a:r>
+            <a:r>
+              <a:rPr lang="en-US" altLang="zh-TW" dirty="0"/>
+              <a:t>API Document: </a:t>
+            </a:r>
+            <a:r>
+              <a:rPr lang="en-US" altLang="zh-TW" dirty="0">
+                <a:hlinkClick r:id="rId2"/>
+              </a:rPr>
+              <a:t>https://</a:t>
+            </a:r>
+            <a:r>
+              <a:rPr lang="en-US" altLang="zh-TW" dirty="0" smtClean="0">
+                <a:hlinkClick r:id="rId2"/>
+              </a:rPr>
+              <a:t>www.yelp.com/developers/documentation/v3</a:t>
+            </a:r>
+            <a:endParaRPr lang="en-US" altLang="zh-TW" dirty="0" smtClean="0"/>
+          </a:p>
+          <a:p>
+            <a:endParaRPr lang="zh-TW" altLang="en-US" dirty="0"/>
+          </a:p>
+        </p:txBody>
+      </p:sp>
+    </p:spTree>
+    <p:extLst>
+      <p:ext uri="{BB962C8B-B14F-4D97-AF65-F5344CB8AC3E}">
+        <p14:creationId xmlns:p14="http://schemas.microsoft.com/office/powerpoint/2010/main" val="430039658"/>
+      </p:ext>
+    </p:extLst>
+  </p:cSld>
+  <p:clrMapOvr>
+    <a:masterClrMapping/>
+  </p:clrMapOvr>
+</p:sld>
+</file>
+
+<file path=ppt/slides/slide34.xml><?xml version="1.0" encoding="utf-8"?>
+<p:sld xmlns:a="http://schemas.openxmlformats.org/drawingml/2006/main" xmlns:r="http://schemas.openxmlformats.org/officeDocument/2006/relationships" xmlns:p="http://schemas.openxmlformats.org/presentationml/2006/main">
+  <p:cSld>
+    <p:spTree>
+      <p:nvGrpSpPr>
+        <p:cNvPr id="1" name=""/>
+        <p:cNvGrpSpPr/>
+        <p:nvPr/>
+      </p:nvGrpSpPr>
+      <p:grpSpPr>
+        <a:xfrm>
+          <a:off x="0" y="0"/>
+          <a:ext cx="0" cy="0"/>
+          <a:chOff x="0" y="0"/>
+          <a:chExt cx="0" cy="0"/>
+        </a:xfrm>
+      </p:grpSpPr>
+      <p:sp>
+        <p:nvSpPr>
+          <p:cNvPr id="2" name="標題 1"/>
+          <p:cNvSpPr>
+            <a:spLocks noGrp="1"/>
+          </p:cNvSpPr>
+          <p:nvPr>
+            <p:ph type="title"/>
+          </p:nvPr>
+        </p:nvSpPr>
+        <p:spPr/>
+        <p:txBody>
+          <a:bodyPr/>
+          <a:lstStyle/>
+          <a:p>
+            <a:r>
+              <a:rPr lang="zh-TW" altLang="en-US" dirty="0"/>
+              <a:t>組員分工情況</a:t>
+            </a:r>
+          </a:p>
+        </p:txBody>
+      </p:sp>
+      <p:sp>
+        <p:nvSpPr>
+          <p:cNvPr id="3" name="內容版面配置區 2"/>
+          <p:cNvSpPr>
+            <a:spLocks noGrp="1"/>
+          </p:cNvSpPr>
+          <p:nvPr>
+            <p:ph idx="1"/>
+          </p:nvPr>
+        </p:nvSpPr>
+        <p:spPr/>
+        <p:txBody>
+          <a:bodyPr/>
+          <a:lstStyle/>
+          <a:p>
+            <a:r>
+              <a:rPr lang="zh-TW" altLang="en-US" dirty="0" smtClean="0"/>
+              <a:t>黃佳惠：會員系統，</a:t>
             </a:r>
             <a:r>
               <a:rPr lang="en-US" altLang="zh-TW" dirty="0" smtClean="0"/>
@@ -13865,30 +14100,18 @@
           <a:p>
             <a:r>
               <a:rPr lang="zh-TW" altLang="en-US" dirty="0" smtClean="0"/>
-              <a:t>彭冠傑</a:t>
-            </a:r>
+              <a:t>彭冠傑：搜尋列表、收藏列表、收藏結果</a:t>
+            </a:r>
+            <a:endParaRPr lang="en-US" altLang="zh-TW" dirty="0" smtClean="0"/>
+          </a:p>
+          <a:p>
             <a:r>
               <a:rPr lang="zh-TW" altLang="en-US" dirty="0" smtClean="0"/>
-              <a:t>：搜尋列表、收藏列表、收藏結果</a:t>
-            </a:r>
-            <a:endParaRPr lang="en-US" altLang="zh-TW" dirty="0" smtClean="0"/>
-          </a:p>
-          <a:p>
-            <a:r>
-              <a:rPr lang="zh-TW" altLang="en-US" dirty="0" smtClean="0"/>
-              <a:t>陳威廷</a:t>
-            </a:r>
-            <a:r>
-              <a:rPr lang="zh-TW" altLang="en-US" dirty="0" smtClean="0"/>
-              <a:t>：評論、</a:t>
+              <a:t>陳威廷：評論、</a:t>
             </a:r>
             <a:r>
               <a:rPr lang="en-US" altLang="zh-TW" dirty="0" smtClean="0"/>
-              <a:t>Yelp </a:t>
-            </a:r>
-            <a:r>
-              <a:rPr lang="en-US" altLang="zh-TW" dirty="0" smtClean="0"/>
-              <a:t>API</a:t>
+              <a:t>Yelp API</a:t>
             </a:r>
             <a:r>
               <a:rPr lang="zh-TW" altLang="en-US" dirty="0" smtClean="0"/>
@@ -13899,11 +14122,7 @@
           <a:p>
             <a:r>
               <a:rPr lang="zh-TW" altLang="en-US" dirty="0" smtClean="0"/>
-              <a:t>田慶秋</a:t>
-            </a:r>
-            <a:r>
-              <a:rPr lang="zh-TW" altLang="en-US" dirty="0" smtClean="0"/>
-              <a:t>：</a:t>
+              <a:t>田慶秋：</a:t>
             </a:r>
             <a:r>
               <a:rPr lang="en-US" altLang="zh-TW" dirty="0" smtClean="0"/>
@@ -13911,7 +14130,7 @@
             </a:r>
             <a:r>
               <a:rPr lang="zh-TW" altLang="en-US" dirty="0" smtClean="0"/>
-              <a:t>設計</a:t>
+              <a:t>設計、系統測試</a:t>
             </a:r>
             <a:endParaRPr lang="zh-TW" altLang="en-US" dirty="0"/>
           </a:p>
@@ -13960,179 +14179,6 @@
 </p:sld>
 </file>
 
-<file path=ppt/slides/slide3.xml><?xml version="1.0" encoding="utf-8"?>
-<p:sld xmlns:a="http://schemas.openxmlformats.org/drawingml/2006/main" xmlns:r="http://schemas.openxmlformats.org/officeDocument/2006/relationships" xmlns:p="http://schemas.openxmlformats.org/presentationml/2006/main">
-  <p:cSld>
-    <p:spTree>
-      <p:nvGrpSpPr>
-        <p:cNvPr id="1" name=""/>
-        <p:cNvGrpSpPr/>
-        <p:nvPr/>
-      </p:nvGrpSpPr>
-      <p:grpSpPr>
-        <a:xfrm>
-          <a:off x="0" y="0"/>
-          <a:ext cx="0" cy="0"/>
-          <a:chOff x="0" y="0"/>
-          <a:chExt cx="0" cy="0"/>
-        </a:xfrm>
-      </p:grpSpPr>
-      <p:sp>
-        <p:nvSpPr>
-          <p:cNvPr id="2" name="標題 1"/>
-          <p:cNvSpPr>
-            <a:spLocks noGrp="1"/>
-          </p:cNvSpPr>
-          <p:nvPr>
-            <p:ph type="title"/>
-          </p:nvPr>
-        </p:nvSpPr>
-        <p:spPr/>
-        <p:txBody>
-          <a:bodyPr/>
-          <a:lstStyle/>
-          <a:p>
-            <a:r>
-              <a:rPr lang="zh-TW" altLang="en-US" dirty="0" smtClean="0"/>
-              <a:t>技術概念和特色</a:t>
-            </a:r>
-            <a:endParaRPr lang="zh-TW" altLang="en-US" dirty="0"/>
-          </a:p>
-        </p:txBody>
-      </p:sp>
-      <p:sp>
-        <p:nvSpPr>
-          <p:cNvPr id="3" name="內容版面配置區 2"/>
-          <p:cNvSpPr>
-            <a:spLocks noGrp="1"/>
-          </p:cNvSpPr>
-          <p:nvPr>
-            <p:ph idx="1"/>
-          </p:nvPr>
-        </p:nvSpPr>
-        <p:spPr/>
-        <p:txBody>
-          <a:bodyPr/>
-          <a:lstStyle/>
-          <a:p>
-            <a:r>
-              <a:rPr lang="zh-TW" altLang="en-US" dirty="0" smtClean="0"/>
-              <a:t>透過簡易的</a:t>
-            </a:r>
-            <a:r>
-              <a:rPr lang="en-US" altLang="zh-TW" dirty="0" smtClean="0"/>
-              <a:t>Http Get</a:t>
-            </a:r>
-            <a:r>
-              <a:rPr lang="zh-TW" altLang="en-US" dirty="0" smtClean="0"/>
-              <a:t>即可獲得許</a:t>
-            </a:r>
-            <a:r>
-              <a:rPr lang="zh-TW" altLang="en-US" dirty="0"/>
-              <a:t>多</a:t>
-            </a:r>
-            <a:r>
-              <a:rPr lang="zh-TW" altLang="en-US" dirty="0" smtClean="0"/>
-              <a:t>店家的資訊，包含</a:t>
-            </a:r>
-            <a:endParaRPr lang="en-US" altLang="zh-TW" dirty="0" smtClean="0"/>
-          </a:p>
-          <a:p>
-            <a:pPr lvl="1"/>
-            <a:r>
-              <a:rPr lang="zh-TW" altLang="en-US" dirty="0" smtClean="0"/>
-              <a:t>餐廳</a:t>
-            </a:r>
-            <a:endParaRPr lang="en-US" altLang="zh-TW" dirty="0" smtClean="0"/>
-          </a:p>
-          <a:p>
-            <a:pPr lvl="1"/>
-            <a:r>
-              <a:rPr lang="zh-TW" altLang="en-US" dirty="0" smtClean="0"/>
-              <a:t>快遞</a:t>
-            </a:r>
-            <a:endParaRPr lang="en-US" altLang="zh-TW" dirty="0" smtClean="0"/>
-          </a:p>
-          <a:p>
-            <a:pPr lvl="1"/>
-            <a:r>
-              <a:rPr lang="zh-TW" altLang="en-US" dirty="0" smtClean="0"/>
-              <a:t>景點</a:t>
-            </a:r>
-            <a:endParaRPr lang="en-US" altLang="zh-TW" dirty="0" smtClean="0"/>
-          </a:p>
-          <a:p>
-            <a:pPr lvl="1"/>
-            <a:endParaRPr lang="en-US" altLang="zh-TW" dirty="0" smtClean="0"/>
-          </a:p>
-          <a:p>
-            <a:r>
-              <a:rPr lang="zh-TW" altLang="en-US" dirty="0" smtClean="0"/>
-              <a:t>可</a:t>
-            </a:r>
-            <a:r>
-              <a:rPr lang="zh-TW" altLang="en-US" dirty="0"/>
-              <a:t>設定的參數多樣</a:t>
-            </a:r>
-            <a:endParaRPr lang="en-US" altLang="zh-TW" dirty="0"/>
-          </a:p>
-          <a:p>
-            <a:pPr lvl="1"/>
-            <a:r>
-              <a:rPr lang="zh-TW" altLang="en-US" dirty="0"/>
-              <a:t>店家名稱</a:t>
-            </a:r>
-            <a:endParaRPr lang="en-US" altLang="zh-TW" dirty="0"/>
-          </a:p>
-          <a:p>
-            <a:pPr lvl="1"/>
-            <a:r>
-              <a:rPr lang="zh-TW" altLang="en-US" dirty="0"/>
-              <a:t>距離</a:t>
-            </a:r>
-            <a:endParaRPr lang="en-US" altLang="zh-TW" dirty="0"/>
-          </a:p>
-          <a:p>
-            <a:pPr lvl="1"/>
-            <a:r>
-              <a:rPr lang="zh-TW" altLang="en-US" dirty="0"/>
-              <a:t>區域</a:t>
-            </a:r>
-            <a:endParaRPr lang="en-US" altLang="zh-TW" dirty="0"/>
-          </a:p>
-          <a:p>
-            <a:pPr lvl="1"/>
-            <a:r>
-              <a:rPr lang="zh-TW" altLang="en-US" dirty="0"/>
-              <a:t>營業時間</a:t>
-            </a:r>
-          </a:p>
-          <a:p>
-            <a:pPr lvl="1"/>
-            <a:endParaRPr lang="en-US" altLang="zh-TW" dirty="0" smtClean="0"/>
-          </a:p>
-        </p:txBody>
-      </p:sp>
-    </p:spTree>
-    <p:extLst>
-      <p:ext uri="{BB962C8B-B14F-4D97-AF65-F5344CB8AC3E}">
-        <p14:creationId xmlns:p14="http://schemas.microsoft.com/office/powerpoint/2010/main" val="2539187730"/>
-      </p:ext>
-    </p:extLst>
-  </p:cSld>
-  <p:clrMapOvr>
-    <a:masterClrMapping/>
-  </p:clrMapOvr>
-  <p:timing>
-    <p:tnLst>
-      <p:par>
-        <p:cTn id="1" dur="indefinite" restart="never" nodeType="tmRoot"/>
-      </p:par>
-    </p:tnLst>
-  </p:timing>
-</p:sld>
-</file>
-
 <file path=ppt/slides/slide4.xml><?xml version="1.0" encoding="utf-8"?>
 <p:sld xmlns:a="http://schemas.openxmlformats.org/drawingml/2006/main" xmlns:r="http://schemas.openxmlformats.org/officeDocument/2006/relationships" xmlns:p="http://schemas.openxmlformats.org/presentationml/2006/main">
   <p:cSld>
@@ -14167,9 +14213,12 @@
           <a:p>
             <a:r>
               <a:rPr lang="zh-TW" altLang="en-US" dirty="0" smtClean="0"/>
-              <a:t>操作方式</a:t>
-            </a:r>
-            <a:endParaRPr lang="zh-TW" altLang="en-US" dirty="0"/>
+              <a:t>目前存在之</a:t>
+            </a:r>
+            <a:r>
+              <a:rPr lang="zh-TW" altLang="en-US" dirty="0"/>
+              <a:t>應用</a:t>
+            </a:r>
           </a:p>
         </p:txBody>
       </p:sp>
@@ -14189,88 +14238,117 @@
           <a:lstStyle/>
           <a:p>
             <a:r>
+              <a:rPr lang="en-US" altLang="zh-TW" dirty="0" smtClean="0"/>
+              <a:t>GRAPHIQ:</a:t>
+            </a:r>
+            <a:r>
               <a:rPr lang="zh-TW" altLang="en-US" dirty="0" smtClean="0"/>
-              <a:t>點擊標頭列中註冊的即可註冊成為會員</a:t>
+              <a:t> </a:t>
+            </a:r>
+            <a:r>
+              <a:rPr lang="en-US" altLang="zh-TW" dirty="0" smtClean="0">
+                <a:hlinkClick r:id="rId2"/>
+              </a:rPr>
+              <a:t>https</a:t>
+            </a:r>
+            <a:r>
+              <a:rPr lang="en-US" altLang="zh-TW" dirty="0">
+                <a:hlinkClick r:id="rId2"/>
+              </a:rPr>
+              <a:t>://www.graphiq.com</a:t>
+            </a:r>
+            <a:r>
+              <a:rPr lang="en-US" altLang="zh-TW" dirty="0" smtClean="0">
+                <a:hlinkClick r:id="rId2"/>
+              </a:rPr>
+              <a:t>/</a:t>
             </a:r>
             <a:endParaRPr lang="en-US" altLang="zh-TW" dirty="0" smtClean="0"/>
           </a:p>
           <a:p>
-            <a:endParaRPr lang="zh-TW" altLang="en-US" dirty="0"/>
-          </a:p>
-        </p:txBody>
-      </p:sp>
-      <p:pic>
-        <p:nvPicPr>
-          <p:cNvPr id="4" name="圖片 3"/>
-          <p:cNvPicPr>
-            <a:picLocks noChangeAspect="1"/>
-          </p:cNvPicPr>
-          <p:nvPr/>
-        </p:nvPicPr>
-        <p:blipFill>
-          <a:blip r:embed="rId2"/>
-          <a:stretch>
-            <a:fillRect/>
-          </a:stretch>
-        </p:blipFill>
-        <p:spPr>
-          <a:xfrm>
-            <a:off x="2853225" y="2582684"/>
-            <a:ext cx="7346428" cy="4130349"/>
-          </a:xfrm>
-          <a:prstGeom prst="rect">
-            <a:avLst/>
-          </a:prstGeom>
-        </p:spPr>
-      </p:pic>
-      <p:sp>
-        <p:nvSpPr>
-          <p:cNvPr id="5" name="橢圓 4"/>
-          <p:cNvSpPr/>
-          <p:nvPr/>
-        </p:nvSpPr>
-        <p:spPr>
-          <a:xfrm>
-            <a:off x="9564167" y="2988527"/>
-            <a:ext cx="1022163" cy="448247"/>
-          </a:xfrm>
-          <a:prstGeom prst="ellipse">
-            <a:avLst/>
-          </a:prstGeom>
-          <a:noFill/>
-          <a:ln>
-            <a:solidFill>
-              <a:srgbClr val="FF0000"/>
-            </a:solidFill>
-          </a:ln>
-        </p:spPr>
-        <p:style>
-          <a:lnRef idx="2">
-            <a:schemeClr val="dk1"/>
-          </a:lnRef>
-          <a:fillRef idx="1">
-            <a:schemeClr val="lt1"/>
-          </a:fillRef>
-          <a:effectRef idx="0">
-            <a:schemeClr val="dk1"/>
-          </a:effectRef>
-          <a:fontRef idx="minor">
-            <a:schemeClr val="dk1"/>
-          </a:fontRef>
-        </p:style>
-        <p:txBody>
-          <a:bodyPr rtlCol="0" anchor="ctr"/>
-          <a:lstStyle/>
-          <a:p>
-            <a:pPr algn="ctr"/>
-            <a:endParaRPr lang="zh-TW" altLang="en-US"/>
+            <a:pPr lvl="1"/>
+            <a:r>
+              <a:rPr lang="zh-TW" altLang="en-US" dirty="0" smtClean="0"/>
+              <a:t>可以搜尋關於該地區的圖形資訊，例如：天氣、地形等</a:t>
+            </a:r>
+            <a:endParaRPr lang="en-US" altLang="zh-TW" dirty="0" smtClean="0"/>
+          </a:p>
+          <a:p>
+            <a:endParaRPr lang="en-US" altLang="zh-TW" dirty="0" smtClean="0"/>
+          </a:p>
+          <a:p>
+            <a:r>
+              <a:rPr lang="en-US" altLang="zh-TW" dirty="0" smtClean="0"/>
+              <a:t>Yelp</a:t>
+            </a:r>
+          </a:p>
+          <a:p>
+            <a:pPr lvl="1"/>
+            <a:r>
+              <a:rPr lang="zh-TW" altLang="en-US" dirty="0"/>
+              <a:t>手機</a:t>
+            </a:r>
+            <a:r>
+              <a:rPr lang="en-US" altLang="zh-TW" dirty="0"/>
+              <a:t>APP</a:t>
+            </a:r>
+            <a:r>
+              <a:rPr lang="zh-TW" altLang="en-US" dirty="0"/>
+              <a:t>，可搜尋自己附近或是指定位置附近的店家或景點資訊</a:t>
+            </a:r>
+            <a:r>
+              <a:rPr lang="zh-TW" altLang="en-US" dirty="0" smtClean="0"/>
+              <a:t>。</a:t>
+            </a:r>
+            <a:endParaRPr lang="en-US" altLang="zh-TW" dirty="0" smtClean="0"/>
+          </a:p>
+          <a:p>
+            <a:endParaRPr lang="en-US" altLang="zh-TW" dirty="0" smtClean="0"/>
+          </a:p>
+          <a:p>
+            <a:r>
+              <a:rPr lang="en-US" altLang="zh-TW" dirty="0"/>
+              <a:t>Yelp Fusion</a:t>
+            </a:r>
+          </a:p>
+          <a:p>
+            <a:pPr lvl="1"/>
+            <a:r>
+              <a:rPr lang="en-US" altLang="zh-TW" dirty="0"/>
+              <a:t>Yelp</a:t>
+            </a:r>
+            <a:r>
+              <a:rPr lang="zh-TW" altLang="en-US" dirty="0"/>
+              <a:t>宣布結合</a:t>
+            </a:r>
+            <a:r>
+              <a:rPr lang="en-US" altLang="zh-TW" dirty="0"/>
+              <a:t>Fusion</a:t>
+            </a:r>
+            <a:r>
+              <a:rPr lang="zh-TW" altLang="en-US" dirty="0"/>
+              <a:t> </a:t>
+            </a:r>
+            <a:r>
+              <a:rPr lang="en-US" altLang="zh-TW" dirty="0" err="1"/>
+              <a:t>api</a:t>
+            </a:r>
+            <a:r>
+              <a:rPr lang="zh-TW" altLang="en-US" dirty="0"/>
+              <a:t>，可將搜尋結果最佳化及細分化，以及全天候的緩存，在搜尋某些資料時可以更加快速。</a:t>
+            </a:r>
+            <a:endParaRPr lang="en-US" altLang="zh-TW" dirty="0"/>
+          </a:p>
+          <a:p>
+            <a:pPr lvl="1"/>
+            <a:endParaRPr lang="en-US" altLang="zh-TW" dirty="0" smtClean="0"/>
           </a:p>
         </p:txBody>
       </p:sp>
     </p:spTree>
     <p:extLst>
       <p:ext uri="{BB962C8B-B14F-4D97-AF65-F5344CB8AC3E}">
-        <p14:creationId xmlns:p14="http://schemas.microsoft.com/office/powerpoint/2010/main" val="1486146415"/>
+        <p14:creationId xmlns:p14="http://schemas.microsoft.com/office/powerpoint/2010/main" val="366612798"/>
       </p:ext>
     </p:extLst>
   </p:cSld>
@@ -14319,7 +14397,10 @@
           <a:bodyPr/>
           <a:lstStyle/>
           <a:p>
-            <a:endParaRPr lang="zh-TW" altLang="en-US" dirty="0"/>
+            <a:r>
+              <a:rPr lang="zh-TW" altLang="en-US" dirty="0"/>
+              <a:t>潛在之應用</a:t>
+            </a:r>
           </a:p>
         </p:txBody>
       </p:sp>
@@ -14338,51 +14419,145 @@
           <a:bodyPr/>
           <a:lstStyle/>
           <a:p>
-            <a:endParaRPr lang="zh-TW" altLang="en-US"/>
-          </a:p>
-        </p:txBody>
-      </p:sp>
-      <p:pic>
-        <p:nvPicPr>
-          <p:cNvPr id="4" name="圖片 3"/>
-          <p:cNvPicPr>
-            <a:picLocks noChangeAspect="1"/>
-          </p:cNvPicPr>
-          <p:nvPr/>
-        </p:nvPicPr>
-        <p:blipFill>
-          <a:blip r:embed="rId2"/>
-          <a:stretch>
-            <a:fillRect/>
-          </a:stretch>
-        </p:blipFill>
-        <p:spPr>
-          <a:xfrm>
-            <a:off x="1634489" y="1127336"/>
-            <a:ext cx="9298305" cy="5227744"/>
-          </a:xfrm>
-          <a:prstGeom prst="rect">
-            <a:avLst/>
-          </a:prstGeom>
-        </p:spPr>
-      </p:pic>
+            <a:r>
+              <a:rPr lang="zh-TW" altLang="en-US" dirty="0"/>
+              <a:t>結合分享及貼文，成為類社群網站</a:t>
+            </a:r>
+            <a:r>
+              <a:rPr lang="en-US" altLang="zh-TW" dirty="0" smtClean="0"/>
+              <a:t>APP</a:t>
+            </a:r>
+          </a:p>
+          <a:p>
+            <a:pPr lvl="1"/>
+            <a:r>
+              <a:rPr lang="zh-TW" altLang="en-US" dirty="0" smtClean="0"/>
+              <a:t>可</a:t>
+            </a:r>
+            <a:r>
+              <a:rPr lang="zh-TW" altLang="en-US" dirty="0"/>
+              <a:t>讓用戶貼文打卡或是推薦餐廳，其他用戶並可在下面留言，製作出類似社群網站的多人互動</a:t>
+            </a:r>
+            <a:r>
+              <a:rPr lang="en-US" altLang="zh-TW" dirty="0"/>
+              <a:t>APP</a:t>
+            </a:r>
+            <a:r>
+              <a:rPr lang="zh-TW" altLang="en-US" dirty="0" smtClean="0"/>
+              <a:t>。</a:t>
+            </a:r>
+            <a:endParaRPr lang="en-US" altLang="zh-TW" dirty="0" smtClean="0"/>
+          </a:p>
+          <a:p>
+            <a:endParaRPr lang="en-US" altLang="zh-TW" dirty="0" smtClean="0"/>
+          </a:p>
+          <a:p>
+            <a:r>
+              <a:rPr lang="zh-TW" altLang="en-US" dirty="0"/>
+              <a:t>開發商家端</a:t>
+            </a:r>
+            <a:r>
+              <a:rPr lang="en-US" altLang="zh-TW" dirty="0"/>
+              <a:t>APP</a:t>
+            </a:r>
+            <a:r>
+              <a:rPr lang="zh-TW" altLang="en-US" dirty="0"/>
+              <a:t>，藉由</a:t>
+            </a:r>
+            <a:r>
+              <a:rPr lang="en-US" altLang="zh-TW" dirty="0"/>
+              <a:t>SERVER</a:t>
+            </a:r>
+            <a:r>
+              <a:rPr lang="zh-TW" altLang="en-US" dirty="0"/>
+              <a:t>間的互動增進效益</a:t>
+            </a:r>
+            <a:endParaRPr lang="en-US" altLang="zh-TW" dirty="0"/>
+          </a:p>
+          <a:p>
+            <a:pPr lvl="1"/>
+            <a:r>
+              <a:rPr lang="zh-TW" altLang="en-US" dirty="0"/>
+              <a:t>可開發商家端</a:t>
+            </a:r>
+            <a:r>
+              <a:rPr lang="en-US" altLang="zh-TW" dirty="0"/>
+              <a:t>APP</a:t>
+            </a:r>
+            <a:r>
+              <a:rPr lang="zh-TW" altLang="en-US" dirty="0"/>
+              <a:t>，藉此可增加許多新功能，例如</a:t>
+            </a:r>
+            <a:r>
+              <a:rPr lang="en-US" altLang="zh-TW" dirty="0"/>
+              <a:t>:</a:t>
+            </a:r>
+            <a:r>
+              <a:rPr lang="zh-TW" altLang="en-US" dirty="0"/>
+              <a:t>線上訂位，店家即時更新菜單</a:t>
+            </a:r>
+            <a:r>
+              <a:rPr lang="en-US" altLang="zh-TW" dirty="0"/>
+              <a:t>….</a:t>
+            </a:r>
+            <a:r>
+              <a:rPr lang="zh-TW" altLang="en-US" dirty="0"/>
+              <a:t>等等。</a:t>
+            </a:r>
+            <a:endParaRPr lang="en-US" altLang="zh-TW" dirty="0"/>
+          </a:p>
+          <a:p>
+            <a:pPr lvl="1"/>
+            <a:endParaRPr lang="en-US" altLang="zh-TW" dirty="0"/>
+          </a:p>
+          <a:p>
+            <a:pPr marL="0" indent="0">
+              <a:buNone/>
+            </a:pPr>
+            <a:endParaRPr lang="en-US" altLang="zh-TW" dirty="0" smtClean="0"/>
+          </a:p>
+          <a:p>
+            <a:endParaRPr lang="en-US" altLang="zh-TW" dirty="0"/>
+          </a:p>
+          <a:p>
+            <a:endParaRPr lang="en-US" altLang="zh-TW" dirty="0" smtClean="0"/>
+          </a:p>
+          <a:p>
+            <a:pPr lvl="1"/>
+            <a:endParaRPr lang="en-US" altLang="zh-TW" dirty="0" smtClean="0"/>
+          </a:p>
+          <a:p>
+            <a:pPr lvl="1"/>
+            <a:endParaRPr lang="en-US" altLang="zh-TW" dirty="0"/>
+          </a:p>
+          <a:p>
+            <a:pPr lvl="1"/>
+            <a:endParaRPr lang="en-US" altLang="zh-TW" dirty="0" smtClean="0"/>
+          </a:p>
+          <a:p>
+            <a:pPr lvl="1"/>
+            <a:endParaRPr lang="en-US" altLang="zh-TW" dirty="0"/>
+          </a:p>
+          <a:p>
+            <a:pPr lvl="1"/>
+            <a:endParaRPr lang="en-US" altLang="zh-TW" dirty="0" smtClean="0"/>
+          </a:p>
+          <a:p>
+            <a:pPr lvl="1"/>
+            <a:endParaRPr lang="en-US" altLang="zh-TW" dirty="0" smtClean="0"/>
+          </a:p>
+        </p:txBody>
+      </p:sp>
     </p:spTree>
     <p:extLst>
       <p:ext uri="{BB962C8B-B14F-4D97-AF65-F5344CB8AC3E}">
-        <p14:creationId xmlns:p14="http://schemas.microsoft.com/office/powerpoint/2010/main" val="173065008"/>
+        <p14:creationId xmlns:p14="http://schemas.microsoft.com/office/powerpoint/2010/main" val="1651168817"/>
       </p:ext>
     </p:extLst>
   </p:cSld>
   <p:clrMapOvr>
     <a:masterClrMapping/>
   </p:clrMapOvr>
-  <p:timing>
-    <p:tnLst>
-      <p:par>
-        <p:cTn id="1" dur="indefinite" restart="never" nodeType="tmRoot"/>
-      </p:par>
-    </p:tnLst>
-  </p:timing>
 </p:sld>
 </file>
 
@@ -14419,8 +14594,24 @@
           <a:lstStyle/>
           <a:p>
             <a:r>
+              <a:rPr lang="en-US" altLang="zh-TW" dirty="0" smtClean="0"/>
+              <a:t>API</a:t>
+            </a:r>
+            <a:r>
               <a:rPr lang="zh-TW" altLang="en-US" dirty="0" smtClean="0"/>
-              <a:t>操作方式</a:t>
+              <a:t>操作範例 </a:t>
+            </a:r>
+            <a:r>
+              <a:rPr lang="en-US" altLang="zh-TW" dirty="0" smtClean="0"/>
+              <a:t>-</a:t>
+            </a:r>
+            <a:r>
+              <a:rPr lang="zh-TW" altLang="en-US" dirty="0" smtClean="0"/>
+              <a:t> </a:t>
+            </a:r>
+            <a:r>
+              <a:rPr lang="en-US" altLang="zh-TW" dirty="0" smtClean="0"/>
+              <a:t>Search</a:t>
             </a:r>
             <a:endParaRPr lang="zh-TW" altLang="en-US" dirty="0"/>
           </a:p>
@@ -14438,94 +14629,283 @@
         </p:nvSpPr>
         <p:spPr/>
         <p:txBody>
-          <a:bodyPr/>
-          <a:lstStyle/>
-          <a:p>
+          <a:bodyPr>
+            <a:normAutofit lnSpcReduction="10000"/>
+          </a:bodyPr>
+          <a:lstStyle/>
+          <a:p>
+            <a:r>
+              <a:rPr lang="en-US" altLang="zh-TW" dirty="0" smtClean="0"/>
+              <a:t>API</a:t>
+            </a:r>
             <a:r>
               <a:rPr lang="zh-TW" altLang="en-US" dirty="0" smtClean="0"/>
-              <a:t>點擊標頭列上登入即可輸入帳號密碼登入</a:t>
+              <a:t> </a:t>
+            </a:r>
+            <a:r>
+              <a:rPr lang="en-US" altLang="zh-TW" dirty="0" smtClean="0"/>
+              <a:t>URL:</a:t>
+            </a:r>
+            <a:r>
+              <a:rPr lang="zh-TW" altLang="en-US" dirty="0" smtClean="0"/>
+              <a:t> </a:t>
+            </a:r>
+            <a:r>
+              <a:rPr lang="en-US" altLang="zh-TW" dirty="0" smtClean="0"/>
+              <a:t>https</a:t>
+            </a:r>
+            <a:r>
+              <a:rPr lang="en-US" altLang="zh-TW" dirty="0"/>
+              <a:t>://</a:t>
+            </a:r>
+            <a:r>
+              <a:rPr lang="en-US" altLang="zh-TW" dirty="0" smtClean="0"/>
+              <a:t>api.yelp.com/v3/businesses/search</a:t>
+            </a:r>
+          </a:p>
+          <a:p>
+            <a:r>
+              <a:rPr lang="en-US" altLang="zh-TW" dirty="0" smtClean="0"/>
+              <a:t>Example: https</a:t>
+            </a:r>
+            <a:r>
+              <a:rPr lang="en-US" altLang="zh-TW" dirty="0"/>
+              <a:t>://</a:t>
+            </a:r>
+            <a:r>
+              <a:rPr lang="en-US" altLang="zh-TW" dirty="0" smtClean="0"/>
+              <a:t>api.yelp.com/v3/businesses/search?term=starbucks&amp;location=taitpei</a:t>
+            </a:r>
+          </a:p>
+          <a:p>
+            <a:r>
+              <a:rPr lang="en-US" altLang="zh-TW" dirty="0" smtClean="0"/>
+              <a:t>Return Value: </a:t>
+            </a:r>
+            <a:r>
+              <a:rPr lang="en-US" altLang="zh-TW" dirty="0" smtClean="0">
+                <a:latin typeface="Consolas" panose="020B0609020204030204" pitchFamily="49" charset="0"/>
+              </a:rPr>
+              <a:t/>
+            </a:r>
+            <a:br>
+              <a:rPr lang="en-US" altLang="zh-TW" dirty="0" smtClean="0">
+                <a:latin typeface="Consolas" panose="020B0609020204030204" pitchFamily="49" charset="0"/>
+              </a:rPr>
+            </a:br>
+            <a:r>
+              <a:rPr lang="en-US" altLang="zh-TW" dirty="0" smtClean="0">
+                <a:latin typeface="Consolas" panose="020B0609020204030204" pitchFamily="49" charset="0"/>
+              </a:rPr>
+              <a:t>{</a:t>
+            </a:r>
+            <a:br>
+              <a:rPr lang="en-US" altLang="zh-TW" dirty="0" smtClean="0">
+                <a:latin typeface="Consolas" panose="020B0609020204030204" pitchFamily="49" charset="0"/>
+              </a:rPr>
+            </a:br>
+            <a:r>
+              <a:rPr lang="en-US" altLang="zh-TW" dirty="0" smtClean="0">
+                <a:latin typeface="Consolas" panose="020B0609020204030204" pitchFamily="49" charset="0"/>
+              </a:rPr>
+              <a:t>		“businesses”: [</a:t>
+            </a:r>
+            <a:br>
+              <a:rPr lang="en-US" altLang="zh-TW" dirty="0" smtClean="0">
+                <a:latin typeface="Consolas" panose="020B0609020204030204" pitchFamily="49" charset="0"/>
+              </a:rPr>
+            </a:br>
+            <a:r>
+              <a:rPr lang="en-US" altLang="zh-TW" dirty="0" smtClean="0">
+                <a:latin typeface="Consolas" panose="020B0609020204030204" pitchFamily="49" charset="0"/>
+              </a:rPr>
+              <a:t>		{</a:t>
+            </a:r>
+            <a:br>
+              <a:rPr lang="en-US" altLang="zh-TW" dirty="0" smtClean="0">
+                <a:latin typeface="Consolas" panose="020B0609020204030204" pitchFamily="49" charset="0"/>
+              </a:rPr>
+            </a:br>
+            <a:r>
+              <a:rPr lang="en-US" altLang="zh-TW" dirty="0" smtClean="0">
+                <a:latin typeface="Consolas" panose="020B0609020204030204" pitchFamily="49" charset="0"/>
+              </a:rPr>
+              <a:t>			“id”: “</a:t>
+            </a:r>
+            <a:r>
+              <a:rPr lang="zh-TW" altLang="en-US" dirty="0">
+                <a:latin typeface="Consolas" panose="020B0609020204030204" pitchFamily="49" charset="0"/>
+              </a:rPr>
+              <a:t>星巴克</a:t>
+            </a:r>
+            <a:r>
+              <a:rPr lang="en-US" altLang="zh-TW" dirty="0">
+                <a:latin typeface="Consolas" panose="020B0609020204030204" pitchFamily="49" charset="0"/>
+              </a:rPr>
+              <a:t>-</a:t>
+            </a:r>
+            <a:r>
+              <a:rPr lang="zh-TW" altLang="en-US" dirty="0">
+                <a:latin typeface="Consolas" panose="020B0609020204030204" pitchFamily="49" charset="0"/>
+              </a:rPr>
+              <a:t>信義區</a:t>
+            </a:r>
+            <a:r>
+              <a:rPr lang="en-US" altLang="zh-TW" dirty="0">
+                <a:latin typeface="Consolas" panose="020B0609020204030204" pitchFamily="49" charset="0"/>
+              </a:rPr>
+              <a:t>-4”,</a:t>
+            </a:r>
+            <a:r>
+              <a:rPr lang="en-US" altLang="zh-TW" dirty="0" smtClean="0">
+                <a:latin typeface="Consolas" panose="020B0609020204030204" pitchFamily="49" charset="0"/>
+              </a:rPr>
+              <a:t/>
+            </a:r>
+            <a:br>
+              <a:rPr lang="en-US" altLang="zh-TW" dirty="0" smtClean="0">
+                <a:latin typeface="Consolas" panose="020B0609020204030204" pitchFamily="49" charset="0"/>
+              </a:rPr>
+            </a:br>
+            <a:r>
+              <a:rPr lang="en-US" altLang="zh-TW" dirty="0" smtClean="0">
+                <a:latin typeface="Consolas" panose="020B0609020204030204" pitchFamily="49" charset="0"/>
+              </a:rPr>
+              <a:t>			“name</a:t>
+            </a:r>
+            <a:r>
+              <a:rPr lang="en-US" altLang="zh-TW" dirty="0">
+                <a:latin typeface="Consolas" panose="020B0609020204030204" pitchFamily="49" charset="0"/>
+              </a:rPr>
+              <a:t>”: “Starbucks”,</a:t>
+            </a:r>
+            <a:r>
+              <a:rPr lang="en-US" altLang="zh-TW" dirty="0" smtClean="0">
+                <a:latin typeface="Consolas" panose="020B0609020204030204" pitchFamily="49" charset="0"/>
+              </a:rPr>
+              <a:t/>
+            </a:r>
+            <a:br>
+              <a:rPr lang="en-US" altLang="zh-TW" dirty="0" smtClean="0">
+                <a:latin typeface="Consolas" panose="020B0609020204030204" pitchFamily="49" charset="0"/>
+              </a:rPr>
+            </a:br>
+            <a:r>
+              <a:rPr lang="en-US" altLang="zh-TW" dirty="0" smtClean="0">
+                <a:latin typeface="Consolas" panose="020B0609020204030204" pitchFamily="49" charset="0"/>
+              </a:rPr>
+              <a:t>			“</a:t>
+            </a:r>
+            <a:r>
+              <a:rPr lang="en-US" altLang="zh-TW" dirty="0" err="1" smtClean="0">
+                <a:latin typeface="Consolas" panose="020B0609020204030204" pitchFamily="49" charset="0"/>
+              </a:rPr>
+              <a:t>image_url</a:t>
+            </a:r>
+            <a:r>
+              <a:rPr lang="en-US" altLang="zh-TW" dirty="0">
+                <a:latin typeface="Consolas" panose="020B0609020204030204" pitchFamily="49" charset="0"/>
+              </a:rPr>
+              <a:t>”: “https://s3-media1.fl.yelpcdn.com/</a:t>
+            </a:r>
+            <a:r>
+              <a:rPr lang="en-US" altLang="zh-TW" dirty="0" err="1">
+                <a:latin typeface="Consolas" panose="020B0609020204030204" pitchFamily="49" charset="0"/>
+              </a:rPr>
+              <a:t>bphoto</a:t>
+            </a:r>
+            <a:r>
+              <a:rPr lang="en-US" altLang="zh-TW" dirty="0">
+                <a:latin typeface="Consolas" panose="020B0609020204030204" pitchFamily="49" charset="0"/>
+              </a:rPr>
+              <a:t>/kMe6RIVCIEsNOC0zocO7ag/o.jpg”,</a:t>
+            </a:r>
+            <a:r>
+              <a:rPr lang="en-US" altLang="zh-TW" dirty="0" smtClean="0">
+                <a:latin typeface="Consolas" panose="020B0609020204030204" pitchFamily="49" charset="0"/>
+              </a:rPr>
+              <a:t/>
+            </a:r>
+            <a:br>
+              <a:rPr lang="en-US" altLang="zh-TW" dirty="0" smtClean="0">
+                <a:latin typeface="Consolas" panose="020B0609020204030204" pitchFamily="49" charset="0"/>
+              </a:rPr>
+            </a:br>
+            <a:r>
+              <a:rPr lang="en-US" altLang="zh-TW" dirty="0" smtClean="0">
+                <a:latin typeface="Consolas" panose="020B0609020204030204" pitchFamily="49" charset="0"/>
+              </a:rPr>
+              <a:t>			“</a:t>
+            </a:r>
+            <a:r>
+              <a:rPr lang="en-US" altLang="zh-TW" dirty="0" err="1" smtClean="0">
+                <a:latin typeface="Consolas" panose="020B0609020204030204" pitchFamily="49" charset="0"/>
+              </a:rPr>
+              <a:t>is_closed</a:t>
+            </a:r>
+            <a:r>
+              <a:rPr lang="en-US" altLang="zh-TW" dirty="0" smtClean="0">
+                <a:latin typeface="Consolas" panose="020B0609020204030204" pitchFamily="49" charset="0"/>
+              </a:rPr>
+              <a:t>”: </a:t>
+            </a:r>
+            <a:r>
+              <a:rPr lang="en-US" altLang="zh-TW" dirty="0">
+                <a:latin typeface="Consolas" panose="020B0609020204030204" pitchFamily="49" charset="0"/>
+              </a:rPr>
+              <a:t>false</a:t>
+            </a:r>
+            <a:r>
+              <a:rPr lang="en-US" altLang="zh-TW" dirty="0" smtClean="0">
+                <a:latin typeface="Consolas" panose="020B0609020204030204" pitchFamily="49" charset="0"/>
+              </a:rPr>
+              <a:t>,</a:t>
+            </a:r>
+            <a:r>
+              <a:rPr lang="zh-TW" altLang="en-US" dirty="0" smtClean="0">
+                <a:latin typeface="Consolas" panose="020B0609020204030204" pitchFamily="49" charset="0"/>
+              </a:rPr>
+              <a:t> </a:t>
+            </a:r>
+            <a:r>
+              <a:rPr lang="en-US" altLang="zh-TW" dirty="0" smtClean="0"/>
+              <a:t/>
+            </a:r>
+            <a:br>
+              <a:rPr lang="en-US" altLang="zh-TW" dirty="0" smtClean="0"/>
+            </a:br>
+            <a:r>
+              <a:rPr lang="en-US" altLang="zh-TW" dirty="0" smtClean="0"/>
+              <a:t>	…</a:t>
+            </a:r>
+            <a:r>
+              <a:rPr lang="zh-TW" altLang="en-US" dirty="0" smtClean="0"/>
+              <a:t>等</a:t>
+            </a:r>
+            <a:r>
+              <a:rPr lang="en-US" altLang="zh-TW" dirty="0" smtClean="0"/>
+              <a:t>JSON</a:t>
+            </a:r>
+            <a:r>
+              <a:rPr lang="zh-TW" altLang="en-US" dirty="0" smtClean="0"/>
+              <a:t>格式的</a:t>
+            </a:r>
+            <a:r>
+              <a:rPr lang="en-US" altLang="zh-TW" dirty="0" smtClean="0"/>
+              <a:t>20</a:t>
+            </a:r>
+            <a:r>
+              <a:rPr lang="zh-TW" altLang="en-US" dirty="0" smtClean="0"/>
+              <a:t>個店家資訊</a:t>
             </a:r>
             <a:endParaRPr lang="en-US" altLang="zh-TW" dirty="0" smtClean="0"/>
-          </a:p>
-          <a:p>
-            <a:endParaRPr lang="zh-TW" altLang="en-US" dirty="0"/>
-          </a:p>
-        </p:txBody>
-      </p:sp>
-      <p:pic>
-        <p:nvPicPr>
-          <p:cNvPr id="4" name="圖片 3"/>
-          <p:cNvPicPr>
-            <a:picLocks noChangeAspect="1"/>
-          </p:cNvPicPr>
-          <p:nvPr/>
-        </p:nvPicPr>
-        <p:blipFill>
-          <a:blip r:embed="rId2"/>
-          <a:stretch>
-            <a:fillRect/>
-          </a:stretch>
-        </p:blipFill>
-        <p:spPr>
-          <a:xfrm>
-            <a:off x="2265827" y="2487597"/>
-            <a:ext cx="7618194" cy="4283143"/>
-          </a:xfrm>
-          <a:prstGeom prst="rect">
-            <a:avLst/>
-          </a:prstGeom>
-        </p:spPr>
-      </p:pic>
-      <p:sp>
-        <p:nvSpPr>
-          <p:cNvPr id="5" name="橢圓 4"/>
-          <p:cNvSpPr/>
-          <p:nvPr/>
-        </p:nvSpPr>
-        <p:spPr>
-          <a:xfrm>
-            <a:off x="8876371" y="2977376"/>
-            <a:ext cx="669073" cy="312234"/>
-          </a:xfrm>
-          <a:prstGeom prst="ellipse">
-            <a:avLst/>
-          </a:prstGeom>
-          <a:noFill/>
-          <a:ln>
-            <a:solidFill>
-              <a:srgbClr val="FF0000"/>
-            </a:solidFill>
-          </a:ln>
-        </p:spPr>
-        <p:style>
-          <a:lnRef idx="2">
-            <a:schemeClr val="accent1">
-              <a:shade val="50000"/>
-            </a:schemeClr>
-          </a:lnRef>
-          <a:fillRef idx="1">
-            <a:schemeClr val="accent1"/>
-          </a:fillRef>
-          <a:effectRef idx="0">
-            <a:schemeClr val="accent1"/>
-          </a:effectRef>
-          <a:fontRef idx="minor">
-            <a:schemeClr val="lt1"/>
-          </a:fontRef>
-        </p:style>
-        <p:txBody>
-          <a:bodyPr rtlCol="0" anchor="ctr"/>
-          <a:lstStyle/>
-          <a:p>
-            <a:pPr algn="ctr"/>
-            <a:endParaRPr lang="zh-TW" altLang="en-US"/>
           </a:p>
         </p:txBody>
       </p:sp>
     </p:spTree>
     <p:extLst>
       <p:ext uri="{BB962C8B-B14F-4D97-AF65-F5344CB8AC3E}">
-        <p14:creationId xmlns:p14="http://schemas.microsoft.com/office/powerpoint/2010/main" val="3317156664"/>
+        <p14:creationId xmlns:p14="http://schemas.microsoft.com/office/powerpoint/2010/main" val="3996755120"/>
       </p:ext>
     </p:extLst>
   </p:cSld>
@@ -14574,7 +14954,27 @@
           <a:bodyPr/>
           <a:lstStyle/>
           <a:p>
-            <a:endParaRPr lang="zh-TW" altLang="en-US"/>
+            <a:r>
+              <a:rPr lang="en-US" altLang="zh-TW" dirty="0" smtClean="0"/>
+              <a:t>API</a:t>
+            </a:r>
+            <a:r>
+              <a:rPr lang="zh-TW" altLang="en-US" dirty="0" smtClean="0"/>
+              <a:t>操作範例 </a:t>
+            </a:r>
+            <a:r>
+              <a:rPr lang="en-US" altLang="zh-TW" dirty="0" smtClean="0"/>
+              <a:t>-</a:t>
+            </a:r>
+            <a:r>
+              <a:rPr lang="zh-TW" altLang="en-US" dirty="0" smtClean="0"/>
+              <a:t> </a:t>
+            </a:r>
+            <a:r>
+              <a:rPr lang="en-US" altLang="zh-TW" dirty="0" smtClean="0"/>
+              <a:t>Review</a:t>
+            </a:r>
+            <a:endParaRPr lang="zh-TW" altLang="en-US" dirty="0"/>
           </a:p>
         </p:txBody>
       </p:sp>
@@ -14590,41 +14990,315 @@
         </p:nvSpPr>
         <p:spPr/>
         <p:txBody>
-          <a:bodyPr/>
-          <a:lstStyle/>
-          <a:p>
-            <a:endParaRPr lang="zh-TW" altLang="en-US"/>
-          </a:p>
-        </p:txBody>
-      </p:sp>
-      <p:pic>
-        <p:nvPicPr>
-          <p:cNvPr id="4" name="圖片 3"/>
-          <p:cNvPicPr>
-            <a:picLocks noChangeAspect="1"/>
-          </p:cNvPicPr>
-          <p:nvPr/>
-        </p:nvPicPr>
-        <p:blipFill>
-          <a:blip r:embed="rId2"/>
-          <a:stretch>
-            <a:fillRect/>
-          </a:stretch>
-        </p:blipFill>
-        <p:spPr>
-          <a:xfrm>
-            <a:off x="1490576" y="1115122"/>
-            <a:ext cx="9623984" cy="5410849"/>
-          </a:xfrm>
-          <a:prstGeom prst="rect">
-            <a:avLst/>
-          </a:prstGeom>
-        </p:spPr>
-      </p:pic>
+          <a:bodyPr>
+            <a:normAutofit fontScale="92500" lnSpcReduction="20000"/>
+          </a:bodyPr>
+          <a:lstStyle/>
+          <a:p>
+            <a:r>
+              <a:rPr lang="en-US" altLang="zh-TW" dirty="0" smtClean="0"/>
+              <a:t>API</a:t>
+            </a:r>
+            <a:r>
+              <a:rPr lang="zh-TW" altLang="en-US" dirty="0" smtClean="0"/>
+              <a:t> </a:t>
+            </a:r>
+            <a:r>
+              <a:rPr lang="en-US" altLang="zh-TW" dirty="0" smtClean="0"/>
+              <a:t>URL:</a:t>
+            </a:r>
+            <a:r>
+              <a:rPr lang="zh-TW" altLang="en-US" dirty="0" smtClean="0"/>
+              <a:t> </a:t>
+            </a:r>
+            <a:r>
+              <a:rPr lang="en-US" altLang="zh-TW" dirty="0"/>
+              <a:t>https://api.yelp.com/v3/businesses</a:t>
+            </a:r>
+            <a:r>
+              <a:rPr lang="en-US" altLang="zh-TW" dirty="0" smtClean="0"/>
+              <a:t>/{id}/reviews</a:t>
+            </a:r>
+          </a:p>
+          <a:p>
+            <a:r>
+              <a:rPr lang="en-US" altLang="zh-TW" dirty="0" smtClean="0"/>
+              <a:t>Example: </a:t>
+            </a:r>
+            <a:r>
+              <a:rPr lang="en-US" altLang="zh-TW" dirty="0"/>
+              <a:t>https://</a:t>
+            </a:r>
+            <a:r>
+              <a:rPr lang="en-US" altLang="zh-TW" dirty="0" smtClean="0"/>
+              <a:t>api.yelp.com/v3/businesses/</a:t>
+            </a:r>
+            <a:r>
+              <a:rPr lang="en-US" altLang="zh-TW" dirty="0"/>
+              <a:t>starbucks-new-york-487</a:t>
+            </a:r>
+            <a:r>
+              <a:rPr lang="en-US" altLang="zh-TW" dirty="0" smtClean="0"/>
+              <a:t>/reviews</a:t>
+            </a:r>
+          </a:p>
+          <a:p>
+            <a:r>
+              <a:rPr lang="en-US" altLang="zh-TW" dirty="0" smtClean="0"/>
+              <a:t>Return Value:</a:t>
+            </a:r>
+            <a:br>
+              <a:rPr lang="en-US" altLang="zh-TW" dirty="0" smtClean="0"/>
+            </a:br>
+            <a:r>
+              <a:rPr lang="en-US" altLang="zh-TW" dirty="0" smtClean="0">
+                <a:latin typeface="Consolas" panose="020B0609020204030204" pitchFamily="49" charset="0"/>
+              </a:rPr>
+              <a:t>{</a:t>
+            </a:r>
+            <a:br>
+              <a:rPr lang="en-US" altLang="zh-TW" dirty="0" smtClean="0">
+                <a:latin typeface="Consolas" panose="020B0609020204030204" pitchFamily="49" charset="0"/>
+              </a:rPr>
+            </a:br>
+            <a:r>
+              <a:rPr lang="en-US" altLang="zh-TW" dirty="0" smtClean="0">
+                <a:latin typeface="Consolas" panose="020B0609020204030204" pitchFamily="49" charset="0"/>
+              </a:rPr>
+              <a:t>  </a:t>
+            </a:r>
+            <a:r>
+              <a:rPr lang="en-US" altLang="zh-TW" dirty="0">
+                <a:latin typeface="Consolas" panose="020B0609020204030204" pitchFamily="49" charset="0"/>
+              </a:rPr>
+              <a:t>"reviews": </a:t>
+            </a:r>
+            <a:r>
+              <a:rPr lang="en-US" altLang="zh-TW" dirty="0" smtClean="0">
+                <a:latin typeface="Consolas" panose="020B0609020204030204" pitchFamily="49" charset="0"/>
+              </a:rPr>
+              <a:t>[</a:t>
+            </a:r>
+            <a:br>
+              <a:rPr lang="en-US" altLang="zh-TW" dirty="0" smtClean="0">
+                <a:latin typeface="Consolas" panose="020B0609020204030204" pitchFamily="49" charset="0"/>
+              </a:rPr>
+            </a:br>
+            <a:r>
+              <a:rPr lang="en-US" altLang="zh-TW" dirty="0" smtClean="0">
+                <a:latin typeface="Consolas" panose="020B0609020204030204" pitchFamily="49" charset="0"/>
+              </a:rPr>
+              <a:t>    {</a:t>
+            </a:r>
+            <a:br>
+              <a:rPr lang="en-US" altLang="zh-TW" dirty="0" smtClean="0">
+                <a:latin typeface="Consolas" panose="020B0609020204030204" pitchFamily="49" charset="0"/>
+              </a:rPr>
+            </a:br>
+            <a:r>
+              <a:rPr lang="en-US" altLang="zh-TW" dirty="0" smtClean="0">
+                <a:latin typeface="Consolas" panose="020B0609020204030204" pitchFamily="49" charset="0"/>
+              </a:rPr>
+              <a:t>      </a:t>
+            </a:r>
+            <a:r>
+              <a:rPr lang="en-US" altLang="zh-TW" dirty="0">
+                <a:latin typeface="Consolas" panose="020B0609020204030204" pitchFamily="49" charset="0"/>
+              </a:rPr>
+              <a:t>"</a:t>
+            </a:r>
+            <a:r>
+              <a:rPr lang="en-US" altLang="zh-TW" dirty="0" err="1">
+                <a:latin typeface="Consolas" panose="020B0609020204030204" pitchFamily="49" charset="0"/>
+              </a:rPr>
+              <a:t>url</a:t>
+            </a:r>
+            <a:r>
+              <a:rPr lang="en-US" altLang="zh-TW" dirty="0">
+                <a:latin typeface="Consolas" panose="020B0609020204030204" pitchFamily="49" charset="0"/>
+              </a:rPr>
+              <a:t>": </a:t>
+            </a:r>
+            <a:r>
+              <a:rPr lang="en-US" altLang="zh-TW" dirty="0" smtClean="0">
+                <a:latin typeface="Consolas" panose="020B0609020204030204" pitchFamily="49" charset="0"/>
+              </a:rPr>
+              <a:t>“…",</a:t>
+            </a:r>
+            <a:br>
+              <a:rPr lang="en-US" altLang="zh-TW" dirty="0" smtClean="0">
+                <a:latin typeface="Consolas" panose="020B0609020204030204" pitchFamily="49" charset="0"/>
+              </a:rPr>
+            </a:br>
+            <a:r>
+              <a:rPr lang="en-US" altLang="zh-TW" dirty="0" smtClean="0">
+                <a:latin typeface="Consolas" panose="020B0609020204030204" pitchFamily="49" charset="0"/>
+              </a:rPr>
+              <a:t>      </a:t>
+            </a:r>
+            <a:r>
+              <a:rPr lang="en-US" altLang="zh-TW" dirty="0">
+                <a:latin typeface="Consolas" panose="020B0609020204030204" pitchFamily="49" charset="0"/>
+              </a:rPr>
+              <a:t>"text": "I normally don't find Starbucks all that remarkable but this is the nicest one I've ever been to!! The staff is SO nice and takes the time to explain this</a:t>
+            </a:r>
+            <a:r>
+              <a:rPr lang="en-US" altLang="zh-TW" dirty="0" smtClean="0">
+                <a:latin typeface="Consolas" panose="020B0609020204030204" pitchFamily="49" charset="0"/>
+              </a:rPr>
+              <a:t>...",</a:t>
+            </a:r>
+            <a:br>
+              <a:rPr lang="en-US" altLang="zh-TW" dirty="0" smtClean="0">
+                <a:latin typeface="Consolas" panose="020B0609020204030204" pitchFamily="49" charset="0"/>
+              </a:rPr>
+            </a:br>
+            <a:r>
+              <a:rPr lang="en-US" altLang="zh-TW" dirty="0" smtClean="0">
+                <a:latin typeface="Consolas" panose="020B0609020204030204" pitchFamily="49" charset="0"/>
+              </a:rPr>
+              <a:t>      </a:t>
+            </a:r>
+            <a:r>
+              <a:rPr lang="en-US" altLang="zh-TW" dirty="0">
+                <a:latin typeface="Consolas" panose="020B0609020204030204" pitchFamily="49" charset="0"/>
+              </a:rPr>
+              <a:t>"rating": 5</a:t>
+            </a:r>
+            <a:r>
+              <a:rPr lang="en-US" altLang="zh-TW" dirty="0" smtClean="0">
+                <a:latin typeface="Consolas" panose="020B0609020204030204" pitchFamily="49" charset="0"/>
+              </a:rPr>
+              <a:t>,</a:t>
+            </a:r>
+            <a:br>
+              <a:rPr lang="en-US" altLang="zh-TW" dirty="0" smtClean="0">
+                <a:latin typeface="Consolas" panose="020B0609020204030204" pitchFamily="49" charset="0"/>
+              </a:rPr>
+            </a:br>
+            <a:r>
+              <a:rPr lang="en-US" altLang="zh-TW" dirty="0" smtClean="0">
+                <a:latin typeface="Consolas" panose="020B0609020204030204" pitchFamily="49" charset="0"/>
+              </a:rPr>
+              <a:t>      </a:t>
+            </a:r>
+            <a:r>
+              <a:rPr lang="en-US" altLang="zh-TW" dirty="0">
+                <a:latin typeface="Consolas" panose="020B0609020204030204" pitchFamily="49" charset="0"/>
+              </a:rPr>
+              <a:t>"user": </a:t>
+            </a:r>
+            <a:r>
+              <a:rPr lang="en-US" altLang="zh-TW" dirty="0" smtClean="0">
+                <a:latin typeface="Consolas" panose="020B0609020204030204" pitchFamily="49" charset="0"/>
+              </a:rPr>
+              <a:t>{</a:t>
+            </a:r>
+            <a:br>
+              <a:rPr lang="en-US" altLang="zh-TW" dirty="0" smtClean="0">
+                <a:latin typeface="Consolas" panose="020B0609020204030204" pitchFamily="49" charset="0"/>
+              </a:rPr>
+            </a:br>
+            <a:r>
+              <a:rPr lang="en-US" altLang="zh-TW" dirty="0" smtClean="0">
+                <a:latin typeface="Consolas" panose="020B0609020204030204" pitchFamily="49" charset="0"/>
+              </a:rPr>
+              <a:t>        </a:t>
+            </a:r>
+            <a:r>
+              <a:rPr lang="en-US" altLang="zh-TW" dirty="0">
+                <a:latin typeface="Consolas" panose="020B0609020204030204" pitchFamily="49" charset="0"/>
+              </a:rPr>
+              <a:t>"</a:t>
+            </a:r>
+            <a:r>
+              <a:rPr lang="en-US" altLang="zh-TW" dirty="0" err="1">
+                <a:latin typeface="Consolas" panose="020B0609020204030204" pitchFamily="49" charset="0"/>
+              </a:rPr>
+              <a:t>image_url</a:t>
+            </a:r>
+            <a:r>
+              <a:rPr lang="en-US" altLang="zh-TW" dirty="0">
+                <a:latin typeface="Consolas" panose="020B0609020204030204" pitchFamily="49" charset="0"/>
+              </a:rPr>
+              <a:t>": </a:t>
+            </a:r>
+            <a:r>
+              <a:rPr lang="en-US" altLang="zh-TW" dirty="0" smtClean="0">
+                <a:latin typeface="Consolas" panose="020B0609020204030204" pitchFamily="49" charset="0"/>
+              </a:rPr>
+              <a:t>“…",</a:t>
+            </a:r>
+            <a:br>
+              <a:rPr lang="en-US" altLang="zh-TW" dirty="0" smtClean="0">
+                <a:latin typeface="Consolas" panose="020B0609020204030204" pitchFamily="49" charset="0"/>
+              </a:rPr>
+            </a:br>
+            <a:r>
+              <a:rPr lang="en-US" altLang="zh-TW" dirty="0" smtClean="0">
+                <a:latin typeface="Consolas" panose="020B0609020204030204" pitchFamily="49" charset="0"/>
+              </a:rPr>
+              <a:t>        </a:t>
+            </a:r>
+            <a:r>
+              <a:rPr lang="en-US" altLang="zh-TW" dirty="0">
+                <a:latin typeface="Consolas" panose="020B0609020204030204" pitchFamily="49" charset="0"/>
+              </a:rPr>
+              <a:t>"name": "Emily C</a:t>
+            </a:r>
+            <a:r>
+              <a:rPr lang="en-US" altLang="zh-TW" dirty="0" smtClean="0">
+                <a:latin typeface="Consolas" panose="020B0609020204030204" pitchFamily="49" charset="0"/>
+              </a:rPr>
+              <a:t>.“</a:t>
+            </a:r>
+            <a:br>
+              <a:rPr lang="en-US" altLang="zh-TW" dirty="0" smtClean="0">
+                <a:latin typeface="Consolas" panose="020B0609020204030204" pitchFamily="49" charset="0"/>
+              </a:rPr>
+            </a:br>
+            <a:r>
+              <a:rPr lang="en-US" altLang="zh-TW" dirty="0" smtClean="0">
+                <a:latin typeface="Consolas" panose="020B0609020204030204" pitchFamily="49" charset="0"/>
+              </a:rPr>
+              <a:t>      },</a:t>
+            </a:r>
+            <a:br>
+              <a:rPr lang="en-US" altLang="zh-TW" dirty="0" smtClean="0">
+                <a:latin typeface="Consolas" panose="020B0609020204030204" pitchFamily="49" charset="0"/>
+              </a:rPr>
+            </a:br>
+            <a:r>
+              <a:rPr lang="en-US" altLang="zh-TW" dirty="0" smtClean="0">
+                <a:latin typeface="Consolas" panose="020B0609020204030204" pitchFamily="49" charset="0"/>
+              </a:rPr>
+              <a:t>      </a:t>
+            </a:r>
+            <a:r>
+              <a:rPr lang="en-US" altLang="zh-TW" dirty="0">
+                <a:latin typeface="Consolas" panose="020B0609020204030204" pitchFamily="49" charset="0"/>
+              </a:rPr>
+              <a:t>"</a:t>
+            </a:r>
+            <a:r>
+              <a:rPr lang="en-US" altLang="zh-TW" dirty="0" err="1">
+                <a:latin typeface="Consolas" panose="020B0609020204030204" pitchFamily="49" charset="0"/>
+              </a:rPr>
+              <a:t>time_created</a:t>
+            </a:r>
+            <a:r>
+              <a:rPr lang="en-US" altLang="zh-TW" dirty="0">
+                <a:latin typeface="Consolas" panose="020B0609020204030204" pitchFamily="49" charset="0"/>
+              </a:rPr>
+              <a:t>": "2017-06-10 04:09:58"</a:t>
+            </a:r>
+          </a:p>
+        </p:txBody>
+      </p:sp>
     </p:spTree>
     <p:extLst>
       <p:ext uri="{BB962C8B-B14F-4D97-AF65-F5344CB8AC3E}">
-        <p14:creationId xmlns:p14="http://schemas.microsoft.com/office/powerpoint/2010/main" val="3012362008"/>
+        <p14:creationId xmlns:p14="http://schemas.microsoft.com/office/powerpoint/2010/main" val="1376789628"/>
       </p:ext>
     </p:extLst>
   </p:cSld>
@@ -14674,8 +15348,12 @@
           <a:lstStyle/>
           <a:p>
             <a:r>
+              <a:rPr lang="en-US" altLang="zh-TW" dirty="0" err="1" smtClean="0"/>
+              <a:t>YelpBlaBla</a:t>
+            </a:r>
+            <a:r>
               <a:rPr lang="zh-TW" altLang="en-US" dirty="0" smtClean="0"/>
-              <a:t>操作方式</a:t>
+              <a:t>簡介</a:t>
             </a:r>
             <a:endParaRPr lang="zh-TW" altLang="en-US" dirty="0"/>
           </a:p>
@@ -14693,152 +15371,204 @@
         </p:nvSpPr>
         <p:spPr/>
         <p:txBody>
-          <a:bodyPr/>
-          <a:lstStyle/>
-          <a:p>
+          <a:bodyPr>
+            <a:normAutofit/>
+          </a:bodyPr>
+          <a:lstStyle/>
+          <a:p>
+            <a:r>
+              <a:rPr lang="zh-TW" altLang="en-US" sz="2000" b="1" dirty="0" smtClean="0"/>
+              <a:t>會員系統</a:t>
+            </a:r>
+            <a:endParaRPr lang="en-US" altLang="zh-TW" sz="2000" b="1" dirty="0"/>
+          </a:p>
+          <a:p>
+            <a:pPr marL="0" indent="0">
+              <a:buNone/>
+            </a:pPr>
+            <a:r>
+              <a:rPr lang="en-US" altLang="zh-TW" sz="2000" b="1" dirty="0" smtClean="0"/>
+              <a:t>	</a:t>
+            </a:r>
+            <a:r>
+              <a:rPr lang="zh-TW" altLang="en-US" dirty="0" smtClean="0"/>
+              <a:t>註冊 </a:t>
+            </a:r>
             <a:r>
               <a:rPr lang="en-US" altLang="zh-TW" dirty="0" smtClean="0"/>
-              <a:t>Search</a:t>
+              <a:t>:</a:t>
             </a:r>
             <a:r>
               <a:rPr lang="zh-TW" altLang="en-US" dirty="0" smtClean="0"/>
-              <a:t>欄中鍵入想搜尋的店家名稱，</a:t>
+              <a:t> 使用者輸入「</a:t>
+            </a:r>
+            <a:r>
+              <a:rPr lang="zh-TW" altLang="en-US" dirty="0"/>
+              <a:t>帳號」 「密碼」 「生日」 「姓名」 「使用者名稱</a:t>
+            </a:r>
+            <a:r>
+              <a:rPr lang="zh-TW" altLang="en-US" dirty="0" smtClean="0"/>
+              <a:t>」後</a:t>
+            </a:r>
+            <a:r>
+              <a:rPr lang="zh-TW" altLang="en-US" dirty="0"/>
+              <a:t>註冊</a:t>
+            </a:r>
+            <a:r>
+              <a:rPr lang="zh-TW" altLang="en-US" dirty="0" smtClean="0"/>
+              <a:t>。</a:t>
             </a:r>
             <a:r>
               <a:rPr lang="en-US" altLang="zh-TW" dirty="0" smtClean="0"/>
-              <a:t>Near</a:t>
+              <a:t/>
+            </a:r>
+            <a:br>
+              <a:rPr lang="en-US" altLang="zh-TW" dirty="0" smtClean="0"/>
+            </a:br>
+            <a:r>
+              <a:rPr lang="en-US" altLang="zh-TW" dirty="0" smtClean="0"/>
+              <a:t>	</a:t>
             </a:r>
             <a:r>
               <a:rPr lang="zh-TW" altLang="en-US" dirty="0" smtClean="0"/>
-              <a:t>欄中鍵入地名或地址，可搜尋符合條件的商家。</a:t>
-            </a:r>
-            <a:endParaRPr lang="en-US" altLang="zh-TW" dirty="0" smtClean="0"/>
+              <a:t>登入 </a:t>
+            </a:r>
+            <a:r>
+              <a:rPr lang="en-US" altLang="zh-TW" dirty="0" smtClean="0"/>
+              <a:t>:</a:t>
+            </a:r>
+            <a:r>
+              <a:rPr lang="zh-TW" altLang="en-US" dirty="0" smtClean="0"/>
+              <a:t> 使用者</a:t>
+            </a:r>
+            <a:r>
+              <a:rPr lang="zh-TW" altLang="en-US" dirty="0"/>
+              <a:t>輸入帳號密碼後登入。</a:t>
+            </a:r>
+            <a:endParaRPr lang="en-US" altLang="zh-TW" dirty="0"/>
+          </a:p>
+          <a:p>
+            <a:r>
+              <a:rPr lang="zh-TW" altLang="en-US" sz="2000" b="1" dirty="0"/>
+              <a:t>查詢店家</a:t>
+            </a:r>
+            <a:r>
+              <a:rPr lang="zh-TW" altLang="en-US" sz="2000" b="1" dirty="0" smtClean="0"/>
+              <a:t>資料</a:t>
+            </a:r>
+            <a:r>
+              <a:rPr lang="en-US" altLang="zh-TW" sz="2000" b="1" dirty="0" smtClean="0"/>
+              <a:t>(</a:t>
+            </a:r>
+            <a:r>
+              <a:rPr lang="zh-TW" altLang="en-US" sz="2000" b="1" dirty="0" smtClean="0"/>
+              <a:t>無須會員</a:t>
+            </a:r>
+            <a:r>
+              <a:rPr lang="en-US" altLang="zh-TW" sz="2000" b="1" dirty="0" smtClean="0"/>
+              <a:t>)</a:t>
+            </a:r>
+          </a:p>
+          <a:p>
+            <a:pPr marL="0" indent="0">
+              <a:buNone/>
+            </a:pPr>
+            <a:r>
+              <a:rPr lang="en-US" altLang="zh-TW" sz="2000" b="1" dirty="0"/>
+              <a:t>	</a:t>
+            </a:r>
+            <a:r>
+              <a:rPr lang="zh-TW" altLang="en-US" dirty="0" smtClean="0"/>
+              <a:t>於搜尋</a:t>
+            </a:r>
+            <a:r>
+              <a:rPr lang="zh-TW" altLang="en-US" dirty="0"/>
+              <a:t>頁面鍵入欲查詢店家名，可獲得店家名稱、評分、評論、</a:t>
+            </a:r>
+            <a:r>
+              <a:rPr lang="zh-TW" altLang="en-US" dirty="0" smtClean="0"/>
+              <a:t>電話</a:t>
+            </a:r>
+            <a:r>
+              <a:rPr lang="zh-TW" altLang="en-US" dirty="0"/>
+              <a:t>、地址</a:t>
+            </a:r>
+            <a:r>
+              <a:rPr lang="zh-TW" altLang="en-US" dirty="0" smtClean="0"/>
+              <a:t>以及</a:t>
+            </a:r>
+            <a:r>
+              <a:rPr lang="en-US" altLang="zh-TW" dirty="0" smtClean="0"/>
+              <a:t>	GOOGLE </a:t>
+            </a:r>
+            <a:r>
+              <a:rPr lang="en-US" altLang="zh-TW" dirty="0"/>
+              <a:t>MAP</a:t>
+            </a:r>
+            <a:r>
+              <a:rPr lang="zh-TW" altLang="en-US" dirty="0"/>
+              <a:t>顯示地圖等等資料。</a:t>
+            </a:r>
+            <a:endParaRPr lang="en-US" altLang="zh-TW" dirty="0"/>
+          </a:p>
+          <a:p>
+            <a:r>
+              <a:rPr lang="zh-TW" altLang="en-US" sz="2000" b="1" dirty="0"/>
+              <a:t>收藏喜愛</a:t>
+            </a:r>
+            <a:r>
+              <a:rPr lang="zh-TW" altLang="en-US" sz="2000" b="1" dirty="0" smtClean="0"/>
+              <a:t>店家</a:t>
+            </a:r>
+            <a:r>
+              <a:rPr lang="en-US" altLang="zh-TW" sz="2000" b="1" dirty="0" smtClean="0"/>
+              <a:t>(</a:t>
+            </a:r>
+            <a:r>
+              <a:rPr lang="zh-TW" altLang="en-US" sz="2000" b="1" dirty="0" smtClean="0"/>
+              <a:t>需會員</a:t>
+            </a:r>
+            <a:r>
+              <a:rPr lang="en-US" altLang="zh-TW" sz="2000" b="1" dirty="0" smtClean="0"/>
+              <a:t>)</a:t>
+            </a:r>
+            <a:endParaRPr lang="en-US" altLang="zh-TW" sz="2000" b="1" dirty="0"/>
+          </a:p>
+          <a:p>
+            <a:pPr marL="45720" indent="0">
+              <a:buNone/>
+            </a:pPr>
+            <a:r>
+              <a:rPr lang="zh-TW" altLang="en-US" dirty="0"/>
+              <a:t>   </a:t>
+            </a:r>
+            <a:r>
+              <a:rPr lang="en-US" altLang="zh-TW" dirty="0" smtClean="0"/>
+              <a:t>	</a:t>
+            </a:r>
+            <a:r>
+              <a:rPr lang="zh-TW" altLang="en-US" dirty="0" smtClean="0"/>
+              <a:t>可</a:t>
+            </a:r>
+            <a:r>
+              <a:rPr lang="zh-TW" altLang="en-US" dirty="0"/>
+              <a:t>於搜尋結果頁面將喜愛的店家加入</a:t>
+            </a:r>
+            <a:r>
+              <a:rPr lang="zh-TW" altLang="en-US" dirty="0" smtClean="0"/>
+              <a:t>收藏，事後可在收藏列表中快速找該店家。</a:t>
+            </a:r>
+            <a:endParaRPr lang="en-US" altLang="zh-TW" dirty="0"/>
           </a:p>
           <a:p>
             <a:endParaRPr lang="zh-TW" altLang="en-US" dirty="0"/>
-          </a:p>
-        </p:txBody>
-      </p:sp>
-      <p:pic>
-        <p:nvPicPr>
-          <p:cNvPr id="4" name="圖片 3"/>
-          <p:cNvPicPr>
-            <a:picLocks noChangeAspect="1"/>
-          </p:cNvPicPr>
-          <p:nvPr/>
-        </p:nvPicPr>
-        <p:blipFill>
-          <a:blip r:embed="rId2"/>
-          <a:stretch>
-            <a:fillRect/>
-          </a:stretch>
-        </p:blipFill>
-        <p:spPr>
-          <a:xfrm>
-            <a:off x="3311912" y="2714283"/>
-            <a:ext cx="7100957" cy="3992339"/>
-          </a:xfrm>
-          <a:prstGeom prst="rect">
-            <a:avLst/>
-          </a:prstGeom>
-        </p:spPr>
-      </p:pic>
-      <p:sp>
-        <p:nvSpPr>
-          <p:cNvPr id="5" name="橢圓 4"/>
-          <p:cNvSpPr/>
-          <p:nvPr/>
-        </p:nvSpPr>
-        <p:spPr>
-          <a:xfrm>
-            <a:off x="5564458" y="4276491"/>
-            <a:ext cx="1215483" cy="557561"/>
-          </a:xfrm>
-          <a:prstGeom prst="ellipse">
-            <a:avLst/>
-          </a:prstGeom>
-          <a:noFill/>
-          <a:ln>
-            <a:solidFill>
-              <a:srgbClr val="FF0000"/>
-            </a:solidFill>
-          </a:ln>
-        </p:spPr>
-        <p:style>
-          <a:lnRef idx="2">
-            <a:schemeClr val="accent1">
-              <a:shade val="50000"/>
-            </a:schemeClr>
-          </a:lnRef>
-          <a:fillRef idx="1">
-            <a:schemeClr val="accent1"/>
-          </a:fillRef>
-          <a:effectRef idx="0">
-            <a:schemeClr val="accent1"/>
-          </a:effectRef>
-          <a:fontRef idx="minor">
-            <a:schemeClr val="lt1"/>
-          </a:fontRef>
-        </p:style>
-        <p:txBody>
-          <a:bodyPr rtlCol="0" anchor="ctr"/>
-          <a:lstStyle/>
-          <a:p>
-            <a:pPr algn="ctr"/>
-            <a:endParaRPr lang="zh-TW" altLang="en-US"/>
-          </a:p>
-        </p:txBody>
-      </p:sp>
-      <p:sp>
-        <p:nvSpPr>
-          <p:cNvPr id="6" name="橢圓 5"/>
-          <p:cNvSpPr/>
-          <p:nvPr/>
-        </p:nvSpPr>
-        <p:spPr>
-          <a:xfrm>
-            <a:off x="7099880" y="4298795"/>
-            <a:ext cx="1022796" cy="535257"/>
-          </a:xfrm>
-          <a:prstGeom prst="ellipse">
-            <a:avLst/>
-          </a:prstGeom>
-          <a:noFill/>
-          <a:ln>
-            <a:solidFill>
-              <a:srgbClr val="FF0000"/>
-            </a:solidFill>
-          </a:ln>
-        </p:spPr>
-        <p:style>
-          <a:lnRef idx="2">
-            <a:schemeClr val="accent1">
-              <a:shade val="50000"/>
-            </a:schemeClr>
-          </a:lnRef>
-          <a:fillRef idx="1">
-            <a:schemeClr val="accent1"/>
-          </a:fillRef>
-          <a:effectRef idx="0">
-            <a:schemeClr val="accent1"/>
-          </a:effectRef>
-          <a:fontRef idx="minor">
-            <a:schemeClr val="lt1"/>
-          </a:fontRef>
-        </p:style>
-        <p:txBody>
-          <a:bodyPr rtlCol="0" anchor="ctr"/>
-          <a:lstStyle/>
-          <a:p>
-            <a:pPr algn="ctr"/>
-            <a:endParaRPr lang="zh-TW" altLang="en-US"/>
           </a:p>
         </p:txBody>
       </p:sp>
     </p:spTree>
     <p:extLst>
       <p:ext uri="{BB962C8B-B14F-4D97-AF65-F5344CB8AC3E}">
-        <p14:creationId xmlns:p14="http://schemas.microsoft.com/office/powerpoint/2010/main" val="275549028"/>
+        <p14:creationId xmlns:p14="http://schemas.microsoft.com/office/powerpoint/2010/main" val="3146759844"/>
       </p:ext>
     </p:extLst>
   </p:cSld>
@@ -14887,7 +15617,19 @@
           <a:bodyPr/>
           <a:lstStyle/>
           <a:p>
-            <a:endParaRPr lang="zh-TW" altLang="en-US"/>
+            <a:r>
+              <a:rPr lang="zh-TW" altLang="en-US" dirty="0" smtClean="0"/>
+              <a:t>使</a:t>
+            </a:r>
+            <a:r>
+              <a:rPr lang="zh-TW" altLang="en-US" dirty="0"/>
+              <a:t>用</a:t>
+            </a:r>
+            <a:r>
+              <a:rPr lang="zh-TW" altLang="en-US" dirty="0" smtClean="0"/>
+              <a:t>技術</a:t>
+            </a:r>
+            <a:endParaRPr lang="zh-TW" altLang="en-US" dirty="0"/>
           </a:p>
         </p:txBody>
       </p:sp>
@@ -14906,38 +15648,68 @@
           <a:bodyPr/>
           <a:lstStyle/>
           <a:p>
-            <a:endParaRPr lang="zh-TW" altLang="en-US"/>
-          </a:p>
-        </p:txBody>
-      </p:sp>
-      <p:pic>
-        <p:nvPicPr>
-          <p:cNvPr id="4" name="圖片 3"/>
-          <p:cNvPicPr>
-            <a:picLocks noChangeAspect="1"/>
-          </p:cNvPicPr>
-          <p:nvPr/>
-        </p:nvPicPr>
-        <p:blipFill>
-          <a:blip r:embed="rId2"/>
-          <a:stretch>
-            <a:fillRect/>
-          </a:stretch>
-        </p:blipFill>
-        <p:spPr>
-          <a:xfrm>
-            <a:off x="1658421" y="1165860"/>
-            <a:ext cx="9514403" cy="5349240"/>
-          </a:xfrm>
-          <a:prstGeom prst="rect">
-            <a:avLst/>
-          </a:prstGeom>
-        </p:spPr>
-      </p:pic>
+            <a:r>
+              <a:rPr lang="en-US" altLang="zh-TW" dirty="0" smtClean="0"/>
+              <a:t>Html</a:t>
+            </a:r>
+          </a:p>
+          <a:p>
+            <a:r>
+              <a:rPr lang="en-US" altLang="zh-TW" dirty="0" smtClean="0"/>
+              <a:t>Bootstrap</a:t>
+            </a:r>
+          </a:p>
+          <a:p>
+            <a:r>
+              <a:rPr lang="en-US" altLang="zh-TW" dirty="0" smtClean="0"/>
+              <a:t>JavaScript</a:t>
+            </a:r>
+          </a:p>
+          <a:p>
+            <a:r>
+              <a:rPr lang="en-US" altLang="zh-TW" dirty="0" smtClean="0"/>
+              <a:t>My SQL</a:t>
+            </a:r>
+          </a:p>
+          <a:p>
+            <a:r>
+              <a:rPr lang="en-US" altLang="zh-TW" dirty="0" smtClean="0"/>
+              <a:t>Java Servlet</a:t>
+            </a:r>
+          </a:p>
+          <a:p>
+            <a:r>
+              <a:rPr lang="en-US" altLang="zh-TW" dirty="0" smtClean="0"/>
+              <a:t>Yelp API</a:t>
+            </a:r>
+          </a:p>
+          <a:p>
+            <a:r>
+              <a:rPr lang="en-US" altLang="zh-TW" dirty="0" smtClean="0"/>
+              <a:t>Rating </a:t>
+            </a:r>
+            <a:r>
+              <a:rPr lang="en-US" altLang="zh-TW" dirty="0" err="1" smtClean="0"/>
+              <a:t>Yo</a:t>
+            </a:r>
+            <a:r>
+              <a:rPr lang="en-US" altLang="zh-TW" dirty="0" smtClean="0"/>
+              <a:t> API</a:t>
+            </a:r>
+          </a:p>
+          <a:p>
+            <a:r>
+              <a:rPr lang="en-US" altLang="zh-TW" dirty="0" smtClean="0"/>
+              <a:t>Google Map API</a:t>
+            </a:r>
+            <a:endParaRPr lang="zh-TW" altLang="en-US" dirty="0"/>
+          </a:p>
+        </p:txBody>
+      </p:sp>
     </p:spTree>
     <p:extLst>
       <p:ext uri="{BB962C8B-B14F-4D97-AF65-F5344CB8AC3E}">
-        <p14:creationId xmlns:p14="http://schemas.microsoft.com/office/powerpoint/2010/main" val="1438976860"/>
+        <p14:creationId xmlns:p14="http://schemas.microsoft.com/office/powerpoint/2010/main" val="4114352341"/>
       </p:ext>
     </p:extLst>
   </p:cSld>

--- a/其他/YelpBlaBla.pptx
+++ b/其他/YelpBlaBla.pptx
@@ -28,17 +28,20 @@
     <p:sldId id="277" r:id="rId22"/>
     <p:sldId id="278" r:id="rId23"/>
     <p:sldId id="273" r:id="rId24"/>
-    <p:sldId id="269" r:id="rId25"/>
-    <p:sldId id="270" r:id="rId26"/>
-    <p:sldId id="271" r:id="rId27"/>
-    <p:sldId id="265" r:id="rId28"/>
-    <p:sldId id="287" r:id="rId29"/>
-    <p:sldId id="288" r:id="rId30"/>
-    <p:sldId id="289" r:id="rId31"/>
-    <p:sldId id="290" r:id="rId32"/>
-    <p:sldId id="291" r:id="rId33"/>
-    <p:sldId id="266" r:id="rId34"/>
-    <p:sldId id="267" r:id="rId35"/>
+    <p:sldId id="292" r:id="rId25"/>
+    <p:sldId id="293" r:id="rId26"/>
+    <p:sldId id="269" r:id="rId27"/>
+    <p:sldId id="270" r:id="rId28"/>
+    <p:sldId id="271" r:id="rId29"/>
+    <p:sldId id="265" r:id="rId30"/>
+    <p:sldId id="287" r:id="rId31"/>
+    <p:sldId id="288" r:id="rId32"/>
+    <p:sldId id="289" r:id="rId33"/>
+    <p:sldId id="290" r:id="rId34"/>
+    <p:sldId id="291" r:id="rId35"/>
+    <p:sldId id="266" r:id="rId36"/>
+    <p:sldId id="267" r:id="rId37"/>
+    <p:sldId id="294" r:id="rId38"/>
   </p:sldIdLst>
   <p:sldSz cx="12192000" cy="6858000"/>
   <p:notesSz cx="6858000" cy="9144000"/>
@@ -333,7 +336,7 @@
           <a:p>
             <a:fld id="{1FF29D48-3DE5-4256-A428-EC8246B949DF}" type="datetimeFigureOut">
               <a:rPr lang="zh-TW" altLang="en-US" smtClean="0"/>
-              <a:t>2017/6/21</a:t>
+              <a:t>2017/6/23</a:t>
             </a:fld>
             <a:endParaRPr lang="zh-TW" altLang="en-US"/>
           </a:p>
@@ -671,7 +674,7 @@
           <a:p>
             <a:fld id="{1FF29D48-3DE5-4256-A428-EC8246B949DF}" type="datetimeFigureOut">
               <a:rPr lang="zh-TW" altLang="en-US" smtClean="0"/>
-              <a:t>2017/6/21</a:t>
+              <a:t>2017/6/23</a:t>
             </a:fld>
             <a:endParaRPr lang="zh-TW" altLang="en-US"/>
           </a:p>
@@ -1072,7 +1075,7 @@
           <a:p>
             <a:fld id="{1FF29D48-3DE5-4256-A428-EC8246B949DF}" type="datetimeFigureOut">
               <a:rPr lang="zh-TW" altLang="en-US" smtClean="0"/>
-              <a:t>2017/6/21</a:t>
+              <a:t>2017/6/23</a:t>
             </a:fld>
             <a:endParaRPr lang="zh-TW" altLang="en-US"/>
           </a:p>
@@ -1408,7 +1411,7 @@
           <a:p>
             <a:fld id="{1FF29D48-3DE5-4256-A428-EC8246B949DF}" type="datetimeFigureOut">
               <a:rPr lang="zh-TW" altLang="en-US" smtClean="0"/>
-              <a:t>2017/6/21</a:t>
+              <a:t>2017/6/23</a:t>
             </a:fld>
             <a:endParaRPr lang="zh-TW" altLang="en-US"/>
           </a:p>
@@ -1728,7 +1731,7 @@
           <a:p>
             <a:fld id="{1FF29D48-3DE5-4256-A428-EC8246B949DF}" type="datetimeFigureOut">
               <a:rPr lang="zh-TW" altLang="en-US" smtClean="0"/>
-              <a:t>2017/6/21</a:t>
+              <a:t>2017/6/23</a:t>
             </a:fld>
             <a:endParaRPr lang="zh-TW" altLang="en-US"/>
           </a:p>
@@ -2124,7 +2127,7 @@
           <a:p>
             <a:fld id="{1FF29D48-3DE5-4256-A428-EC8246B949DF}" type="datetimeFigureOut">
               <a:rPr lang="zh-TW" altLang="en-US" smtClean="0"/>
-              <a:t>2017/6/21</a:t>
+              <a:t>2017/6/23</a:t>
             </a:fld>
             <a:endParaRPr lang="zh-TW" altLang="en-US"/>
           </a:p>
@@ -2381,7 +2384,7 @@
           <a:p>
             <a:fld id="{1FF29D48-3DE5-4256-A428-EC8246B949DF}" type="datetimeFigureOut">
               <a:rPr lang="zh-TW" altLang="en-US" smtClean="0"/>
-              <a:t>2017/6/21</a:t>
+              <a:t>2017/6/23</a:t>
             </a:fld>
             <a:endParaRPr lang="zh-TW" altLang="en-US"/>
           </a:p>
@@ -2643,7 +2646,7 @@
           <a:p>
             <a:fld id="{1FF29D48-3DE5-4256-A428-EC8246B949DF}" type="datetimeFigureOut">
               <a:rPr lang="zh-TW" altLang="en-US" smtClean="0"/>
-              <a:t>2017/6/21</a:t>
+              <a:t>2017/6/23</a:t>
             </a:fld>
             <a:endParaRPr lang="zh-TW" altLang="en-US"/>
           </a:p>
@@ -2905,7 +2908,7 @@
           <a:p>
             <a:fld id="{1FF29D48-3DE5-4256-A428-EC8246B949DF}" type="datetimeFigureOut">
               <a:rPr lang="zh-TW" altLang="en-US" smtClean="0"/>
-              <a:t>2017/6/21</a:t>
+              <a:t>2017/6/23</a:t>
             </a:fld>
             <a:endParaRPr lang="zh-TW" altLang="en-US"/>
           </a:p>
@@ -3234,7 +3237,7 @@
           <a:p>
             <a:fld id="{1FF29D48-3DE5-4256-A428-EC8246B949DF}" type="datetimeFigureOut">
               <a:rPr lang="zh-TW" altLang="en-US" smtClean="0"/>
-              <a:t>2017/6/21</a:t>
+              <a:t>2017/6/23</a:t>
             </a:fld>
             <a:endParaRPr lang="zh-TW" altLang="en-US"/>
           </a:p>
@@ -3557,7 +3560,7 @@
           <a:p>
             <a:fld id="{1FF29D48-3DE5-4256-A428-EC8246B949DF}" type="datetimeFigureOut">
               <a:rPr lang="zh-TW" altLang="en-US" smtClean="0"/>
-              <a:t>2017/6/21</a:t>
+              <a:t>2017/6/23</a:t>
             </a:fld>
             <a:endParaRPr lang="zh-TW" altLang="en-US"/>
           </a:p>
@@ -4014,7 +4017,7 @@
           <a:p>
             <a:fld id="{1FF29D48-3DE5-4256-A428-EC8246B949DF}" type="datetimeFigureOut">
               <a:rPr lang="zh-TW" altLang="en-US" smtClean="0"/>
-              <a:t>2017/6/21</a:t>
+              <a:t>2017/6/23</a:t>
             </a:fld>
             <a:endParaRPr lang="zh-TW" altLang="en-US"/>
           </a:p>
@@ -4219,7 +4222,7 @@
           <a:p>
             <a:fld id="{1FF29D48-3DE5-4256-A428-EC8246B949DF}" type="datetimeFigureOut">
               <a:rPr lang="zh-TW" altLang="en-US" smtClean="0"/>
-              <a:t>2017/6/21</a:t>
+              <a:t>2017/6/23</a:t>
             </a:fld>
             <a:endParaRPr lang="zh-TW" altLang="en-US"/>
           </a:p>
@@ -4396,7 +4399,7 @@
           <a:p>
             <a:fld id="{1FF29D48-3DE5-4256-A428-EC8246B949DF}" type="datetimeFigureOut">
               <a:rPr lang="zh-TW" altLang="en-US" smtClean="0"/>
-              <a:t>2017/6/21</a:t>
+              <a:t>2017/6/23</a:t>
             </a:fld>
             <a:endParaRPr lang="zh-TW" altLang="en-US"/>
           </a:p>
@@ -4729,7 +4732,7 @@
           <a:p>
             <a:fld id="{1FF29D48-3DE5-4256-A428-EC8246B949DF}" type="datetimeFigureOut">
               <a:rPr lang="zh-TW" altLang="en-US" smtClean="0"/>
-              <a:t>2017/6/21</a:t>
+              <a:t>2017/6/23</a:t>
             </a:fld>
             <a:endParaRPr lang="zh-TW" altLang="en-US"/>
           </a:p>
@@ -5074,7 +5077,7 @@
           <a:p>
             <a:fld id="{1FF29D48-3DE5-4256-A428-EC8246B949DF}" type="datetimeFigureOut">
               <a:rPr lang="zh-TW" altLang="en-US" smtClean="0"/>
-              <a:t>2017/6/21</a:t>
+              <a:t>2017/6/23</a:t>
             </a:fld>
             <a:endParaRPr lang="zh-TW" altLang="en-US"/>
           </a:p>
@@ -7191,7 +7194,7 @@
           <a:p>
             <a:fld id="{1FF29D48-3DE5-4256-A428-EC8246B949DF}" type="datetimeFigureOut">
               <a:rPr lang="zh-TW" altLang="en-US" smtClean="0"/>
-              <a:t>2017/6/21</a:t>
+              <a:t>2017/6/23</a:t>
             </a:fld>
             <a:endParaRPr lang="zh-TW" altLang="en-US"/>
           </a:p>
@@ -7870,7 +7873,12 @@
             <p:ph idx="1"/>
           </p:nvPr>
         </p:nvSpPr>
-        <p:spPr/>
+        <p:spPr>
+          <a:xfrm>
+            <a:off x="2592925" y="2133600"/>
+            <a:ext cx="8915400" cy="3777622"/>
+          </a:xfrm>
+        </p:spPr>
         <p:txBody>
           <a:bodyPr/>
           <a:lstStyle/>
@@ -10392,7 +10400,6 @@
               <a:rPr lang="en-US" altLang="zh-TW" dirty="0" smtClean="0"/>
               <a:t>Homepage</a:t>
             </a:r>
-            <a:endParaRPr lang="en-US" altLang="zh-TW" dirty="0" smtClean="0"/>
           </a:p>
         </p:txBody>
       </p:sp>
@@ -10436,7 +10443,6 @@
               <a:rPr lang="en-US" altLang="zh-TW" dirty="0" smtClean="0"/>
               <a:t>Collect</a:t>
             </a:r>
-            <a:endParaRPr lang="en-US" altLang="zh-TW" dirty="0" smtClean="0"/>
           </a:p>
         </p:txBody>
       </p:sp>
@@ -10480,7 +10486,6 @@
               <a:rPr lang="en-US" altLang="zh-TW" dirty="0" smtClean="0"/>
               <a:t>Search</a:t>
             </a:r>
-            <a:endParaRPr lang="en-US" altLang="zh-TW" dirty="0" smtClean="0"/>
           </a:p>
         </p:txBody>
       </p:sp>
@@ -10524,7 +10529,6 @@
               <a:rPr lang="en-US" altLang="zh-TW" dirty="0" smtClean="0"/>
               <a:t>Sign up</a:t>
             </a:r>
-            <a:endParaRPr lang="en-US" altLang="zh-TW" dirty="0" smtClean="0"/>
           </a:p>
         </p:txBody>
       </p:sp>
@@ -10568,7 +10572,6 @@
               <a:rPr lang="en-US" altLang="zh-TW" dirty="0" smtClean="0"/>
               <a:t>Log in</a:t>
             </a:r>
-            <a:endParaRPr lang="en-US" altLang="zh-TW" dirty="0" smtClean="0"/>
           </a:p>
         </p:txBody>
       </p:sp>
@@ -10612,7 +10615,6 @@
               <a:rPr lang="en-US" altLang="zh-TW" dirty="0" smtClean="0"/>
               <a:t>Log out</a:t>
             </a:r>
-            <a:endParaRPr lang="en-US" altLang="zh-TW" dirty="0" smtClean="0"/>
           </a:p>
         </p:txBody>
       </p:sp>
@@ -10725,6 +10727,5956 @@
 </file>
 
 <file path=ppt/slides/slide24.xml><?xml version="1.0" encoding="utf-8"?>
+<p:sld xmlns:a="http://schemas.openxmlformats.org/drawingml/2006/main" xmlns:r="http://schemas.openxmlformats.org/officeDocument/2006/relationships" xmlns:p="http://schemas.openxmlformats.org/presentationml/2006/main">
+  <p:cSld>
+    <p:spTree>
+      <p:nvGrpSpPr>
+        <p:cNvPr id="1" name=""/>
+        <p:cNvGrpSpPr/>
+        <p:nvPr/>
+      </p:nvGrpSpPr>
+      <p:grpSpPr>
+        <a:xfrm>
+          <a:off x="0" y="0"/>
+          <a:ext cx="0" cy="0"/>
+          <a:chOff x="0" y="0"/>
+          <a:chExt cx="0" cy="0"/>
+        </a:xfrm>
+      </p:grpSpPr>
+      <p:sp>
+        <p:nvSpPr>
+          <p:cNvPr id="2" name="標題 1"/>
+          <p:cNvSpPr>
+            <a:spLocks noGrp="1"/>
+          </p:cNvSpPr>
+          <p:nvPr>
+            <p:ph type="title"/>
+          </p:nvPr>
+        </p:nvSpPr>
+        <p:spPr/>
+        <p:txBody>
+          <a:bodyPr/>
+          <a:lstStyle/>
+          <a:p>
+            <a:r>
+              <a:rPr lang="en-US" altLang="zh-TW" dirty="0" smtClean="0"/>
+              <a:t>backlog</a:t>
+            </a:r>
+            <a:endParaRPr lang="zh-TW" altLang="en-US" dirty="0"/>
+          </a:p>
+        </p:txBody>
+      </p:sp>
+      <p:graphicFrame>
+        <p:nvGraphicFramePr>
+          <p:cNvPr id="6" name="內容版面配置區 5"/>
+          <p:cNvGraphicFramePr>
+            <a:graphicFrameLocks noGrp="1"/>
+          </p:cNvGraphicFramePr>
+          <p:nvPr>
+            <p:ph idx="1"/>
+            <p:extLst>
+              <p:ext uri="{D42A27DB-BD31-4B8C-83A1-F6EECF244321}">
+                <p14:modId xmlns:p14="http://schemas.microsoft.com/office/powerpoint/2010/main" val="1051516285"/>
+              </p:ext>
+            </p:extLst>
+          </p:nvPr>
+        </p:nvGraphicFramePr>
+        <p:xfrm>
+          <a:off x="2592925" y="1905000"/>
+          <a:ext cx="8911686" cy="4982731"/>
+        </p:xfrm>
+        <a:graphic>
+          <a:graphicData uri="http://schemas.openxmlformats.org/drawingml/2006/table">
+            <a:tbl>
+              <a:tblPr/>
+              <a:tblGrid>
+                <a:gridCol w="1485281">
+                  <a:extLst>
+                    <a:ext uri="{9D8B030D-6E8A-4147-A177-3AD203B41FA5}">
+                      <a16:colId xmlns:a16="http://schemas.microsoft.com/office/drawing/2014/main" val="1522341846"/>
+                    </a:ext>
+                  </a:extLst>
+                </a:gridCol>
+                <a:gridCol w="1485281">
+                  <a:extLst>
+                    <a:ext uri="{9D8B030D-6E8A-4147-A177-3AD203B41FA5}">
+                      <a16:colId xmlns:a16="http://schemas.microsoft.com/office/drawing/2014/main" val="2946085095"/>
+                    </a:ext>
+                  </a:extLst>
+                </a:gridCol>
+                <a:gridCol w="1485281">
+                  <a:extLst>
+                    <a:ext uri="{9D8B030D-6E8A-4147-A177-3AD203B41FA5}">
+                      <a16:colId xmlns:a16="http://schemas.microsoft.com/office/drawing/2014/main" val="1484590244"/>
+                    </a:ext>
+                  </a:extLst>
+                </a:gridCol>
+                <a:gridCol w="1485281">
+                  <a:extLst>
+                    <a:ext uri="{9D8B030D-6E8A-4147-A177-3AD203B41FA5}">
+                      <a16:colId xmlns:a16="http://schemas.microsoft.com/office/drawing/2014/main" val="2065224063"/>
+                    </a:ext>
+                  </a:extLst>
+                </a:gridCol>
+                <a:gridCol w="1485281">
+                  <a:extLst>
+                    <a:ext uri="{9D8B030D-6E8A-4147-A177-3AD203B41FA5}">
+                      <a16:colId xmlns:a16="http://schemas.microsoft.com/office/drawing/2014/main" val="2981450376"/>
+                    </a:ext>
+                  </a:extLst>
+                </a:gridCol>
+                <a:gridCol w="1485281">
+                  <a:extLst>
+                    <a:ext uri="{9D8B030D-6E8A-4147-A177-3AD203B41FA5}">
+                      <a16:colId xmlns:a16="http://schemas.microsoft.com/office/drawing/2014/main" val="32214980"/>
+                    </a:ext>
+                  </a:extLst>
+                </a:gridCol>
+              </a:tblGrid>
+              <a:tr h="315223">
+                <a:tc>
+                  <a:txBody>
+                    <a:bodyPr/>
+                    <a:lstStyle/>
+                    <a:p>
+                      <a:pPr algn="l" fontAlgn="ctr"/>
+                      <a:r>
+                        <a:rPr lang="en-US" sz="1400" b="1" i="0" u="none" strike="noStrike">
+                          <a:solidFill>
+                            <a:srgbClr val="000000"/>
+                          </a:solidFill>
+                          <a:effectLst/>
+                          <a:latin typeface="Calibri" panose="020F0502020204030204" pitchFamily="34" charset="0"/>
+                          <a:ea typeface="新細明體" panose="02020500000000000000" pitchFamily="18" charset="-120"/>
+                        </a:rPr>
+                        <a:t>User Story</a:t>
+                      </a:r>
+                    </a:p>
+                  </a:txBody>
+                  <a:tcPr marL="4642" marR="4642" marT="4642" marB="0" anchor="ctr">
+                    <a:lnL w="12700" cap="flat" cmpd="sng" algn="ctr">
+                      <a:solidFill>
+                        <a:srgbClr val="000000"/>
+                      </a:solidFill>
+                      <a:prstDash val="solid"/>
+                      <a:round/>
+                      <a:headEnd type="none" w="med" len="med"/>
+                      <a:tailEnd type="none" w="med" len="med"/>
+                    </a:lnL>
+                    <a:lnR w="12700" cap="flat" cmpd="sng" algn="ctr">
+                      <a:solidFill>
+                        <a:srgbClr val="000000"/>
+                      </a:solidFill>
+                      <a:prstDash val="solid"/>
+                      <a:round/>
+                      <a:headEnd type="none" w="med" len="med"/>
+                      <a:tailEnd type="none" w="med" len="med"/>
+                    </a:lnR>
+                    <a:lnT w="12700" cap="flat" cmpd="sng" algn="ctr">
+                      <a:solidFill>
+                        <a:srgbClr val="000000"/>
+                      </a:solidFill>
+                      <a:prstDash val="solid"/>
+                      <a:round/>
+                      <a:headEnd type="none" w="med" len="med"/>
+                      <a:tailEnd type="none" w="med" len="med"/>
+                    </a:lnT>
+                    <a:lnB>
+                      <a:noFill/>
+                    </a:lnB>
+                    <a:solidFill>
+                      <a:srgbClr val="C0C0C0"/>
+                    </a:solidFill>
+                  </a:tcPr>
+                </a:tc>
+                <a:tc rowSpan="2">
+                  <a:txBody>
+                    <a:bodyPr/>
+                    <a:lstStyle/>
+                    <a:p>
+                      <a:pPr algn="l" fontAlgn="ctr"/>
+                      <a:r>
+                        <a:rPr lang="en-US" sz="1400" b="1" i="0" u="none" strike="noStrike" dirty="0">
+                          <a:solidFill>
+                            <a:srgbClr val="000000"/>
+                          </a:solidFill>
+                          <a:effectLst/>
+                          <a:latin typeface="Calibri" panose="020F0502020204030204" pitchFamily="34" charset="0"/>
+                          <a:ea typeface="新細明體" panose="02020500000000000000" pitchFamily="18" charset="-120"/>
+                        </a:rPr>
+                        <a:t>Backlog Item</a:t>
+                      </a:r>
+                    </a:p>
+                  </a:txBody>
+                  <a:tcPr marL="4642" marR="4642" marT="4642" marB="0" anchor="ctr">
+                    <a:lnL w="12700" cap="flat" cmpd="sng" algn="ctr">
+                      <a:solidFill>
+                        <a:srgbClr val="000000"/>
+                      </a:solidFill>
+                      <a:prstDash val="solid"/>
+                      <a:round/>
+                      <a:headEnd type="none" w="med" len="med"/>
+                      <a:tailEnd type="none" w="med" len="med"/>
+                    </a:lnL>
+                    <a:lnR w="12700" cap="flat" cmpd="sng" algn="ctr">
+                      <a:solidFill>
+                        <a:srgbClr val="000000"/>
+                      </a:solidFill>
+                      <a:prstDash val="solid"/>
+                      <a:round/>
+                      <a:headEnd type="none" w="med" len="med"/>
+                      <a:tailEnd type="none" w="med" len="med"/>
+                    </a:lnR>
+                    <a:lnT w="12700" cap="flat" cmpd="sng" algn="ctr">
+                      <a:solidFill>
+                        <a:srgbClr val="000000"/>
+                      </a:solidFill>
+                      <a:prstDash val="solid"/>
+                      <a:round/>
+                      <a:headEnd type="none" w="med" len="med"/>
+                      <a:tailEnd type="none" w="med" len="med"/>
+                    </a:lnT>
+                    <a:lnB w="12700" cap="flat" cmpd="sng" algn="ctr">
+                      <a:solidFill>
+                        <a:srgbClr val="000000"/>
+                      </a:solidFill>
+                      <a:prstDash val="solid"/>
+                      <a:round/>
+                      <a:headEnd type="none" w="med" len="med"/>
+                      <a:tailEnd type="none" w="med" len="med"/>
+                    </a:lnB>
+                    <a:solidFill>
+                      <a:srgbClr val="C0C0C0"/>
+                    </a:solidFill>
+                  </a:tcPr>
+                </a:tc>
+                <a:tc rowSpan="2">
+                  <a:txBody>
+                    <a:bodyPr/>
+                    <a:lstStyle/>
+                    <a:p>
+                      <a:pPr algn="l" fontAlgn="ctr"/>
+                      <a:r>
+                        <a:rPr lang="en-US" sz="1400" b="1" i="0" u="none" strike="noStrike">
+                          <a:solidFill>
+                            <a:srgbClr val="000000"/>
+                          </a:solidFill>
+                          <a:effectLst/>
+                          <a:latin typeface="Calibri" panose="020F0502020204030204" pitchFamily="34" charset="0"/>
+                          <a:ea typeface="新細明體" panose="02020500000000000000" pitchFamily="18" charset="-120"/>
+                        </a:rPr>
+                        <a:t>Task ID</a:t>
+                      </a:r>
+                    </a:p>
+                  </a:txBody>
+                  <a:tcPr marL="4642" marR="4642" marT="4642" marB="0" anchor="ctr">
+                    <a:lnL w="12700" cap="flat" cmpd="sng" algn="ctr">
+                      <a:solidFill>
+                        <a:srgbClr val="000000"/>
+                      </a:solidFill>
+                      <a:prstDash val="solid"/>
+                      <a:round/>
+                      <a:headEnd type="none" w="med" len="med"/>
+                      <a:tailEnd type="none" w="med" len="med"/>
+                    </a:lnL>
+                    <a:lnR w="12700" cap="flat" cmpd="sng" algn="ctr">
+                      <a:solidFill>
+                        <a:srgbClr val="000000"/>
+                      </a:solidFill>
+                      <a:prstDash val="solid"/>
+                      <a:round/>
+                      <a:headEnd type="none" w="med" len="med"/>
+                      <a:tailEnd type="none" w="med" len="med"/>
+                    </a:lnR>
+                    <a:lnT w="12700" cap="flat" cmpd="sng" algn="ctr">
+                      <a:solidFill>
+                        <a:srgbClr val="000000"/>
+                      </a:solidFill>
+                      <a:prstDash val="solid"/>
+                      <a:round/>
+                      <a:headEnd type="none" w="med" len="med"/>
+                      <a:tailEnd type="none" w="med" len="med"/>
+                    </a:lnT>
+                    <a:lnB w="12700" cap="flat" cmpd="sng" algn="ctr">
+                      <a:solidFill>
+                        <a:srgbClr val="000000"/>
+                      </a:solidFill>
+                      <a:prstDash val="solid"/>
+                      <a:round/>
+                      <a:headEnd type="none" w="med" len="med"/>
+                      <a:tailEnd type="none" w="med" len="med"/>
+                    </a:lnB>
+                    <a:solidFill>
+                      <a:srgbClr val="C0C0C0"/>
+                    </a:solidFill>
+                  </a:tcPr>
+                </a:tc>
+                <a:tc rowSpan="2">
+                  <a:txBody>
+                    <a:bodyPr/>
+                    <a:lstStyle/>
+                    <a:p>
+                      <a:pPr algn="l" fontAlgn="ctr"/>
+                      <a:r>
+                        <a:rPr lang="en-US" sz="1400" b="1" i="0" u="none" strike="noStrike">
+                          <a:solidFill>
+                            <a:srgbClr val="000000"/>
+                          </a:solidFill>
+                          <a:effectLst/>
+                          <a:latin typeface="Calibri" panose="020F0502020204030204" pitchFamily="34" charset="0"/>
+                          <a:ea typeface="新細明體" panose="02020500000000000000" pitchFamily="18" charset="-120"/>
+                        </a:rPr>
+                        <a:t>Task</a:t>
+                      </a:r>
+                    </a:p>
+                  </a:txBody>
+                  <a:tcPr marL="4642" marR="4642" marT="4642" marB="0" anchor="ctr">
+                    <a:lnL w="12700" cap="flat" cmpd="sng" algn="ctr">
+                      <a:solidFill>
+                        <a:srgbClr val="000000"/>
+                      </a:solidFill>
+                      <a:prstDash val="solid"/>
+                      <a:round/>
+                      <a:headEnd type="none" w="med" len="med"/>
+                      <a:tailEnd type="none" w="med" len="med"/>
+                    </a:lnL>
+                    <a:lnR w="12700" cap="flat" cmpd="sng" algn="ctr">
+                      <a:solidFill>
+                        <a:srgbClr val="000000"/>
+                      </a:solidFill>
+                      <a:prstDash val="solid"/>
+                      <a:round/>
+                      <a:headEnd type="none" w="med" len="med"/>
+                      <a:tailEnd type="none" w="med" len="med"/>
+                    </a:lnR>
+                    <a:lnT w="12700" cap="flat" cmpd="sng" algn="ctr">
+                      <a:solidFill>
+                        <a:srgbClr val="000000"/>
+                      </a:solidFill>
+                      <a:prstDash val="solid"/>
+                      <a:round/>
+                      <a:headEnd type="none" w="med" len="med"/>
+                      <a:tailEnd type="none" w="med" len="med"/>
+                    </a:lnT>
+                    <a:lnB w="12700" cap="flat" cmpd="sng" algn="ctr">
+                      <a:solidFill>
+                        <a:srgbClr val="000000"/>
+                      </a:solidFill>
+                      <a:prstDash val="solid"/>
+                      <a:round/>
+                      <a:headEnd type="none" w="med" len="med"/>
+                      <a:tailEnd type="none" w="med" len="med"/>
+                    </a:lnB>
+                    <a:solidFill>
+                      <a:srgbClr val="C0C0C0"/>
+                    </a:solidFill>
+                  </a:tcPr>
+                </a:tc>
+                <a:tc>
+                  <a:txBody>
+                    <a:bodyPr/>
+                    <a:lstStyle/>
+                    <a:p>
+                      <a:pPr algn="l" fontAlgn="ctr"/>
+                      <a:r>
+                        <a:rPr lang="en-US" sz="1400" b="1" i="0" u="none" strike="noStrike">
+                          <a:solidFill>
+                            <a:srgbClr val="000000"/>
+                          </a:solidFill>
+                          <a:effectLst/>
+                          <a:latin typeface="Calibri" panose="020F0502020204030204" pitchFamily="34" charset="0"/>
+                          <a:ea typeface="新細明體" panose="02020500000000000000" pitchFamily="18" charset="-120"/>
+                        </a:rPr>
+                        <a:t>Estimate</a:t>
+                      </a:r>
+                    </a:p>
+                  </a:txBody>
+                  <a:tcPr marL="4642" marR="4642" marT="4642" marB="0" anchor="ctr">
+                    <a:lnL w="12700" cap="flat" cmpd="sng" algn="ctr">
+                      <a:solidFill>
+                        <a:srgbClr val="000000"/>
+                      </a:solidFill>
+                      <a:prstDash val="solid"/>
+                      <a:round/>
+                      <a:headEnd type="none" w="med" len="med"/>
+                      <a:tailEnd type="none" w="med" len="med"/>
+                    </a:lnL>
+                    <a:lnR w="12700" cap="flat" cmpd="sng" algn="ctr">
+                      <a:solidFill>
+                        <a:srgbClr val="000000"/>
+                      </a:solidFill>
+                      <a:prstDash val="solid"/>
+                      <a:round/>
+                      <a:headEnd type="none" w="med" len="med"/>
+                      <a:tailEnd type="none" w="med" len="med"/>
+                    </a:lnR>
+                    <a:lnT w="12700" cap="flat" cmpd="sng" algn="ctr">
+                      <a:solidFill>
+                        <a:srgbClr val="000000"/>
+                      </a:solidFill>
+                      <a:prstDash val="solid"/>
+                      <a:round/>
+                      <a:headEnd type="none" w="med" len="med"/>
+                      <a:tailEnd type="none" w="med" len="med"/>
+                    </a:lnT>
+                    <a:lnB>
+                      <a:noFill/>
+                    </a:lnB>
+                    <a:solidFill>
+                      <a:srgbClr val="C0C0C0"/>
+                    </a:solidFill>
+                  </a:tcPr>
+                </a:tc>
+                <a:tc rowSpan="2">
+                  <a:txBody>
+                    <a:bodyPr/>
+                    <a:lstStyle/>
+                    <a:p>
+                      <a:pPr algn="l" fontAlgn="ctr"/>
+                      <a:r>
+                        <a:rPr lang="en-US" sz="1400" b="1" i="0" u="none" strike="noStrike">
+                          <a:solidFill>
+                            <a:srgbClr val="000000"/>
+                          </a:solidFill>
+                          <a:effectLst/>
+                          <a:latin typeface="Calibri" panose="020F0502020204030204" pitchFamily="34" charset="0"/>
+                          <a:ea typeface="新細明體" panose="02020500000000000000" pitchFamily="18" charset="-120"/>
+                        </a:rPr>
+                        <a:t>Responsi-bility</a:t>
+                      </a:r>
+                    </a:p>
+                  </a:txBody>
+                  <a:tcPr marL="4642" marR="4642" marT="4642" marB="0" anchor="ctr">
+                    <a:lnL w="12700" cap="flat" cmpd="sng" algn="ctr">
+                      <a:solidFill>
+                        <a:srgbClr val="000000"/>
+                      </a:solidFill>
+                      <a:prstDash val="solid"/>
+                      <a:round/>
+                      <a:headEnd type="none" w="med" len="med"/>
+                      <a:tailEnd type="none" w="med" len="med"/>
+                    </a:lnL>
+                    <a:lnR w="12700" cap="flat" cmpd="sng" algn="ctr">
+                      <a:solidFill>
+                        <a:srgbClr val="000000"/>
+                      </a:solidFill>
+                      <a:prstDash val="solid"/>
+                      <a:round/>
+                      <a:headEnd type="none" w="med" len="med"/>
+                      <a:tailEnd type="none" w="med" len="med"/>
+                    </a:lnR>
+                    <a:lnT w="12700" cap="flat" cmpd="sng" algn="ctr">
+                      <a:solidFill>
+                        <a:srgbClr val="000000"/>
+                      </a:solidFill>
+                      <a:prstDash val="solid"/>
+                      <a:round/>
+                      <a:headEnd type="none" w="med" len="med"/>
+                      <a:tailEnd type="none" w="med" len="med"/>
+                    </a:lnT>
+                    <a:lnB w="12700" cap="flat" cmpd="sng" algn="ctr">
+                      <a:solidFill>
+                        <a:srgbClr val="000000"/>
+                      </a:solidFill>
+                      <a:prstDash val="solid"/>
+                      <a:round/>
+                      <a:headEnd type="none" w="med" len="med"/>
+                      <a:tailEnd type="none" w="med" len="med"/>
+                    </a:lnB>
+                    <a:solidFill>
+                      <a:srgbClr val="C0C0C0"/>
+                    </a:solidFill>
+                  </a:tcPr>
+                </a:tc>
+                <a:extLst>
+                  <a:ext uri="{0D108BD9-81ED-4DB2-BD59-A6C34878D82A}">
+                    <a16:rowId xmlns:a16="http://schemas.microsoft.com/office/drawing/2014/main" val="1605823167"/>
+                  </a:ext>
+                </a:extLst>
+              </a:tr>
+              <a:tr h="169735">
+                <a:tc>
+                  <a:txBody>
+                    <a:bodyPr/>
+                    <a:lstStyle/>
+                    <a:p>
+                      <a:pPr algn="l" fontAlgn="ctr"/>
+                      <a:r>
+                        <a:rPr lang="en-US" sz="1400" b="1" i="0" u="none" strike="noStrike">
+                          <a:solidFill>
+                            <a:srgbClr val="000000"/>
+                          </a:solidFill>
+                          <a:effectLst/>
+                          <a:latin typeface="Calibri" panose="020F0502020204030204" pitchFamily="34" charset="0"/>
+                          <a:ea typeface="新細明體" panose="02020500000000000000" pitchFamily="18" charset="-120"/>
+                        </a:rPr>
+                        <a:t>ID</a:t>
+                      </a:r>
+                    </a:p>
+                  </a:txBody>
+                  <a:tcPr marL="4642" marR="4642" marT="4642" marB="0" anchor="ctr">
+                    <a:lnL w="12700" cap="flat" cmpd="sng" algn="ctr">
+                      <a:solidFill>
+                        <a:srgbClr val="000000"/>
+                      </a:solidFill>
+                      <a:prstDash val="solid"/>
+                      <a:round/>
+                      <a:headEnd type="none" w="med" len="med"/>
+                      <a:tailEnd type="none" w="med" len="med"/>
+                    </a:lnL>
+                    <a:lnR w="12700" cap="flat" cmpd="sng" algn="ctr">
+                      <a:solidFill>
+                        <a:srgbClr val="000000"/>
+                      </a:solidFill>
+                      <a:prstDash val="solid"/>
+                      <a:round/>
+                      <a:headEnd type="none" w="med" len="med"/>
+                      <a:tailEnd type="none" w="med" len="med"/>
+                    </a:lnR>
+                    <a:lnT>
+                      <a:noFill/>
+                    </a:lnT>
+                    <a:lnB w="12700" cap="flat" cmpd="sng" algn="ctr">
+                      <a:solidFill>
+                        <a:srgbClr val="000000"/>
+                      </a:solidFill>
+                      <a:prstDash val="solid"/>
+                      <a:round/>
+                      <a:headEnd type="none" w="med" len="med"/>
+                      <a:tailEnd type="none" w="med" len="med"/>
+                    </a:lnB>
+                    <a:solidFill>
+                      <a:srgbClr val="C0C0C0"/>
+                    </a:solidFill>
+                  </a:tcPr>
+                </a:tc>
+                <a:tc vMerge="1">
+                  <a:txBody>
+                    <a:bodyPr/>
+                    <a:lstStyle/>
+                    <a:p>
+                      <a:endParaRPr lang="zh-TW" altLang="en-US"/>
+                    </a:p>
+                  </a:txBody>
+                  <a:tcPr/>
+                </a:tc>
+                <a:tc vMerge="1">
+                  <a:txBody>
+                    <a:bodyPr/>
+                    <a:lstStyle/>
+                    <a:p>
+                      <a:endParaRPr lang="zh-TW" altLang="en-US"/>
+                    </a:p>
+                  </a:txBody>
+                  <a:tcPr/>
+                </a:tc>
+                <a:tc vMerge="1">
+                  <a:txBody>
+                    <a:bodyPr/>
+                    <a:lstStyle/>
+                    <a:p>
+                      <a:endParaRPr lang="zh-TW" altLang="en-US"/>
+                    </a:p>
+                  </a:txBody>
+                  <a:tcPr/>
+                </a:tc>
+                <a:tc>
+                  <a:txBody>
+                    <a:bodyPr/>
+                    <a:lstStyle/>
+                    <a:p>
+                      <a:pPr algn="l" fontAlgn="ctr"/>
+                      <a:r>
+                        <a:rPr lang="en-US" sz="1400" b="1" i="0" u="none" strike="noStrike">
+                          <a:solidFill>
+                            <a:srgbClr val="000000"/>
+                          </a:solidFill>
+                          <a:effectLst/>
+                          <a:latin typeface="Calibri" panose="020F0502020204030204" pitchFamily="34" charset="0"/>
+                          <a:ea typeface="新細明體" panose="02020500000000000000" pitchFamily="18" charset="-120"/>
+                        </a:rPr>
+                        <a:t>(hr)</a:t>
+                      </a:r>
+                    </a:p>
+                  </a:txBody>
+                  <a:tcPr marL="4642" marR="4642" marT="4642" marB="0" anchor="ctr">
+                    <a:lnL w="12700" cap="flat" cmpd="sng" algn="ctr">
+                      <a:solidFill>
+                        <a:srgbClr val="000000"/>
+                      </a:solidFill>
+                      <a:prstDash val="solid"/>
+                      <a:round/>
+                      <a:headEnd type="none" w="med" len="med"/>
+                      <a:tailEnd type="none" w="med" len="med"/>
+                    </a:lnL>
+                    <a:lnR w="12700" cap="flat" cmpd="sng" algn="ctr">
+                      <a:solidFill>
+                        <a:srgbClr val="000000"/>
+                      </a:solidFill>
+                      <a:prstDash val="solid"/>
+                      <a:round/>
+                      <a:headEnd type="none" w="med" len="med"/>
+                      <a:tailEnd type="none" w="med" len="med"/>
+                    </a:lnR>
+                    <a:lnT>
+                      <a:noFill/>
+                    </a:lnT>
+                    <a:lnB w="12700" cap="flat" cmpd="sng" algn="ctr">
+                      <a:solidFill>
+                        <a:srgbClr val="000000"/>
+                      </a:solidFill>
+                      <a:prstDash val="solid"/>
+                      <a:round/>
+                      <a:headEnd type="none" w="med" len="med"/>
+                      <a:tailEnd type="none" w="med" len="med"/>
+                    </a:lnB>
+                    <a:solidFill>
+                      <a:srgbClr val="C0C0C0"/>
+                    </a:solidFill>
+                  </a:tcPr>
+                </a:tc>
+                <a:tc vMerge="1">
+                  <a:txBody>
+                    <a:bodyPr/>
+                    <a:lstStyle/>
+                    <a:p>
+                      <a:endParaRPr lang="zh-TW" altLang="en-US"/>
+                    </a:p>
+                  </a:txBody>
+                  <a:tcPr/>
+                </a:tc>
+                <a:extLst>
+                  <a:ext uri="{0D108BD9-81ED-4DB2-BD59-A6C34878D82A}">
+                    <a16:rowId xmlns:a16="http://schemas.microsoft.com/office/drawing/2014/main" val="3878030640"/>
+                  </a:ext>
+                </a:extLst>
+              </a:tr>
+              <a:tr h="660758">
+                <a:tc rowSpan="4">
+                  <a:txBody>
+                    <a:bodyPr/>
+                    <a:lstStyle/>
+                    <a:p>
+                      <a:pPr algn="r" fontAlgn="ctr"/>
+                      <a:r>
+                        <a:rPr lang="en-US" altLang="zh-TW" sz="1400" b="0" i="0" u="none" strike="noStrike">
+                          <a:solidFill>
+                            <a:srgbClr val="000000"/>
+                          </a:solidFill>
+                          <a:effectLst/>
+                          <a:latin typeface="Calibri" panose="020F0502020204030204" pitchFamily="34" charset="0"/>
+                          <a:ea typeface="新細明體" panose="02020500000000000000" pitchFamily="18" charset="-120"/>
+                        </a:rPr>
+                        <a:t>1</a:t>
+                      </a:r>
+                    </a:p>
+                  </a:txBody>
+                  <a:tcPr marL="4642" marR="4642" marT="4642" marB="0" anchor="ctr">
+                    <a:lnL w="12700" cap="flat" cmpd="sng" algn="ctr">
+                      <a:solidFill>
+                        <a:srgbClr val="000000"/>
+                      </a:solidFill>
+                      <a:prstDash val="solid"/>
+                      <a:round/>
+                      <a:headEnd type="none" w="med" len="med"/>
+                      <a:tailEnd type="none" w="med" len="med"/>
+                    </a:lnL>
+                    <a:lnR w="12700" cap="flat" cmpd="sng" algn="ctr">
+                      <a:solidFill>
+                        <a:srgbClr val="000000"/>
+                      </a:solidFill>
+                      <a:prstDash val="solid"/>
+                      <a:round/>
+                      <a:headEnd type="none" w="med" len="med"/>
+                      <a:tailEnd type="none" w="med" len="med"/>
+                    </a:lnR>
+                    <a:lnT w="12700" cap="flat" cmpd="sng" algn="ctr">
+                      <a:solidFill>
+                        <a:srgbClr val="000000"/>
+                      </a:solidFill>
+                      <a:prstDash val="solid"/>
+                      <a:round/>
+                      <a:headEnd type="none" w="med" len="med"/>
+                      <a:tailEnd type="none" w="med" len="med"/>
+                    </a:lnT>
+                    <a:lnB w="12700" cap="flat" cmpd="sng" algn="ctr">
+                      <a:solidFill>
+                        <a:srgbClr val="000000"/>
+                      </a:solidFill>
+                      <a:prstDash val="solid"/>
+                      <a:round/>
+                      <a:headEnd type="none" w="med" len="med"/>
+                      <a:tailEnd type="none" w="med" len="med"/>
+                    </a:lnB>
+                  </a:tcPr>
+                </a:tc>
+                <a:tc rowSpan="4">
+                  <a:txBody>
+                    <a:bodyPr/>
+                    <a:lstStyle/>
+                    <a:p>
+                      <a:pPr algn="l" fontAlgn="ctr"/>
+                      <a:r>
+                        <a:rPr lang="zh-TW" altLang="en-US" sz="1400" b="0" i="0" u="none" strike="noStrike" dirty="0">
+                          <a:solidFill>
+                            <a:srgbClr val="000000"/>
+                          </a:solidFill>
+                          <a:effectLst/>
+                          <a:latin typeface="新細明體" panose="02020500000000000000" pitchFamily="18" charset="-120"/>
+                          <a:ea typeface="新細明體" panose="02020500000000000000" pitchFamily="18" charset="-120"/>
+                        </a:rPr>
+                        <a:t>身為一個使用者，我可以用關鍵字查詢店家。</a:t>
+                      </a:r>
+                    </a:p>
+                  </a:txBody>
+                  <a:tcPr marL="4642" marR="4642" marT="4642" marB="0" anchor="ctr">
+                    <a:lnL w="12700" cap="flat" cmpd="sng" algn="ctr">
+                      <a:solidFill>
+                        <a:srgbClr val="000000"/>
+                      </a:solidFill>
+                      <a:prstDash val="solid"/>
+                      <a:round/>
+                      <a:headEnd type="none" w="med" len="med"/>
+                      <a:tailEnd type="none" w="med" len="med"/>
+                    </a:lnL>
+                    <a:lnR w="12700" cap="flat" cmpd="sng" algn="ctr">
+                      <a:solidFill>
+                        <a:srgbClr val="000000"/>
+                      </a:solidFill>
+                      <a:prstDash val="solid"/>
+                      <a:round/>
+                      <a:headEnd type="none" w="med" len="med"/>
+                      <a:tailEnd type="none" w="med" len="med"/>
+                    </a:lnR>
+                    <a:lnT w="12700" cap="flat" cmpd="sng" algn="ctr">
+                      <a:solidFill>
+                        <a:srgbClr val="000000"/>
+                      </a:solidFill>
+                      <a:prstDash val="solid"/>
+                      <a:round/>
+                      <a:headEnd type="none" w="med" len="med"/>
+                      <a:tailEnd type="none" w="med" len="med"/>
+                    </a:lnT>
+                    <a:lnB w="12700" cap="flat" cmpd="sng" algn="ctr">
+                      <a:solidFill>
+                        <a:srgbClr val="000000"/>
+                      </a:solidFill>
+                      <a:prstDash val="solid"/>
+                      <a:round/>
+                      <a:headEnd type="none" w="med" len="med"/>
+                      <a:tailEnd type="none" w="med" len="med"/>
+                    </a:lnB>
+                  </a:tcPr>
+                </a:tc>
+                <a:tc>
+                  <a:txBody>
+                    <a:bodyPr/>
+                    <a:lstStyle/>
+                    <a:p>
+                      <a:pPr algn="r" fontAlgn="ctr"/>
+                      <a:r>
+                        <a:rPr lang="en-US" altLang="zh-TW" sz="1400" b="0" i="0" u="none" strike="noStrike">
+                          <a:solidFill>
+                            <a:srgbClr val="000000"/>
+                          </a:solidFill>
+                          <a:effectLst/>
+                          <a:latin typeface="Calibri" panose="020F0502020204030204" pitchFamily="34" charset="0"/>
+                          <a:ea typeface="新細明體" panose="02020500000000000000" pitchFamily="18" charset="-120"/>
+                        </a:rPr>
+                        <a:t>1</a:t>
+                      </a:r>
+                      <a:r>
+                        <a:rPr lang="zh-TW" altLang="en-US" sz="1400" b="0" i="0" u="none" strike="noStrike">
+                          <a:solidFill>
+                            <a:srgbClr val="000000"/>
+                          </a:solidFill>
+                          <a:effectLst/>
+                          <a:latin typeface="Calibri" panose="020F0502020204030204" pitchFamily="34" charset="0"/>
+                          <a:ea typeface="新細明體" panose="02020500000000000000" pitchFamily="18" charset="-120"/>
+                        </a:rPr>
+                        <a:t>月</a:t>
+                      </a:r>
+                      <a:r>
+                        <a:rPr lang="en-US" altLang="zh-TW" sz="1400" b="0" i="0" u="none" strike="noStrike">
+                          <a:solidFill>
+                            <a:srgbClr val="000000"/>
+                          </a:solidFill>
+                          <a:effectLst/>
+                          <a:latin typeface="Calibri" panose="020F0502020204030204" pitchFamily="34" charset="0"/>
+                          <a:ea typeface="新細明體" panose="02020500000000000000" pitchFamily="18" charset="-120"/>
+                        </a:rPr>
+                        <a:t>1</a:t>
+                      </a:r>
+                      <a:r>
+                        <a:rPr lang="zh-TW" altLang="en-US" sz="1400" b="0" i="0" u="none" strike="noStrike">
+                          <a:solidFill>
+                            <a:srgbClr val="000000"/>
+                          </a:solidFill>
+                          <a:effectLst/>
+                          <a:latin typeface="Calibri" panose="020F0502020204030204" pitchFamily="34" charset="0"/>
+                          <a:ea typeface="新細明體" panose="02020500000000000000" pitchFamily="18" charset="-120"/>
+                        </a:rPr>
+                        <a:t>日</a:t>
+                      </a:r>
+                    </a:p>
+                  </a:txBody>
+                  <a:tcPr marL="4642" marR="4642" marT="4642" marB="0" anchor="ctr">
+                    <a:lnL w="12700" cap="flat" cmpd="sng" algn="ctr">
+                      <a:solidFill>
+                        <a:srgbClr val="000000"/>
+                      </a:solidFill>
+                      <a:prstDash val="solid"/>
+                      <a:round/>
+                      <a:headEnd type="none" w="med" len="med"/>
+                      <a:tailEnd type="none" w="med" len="med"/>
+                    </a:lnL>
+                    <a:lnR w="12700" cap="flat" cmpd="sng" algn="ctr">
+                      <a:solidFill>
+                        <a:srgbClr val="000000"/>
+                      </a:solidFill>
+                      <a:prstDash val="solid"/>
+                      <a:round/>
+                      <a:headEnd type="none" w="med" len="med"/>
+                      <a:tailEnd type="none" w="med" len="med"/>
+                    </a:lnR>
+                    <a:lnT w="12700" cap="flat" cmpd="sng" algn="ctr">
+                      <a:solidFill>
+                        <a:srgbClr val="000000"/>
+                      </a:solidFill>
+                      <a:prstDash val="solid"/>
+                      <a:round/>
+                      <a:headEnd type="none" w="med" len="med"/>
+                      <a:tailEnd type="none" w="med" len="med"/>
+                    </a:lnT>
+                    <a:lnB w="12700" cap="flat" cmpd="sng" algn="ctr">
+                      <a:solidFill>
+                        <a:srgbClr val="000000"/>
+                      </a:solidFill>
+                      <a:prstDash val="solid"/>
+                      <a:round/>
+                      <a:headEnd type="none" w="med" len="med"/>
+                      <a:tailEnd type="none" w="med" len="med"/>
+                    </a:lnB>
+                  </a:tcPr>
+                </a:tc>
+                <a:tc>
+                  <a:txBody>
+                    <a:bodyPr/>
+                    <a:lstStyle/>
+                    <a:p>
+                      <a:pPr algn="l" fontAlgn="ctr"/>
+                      <a:r>
+                        <a:rPr lang="en-US" sz="1400" b="0" i="0" u="none" strike="noStrike">
+                          <a:solidFill>
+                            <a:srgbClr val="000000"/>
+                          </a:solidFill>
+                          <a:effectLst/>
+                          <a:latin typeface="Calibri" panose="020F0502020204030204" pitchFamily="34" charset="0"/>
+                          <a:ea typeface="新細明體" panose="02020500000000000000" pitchFamily="18" charset="-120"/>
+                        </a:rPr>
+                        <a:t>POST</a:t>
+                      </a:r>
+                      <a:r>
+                        <a:rPr lang="zh-TW" altLang="en-US" sz="1400" b="0" i="0" u="none" strike="noStrike">
+                          <a:solidFill>
+                            <a:srgbClr val="000000"/>
+                          </a:solidFill>
+                          <a:effectLst/>
+                          <a:latin typeface="Calibri" panose="020F0502020204030204" pitchFamily="34" charset="0"/>
+                          <a:ea typeface="新細明體" panose="02020500000000000000" pitchFamily="18" charset="-120"/>
+                        </a:rPr>
+                        <a:t>使用者輸入的資料</a:t>
+                      </a:r>
+                    </a:p>
+                  </a:txBody>
+                  <a:tcPr marL="4642" marR="4642" marT="4642" marB="0" anchor="ctr">
+                    <a:lnL w="12700" cap="flat" cmpd="sng" algn="ctr">
+                      <a:solidFill>
+                        <a:srgbClr val="000000"/>
+                      </a:solidFill>
+                      <a:prstDash val="solid"/>
+                      <a:round/>
+                      <a:headEnd type="none" w="med" len="med"/>
+                      <a:tailEnd type="none" w="med" len="med"/>
+                    </a:lnL>
+                    <a:lnR w="12700" cap="flat" cmpd="sng" algn="ctr">
+                      <a:solidFill>
+                        <a:srgbClr val="000000"/>
+                      </a:solidFill>
+                      <a:prstDash val="solid"/>
+                      <a:round/>
+                      <a:headEnd type="none" w="med" len="med"/>
+                      <a:tailEnd type="none" w="med" len="med"/>
+                    </a:lnR>
+                    <a:lnT w="12700" cap="flat" cmpd="sng" algn="ctr">
+                      <a:solidFill>
+                        <a:srgbClr val="000000"/>
+                      </a:solidFill>
+                      <a:prstDash val="solid"/>
+                      <a:round/>
+                      <a:headEnd type="none" w="med" len="med"/>
+                      <a:tailEnd type="none" w="med" len="med"/>
+                    </a:lnT>
+                    <a:lnB w="12700" cap="flat" cmpd="sng" algn="ctr">
+                      <a:solidFill>
+                        <a:srgbClr val="000000"/>
+                      </a:solidFill>
+                      <a:prstDash val="solid"/>
+                      <a:round/>
+                      <a:headEnd type="none" w="med" len="med"/>
+                      <a:tailEnd type="none" w="med" len="med"/>
+                    </a:lnB>
+                  </a:tcPr>
+                </a:tc>
+                <a:tc>
+                  <a:txBody>
+                    <a:bodyPr/>
+                    <a:lstStyle/>
+                    <a:p>
+                      <a:pPr algn="r" fontAlgn="ctr"/>
+                      <a:r>
+                        <a:rPr lang="en-US" altLang="zh-TW" sz="1400" b="0" i="0" u="none" strike="noStrike">
+                          <a:solidFill>
+                            <a:srgbClr val="000000"/>
+                          </a:solidFill>
+                          <a:effectLst/>
+                          <a:latin typeface="Calibri" panose="020F0502020204030204" pitchFamily="34" charset="0"/>
+                          <a:ea typeface="新細明體" panose="02020500000000000000" pitchFamily="18" charset="-120"/>
+                        </a:rPr>
+                        <a:t>2</a:t>
+                      </a:r>
+                    </a:p>
+                  </a:txBody>
+                  <a:tcPr marL="4642" marR="4642" marT="4642" marB="0" anchor="ctr">
+                    <a:lnL w="12700" cap="flat" cmpd="sng" algn="ctr">
+                      <a:solidFill>
+                        <a:srgbClr val="000000"/>
+                      </a:solidFill>
+                      <a:prstDash val="solid"/>
+                      <a:round/>
+                      <a:headEnd type="none" w="med" len="med"/>
+                      <a:tailEnd type="none" w="med" len="med"/>
+                    </a:lnL>
+                    <a:lnR w="12700" cap="flat" cmpd="sng" algn="ctr">
+                      <a:solidFill>
+                        <a:srgbClr val="000000"/>
+                      </a:solidFill>
+                      <a:prstDash val="solid"/>
+                      <a:round/>
+                      <a:headEnd type="none" w="med" len="med"/>
+                      <a:tailEnd type="none" w="med" len="med"/>
+                    </a:lnR>
+                    <a:lnT w="12700" cap="flat" cmpd="sng" algn="ctr">
+                      <a:solidFill>
+                        <a:srgbClr val="000000"/>
+                      </a:solidFill>
+                      <a:prstDash val="solid"/>
+                      <a:round/>
+                      <a:headEnd type="none" w="med" len="med"/>
+                      <a:tailEnd type="none" w="med" len="med"/>
+                    </a:lnT>
+                    <a:lnB w="12700" cap="flat" cmpd="sng" algn="ctr">
+                      <a:solidFill>
+                        <a:srgbClr val="000000"/>
+                      </a:solidFill>
+                      <a:prstDash val="solid"/>
+                      <a:round/>
+                      <a:headEnd type="none" w="med" len="med"/>
+                      <a:tailEnd type="none" w="med" len="med"/>
+                    </a:lnB>
+                  </a:tcPr>
+                </a:tc>
+                <a:tc>
+                  <a:txBody>
+                    <a:bodyPr/>
+                    <a:lstStyle/>
+                    <a:p>
+                      <a:pPr algn="l" fontAlgn="ctr"/>
+                      <a:r>
+                        <a:rPr lang="zh-TW" altLang="en-US" sz="1400" b="0" i="0" u="none" strike="noStrike">
+                          <a:solidFill>
+                            <a:srgbClr val="000000"/>
+                          </a:solidFill>
+                          <a:effectLst/>
+                          <a:latin typeface="新細明體" panose="02020500000000000000" pitchFamily="18" charset="-120"/>
+                          <a:ea typeface="新細明體" panose="02020500000000000000" pitchFamily="18" charset="-120"/>
+                        </a:rPr>
+                        <a:t>彭冠傑</a:t>
+                      </a:r>
+                    </a:p>
+                  </a:txBody>
+                  <a:tcPr marL="4642" marR="4642" marT="4642" marB="0" anchor="ctr">
+                    <a:lnL w="12700" cap="flat" cmpd="sng" algn="ctr">
+                      <a:solidFill>
+                        <a:srgbClr val="000000"/>
+                      </a:solidFill>
+                      <a:prstDash val="solid"/>
+                      <a:round/>
+                      <a:headEnd type="none" w="med" len="med"/>
+                      <a:tailEnd type="none" w="med" len="med"/>
+                    </a:lnL>
+                    <a:lnR w="12700" cap="flat" cmpd="sng" algn="ctr">
+                      <a:solidFill>
+                        <a:srgbClr val="000000"/>
+                      </a:solidFill>
+                      <a:prstDash val="solid"/>
+                      <a:round/>
+                      <a:headEnd type="none" w="med" len="med"/>
+                      <a:tailEnd type="none" w="med" len="med"/>
+                    </a:lnR>
+                    <a:lnT w="12700" cap="flat" cmpd="sng" algn="ctr">
+                      <a:solidFill>
+                        <a:srgbClr val="000000"/>
+                      </a:solidFill>
+                      <a:prstDash val="solid"/>
+                      <a:round/>
+                      <a:headEnd type="none" w="med" len="med"/>
+                      <a:tailEnd type="none" w="med" len="med"/>
+                    </a:lnT>
+                    <a:lnB w="12700" cap="flat" cmpd="sng" algn="ctr">
+                      <a:solidFill>
+                        <a:srgbClr val="000000"/>
+                      </a:solidFill>
+                      <a:prstDash val="solid"/>
+                      <a:round/>
+                      <a:headEnd type="none" w="med" len="med"/>
+                      <a:tailEnd type="none" w="med" len="med"/>
+                    </a:lnB>
+                  </a:tcPr>
+                </a:tc>
+                <a:extLst>
+                  <a:ext uri="{0D108BD9-81ED-4DB2-BD59-A6C34878D82A}">
+                    <a16:rowId xmlns:a16="http://schemas.microsoft.com/office/drawing/2014/main" val="779160651"/>
+                  </a:ext>
+                </a:extLst>
+              </a:tr>
+              <a:tr h="327348">
+                <a:tc vMerge="1">
+                  <a:txBody>
+                    <a:bodyPr/>
+                    <a:lstStyle/>
+                    <a:p>
+                      <a:endParaRPr lang="zh-TW" altLang="en-US"/>
+                    </a:p>
+                  </a:txBody>
+                  <a:tcPr/>
+                </a:tc>
+                <a:tc vMerge="1">
+                  <a:txBody>
+                    <a:bodyPr/>
+                    <a:lstStyle/>
+                    <a:p>
+                      <a:endParaRPr lang="zh-TW" altLang="en-US"/>
+                    </a:p>
+                  </a:txBody>
+                  <a:tcPr/>
+                </a:tc>
+                <a:tc>
+                  <a:txBody>
+                    <a:bodyPr/>
+                    <a:lstStyle/>
+                    <a:p>
+                      <a:pPr algn="r" fontAlgn="ctr"/>
+                      <a:r>
+                        <a:rPr lang="en-US" altLang="zh-TW" sz="1400" b="0" i="0" u="none" strike="noStrike">
+                          <a:solidFill>
+                            <a:srgbClr val="000000"/>
+                          </a:solidFill>
+                          <a:effectLst/>
+                          <a:latin typeface="Calibri" panose="020F0502020204030204" pitchFamily="34" charset="0"/>
+                          <a:ea typeface="新細明體" panose="02020500000000000000" pitchFamily="18" charset="-120"/>
+                        </a:rPr>
+                        <a:t>1</a:t>
+                      </a:r>
+                      <a:r>
+                        <a:rPr lang="zh-TW" altLang="en-US" sz="1400" b="0" i="0" u="none" strike="noStrike">
+                          <a:solidFill>
+                            <a:srgbClr val="000000"/>
+                          </a:solidFill>
+                          <a:effectLst/>
+                          <a:latin typeface="Calibri" panose="020F0502020204030204" pitchFamily="34" charset="0"/>
+                          <a:ea typeface="新細明體" panose="02020500000000000000" pitchFamily="18" charset="-120"/>
+                        </a:rPr>
+                        <a:t>月</a:t>
+                      </a:r>
+                      <a:r>
+                        <a:rPr lang="en-US" altLang="zh-TW" sz="1400" b="0" i="0" u="none" strike="noStrike">
+                          <a:solidFill>
+                            <a:srgbClr val="000000"/>
+                          </a:solidFill>
+                          <a:effectLst/>
+                          <a:latin typeface="Calibri" panose="020F0502020204030204" pitchFamily="34" charset="0"/>
+                          <a:ea typeface="新細明體" panose="02020500000000000000" pitchFamily="18" charset="-120"/>
+                        </a:rPr>
+                        <a:t>2</a:t>
+                      </a:r>
+                      <a:r>
+                        <a:rPr lang="zh-TW" altLang="en-US" sz="1400" b="0" i="0" u="none" strike="noStrike">
+                          <a:solidFill>
+                            <a:srgbClr val="000000"/>
+                          </a:solidFill>
+                          <a:effectLst/>
+                          <a:latin typeface="Calibri" panose="020F0502020204030204" pitchFamily="34" charset="0"/>
+                          <a:ea typeface="新細明體" panose="02020500000000000000" pitchFamily="18" charset="-120"/>
+                        </a:rPr>
+                        <a:t>日</a:t>
+                      </a:r>
+                    </a:p>
+                  </a:txBody>
+                  <a:tcPr marL="4642" marR="4642" marT="4642" marB="0" anchor="ctr">
+                    <a:lnL w="12700" cap="flat" cmpd="sng" algn="ctr">
+                      <a:solidFill>
+                        <a:srgbClr val="000000"/>
+                      </a:solidFill>
+                      <a:prstDash val="solid"/>
+                      <a:round/>
+                      <a:headEnd type="none" w="med" len="med"/>
+                      <a:tailEnd type="none" w="med" len="med"/>
+                    </a:lnL>
+                    <a:lnR w="12700" cap="flat" cmpd="sng" algn="ctr">
+                      <a:solidFill>
+                        <a:srgbClr val="000000"/>
+                      </a:solidFill>
+                      <a:prstDash val="solid"/>
+                      <a:round/>
+                      <a:headEnd type="none" w="med" len="med"/>
+                      <a:tailEnd type="none" w="med" len="med"/>
+                    </a:lnR>
+                    <a:lnT w="12700" cap="flat" cmpd="sng" algn="ctr">
+                      <a:solidFill>
+                        <a:srgbClr val="000000"/>
+                      </a:solidFill>
+                      <a:prstDash val="solid"/>
+                      <a:round/>
+                      <a:headEnd type="none" w="med" len="med"/>
+                      <a:tailEnd type="none" w="med" len="med"/>
+                    </a:lnT>
+                    <a:lnB w="12700" cap="flat" cmpd="sng" algn="ctr">
+                      <a:solidFill>
+                        <a:srgbClr val="000000"/>
+                      </a:solidFill>
+                      <a:prstDash val="solid"/>
+                      <a:round/>
+                      <a:headEnd type="none" w="med" len="med"/>
+                      <a:tailEnd type="none" w="med" len="med"/>
+                    </a:lnB>
+                  </a:tcPr>
+                </a:tc>
+                <a:tc>
+                  <a:txBody>
+                    <a:bodyPr/>
+                    <a:lstStyle/>
+                    <a:p>
+                      <a:pPr algn="l" fontAlgn="ctr"/>
+                      <a:r>
+                        <a:rPr lang="en-US" sz="1400" b="0" i="0" u="none" strike="noStrike">
+                          <a:solidFill>
+                            <a:srgbClr val="000000"/>
+                          </a:solidFill>
+                          <a:effectLst/>
+                          <a:latin typeface="Calibri" panose="020F0502020204030204" pitchFamily="34" charset="0"/>
+                          <a:ea typeface="新細明體" panose="02020500000000000000" pitchFamily="18" charset="-120"/>
+                        </a:rPr>
+                        <a:t>SERVLET</a:t>
+                      </a:r>
+                      <a:r>
+                        <a:rPr lang="zh-TW" altLang="en-US" sz="1400" b="0" i="0" u="none" strike="noStrike">
+                          <a:solidFill>
+                            <a:srgbClr val="000000"/>
+                          </a:solidFill>
+                          <a:effectLst/>
+                          <a:latin typeface="Calibri" panose="020F0502020204030204" pitchFamily="34" charset="0"/>
+                          <a:ea typeface="新細明體" panose="02020500000000000000" pitchFamily="18" charset="-120"/>
+                        </a:rPr>
+                        <a:t>處理</a:t>
+                      </a:r>
+                    </a:p>
+                  </a:txBody>
+                  <a:tcPr marL="4642" marR="4642" marT="4642" marB="0" anchor="ctr">
+                    <a:lnL w="12700" cap="flat" cmpd="sng" algn="ctr">
+                      <a:solidFill>
+                        <a:srgbClr val="000000"/>
+                      </a:solidFill>
+                      <a:prstDash val="solid"/>
+                      <a:round/>
+                      <a:headEnd type="none" w="med" len="med"/>
+                      <a:tailEnd type="none" w="med" len="med"/>
+                    </a:lnL>
+                    <a:lnR w="12700" cap="flat" cmpd="sng" algn="ctr">
+                      <a:solidFill>
+                        <a:srgbClr val="000000"/>
+                      </a:solidFill>
+                      <a:prstDash val="solid"/>
+                      <a:round/>
+                      <a:headEnd type="none" w="med" len="med"/>
+                      <a:tailEnd type="none" w="med" len="med"/>
+                    </a:lnR>
+                    <a:lnT w="12700" cap="flat" cmpd="sng" algn="ctr">
+                      <a:solidFill>
+                        <a:srgbClr val="000000"/>
+                      </a:solidFill>
+                      <a:prstDash val="solid"/>
+                      <a:round/>
+                      <a:headEnd type="none" w="med" len="med"/>
+                      <a:tailEnd type="none" w="med" len="med"/>
+                    </a:lnT>
+                    <a:lnB w="12700" cap="flat" cmpd="sng" algn="ctr">
+                      <a:solidFill>
+                        <a:srgbClr val="000000"/>
+                      </a:solidFill>
+                      <a:prstDash val="solid"/>
+                      <a:round/>
+                      <a:headEnd type="none" w="med" len="med"/>
+                      <a:tailEnd type="none" w="med" len="med"/>
+                    </a:lnB>
+                  </a:tcPr>
+                </a:tc>
+                <a:tc>
+                  <a:txBody>
+                    <a:bodyPr/>
+                    <a:lstStyle/>
+                    <a:p>
+                      <a:pPr algn="r" fontAlgn="ctr"/>
+                      <a:r>
+                        <a:rPr lang="en-US" altLang="zh-TW" sz="1400" b="0" i="0" u="none" strike="noStrike">
+                          <a:solidFill>
+                            <a:srgbClr val="000000"/>
+                          </a:solidFill>
+                          <a:effectLst/>
+                          <a:latin typeface="Calibri" panose="020F0502020204030204" pitchFamily="34" charset="0"/>
+                          <a:ea typeface="新細明體" panose="02020500000000000000" pitchFamily="18" charset="-120"/>
+                        </a:rPr>
+                        <a:t>2</a:t>
+                      </a:r>
+                    </a:p>
+                  </a:txBody>
+                  <a:tcPr marL="4642" marR="4642" marT="4642" marB="0" anchor="ctr">
+                    <a:lnL w="12700" cap="flat" cmpd="sng" algn="ctr">
+                      <a:solidFill>
+                        <a:srgbClr val="000000"/>
+                      </a:solidFill>
+                      <a:prstDash val="solid"/>
+                      <a:round/>
+                      <a:headEnd type="none" w="med" len="med"/>
+                      <a:tailEnd type="none" w="med" len="med"/>
+                    </a:lnL>
+                    <a:lnR w="12700" cap="flat" cmpd="sng" algn="ctr">
+                      <a:solidFill>
+                        <a:srgbClr val="000000"/>
+                      </a:solidFill>
+                      <a:prstDash val="solid"/>
+                      <a:round/>
+                      <a:headEnd type="none" w="med" len="med"/>
+                      <a:tailEnd type="none" w="med" len="med"/>
+                    </a:lnR>
+                    <a:lnT w="12700" cap="flat" cmpd="sng" algn="ctr">
+                      <a:solidFill>
+                        <a:srgbClr val="000000"/>
+                      </a:solidFill>
+                      <a:prstDash val="solid"/>
+                      <a:round/>
+                      <a:headEnd type="none" w="med" len="med"/>
+                      <a:tailEnd type="none" w="med" len="med"/>
+                    </a:lnT>
+                    <a:lnB w="12700" cap="flat" cmpd="sng" algn="ctr">
+                      <a:solidFill>
+                        <a:srgbClr val="000000"/>
+                      </a:solidFill>
+                      <a:prstDash val="solid"/>
+                      <a:round/>
+                      <a:headEnd type="none" w="med" len="med"/>
+                      <a:tailEnd type="none" w="med" len="med"/>
+                    </a:lnB>
+                  </a:tcPr>
+                </a:tc>
+                <a:tc>
+                  <a:txBody>
+                    <a:bodyPr/>
+                    <a:lstStyle/>
+                    <a:p>
+                      <a:pPr algn="l" fontAlgn="ctr"/>
+                      <a:r>
+                        <a:rPr lang="zh-TW" altLang="en-US" sz="1400" b="0" i="0" u="none" strike="noStrike">
+                          <a:solidFill>
+                            <a:srgbClr val="000000"/>
+                          </a:solidFill>
+                          <a:effectLst/>
+                          <a:latin typeface="新細明體" panose="02020500000000000000" pitchFamily="18" charset="-120"/>
+                          <a:ea typeface="新細明體" panose="02020500000000000000" pitchFamily="18" charset="-120"/>
+                        </a:rPr>
+                        <a:t>彭冠傑</a:t>
+                      </a:r>
+                    </a:p>
+                  </a:txBody>
+                  <a:tcPr marL="4642" marR="4642" marT="4642" marB="0" anchor="ctr">
+                    <a:lnL w="12700" cap="flat" cmpd="sng" algn="ctr">
+                      <a:solidFill>
+                        <a:srgbClr val="000000"/>
+                      </a:solidFill>
+                      <a:prstDash val="solid"/>
+                      <a:round/>
+                      <a:headEnd type="none" w="med" len="med"/>
+                      <a:tailEnd type="none" w="med" len="med"/>
+                    </a:lnL>
+                    <a:lnR w="12700" cap="flat" cmpd="sng" algn="ctr">
+                      <a:solidFill>
+                        <a:srgbClr val="000000"/>
+                      </a:solidFill>
+                      <a:prstDash val="solid"/>
+                      <a:round/>
+                      <a:headEnd type="none" w="med" len="med"/>
+                      <a:tailEnd type="none" w="med" len="med"/>
+                    </a:lnR>
+                    <a:lnT w="12700" cap="flat" cmpd="sng" algn="ctr">
+                      <a:solidFill>
+                        <a:srgbClr val="000000"/>
+                      </a:solidFill>
+                      <a:prstDash val="solid"/>
+                      <a:round/>
+                      <a:headEnd type="none" w="med" len="med"/>
+                      <a:tailEnd type="none" w="med" len="med"/>
+                    </a:lnT>
+                    <a:lnB w="12700" cap="flat" cmpd="sng" algn="ctr">
+                      <a:solidFill>
+                        <a:srgbClr val="000000"/>
+                      </a:solidFill>
+                      <a:prstDash val="solid"/>
+                      <a:round/>
+                      <a:headEnd type="none" w="med" len="med"/>
+                      <a:tailEnd type="none" w="med" len="med"/>
+                    </a:lnB>
+                  </a:tcPr>
+                </a:tc>
+                <a:extLst>
+                  <a:ext uri="{0D108BD9-81ED-4DB2-BD59-A6C34878D82A}">
+                    <a16:rowId xmlns:a16="http://schemas.microsoft.com/office/drawing/2014/main" val="1328225863"/>
+                  </a:ext>
+                </a:extLst>
+              </a:tr>
+              <a:tr h="497084">
+                <a:tc vMerge="1">
+                  <a:txBody>
+                    <a:bodyPr/>
+                    <a:lstStyle/>
+                    <a:p>
+                      <a:endParaRPr lang="zh-TW" altLang="en-US"/>
+                    </a:p>
+                  </a:txBody>
+                  <a:tcPr/>
+                </a:tc>
+                <a:tc vMerge="1">
+                  <a:txBody>
+                    <a:bodyPr/>
+                    <a:lstStyle/>
+                    <a:p>
+                      <a:endParaRPr lang="zh-TW" altLang="en-US"/>
+                    </a:p>
+                  </a:txBody>
+                  <a:tcPr/>
+                </a:tc>
+                <a:tc>
+                  <a:txBody>
+                    <a:bodyPr/>
+                    <a:lstStyle/>
+                    <a:p>
+                      <a:pPr algn="r" fontAlgn="ctr"/>
+                      <a:r>
+                        <a:rPr lang="en-US" altLang="zh-TW" sz="1400" b="0" i="0" u="none" strike="noStrike">
+                          <a:solidFill>
+                            <a:srgbClr val="000000"/>
+                          </a:solidFill>
+                          <a:effectLst/>
+                          <a:latin typeface="Calibri" panose="020F0502020204030204" pitchFamily="34" charset="0"/>
+                          <a:ea typeface="新細明體" panose="02020500000000000000" pitchFamily="18" charset="-120"/>
+                        </a:rPr>
+                        <a:t>1</a:t>
+                      </a:r>
+                      <a:r>
+                        <a:rPr lang="zh-TW" altLang="en-US" sz="1400" b="0" i="0" u="none" strike="noStrike">
+                          <a:solidFill>
+                            <a:srgbClr val="000000"/>
+                          </a:solidFill>
+                          <a:effectLst/>
+                          <a:latin typeface="Calibri" panose="020F0502020204030204" pitchFamily="34" charset="0"/>
+                          <a:ea typeface="新細明體" panose="02020500000000000000" pitchFamily="18" charset="-120"/>
+                        </a:rPr>
+                        <a:t>月</a:t>
+                      </a:r>
+                      <a:r>
+                        <a:rPr lang="en-US" altLang="zh-TW" sz="1400" b="0" i="0" u="none" strike="noStrike">
+                          <a:solidFill>
+                            <a:srgbClr val="000000"/>
+                          </a:solidFill>
+                          <a:effectLst/>
+                          <a:latin typeface="Calibri" panose="020F0502020204030204" pitchFamily="34" charset="0"/>
+                          <a:ea typeface="新細明體" panose="02020500000000000000" pitchFamily="18" charset="-120"/>
+                        </a:rPr>
+                        <a:t>3</a:t>
+                      </a:r>
+                      <a:r>
+                        <a:rPr lang="zh-TW" altLang="en-US" sz="1400" b="0" i="0" u="none" strike="noStrike">
+                          <a:solidFill>
+                            <a:srgbClr val="000000"/>
+                          </a:solidFill>
+                          <a:effectLst/>
+                          <a:latin typeface="Calibri" panose="020F0502020204030204" pitchFamily="34" charset="0"/>
+                          <a:ea typeface="新細明體" panose="02020500000000000000" pitchFamily="18" charset="-120"/>
+                        </a:rPr>
+                        <a:t>日</a:t>
+                      </a:r>
+                    </a:p>
+                  </a:txBody>
+                  <a:tcPr marL="4642" marR="4642" marT="4642" marB="0" anchor="ctr">
+                    <a:lnL w="12700" cap="flat" cmpd="sng" algn="ctr">
+                      <a:solidFill>
+                        <a:srgbClr val="000000"/>
+                      </a:solidFill>
+                      <a:prstDash val="solid"/>
+                      <a:round/>
+                      <a:headEnd type="none" w="med" len="med"/>
+                      <a:tailEnd type="none" w="med" len="med"/>
+                    </a:lnL>
+                    <a:lnR w="12700" cap="flat" cmpd="sng" algn="ctr">
+                      <a:solidFill>
+                        <a:srgbClr val="000000"/>
+                      </a:solidFill>
+                      <a:prstDash val="solid"/>
+                      <a:round/>
+                      <a:headEnd type="none" w="med" len="med"/>
+                      <a:tailEnd type="none" w="med" len="med"/>
+                    </a:lnR>
+                    <a:lnT w="12700" cap="flat" cmpd="sng" algn="ctr">
+                      <a:solidFill>
+                        <a:srgbClr val="000000"/>
+                      </a:solidFill>
+                      <a:prstDash val="solid"/>
+                      <a:round/>
+                      <a:headEnd type="none" w="med" len="med"/>
+                      <a:tailEnd type="none" w="med" len="med"/>
+                    </a:lnT>
+                    <a:lnB w="12700" cap="flat" cmpd="sng" algn="ctr">
+                      <a:solidFill>
+                        <a:srgbClr val="000000"/>
+                      </a:solidFill>
+                      <a:prstDash val="solid"/>
+                      <a:round/>
+                      <a:headEnd type="none" w="med" len="med"/>
+                      <a:tailEnd type="none" w="med" len="med"/>
+                    </a:lnB>
+                  </a:tcPr>
+                </a:tc>
+                <a:tc>
+                  <a:txBody>
+                    <a:bodyPr/>
+                    <a:lstStyle/>
+                    <a:p>
+                      <a:pPr algn="l" fontAlgn="ctr"/>
+                      <a:r>
+                        <a:rPr lang="zh-TW" altLang="en-US" sz="1400" b="0" i="0" u="none" strike="noStrike">
+                          <a:solidFill>
+                            <a:srgbClr val="000000"/>
+                          </a:solidFill>
+                          <a:effectLst/>
+                          <a:latin typeface="新細明體" panose="02020500000000000000" pitchFamily="18" charset="-120"/>
+                          <a:ea typeface="新細明體" panose="02020500000000000000" pitchFamily="18" charset="-120"/>
+                        </a:rPr>
+                        <a:t>回傳資料給</a:t>
+                      </a:r>
+                      <a:r>
+                        <a:rPr lang="en-US" sz="1400" b="0" i="0" u="none" strike="noStrike">
+                          <a:solidFill>
+                            <a:srgbClr val="000000"/>
+                          </a:solidFill>
+                          <a:effectLst/>
+                          <a:latin typeface="新細明體" panose="02020500000000000000" pitchFamily="18" charset="-120"/>
+                          <a:ea typeface="新細明體" panose="02020500000000000000" pitchFamily="18" charset="-120"/>
+                        </a:rPr>
+                        <a:t>JSP</a:t>
+                      </a:r>
+                      <a:r>
+                        <a:rPr lang="zh-TW" altLang="en-US" sz="1400" b="0" i="0" u="none" strike="noStrike">
+                          <a:solidFill>
+                            <a:srgbClr val="000000"/>
+                          </a:solidFill>
+                          <a:effectLst/>
+                          <a:latin typeface="新細明體" panose="02020500000000000000" pitchFamily="18" charset="-120"/>
+                          <a:ea typeface="新細明體" panose="02020500000000000000" pitchFamily="18" charset="-120"/>
+                        </a:rPr>
+                        <a:t>呈現</a:t>
+                      </a:r>
+                    </a:p>
+                  </a:txBody>
+                  <a:tcPr marL="4642" marR="4642" marT="4642" marB="0" anchor="ctr">
+                    <a:lnL w="12700" cap="flat" cmpd="sng" algn="ctr">
+                      <a:solidFill>
+                        <a:srgbClr val="000000"/>
+                      </a:solidFill>
+                      <a:prstDash val="solid"/>
+                      <a:round/>
+                      <a:headEnd type="none" w="med" len="med"/>
+                      <a:tailEnd type="none" w="med" len="med"/>
+                    </a:lnL>
+                    <a:lnR w="12700" cap="flat" cmpd="sng" algn="ctr">
+                      <a:solidFill>
+                        <a:srgbClr val="000000"/>
+                      </a:solidFill>
+                      <a:prstDash val="solid"/>
+                      <a:round/>
+                      <a:headEnd type="none" w="med" len="med"/>
+                      <a:tailEnd type="none" w="med" len="med"/>
+                    </a:lnR>
+                    <a:lnT w="12700" cap="flat" cmpd="sng" algn="ctr">
+                      <a:solidFill>
+                        <a:srgbClr val="000000"/>
+                      </a:solidFill>
+                      <a:prstDash val="solid"/>
+                      <a:round/>
+                      <a:headEnd type="none" w="med" len="med"/>
+                      <a:tailEnd type="none" w="med" len="med"/>
+                    </a:lnT>
+                    <a:lnB w="12700" cap="flat" cmpd="sng" algn="ctr">
+                      <a:solidFill>
+                        <a:srgbClr val="000000"/>
+                      </a:solidFill>
+                      <a:prstDash val="solid"/>
+                      <a:round/>
+                      <a:headEnd type="none" w="med" len="med"/>
+                      <a:tailEnd type="none" w="med" len="med"/>
+                    </a:lnB>
+                  </a:tcPr>
+                </a:tc>
+                <a:tc>
+                  <a:txBody>
+                    <a:bodyPr/>
+                    <a:lstStyle/>
+                    <a:p>
+                      <a:pPr algn="r" fontAlgn="ctr"/>
+                      <a:r>
+                        <a:rPr lang="en-US" altLang="zh-TW" sz="1400" b="0" i="0" u="none" strike="noStrike">
+                          <a:solidFill>
+                            <a:srgbClr val="000000"/>
+                          </a:solidFill>
+                          <a:effectLst/>
+                          <a:latin typeface="Calibri" panose="020F0502020204030204" pitchFamily="34" charset="0"/>
+                          <a:ea typeface="新細明體" panose="02020500000000000000" pitchFamily="18" charset="-120"/>
+                        </a:rPr>
+                        <a:t>2</a:t>
+                      </a:r>
+                    </a:p>
+                  </a:txBody>
+                  <a:tcPr marL="4642" marR="4642" marT="4642" marB="0" anchor="ctr">
+                    <a:lnL w="12700" cap="flat" cmpd="sng" algn="ctr">
+                      <a:solidFill>
+                        <a:srgbClr val="000000"/>
+                      </a:solidFill>
+                      <a:prstDash val="solid"/>
+                      <a:round/>
+                      <a:headEnd type="none" w="med" len="med"/>
+                      <a:tailEnd type="none" w="med" len="med"/>
+                    </a:lnL>
+                    <a:lnR w="12700" cap="flat" cmpd="sng" algn="ctr">
+                      <a:solidFill>
+                        <a:srgbClr val="000000"/>
+                      </a:solidFill>
+                      <a:prstDash val="solid"/>
+                      <a:round/>
+                      <a:headEnd type="none" w="med" len="med"/>
+                      <a:tailEnd type="none" w="med" len="med"/>
+                    </a:lnR>
+                    <a:lnT w="12700" cap="flat" cmpd="sng" algn="ctr">
+                      <a:solidFill>
+                        <a:srgbClr val="000000"/>
+                      </a:solidFill>
+                      <a:prstDash val="solid"/>
+                      <a:round/>
+                      <a:headEnd type="none" w="med" len="med"/>
+                      <a:tailEnd type="none" w="med" len="med"/>
+                    </a:lnT>
+                    <a:lnB w="12700" cap="flat" cmpd="sng" algn="ctr">
+                      <a:solidFill>
+                        <a:srgbClr val="000000"/>
+                      </a:solidFill>
+                      <a:prstDash val="solid"/>
+                      <a:round/>
+                      <a:headEnd type="none" w="med" len="med"/>
+                      <a:tailEnd type="none" w="med" len="med"/>
+                    </a:lnB>
+                  </a:tcPr>
+                </a:tc>
+                <a:tc>
+                  <a:txBody>
+                    <a:bodyPr/>
+                    <a:lstStyle/>
+                    <a:p>
+                      <a:pPr algn="l" fontAlgn="ctr"/>
+                      <a:r>
+                        <a:rPr lang="zh-TW" altLang="en-US" sz="1400" b="0" i="0" u="none" strike="noStrike">
+                          <a:solidFill>
+                            <a:srgbClr val="000000"/>
+                          </a:solidFill>
+                          <a:effectLst/>
+                          <a:latin typeface="新細明體" panose="02020500000000000000" pitchFamily="18" charset="-120"/>
+                          <a:ea typeface="新細明體" panose="02020500000000000000" pitchFamily="18" charset="-120"/>
+                        </a:rPr>
+                        <a:t>彭冠傑</a:t>
+                      </a:r>
+                    </a:p>
+                  </a:txBody>
+                  <a:tcPr marL="4642" marR="4642" marT="4642" marB="0" anchor="ctr">
+                    <a:lnL w="12700" cap="flat" cmpd="sng" algn="ctr">
+                      <a:solidFill>
+                        <a:srgbClr val="000000"/>
+                      </a:solidFill>
+                      <a:prstDash val="solid"/>
+                      <a:round/>
+                      <a:headEnd type="none" w="med" len="med"/>
+                      <a:tailEnd type="none" w="med" len="med"/>
+                    </a:lnL>
+                    <a:lnR w="12700" cap="flat" cmpd="sng" algn="ctr">
+                      <a:solidFill>
+                        <a:srgbClr val="000000"/>
+                      </a:solidFill>
+                      <a:prstDash val="solid"/>
+                      <a:round/>
+                      <a:headEnd type="none" w="med" len="med"/>
+                      <a:tailEnd type="none" w="med" len="med"/>
+                    </a:lnR>
+                    <a:lnT w="12700" cap="flat" cmpd="sng" algn="ctr">
+                      <a:solidFill>
+                        <a:srgbClr val="000000"/>
+                      </a:solidFill>
+                      <a:prstDash val="solid"/>
+                      <a:round/>
+                      <a:headEnd type="none" w="med" len="med"/>
+                      <a:tailEnd type="none" w="med" len="med"/>
+                    </a:lnT>
+                    <a:lnB w="12700" cap="flat" cmpd="sng" algn="ctr">
+                      <a:solidFill>
+                        <a:srgbClr val="000000"/>
+                      </a:solidFill>
+                      <a:prstDash val="solid"/>
+                      <a:round/>
+                      <a:headEnd type="none" w="med" len="med"/>
+                      <a:tailEnd type="none" w="med" len="med"/>
+                    </a:lnB>
+                  </a:tcPr>
+                </a:tc>
+                <a:extLst>
+                  <a:ext uri="{0D108BD9-81ED-4DB2-BD59-A6C34878D82A}">
+                    <a16:rowId xmlns:a16="http://schemas.microsoft.com/office/drawing/2014/main" val="2343699192"/>
+                  </a:ext>
+                </a:extLst>
+              </a:tr>
+              <a:tr h="327348">
+                <a:tc vMerge="1">
+                  <a:txBody>
+                    <a:bodyPr/>
+                    <a:lstStyle/>
+                    <a:p>
+                      <a:endParaRPr lang="zh-TW" altLang="en-US"/>
+                    </a:p>
+                  </a:txBody>
+                  <a:tcPr/>
+                </a:tc>
+                <a:tc vMerge="1">
+                  <a:txBody>
+                    <a:bodyPr/>
+                    <a:lstStyle/>
+                    <a:p>
+                      <a:endParaRPr lang="zh-TW" altLang="en-US"/>
+                    </a:p>
+                  </a:txBody>
+                  <a:tcPr/>
+                </a:tc>
+                <a:tc>
+                  <a:txBody>
+                    <a:bodyPr/>
+                    <a:lstStyle/>
+                    <a:p>
+                      <a:pPr algn="r" fontAlgn="ctr"/>
+                      <a:r>
+                        <a:rPr lang="en-US" altLang="zh-TW" sz="1400" b="0" i="0" u="none" strike="noStrike">
+                          <a:solidFill>
+                            <a:srgbClr val="000000"/>
+                          </a:solidFill>
+                          <a:effectLst/>
+                          <a:latin typeface="Calibri" panose="020F0502020204030204" pitchFamily="34" charset="0"/>
+                          <a:ea typeface="新細明體" panose="02020500000000000000" pitchFamily="18" charset="-120"/>
+                        </a:rPr>
+                        <a:t>1</a:t>
+                      </a:r>
+                      <a:r>
+                        <a:rPr lang="zh-TW" altLang="en-US" sz="1400" b="0" i="0" u="none" strike="noStrike">
+                          <a:solidFill>
+                            <a:srgbClr val="000000"/>
+                          </a:solidFill>
+                          <a:effectLst/>
+                          <a:latin typeface="Calibri" panose="020F0502020204030204" pitchFamily="34" charset="0"/>
+                          <a:ea typeface="新細明體" panose="02020500000000000000" pitchFamily="18" charset="-120"/>
+                        </a:rPr>
+                        <a:t>月</a:t>
+                      </a:r>
+                      <a:r>
+                        <a:rPr lang="en-US" altLang="zh-TW" sz="1400" b="0" i="0" u="none" strike="noStrike">
+                          <a:solidFill>
+                            <a:srgbClr val="000000"/>
+                          </a:solidFill>
+                          <a:effectLst/>
+                          <a:latin typeface="Calibri" panose="020F0502020204030204" pitchFamily="34" charset="0"/>
+                          <a:ea typeface="新細明體" panose="02020500000000000000" pitchFamily="18" charset="-120"/>
+                        </a:rPr>
+                        <a:t>4</a:t>
+                      </a:r>
+                      <a:r>
+                        <a:rPr lang="zh-TW" altLang="en-US" sz="1400" b="0" i="0" u="none" strike="noStrike">
+                          <a:solidFill>
+                            <a:srgbClr val="000000"/>
+                          </a:solidFill>
+                          <a:effectLst/>
+                          <a:latin typeface="Calibri" panose="020F0502020204030204" pitchFamily="34" charset="0"/>
+                          <a:ea typeface="新細明體" panose="02020500000000000000" pitchFamily="18" charset="-120"/>
+                        </a:rPr>
+                        <a:t>日</a:t>
+                      </a:r>
+                    </a:p>
+                  </a:txBody>
+                  <a:tcPr marL="4642" marR="4642" marT="4642" marB="0" anchor="ctr">
+                    <a:lnL w="12700" cap="flat" cmpd="sng" algn="ctr">
+                      <a:solidFill>
+                        <a:srgbClr val="000000"/>
+                      </a:solidFill>
+                      <a:prstDash val="solid"/>
+                      <a:round/>
+                      <a:headEnd type="none" w="med" len="med"/>
+                      <a:tailEnd type="none" w="med" len="med"/>
+                    </a:lnL>
+                    <a:lnR w="12700" cap="flat" cmpd="sng" algn="ctr">
+                      <a:solidFill>
+                        <a:srgbClr val="000000"/>
+                      </a:solidFill>
+                      <a:prstDash val="solid"/>
+                      <a:round/>
+                      <a:headEnd type="none" w="med" len="med"/>
+                      <a:tailEnd type="none" w="med" len="med"/>
+                    </a:lnR>
+                    <a:lnT w="12700" cap="flat" cmpd="sng" algn="ctr">
+                      <a:solidFill>
+                        <a:srgbClr val="000000"/>
+                      </a:solidFill>
+                      <a:prstDash val="solid"/>
+                      <a:round/>
+                      <a:headEnd type="none" w="med" len="med"/>
+                      <a:tailEnd type="none" w="med" len="med"/>
+                    </a:lnT>
+                    <a:lnB w="12700" cap="flat" cmpd="sng" algn="ctr">
+                      <a:solidFill>
+                        <a:srgbClr val="000000"/>
+                      </a:solidFill>
+                      <a:prstDash val="solid"/>
+                      <a:round/>
+                      <a:headEnd type="none" w="med" len="med"/>
+                      <a:tailEnd type="none" w="med" len="med"/>
+                    </a:lnB>
+                  </a:tcPr>
+                </a:tc>
+                <a:tc>
+                  <a:txBody>
+                    <a:bodyPr/>
+                    <a:lstStyle/>
+                    <a:p>
+                      <a:pPr algn="l" fontAlgn="ctr"/>
+                      <a:r>
+                        <a:rPr lang="en-US" sz="1400" b="0" i="0" u="none" strike="noStrike">
+                          <a:solidFill>
+                            <a:srgbClr val="000000"/>
+                          </a:solidFill>
+                          <a:effectLst/>
+                          <a:latin typeface="Calibri" panose="020F0502020204030204" pitchFamily="34" charset="0"/>
+                          <a:ea typeface="新細明體" panose="02020500000000000000" pitchFamily="18" charset="-120"/>
+                        </a:rPr>
+                        <a:t>JSP</a:t>
+                      </a:r>
+                      <a:r>
+                        <a:rPr lang="zh-TW" altLang="en-US" sz="1400" b="0" i="0" u="none" strike="noStrike">
+                          <a:solidFill>
+                            <a:srgbClr val="000000"/>
+                          </a:solidFill>
+                          <a:effectLst/>
+                          <a:latin typeface="Calibri" panose="020F0502020204030204" pitchFamily="34" charset="0"/>
+                          <a:ea typeface="新細明體" panose="02020500000000000000" pitchFamily="18" charset="-120"/>
+                        </a:rPr>
+                        <a:t>處理</a:t>
+                      </a:r>
+                      <a:r>
+                        <a:rPr lang="en-US" sz="1400" b="0" i="0" u="none" strike="noStrike">
+                          <a:solidFill>
+                            <a:srgbClr val="000000"/>
+                          </a:solidFill>
+                          <a:effectLst/>
+                          <a:latin typeface="Calibri" panose="020F0502020204030204" pitchFamily="34" charset="0"/>
+                          <a:ea typeface="新細明體" panose="02020500000000000000" pitchFamily="18" charset="-120"/>
+                        </a:rPr>
+                        <a:t>JSON</a:t>
+                      </a:r>
+                    </a:p>
+                  </a:txBody>
+                  <a:tcPr marL="4642" marR="4642" marT="4642" marB="0" anchor="ctr">
+                    <a:lnL w="12700" cap="flat" cmpd="sng" algn="ctr">
+                      <a:solidFill>
+                        <a:srgbClr val="000000"/>
+                      </a:solidFill>
+                      <a:prstDash val="solid"/>
+                      <a:round/>
+                      <a:headEnd type="none" w="med" len="med"/>
+                      <a:tailEnd type="none" w="med" len="med"/>
+                    </a:lnL>
+                    <a:lnR w="12700" cap="flat" cmpd="sng" algn="ctr">
+                      <a:solidFill>
+                        <a:srgbClr val="000000"/>
+                      </a:solidFill>
+                      <a:prstDash val="solid"/>
+                      <a:round/>
+                      <a:headEnd type="none" w="med" len="med"/>
+                      <a:tailEnd type="none" w="med" len="med"/>
+                    </a:lnR>
+                    <a:lnT w="12700" cap="flat" cmpd="sng" algn="ctr">
+                      <a:solidFill>
+                        <a:srgbClr val="000000"/>
+                      </a:solidFill>
+                      <a:prstDash val="solid"/>
+                      <a:round/>
+                      <a:headEnd type="none" w="med" len="med"/>
+                      <a:tailEnd type="none" w="med" len="med"/>
+                    </a:lnT>
+                    <a:lnB w="12700" cap="flat" cmpd="sng" algn="ctr">
+                      <a:solidFill>
+                        <a:srgbClr val="000000"/>
+                      </a:solidFill>
+                      <a:prstDash val="solid"/>
+                      <a:round/>
+                      <a:headEnd type="none" w="med" len="med"/>
+                      <a:tailEnd type="none" w="med" len="med"/>
+                    </a:lnB>
+                  </a:tcPr>
+                </a:tc>
+                <a:tc>
+                  <a:txBody>
+                    <a:bodyPr/>
+                    <a:lstStyle/>
+                    <a:p>
+                      <a:pPr algn="r" fontAlgn="ctr"/>
+                      <a:r>
+                        <a:rPr lang="en-US" altLang="zh-TW" sz="1400" b="0" i="0" u="none" strike="noStrike">
+                          <a:solidFill>
+                            <a:srgbClr val="000000"/>
+                          </a:solidFill>
+                          <a:effectLst/>
+                          <a:latin typeface="Calibri" panose="020F0502020204030204" pitchFamily="34" charset="0"/>
+                          <a:ea typeface="新細明體" panose="02020500000000000000" pitchFamily="18" charset="-120"/>
+                        </a:rPr>
+                        <a:t>2</a:t>
+                      </a:r>
+                    </a:p>
+                  </a:txBody>
+                  <a:tcPr marL="4642" marR="4642" marT="4642" marB="0" anchor="ctr">
+                    <a:lnL w="12700" cap="flat" cmpd="sng" algn="ctr">
+                      <a:solidFill>
+                        <a:srgbClr val="000000"/>
+                      </a:solidFill>
+                      <a:prstDash val="solid"/>
+                      <a:round/>
+                      <a:headEnd type="none" w="med" len="med"/>
+                      <a:tailEnd type="none" w="med" len="med"/>
+                    </a:lnL>
+                    <a:lnR w="12700" cap="flat" cmpd="sng" algn="ctr">
+                      <a:solidFill>
+                        <a:srgbClr val="000000"/>
+                      </a:solidFill>
+                      <a:prstDash val="solid"/>
+                      <a:round/>
+                      <a:headEnd type="none" w="med" len="med"/>
+                      <a:tailEnd type="none" w="med" len="med"/>
+                    </a:lnR>
+                    <a:lnT w="12700" cap="flat" cmpd="sng" algn="ctr">
+                      <a:solidFill>
+                        <a:srgbClr val="000000"/>
+                      </a:solidFill>
+                      <a:prstDash val="solid"/>
+                      <a:round/>
+                      <a:headEnd type="none" w="med" len="med"/>
+                      <a:tailEnd type="none" w="med" len="med"/>
+                    </a:lnT>
+                    <a:lnB w="12700" cap="flat" cmpd="sng" algn="ctr">
+                      <a:solidFill>
+                        <a:srgbClr val="000000"/>
+                      </a:solidFill>
+                      <a:prstDash val="solid"/>
+                      <a:round/>
+                      <a:headEnd type="none" w="med" len="med"/>
+                      <a:tailEnd type="none" w="med" len="med"/>
+                    </a:lnB>
+                  </a:tcPr>
+                </a:tc>
+                <a:tc>
+                  <a:txBody>
+                    <a:bodyPr/>
+                    <a:lstStyle/>
+                    <a:p>
+                      <a:pPr algn="l" fontAlgn="ctr"/>
+                      <a:r>
+                        <a:rPr lang="zh-TW" altLang="en-US" sz="1400" b="0" i="0" u="none" strike="noStrike">
+                          <a:solidFill>
+                            <a:srgbClr val="000000"/>
+                          </a:solidFill>
+                          <a:effectLst/>
+                          <a:latin typeface="新細明體" panose="02020500000000000000" pitchFamily="18" charset="-120"/>
+                          <a:ea typeface="新細明體" panose="02020500000000000000" pitchFamily="18" charset="-120"/>
+                        </a:rPr>
+                        <a:t>彭冠傑</a:t>
+                      </a:r>
+                    </a:p>
+                  </a:txBody>
+                  <a:tcPr marL="4642" marR="4642" marT="4642" marB="0" anchor="ctr">
+                    <a:lnL w="12700" cap="flat" cmpd="sng" algn="ctr">
+                      <a:solidFill>
+                        <a:srgbClr val="000000"/>
+                      </a:solidFill>
+                      <a:prstDash val="solid"/>
+                      <a:round/>
+                      <a:headEnd type="none" w="med" len="med"/>
+                      <a:tailEnd type="none" w="med" len="med"/>
+                    </a:lnL>
+                    <a:lnR w="12700" cap="flat" cmpd="sng" algn="ctr">
+                      <a:solidFill>
+                        <a:srgbClr val="000000"/>
+                      </a:solidFill>
+                      <a:prstDash val="solid"/>
+                      <a:round/>
+                      <a:headEnd type="none" w="med" len="med"/>
+                      <a:tailEnd type="none" w="med" len="med"/>
+                    </a:lnR>
+                    <a:lnT w="12700" cap="flat" cmpd="sng" algn="ctr">
+                      <a:solidFill>
+                        <a:srgbClr val="000000"/>
+                      </a:solidFill>
+                      <a:prstDash val="solid"/>
+                      <a:round/>
+                      <a:headEnd type="none" w="med" len="med"/>
+                      <a:tailEnd type="none" w="med" len="med"/>
+                    </a:lnT>
+                    <a:lnB w="12700" cap="flat" cmpd="sng" algn="ctr">
+                      <a:solidFill>
+                        <a:srgbClr val="000000"/>
+                      </a:solidFill>
+                      <a:prstDash val="solid"/>
+                      <a:round/>
+                      <a:headEnd type="none" w="med" len="med"/>
+                      <a:tailEnd type="none" w="med" len="med"/>
+                    </a:lnB>
+                  </a:tcPr>
+                </a:tc>
+                <a:extLst>
+                  <a:ext uri="{0D108BD9-81ED-4DB2-BD59-A6C34878D82A}">
+                    <a16:rowId xmlns:a16="http://schemas.microsoft.com/office/drawing/2014/main" val="3137852874"/>
+                  </a:ext>
+                </a:extLst>
+              </a:tr>
+              <a:tr h="824431">
+                <a:tc rowSpan="3">
+                  <a:txBody>
+                    <a:bodyPr/>
+                    <a:lstStyle/>
+                    <a:p>
+                      <a:pPr algn="r" fontAlgn="ctr"/>
+                      <a:r>
+                        <a:rPr lang="en-US" altLang="zh-TW" sz="1400" b="0" i="0" u="none" strike="noStrike" dirty="0">
+                          <a:solidFill>
+                            <a:srgbClr val="000000"/>
+                          </a:solidFill>
+                          <a:effectLst/>
+                          <a:latin typeface="Calibri" panose="020F0502020204030204" pitchFamily="34" charset="0"/>
+                          <a:ea typeface="新細明體" panose="02020500000000000000" pitchFamily="18" charset="-120"/>
+                        </a:rPr>
+                        <a:t>2</a:t>
+                      </a:r>
+                    </a:p>
+                  </a:txBody>
+                  <a:tcPr marL="4642" marR="4642" marT="4642" marB="0" anchor="ctr">
+                    <a:lnL w="12700" cap="flat" cmpd="sng" algn="ctr">
+                      <a:solidFill>
+                        <a:srgbClr val="000000"/>
+                      </a:solidFill>
+                      <a:prstDash val="solid"/>
+                      <a:round/>
+                      <a:headEnd type="none" w="med" len="med"/>
+                      <a:tailEnd type="none" w="med" len="med"/>
+                    </a:lnL>
+                    <a:lnR w="12700" cap="flat" cmpd="sng" algn="ctr">
+                      <a:solidFill>
+                        <a:srgbClr val="000000"/>
+                      </a:solidFill>
+                      <a:prstDash val="solid"/>
+                      <a:round/>
+                      <a:headEnd type="none" w="med" len="med"/>
+                      <a:tailEnd type="none" w="med" len="med"/>
+                    </a:lnR>
+                    <a:lnT w="12700" cap="flat" cmpd="sng" algn="ctr">
+                      <a:solidFill>
+                        <a:srgbClr val="000000"/>
+                      </a:solidFill>
+                      <a:prstDash val="solid"/>
+                      <a:round/>
+                      <a:headEnd type="none" w="med" len="med"/>
+                      <a:tailEnd type="none" w="med" len="med"/>
+                    </a:lnT>
+                    <a:lnB w="12700" cap="flat" cmpd="sng" algn="ctr">
+                      <a:solidFill>
+                        <a:srgbClr val="000000"/>
+                      </a:solidFill>
+                      <a:prstDash val="solid"/>
+                      <a:round/>
+                      <a:headEnd type="none" w="med" len="med"/>
+                      <a:tailEnd type="none" w="med" len="med"/>
+                    </a:lnB>
+                  </a:tcPr>
+                </a:tc>
+                <a:tc rowSpan="3">
+                  <a:txBody>
+                    <a:bodyPr/>
+                    <a:lstStyle/>
+                    <a:p>
+                      <a:pPr algn="l" fontAlgn="ctr"/>
+                      <a:r>
+                        <a:rPr lang="zh-TW" altLang="en-US" sz="1400" b="0" i="0" u="none" strike="noStrike">
+                          <a:solidFill>
+                            <a:srgbClr val="000000"/>
+                          </a:solidFill>
+                          <a:effectLst/>
+                          <a:latin typeface="新細明體" panose="02020500000000000000" pitchFamily="18" charset="-120"/>
+                          <a:ea typeface="新細明體" panose="02020500000000000000" pitchFamily="18" charset="-120"/>
+                        </a:rPr>
+                        <a:t>身為一個使用者，我可以尋找我附近的店家</a:t>
+                      </a:r>
+                    </a:p>
+                  </a:txBody>
+                  <a:tcPr marL="4642" marR="4642" marT="4642" marB="0" anchor="ctr">
+                    <a:lnL w="12700" cap="flat" cmpd="sng" algn="ctr">
+                      <a:solidFill>
+                        <a:srgbClr val="000000"/>
+                      </a:solidFill>
+                      <a:prstDash val="solid"/>
+                      <a:round/>
+                      <a:headEnd type="none" w="med" len="med"/>
+                      <a:tailEnd type="none" w="med" len="med"/>
+                    </a:lnL>
+                    <a:lnR w="12700" cap="flat" cmpd="sng" algn="ctr">
+                      <a:solidFill>
+                        <a:srgbClr val="000000"/>
+                      </a:solidFill>
+                      <a:prstDash val="solid"/>
+                      <a:round/>
+                      <a:headEnd type="none" w="med" len="med"/>
+                      <a:tailEnd type="none" w="med" len="med"/>
+                    </a:lnR>
+                    <a:lnT w="12700" cap="flat" cmpd="sng" algn="ctr">
+                      <a:solidFill>
+                        <a:srgbClr val="000000"/>
+                      </a:solidFill>
+                      <a:prstDash val="solid"/>
+                      <a:round/>
+                      <a:headEnd type="none" w="med" len="med"/>
+                      <a:tailEnd type="none" w="med" len="med"/>
+                    </a:lnT>
+                    <a:lnB w="12700" cap="flat" cmpd="sng" algn="ctr">
+                      <a:solidFill>
+                        <a:srgbClr val="000000"/>
+                      </a:solidFill>
+                      <a:prstDash val="solid"/>
+                      <a:round/>
+                      <a:headEnd type="none" w="med" len="med"/>
+                      <a:tailEnd type="none" w="med" len="med"/>
+                    </a:lnB>
+                  </a:tcPr>
+                </a:tc>
+                <a:tc>
+                  <a:txBody>
+                    <a:bodyPr/>
+                    <a:lstStyle/>
+                    <a:p>
+                      <a:pPr algn="r" fontAlgn="ctr"/>
+                      <a:r>
+                        <a:rPr lang="en-US" altLang="zh-TW" sz="1400" b="0" i="0" u="none" strike="noStrike">
+                          <a:solidFill>
+                            <a:srgbClr val="000000"/>
+                          </a:solidFill>
+                          <a:effectLst/>
+                          <a:latin typeface="Calibri" panose="020F0502020204030204" pitchFamily="34" charset="0"/>
+                          <a:ea typeface="新細明體" panose="02020500000000000000" pitchFamily="18" charset="-120"/>
+                        </a:rPr>
+                        <a:t>2</a:t>
+                      </a:r>
+                      <a:r>
+                        <a:rPr lang="zh-TW" altLang="en-US" sz="1400" b="0" i="0" u="none" strike="noStrike">
+                          <a:solidFill>
+                            <a:srgbClr val="000000"/>
+                          </a:solidFill>
+                          <a:effectLst/>
+                          <a:latin typeface="Calibri" panose="020F0502020204030204" pitchFamily="34" charset="0"/>
+                          <a:ea typeface="新細明體" panose="02020500000000000000" pitchFamily="18" charset="-120"/>
+                        </a:rPr>
+                        <a:t>月</a:t>
+                      </a:r>
+                      <a:r>
+                        <a:rPr lang="en-US" altLang="zh-TW" sz="1400" b="0" i="0" u="none" strike="noStrike">
+                          <a:solidFill>
+                            <a:srgbClr val="000000"/>
+                          </a:solidFill>
+                          <a:effectLst/>
+                          <a:latin typeface="Calibri" panose="020F0502020204030204" pitchFamily="34" charset="0"/>
+                          <a:ea typeface="新細明體" panose="02020500000000000000" pitchFamily="18" charset="-120"/>
+                        </a:rPr>
+                        <a:t>1</a:t>
+                      </a:r>
+                      <a:r>
+                        <a:rPr lang="zh-TW" altLang="en-US" sz="1400" b="0" i="0" u="none" strike="noStrike">
+                          <a:solidFill>
+                            <a:srgbClr val="000000"/>
+                          </a:solidFill>
+                          <a:effectLst/>
+                          <a:latin typeface="Calibri" panose="020F0502020204030204" pitchFamily="34" charset="0"/>
+                          <a:ea typeface="新細明體" panose="02020500000000000000" pitchFamily="18" charset="-120"/>
+                        </a:rPr>
+                        <a:t>日</a:t>
+                      </a:r>
+                    </a:p>
+                  </a:txBody>
+                  <a:tcPr marL="4642" marR="4642" marT="4642" marB="0" anchor="ctr">
+                    <a:lnL w="12700" cap="flat" cmpd="sng" algn="ctr">
+                      <a:solidFill>
+                        <a:srgbClr val="000000"/>
+                      </a:solidFill>
+                      <a:prstDash val="solid"/>
+                      <a:round/>
+                      <a:headEnd type="none" w="med" len="med"/>
+                      <a:tailEnd type="none" w="med" len="med"/>
+                    </a:lnL>
+                    <a:lnR w="12700" cap="flat" cmpd="sng" algn="ctr">
+                      <a:solidFill>
+                        <a:srgbClr val="000000"/>
+                      </a:solidFill>
+                      <a:prstDash val="solid"/>
+                      <a:round/>
+                      <a:headEnd type="none" w="med" len="med"/>
+                      <a:tailEnd type="none" w="med" len="med"/>
+                    </a:lnR>
+                    <a:lnT w="12700" cap="flat" cmpd="sng" algn="ctr">
+                      <a:solidFill>
+                        <a:srgbClr val="000000"/>
+                      </a:solidFill>
+                      <a:prstDash val="solid"/>
+                      <a:round/>
+                      <a:headEnd type="none" w="med" len="med"/>
+                      <a:tailEnd type="none" w="med" len="med"/>
+                    </a:lnT>
+                    <a:lnB w="12700" cap="flat" cmpd="sng" algn="ctr">
+                      <a:solidFill>
+                        <a:srgbClr val="000000"/>
+                      </a:solidFill>
+                      <a:prstDash val="solid"/>
+                      <a:round/>
+                      <a:headEnd type="none" w="med" len="med"/>
+                      <a:tailEnd type="none" w="med" len="med"/>
+                    </a:lnB>
+                  </a:tcPr>
+                </a:tc>
+                <a:tc>
+                  <a:txBody>
+                    <a:bodyPr/>
+                    <a:lstStyle/>
+                    <a:p>
+                      <a:pPr algn="l" fontAlgn="ctr"/>
+                      <a:r>
+                        <a:rPr lang="zh-TW" altLang="en-US" sz="1400" b="0" i="0" u="none" strike="noStrike">
+                          <a:solidFill>
+                            <a:srgbClr val="000000"/>
+                          </a:solidFill>
+                          <a:effectLst/>
+                          <a:latin typeface="新細明體" panose="02020500000000000000" pitchFamily="18" charset="-120"/>
+                          <a:ea typeface="新細明體" panose="02020500000000000000" pitchFamily="18" charset="-120"/>
+                        </a:rPr>
+                        <a:t>自動定位現在位置並在地圖上顯示</a:t>
+                      </a:r>
+                    </a:p>
+                  </a:txBody>
+                  <a:tcPr marL="4642" marR="4642" marT="4642" marB="0" anchor="ctr">
+                    <a:lnL w="12700" cap="flat" cmpd="sng" algn="ctr">
+                      <a:solidFill>
+                        <a:srgbClr val="000000"/>
+                      </a:solidFill>
+                      <a:prstDash val="solid"/>
+                      <a:round/>
+                      <a:headEnd type="none" w="med" len="med"/>
+                      <a:tailEnd type="none" w="med" len="med"/>
+                    </a:lnL>
+                    <a:lnR w="12700" cap="flat" cmpd="sng" algn="ctr">
+                      <a:solidFill>
+                        <a:srgbClr val="000000"/>
+                      </a:solidFill>
+                      <a:prstDash val="solid"/>
+                      <a:round/>
+                      <a:headEnd type="none" w="med" len="med"/>
+                      <a:tailEnd type="none" w="med" len="med"/>
+                    </a:lnR>
+                    <a:lnT w="12700" cap="flat" cmpd="sng" algn="ctr">
+                      <a:solidFill>
+                        <a:srgbClr val="000000"/>
+                      </a:solidFill>
+                      <a:prstDash val="solid"/>
+                      <a:round/>
+                      <a:headEnd type="none" w="med" len="med"/>
+                      <a:tailEnd type="none" w="med" len="med"/>
+                    </a:lnT>
+                    <a:lnB w="12700" cap="flat" cmpd="sng" algn="ctr">
+                      <a:solidFill>
+                        <a:srgbClr val="000000"/>
+                      </a:solidFill>
+                      <a:prstDash val="solid"/>
+                      <a:round/>
+                      <a:headEnd type="none" w="med" len="med"/>
+                      <a:tailEnd type="none" w="med" len="med"/>
+                    </a:lnB>
+                  </a:tcPr>
+                </a:tc>
+                <a:tc>
+                  <a:txBody>
+                    <a:bodyPr/>
+                    <a:lstStyle/>
+                    <a:p>
+                      <a:pPr algn="r" fontAlgn="ctr"/>
+                      <a:r>
+                        <a:rPr lang="en-US" altLang="zh-TW" sz="1400" b="0" i="0" u="none" strike="noStrike">
+                          <a:solidFill>
+                            <a:srgbClr val="000000"/>
+                          </a:solidFill>
+                          <a:effectLst/>
+                          <a:latin typeface="Calibri" panose="020F0502020204030204" pitchFamily="34" charset="0"/>
+                          <a:ea typeface="新細明體" panose="02020500000000000000" pitchFamily="18" charset="-120"/>
+                        </a:rPr>
+                        <a:t>8</a:t>
+                      </a:r>
+                    </a:p>
+                  </a:txBody>
+                  <a:tcPr marL="4642" marR="4642" marT="4642" marB="0" anchor="ctr">
+                    <a:lnL w="12700" cap="flat" cmpd="sng" algn="ctr">
+                      <a:solidFill>
+                        <a:srgbClr val="000000"/>
+                      </a:solidFill>
+                      <a:prstDash val="solid"/>
+                      <a:round/>
+                      <a:headEnd type="none" w="med" len="med"/>
+                      <a:tailEnd type="none" w="med" len="med"/>
+                    </a:lnL>
+                    <a:lnR w="12700" cap="flat" cmpd="sng" algn="ctr">
+                      <a:solidFill>
+                        <a:srgbClr val="000000"/>
+                      </a:solidFill>
+                      <a:prstDash val="solid"/>
+                      <a:round/>
+                      <a:headEnd type="none" w="med" len="med"/>
+                      <a:tailEnd type="none" w="med" len="med"/>
+                    </a:lnR>
+                    <a:lnT w="12700" cap="flat" cmpd="sng" algn="ctr">
+                      <a:solidFill>
+                        <a:srgbClr val="000000"/>
+                      </a:solidFill>
+                      <a:prstDash val="solid"/>
+                      <a:round/>
+                      <a:headEnd type="none" w="med" len="med"/>
+                      <a:tailEnd type="none" w="med" len="med"/>
+                    </a:lnT>
+                    <a:lnB w="12700" cap="flat" cmpd="sng" algn="ctr">
+                      <a:solidFill>
+                        <a:srgbClr val="000000"/>
+                      </a:solidFill>
+                      <a:prstDash val="solid"/>
+                      <a:round/>
+                      <a:headEnd type="none" w="med" len="med"/>
+                      <a:tailEnd type="none" w="med" len="med"/>
+                    </a:lnB>
+                  </a:tcPr>
+                </a:tc>
+                <a:tc>
+                  <a:txBody>
+                    <a:bodyPr/>
+                    <a:lstStyle/>
+                    <a:p>
+                      <a:pPr algn="l" fontAlgn="ctr"/>
+                      <a:r>
+                        <a:rPr lang="zh-TW" altLang="en-US" sz="1400" b="0" i="0" u="none" strike="noStrike">
+                          <a:solidFill>
+                            <a:srgbClr val="000000"/>
+                          </a:solidFill>
+                          <a:effectLst/>
+                          <a:latin typeface="新細明體" panose="02020500000000000000" pitchFamily="18" charset="-120"/>
+                          <a:ea typeface="新細明體" panose="02020500000000000000" pitchFamily="18" charset="-120"/>
+                        </a:rPr>
+                        <a:t>吉天仲</a:t>
+                      </a:r>
+                    </a:p>
+                  </a:txBody>
+                  <a:tcPr marL="4642" marR="4642" marT="4642" marB="0" anchor="ctr">
+                    <a:lnL w="12700" cap="flat" cmpd="sng" algn="ctr">
+                      <a:solidFill>
+                        <a:srgbClr val="000000"/>
+                      </a:solidFill>
+                      <a:prstDash val="solid"/>
+                      <a:round/>
+                      <a:headEnd type="none" w="med" len="med"/>
+                      <a:tailEnd type="none" w="med" len="med"/>
+                    </a:lnL>
+                    <a:lnR w="12700" cap="flat" cmpd="sng" algn="ctr">
+                      <a:solidFill>
+                        <a:srgbClr val="000000"/>
+                      </a:solidFill>
+                      <a:prstDash val="solid"/>
+                      <a:round/>
+                      <a:headEnd type="none" w="med" len="med"/>
+                      <a:tailEnd type="none" w="med" len="med"/>
+                    </a:lnR>
+                    <a:lnT w="12700" cap="flat" cmpd="sng" algn="ctr">
+                      <a:solidFill>
+                        <a:srgbClr val="000000"/>
+                      </a:solidFill>
+                      <a:prstDash val="solid"/>
+                      <a:round/>
+                      <a:headEnd type="none" w="med" len="med"/>
+                      <a:tailEnd type="none" w="med" len="med"/>
+                    </a:lnT>
+                    <a:lnB w="12700" cap="flat" cmpd="sng" algn="ctr">
+                      <a:solidFill>
+                        <a:srgbClr val="000000"/>
+                      </a:solidFill>
+                      <a:prstDash val="solid"/>
+                      <a:round/>
+                      <a:headEnd type="none" w="med" len="med"/>
+                      <a:tailEnd type="none" w="med" len="med"/>
+                    </a:lnB>
+                  </a:tcPr>
+                </a:tc>
+                <a:extLst>
+                  <a:ext uri="{0D108BD9-81ED-4DB2-BD59-A6C34878D82A}">
+                    <a16:rowId xmlns:a16="http://schemas.microsoft.com/office/drawing/2014/main" val="3056819481"/>
+                  </a:ext>
+                </a:extLst>
+              </a:tr>
+              <a:tr h="1151779">
+                <a:tc vMerge="1">
+                  <a:txBody>
+                    <a:bodyPr/>
+                    <a:lstStyle/>
+                    <a:p>
+                      <a:endParaRPr lang="zh-TW" altLang="en-US"/>
+                    </a:p>
+                  </a:txBody>
+                  <a:tcPr/>
+                </a:tc>
+                <a:tc vMerge="1">
+                  <a:txBody>
+                    <a:bodyPr/>
+                    <a:lstStyle/>
+                    <a:p>
+                      <a:endParaRPr lang="zh-TW" altLang="en-US"/>
+                    </a:p>
+                  </a:txBody>
+                  <a:tcPr/>
+                </a:tc>
+                <a:tc>
+                  <a:txBody>
+                    <a:bodyPr/>
+                    <a:lstStyle/>
+                    <a:p>
+                      <a:pPr algn="r" fontAlgn="ctr"/>
+                      <a:r>
+                        <a:rPr lang="en-US" altLang="zh-TW" sz="1400" b="0" i="0" u="none" strike="noStrike">
+                          <a:solidFill>
+                            <a:srgbClr val="000000"/>
+                          </a:solidFill>
+                          <a:effectLst/>
+                          <a:latin typeface="Calibri" panose="020F0502020204030204" pitchFamily="34" charset="0"/>
+                          <a:ea typeface="新細明體" panose="02020500000000000000" pitchFamily="18" charset="-120"/>
+                        </a:rPr>
+                        <a:t>2</a:t>
+                      </a:r>
+                      <a:r>
+                        <a:rPr lang="zh-TW" altLang="en-US" sz="1400" b="0" i="0" u="none" strike="noStrike">
+                          <a:solidFill>
+                            <a:srgbClr val="000000"/>
+                          </a:solidFill>
+                          <a:effectLst/>
+                          <a:latin typeface="Calibri" panose="020F0502020204030204" pitchFamily="34" charset="0"/>
+                          <a:ea typeface="新細明體" panose="02020500000000000000" pitchFamily="18" charset="-120"/>
+                        </a:rPr>
+                        <a:t>月</a:t>
+                      </a:r>
+                      <a:r>
+                        <a:rPr lang="en-US" altLang="zh-TW" sz="1400" b="0" i="0" u="none" strike="noStrike">
+                          <a:solidFill>
+                            <a:srgbClr val="000000"/>
+                          </a:solidFill>
+                          <a:effectLst/>
+                          <a:latin typeface="Calibri" panose="020F0502020204030204" pitchFamily="34" charset="0"/>
+                          <a:ea typeface="新細明體" panose="02020500000000000000" pitchFamily="18" charset="-120"/>
+                        </a:rPr>
+                        <a:t>2</a:t>
+                      </a:r>
+                      <a:r>
+                        <a:rPr lang="zh-TW" altLang="en-US" sz="1400" b="0" i="0" u="none" strike="noStrike">
+                          <a:solidFill>
+                            <a:srgbClr val="000000"/>
+                          </a:solidFill>
+                          <a:effectLst/>
+                          <a:latin typeface="Calibri" panose="020F0502020204030204" pitchFamily="34" charset="0"/>
+                          <a:ea typeface="新細明體" panose="02020500000000000000" pitchFamily="18" charset="-120"/>
+                        </a:rPr>
+                        <a:t>日</a:t>
+                      </a:r>
+                    </a:p>
+                  </a:txBody>
+                  <a:tcPr marL="4642" marR="4642" marT="4642" marB="0" anchor="ctr">
+                    <a:lnL w="12700" cap="flat" cmpd="sng" algn="ctr">
+                      <a:solidFill>
+                        <a:srgbClr val="000000"/>
+                      </a:solidFill>
+                      <a:prstDash val="solid"/>
+                      <a:round/>
+                      <a:headEnd type="none" w="med" len="med"/>
+                      <a:tailEnd type="none" w="med" len="med"/>
+                    </a:lnL>
+                    <a:lnR w="12700" cap="flat" cmpd="sng" algn="ctr">
+                      <a:solidFill>
+                        <a:srgbClr val="000000"/>
+                      </a:solidFill>
+                      <a:prstDash val="solid"/>
+                      <a:round/>
+                      <a:headEnd type="none" w="med" len="med"/>
+                      <a:tailEnd type="none" w="med" len="med"/>
+                    </a:lnR>
+                    <a:lnT w="12700" cap="flat" cmpd="sng" algn="ctr">
+                      <a:solidFill>
+                        <a:srgbClr val="000000"/>
+                      </a:solidFill>
+                      <a:prstDash val="solid"/>
+                      <a:round/>
+                      <a:headEnd type="none" w="med" len="med"/>
+                      <a:tailEnd type="none" w="med" len="med"/>
+                    </a:lnT>
+                    <a:lnB w="12700" cap="flat" cmpd="sng" algn="ctr">
+                      <a:solidFill>
+                        <a:srgbClr val="000000"/>
+                      </a:solidFill>
+                      <a:prstDash val="solid"/>
+                      <a:round/>
+                      <a:headEnd type="none" w="med" len="med"/>
+                      <a:tailEnd type="none" w="med" len="med"/>
+                    </a:lnB>
+                  </a:tcPr>
+                </a:tc>
+                <a:tc>
+                  <a:txBody>
+                    <a:bodyPr/>
+                    <a:lstStyle/>
+                    <a:p>
+                      <a:pPr algn="l" fontAlgn="ctr"/>
+                      <a:r>
+                        <a:rPr lang="zh-TW" altLang="en-US" sz="1400" b="0" i="0" u="none" strike="noStrike">
+                          <a:solidFill>
+                            <a:srgbClr val="000000"/>
+                          </a:solidFill>
+                          <a:effectLst/>
+                          <a:latin typeface="新細明體" panose="02020500000000000000" pitchFamily="18" charset="-120"/>
+                          <a:ea typeface="新細明體" panose="02020500000000000000" pitchFamily="18" charset="-120"/>
+                        </a:rPr>
+                        <a:t>輸入地址或經緯度定位位置並在地圖上顯示</a:t>
+                      </a:r>
+                    </a:p>
+                  </a:txBody>
+                  <a:tcPr marL="4642" marR="4642" marT="4642" marB="0" anchor="ctr">
+                    <a:lnL w="12700" cap="flat" cmpd="sng" algn="ctr">
+                      <a:solidFill>
+                        <a:srgbClr val="000000"/>
+                      </a:solidFill>
+                      <a:prstDash val="solid"/>
+                      <a:round/>
+                      <a:headEnd type="none" w="med" len="med"/>
+                      <a:tailEnd type="none" w="med" len="med"/>
+                    </a:lnL>
+                    <a:lnR w="12700" cap="flat" cmpd="sng" algn="ctr">
+                      <a:solidFill>
+                        <a:srgbClr val="000000"/>
+                      </a:solidFill>
+                      <a:prstDash val="solid"/>
+                      <a:round/>
+                      <a:headEnd type="none" w="med" len="med"/>
+                      <a:tailEnd type="none" w="med" len="med"/>
+                    </a:lnR>
+                    <a:lnT w="12700" cap="flat" cmpd="sng" algn="ctr">
+                      <a:solidFill>
+                        <a:srgbClr val="000000"/>
+                      </a:solidFill>
+                      <a:prstDash val="solid"/>
+                      <a:round/>
+                      <a:headEnd type="none" w="med" len="med"/>
+                      <a:tailEnd type="none" w="med" len="med"/>
+                    </a:lnT>
+                    <a:lnB w="12700" cap="flat" cmpd="sng" algn="ctr">
+                      <a:solidFill>
+                        <a:srgbClr val="000000"/>
+                      </a:solidFill>
+                      <a:prstDash val="solid"/>
+                      <a:round/>
+                      <a:headEnd type="none" w="med" len="med"/>
+                      <a:tailEnd type="none" w="med" len="med"/>
+                    </a:lnB>
+                  </a:tcPr>
+                </a:tc>
+                <a:tc>
+                  <a:txBody>
+                    <a:bodyPr/>
+                    <a:lstStyle/>
+                    <a:p>
+                      <a:pPr algn="r" fontAlgn="ctr"/>
+                      <a:r>
+                        <a:rPr lang="en-US" altLang="zh-TW" sz="1400" b="0" i="0" u="none" strike="noStrike">
+                          <a:solidFill>
+                            <a:srgbClr val="000000"/>
+                          </a:solidFill>
+                          <a:effectLst/>
+                          <a:latin typeface="Calibri" panose="020F0502020204030204" pitchFamily="34" charset="0"/>
+                          <a:ea typeface="新細明體" panose="02020500000000000000" pitchFamily="18" charset="-120"/>
+                        </a:rPr>
+                        <a:t>8</a:t>
+                      </a:r>
+                    </a:p>
+                  </a:txBody>
+                  <a:tcPr marL="4642" marR="4642" marT="4642" marB="0" anchor="ctr">
+                    <a:lnL w="12700" cap="flat" cmpd="sng" algn="ctr">
+                      <a:solidFill>
+                        <a:srgbClr val="000000"/>
+                      </a:solidFill>
+                      <a:prstDash val="solid"/>
+                      <a:round/>
+                      <a:headEnd type="none" w="med" len="med"/>
+                      <a:tailEnd type="none" w="med" len="med"/>
+                    </a:lnL>
+                    <a:lnR w="12700" cap="flat" cmpd="sng" algn="ctr">
+                      <a:solidFill>
+                        <a:srgbClr val="000000"/>
+                      </a:solidFill>
+                      <a:prstDash val="solid"/>
+                      <a:round/>
+                      <a:headEnd type="none" w="med" len="med"/>
+                      <a:tailEnd type="none" w="med" len="med"/>
+                    </a:lnR>
+                    <a:lnT w="12700" cap="flat" cmpd="sng" algn="ctr">
+                      <a:solidFill>
+                        <a:srgbClr val="000000"/>
+                      </a:solidFill>
+                      <a:prstDash val="solid"/>
+                      <a:round/>
+                      <a:headEnd type="none" w="med" len="med"/>
+                      <a:tailEnd type="none" w="med" len="med"/>
+                    </a:lnT>
+                    <a:lnB w="12700" cap="flat" cmpd="sng" algn="ctr">
+                      <a:solidFill>
+                        <a:srgbClr val="000000"/>
+                      </a:solidFill>
+                      <a:prstDash val="solid"/>
+                      <a:round/>
+                      <a:headEnd type="none" w="med" len="med"/>
+                      <a:tailEnd type="none" w="med" len="med"/>
+                    </a:lnB>
+                  </a:tcPr>
+                </a:tc>
+                <a:tc>
+                  <a:txBody>
+                    <a:bodyPr/>
+                    <a:lstStyle/>
+                    <a:p>
+                      <a:pPr algn="l" fontAlgn="ctr"/>
+                      <a:r>
+                        <a:rPr lang="zh-TW" altLang="en-US" sz="1400" b="0" i="0" u="none" strike="noStrike">
+                          <a:solidFill>
+                            <a:srgbClr val="000000"/>
+                          </a:solidFill>
+                          <a:effectLst/>
+                          <a:latin typeface="新細明體" panose="02020500000000000000" pitchFamily="18" charset="-120"/>
+                          <a:ea typeface="新細明體" panose="02020500000000000000" pitchFamily="18" charset="-120"/>
+                        </a:rPr>
+                        <a:t>吉天仲</a:t>
+                      </a:r>
+                    </a:p>
+                  </a:txBody>
+                  <a:tcPr marL="4642" marR="4642" marT="4642" marB="0" anchor="ctr">
+                    <a:lnL w="12700" cap="flat" cmpd="sng" algn="ctr">
+                      <a:solidFill>
+                        <a:srgbClr val="000000"/>
+                      </a:solidFill>
+                      <a:prstDash val="solid"/>
+                      <a:round/>
+                      <a:headEnd type="none" w="med" len="med"/>
+                      <a:tailEnd type="none" w="med" len="med"/>
+                    </a:lnL>
+                    <a:lnR w="12700" cap="flat" cmpd="sng" algn="ctr">
+                      <a:solidFill>
+                        <a:srgbClr val="000000"/>
+                      </a:solidFill>
+                      <a:prstDash val="solid"/>
+                      <a:round/>
+                      <a:headEnd type="none" w="med" len="med"/>
+                      <a:tailEnd type="none" w="med" len="med"/>
+                    </a:lnR>
+                    <a:lnT w="12700" cap="flat" cmpd="sng" algn="ctr">
+                      <a:solidFill>
+                        <a:srgbClr val="000000"/>
+                      </a:solidFill>
+                      <a:prstDash val="solid"/>
+                      <a:round/>
+                      <a:headEnd type="none" w="med" len="med"/>
+                      <a:tailEnd type="none" w="med" len="med"/>
+                    </a:lnT>
+                    <a:lnB w="12700" cap="flat" cmpd="sng" algn="ctr">
+                      <a:solidFill>
+                        <a:srgbClr val="000000"/>
+                      </a:solidFill>
+                      <a:prstDash val="solid"/>
+                      <a:round/>
+                      <a:headEnd type="none" w="med" len="med"/>
+                      <a:tailEnd type="none" w="med" len="med"/>
+                    </a:lnB>
+                  </a:tcPr>
+                </a:tc>
+                <a:extLst>
+                  <a:ext uri="{0D108BD9-81ED-4DB2-BD59-A6C34878D82A}">
+                    <a16:rowId xmlns:a16="http://schemas.microsoft.com/office/drawing/2014/main" val="586849533"/>
+                  </a:ext>
+                </a:extLst>
+              </a:tr>
+              <a:tr h="660758">
+                <a:tc vMerge="1">
+                  <a:txBody>
+                    <a:bodyPr/>
+                    <a:lstStyle/>
+                    <a:p>
+                      <a:endParaRPr lang="zh-TW" altLang="en-US"/>
+                    </a:p>
+                  </a:txBody>
+                  <a:tcPr/>
+                </a:tc>
+                <a:tc vMerge="1">
+                  <a:txBody>
+                    <a:bodyPr/>
+                    <a:lstStyle/>
+                    <a:p>
+                      <a:endParaRPr lang="zh-TW" altLang="en-US"/>
+                    </a:p>
+                  </a:txBody>
+                  <a:tcPr/>
+                </a:tc>
+                <a:tc>
+                  <a:txBody>
+                    <a:bodyPr/>
+                    <a:lstStyle/>
+                    <a:p>
+                      <a:pPr algn="r" fontAlgn="ctr"/>
+                      <a:r>
+                        <a:rPr lang="en-US" altLang="zh-TW" sz="1400" b="0" i="0" u="none" strike="noStrike">
+                          <a:solidFill>
+                            <a:srgbClr val="000000"/>
+                          </a:solidFill>
+                          <a:effectLst/>
+                          <a:latin typeface="Calibri" panose="020F0502020204030204" pitchFamily="34" charset="0"/>
+                          <a:ea typeface="新細明體" panose="02020500000000000000" pitchFamily="18" charset="-120"/>
+                        </a:rPr>
+                        <a:t>2</a:t>
+                      </a:r>
+                      <a:r>
+                        <a:rPr lang="zh-TW" altLang="en-US" sz="1400" b="0" i="0" u="none" strike="noStrike">
+                          <a:solidFill>
+                            <a:srgbClr val="000000"/>
+                          </a:solidFill>
+                          <a:effectLst/>
+                          <a:latin typeface="Calibri" panose="020F0502020204030204" pitchFamily="34" charset="0"/>
+                          <a:ea typeface="新細明體" panose="02020500000000000000" pitchFamily="18" charset="-120"/>
+                        </a:rPr>
+                        <a:t>月</a:t>
+                      </a:r>
+                      <a:r>
+                        <a:rPr lang="en-US" altLang="zh-TW" sz="1400" b="0" i="0" u="none" strike="noStrike">
+                          <a:solidFill>
+                            <a:srgbClr val="000000"/>
+                          </a:solidFill>
+                          <a:effectLst/>
+                          <a:latin typeface="Calibri" panose="020F0502020204030204" pitchFamily="34" charset="0"/>
+                          <a:ea typeface="新細明體" panose="02020500000000000000" pitchFamily="18" charset="-120"/>
+                        </a:rPr>
+                        <a:t>3</a:t>
+                      </a:r>
+                      <a:r>
+                        <a:rPr lang="zh-TW" altLang="en-US" sz="1400" b="0" i="0" u="none" strike="noStrike">
+                          <a:solidFill>
+                            <a:srgbClr val="000000"/>
+                          </a:solidFill>
+                          <a:effectLst/>
+                          <a:latin typeface="Calibri" panose="020F0502020204030204" pitchFamily="34" charset="0"/>
+                          <a:ea typeface="新細明體" panose="02020500000000000000" pitchFamily="18" charset="-120"/>
+                        </a:rPr>
+                        <a:t>日</a:t>
+                      </a:r>
+                    </a:p>
+                  </a:txBody>
+                  <a:tcPr marL="4642" marR="4642" marT="4642" marB="0" anchor="ctr">
+                    <a:lnL w="12700" cap="flat" cmpd="sng" algn="ctr">
+                      <a:solidFill>
+                        <a:srgbClr val="000000"/>
+                      </a:solidFill>
+                      <a:prstDash val="solid"/>
+                      <a:round/>
+                      <a:headEnd type="none" w="med" len="med"/>
+                      <a:tailEnd type="none" w="med" len="med"/>
+                    </a:lnL>
+                    <a:lnR w="12700" cap="flat" cmpd="sng" algn="ctr">
+                      <a:solidFill>
+                        <a:srgbClr val="000000"/>
+                      </a:solidFill>
+                      <a:prstDash val="solid"/>
+                      <a:round/>
+                      <a:headEnd type="none" w="med" len="med"/>
+                      <a:tailEnd type="none" w="med" len="med"/>
+                    </a:lnR>
+                    <a:lnT w="12700" cap="flat" cmpd="sng" algn="ctr">
+                      <a:solidFill>
+                        <a:srgbClr val="000000"/>
+                      </a:solidFill>
+                      <a:prstDash val="solid"/>
+                      <a:round/>
+                      <a:headEnd type="none" w="med" len="med"/>
+                      <a:tailEnd type="none" w="med" len="med"/>
+                    </a:lnT>
+                    <a:lnB w="12700" cap="flat" cmpd="sng" algn="ctr">
+                      <a:solidFill>
+                        <a:srgbClr val="000000"/>
+                      </a:solidFill>
+                      <a:prstDash val="solid"/>
+                      <a:round/>
+                      <a:headEnd type="none" w="med" len="med"/>
+                      <a:tailEnd type="none" w="med" len="med"/>
+                    </a:lnB>
+                  </a:tcPr>
+                </a:tc>
+                <a:tc>
+                  <a:txBody>
+                    <a:bodyPr/>
+                    <a:lstStyle/>
+                    <a:p>
+                      <a:pPr algn="l" fontAlgn="ctr"/>
+                      <a:r>
+                        <a:rPr lang="zh-TW" altLang="en-US" sz="1400" b="0" i="0" u="none" strike="noStrike">
+                          <a:solidFill>
+                            <a:srgbClr val="000000"/>
+                          </a:solidFill>
+                          <a:effectLst/>
+                          <a:latin typeface="新細明體" panose="02020500000000000000" pitchFamily="18" charset="-120"/>
+                          <a:ea typeface="新細明體" panose="02020500000000000000" pitchFamily="18" charset="-120"/>
+                        </a:rPr>
+                        <a:t>尋找到達目的地的最佳路線</a:t>
+                      </a:r>
+                    </a:p>
+                  </a:txBody>
+                  <a:tcPr marL="4642" marR="4642" marT="4642" marB="0" anchor="ctr">
+                    <a:lnL w="12700" cap="flat" cmpd="sng" algn="ctr">
+                      <a:solidFill>
+                        <a:srgbClr val="000000"/>
+                      </a:solidFill>
+                      <a:prstDash val="solid"/>
+                      <a:round/>
+                      <a:headEnd type="none" w="med" len="med"/>
+                      <a:tailEnd type="none" w="med" len="med"/>
+                    </a:lnL>
+                    <a:lnR w="12700" cap="flat" cmpd="sng" algn="ctr">
+                      <a:solidFill>
+                        <a:srgbClr val="000000"/>
+                      </a:solidFill>
+                      <a:prstDash val="solid"/>
+                      <a:round/>
+                      <a:headEnd type="none" w="med" len="med"/>
+                      <a:tailEnd type="none" w="med" len="med"/>
+                    </a:lnR>
+                    <a:lnT w="12700" cap="flat" cmpd="sng" algn="ctr">
+                      <a:solidFill>
+                        <a:srgbClr val="000000"/>
+                      </a:solidFill>
+                      <a:prstDash val="solid"/>
+                      <a:round/>
+                      <a:headEnd type="none" w="med" len="med"/>
+                      <a:tailEnd type="none" w="med" len="med"/>
+                    </a:lnT>
+                    <a:lnB w="12700" cap="flat" cmpd="sng" algn="ctr">
+                      <a:solidFill>
+                        <a:srgbClr val="000000"/>
+                      </a:solidFill>
+                      <a:prstDash val="solid"/>
+                      <a:round/>
+                      <a:headEnd type="none" w="med" len="med"/>
+                      <a:tailEnd type="none" w="med" len="med"/>
+                    </a:lnB>
+                  </a:tcPr>
+                </a:tc>
+                <a:tc>
+                  <a:txBody>
+                    <a:bodyPr/>
+                    <a:lstStyle/>
+                    <a:p>
+                      <a:pPr algn="r" fontAlgn="ctr"/>
+                      <a:r>
+                        <a:rPr lang="en-US" altLang="zh-TW" sz="1400" b="0" i="0" u="none" strike="noStrike">
+                          <a:solidFill>
+                            <a:srgbClr val="000000"/>
+                          </a:solidFill>
+                          <a:effectLst/>
+                          <a:latin typeface="Calibri" panose="020F0502020204030204" pitchFamily="34" charset="0"/>
+                          <a:ea typeface="新細明體" panose="02020500000000000000" pitchFamily="18" charset="-120"/>
+                        </a:rPr>
+                        <a:t>4</a:t>
+                      </a:r>
+                    </a:p>
+                  </a:txBody>
+                  <a:tcPr marL="4642" marR="4642" marT="4642" marB="0" anchor="ctr">
+                    <a:lnL w="12700" cap="flat" cmpd="sng" algn="ctr">
+                      <a:solidFill>
+                        <a:srgbClr val="000000"/>
+                      </a:solidFill>
+                      <a:prstDash val="solid"/>
+                      <a:round/>
+                      <a:headEnd type="none" w="med" len="med"/>
+                      <a:tailEnd type="none" w="med" len="med"/>
+                    </a:lnL>
+                    <a:lnR w="12700" cap="flat" cmpd="sng" algn="ctr">
+                      <a:solidFill>
+                        <a:srgbClr val="000000"/>
+                      </a:solidFill>
+                      <a:prstDash val="solid"/>
+                      <a:round/>
+                      <a:headEnd type="none" w="med" len="med"/>
+                      <a:tailEnd type="none" w="med" len="med"/>
+                    </a:lnR>
+                    <a:lnT w="12700" cap="flat" cmpd="sng" algn="ctr">
+                      <a:solidFill>
+                        <a:srgbClr val="000000"/>
+                      </a:solidFill>
+                      <a:prstDash val="solid"/>
+                      <a:round/>
+                      <a:headEnd type="none" w="med" len="med"/>
+                      <a:tailEnd type="none" w="med" len="med"/>
+                    </a:lnT>
+                    <a:lnB w="12700" cap="flat" cmpd="sng" algn="ctr">
+                      <a:solidFill>
+                        <a:srgbClr val="000000"/>
+                      </a:solidFill>
+                      <a:prstDash val="solid"/>
+                      <a:round/>
+                      <a:headEnd type="none" w="med" len="med"/>
+                      <a:tailEnd type="none" w="med" len="med"/>
+                    </a:lnB>
+                  </a:tcPr>
+                </a:tc>
+                <a:tc>
+                  <a:txBody>
+                    <a:bodyPr/>
+                    <a:lstStyle/>
+                    <a:p>
+                      <a:pPr algn="l" fontAlgn="ctr"/>
+                      <a:r>
+                        <a:rPr lang="zh-TW" altLang="en-US" sz="1400" b="0" i="0" u="none" strike="noStrike" dirty="0">
+                          <a:solidFill>
+                            <a:srgbClr val="000000"/>
+                          </a:solidFill>
+                          <a:effectLst/>
+                          <a:latin typeface="新細明體" panose="02020500000000000000" pitchFamily="18" charset="-120"/>
+                          <a:ea typeface="新細明體" panose="02020500000000000000" pitchFamily="18" charset="-120"/>
+                        </a:rPr>
+                        <a:t>吉天仲</a:t>
+                      </a:r>
+                    </a:p>
+                  </a:txBody>
+                  <a:tcPr marL="4642" marR="4642" marT="4642" marB="0" anchor="ctr">
+                    <a:lnL w="12700" cap="flat" cmpd="sng" algn="ctr">
+                      <a:solidFill>
+                        <a:srgbClr val="000000"/>
+                      </a:solidFill>
+                      <a:prstDash val="solid"/>
+                      <a:round/>
+                      <a:headEnd type="none" w="med" len="med"/>
+                      <a:tailEnd type="none" w="med" len="med"/>
+                    </a:lnL>
+                    <a:lnR w="12700" cap="flat" cmpd="sng" algn="ctr">
+                      <a:solidFill>
+                        <a:srgbClr val="000000"/>
+                      </a:solidFill>
+                      <a:prstDash val="solid"/>
+                      <a:round/>
+                      <a:headEnd type="none" w="med" len="med"/>
+                      <a:tailEnd type="none" w="med" len="med"/>
+                    </a:lnR>
+                    <a:lnT w="12700" cap="flat" cmpd="sng" algn="ctr">
+                      <a:solidFill>
+                        <a:srgbClr val="000000"/>
+                      </a:solidFill>
+                      <a:prstDash val="solid"/>
+                      <a:round/>
+                      <a:headEnd type="none" w="med" len="med"/>
+                      <a:tailEnd type="none" w="med" len="med"/>
+                    </a:lnT>
+                    <a:lnB w="12700" cap="flat" cmpd="sng" algn="ctr">
+                      <a:solidFill>
+                        <a:srgbClr val="000000"/>
+                      </a:solidFill>
+                      <a:prstDash val="solid"/>
+                      <a:round/>
+                      <a:headEnd type="none" w="med" len="med"/>
+                      <a:tailEnd type="none" w="med" len="med"/>
+                    </a:lnB>
+                  </a:tcPr>
+                </a:tc>
+                <a:extLst>
+                  <a:ext uri="{0D108BD9-81ED-4DB2-BD59-A6C34878D82A}">
+                    <a16:rowId xmlns:a16="http://schemas.microsoft.com/office/drawing/2014/main" val="40572000"/>
+                  </a:ext>
+                </a:extLst>
+              </a:tr>
+            </a:tbl>
+          </a:graphicData>
+        </a:graphic>
+      </p:graphicFrame>
+    </p:spTree>
+    <p:extLst>
+      <p:ext uri="{BB962C8B-B14F-4D97-AF65-F5344CB8AC3E}">
+        <p14:creationId xmlns:p14="http://schemas.microsoft.com/office/powerpoint/2010/main" val="1042928432"/>
+      </p:ext>
+    </p:extLst>
+  </p:cSld>
+  <p:clrMapOvr>
+    <a:masterClrMapping/>
+  </p:clrMapOvr>
+</p:sld>
+</file>
+
+<file path=ppt/slides/slide25.xml><?xml version="1.0" encoding="utf-8"?>
+<p:sld xmlns:a="http://schemas.openxmlformats.org/drawingml/2006/main" xmlns:r="http://schemas.openxmlformats.org/officeDocument/2006/relationships" xmlns:p="http://schemas.openxmlformats.org/presentationml/2006/main">
+  <p:cSld>
+    <p:spTree>
+      <p:nvGrpSpPr>
+        <p:cNvPr id="1" name=""/>
+        <p:cNvGrpSpPr/>
+        <p:nvPr/>
+      </p:nvGrpSpPr>
+      <p:grpSpPr>
+        <a:xfrm>
+          <a:off x="0" y="0"/>
+          <a:ext cx="0" cy="0"/>
+          <a:chOff x="0" y="0"/>
+          <a:chExt cx="0" cy="0"/>
+        </a:xfrm>
+      </p:grpSpPr>
+      <p:sp>
+        <p:nvSpPr>
+          <p:cNvPr id="2" name="標題 1"/>
+          <p:cNvSpPr>
+            <a:spLocks noGrp="1"/>
+          </p:cNvSpPr>
+          <p:nvPr>
+            <p:ph type="title"/>
+          </p:nvPr>
+        </p:nvSpPr>
+        <p:spPr/>
+        <p:txBody>
+          <a:bodyPr/>
+          <a:lstStyle/>
+          <a:p>
+            <a:r>
+              <a:rPr lang="en-US" altLang="zh-TW" dirty="0" smtClean="0"/>
+              <a:t>backlog</a:t>
+            </a:r>
+            <a:endParaRPr lang="zh-TW" altLang="en-US" dirty="0"/>
+          </a:p>
+        </p:txBody>
+      </p:sp>
+      <p:graphicFrame>
+        <p:nvGraphicFramePr>
+          <p:cNvPr id="7" name="內容版面配置區 6"/>
+          <p:cNvGraphicFramePr>
+            <a:graphicFrameLocks noGrp="1"/>
+          </p:cNvGraphicFramePr>
+          <p:nvPr>
+            <p:ph idx="1"/>
+            <p:extLst>
+              <p:ext uri="{D42A27DB-BD31-4B8C-83A1-F6EECF244321}">
+                <p14:modId xmlns:p14="http://schemas.microsoft.com/office/powerpoint/2010/main" val="2530727430"/>
+              </p:ext>
+            </p:extLst>
+          </p:nvPr>
+        </p:nvGraphicFramePr>
+        <p:xfrm>
+          <a:off x="2592924" y="1904998"/>
+          <a:ext cx="8911686" cy="4235303"/>
+        </p:xfrm>
+        <a:graphic>
+          <a:graphicData uri="http://schemas.openxmlformats.org/drawingml/2006/table">
+            <a:tbl>
+              <a:tblPr/>
+              <a:tblGrid>
+                <a:gridCol w="1485281">
+                  <a:extLst>
+                    <a:ext uri="{9D8B030D-6E8A-4147-A177-3AD203B41FA5}">
+                      <a16:colId xmlns:a16="http://schemas.microsoft.com/office/drawing/2014/main" val="181454588"/>
+                    </a:ext>
+                  </a:extLst>
+                </a:gridCol>
+                <a:gridCol w="1485281">
+                  <a:extLst>
+                    <a:ext uri="{9D8B030D-6E8A-4147-A177-3AD203B41FA5}">
+                      <a16:colId xmlns:a16="http://schemas.microsoft.com/office/drawing/2014/main" val="1299287274"/>
+                    </a:ext>
+                  </a:extLst>
+                </a:gridCol>
+                <a:gridCol w="1485281">
+                  <a:extLst>
+                    <a:ext uri="{9D8B030D-6E8A-4147-A177-3AD203B41FA5}">
+                      <a16:colId xmlns:a16="http://schemas.microsoft.com/office/drawing/2014/main" val="2196774209"/>
+                    </a:ext>
+                  </a:extLst>
+                </a:gridCol>
+                <a:gridCol w="1485281">
+                  <a:extLst>
+                    <a:ext uri="{9D8B030D-6E8A-4147-A177-3AD203B41FA5}">
+                      <a16:colId xmlns:a16="http://schemas.microsoft.com/office/drawing/2014/main" val="2497886750"/>
+                    </a:ext>
+                  </a:extLst>
+                </a:gridCol>
+                <a:gridCol w="1485281">
+                  <a:extLst>
+                    <a:ext uri="{9D8B030D-6E8A-4147-A177-3AD203B41FA5}">
+                      <a16:colId xmlns:a16="http://schemas.microsoft.com/office/drawing/2014/main" val="883960185"/>
+                    </a:ext>
+                  </a:extLst>
+                </a:gridCol>
+                <a:gridCol w="1485281">
+                  <a:extLst>
+                    <a:ext uri="{9D8B030D-6E8A-4147-A177-3AD203B41FA5}">
+                      <a16:colId xmlns:a16="http://schemas.microsoft.com/office/drawing/2014/main" val="3966886544"/>
+                    </a:ext>
+                  </a:extLst>
+                </a:gridCol>
+              </a:tblGrid>
+              <a:tr h="323528">
+                <a:tc rowSpan="3">
+                  <a:txBody>
+                    <a:bodyPr/>
+                    <a:lstStyle/>
+                    <a:p>
+                      <a:pPr algn="r" fontAlgn="ctr"/>
+                      <a:r>
+                        <a:rPr lang="en-US" altLang="zh-TW" sz="1400" b="0" i="0" u="none" strike="noStrike">
+                          <a:solidFill>
+                            <a:srgbClr val="000000"/>
+                          </a:solidFill>
+                          <a:effectLst/>
+                          <a:latin typeface="Calibri" panose="020F0502020204030204" pitchFamily="34" charset="0"/>
+                          <a:ea typeface="新細明體" panose="02020500000000000000" pitchFamily="18" charset="-120"/>
+                        </a:rPr>
+                        <a:t>3</a:t>
+                      </a:r>
+                    </a:p>
+                  </a:txBody>
+                  <a:tcPr marL="5566" marR="5566" marT="5566" marB="0" anchor="ctr">
+                    <a:lnL w="12700" cap="flat" cmpd="sng" algn="ctr">
+                      <a:solidFill>
+                        <a:srgbClr val="000000"/>
+                      </a:solidFill>
+                      <a:prstDash val="solid"/>
+                      <a:round/>
+                      <a:headEnd type="none" w="med" len="med"/>
+                      <a:tailEnd type="none" w="med" len="med"/>
+                    </a:lnL>
+                    <a:lnR w="12700" cap="flat" cmpd="sng" algn="ctr">
+                      <a:solidFill>
+                        <a:srgbClr val="000000"/>
+                      </a:solidFill>
+                      <a:prstDash val="solid"/>
+                      <a:round/>
+                      <a:headEnd type="none" w="med" len="med"/>
+                      <a:tailEnd type="none" w="med" len="med"/>
+                    </a:lnR>
+                    <a:lnT w="12700" cap="flat" cmpd="sng" algn="ctr">
+                      <a:solidFill>
+                        <a:srgbClr val="000000"/>
+                      </a:solidFill>
+                      <a:prstDash val="solid"/>
+                      <a:round/>
+                      <a:headEnd type="none" w="med" len="med"/>
+                      <a:tailEnd type="none" w="med" len="med"/>
+                    </a:lnT>
+                    <a:lnB w="12700" cap="flat" cmpd="sng" algn="ctr">
+                      <a:solidFill>
+                        <a:srgbClr val="000000"/>
+                      </a:solidFill>
+                      <a:prstDash val="solid"/>
+                      <a:round/>
+                      <a:headEnd type="none" w="med" len="med"/>
+                      <a:tailEnd type="none" w="med" len="med"/>
+                    </a:lnB>
+                  </a:tcPr>
+                </a:tc>
+                <a:tc rowSpan="3">
+                  <a:txBody>
+                    <a:bodyPr/>
+                    <a:lstStyle/>
+                    <a:p>
+                      <a:pPr algn="l" fontAlgn="ctr"/>
+                      <a:r>
+                        <a:rPr lang="zh-TW" altLang="en-US" sz="1400" b="0" i="0" u="none" strike="noStrike">
+                          <a:solidFill>
+                            <a:srgbClr val="000000"/>
+                          </a:solidFill>
+                          <a:effectLst/>
+                          <a:latin typeface="新細明體" panose="02020500000000000000" pitchFamily="18" charset="-120"/>
+                          <a:ea typeface="新細明體" panose="02020500000000000000" pitchFamily="18" charset="-120"/>
+                        </a:rPr>
+                        <a:t>身為一個使用者，我可以註冊並使用其他功能</a:t>
+                      </a:r>
+                    </a:p>
+                  </a:txBody>
+                  <a:tcPr marL="5566" marR="5566" marT="5566" marB="0" anchor="ctr">
+                    <a:lnL w="12700" cap="flat" cmpd="sng" algn="ctr">
+                      <a:solidFill>
+                        <a:srgbClr val="000000"/>
+                      </a:solidFill>
+                      <a:prstDash val="solid"/>
+                      <a:round/>
+                      <a:headEnd type="none" w="med" len="med"/>
+                      <a:tailEnd type="none" w="med" len="med"/>
+                    </a:lnL>
+                    <a:lnR w="12700" cap="flat" cmpd="sng" algn="ctr">
+                      <a:solidFill>
+                        <a:srgbClr val="000000"/>
+                      </a:solidFill>
+                      <a:prstDash val="solid"/>
+                      <a:round/>
+                      <a:headEnd type="none" w="med" len="med"/>
+                      <a:tailEnd type="none" w="med" len="med"/>
+                    </a:lnR>
+                    <a:lnT w="12700" cap="flat" cmpd="sng" algn="ctr">
+                      <a:solidFill>
+                        <a:srgbClr val="000000"/>
+                      </a:solidFill>
+                      <a:prstDash val="solid"/>
+                      <a:round/>
+                      <a:headEnd type="none" w="med" len="med"/>
+                      <a:tailEnd type="none" w="med" len="med"/>
+                    </a:lnT>
+                    <a:lnB w="12700" cap="flat" cmpd="sng" algn="ctr">
+                      <a:solidFill>
+                        <a:srgbClr val="000000"/>
+                      </a:solidFill>
+                      <a:prstDash val="solid"/>
+                      <a:round/>
+                      <a:headEnd type="none" w="med" len="med"/>
+                      <a:tailEnd type="none" w="med" len="med"/>
+                    </a:lnB>
+                  </a:tcPr>
+                </a:tc>
+                <a:tc>
+                  <a:txBody>
+                    <a:bodyPr/>
+                    <a:lstStyle/>
+                    <a:p>
+                      <a:pPr algn="r" fontAlgn="ctr"/>
+                      <a:r>
+                        <a:rPr lang="en-US" altLang="zh-TW" sz="1400" b="0" i="0" u="none" strike="noStrike">
+                          <a:solidFill>
+                            <a:srgbClr val="000000"/>
+                          </a:solidFill>
+                          <a:effectLst/>
+                          <a:latin typeface="Calibri" panose="020F0502020204030204" pitchFamily="34" charset="0"/>
+                          <a:ea typeface="新細明體" panose="02020500000000000000" pitchFamily="18" charset="-120"/>
+                        </a:rPr>
+                        <a:t>3</a:t>
+                      </a:r>
+                      <a:r>
+                        <a:rPr lang="zh-TW" altLang="en-US" sz="1400" b="0" i="0" u="none" strike="noStrike">
+                          <a:solidFill>
+                            <a:srgbClr val="000000"/>
+                          </a:solidFill>
+                          <a:effectLst/>
+                          <a:latin typeface="Calibri" panose="020F0502020204030204" pitchFamily="34" charset="0"/>
+                          <a:ea typeface="新細明體" panose="02020500000000000000" pitchFamily="18" charset="-120"/>
+                        </a:rPr>
+                        <a:t>月</a:t>
+                      </a:r>
+                      <a:r>
+                        <a:rPr lang="en-US" altLang="zh-TW" sz="1400" b="0" i="0" u="none" strike="noStrike">
+                          <a:solidFill>
+                            <a:srgbClr val="000000"/>
+                          </a:solidFill>
+                          <a:effectLst/>
+                          <a:latin typeface="Calibri" panose="020F0502020204030204" pitchFamily="34" charset="0"/>
+                          <a:ea typeface="新細明體" panose="02020500000000000000" pitchFamily="18" charset="-120"/>
+                        </a:rPr>
+                        <a:t>1</a:t>
+                      </a:r>
+                      <a:r>
+                        <a:rPr lang="zh-TW" altLang="en-US" sz="1400" b="0" i="0" u="none" strike="noStrike">
+                          <a:solidFill>
+                            <a:srgbClr val="000000"/>
+                          </a:solidFill>
+                          <a:effectLst/>
+                          <a:latin typeface="Calibri" panose="020F0502020204030204" pitchFamily="34" charset="0"/>
+                          <a:ea typeface="新細明體" panose="02020500000000000000" pitchFamily="18" charset="-120"/>
+                        </a:rPr>
+                        <a:t>日</a:t>
+                      </a:r>
+                    </a:p>
+                  </a:txBody>
+                  <a:tcPr marL="5566" marR="5566" marT="5566" marB="0" anchor="ctr">
+                    <a:lnL w="12700" cap="flat" cmpd="sng" algn="ctr">
+                      <a:solidFill>
+                        <a:srgbClr val="000000"/>
+                      </a:solidFill>
+                      <a:prstDash val="solid"/>
+                      <a:round/>
+                      <a:headEnd type="none" w="med" len="med"/>
+                      <a:tailEnd type="none" w="med" len="med"/>
+                    </a:lnL>
+                    <a:lnR w="12700" cap="flat" cmpd="sng" algn="ctr">
+                      <a:solidFill>
+                        <a:srgbClr val="000000"/>
+                      </a:solidFill>
+                      <a:prstDash val="solid"/>
+                      <a:round/>
+                      <a:headEnd type="none" w="med" len="med"/>
+                      <a:tailEnd type="none" w="med" len="med"/>
+                    </a:lnR>
+                    <a:lnT>
+                      <a:noFill/>
+                    </a:lnT>
+                    <a:lnB w="12700" cap="flat" cmpd="sng" algn="ctr">
+                      <a:solidFill>
+                        <a:srgbClr val="000000"/>
+                      </a:solidFill>
+                      <a:prstDash val="solid"/>
+                      <a:round/>
+                      <a:headEnd type="none" w="med" len="med"/>
+                      <a:tailEnd type="none" w="med" len="med"/>
+                    </a:lnB>
+                  </a:tcPr>
+                </a:tc>
+                <a:tc>
+                  <a:txBody>
+                    <a:bodyPr/>
+                    <a:lstStyle/>
+                    <a:p>
+                      <a:pPr algn="l" fontAlgn="ctr"/>
+                      <a:r>
+                        <a:rPr lang="zh-TW" altLang="en-US" sz="1400" b="0" i="0" u="none" strike="noStrike">
+                          <a:solidFill>
+                            <a:srgbClr val="000000"/>
+                          </a:solidFill>
+                          <a:effectLst/>
+                          <a:latin typeface="新細明體" panose="02020500000000000000" pitchFamily="18" charset="-120"/>
+                          <a:ea typeface="新細明體" panose="02020500000000000000" pitchFamily="18" charset="-120"/>
+                        </a:rPr>
+                        <a:t>註冊</a:t>
+                      </a:r>
+                    </a:p>
+                  </a:txBody>
+                  <a:tcPr marL="5566" marR="5566" marT="5566" marB="0" anchor="ctr">
+                    <a:lnL w="12700" cap="flat" cmpd="sng" algn="ctr">
+                      <a:solidFill>
+                        <a:srgbClr val="000000"/>
+                      </a:solidFill>
+                      <a:prstDash val="solid"/>
+                      <a:round/>
+                      <a:headEnd type="none" w="med" len="med"/>
+                      <a:tailEnd type="none" w="med" len="med"/>
+                    </a:lnL>
+                    <a:lnR w="12700" cap="flat" cmpd="sng" algn="ctr">
+                      <a:solidFill>
+                        <a:srgbClr val="000000"/>
+                      </a:solidFill>
+                      <a:prstDash val="solid"/>
+                      <a:round/>
+                      <a:headEnd type="none" w="med" len="med"/>
+                      <a:tailEnd type="none" w="med" len="med"/>
+                    </a:lnR>
+                    <a:lnT>
+                      <a:noFill/>
+                    </a:lnT>
+                    <a:lnB w="12700" cap="flat" cmpd="sng" algn="ctr">
+                      <a:solidFill>
+                        <a:srgbClr val="000000"/>
+                      </a:solidFill>
+                      <a:prstDash val="solid"/>
+                      <a:round/>
+                      <a:headEnd type="none" w="med" len="med"/>
+                      <a:tailEnd type="none" w="med" len="med"/>
+                    </a:lnB>
+                  </a:tcPr>
+                </a:tc>
+                <a:tc>
+                  <a:txBody>
+                    <a:bodyPr/>
+                    <a:lstStyle/>
+                    <a:p>
+                      <a:pPr algn="r" fontAlgn="ctr"/>
+                      <a:r>
+                        <a:rPr lang="en-US" altLang="zh-TW" sz="1400" b="0" i="0" u="none" strike="noStrike">
+                          <a:solidFill>
+                            <a:srgbClr val="000000"/>
+                          </a:solidFill>
+                          <a:effectLst/>
+                          <a:latin typeface="Calibri" panose="020F0502020204030204" pitchFamily="34" charset="0"/>
+                          <a:ea typeface="新細明體" panose="02020500000000000000" pitchFamily="18" charset="-120"/>
+                        </a:rPr>
+                        <a:t>8</a:t>
+                      </a:r>
+                    </a:p>
+                  </a:txBody>
+                  <a:tcPr marL="5566" marR="5566" marT="5566" marB="0" anchor="ctr">
+                    <a:lnL w="12700" cap="flat" cmpd="sng" algn="ctr">
+                      <a:solidFill>
+                        <a:srgbClr val="000000"/>
+                      </a:solidFill>
+                      <a:prstDash val="solid"/>
+                      <a:round/>
+                      <a:headEnd type="none" w="med" len="med"/>
+                      <a:tailEnd type="none" w="med" len="med"/>
+                    </a:lnL>
+                    <a:lnR w="12700" cap="flat" cmpd="sng" algn="ctr">
+                      <a:solidFill>
+                        <a:srgbClr val="000000"/>
+                      </a:solidFill>
+                      <a:prstDash val="solid"/>
+                      <a:round/>
+                      <a:headEnd type="none" w="med" len="med"/>
+                      <a:tailEnd type="none" w="med" len="med"/>
+                    </a:lnR>
+                    <a:lnT>
+                      <a:noFill/>
+                    </a:lnT>
+                    <a:lnB w="12700" cap="flat" cmpd="sng" algn="ctr">
+                      <a:solidFill>
+                        <a:srgbClr val="000000"/>
+                      </a:solidFill>
+                      <a:prstDash val="solid"/>
+                      <a:round/>
+                      <a:headEnd type="none" w="med" len="med"/>
+                      <a:tailEnd type="none" w="med" len="med"/>
+                    </a:lnB>
+                  </a:tcPr>
+                </a:tc>
+                <a:tc>
+                  <a:txBody>
+                    <a:bodyPr/>
+                    <a:lstStyle/>
+                    <a:p>
+                      <a:pPr algn="l" fontAlgn="ctr"/>
+                      <a:r>
+                        <a:rPr lang="zh-TW" altLang="en-US" sz="1400" b="0" i="0" u="none" strike="noStrike">
+                          <a:solidFill>
+                            <a:srgbClr val="000000"/>
+                          </a:solidFill>
+                          <a:effectLst/>
+                          <a:latin typeface="新細明體" panose="02020500000000000000" pitchFamily="18" charset="-120"/>
+                          <a:ea typeface="新細明體" panose="02020500000000000000" pitchFamily="18" charset="-120"/>
+                        </a:rPr>
+                        <a:t>黃佳惠</a:t>
+                      </a:r>
+                    </a:p>
+                  </a:txBody>
+                  <a:tcPr marL="5566" marR="5566" marT="5566" marB="0" anchor="ctr">
+                    <a:lnL w="12700" cap="flat" cmpd="sng" algn="ctr">
+                      <a:solidFill>
+                        <a:srgbClr val="000000"/>
+                      </a:solidFill>
+                      <a:prstDash val="solid"/>
+                      <a:round/>
+                      <a:headEnd type="none" w="med" len="med"/>
+                      <a:tailEnd type="none" w="med" len="med"/>
+                    </a:lnL>
+                    <a:lnR w="12700" cap="flat" cmpd="sng" algn="ctr">
+                      <a:solidFill>
+                        <a:srgbClr val="000000"/>
+                      </a:solidFill>
+                      <a:prstDash val="solid"/>
+                      <a:round/>
+                      <a:headEnd type="none" w="med" len="med"/>
+                      <a:tailEnd type="none" w="med" len="med"/>
+                    </a:lnR>
+                    <a:lnT>
+                      <a:noFill/>
+                    </a:lnT>
+                    <a:lnB w="12700" cap="flat" cmpd="sng" algn="ctr">
+                      <a:solidFill>
+                        <a:srgbClr val="000000"/>
+                      </a:solidFill>
+                      <a:prstDash val="solid"/>
+                      <a:round/>
+                      <a:headEnd type="none" w="med" len="med"/>
+                      <a:tailEnd type="none" w="med" len="med"/>
+                    </a:lnB>
+                  </a:tcPr>
+                </a:tc>
+                <a:extLst>
+                  <a:ext uri="{0D108BD9-81ED-4DB2-BD59-A6C34878D82A}">
+                    <a16:rowId xmlns:a16="http://schemas.microsoft.com/office/drawing/2014/main" val="3394241300"/>
+                  </a:ext>
+                </a:extLst>
+              </a:tr>
+              <a:tr h="338935">
+                <a:tc vMerge="1">
+                  <a:txBody>
+                    <a:bodyPr/>
+                    <a:lstStyle/>
+                    <a:p>
+                      <a:endParaRPr lang="zh-TW" altLang="en-US"/>
+                    </a:p>
+                  </a:txBody>
+                  <a:tcPr/>
+                </a:tc>
+                <a:tc vMerge="1">
+                  <a:txBody>
+                    <a:bodyPr/>
+                    <a:lstStyle/>
+                    <a:p>
+                      <a:endParaRPr lang="zh-TW" altLang="en-US"/>
+                    </a:p>
+                  </a:txBody>
+                  <a:tcPr/>
+                </a:tc>
+                <a:tc>
+                  <a:txBody>
+                    <a:bodyPr/>
+                    <a:lstStyle/>
+                    <a:p>
+                      <a:pPr algn="r" fontAlgn="ctr"/>
+                      <a:r>
+                        <a:rPr lang="en-US" altLang="zh-TW" sz="1400" b="0" i="0" u="none" strike="noStrike">
+                          <a:solidFill>
+                            <a:srgbClr val="000000"/>
+                          </a:solidFill>
+                          <a:effectLst/>
+                          <a:latin typeface="Calibri" panose="020F0502020204030204" pitchFamily="34" charset="0"/>
+                          <a:ea typeface="新細明體" panose="02020500000000000000" pitchFamily="18" charset="-120"/>
+                        </a:rPr>
+                        <a:t>3</a:t>
+                      </a:r>
+                      <a:r>
+                        <a:rPr lang="zh-TW" altLang="en-US" sz="1400" b="0" i="0" u="none" strike="noStrike">
+                          <a:solidFill>
+                            <a:srgbClr val="000000"/>
+                          </a:solidFill>
+                          <a:effectLst/>
+                          <a:latin typeface="Calibri" panose="020F0502020204030204" pitchFamily="34" charset="0"/>
+                          <a:ea typeface="新細明體" panose="02020500000000000000" pitchFamily="18" charset="-120"/>
+                        </a:rPr>
+                        <a:t>月</a:t>
+                      </a:r>
+                      <a:r>
+                        <a:rPr lang="en-US" altLang="zh-TW" sz="1400" b="0" i="0" u="none" strike="noStrike">
+                          <a:solidFill>
+                            <a:srgbClr val="000000"/>
+                          </a:solidFill>
+                          <a:effectLst/>
+                          <a:latin typeface="Calibri" panose="020F0502020204030204" pitchFamily="34" charset="0"/>
+                          <a:ea typeface="新細明體" panose="02020500000000000000" pitchFamily="18" charset="-120"/>
+                        </a:rPr>
+                        <a:t>2</a:t>
+                      </a:r>
+                      <a:r>
+                        <a:rPr lang="zh-TW" altLang="en-US" sz="1400" b="0" i="0" u="none" strike="noStrike">
+                          <a:solidFill>
+                            <a:srgbClr val="000000"/>
+                          </a:solidFill>
+                          <a:effectLst/>
+                          <a:latin typeface="Calibri" panose="020F0502020204030204" pitchFamily="34" charset="0"/>
+                          <a:ea typeface="新細明體" panose="02020500000000000000" pitchFamily="18" charset="-120"/>
+                        </a:rPr>
+                        <a:t>日</a:t>
+                      </a:r>
+                    </a:p>
+                  </a:txBody>
+                  <a:tcPr marL="5566" marR="5566" marT="5566" marB="0" anchor="ctr">
+                    <a:lnL w="12700" cap="flat" cmpd="sng" algn="ctr">
+                      <a:solidFill>
+                        <a:srgbClr val="000000"/>
+                      </a:solidFill>
+                      <a:prstDash val="solid"/>
+                      <a:round/>
+                      <a:headEnd type="none" w="med" len="med"/>
+                      <a:tailEnd type="none" w="med" len="med"/>
+                    </a:lnL>
+                    <a:lnR w="12700" cap="flat" cmpd="sng" algn="ctr">
+                      <a:solidFill>
+                        <a:srgbClr val="000000"/>
+                      </a:solidFill>
+                      <a:prstDash val="solid"/>
+                      <a:round/>
+                      <a:headEnd type="none" w="med" len="med"/>
+                      <a:tailEnd type="none" w="med" len="med"/>
+                    </a:lnR>
+                    <a:lnT w="12700" cap="flat" cmpd="sng" algn="ctr">
+                      <a:solidFill>
+                        <a:srgbClr val="000000"/>
+                      </a:solidFill>
+                      <a:prstDash val="solid"/>
+                      <a:round/>
+                      <a:headEnd type="none" w="med" len="med"/>
+                      <a:tailEnd type="none" w="med" len="med"/>
+                    </a:lnT>
+                    <a:lnB w="12700" cap="flat" cmpd="sng" algn="ctr">
+                      <a:solidFill>
+                        <a:srgbClr val="000000"/>
+                      </a:solidFill>
+                      <a:prstDash val="solid"/>
+                      <a:round/>
+                      <a:headEnd type="none" w="med" len="med"/>
+                      <a:tailEnd type="none" w="med" len="med"/>
+                    </a:lnB>
+                  </a:tcPr>
+                </a:tc>
+                <a:tc>
+                  <a:txBody>
+                    <a:bodyPr/>
+                    <a:lstStyle/>
+                    <a:p>
+                      <a:pPr algn="l" fontAlgn="ctr"/>
+                      <a:r>
+                        <a:rPr lang="zh-TW" altLang="en-US" sz="1400" b="0" i="0" u="none" strike="noStrike">
+                          <a:solidFill>
+                            <a:srgbClr val="000000"/>
+                          </a:solidFill>
+                          <a:effectLst/>
+                          <a:latin typeface="新細明體" panose="02020500000000000000" pitchFamily="18" charset="-120"/>
+                          <a:ea typeface="新細明體" panose="02020500000000000000" pitchFamily="18" charset="-120"/>
+                        </a:rPr>
+                        <a:t>登入登出</a:t>
+                      </a:r>
+                    </a:p>
+                  </a:txBody>
+                  <a:tcPr marL="5566" marR="5566" marT="5566" marB="0" anchor="ctr">
+                    <a:lnL w="12700" cap="flat" cmpd="sng" algn="ctr">
+                      <a:solidFill>
+                        <a:srgbClr val="000000"/>
+                      </a:solidFill>
+                      <a:prstDash val="solid"/>
+                      <a:round/>
+                      <a:headEnd type="none" w="med" len="med"/>
+                      <a:tailEnd type="none" w="med" len="med"/>
+                    </a:lnL>
+                    <a:lnR w="12700" cap="flat" cmpd="sng" algn="ctr">
+                      <a:solidFill>
+                        <a:srgbClr val="000000"/>
+                      </a:solidFill>
+                      <a:prstDash val="solid"/>
+                      <a:round/>
+                      <a:headEnd type="none" w="med" len="med"/>
+                      <a:tailEnd type="none" w="med" len="med"/>
+                    </a:lnR>
+                    <a:lnT w="12700" cap="flat" cmpd="sng" algn="ctr">
+                      <a:solidFill>
+                        <a:srgbClr val="000000"/>
+                      </a:solidFill>
+                      <a:prstDash val="solid"/>
+                      <a:round/>
+                      <a:headEnd type="none" w="med" len="med"/>
+                      <a:tailEnd type="none" w="med" len="med"/>
+                    </a:lnT>
+                    <a:lnB w="12700" cap="flat" cmpd="sng" algn="ctr">
+                      <a:solidFill>
+                        <a:srgbClr val="000000"/>
+                      </a:solidFill>
+                      <a:prstDash val="solid"/>
+                      <a:round/>
+                      <a:headEnd type="none" w="med" len="med"/>
+                      <a:tailEnd type="none" w="med" len="med"/>
+                    </a:lnB>
+                  </a:tcPr>
+                </a:tc>
+                <a:tc>
+                  <a:txBody>
+                    <a:bodyPr/>
+                    <a:lstStyle/>
+                    <a:p>
+                      <a:pPr algn="r" fontAlgn="ctr"/>
+                      <a:r>
+                        <a:rPr lang="en-US" altLang="zh-TW" sz="1400" b="0" i="0" u="none" strike="noStrike">
+                          <a:solidFill>
+                            <a:srgbClr val="000000"/>
+                          </a:solidFill>
+                          <a:effectLst/>
+                          <a:latin typeface="Calibri" panose="020F0502020204030204" pitchFamily="34" charset="0"/>
+                          <a:ea typeface="新細明體" panose="02020500000000000000" pitchFamily="18" charset="-120"/>
+                        </a:rPr>
+                        <a:t>8</a:t>
+                      </a:r>
+                    </a:p>
+                  </a:txBody>
+                  <a:tcPr marL="5566" marR="5566" marT="5566" marB="0" anchor="ctr">
+                    <a:lnL w="12700" cap="flat" cmpd="sng" algn="ctr">
+                      <a:solidFill>
+                        <a:srgbClr val="000000"/>
+                      </a:solidFill>
+                      <a:prstDash val="solid"/>
+                      <a:round/>
+                      <a:headEnd type="none" w="med" len="med"/>
+                      <a:tailEnd type="none" w="med" len="med"/>
+                    </a:lnL>
+                    <a:lnR w="12700" cap="flat" cmpd="sng" algn="ctr">
+                      <a:solidFill>
+                        <a:srgbClr val="000000"/>
+                      </a:solidFill>
+                      <a:prstDash val="solid"/>
+                      <a:round/>
+                      <a:headEnd type="none" w="med" len="med"/>
+                      <a:tailEnd type="none" w="med" len="med"/>
+                    </a:lnR>
+                    <a:lnT w="12700" cap="flat" cmpd="sng" algn="ctr">
+                      <a:solidFill>
+                        <a:srgbClr val="000000"/>
+                      </a:solidFill>
+                      <a:prstDash val="solid"/>
+                      <a:round/>
+                      <a:headEnd type="none" w="med" len="med"/>
+                      <a:tailEnd type="none" w="med" len="med"/>
+                    </a:lnT>
+                    <a:lnB w="12700" cap="flat" cmpd="sng" algn="ctr">
+                      <a:solidFill>
+                        <a:srgbClr val="000000"/>
+                      </a:solidFill>
+                      <a:prstDash val="solid"/>
+                      <a:round/>
+                      <a:headEnd type="none" w="med" len="med"/>
+                      <a:tailEnd type="none" w="med" len="med"/>
+                    </a:lnB>
+                  </a:tcPr>
+                </a:tc>
+                <a:tc>
+                  <a:txBody>
+                    <a:bodyPr/>
+                    <a:lstStyle/>
+                    <a:p>
+                      <a:pPr algn="l" fontAlgn="ctr"/>
+                      <a:r>
+                        <a:rPr lang="zh-TW" altLang="en-US" sz="1400" b="0" i="0" u="none" strike="noStrike">
+                          <a:solidFill>
+                            <a:srgbClr val="000000"/>
+                          </a:solidFill>
+                          <a:effectLst/>
+                          <a:latin typeface="新細明體" panose="02020500000000000000" pitchFamily="18" charset="-120"/>
+                          <a:ea typeface="新細明體" panose="02020500000000000000" pitchFamily="18" charset="-120"/>
+                        </a:rPr>
+                        <a:t>黃佳惠</a:t>
+                      </a:r>
+                    </a:p>
+                  </a:txBody>
+                  <a:tcPr marL="5566" marR="5566" marT="5566" marB="0" anchor="ctr">
+                    <a:lnL w="12700" cap="flat" cmpd="sng" algn="ctr">
+                      <a:solidFill>
+                        <a:srgbClr val="000000"/>
+                      </a:solidFill>
+                      <a:prstDash val="solid"/>
+                      <a:round/>
+                      <a:headEnd type="none" w="med" len="med"/>
+                      <a:tailEnd type="none" w="med" len="med"/>
+                    </a:lnL>
+                    <a:lnR w="12700" cap="flat" cmpd="sng" algn="ctr">
+                      <a:solidFill>
+                        <a:srgbClr val="000000"/>
+                      </a:solidFill>
+                      <a:prstDash val="solid"/>
+                      <a:round/>
+                      <a:headEnd type="none" w="med" len="med"/>
+                      <a:tailEnd type="none" w="med" len="med"/>
+                    </a:lnR>
+                    <a:lnT w="12700" cap="flat" cmpd="sng" algn="ctr">
+                      <a:solidFill>
+                        <a:srgbClr val="000000"/>
+                      </a:solidFill>
+                      <a:prstDash val="solid"/>
+                      <a:round/>
+                      <a:headEnd type="none" w="med" len="med"/>
+                      <a:tailEnd type="none" w="med" len="med"/>
+                    </a:lnT>
+                    <a:lnB w="12700" cap="flat" cmpd="sng" algn="ctr">
+                      <a:solidFill>
+                        <a:srgbClr val="000000"/>
+                      </a:solidFill>
+                      <a:prstDash val="solid"/>
+                      <a:round/>
+                      <a:headEnd type="none" w="med" len="med"/>
+                      <a:tailEnd type="none" w="med" len="med"/>
+                    </a:lnB>
+                  </a:tcPr>
+                </a:tc>
+                <a:extLst>
+                  <a:ext uri="{0D108BD9-81ED-4DB2-BD59-A6C34878D82A}">
+                    <a16:rowId xmlns:a16="http://schemas.microsoft.com/office/drawing/2014/main" val="2829911925"/>
+                  </a:ext>
+                </a:extLst>
+              </a:tr>
+              <a:tr h="505321">
+                <a:tc vMerge="1">
+                  <a:txBody>
+                    <a:bodyPr/>
+                    <a:lstStyle/>
+                    <a:p>
+                      <a:endParaRPr lang="zh-TW" altLang="en-US"/>
+                    </a:p>
+                  </a:txBody>
+                  <a:tcPr/>
+                </a:tc>
+                <a:tc vMerge="1">
+                  <a:txBody>
+                    <a:bodyPr/>
+                    <a:lstStyle/>
+                    <a:p>
+                      <a:endParaRPr lang="zh-TW" altLang="en-US"/>
+                    </a:p>
+                  </a:txBody>
+                  <a:tcPr/>
+                </a:tc>
+                <a:tc>
+                  <a:txBody>
+                    <a:bodyPr/>
+                    <a:lstStyle/>
+                    <a:p>
+                      <a:pPr algn="r" fontAlgn="ctr"/>
+                      <a:r>
+                        <a:rPr lang="en-US" altLang="zh-TW" sz="1400" b="0" i="0" u="none" strike="noStrike">
+                          <a:solidFill>
+                            <a:srgbClr val="000000"/>
+                          </a:solidFill>
+                          <a:effectLst/>
+                          <a:latin typeface="Calibri" panose="020F0502020204030204" pitchFamily="34" charset="0"/>
+                          <a:ea typeface="新細明體" panose="02020500000000000000" pitchFamily="18" charset="-120"/>
+                        </a:rPr>
+                        <a:t>3</a:t>
+                      </a:r>
+                      <a:r>
+                        <a:rPr lang="zh-TW" altLang="en-US" sz="1400" b="0" i="0" u="none" strike="noStrike">
+                          <a:solidFill>
+                            <a:srgbClr val="000000"/>
+                          </a:solidFill>
+                          <a:effectLst/>
+                          <a:latin typeface="Calibri" panose="020F0502020204030204" pitchFamily="34" charset="0"/>
+                          <a:ea typeface="新細明體" panose="02020500000000000000" pitchFamily="18" charset="-120"/>
+                        </a:rPr>
+                        <a:t>月</a:t>
+                      </a:r>
+                      <a:r>
+                        <a:rPr lang="en-US" altLang="zh-TW" sz="1400" b="0" i="0" u="none" strike="noStrike">
+                          <a:solidFill>
+                            <a:srgbClr val="000000"/>
+                          </a:solidFill>
+                          <a:effectLst/>
+                          <a:latin typeface="Calibri" panose="020F0502020204030204" pitchFamily="34" charset="0"/>
+                          <a:ea typeface="新細明體" panose="02020500000000000000" pitchFamily="18" charset="-120"/>
+                        </a:rPr>
+                        <a:t>3</a:t>
+                      </a:r>
+                      <a:r>
+                        <a:rPr lang="zh-TW" altLang="en-US" sz="1400" b="0" i="0" u="none" strike="noStrike">
+                          <a:solidFill>
+                            <a:srgbClr val="000000"/>
+                          </a:solidFill>
+                          <a:effectLst/>
+                          <a:latin typeface="Calibri" panose="020F0502020204030204" pitchFamily="34" charset="0"/>
+                          <a:ea typeface="新細明體" panose="02020500000000000000" pitchFamily="18" charset="-120"/>
+                        </a:rPr>
+                        <a:t>日</a:t>
+                      </a:r>
+                    </a:p>
+                  </a:txBody>
+                  <a:tcPr marL="5566" marR="5566" marT="5566" marB="0" anchor="ctr">
+                    <a:lnL w="12700" cap="flat" cmpd="sng" algn="ctr">
+                      <a:solidFill>
+                        <a:srgbClr val="000000"/>
+                      </a:solidFill>
+                      <a:prstDash val="solid"/>
+                      <a:round/>
+                      <a:headEnd type="none" w="med" len="med"/>
+                      <a:tailEnd type="none" w="med" len="med"/>
+                    </a:lnL>
+                    <a:lnR w="12700" cap="flat" cmpd="sng" algn="ctr">
+                      <a:solidFill>
+                        <a:srgbClr val="000000"/>
+                      </a:solidFill>
+                      <a:prstDash val="solid"/>
+                      <a:round/>
+                      <a:headEnd type="none" w="med" len="med"/>
+                      <a:tailEnd type="none" w="med" len="med"/>
+                    </a:lnR>
+                    <a:lnT w="12700" cap="flat" cmpd="sng" algn="ctr">
+                      <a:solidFill>
+                        <a:srgbClr val="000000"/>
+                      </a:solidFill>
+                      <a:prstDash val="solid"/>
+                      <a:round/>
+                      <a:headEnd type="none" w="med" len="med"/>
+                      <a:tailEnd type="none" w="med" len="med"/>
+                    </a:lnT>
+                    <a:lnB w="12700" cap="flat" cmpd="sng" algn="ctr">
+                      <a:solidFill>
+                        <a:srgbClr val="000000"/>
+                      </a:solidFill>
+                      <a:prstDash val="solid"/>
+                      <a:round/>
+                      <a:headEnd type="none" w="med" len="med"/>
+                      <a:tailEnd type="none" w="med" len="med"/>
+                    </a:lnB>
+                  </a:tcPr>
+                </a:tc>
+                <a:tc>
+                  <a:txBody>
+                    <a:bodyPr/>
+                    <a:lstStyle/>
+                    <a:p>
+                      <a:pPr algn="l" fontAlgn="ctr"/>
+                      <a:r>
+                        <a:rPr lang="zh-TW" altLang="en-US" sz="1400" b="0" i="0" u="none" strike="noStrike">
+                          <a:solidFill>
+                            <a:srgbClr val="000000"/>
+                          </a:solidFill>
+                          <a:effectLst/>
+                          <a:latin typeface="新細明體" panose="02020500000000000000" pitchFamily="18" charset="-120"/>
+                          <a:ea typeface="新細明體" panose="02020500000000000000" pitchFamily="18" charset="-120"/>
+                        </a:rPr>
+                        <a:t>設計並架設資料庫</a:t>
+                      </a:r>
+                    </a:p>
+                  </a:txBody>
+                  <a:tcPr marL="5566" marR="5566" marT="5566" marB="0" anchor="ctr">
+                    <a:lnL w="12700" cap="flat" cmpd="sng" algn="ctr">
+                      <a:solidFill>
+                        <a:srgbClr val="000000"/>
+                      </a:solidFill>
+                      <a:prstDash val="solid"/>
+                      <a:round/>
+                      <a:headEnd type="none" w="med" len="med"/>
+                      <a:tailEnd type="none" w="med" len="med"/>
+                    </a:lnL>
+                    <a:lnR w="12700" cap="flat" cmpd="sng" algn="ctr">
+                      <a:solidFill>
+                        <a:srgbClr val="000000"/>
+                      </a:solidFill>
+                      <a:prstDash val="solid"/>
+                      <a:round/>
+                      <a:headEnd type="none" w="med" len="med"/>
+                      <a:tailEnd type="none" w="med" len="med"/>
+                    </a:lnR>
+                    <a:lnT w="12700" cap="flat" cmpd="sng" algn="ctr">
+                      <a:solidFill>
+                        <a:srgbClr val="000000"/>
+                      </a:solidFill>
+                      <a:prstDash val="solid"/>
+                      <a:round/>
+                      <a:headEnd type="none" w="med" len="med"/>
+                      <a:tailEnd type="none" w="med" len="med"/>
+                    </a:lnT>
+                    <a:lnB w="12700" cap="flat" cmpd="sng" algn="ctr">
+                      <a:solidFill>
+                        <a:srgbClr val="000000"/>
+                      </a:solidFill>
+                      <a:prstDash val="solid"/>
+                      <a:round/>
+                      <a:headEnd type="none" w="med" len="med"/>
+                      <a:tailEnd type="none" w="med" len="med"/>
+                    </a:lnB>
+                  </a:tcPr>
+                </a:tc>
+                <a:tc>
+                  <a:txBody>
+                    <a:bodyPr/>
+                    <a:lstStyle/>
+                    <a:p>
+                      <a:pPr algn="r" fontAlgn="ctr"/>
+                      <a:r>
+                        <a:rPr lang="en-US" altLang="zh-TW" sz="1400" b="0" i="0" u="none" strike="noStrike">
+                          <a:solidFill>
+                            <a:srgbClr val="000000"/>
+                          </a:solidFill>
+                          <a:effectLst/>
+                          <a:latin typeface="Calibri" panose="020F0502020204030204" pitchFamily="34" charset="0"/>
+                          <a:ea typeface="新細明體" panose="02020500000000000000" pitchFamily="18" charset="-120"/>
+                        </a:rPr>
+                        <a:t>8</a:t>
+                      </a:r>
+                    </a:p>
+                  </a:txBody>
+                  <a:tcPr marL="5566" marR="5566" marT="5566" marB="0" anchor="ctr">
+                    <a:lnL w="12700" cap="flat" cmpd="sng" algn="ctr">
+                      <a:solidFill>
+                        <a:srgbClr val="000000"/>
+                      </a:solidFill>
+                      <a:prstDash val="solid"/>
+                      <a:round/>
+                      <a:headEnd type="none" w="med" len="med"/>
+                      <a:tailEnd type="none" w="med" len="med"/>
+                    </a:lnL>
+                    <a:lnR w="12700" cap="flat" cmpd="sng" algn="ctr">
+                      <a:solidFill>
+                        <a:srgbClr val="000000"/>
+                      </a:solidFill>
+                      <a:prstDash val="solid"/>
+                      <a:round/>
+                      <a:headEnd type="none" w="med" len="med"/>
+                      <a:tailEnd type="none" w="med" len="med"/>
+                    </a:lnR>
+                    <a:lnT w="12700" cap="flat" cmpd="sng" algn="ctr">
+                      <a:solidFill>
+                        <a:srgbClr val="000000"/>
+                      </a:solidFill>
+                      <a:prstDash val="solid"/>
+                      <a:round/>
+                      <a:headEnd type="none" w="med" len="med"/>
+                      <a:tailEnd type="none" w="med" len="med"/>
+                    </a:lnT>
+                    <a:lnB w="12700" cap="flat" cmpd="sng" algn="ctr">
+                      <a:solidFill>
+                        <a:srgbClr val="000000"/>
+                      </a:solidFill>
+                      <a:prstDash val="solid"/>
+                      <a:round/>
+                      <a:headEnd type="none" w="med" len="med"/>
+                      <a:tailEnd type="none" w="med" len="med"/>
+                    </a:lnB>
+                  </a:tcPr>
+                </a:tc>
+                <a:tc>
+                  <a:txBody>
+                    <a:bodyPr/>
+                    <a:lstStyle/>
+                    <a:p>
+                      <a:pPr algn="l" fontAlgn="ctr"/>
+                      <a:r>
+                        <a:rPr lang="zh-TW" altLang="en-US" sz="1400" b="0" i="0" u="none" strike="noStrike">
+                          <a:solidFill>
+                            <a:srgbClr val="000000"/>
+                          </a:solidFill>
+                          <a:effectLst/>
+                          <a:latin typeface="新細明體" panose="02020500000000000000" pitchFamily="18" charset="-120"/>
+                          <a:ea typeface="新細明體" panose="02020500000000000000" pitchFamily="18" charset="-120"/>
+                        </a:rPr>
+                        <a:t>黃佳惠</a:t>
+                      </a:r>
+                    </a:p>
+                  </a:txBody>
+                  <a:tcPr marL="5566" marR="5566" marT="5566" marB="0" anchor="ctr">
+                    <a:lnL w="12700" cap="flat" cmpd="sng" algn="ctr">
+                      <a:solidFill>
+                        <a:srgbClr val="000000"/>
+                      </a:solidFill>
+                      <a:prstDash val="solid"/>
+                      <a:round/>
+                      <a:headEnd type="none" w="med" len="med"/>
+                      <a:tailEnd type="none" w="med" len="med"/>
+                    </a:lnL>
+                    <a:lnR w="12700" cap="flat" cmpd="sng" algn="ctr">
+                      <a:solidFill>
+                        <a:srgbClr val="000000"/>
+                      </a:solidFill>
+                      <a:prstDash val="solid"/>
+                      <a:round/>
+                      <a:headEnd type="none" w="med" len="med"/>
+                      <a:tailEnd type="none" w="med" len="med"/>
+                    </a:lnR>
+                    <a:lnT w="12700" cap="flat" cmpd="sng" algn="ctr">
+                      <a:solidFill>
+                        <a:srgbClr val="000000"/>
+                      </a:solidFill>
+                      <a:prstDash val="solid"/>
+                      <a:round/>
+                      <a:headEnd type="none" w="med" len="med"/>
+                      <a:tailEnd type="none" w="med" len="med"/>
+                    </a:lnT>
+                    <a:lnB w="12700" cap="flat" cmpd="sng" algn="ctr">
+                      <a:solidFill>
+                        <a:srgbClr val="000000"/>
+                      </a:solidFill>
+                      <a:prstDash val="solid"/>
+                      <a:round/>
+                      <a:headEnd type="none" w="med" len="med"/>
+                      <a:tailEnd type="none" w="med" len="med"/>
+                    </a:lnB>
+                  </a:tcPr>
+                </a:tc>
+                <a:extLst>
+                  <a:ext uri="{0D108BD9-81ED-4DB2-BD59-A6C34878D82A}">
+                    <a16:rowId xmlns:a16="http://schemas.microsoft.com/office/drawing/2014/main" val="1687817131"/>
+                  </a:ext>
+                </a:extLst>
+              </a:tr>
+              <a:tr h="505321">
+                <a:tc rowSpan="3">
+                  <a:txBody>
+                    <a:bodyPr/>
+                    <a:lstStyle/>
+                    <a:p>
+                      <a:pPr algn="r" fontAlgn="ctr"/>
+                      <a:r>
+                        <a:rPr lang="en-US" altLang="zh-TW" sz="1400" b="0" i="0" u="none" strike="noStrike">
+                          <a:solidFill>
+                            <a:srgbClr val="000000"/>
+                          </a:solidFill>
+                          <a:effectLst/>
+                          <a:latin typeface="Calibri" panose="020F0502020204030204" pitchFamily="34" charset="0"/>
+                          <a:ea typeface="新細明體" panose="02020500000000000000" pitchFamily="18" charset="-120"/>
+                        </a:rPr>
+                        <a:t>4</a:t>
+                      </a:r>
+                    </a:p>
+                  </a:txBody>
+                  <a:tcPr marL="5566" marR="5566" marT="5566" marB="0" anchor="ctr">
+                    <a:lnL w="12700" cap="flat" cmpd="sng" algn="ctr">
+                      <a:solidFill>
+                        <a:srgbClr val="000000"/>
+                      </a:solidFill>
+                      <a:prstDash val="solid"/>
+                      <a:round/>
+                      <a:headEnd type="none" w="med" len="med"/>
+                      <a:tailEnd type="none" w="med" len="med"/>
+                    </a:lnL>
+                    <a:lnR w="12700" cap="flat" cmpd="sng" algn="ctr">
+                      <a:solidFill>
+                        <a:srgbClr val="000000"/>
+                      </a:solidFill>
+                      <a:prstDash val="solid"/>
+                      <a:round/>
+                      <a:headEnd type="none" w="med" len="med"/>
+                      <a:tailEnd type="none" w="med" len="med"/>
+                    </a:lnR>
+                    <a:lnT w="12700" cap="flat" cmpd="sng" algn="ctr">
+                      <a:solidFill>
+                        <a:srgbClr val="000000"/>
+                      </a:solidFill>
+                      <a:prstDash val="solid"/>
+                      <a:round/>
+                      <a:headEnd type="none" w="med" len="med"/>
+                      <a:tailEnd type="none" w="med" len="med"/>
+                    </a:lnT>
+                    <a:lnB w="12700" cap="flat" cmpd="sng" algn="ctr">
+                      <a:solidFill>
+                        <a:srgbClr val="000000"/>
+                      </a:solidFill>
+                      <a:prstDash val="solid"/>
+                      <a:round/>
+                      <a:headEnd type="none" w="med" len="med"/>
+                      <a:tailEnd type="none" w="med" len="med"/>
+                    </a:lnB>
+                  </a:tcPr>
+                </a:tc>
+                <a:tc rowSpan="3">
+                  <a:txBody>
+                    <a:bodyPr/>
+                    <a:lstStyle/>
+                    <a:p>
+                      <a:pPr algn="l" fontAlgn="ctr"/>
+                      <a:r>
+                        <a:rPr lang="zh-TW" altLang="en-US" sz="1400" b="0" i="0" u="none" strike="noStrike" dirty="0">
+                          <a:solidFill>
+                            <a:srgbClr val="000000"/>
+                          </a:solidFill>
+                          <a:effectLst/>
+                          <a:latin typeface="新細明體" panose="02020500000000000000" pitchFamily="18" charset="-120"/>
+                          <a:ea typeface="新細明體" panose="02020500000000000000" pitchFamily="18" charset="-120"/>
+                        </a:rPr>
+                        <a:t>身為一個使用者，我可以看到漂亮的</a:t>
+                      </a:r>
+                      <a:r>
+                        <a:rPr lang="en-US" sz="1400" b="0" i="0" u="none" strike="noStrike" dirty="0">
+                          <a:solidFill>
+                            <a:srgbClr val="000000"/>
+                          </a:solidFill>
+                          <a:effectLst/>
+                          <a:latin typeface="新細明體" panose="02020500000000000000" pitchFamily="18" charset="-120"/>
+                          <a:ea typeface="新細明體" panose="02020500000000000000" pitchFamily="18" charset="-120"/>
+                        </a:rPr>
+                        <a:t>UI</a:t>
+                      </a:r>
+                      <a:r>
+                        <a:rPr lang="zh-TW" altLang="en-US" sz="1400" b="0" i="0" u="none" strike="noStrike" dirty="0">
+                          <a:solidFill>
+                            <a:srgbClr val="000000"/>
+                          </a:solidFill>
+                          <a:effectLst/>
+                          <a:latin typeface="新細明體" panose="02020500000000000000" pitchFamily="18" charset="-120"/>
+                          <a:ea typeface="新細明體" panose="02020500000000000000" pitchFamily="18" charset="-120"/>
+                        </a:rPr>
+                        <a:t>呈現</a:t>
+                      </a:r>
+                    </a:p>
+                  </a:txBody>
+                  <a:tcPr marL="5566" marR="5566" marT="5566" marB="0" anchor="ctr">
+                    <a:lnL w="12700" cap="flat" cmpd="sng" algn="ctr">
+                      <a:solidFill>
+                        <a:srgbClr val="000000"/>
+                      </a:solidFill>
+                      <a:prstDash val="solid"/>
+                      <a:round/>
+                      <a:headEnd type="none" w="med" len="med"/>
+                      <a:tailEnd type="none" w="med" len="med"/>
+                    </a:lnL>
+                    <a:lnR w="12700" cap="flat" cmpd="sng" algn="ctr">
+                      <a:solidFill>
+                        <a:srgbClr val="000000"/>
+                      </a:solidFill>
+                      <a:prstDash val="solid"/>
+                      <a:round/>
+                      <a:headEnd type="none" w="med" len="med"/>
+                      <a:tailEnd type="none" w="med" len="med"/>
+                    </a:lnR>
+                    <a:lnT w="12700" cap="flat" cmpd="sng" algn="ctr">
+                      <a:solidFill>
+                        <a:srgbClr val="000000"/>
+                      </a:solidFill>
+                      <a:prstDash val="solid"/>
+                      <a:round/>
+                      <a:headEnd type="none" w="med" len="med"/>
+                      <a:tailEnd type="none" w="med" len="med"/>
+                    </a:lnT>
+                    <a:lnB w="12700" cap="flat" cmpd="sng" algn="ctr">
+                      <a:solidFill>
+                        <a:srgbClr val="000000"/>
+                      </a:solidFill>
+                      <a:prstDash val="solid"/>
+                      <a:round/>
+                      <a:headEnd type="none" w="med" len="med"/>
+                      <a:tailEnd type="none" w="med" len="med"/>
+                    </a:lnB>
+                  </a:tcPr>
+                </a:tc>
+                <a:tc>
+                  <a:txBody>
+                    <a:bodyPr/>
+                    <a:lstStyle/>
+                    <a:p>
+                      <a:pPr algn="r" fontAlgn="ctr"/>
+                      <a:r>
+                        <a:rPr lang="en-US" altLang="zh-TW" sz="1400" b="0" i="0" u="none" strike="noStrike">
+                          <a:solidFill>
+                            <a:srgbClr val="000000"/>
+                          </a:solidFill>
+                          <a:effectLst/>
+                          <a:latin typeface="Calibri" panose="020F0502020204030204" pitchFamily="34" charset="0"/>
+                          <a:ea typeface="新細明體" panose="02020500000000000000" pitchFamily="18" charset="-120"/>
+                        </a:rPr>
+                        <a:t>4</a:t>
+                      </a:r>
+                      <a:r>
+                        <a:rPr lang="zh-TW" altLang="en-US" sz="1400" b="0" i="0" u="none" strike="noStrike">
+                          <a:solidFill>
+                            <a:srgbClr val="000000"/>
+                          </a:solidFill>
+                          <a:effectLst/>
+                          <a:latin typeface="Calibri" panose="020F0502020204030204" pitchFamily="34" charset="0"/>
+                          <a:ea typeface="新細明體" panose="02020500000000000000" pitchFamily="18" charset="-120"/>
+                        </a:rPr>
+                        <a:t>月</a:t>
+                      </a:r>
+                      <a:r>
+                        <a:rPr lang="en-US" altLang="zh-TW" sz="1400" b="0" i="0" u="none" strike="noStrike">
+                          <a:solidFill>
+                            <a:srgbClr val="000000"/>
+                          </a:solidFill>
+                          <a:effectLst/>
+                          <a:latin typeface="Calibri" panose="020F0502020204030204" pitchFamily="34" charset="0"/>
+                          <a:ea typeface="新細明體" panose="02020500000000000000" pitchFamily="18" charset="-120"/>
+                        </a:rPr>
+                        <a:t>1</a:t>
+                      </a:r>
+                      <a:r>
+                        <a:rPr lang="zh-TW" altLang="en-US" sz="1400" b="0" i="0" u="none" strike="noStrike">
+                          <a:solidFill>
+                            <a:srgbClr val="000000"/>
+                          </a:solidFill>
+                          <a:effectLst/>
+                          <a:latin typeface="Calibri" panose="020F0502020204030204" pitchFamily="34" charset="0"/>
+                          <a:ea typeface="新細明體" panose="02020500000000000000" pitchFamily="18" charset="-120"/>
+                        </a:rPr>
+                        <a:t>日</a:t>
+                      </a:r>
+                    </a:p>
+                  </a:txBody>
+                  <a:tcPr marL="5566" marR="5566" marT="5566" marB="0" anchor="ctr">
+                    <a:lnL w="12700" cap="flat" cmpd="sng" algn="ctr">
+                      <a:solidFill>
+                        <a:srgbClr val="000000"/>
+                      </a:solidFill>
+                      <a:prstDash val="solid"/>
+                      <a:round/>
+                      <a:headEnd type="none" w="med" len="med"/>
+                      <a:tailEnd type="none" w="med" len="med"/>
+                    </a:lnL>
+                    <a:lnR w="12700" cap="flat" cmpd="sng" algn="ctr">
+                      <a:solidFill>
+                        <a:srgbClr val="000000"/>
+                      </a:solidFill>
+                      <a:prstDash val="solid"/>
+                      <a:round/>
+                      <a:headEnd type="none" w="med" len="med"/>
+                      <a:tailEnd type="none" w="med" len="med"/>
+                    </a:lnR>
+                    <a:lnT w="12700" cap="flat" cmpd="sng" algn="ctr">
+                      <a:solidFill>
+                        <a:srgbClr val="000000"/>
+                      </a:solidFill>
+                      <a:prstDash val="solid"/>
+                      <a:round/>
+                      <a:headEnd type="none" w="med" len="med"/>
+                      <a:tailEnd type="none" w="med" len="med"/>
+                    </a:lnT>
+                    <a:lnB w="12700" cap="flat" cmpd="sng" algn="ctr">
+                      <a:solidFill>
+                        <a:srgbClr val="000000"/>
+                      </a:solidFill>
+                      <a:prstDash val="solid"/>
+                      <a:round/>
+                      <a:headEnd type="none" w="med" len="med"/>
+                      <a:tailEnd type="none" w="med" len="med"/>
+                    </a:lnB>
+                  </a:tcPr>
+                </a:tc>
+                <a:tc>
+                  <a:txBody>
+                    <a:bodyPr/>
+                    <a:lstStyle/>
+                    <a:p>
+                      <a:pPr algn="l" fontAlgn="ctr"/>
+                      <a:r>
+                        <a:rPr lang="zh-TW" altLang="en-US" sz="1400" b="0" i="0" u="none" strike="noStrike">
+                          <a:solidFill>
+                            <a:srgbClr val="000000"/>
+                          </a:solidFill>
+                          <a:effectLst/>
+                          <a:latin typeface="新細明體" panose="02020500000000000000" pitchFamily="18" charset="-120"/>
+                          <a:ea typeface="新細明體" panose="02020500000000000000" pitchFamily="18" charset="-120"/>
+                        </a:rPr>
+                        <a:t>介面呈現與美化</a:t>
+                      </a:r>
+                    </a:p>
+                  </a:txBody>
+                  <a:tcPr marL="5566" marR="5566" marT="5566" marB="0" anchor="ctr">
+                    <a:lnL w="12700" cap="flat" cmpd="sng" algn="ctr">
+                      <a:solidFill>
+                        <a:srgbClr val="000000"/>
+                      </a:solidFill>
+                      <a:prstDash val="solid"/>
+                      <a:round/>
+                      <a:headEnd type="none" w="med" len="med"/>
+                      <a:tailEnd type="none" w="med" len="med"/>
+                    </a:lnL>
+                    <a:lnR w="12700" cap="flat" cmpd="sng" algn="ctr">
+                      <a:solidFill>
+                        <a:srgbClr val="000000"/>
+                      </a:solidFill>
+                      <a:prstDash val="solid"/>
+                      <a:round/>
+                      <a:headEnd type="none" w="med" len="med"/>
+                      <a:tailEnd type="none" w="med" len="med"/>
+                    </a:lnR>
+                    <a:lnT w="12700" cap="flat" cmpd="sng" algn="ctr">
+                      <a:solidFill>
+                        <a:srgbClr val="000000"/>
+                      </a:solidFill>
+                      <a:prstDash val="solid"/>
+                      <a:round/>
+                      <a:headEnd type="none" w="med" len="med"/>
+                      <a:tailEnd type="none" w="med" len="med"/>
+                    </a:lnT>
+                    <a:lnB w="12700" cap="flat" cmpd="sng" algn="ctr">
+                      <a:solidFill>
+                        <a:srgbClr val="000000"/>
+                      </a:solidFill>
+                      <a:prstDash val="solid"/>
+                      <a:round/>
+                      <a:headEnd type="none" w="med" len="med"/>
+                      <a:tailEnd type="none" w="med" len="med"/>
+                    </a:lnB>
+                  </a:tcPr>
+                </a:tc>
+                <a:tc>
+                  <a:txBody>
+                    <a:bodyPr/>
+                    <a:lstStyle/>
+                    <a:p>
+                      <a:pPr algn="r" fontAlgn="ctr"/>
+                      <a:r>
+                        <a:rPr lang="en-US" altLang="zh-TW" sz="1400" b="0" i="0" u="none" strike="noStrike">
+                          <a:solidFill>
+                            <a:srgbClr val="000000"/>
+                          </a:solidFill>
+                          <a:effectLst/>
+                          <a:latin typeface="Calibri" panose="020F0502020204030204" pitchFamily="34" charset="0"/>
+                          <a:ea typeface="新細明體" panose="02020500000000000000" pitchFamily="18" charset="-120"/>
+                        </a:rPr>
+                        <a:t>2</a:t>
+                      </a:r>
+                    </a:p>
+                  </a:txBody>
+                  <a:tcPr marL="5566" marR="5566" marT="5566" marB="0" anchor="ctr">
+                    <a:lnL w="12700" cap="flat" cmpd="sng" algn="ctr">
+                      <a:solidFill>
+                        <a:srgbClr val="000000"/>
+                      </a:solidFill>
+                      <a:prstDash val="solid"/>
+                      <a:round/>
+                      <a:headEnd type="none" w="med" len="med"/>
+                      <a:tailEnd type="none" w="med" len="med"/>
+                    </a:lnL>
+                    <a:lnR w="12700" cap="flat" cmpd="sng" algn="ctr">
+                      <a:solidFill>
+                        <a:srgbClr val="000000"/>
+                      </a:solidFill>
+                      <a:prstDash val="solid"/>
+                      <a:round/>
+                      <a:headEnd type="none" w="med" len="med"/>
+                      <a:tailEnd type="none" w="med" len="med"/>
+                    </a:lnR>
+                    <a:lnT w="12700" cap="flat" cmpd="sng" algn="ctr">
+                      <a:solidFill>
+                        <a:srgbClr val="000000"/>
+                      </a:solidFill>
+                      <a:prstDash val="solid"/>
+                      <a:round/>
+                      <a:headEnd type="none" w="med" len="med"/>
+                      <a:tailEnd type="none" w="med" len="med"/>
+                    </a:lnT>
+                    <a:lnB w="12700" cap="flat" cmpd="sng" algn="ctr">
+                      <a:solidFill>
+                        <a:srgbClr val="000000"/>
+                      </a:solidFill>
+                      <a:prstDash val="solid"/>
+                      <a:round/>
+                      <a:headEnd type="none" w="med" len="med"/>
+                      <a:tailEnd type="none" w="med" len="med"/>
+                    </a:lnB>
+                  </a:tcPr>
+                </a:tc>
+                <a:tc>
+                  <a:txBody>
+                    <a:bodyPr/>
+                    <a:lstStyle/>
+                    <a:p>
+                      <a:pPr algn="l" fontAlgn="ctr"/>
+                      <a:r>
+                        <a:rPr lang="zh-TW" altLang="en-US" sz="1400" b="0" i="0" u="none" strike="noStrike">
+                          <a:solidFill>
+                            <a:srgbClr val="000000"/>
+                          </a:solidFill>
+                          <a:effectLst/>
+                          <a:latin typeface="新細明體" panose="02020500000000000000" pitchFamily="18" charset="-120"/>
+                          <a:ea typeface="新細明體" panose="02020500000000000000" pitchFamily="18" charset="-120"/>
+                        </a:rPr>
+                        <a:t>田慶秋</a:t>
+                      </a:r>
+                    </a:p>
+                  </a:txBody>
+                  <a:tcPr marL="5566" marR="5566" marT="5566" marB="0" anchor="ctr">
+                    <a:lnL w="12700" cap="flat" cmpd="sng" algn="ctr">
+                      <a:solidFill>
+                        <a:srgbClr val="000000"/>
+                      </a:solidFill>
+                      <a:prstDash val="solid"/>
+                      <a:round/>
+                      <a:headEnd type="none" w="med" len="med"/>
+                      <a:tailEnd type="none" w="med" len="med"/>
+                    </a:lnL>
+                    <a:lnR w="12700" cap="flat" cmpd="sng" algn="ctr">
+                      <a:solidFill>
+                        <a:srgbClr val="000000"/>
+                      </a:solidFill>
+                      <a:prstDash val="solid"/>
+                      <a:round/>
+                      <a:headEnd type="none" w="med" len="med"/>
+                      <a:tailEnd type="none" w="med" len="med"/>
+                    </a:lnR>
+                    <a:lnT w="12700" cap="flat" cmpd="sng" algn="ctr">
+                      <a:solidFill>
+                        <a:srgbClr val="000000"/>
+                      </a:solidFill>
+                      <a:prstDash val="solid"/>
+                      <a:round/>
+                      <a:headEnd type="none" w="med" len="med"/>
+                      <a:tailEnd type="none" w="med" len="med"/>
+                    </a:lnT>
+                    <a:lnB w="12700" cap="flat" cmpd="sng" algn="ctr">
+                      <a:solidFill>
+                        <a:srgbClr val="000000"/>
+                      </a:solidFill>
+                      <a:prstDash val="solid"/>
+                      <a:round/>
+                      <a:headEnd type="none" w="med" len="med"/>
+                      <a:tailEnd type="none" w="med" len="med"/>
+                    </a:lnB>
+                  </a:tcPr>
+                </a:tc>
+                <a:extLst>
+                  <a:ext uri="{0D108BD9-81ED-4DB2-BD59-A6C34878D82A}">
+                    <a16:rowId xmlns:a16="http://schemas.microsoft.com/office/drawing/2014/main" val="1975984586"/>
+                  </a:ext>
+                </a:extLst>
+              </a:tr>
+              <a:tr h="665544">
+                <a:tc vMerge="1">
+                  <a:txBody>
+                    <a:bodyPr/>
+                    <a:lstStyle/>
+                    <a:p>
+                      <a:endParaRPr lang="zh-TW" altLang="en-US"/>
+                    </a:p>
+                  </a:txBody>
+                  <a:tcPr/>
+                </a:tc>
+                <a:tc vMerge="1">
+                  <a:txBody>
+                    <a:bodyPr/>
+                    <a:lstStyle/>
+                    <a:p>
+                      <a:endParaRPr lang="zh-TW" altLang="en-US"/>
+                    </a:p>
+                  </a:txBody>
+                  <a:tcPr/>
+                </a:tc>
+                <a:tc>
+                  <a:txBody>
+                    <a:bodyPr/>
+                    <a:lstStyle/>
+                    <a:p>
+                      <a:pPr algn="r" fontAlgn="ctr"/>
+                      <a:r>
+                        <a:rPr lang="en-US" altLang="zh-TW" sz="1400" b="0" i="0" u="none" strike="noStrike">
+                          <a:solidFill>
+                            <a:srgbClr val="000000"/>
+                          </a:solidFill>
+                          <a:effectLst/>
+                          <a:latin typeface="Calibri" panose="020F0502020204030204" pitchFamily="34" charset="0"/>
+                          <a:ea typeface="新細明體" panose="02020500000000000000" pitchFamily="18" charset="-120"/>
+                        </a:rPr>
+                        <a:t>4</a:t>
+                      </a:r>
+                      <a:r>
+                        <a:rPr lang="zh-TW" altLang="en-US" sz="1400" b="0" i="0" u="none" strike="noStrike">
+                          <a:solidFill>
+                            <a:srgbClr val="000000"/>
+                          </a:solidFill>
+                          <a:effectLst/>
+                          <a:latin typeface="Calibri" panose="020F0502020204030204" pitchFamily="34" charset="0"/>
+                          <a:ea typeface="新細明體" panose="02020500000000000000" pitchFamily="18" charset="-120"/>
+                        </a:rPr>
+                        <a:t>月</a:t>
+                      </a:r>
+                      <a:r>
+                        <a:rPr lang="en-US" altLang="zh-TW" sz="1400" b="0" i="0" u="none" strike="noStrike">
+                          <a:solidFill>
+                            <a:srgbClr val="000000"/>
+                          </a:solidFill>
+                          <a:effectLst/>
+                          <a:latin typeface="Calibri" panose="020F0502020204030204" pitchFamily="34" charset="0"/>
+                          <a:ea typeface="新細明體" panose="02020500000000000000" pitchFamily="18" charset="-120"/>
+                        </a:rPr>
+                        <a:t>2</a:t>
+                      </a:r>
+                      <a:r>
+                        <a:rPr lang="zh-TW" altLang="en-US" sz="1400" b="0" i="0" u="none" strike="noStrike">
+                          <a:solidFill>
+                            <a:srgbClr val="000000"/>
+                          </a:solidFill>
+                          <a:effectLst/>
+                          <a:latin typeface="Calibri" panose="020F0502020204030204" pitchFamily="34" charset="0"/>
+                          <a:ea typeface="新細明體" panose="02020500000000000000" pitchFamily="18" charset="-120"/>
+                        </a:rPr>
+                        <a:t>日</a:t>
+                      </a:r>
+                    </a:p>
+                  </a:txBody>
+                  <a:tcPr marL="5566" marR="5566" marT="5566" marB="0" anchor="ctr">
+                    <a:lnL w="12700" cap="flat" cmpd="sng" algn="ctr">
+                      <a:solidFill>
+                        <a:srgbClr val="000000"/>
+                      </a:solidFill>
+                      <a:prstDash val="solid"/>
+                      <a:round/>
+                      <a:headEnd type="none" w="med" len="med"/>
+                      <a:tailEnd type="none" w="med" len="med"/>
+                    </a:lnL>
+                    <a:lnR w="12700" cap="flat" cmpd="sng" algn="ctr">
+                      <a:solidFill>
+                        <a:srgbClr val="000000"/>
+                      </a:solidFill>
+                      <a:prstDash val="solid"/>
+                      <a:round/>
+                      <a:headEnd type="none" w="med" len="med"/>
+                      <a:tailEnd type="none" w="med" len="med"/>
+                    </a:lnR>
+                    <a:lnT w="12700" cap="flat" cmpd="sng" algn="ctr">
+                      <a:solidFill>
+                        <a:srgbClr val="000000"/>
+                      </a:solidFill>
+                      <a:prstDash val="solid"/>
+                      <a:round/>
+                      <a:headEnd type="none" w="med" len="med"/>
+                      <a:tailEnd type="none" w="med" len="med"/>
+                    </a:lnT>
+                    <a:lnB w="12700" cap="flat" cmpd="sng" algn="ctr">
+                      <a:solidFill>
+                        <a:srgbClr val="000000"/>
+                      </a:solidFill>
+                      <a:prstDash val="solid"/>
+                      <a:round/>
+                      <a:headEnd type="none" w="med" len="med"/>
+                      <a:tailEnd type="none" w="med" len="med"/>
+                    </a:lnB>
+                  </a:tcPr>
+                </a:tc>
+                <a:tc>
+                  <a:txBody>
+                    <a:bodyPr/>
+                    <a:lstStyle/>
+                    <a:p>
+                      <a:pPr algn="l" fontAlgn="ctr"/>
+                      <a:r>
+                        <a:rPr lang="zh-TW" altLang="en-US" sz="1400" b="0" i="0" u="none" strike="noStrike">
+                          <a:solidFill>
+                            <a:srgbClr val="000000"/>
+                          </a:solidFill>
+                          <a:effectLst/>
+                          <a:latin typeface="新細明體" panose="02020500000000000000" pitchFamily="18" charset="-120"/>
+                          <a:ea typeface="新細明體" panose="02020500000000000000" pitchFamily="18" charset="-120"/>
+                        </a:rPr>
+                        <a:t>用</a:t>
+                      </a:r>
+                      <a:r>
+                        <a:rPr lang="en-US" sz="1400" b="0" i="0" u="none" strike="noStrike">
+                          <a:solidFill>
+                            <a:srgbClr val="000000"/>
+                          </a:solidFill>
+                          <a:effectLst/>
+                          <a:latin typeface="新細明體" panose="02020500000000000000" pitchFamily="18" charset="-120"/>
+                          <a:ea typeface="新細明體" panose="02020500000000000000" pitchFamily="18" charset="-120"/>
+                        </a:rPr>
+                        <a:t>JQUERY</a:t>
+                      </a:r>
+                      <a:r>
+                        <a:rPr lang="zh-TW" altLang="en-US" sz="1400" b="0" i="0" u="none" strike="noStrike">
+                          <a:solidFill>
+                            <a:srgbClr val="000000"/>
+                          </a:solidFill>
+                          <a:effectLst/>
+                          <a:latin typeface="新細明體" panose="02020500000000000000" pitchFamily="18" charset="-120"/>
+                          <a:ea typeface="新細明體" panose="02020500000000000000" pitchFamily="18" charset="-120"/>
+                        </a:rPr>
+                        <a:t>做更好的呈現</a:t>
+                      </a:r>
+                    </a:p>
+                  </a:txBody>
+                  <a:tcPr marL="5566" marR="5566" marT="5566" marB="0" anchor="ctr">
+                    <a:lnL w="12700" cap="flat" cmpd="sng" algn="ctr">
+                      <a:solidFill>
+                        <a:srgbClr val="000000"/>
+                      </a:solidFill>
+                      <a:prstDash val="solid"/>
+                      <a:round/>
+                      <a:headEnd type="none" w="med" len="med"/>
+                      <a:tailEnd type="none" w="med" len="med"/>
+                    </a:lnL>
+                    <a:lnR w="12700" cap="flat" cmpd="sng" algn="ctr">
+                      <a:solidFill>
+                        <a:srgbClr val="000000"/>
+                      </a:solidFill>
+                      <a:prstDash val="solid"/>
+                      <a:round/>
+                      <a:headEnd type="none" w="med" len="med"/>
+                      <a:tailEnd type="none" w="med" len="med"/>
+                    </a:lnR>
+                    <a:lnT w="12700" cap="flat" cmpd="sng" algn="ctr">
+                      <a:solidFill>
+                        <a:srgbClr val="000000"/>
+                      </a:solidFill>
+                      <a:prstDash val="solid"/>
+                      <a:round/>
+                      <a:headEnd type="none" w="med" len="med"/>
+                      <a:tailEnd type="none" w="med" len="med"/>
+                    </a:lnT>
+                    <a:lnB w="12700" cap="flat" cmpd="sng" algn="ctr">
+                      <a:solidFill>
+                        <a:srgbClr val="000000"/>
+                      </a:solidFill>
+                      <a:prstDash val="solid"/>
+                      <a:round/>
+                      <a:headEnd type="none" w="med" len="med"/>
+                      <a:tailEnd type="none" w="med" len="med"/>
+                    </a:lnB>
+                  </a:tcPr>
+                </a:tc>
+                <a:tc>
+                  <a:txBody>
+                    <a:bodyPr/>
+                    <a:lstStyle/>
+                    <a:p>
+                      <a:pPr algn="r" fontAlgn="ctr"/>
+                      <a:r>
+                        <a:rPr lang="en-US" altLang="zh-TW" sz="1400" b="0" i="0" u="none" strike="noStrike">
+                          <a:solidFill>
+                            <a:srgbClr val="000000"/>
+                          </a:solidFill>
+                          <a:effectLst/>
+                          <a:latin typeface="Calibri" panose="020F0502020204030204" pitchFamily="34" charset="0"/>
+                          <a:ea typeface="新細明體" panose="02020500000000000000" pitchFamily="18" charset="-120"/>
+                        </a:rPr>
+                        <a:t>2</a:t>
+                      </a:r>
+                    </a:p>
+                  </a:txBody>
+                  <a:tcPr marL="5566" marR="5566" marT="5566" marB="0" anchor="ctr">
+                    <a:lnL w="12700" cap="flat" cmpd="sng" algn="ctr">
+                      <a:solidFill>
+                        <a:srgbClr val="000000"/>
+                      </a:solidFill>
+                      <a:prstDash val="solid"/>
+                      <a:round/>
+                      <a:headEnd type="none" w="med" len="med"/>
+                      <a:tailEnd type="none" w="med" len="med"/>
+                    </a:lnL>
+                    <a:lnR w="12700" cap="flat" cmpd="sng" algn="ctr">
+                      <a:solidFill>
+                        <a:srgbClr val="000000"/>
+                      </a:solidFill>
+                      <a:prstDash val="solid"/>
+                      <a:round/>
+                      <a:headEnd type="none" w="med" len="med"/>
+                      <a:tailEnd type="none" w="med" len="med"/>
+                    </a:lnR>
+                    <a:lnT w="12700" cap="flat" cmpd="sng" algn="ctr">
+                      <a:solidFill>
+                        <a:srgbClr val="000000"/>
+                      </a:solidFill>
+                      <a:prstDash val="solid"/>
+                      <a:round/>
+                      <a:headEnd type="none" w="med" len="med"/>
+                      <a:tailEnd type="none" w="med" len="med"/>
+                    </a:lnT>
+                    <a:lnB w="12700" cap="flat" cmpd="sng" algn="ctr">
+                      <a:solidFill>
+                        <a:srgbClr val="000000"/>
+                      </a:solidFill>
+                      <a:prstDash val="solid"/>
+                      <a:round/>
+                      <a:headEnd type="none" w="med" len="med"/>
+                      <a:tailEnd type="none" w="med" len="med"/>
+                    </a:lnB>
+                  </a:tcPr>
+                </a:tc>
+                <a:tc>
+                  <a:txBody>
+                    <a:bodyPr/>
+                    <a:lstStyle/>
+                    <a:p>
+                      <a:pPr algn="l" fontAlgn="ctr"/>
+                      <a:r>
+                        <a:rPr lang="zh-TW" altLang="en-US" sz="1400" b="0" i="0" u="none" strike="noStrike">
+                          <a:solidFill>
+                            <a:srgbClr val="000000"/>
+                          </a:solidFill>
+                          <a:effectLst/>
+                          <a:latin typeface="新細明體" panose="02020500000000000000" pitchFamily="18" charset="-120"/>
+                          <a:ea typeface="新細明體" panose="02020500000000000000" pitchFamily="18" charset="-120"/>
+                        </a:rPr>
+                        <a:t>田慶秋</a:t>
+                      </a:r>
+                    </a:p>
+                  </a:txBody>
+                  <a:tcPr marL="5566" marR="5566" marT="5566" marB="0" anchor="ctr">
+                    <a:lnL w="12700" cap="flat" cmpd="sng" algn="ctr">
+                      <a:solidFill>
+                        <a:srgbClr val="000000"/>
+                      </a:solidFill>
+                      <a:prstDash val="solid"/>
+                      <a:round/>
+                      <a:headEnd type="none" w="med" len="med"/>
+                      <a:tailEnd type="none" w="med" len="med"/>
+                    </a:lnL>
+                    <a:lnR w="12700" cap="flat" cmpd="sng" algn="ctr">
+                      <a:solidFill>
+                        <a:srgbClr val="000000"/>
+                      </a:solidFill>
+                      <a:prstDash val="solid"/>
+                      <a:round/>
+                      <a:headEnd type="none" w="med" len="med"/>
+                      <a:tailEnd type="none" w="med" len="med"/>
+                    </a:lnR>
+                    <a:lnT w="12700" cap="flat" cmpd="sng" algn="ctr">
+                      <a:solidFill>
+                        <a:srgbClr val="000000"/>
+                      </a:solidFill>
+                      <a:prstDash val="solid"/>
+                      <a:round/>
+                      <a:headEnd type="none" w="med" len="med"/>
+                      <a:tailEnd type="none" w="med" len="med"/>
+                    </a:lnT>
+                    <a:lnB w="12700" cap="flat" cmpd="sng" algn="ctr">
+                      <a:solidFill>
+                        <a:srgbClr val="000000"/>
+                      </a:solidFill>
+                      <a:prstDash val="solid"/>
+                      <a:round/>
+                      <a:headEnd type="none" w="med" len="med"/>
+                      <a:tailEnd type="none" w="med" len="med"/>
+                    </a:lnB>
+                  </a:tcPr>
+                </a:tc>
+                <a:extLst>
+                  <a:ext uri="{0D108BD9-81ED-4DB2-BD59-A6C34878D82A}">
+                    <a16:rowId xmlns:a16="http://schemas.microsoft.com/office/drawing/2014/main" val="3025725816"/>
+                  </a:ext>
+                </a:extLst>
+              </a:tr>
+              <a:tr h="671707">
+                <a:tc vMerge="1">
+                  <a:txBody>
+                    <a:bodyPr/>
+                    <a:lstStyle/>
+                    <a:p>
+                      <a:endParaRPr lang="zh-TW" altLang="en-US"/>
+                    </a:p>
+                  </a:txBody>
+                  <a:tcPr/>
+                </a:tc>
+                <a:tc vMerge="1">
+                  <a:txBody>
+                    <a:bodyPr/>
+                    <a:lstStyle/>
+                    <a:p>
+                      <a:endParaRPr lang="zh-TW" altLang="en-US"/>
+                    </a:p>
+                  </a:txBody>
+                  <a:tcPr/>
+                </a:tc>
+                <a:tc>
+                  <a:txBody>
+                    <a:bodyPr/>
+                    <a:lstStyle/>
+                    <a:p>
+                      <a:pPr algn="r" fontAlgn="ctr"/>
+                      <a:r>
+                        <a:rPr lang="en-US" altLang="zh-TW" sz="1400" b="0" i="0" u="none" strike="noStrike">
+                          <a:solidFill>
+                            <a:srgbClr val="000000"/>
+                          </a:solidFill>
+                          <a:effectLst/>
+                          <a:latin typeface="Calibri" panose="020F0502020204030204" pitchFamily="34" charset="0"/>
+                          <a:ea typeface="新細明體" panose="02020500000000000000" pitchFamily="18" charset="-120"/>
+                        </a:rPr>
+                        <a:t>4</a:t>
+                      </a:r>
+                      <a:r>
+                        <a:rPr lang="zh-TW" altLang="en-US" sz="1400" b="0" i="0" u="none" strike="noStrike">
+                          <a:solidFill>
+                            <a:srgbClr val="000000"/>
+                          </a:solidFill>
+                          <a:effectLst/>
+                          <a:latin typeface="Calibri" panose="020F0502020204030204" pitchFamily="34" charset="0"/>
+                          <a:ea typeface="新細明體" panose="02020500000000000000" pitchFamily="18" charset="-120"/>
+                        </a:rPr>
+                        <a:t>月</a:t>
+                      </a:r>
+                      <a:r>
+                        <a:rPr lang="en-US" altLang="zh-TW" sz="1400" b="0" i="0" u="none" strike="noStrike">
+                          <a:solidFill>
+                            <a:srgbClr val="000000"/>
+                          </a:solidFill>
+                          <a:effectLst/>
+                          <a:latin typeface="Calibri" panose="020F0502020204030204" pitchFamily="34" charset="0"/>
+                          <a:ea typeface="新細明體" panose="02020500000000000000" pitchFamily="18" charset="-120"/>
+                        </a:rPr>
+                        <a:t>3</a:t>
+                      </a:r>
+                      <a:r>
+                        <a:rPr lang="zh-TW" altLang="en-US" sz="1400" b="0" i="0" u="none" strike="noStrike">
+                          <a:solidFill>
+                            <a:srgbClr val="000000"/>
+                          </a:solidFill>
+                          <a:effectLst/>
+                          <a:latin typeface="Calibri" panose="020F0502020204030204" pitchFamily="34" charset="0"/>
+                          <a:ea typeface="新細明體" panose="02020500000000000000" pitchFamily="18" charset="-120"/>
+                        </a:rPr>
+                        <a:t>日</a:t>
+                      </a:r>
+                    </a:p>
+                  </a:txBody>
+                  <a:tcPr marL="5566" marR="5566" marT="5566" marB="0" anchor="ctr">
+                    <a:lnL w="12700" cap="flat" cmpd="sng" algn="ctr">
+                      <a:solidFill>
+                        <a:srgbClr val="000000"/>
+                      </a:solidFill>
+                      <a:prstDash val="solid"/>
+                      <a:round/>
+                      <a:headEnd type="none" w="med" len="med"/>
+                      <a:tailEnd type="none" w="med" len="med"/>
+                    </a:lnL>
+                    <a:lnR w="12700" cap="flat" cmpd="sng" algn="ctr">
+                      <a:solidFill>
+                        <a:srgbClr val="000000"/>
+                      </a:solidFill>
+                      <a:prstDash val="solid"/>
+                      <a:round/>
+                      <a:headEnd type="none" w="med" len="med"/>
+                      <a:tailEnd type="none" w="med" len="med"/>
+                    </a:lnR>
+                    <a:lnT w="12700" cap="flat" cmpd="sng" algn="ctr">
+                      <a:solidFill>
+                        <a:srgbClr val="000000"/>
+                      </a:solidFill>
+                      <a:prstDash val="solid"/>
+                      <a:round/>
+                      <a:headEnd type="none" w="med" len="med"/>
+                      <a:tailEnd type="none" w="med" len="med"/>
+                    </a:lnT>
+                    <a:lnB w="12700" cap="flat" cmpd="sng" algn="ctr">
+                      <a:solidFill>
+                        <a:srgbClr val="000000"/>
+                      </a:solidFill>
+                      <a:prstDash val="solid"/>
+                      <a:round/>
+                      <a:headEnd type="none" w="med" len="med"/>
+                      <a:tailEnd type="none" w="med" len="med"/>
+                    </a:lnB>
+                  </a:tcPr>
+                </a:tc>
+                <a:tc>
+                  <a:txBody>
+                    <a:bodyPr/>
+                    <a:lstStyle/>
+                    <a:p>
+                      <a:pPr algn="l" fontAlgn="ctr"/>
+                      <a:r>
+                        <a:rPr lang="zh-TW" altLang="en-US" sz="1400" b="0" i="0" u="none" strike="noStrike">
+                          <a:solidFill>
+                            <a:srgbClr val="000000"/>
+                          </a:solidFill>
+                          <a:effectLst/>
+                          <a:latin typeface="新細明體" panose="02020500000000000000" pitchFamily="18" charset="-120"/>
+                          <a:ea typeface="新細明體" panose="02020500000000000000" pitchFamily="18" charset="-120"/>
+                        </a:rPr>
+                        <a:t>自訂使用者喜愛的背景顏色</a:t>
+                      </a:r>
+                    </a:p>
+                  </a:txBody>
+                  <a:tcPr marL="5566" marR="5566" marT="5566" marB="0" anchor="ctr">
+                    <a:lnL w="12700" cap="flat" cmpd="sng" algn="ctr">
+                      <a:solidFill>
+                        <a:srgbClr val="000000"/>
+                      </a:solidFill>
+                      <a:prstDash val="solid"/>
+                      <a:round/>
+                      <a:headEnd type="none" w="med" len="med"/>
+                      <a:tailEnd type="none" w="med" len="med"/>
+                    </a:lnL>
+                    <a:lnR w="12700" cap="flat" cmpd="sng" algn="ctr">
+                      <a:solidFill>
+                        <a:srgbClr val="000000"/>
+                      </a:solidFill>
+                      <a:prstDash val="solid"/>
+                      <a:round/>
+                      <a:headEnd type="none" w="med" len="med"/>
+                      <a:tailEnd type="none" w="med" len="med"/>
+                    </a:lnR>
+                    <a:lnT w="12700" cap="flat" cmpd="sng" algn="ctr">
+                      <a:solidFill>
+                        <a:srgbClr val="000000"/>
+                      </a:solidFill>
+                      <a:prstDash val="solid"/>
+                      <a:round/>
+                      <a:headEnd type="none" w="med" len="med"/>
+                      <a:tailEnd type="none" w="med" len="med"/>
+                    </a:lnT>
+                    <a:lnB w="12700" cap="flat" cmpd="sng" algn="ctr">
+                      <a:solidFill>
+                        <a:srgbClr val="000000"/>
+                      </a:solidFill>
+                      <a:prstDash val="solid"/>
+                      <a:round/>
+                      <a:headEnd type="none" w="med" len="med"/>
+                      <a:tailEnd type="none" w="med" len="med"/>
+                    </a:lnB>
+                  </a:tcPr>
+                </a:tc>
+                <a:tc>
+                  <a:txBody>
+                    <a:bodyPr/>
+                    <a:lstStyle/>
+                    <a:p>
+                      <a:pPr algn="r" fontAlgn="ctr"/>
+                      <a:r>
+                        <a:rPr lang="en-US" altLang="zh-TW" sz="1400" b="0" i="0" u="none" strike="noStrike">
+                          <a:solidFill>
+                            <a:srgbClr val="000000"/>
+                          </a:solidFill>
+                          <a:effectLst/>
+                          <a:latin typeface="Calibri" panose="020F0502020204030204" pitchFamily="34" charset="0"/>
+                          <a:ea typeface="新細明體" panose="02020500000000000000" pitchFamily="18" charset="-120"/>
+                        </a:rPr>
+                        <a:t>2</a:t>
+                      </a:r>
+                    </a:p>
+                  </a:txBody>
+                  <a:tcPr marL="5566" marR="5566" marT="5566" marB="0" anchor="ctr">
+                    <a:lnL w="12700" cap="flat" cmpd="sng" algn="ctr">
+                      <a:solidFill>
+                        <a:srgbClr val="000000"/>
+                      </a:solidFill>
+                      <a:prstDash val="solid"/>
+                      <a:round/>
+                      <a:headEnd type="none" w="med" len="med"/>
+                      <a:tailEnd type="none" w="med" len="med"/>
+                    </a:lnL>
+                    <a:lnR w="12700" cap="flat" cmpd="sng" algn="ctr">
+                      <a:solidFill>
+                        <a:srgbClr val="000000"/>
+                      </a:solidFill>
+                      <a:prstDash val="solid"/>
+                      <a:round/>
+                      <a:headEnd type="none" w="med" len="med"/>
+                      <a:tailEnd type="none" w="med" len="med"/>
+                    </a:lnR>
+                    <a:lnT w="12700" cap="flat" cmpd="sng" algn="ctr">
+                      <a:solidFill>
+                        <a:srgbClr val="000000"/>
+                      </a:solidFill>
+                      <a:prstDash val="solid"/>
+                      <a:round/>
+                      <a:headEnd type="none" w="med" len="med"/>
+                      <a:tailEnd type="none" w="med" len="med"/>
+                    </a:lnT>
+                    <a:lnB w="12700" cap="flat" cmpd="sng" algn="ctr">
+                      <a:solidFill>
+                        <a:srgbClr val="000000"/>
+                      </a:solidFill>
+                      <a:prstDash val="solid"/>
+                      <a:round/>
+                      <a:headEnd type="none" w="med" len="med"/>
+                      <a:tailEnd type="none" w="med" len="med"/>
+                    </a:lnB>
+                  </a:tcPr>
+                </a:tc>
+                <a:tc>
+                  <a:txBody>
+                    <a:bodyPr/>
+                    <a:lstStyle/>
+                    <a:p>
+                      <a:pPr algn="l" fontAlgn="ctr"/>
+                      <a:r>
+                        <a:rPr lang="zh-TW" altLang="en-US" sz="1400" b="0" i="0" u="none" strike="noStrike">
+                          <a:solidFill>
+                            <a:srgbClr val="000000"/>
+                          </a:solidFill>
+                          <a:effectLst/>
+                          <a:latin typeface="新細明體" panose="02020500000000000000" pitchFamily="18" charset="-120"/>
+                          <a:ea typeface="新細明體" panose="02020500000000000000" pitchFamily="18" charset="-120"/>
+                        </a:rPr>
+                        <a:t>田慶秋</a:t>
+                      </a:r>
+                    </a:p>
+                  </a:txBody>
+                  <a:tcPr marL="5566" marR="5566" marT="5566" marB="0" anchor="ctr">
+                    <a:lnL w="12700" cap="flat" cmpd="sng" algn="ctr">
+                      <a:solidFill>
+                        <a:srgbClr val="000000"/>
+                      </a:solidFill>
+                      <a:prstDash val="solid"/>
+                      <a:round/>
+                      <a:headEnd type="none" w="med" len="med"/>
+                      <a:tailEnd type="none" w="med" len="med"/>
+                    </a:lnL>
+                    <a:lnR w="12700" cap="flat" cmpd="sng" algn="ctr">
+                      <a:solidFill>
+                        <a:srgbClr val="000000"/>
+                      </a:solidFill>
+                      <a:prstDash val="solid"/>
+                      <a:round/>
+                      <a:headEnd type="none" w="med" len="med"/>
+                      <a:tailEnd type="none" w="med" len="med"/>
+                    </a:lnR>
+                    <a:lnT w="12700" cap="flat" cmpd="sng" algn="ctr">
+                      <a:solidFill>
+                        <a:srgbClr val="000000"/>
+                      </a:solidFill>
+                      <a:prstDash val="solid"/>
+                      <a:round/>
+                      <a:headEnd type="none" w="med" len="med"/>
+                      <a:tailEnd type="none" w="med" len="med"/>
+                    </a:lnT>
+                    <a:lnB w="12700" cap="flat" cmpd="sng" algn="ctr">
+                      <a:solidFill>
+                        <a:srgbClr val="000000"/>
+                      </a:solidFill>
+                      <a:prstDash val="solid"/>
+                      <a:round/>
+                      <a:headEnd type="none" w="med" len="med"/>
+                      <a:tailEnd type="none" w="med" len="med"/>
+                    </a:lnB>
+                  </a:tcPr>
+                </a:tc>
+                <a:extLst>
+                  <a:ext uri="{0D108BD9-81ED-4DB2-BD59-A6C34878D82A}">
+                    <a16:rowId xmlns:a16="http://schemas.microsoft.com/office/drawing/2014/main" val="746426692"/>
+                  </a:ext>
+                </a:extLst>
+              </a:tr>
+              <a:tr h="500700">
+                <a:tc rowSpan="2">
+                  <a:txBody>
+                    <a:bodyPr/>
+                    <a:lstStyle/>
+                    <a:p>
+                      <a:pPr algn="r" fontAlgn="ctr"/>
+                      <a:r>
+                        <a:rPr lang="en-US" altLang="zh-TW" sz="1400" b="0" i="0" u="none" strike="noStrike">
+                          <a:solidFill>
+                            <a:srgbClr val="000000"/>
+                          </a:solidFill>
+                          <a:effectLst/>
+                          <a:latin typeface="Calibri" panose="020F0502020204030204" pitchFamily="34" charset="0"/>
+                          <a:ea typeface="新細明體" panose="02020500000000000000" pitchFamily="18" charset="-120"/>
+                        </a:rPr>
+                        <a:t>5</a:t>
+                      </a:r>
+                    </a:p>
+                  </a:txBody>
+                  <a:tcPr marL="5566" marR="5566" marT="5566" marB="0" anchor="ctr">
+                    <a:lnL w="12700" cap="flat" cmpd="sng" algn="ctr">
+                      <a:solidFill>
+                        <a:srgbClr val="000000"/>
+                      </a:solidFill>
+                      <a:prstDash val="solid"/>
+                      <a:round/>
+                      <a:headEnd type="none" w="med" len="med"/>
+                      <a:tailEnd type="none" w="med" len="med"/>
+                    </a:lnL>
+                    <a:lnR w="12700" cap="flat" cmpd="sng" algn="ctr">
+                      <a:solidFill>
+                        <a:srgbClr val="000000"/>
+                      </a:solidFill>
+                      <a:prstDash val="solid"/>
+                      <a:round/>
+                      <a:headEnd type="none" w="med" len="med"/>
+                      <a:tailEnd type="none" w="med" len="med"/>
+                    </a:lnR>
+                    <a:lnT w="12700" cap="flat" cmpd="sng" algn="ctr">
+                      <a:solidFill>
+                        <a:srgbClr val="000000"/>
+                      </a:solidFill>
+                      <a:prstDash val="solid"/>
+                      <a:round/>
+                      <a:headEnd type="none" w="med" len="med"/>
+                      <a:tailEnd type="none" w="med" len="med"/>
+                    </a:lnT>
+                    <a:lnB w="12700" cap="flat" cmpd="sng" algn="ctr">
+                      <a:solidFill>
+                        <a:srgbClr val="000000"/>
+                      </a:solidFill>
+                      <a:prstDash val="solid"/>
+                      <a:round/>
+                      <a:headEnd type="none" w="med" len="med"/>
+                      <a:tailEnd type="none" w="med" len="med"/>
+                    </a:lnB>
+                  </a:tcPr>
+                </a:tc>
+                <a:tc rowSpan="2">
+                  <a:txBody>
+                    <a:bodyPr/>
+                    <a:lstStyle/>
+                    <a:p>
+                      <a:pPr algn="l" fontAlgn="ctr"/>
+                      <a:r>
+                        <a:rPr lang="zh-TW" altLang="en-US" sz="1400" b="0" i="0" u="none" strike="noStrike">
+                          <a:solidFill>
+                            <a:srgbClr val="000000"/>
+                          </a:solidFill>
+                          <a:effectLst/>
+                          <a:latin typeface="新細明體" panose="02020500000000000000" pitchFamily="18" charset="-120"/>
+                          <a:ea typeface="新細明體" panose="02020500000000000000" pitchFamily="18" charset="-120"/>
+                        </a:rPr>
+                        <a:t>身為一個</a:t>
+                      </a:r>
+                      <a:r>
+                        <a:rPr lang="en-US" sz="1400" b="0" i="0" u="none" strike="noStrike">
+                          <a:solidFill>
+                            <a:srgbClr val="000000"/>
+                          </a:solidFill>
+                          <a:effectLst/>
+                          <a:latin typeface="新細明體" panose="02020500000000000000" pitchFamily="18" charset="-120"/>
+                          <a:ea typeface="新細明體" panose="02020500000000000000" pitchFamily="18" charset="-120"/>
+                        </a:rPr>
+                        <a:t>API</a:t>
+                      </a:r>
+                      <a:r>
+                        <a:rPr lang="zh-TW" altLang="en-US" sz="1400" b="0" i="0" u="none" strike="noStrike">
+                          <a:solidFill>
+                            <a:srgbClr val="000000"/>
+                          </a:solidFill>
+                          <a:effectLst/>
+                          <a:latin typeface="新細明體" panose="02020500000000000000" pitchFamily="18" charset="-120"/>
+                          <a:ea typeface="新細明體" panose="02020500000000000000" pitchFamily="18" charset="-120"/>
+                        </a:rPr>
+                        <a:t>使用者，可以方便的使用</a:t>
+                      </a:r>
+                      <a:r>
+                        <a:rPr lang="en-US" sz="1400" b="0" i="0" u="none" strike="noStrike">
+                          <a:solidFill>
+                            <a:srgbClr val="000000"/>
+                          </a:solidFill>
+                          <a:effectLst/>
+                          <a:latin typeface="新細明體" panose="02020500000000000000" pitchFamily="18" charset="-120"/>
+                          <a:ea typeface="新細明體" panose="02020500000000000000" pitchFamily="18" charset="-120"/>
+                        </a:rPr>
+                        <a:t>API</a:t>
+                      </a:r>
+                    </a:p>
+                  </a:txBody>
+                  <a:tcPr marL="5566" marR="5566" marT="5566" marB="0" anchor="ctr">
+                    <a:lnL w="12700" cap="flat" cmpd="sng" algn="ctr">
+                      <a:solidFill>
+                        <a:srgbClr val="000000"/>
+                      </a:solidFill>
+                      <a:prstDash val="solid"/>
+                      <a:round/>
+                      <a:headEnd type="none" w="med" len="med"/>
+                      <a:tailEnd type="none" w="med" len="med"/>
+                    </a:lnL>
+                    <a:lnR w="12700" cap="flat" cmpd="sng" algn="ctr">
+                      <a:solidFill>
+                        <a:srgbClr val="000000"/>
+                      </a:solidFill>
+                      <a:prstDash val="solid"/>
+                      <a:round/>
+                      <a:headEnd type="none" w="med" len="med"/>
+                      <a:tailEnd type="none" w="med" len="med"/>
+                    </a:lnR>
+                    <a:lnT w="12700" cap="flat" cmpd="sng" algn="ctr">
+                      <a:solidFill>
+                        <a:srgbClr val="000000"/>
+                      </a:solidFill>
+                      <a:prstDash val="solid"/>
+                      <a:round/>
+                      <a:headEnd type="none" w="med" len="med"/>
+                      <a:tailEnd type="none" w="med" len="med"/>
+                    </a:lnT>
+                    <a:lnB w="12700" cap="flat" cmpd="sng" algn="ctr">
+                      <a:solidFill>
+                        <a:srgbClr val="000000"/>
+                      </a:solidFill>
+                      <a:prstDash val="solid"/>
+                      <a:round/>
+                      <a:headEnd type="none" w="med" len="med"/>
+                      <a:tailEnd type="none" w="med" len="med"/>
+                    </a:lnB>
+                  </a:tcPr>
+                </a:tc>
+                <a:tc>
+                  <a:txBody>
+                    <a:bodyPr/>
+                    <a:lstStyle/>
+                    <a:p>
+                      <a:pPr algn="r" fontAlgn="ctr"/>
+                      <a:r>
+                        <a:rPr lang="en-US" altLang="zh-TW" sz="1400" b="0" i="0" u="none" strike="noStrike">
+                          <a:solidFill>
+                            <a:srgbClr val="000000"/>
+                          </a:solidFill>
+                          <a:effectLst/>
+                          <a:latin typeface="Calibri" panose="020F0502020204030204" pitchFamily="34" charset="0"/>
+                          <a:ea typeface="新細明體" panose="02020500000000000000" pitchFamily="18" charset="-120"/>
+                        </a:rPr>
+                        <a:t>5</a:t>
+                      </a:r>
+                      <a:r>
+                        <a:rPr lang="zh-TW" altLang="en-US" sz="1400" b="0" i="0" u="none" strike="noStrike">
+                          <a:solidFill>
+                            <a:srgbClr val="000000"/>
+                          </a:solidFill>
+                          <a:effectLst/>
+                          <a:latin typeface="Calibri" panose="020F0502020204030204" pitchFamily="34" charset="0"/>
+                          <a:ea typeface="新細明體" panose="02020500000000000000" pitchFamily="18" charset="-120"/>
+                        </a:rPr>
+                        <a:t>月</a:t>
+                      </a:r>
+                      <a:r>
+                        <a:rPr lang="en-US" altLang="zh-TW" sz="1400" b="0" i="0" u="none" strike="noStrike">
+                          <a:solidFill>
+                            <a:srgbClr val="000000"/>
+                          </a:solidFill>
+                          <a:effectLst/>
+                          <a:latin typeface="Calibri" panose="020F0502020204030204" pitchFamily="34" charset="0"/>
+                          <a:ea typeface="新細明體" panose="02020500000000000000" pitchFamily="18" charset="-120"/>
+                        </a:rPr>
+                        <a:t>1</a:t>
+                      </a:r>
+                      <a:r>
+                        <a:rPr lang="zh-TW" altLang="en-US" sz="1400" b="0" i="0" u="none" strike="noStrike">
+                          <a:solidFill>
+                            <a:srgbClr val="000000"/>
+                          </a:solidFill>
+                          <a:effectLst/>
+                          <a:latin typeface="Calibri" panose="020F0502020204030204" pitchFamily="34" charset="0"/>
+                          <a:ea typeface="新細明體" panose="02020500000000000000" pitchFamily="18" charset="-120"/>
+                        </a:rPr>
+                        <a:t>日</a:t>
+                      </a:r>
+                    </a:p>
+                  </a:txBody>
+                  <a:tcPr marL="5566" marR="5566" marT="5566" marB="0" anchor="ctr">
+                    <a:lnL w="12700" cap="flat" cmpd="sng" algn="ctr">
+                      <a:solidFill>
+                        <a:srgbClr val="000000"/>
+                      </a:solidFill>
+                      <a:prstDash val="solid"/>
+                      <a:round/>
+                      <a:headEnd type="none" w="med" len="med"/>
+                      <a:tailEnd type="none" w="med" len="med"/>
+                    </a:lnL>
+                    <a:lnR w="12700" cap="flat" cmpd="sng" algn="ctr">
+                      <a:solidFill>
+                        <a:srgbClr val="000000"/>
+                      </a:solidFill>
+                      <a:prstDash val="solid"/>
+                      <a:round/>
+                      <a:headEnd type="none" w="med" len="med"/>
+                      <a:tailEnd type="none" w="med" len="med"/>
+                    </a:lnR>
+                    <a:lnT w="12700" cap="flat" cmpd="sng" algn="ctr">
+                      <a:solidFill>
+                        <a:srgbClr val="000000"/>
+                      </a:solidFill>
+                      <a:prstDash val="solid"/>
+                      <a:round/>
+                      <a:headEnd type="none" w="med" len="med"/>
+                      <a:tailEnd type="none" w="med" len="med"/>
+                    </a:lnT>
+                    <a:lnB w="12700" cap="flat" cmpd="sng" algn="ctr">
+                      <a:solidFill>
+                        <a:srgbClr val="000000"/>
+                      </a:solidFill>
+                      <a:prstDash val="solid"/>
+                      <a:round/>
+                      <a:headEnd type="none" w="med" len="med"/>
+                      <a:tailEnd type="none" w="med" len="med"/>
+                    </a:lnB>
+                  </a:tcPr>
+                </a:tc>
+                <a:tc>
+                  <a:txBody>
+                    <a:bodyPr/>
+                    <a:lstStyle/>
+                    <a:p>
+                      <a:pPr algn="l" fontAlgn="ctr"/>
+                      <a:r>
+                        <a:rPr lang="zh-TW" altLang="en-US" sz="1400" b="0" i="0" u="none" strike="noStrike">
+                          <a:solidFill>
+                            <a:srgbClr val="000000"/>
+                          </a:solidFill>
+                          <a:effectLst/>
+                          <a:latin typeface="新細明體" panose="02020500000000000000" pitchFamily="18" charset="-120"/>
+                          <a:ea typeface="新細明體" panose="02020500000000000000" pitchFamily="18" charset="-120"/>
+                        </a:rPr>
+                        <a:t>將搜尋方法抽象化</a:t>
+                      </a:r>
+                    </a:p>
+                  </a:txBody>
+                  <a:tcPr marL="5566" marR="5566" marT="5566" marB="0" anchor="ctr">
+                    <a:lnL w="12700" cap="flat" cmpd="sng" algn="ctr">
+                      <a:solidFill>
+                        <a:srgbClr val="000000"/>
+                      </a:solidFill>
+                      <a:prstDash val="solid"/>
+                      <a:round/>
+                      <a:headEnd type="none" w="med" len="med"/>
+                      <a:tailEnd type="none" w="med" len="med"/>
+                    </a:lnL>
+                    <a:lnR w="12700" cap="flat" cmpd="sng" algn="ctr">
+                      <a:solidFill>
+                        <a:srgbClr val="000000"/>
+                      </a:solidFill>
+                      <a:prstDash val="solid"/>
+                      <a:round/>
+                      <a:headEnd type="none" w="med" len="med"/>
+                      <a:tailEnd type="none" w="med" len="med"/>
+                    </a:lnR>
+                    <a:lnT w="12700" cap="flat" cmpd="sng" algn="ctr">
+                      <a:solidFill>
+                        <a:srgbClr val="000000"/>
+                      </a:solidFill>
+                      <a:prstDash val="solid"/>
+                      <a:round/>
+                      <a:headEnd type="none" w="med" len="med"/>
+                      <a:tailEnd type="none" w="med" len="med"/>
+                    </a:lnT>
+                    <a:lnB w="12700" cap="flat" cmpd="sng" algn="ctr">
+                      <a:solidFill>
+                        <a:srgbClr val="000000"/>
+                      </a:solidFill>
+                      <a:prstDash val="solid"/>
+                      <a:round/>
+                      <a:headEnd type="none" w="med" len="med"/>
+                      <a:tailEnd type="none" w="med" len="med"/>
+                    </a:lnB>
+                  </a:tcPr>
+                </a:tc>
+                <a:tc>
+                  <a:txBody>
+                    <a:bodyPr/>
+                    <a:lstStyle/>
+                    <a:p>
+                      <a:pPr algn="r" fontAlgn="ctr"/>
+                      <a:r>
+                        <a:rPr lang="en-US" altLang="zh-TW" sz="1400" b="0" i="0" u="none" strike="noStrike">
+                          <a:solidFill>
+                            <a:srgbClr val="000000"/>
+                          </a:solidFill>
+                          <a:effectLst/>
+                          <a:latin typeface="Calibri" panose="020F0502020204030204" pitchFamily="34" charset="0"/>
+                          <a:ea typeface="新細明體" panose="02020500000000000000" pitchFamily="18" charset="-120"/>
+                        </a:rPr>
+                        <a:t>4</a:t>
+                      </a:r>
+                    </a:p>
+                  </a:txBody>
+                  <a:tcPr marL="5566" marR="5566" marT="5566" marB="0" anchor="ctr">
+                    <a:lnL w="12700" cap="flat" cmpd="sng" algn="ctr">
+                      <a:solidFill>
+                        <a:srgbClr val="000000"/>
+                      </a:solidFill>
+                      <a:prstDash val="solid"/>
+                      <a:round/>
+                      <a:headEnd type="none" w="med" len="med"/>
+                      <a:tailEnd type="none" w="med" len="med"/>
+                    </a:lnL>
+                    <a:lnR w="12700" cap="flat" cmpd="sng" algn="ctr">
+                      <a:solidFill>
+                        <a:srgbClr val="000000"/>
+                      </a:solidFill>
+                      <a:prstDash val="solid"/>
+                      <a:round/>
+                      <a:headEnd type="none" w="med" len="med"/>
+                      <a:tailEnd type="none" w="med" len="med"/>
+                    </a:lnR>
+                    <a:lnT w="12700" cap="flat" cmpd="sng" algn="ctr">
+                      <a:solidFill>
+                        <a:srgbClr val="000000"/>
+                      </a:solidFill>
+                      <a:prstDash val="solid"/>
+                      <a:round/>
+                      <a:headEnd type="none" w="med" len="med"/>
+                      <a:tailEnd type="none" w="med" len="med"/>
+                    </a:lnT>
+                    <a:lnB w="12700" cap="flat" cmpd="sng" algn="ctr">
+                      <a:solidFill>
+                        <a:srgbClr val="000000"/>
+                      </a:solidFill>
+                      <a:prstDash val="solid"/>
+                      <a:round/>
+                      <a:headEnd type="none" w="med" len="med"/>
+                      <a:tailEnd type="none" w="med" len="med"/>
+                    </a:lnB>
+                  </a:tcPr>
+                </a:tc>
+                <a:tc>
+                  <a:txBody>
+                    <a:bodyPr/>
+                    <a:lstStyle/>
+                    <a:p>
+                      <a:pPr algn="l" fontAlgn="ctr"/>
+                      <a:r>
+                        <a:rPr lang="zh-TW" altLang="en-US" sz="1400" b="0" i="0" u="none" strike="noStrike">
+                          <a:solidFill>
+                            <a:srgbClr val="000000"/>
+                          </a:solidFill>
+                          <a:effectLst/>
+                          <a:latin typeface="新細明體" panose="02020500000000000000" pitchFamily="18" charset="-120"/>
+                          <a:ea typeface="新細明體" panose="02020500000000000000" pitchFamily="18" charset="-120"/>
+                        </a:rPr>
+                        <a:t>陳威廷</a:t>
+                      </a:r>
+                    </a:p>
+                  </a:txBody>
+                  <a:tcPr marL="5566" marR="5566" marT="5566" marB="0" anchor="ctr">
+                    <a:lnL w="12700" cap="flat" cmpd="sng" algn="ctr">
+                      <a:solidFill>
+                        <a:srgbClr val="000000"/>
+                      </a:solidFill>
+                      <a:prstDash val="solid"/>
+                      <a:round/>
+                      <a:headEnd type="none" w="med" len="med"/>
+                      <a:tailEnd type="none" w="med" len="med"/>
+                    </a:lnL>
+                    <a:lnR w="12700" cap="flat" cmpd="sng" algn="ctr">
+                      <a:solidFill>
+                        <a:srgbClr val="000000"/>
+                      </a:solidFill>
+                      <a:prstDash val="solid"/>
+                      <a:round/>
+                      <a:headEnd type="none" w="med" len="med"/>
+                      <a:tailEnd type="none" w="med" len="med"/>
+                    </a:lnR>
+                    <a:lnT w="12700" cap="flat" cmpd="sng" algn="ctr">
+                      <a:solidFill>
+                        <a:srgbClr val="000000"/>
+                      </a:solidFill>
+                      <a:prstDash val="solid"/>
+                      <a:round/>
+                      <a:headEnd type="none" w="med" len="med"/>
+                      <a:tailEnd type="none" w="med" len="med"/>
+                    </a:lnT>
+                    <a:lnB w="12700" cap="flat" cmpd="sng" algn="ctr">
+                      <a:solidFill>
+                        <a:srgbClr val="000000"/>
+                      </a:solidFill>
+                      <a:prstDash val="solid"/>
+                      <a:round/>
+                      <a:headEnd type="none" w="med" len="med"/>
+                      <a:tailEnd type="none" w="med" len="med"/>
+                    </a:lnB>
+                  </a:tcPr>
+                </a:tc>
+                <a:extLst>
+                  <a:ext uri="{0D108BD9-81ED-4DB2-BD59-A6C34878D82A}">
+                    <a16:rowId xmlns:a16="http://schemas.microsoft.com/office/drawing/2014/main" val="1551192251"/>
+                  </a:ext>
+                </a:extLst>
+              </a:tr>
+              <a:tr h="505321">
+                <a:tc vMerge="1">
+                  <a:txBody>
+                    <a:bodyPr/>
+                    <a:lstStyle/>
+                    <a:p>
+                      <a:endParaRPr lang="zh-TW" altLang="en-US"/>
+                    </a:p>
+                  </a:txBody>
+                  <a:tcPr/>
+                </a:tc>
+                <a:tc vMerge="1">
+                  <a:txBody>
+                    <a:bodyPr/>
+                    <a:lstStyle/>
+                    <a:p>
+                      <a:endParaRPr lang="zh-TW" altLang="en-US"/>
+                    </a:p>
+                  </a:txBody>
+                  <a:tcPr/>
+                </a:tc>
+                <a:tc>
+                  <a:txBody>
+                    <a:bodyPr/>
+                    <a:lstStyle/>
+                    <a:p>
+                      <a:pPr algn="r" fontAlgn="ctr"/>
+                      <a:r>
+                        <a:rPr lang="en-US" altLang="zh-TW" sz="1400" b="0" i="0" u="none" strike="noStrike">
+                          <a:solidFill>
+                            <a:srgbClr val="000000"/>
+                          </a:solidFill>
+                          <a:effectLst/>
+                          <a:latin typeface="Calibri" panose="020F0502020204030204" pitchFamily="34" charset="0"/>
+                          <a:ea typeface="新細明體" panose="02020500000000000000" pitchFamily="18" charset="-120"/>
+                        </a:rPr>
+                        <a:t>5</a:t>
+                      </a:r>
+                      <a:r>
+                        <a:rPr lang="zh-TW" altLang="en-US" sz="1400" b="0" i="0" u="none" strike="noStrike">
+                          <a:solidFill>
+                            <a:srgbClr val="000000"/>
+                          </a:solidFill>
+                          <a:effectLst/>
+                          <a:latin typeface="Calibri" panose="020F0502020204030204" pitchFamily="34" charset="0"/>
+                          <a:ea typeface="新細明體" panose="02020500000000000000" pitchFamily="18" charset="-120"/>
+                        </a:rPr>
+                        <a:t>月</a:t>
+                      </a:r>
+                      <a:r>
+                        <a:rPr lang="en-US" altLang="zh-TW" sz="1400" b="0" i="0" u="none" strike="noStrike">
+                          <a:solidFill>
+                            <a:srgbClr val="000000"/>
+                          </a:solidFill>
+                          <a:effectLst/>
+                          <a:latin typeface="Calibri" panose="020F0502020204030204" pitchFamily="34" charset="0"/>
+                          <a:ea typeface="新細明體" panose="02020500000000000000" pitchFamily="18" charset="-120"/>
+                        </a:rPr>
+                        <a:t>2</a:t>
+                      </a:r>
+                      <a:r>
+                        <a:rPr lang="zh-TW" altLang="en-US" sz="1400" b="0" i="0" u="none" strike="noStrike">
+                          <a:solidFill>
+                            <a:srgbClr val="000000"/>
+                          </a:solidFill>
+                          <a:effectLst/>
+                          <a:latin typeface="Calibri" panose="020F0502020204030204" pitchFamily="34" charset="0"/>
+                          <a:ea typeface="新細明體" panose="02020500000000000000" pitchFamily="18" charset="-120"/>
+                        </a:rPr>
+                        <a:t>日</a:t>
+                      </a:r>
+                    </a:p>
+                  </a:txBody>
+                  <a:tcPr marL="5566" marR="5566" marT="5566" marB="0" anchor="ctr">
+                    <a:lnL w="12700" cap="flat" cmpd="sng" algn="ctr">
+                      <a:solidFill>
+                        <a:srgbClr val="000000"/>
+                      </a:solidFill>
+                      <a:prstDash val="solid"/>
+                      <a:round/>
+                      <a:headEnd type="none" w="med" len="med"/>
+                      <a:tailEnd type="none" w="med" len="med"/>
+                    </a:lnL>
+                    <a:lnR w="12700" cap="flat" cmpd="sng" algn="ctr">
+                      <a:solidFill>
+                        <a:srgbClr val="000000"/>
+                      </a:solidFill>
+                      <a:prstDash val="solid"/>
+                      <a:round/>
+                      <a:headEnd type="none" w="med" len="med"/>
+                      <a:tailEnd type="none" w="med" len="med"/>
+                    </a:lnR>
+                    <a:lnT w="12700" cap="flat" cmpd="sng" algn="ctr">
+                      <a:solidFill>
+                        <a:srgbClr val="000000"/>
+                      </a:solidFill>
+                      <a:prstDash val="solid"/>
+                      <a:round/>
+                      <a:headEnd type="none" w="med" len="med"/>
+                      <a:tailEnd type="none" w="med" len="med"/>
+                    </a:lnT>
+                    <a:lnB w="12700" cap="flat" cmpd="sng" algn="ctr">
+                      <a:solidFill>
+                        <a:srgbClr val="000000"/>
+                      </a:solidFill>
+                      <a:prstDash val="solid"/>
+                      <a:round/>
+                      <a:headEnd type="none" w="med" len="med"/>
+                      <a:tailEnd type="none" w="med" len="med"/>
+                    </a:lnB>
+                  </a:tcPr>
+                </a:tc>
+                <a:tc>
+                  <a:txBody>
+                    <a:bodyPr/>
+                    <a:lstStyle/>
+                    <a:p>
+                      <a:pPr algn="l" fontAlgn="ctr"/>
+                      <a:r>
+                        <a:rPr lang="zh-TW" altLang="en-US" sz="1400" b="0" i="0" u="none" strike="noStrike">
+                          <a:solidFill>
+                            <a:srgbClr val="000000"/>
+                          </a:solidFill>
+                          <a:effectLst/>
+                          <a:latin typeface="新細明體" panose="02020500000000000000" pitchFamily="18" charset="-120"/>
+                          <a:ea typeface="新細明體" panose="02020500000000000000" pitchFamily="18" charset="-120"/>
+                        </a:rPr>
+                        <a:t>將搜尋結果抽象化</a:t>
+                      </a:r>
+                    </a:p>
+                  </a:txBody>
+                  <a:tcPr marL="5566" marR="5566" marT="5566" marB="0" anchor="ctr">
+                    <a:lnL w="12700" cap="flat" cmpd="sng" algn="ctr">
+                      <a:solidFill>
+                        <a:srgbClr val="000000"/>
+                      </a:solidFill>
+                      <a:prstDash val="solid"/>
+                      <a:round/>
+                      <a:headEnd type="none" w="med" len="med"/>
+                      <a:tailEnd type="none" w="med" len="med"/>
+                    </a:lnL>
+                    <a:lnR w="12700" cap="flat" cmpd="sng" algn="ctr">
+                      <a:solidFill>
+                        <a:srgbClr val="000000"/>
+                      </a:solidFill>
+                      <a:prstDash val="solid"/>
+                      <a:round/>
+                      <a:headEnd type="none" w="med" len="med"/>
+                      <a:tailEnd type="none" w="med" len="med"/>
+                    </a:lnR>
+                    <a:lnT w="12700" cap="flat" cmpd="sng" algn="ctr">
+                      <a:solidFill>
+                        <a:srgbClr val="000000"/>
+                      </a:solidFill>
+                      <a:prstDash val="solid"/>
+                      <a:round/>
+                      <a:headEnd type="none" w="med" len="med"/>
+                      <a:tailEnd type="none" w="med" len="med"/>
+                    </a:lnT>
+                    <a:lnB w="12700" cap="flat" cmpd="sng" algn="ctr">
+                      <a:solidFill>
+                        <a:srgbClr val="000000"/>
+                      </a:solidFill>
+                      <a:prstDash val="solid"/>
+                      <a:round/>
+                      <a:headEnd type="none" w="med" len="med"/>
+                      <a:tailEnd type="none" w="med" len="med"/>
+                    </a:lnB>
+                  </a:tcPr>
+                </a:tc>
+                <a:tc>
+                  <a:txBody>
+                    <a:bodyPr/>
+                    <a:lstStyle/>
+                    <a:p>
+                      <a:pPr algn="r" fontAlgn="ctr"/>
+                      <a:r>
+                        <a:rPr lang="en-US" altLang="zh-TW" sz="1400" b="0" i="0" u="none" strike="noStrike">
+                          <a:solidFill>
+                            <a:srgbClr val="000000"/>
+                          </a:solidFill>
+                          <a:effectLst/>
+                          <a:latin typeface="Calibri" panose="020F0502020204030204" pitchFamily="34" charset="0"/>
+                          <a:ea typeface="新細明體" panose="02020500000000000000" pitchFamily="18" charset="-120"/>
+                        </a:rPr>
+                        <a:t>4</a:t>
+                      </a:r>
+                    </a:p>
+                  </a:txBody>
+                  <a:tcPr marL="5566" marR="5566" marT="5566" marB="0" anchor="ctr">
+                    <a:lnL w="12700" cap="flat" cmpd="sng" algn="ctr">
+                      <a:solidFill>
+                        <a:srgbClr val="000000"/>
+                      </a:solidFill>
+                      <a:prstDash val="solid"/>
+                      <a:round/>
+                      <a:headEnd type="none" w="med" len="med"/>
+                      <a:tailEnd type="none" w="med" len="med"/>
+                    </a:lnL>
+                    <a:lnR w="12700" cap="flat" cmpd="sng" algn="ctr">
+                      <a:solidFill>
+                        <a:srgbClr val="000000"/>
+                      </a:solidFill>
+                      <a:prstDash val="solid"/>
+                      <a:round/>
+                      <a:headEnd type="none" w="med" len="med"/>
+                      <a:tailEnd type="none" w="med" len="med"/>
+                    </a:lnR>
+                    <a:lnT w="12700" cap="flat" cmpd="sng" algn="ctr">
+                      <a:solidFill>
+                        <a:srgbClr val="000000"/>
+                      </a:solidFill>
+                      <a:prstDash val="solid"/>
+                      <a:round/>
+                      <a:headEnd type="none" w="med" len="med"/>
+                      <a:tailEnd type="none" w="med" len="med"/>
+                    </a:lnT>
+                    <a:lnB w="12700" cap="flat" cmpd="sng" algn="ctr">
+                      <a:solidFill>
+                        <a:srgbClr val="000000"/>
+                      </a:solidFill>
+                      <a:prstDash val="solid"/>
+                      <a:round/>
+                      <a:headEnd type="none" w="med" len="med"/>
+                      <a:tailEnd type="none" w="med" len="med"/>
+                    </a:lnB>
+                  </a:tcPr>
+                </a:tc>
+                <a:tc>
+                  <a:txBody>
+                    <a:bodyPr/>
+                    <a:lstStyle/>
+                    <a:p>
+                      <a:pPr algn="l" fontAlgn="ctr"/>
+                      <a:r>
+                        <a:rPr lang="zh-TW" altLang="en-US" sz="1400" b="0" i="0" u="none" strike="noStrike">
+                          <a:solidFill>
+                            <a:srgbClr val="000000"/>
+                          </a:solidFill>
+                          <a:effectLst/>
+                          <a:latin typeface="新細明體" panose="02020500000000000000" pitchFamily="18" charset="-120"/>
+                          <a:ea typeface="新細明體" panose="02020500000000000000" pitchFamily="18" charset="-120"/>
+                        </a:rPr>
+                        <a:t>陳威廷</a:t>
+                      </a:r>
+                    </a:p>
+                  </a:txBody>
+                  <a:tcPr marL="5566" marR="5566" marT="5566" marB="0" anchor="ctr">
+                    <a:lnL w="12700" cap="flat" cmpd="sng" algn="ctr">
+                      <a:solidFill>
+                        <a:srgbClr val="000000"/>
+                      </a:solidFill>
+                      <a:prstDash val="solid"/>
+                      <a:round/>
+                      <a:headEnd type="none" w="med" len="med"/>
+                      <a:tailEnd type="none" w="med" len="med"/>
+                    </a:lnL>
+                    <a:lnR w="12700" cap="flat" cmpd="sng" algn="ctr">
+                      <a:solidFill>
+                        <a:srgbClr val="000000"/>
+                      </a:solidFill>
+                      <a:prstDash val="solid"/>
+                      <a:round/>
+                      <a:headEnd type="none" w="med" len="med"/>
+                      <a:tailEnd type="none" w="med" len="med"/>
+                    </a:lnR>
+                    <a:lnT w="12700" cap="flat" cmpd="sng" algn="ctr">
+                      <a:solidFill>
+                        <a:srgbClr val="000000"/>
+                      </a:solidFill>
+                      <a:prstDash val="solid"/>
+                      <a:round/>
+                      <a:headEnd type="none" w="med" len="med"/>
+                      <a:tailEnd type="none" w="med" len="med"/>
+                    </a:lnT>
+                    <a:lnB w="12700" cap="flat" cmpd="sng" algn="ctr">
+                      <a:solidFill>
+                        <a:srgbClr val="000000"/>
+                      </a:solidFill>
+                      <a:prstDash val="solid"/>
+                      <a:round/>
+                      <a:headEnd type="none" w="med" len="med"/>
+                      <a:tailEnd type="none" w="med" len="med"/>
+                    </a:lnB>
+                  </a:tcPr>
+                </a:tc>
+                <a:extLst>
+                  <a:ext uri="{0D108BD9-81ED-4DB2-BD59-A6C34878D82A}">
+                    <a16:rowId xmlns:a16="http://schemas.microsoft.com/office/drawing/2014/main" val="2816201242"/>
+                  </a:ext>
+                </a:extLst>
+              </a:tr>
+              <a:tr h="166386">
+                <a:tc gridSpan="2">
+                  <a:txBody>
+                    <a:bodyPr/>
+                    <a:lstStyle/>
+                    <a:p>
+                      <a:pPr algn="l" fontAlgn="ctr"/>
+                      <a:r>
+                        <a:rPr lang="en-US" sz="1400" b="0" i="0" u="none" strike="noStrike">
+                          <a:solidFill>
+                            <a:srgbClr val="000000"/>
+                          </a:solidFill>
+                          <a:effectLst/>
+                          <a:latin typeface="Calibri" panose="020F0502020204030204" pitchFamily="34" charset="0"/>
+                          <a:ea typeface="新細明體" panose="02020500000000000000" pitchFamily="18" charset="-120"/>
+                        </a:rPr>
+                        <a:t>Total:66 hrs</a:t>
+                      </a:r>
+                    </a:p>
+                  </a:txBody>
+                  <a:tcPr marL="5566" marR="5566" marT="5566" marB="0" anchor="ctr">
+                    <a:lnL>
+                      <a:noFill/>
+                    </a:lnL>
+                    <a:lnR>
+                      <a:noFill/>
+                    </a:lnR>
+                    <a:lnT w="12700" cap="flat" cmpd="sng" algn="ctr">
+                      <a:solidFill>
+                        <a:srgbClr val="000000"/>
+                      </a:solidFill>
+                      <a:prstDash val="solid"/>
+                      <a:round/>
+                      <a:headEnd type="none" w="med" len="med"/>
+                      <a:tailEnd type="none" w="med" len="med"/>
+                    </a:lnT>
+                    <a:lnB>
+                      <a:noFill/>
+                    </a:lnB>
+                  </a:tcPr>
+                </a:tc>
+                <a:tc hMerge="1">
+                  <a:txBody>
+                    <a:bodyPr/>
+                    <a:lstStyle/>
+                    <a:p>
+                      <a:endParaRPr lang="zh-TW" altLang="en-US"/>
+                    </a:p>
+                  </a:txBody>
+                  <a:tcPr/>
+                </a:tc>
+                <a:tc>
+                  <a:txBody>
+                    <a:bodyPr/>
+                    <a:lstStyle/>
+                    <a:p>
+                      <a:pPr algn="l" fontAlgn="b"/>
+                      <a:endParaRPr lang="zh-TW" altLang="en-US" sz="1400" b="0" i="0" u="none" strike="noStrike">
+                        <a:solidFill>
+                          <a:srgbClr val="000000"/>
+                        </a:solidFill>
+                        <a:effectLst/>
+                        <a:latin typeface="新細明體" panose="02020500000000000000" pitchFamily="18" charset="-120"/>
+                        <a:ea typeface="新細明體" panose="02020500000000000000" pitchFamily="18" charset="-120"/>
+                      </a:endParaRPr>
+                    </a:p>
+                  </a:txBody>
+                  <a:tcPr marL="5566" marR="5566" marT="5566" marB="0" anchor="b">
+                    <a:lnL>
+                      <a:noFill/>
+                    </a:lnL>
+                    <a:lnR>
+                      <a:noFill/>
+                    </a:lnR>
+                    <a:lnT w="12700" cap="flat" cmpd="sng" algn="ctr">
+                      <a:solidFill>
+                        <a:srgbClr val="000000"/>
+                      </a:solidFill>
+                      <a:prstDash val="solid"/>
+                      <a:round/>
+                      <a:headEnd type="none" w="med" len="med"/>
+                      <a:tailEnd type="none" w="med" len="med"/>
+                    </a:lnT>
+                    <a:lnB>
+                      <a:noFill/>
+                    </a:lnB>
+                  </a:tcPr>
+                </a:tc>
+                <a:tc>
+                  <a:txBody>
+                    <a:bodyPr/>
+                    <a:lstStyle/>
+                    <a:p>
+                      <a:pPr algn="l" fontAlgn="b"/>
+                      <a:endParaRPr lang="zh-TW" altLang="en-US" sz="1400" b="0" i="0" u="none" strike="noStrike">
+                        <a:solidFill>
+                          <a:srgbClr val="000000"/>
+                        </a:solidFill>
+                        <a:effectLst/>
+                        <a:latin typeface="新細明體" panose="02020500000000000000" pitchFamily="18" charset="-120"/>
+                        <a:ea typeface="新細明體" panose="02020500000000000000" pitchFamily="18" charset="-120"/>
+                      </a:endParaRPr>
+                    </a:p>
+                  </a:txBody>
+                  <a:tcPr marL="5566" marR="5566" marT="5566" marB="0" anchor="b">
+                    <a:lnL>
+                      <a:noFill/>
+                    </a:lnL>
+                    <a:lnR>
+                      <a:noFill/>
+                    </a:lnR>
+                    <a:lnT w="12700" cap="flat" cmpd="sng" algn="ctr">
+                      <a:solidFill>
+                        <a:srgbClr val="000000"/>
+                      </a:solidFill>
+                      <a:prstDash val="solid"/>
+                      <a:round/>
+                      <a:headEnd type="none" w="med" len="med"/>
+                      <a:tailEnd type="none" w="med" len="med"/>
+                    </a:lnT>
+                    <a:lnB>
+                      <a:noFill/>
+                    </a:lnB>
+                  </a:tcPr>
+                </a:tc>
+                <a:tc>
+                  <a:txBody>
+                    <a:bodyPr/>
+                    <a:lstStyle/>
+                    <a:p>
+                      <a:pPr algn="l" fontAlgn="b"/>
+                      <a:endParaRPr lang="zh-TW" altLang="en-US" sz="1400" b="0" i="0" u="none" strike="noStrike">
+                        <a:solidFill>
+                          <a:srgbClr val="000000"/>
+                        </a:solidFill>
+                        <a:effectLst/>
+                        <a:latin typeface="新細明體" panose="02020500000000000000" pitchFamily="18" charset="-120"/>
+                        <a:ea typeface="新細明體" panose="02020500000000000000" pitchFamily="18" charset="-120"/>
+                      </a:endParaRPr>
+                    </a:p>
+                  </a:txBody>
+                  <a:tcPr marL="5566" marR="5566" marT="5566" marB="0" anchor="b">
+                    <a:lnL>
+                      <a:noFill/>
+                    </a:lnL>
+                    <a:lnR>
+                      <a:noFill/>
+                    </a:lnR>
+                    <a:lnT w="12700" cap="flat" cmpd="sng" algn="ctr">
+                      <a:solidFill>
+                        <a:srgbClr val="000000"/>
+                      </a:solidFill>
+                      <a:prstDash val="solid"/>
+                      <a:round/>
+                      <a:headEnd type="none" w="med" len="med"/>
+                      <a:tailEnd type="none" w="med" len="med"/>
+                    </a:lnT>
+                    <a:lnB>
+                      <a:noFill/>
+                    </a:lnB>
+                  </a:tcPr>
+                </a:tc>
+                <a:tc>
+                  <a:txBody>
+                    <a:bodyPr/>
+                    <a:lstStyle/>
+                    <a:p>
+                      <a:pPr algn="l" fontAlgn="b"/>
+                      <a:endParaRPr lang="zh-TW" altLang="en-US" sz="1400" b="0" i="0" u="none" strike="noStrike" dirty="0">
+                        <a:solidFill>
+                          <a:srgbClr val="000000"/>
+                        </a:solidFill>
+                        <a:effectLst/>
+                        <a:latin typeface="新細明體" panose="02020500000000000000" pitchFamily="18" charset="-120"/>
+                        <a:ea typeface="新細明體" panose="02020500000000000000" pitchFamily="18" charset="-120"/>
+                      </a:endParaRPr>
+                    </a:p>
+                  </a:txBody>
+                  <a:tcPr marL="5566" marR="5566" marT="5566" marB="0" anchor="b">
+                    <a:lnL>
+                      <a:noFill/>
+                    </a:lnL>
+                    <a:lnR>
+                      <a:noFill/>
+                    </a:lnR>
+                    <a:lnT w="12700" cap="flat" cmpd="sng" algn="ctr">
+                      <a:solidFill>
+                        <a:srgbClr val="000000"/>
+                      </a:solidFill>
+                      <a:prstDash val="solid"/>
+                      <a:round/>
+                      <a:headEnd type="none" w="med" len="med"/>
+                      <a:tailEnd type="none" w="med" len="med"/>
+                    </a:lnT>
+                    <a:lnB>
+                      <a:noFill/>
+                    </a:lnB>
+                  </a:tcPr>
+                </a:tc>
+                <a:extLst>
+                  <a:ext uri="{0D108BD9-81ED-4DB2-BD59-A6C34878D82A}">
+                    <a16:rowId xmlns:a16="http://schemas.microsoft.com/office/drawing/2014/main" val="3006280963"/>
+                  </a:ext>
+                </a:extLst>
+              </a:tr>
+            </a:tbl>
+          </a:graphicData>
+        </a:graphic>
+      </p:graphicFrame>
+    </p:spTree>
+    <p:extLst>
+      <p:ext uri="{BB962C8B-B14F-4D97-AF65-F5344CB8AC3E}">
+        <p14:creationId xmlns:p14="http://schemas.microsoft.com/office/powerpoint/2010/main" val="3596163696"/>
+      </p:ext>
+    </p:extLst>
+  </p:cSld>
+  <p:clrMapOvr>
+    <a:masterClrMapping/>
+  </p:clrMapOvr>
+</p:sld>
+</file>
+
+<file path=ppt/slides/slide26.xml><?xml version="1.0" encoding="utf-8"?>
 <p:sld xmlns:a="http://schemas.openxmlformats.org/drawingml/2006/main" xmlns:r="http://schemas.openxmlformats.org/officeDocument/2006/relationships" xmlns:p="http://schemas.openxmlformats.org/presentationml/2006/main">
   <p:cSld>
     <p:spTree>
@@ -11547,7 +17499,7 @@
 </p:sld>
 </file>
 
-<file path=ppt/slides/slide25.xml><?xml version="1.0" encoding="utf-8"?>
+<file path=ppt/slides/slide27.xml><?xml version="1.0" encoding="utf-8"?>
 <p:sld xmlns:a="http://schemas.openxmlformats.org/drawingml/2006/main" xmlns:r="http://schemas.openxmlformats.org/officeDocument/2006/relationships" xmlns:p="http://schemas.openxmlformats.org/presentationml/2006/main">
   <p:cSld>
     <p:spTree>
@@ -12088,7 +18040,7 @@
 </p:sld>
 </file>
 
-<file path=ppt/slides/slide26.xml><?xml version="1.0" encoding="utf-8"?>
+<file path=ppt/slides/slide28.xml><?xml version="1.0" encoding="utf-8"?>
 <p:sld xmlns:a="http://schemas.openxmlformats.org/drawingml/2006/main" xmlns:r="http://schemas.openxmlformats.org/officeDocument/2006/relationships" xmlns:p="http://schemas.openxmlformats.org/presentationml/2006/main">
   <p:cSld>
     <p:spTree>
@@ -12792,7 +18744,7 @@
 </p:sld>
 </file>
 
-<file path=ppt/slides/slide27.xml><?xml version="1.0" encoding="utf-8"?>
+<file path=ppt/slides/slide29.xml><?xml version="1.0" encoding="utf-8"?>
 <p:sld xmlns:a="http://schemas.openxmlformats.org/drawingml/2006/main" xmlns:r="http://schemas.openxmlformats.org/officeDocument/2006/relationships" xmlns:p="http://schemas.openxmlformats.org/presentationml/2006/main">
   <p:cSld>
     <p:spTree>
@@ -12927,7 +18879,180 @@
 </p:sld>
 </file>
 
-<file path=ppt/slides/slide28.xml><?xml version="1.0" encoding="utf-8"?>
+<file path=ppt/slides/slide3.xml><?xml version="1.0" encoding="utf-8"?>
+<p:sld xmlns:a="http://schemas.openxmlformats.org/drawingml/2006/main" xmlns:r="http://schemas.openxmlformats.org/officeDocument/2006/relationships" xmlns:p="http://schemas.openxmlformats.org/presentationml/2006/main">
+  <p:cSld>
+    <p:spTree>
+      <p:nvGrpSpPr>
+        <p:cNvPr id="1" name=""/>
+        <p:cNvGrpSpPr/>
+        <p:nvPr/>
+      </p:nvGrpSpPr>
+      <p:grpSpPr>
+        <a:xfrm>
+          <a:off x="0" y="0"/>
+          <a:ext cx="0" cy="0"/>
+          <a:chOff x="0" y="0"/>
+          <a:chExt cx="0" cy="0"/>
+        </a:xfrm>
+      </p:grpSpPr>
+      <p:sp>
+        <p:nvSpPr>
+          <p:cNvPr id="2" name="標題 1"/>
+          <p:cNvSpPr>
+            <a:spLocks noGrp="1"/>
+          </p:cNvSpPr>
+          <p:nvPr>
+            <p:ph type="title"/>
+          </p:nvPr>
+        </p:nvSpPr>
+        <p:spPr/>
+        <p:txBody>
+          <a:bodyPr/>
+          <a:lstStyle/>
+          <a:p>
+            <a:r>
+              <a:rPr lang="zh-TW" altLang="en-US" dirty="0" smtClean="0"/>
+              <a:t>技術概念和特色</a:t>
+            </a:r>
+            <a:endParaRPr lang="zh-TW" altLang="en-US" dirty="0"/>
+          </a:p>
+        </p:txBody>
+      </p:sp>
+      <p:sp>
+        <p:nvSpPr>
+          <p:cNvPr id="3" name="內容版面配置區 2"/>
+          <p:cNvSpPr>
+            <a:spLocks noGrp="1"/>
+          </p:cNvSpPr>
+          <p:nvPr>
+            <p:ph idx="1"/>
+          </p:nvPr>
+        </p:nvSpPr>
+        <p:spPr/>
+        <p:txBody>
+          <a:bodyPr/>
+          <a:lstStyle/>
+          <a:p>
+            <a:r>
+              <a:rPr lang="zh-TW" altLang="en-US" dirty="0" smtClean="0"/>
+              <a:t>透過簡易的</a:t>
+            </a:r>
+            <a:r>
+              <a:rPr lang="en-US" altLang="zh-TW" dirty="0" smtClean="0"/>
+              <a:t>Http Get</a:t>
+            </a:r>
+            <a:r>
+              <a:rPr lang="zh-TW" altLang="en-US" dirty="0" smtClean="0"/>
+              <a:t>即可獲得許</a:t>
+            </a:r>
+            <a:r>
+              <a:rPr lang="zh-TW" altLang="en-US" dirty="0"/>
+              <a:t>多</a:t>
+            </a:r>
+            <a:r>
+              <a:rPr lang="zh-TW" altLang="en-US" dirty="0" smtClean="0"/>
+              <a:t>店家的資訊，包含</a:t>
+            </a:r>
+            <a:endParaRPr lang="en-US" altLang="zh-TW" dirty="0" smtClean="0"/>
+          </a:p>
+          <a:p>
+            <a:pPr lvl="1"/>
+            <a:r>
+              <a:rPr lang="zh-TW" altLang="en-US" dirty="0" smtClean="0"/>
+              <a:t>餐廳</a:t>
+            </a:r>
+            <a:endParaRPr lang="en-US" altLang="zh-TW" dirty="0" smtClean="0"/>
+          </a:p>
+          <a:p>
+            <a:pPr lvl="1"/>
+            <a:r>
+              <a:rPr lang="zh-TW" altLang="en-US" dirty="0" smtClean="0"/>
+              <a:t>快遞</a:t>
+            </a:r>
+            <a:endParaRPr lang="en-US" altLang="zh-TW" dirty="0" smtClean="0"/>
+          </a:p>
+          <a:p>
+            <a:pPr lvl="1"/>
+            <a:r>
+              <a:rPr lang="zh-TW" altLang="en-US" dirty="0" smtClean="0"/>
+              <a:t>景點</a:t>
+            </a:r>
+            <a:endParaRPr lang="en-US" altLang="zh-TW" dirty="0" smtClean="0"/>
+          </a:p>
+          <a:p>
+            <a:pPr lvl="1"/>
+            <a:endParaRPr lang="en-US" altLang="zh-TW" dirty="0" smtClean="0"/>
+          </a:p>
+          <a:p>
+            <a:r>
+              <a:rPr lang="zh-TW" altLang="en-US" dirty="0" smtClean="0"/>
+              <a:t>可</a:t>
+            </a:r>
+            <a:r>
+              <a:rPr lang="zh-TW" altLang="en-US" dirty="0"/>
+              <a:t>設定的參數多樣</a:t>
+            </a:r>
+            <a:endParaRPr lang="en-US" altLang="zh-TW" dirty="0"/>
+          </a:p>
+          <a:p>
+            <a:pPr lvl="1"/>
+            <a:r>
+              <a:rPr lang="zh-TW" altLang="en-US" dirty="0"/>
+              <a:t>店家名稱</a:t>
+            </a:r>
+            <a:endParaRPr lang="en-US" altLang="zh-TW" dirty="0"/>
+          </a:p>
+          <a:p>
+            <a:pPr lvl="1"/>
+            <a:r>
+              <a:rPr lang="zh-TW" altLang="en-US" dirty="0"/>
+              <a:t>距離</a:t>
+            </a:r>
+            <a:endParaRPr lang="en-US" altLang="zh-TW" dirty="0"/>
+          </a:p>
+          <a:p>
+            <a:pPr lvl="1"/>
+            <a:r>
+              <a:rPr lang="zh-TW" altLang="en-US" dirty="0"/>
+              <a:t>區域</a:t>
+            </a:r>
+            <a:endParaRPr lang="en-US" altLang="zh-TW" dirty="0"/>
+          </a:p>
+          <a:p>
+            <a:pPr lvl="1"/>
+            <a:r>
+              <a:rPr lang="zh-TW" altLang="en-US" dirty="0"/>
+              <a:t>營業時間</a:t>
+            </a:r>
+          </a:p>
+          <a:p>
+            <a:pPr lvl="1"/>
+            <a:endParaRPr lang="en-US" altLang="zh-TW" dirty="0" smtClean="0"/>
+          </a:p>
+        </p:txBody>
+      </p:sp>
+    </p:spTree>
+    <p:extLst>
+      <p:ext uri="{BB962C8B-B14F-4D97-AF65-F5344CB8AC3E}">
+        <p14:creationId xmlns:p14="http://schemas.microsoft.com/office/powerpoint/2010/main" val="2539187730"/>
+      </p:ext>
+    </p:extLst>
+  </p:cSld>
+  <p:clrMapOvr>
+    <a:masterClrMapping/>
+  </p:clrMapOvr>
+  <p:timing>
+    <p:tnLst>
+      <p:par>
+        <p:cTn id="1" dur="indefinite" restart="never" nodeType="tmRoot"/>
+      </p:par>
+    </p:tnLst>
+  </p:timing>
+</p:sld>
+</file>
+
+<file path=ppt/slides/slide30.xml><?xml version="1.0" encoding="utf-8"?>
 <p:sld xmlns:a="http://schemas.openxmlformats.org/drawingml/2006/main" xmlns:r="http://schemas.openxmlformats.org/officeDocument/2006/relationships" xmlns:p="http://schemas.openxmlformats.org/presentationml/2006/main">
   <p:cSld>
     <p:spTree>
@@ -13062,7 +19187,7 @@
 </p:sld>
 </file>
 
-<file path=ppt/slides/slide29.xml><?xml version="1.0" encoding="utf-8"?>
+<file path=ppt/slides/slide31.xml><?xml version="1.0" encoding="utf-8"?>
 <p:sld xmlns:a="http://schemas.openxmlformats.org/drawingml/2006/main" xmlns:r="http://schemas.openxmlformats.org/officeDocument/2006/relationships" xmlns:p="http://schemas.openxmlformats.org/presentationml/2006/main">
   <p:cSld>
     <p:spTree>
@@ -13197,537 +19322,6 @@
 </p:sld>
 </file>
 
-<file path=ppt/slides/slide3.xml><?xml version="1.0" encoding="utf-8"?>
-<p:sld xmlns:a="http://schemas.openxmlformats.org/drawingml/2006/main" xmlns:r="http://schemas.openxmlformats.org/officeDocument/2006/relationships" xmlns:p="http://schemas.openxmlformats.org/presentationml/2006/main">
-  <p:cSld>
-    <p:spTree>
-      <p:nvGrpSpPr>
-        <p:cNvPr id="1" name=""/>
-        <p:cNvGrpSpPr/>
-        <p:nvPr/>
-      </p:nvGrpSpPr>
-      <p:grpSpPr>
-        <a:xfrm>
-          <a:off x="0" y="0"/>
-          <a:ext cx="0" cy="0"/>
-          <a:chOff x="0" y="0"/>
-          <a:chExt cx="0" cy="0"/>
-        </a:xfrm>
-      </p:grpSpPr>
-      <p:sp>
-        <p:nvSpPr>
-          <p:cNvPr id="2" name="標題 1"/>
-          <p:cNvSpPr>
-            <a:spLocks noGrp="1"/>
-          </p:cNvSpPr>
-          <p:nvPr>
-            <p:ph type="title"/>
-          </p:nvPr>
-        </p:nvSpPr>
-        <p:spPr/>
-        <p:txBody>
-          <a:bodyPr/>
-          <a:lstStyle/>
-          <a:p>
-            <a:r>
-              <a:rPr lang="zh-TW" altLang="en-US" dirty="0" smtClean="0"/>
-              <a:t>技術概念和特色</a:t>
-            </a:r>
-            <a:endParaRPr lang="zh-TW" altLang="en-US" dirty="0"/>
-          </a:p>
-        </p:txBody>
-      </p:sp>
-      <p:sp>
-        <p:nvSpPr>
-          <p:cNvPr id="3" name="內容版面配置區 2"/>
-          <p:cNvSpPr>
-            <a:spLocks noGrp="1"/>
-          </p:cNvSpPr>
-          <p:nvPr>
-            <p:ph idx="1"/>
-          </p:nvPr>
-        </p:nvSpPr>
-        <p:spPr/>
-        <p:txBody>
-          <a:bodyPr/>
-          <a:lstStyle/>
-          <a:p>
-            <a:r>
-              <a:rPr lang="zh-TW" altLang="en-US" dirty="0" smtClean="0"/>
-              <a:t>透過簡易的</a:t>
-            </a:r>
-            <a:r>
-              <a:rPr lang="en-US" altLang="zh-TW" dirty="0" smtClean="0"/>
-              <a:t>Http Get</a:t>
-            </a:r>
-            <a:r>
-              <a:rPr lang="zh-TW" altLang="en-US" dirty="0" smtClean="0"/>
-              <a:t>即可獲得許</a:t>
-            </a:r>
-            <a:r>
-              <a:rPr lang="zh-TW" altLang="en-US" dirty="0"/>
-              <a:t>多</a:t>
-            </a:r>
-            <a:r>
-              <a:rPr lang="zh-TW" altLang="en-US" dirty="0" smtClean="0"/>
-              <a:t>店家的資訊，包含</a:t>
-            </a:r>
-            <a:endParaRPr lang="en-US" altLang="zh-TW" dirty="0" smtClean="0"/>
-          </a:p>
-          <a:p>
-            <a:pPr lvl="1"/>
-            <a:r>
-              <a:rPr lang="zh-TW" altLang="en-US" dirty="0" smtClean="0"/>
-              <a:t>餐廳</a:t>
-            </a:r>
-            <a:endParaRPr lang="en-US" altLang="zh-TW" dirty="0" smtClean="0"/>
-          </a:p>
-          <a:p>
-            <a:pPr lvl="1"/>
-            <a:r>
-              <a:rPr lang="zh-TW" altLang="en-US" dirty="0" smtClean="0"/>
-              <a:t>快遞</a:t>
-            </a:r>
-            <a:endParaRPr lang="en-US" altLang="zh-TW" dirty="0" smtClean="0"/>
-          </a:p>
-          <a:p>
-            <a:pPr lvl="1"/>
-            <a:r>
-              <a:rPr lang="zh-TW" altLang="en-US" dirty="0" smtClean="0"/>
-              <a:t>景點</a:t>
-            </a:r>
-            <a:endParaRPr lang="en-US" altLang="zh-TW" dirty="0" smtClean="0"/>
-          </a:p>
-          <a:p>
-            <a:pPr lvl="1"/>
-            <a:endParaRPr lang="en-US" altLang="zh-TW" dirty="0" smtClean="0"/>
-          </a:p>
-          <a:p>
-            <a:r>
-              <a:rPr lang="zh-TW" altLang="en-US" dirty="0" smtClean="0"/>
-              <a:t>可</a:t>
-            </a:r>
-            <a:r>
-              <a:rPr lang="zh-TW" altLang="en-US" dirty="0"/>
-              <a:t>設定的參數多樣</a:t>
-            </a:r>
-            <a:endParaRPr lang="en-US" altLang="zh-TW" dirty="0"/>
-          </a:p>
-          <a:p>
-            <a:pPr lvl="1"/>
-            <a:r>
-              <a:rPr lang="zh-TW" altLang="en-US" dirty="0"/>
-              <a:t>店家名稱</a:t>
-            </a:r>
-            <a:endParaRPr lang="en-US" altLang="zh-TW" dirty="0"/>
-          </a:p>
-          <a:p>
-            <a:pPr lvl="1"/>
-            <a:r>
-              <a:rPr lang="zh-TW" altLang="en-US" dirty="0"/>
-              <a:t>距離</a:t>
-            </a:r>
-            <a:endParaRPr lang="en-US" altLang="zh-TW" dirty="0"/>
-          </a:p>
-          <a:p>
-            <a:pPr lvl="1"/>
-            <a:r>
-              <a:rPr lang="zh-TW" altLang="en-US" dirty="0"/>
-              <a:t>區域</a:t>
-            </a:r>
-            <a:endParaRPr lang="en-US" altLang="zh-TW" dirty="0"/>
-          </a:p>
-          <a:p>
-            <a:pPr lvl="1"/>
-            <a:r>
-              <a:rPr lang="zh-TW" altLang="en-US" dirty="0"/>
-              <a:t>營業時間</a:t>
-            </a:r>
-          </a:p>
-          <a:p>
-            <a:pPr lvl="1"/>
-            <a:endParaRPr lang="en-US" altLang="zh-TW" dirty="0" smtClean="0"/>
-          </a:p>
-        </p:txBody>
-      </p:sp>
-    </p:spTree>
-    <p:extLst>
-      <p:ext uri="{BB962C8B-B14F-4D97-AF65-F5344CB8AC3E}">
-        <p14:creationId xmlns:p14="http://schemas.microsoft.com/office/powerpoint/2010/main" val="2539187730"/>
-      </p:ext>
-    </p:extLst>
-  </p:cSld>
-  <p:clrMapOvr>
-    <a:masterClrMapping/>
-  </p:clrMapOvr>
-  <p:timing>
-    <p:tnLst>
-      <p:par>
-        <p:cTn id="1" dur="indefinite" restart="never" nodeType="tmRoot"/>
-      </p:par>
-    </p:tnLst>
-  </p:timing>
-</p:sld>
-</file>
-
-<file path=ppt/slides/slide30.xml><?xml version="1.0" encoding="utf-8"?>
-<p:sld xmlns:a="http://schemas.openxmlformats.org/drawingml/2006/main" xmlns:r="http://schemas.openxmlformats.org/officeDocument/2006/relationships" xmlns:p="http://schemas.openxmlformats.org/presentationml/2006/main">
-  <p:cSld>
-    <p:spTree>
-      <p:nvGrpSpPr>
-        <p:cNvPr id="1" name=""/>
-        <p:cNvGrpSpPr/>
-        <p:nvPr/>
-      </p:nvGrpSpPr>
-      <p:grpSpPr>
-        <a:xfrm>
-          <a:off x="0" y="0"/>
-          <a:ext cx="0" cy="0"/>
-          <a:chOff x="0" y="0"/>
-          <a:chExt cx="0" cy="0"/>
-        </a:xfrm>
-      </p:grpSpPr>
-      <p:sp>
-        <p:nvSpPr>
-          <p:cNvPr id="2" name="標題 1"/>
-          <p:cNvSpPr>
-            <a:spLocks noGrp="1"/>
-          </p:cNvSpPr>
-          <p:nvPr>
-            <p:ph type="title"/>
-          </p:nvPr>
-        </p:nvSpPr>
-        <p:spPr/>
-        <p:txBody>
-          <a:bodyPr/>
-          <a:lstStyle/>
-          <a:p>
-            <a:r>
-              <a:rPr lang="zh-TW" altLang="en-US" dirty="0" smtClean="0"/>
-              <a:t>遭遇的困難</a:t>
-            </a:r>
-            <a:r>
-              <a:rPr lang="en-US" altLang="zh-TW" baseline="-25000" dirty="0" smtClean="0"/>
-              <a:t>1</a:t>
-            </a:r>
-            <a:endParaRPr lang="zh-TW" altLang="en-US" baseline="-25000" dirty="0"/>
-          </a:p>
-        </p:txBody>
-      </p:sp>
-      <p:sp>
-        <p:nvSpPr>
-          <p:cNvPr id="3" name="內容版面配置區 2"/>
-          <p:cNvSpPr>
-            <a:spLocks noGrp="1"/>
-          </p:cNvSpPr>
-          <p:nvPr>
-            <p:ph idx="1"/>
-          </p:nvPr>
-        </p:nvSpPr>
-        <p:spPr/>
-        <p:txBody>
-          <a:bodyPr>
-            <a:normAutofit/>
-          </a:bodyPr>
-          <a:lstStyle/>
-          <a:p>
-            <a:r>
-              <a:rPr lang="en-US" altLang="zh-TW" sz="3200" dirty="0" smtClean="0"/>
-              <a:t>Q</a:t>
-            </a:r>
-            <a:r>
-              <a:rPr lang="zh-TW" altLang="en-US" sz="3200" dirty="0" smtClean="0"/>
-              <a:t> </a:t>
-            </a:r>
-            <a:r>
-              <a:rPr lang="en-US" altLang="zh-TW" sz="3200" dirty="0" smtClean="0"/>
-              <a:t>:</a:t>
-            </a:r>
-            <a:r>
-              <a:rPr lang="zh-TW" altLang="en-US" sz="3200" dirty="0" smtClean="0"/>
-              <a:t> </a:t>
-            </a:r>
-            <a:r>
-              <a:rPr lang="en-US" altLang="zh-TW" sz="3200" dirty="0" smtClean="0"/>
-              <a:t>Yelp API</a:t>
-            </a:r>
-            <a:r>
-              <a:rPr lang="zh-TW" altLang="en-US" sz="3200" dirty="0" smtClean="0"/>
-              <a:t>今年四月份改版，原有的</a:t>
-            </a:r>
-            <a:r>
-              <a:rPr lang="en-US" altLang="zh-TW" sz="3200" dirty="0" smtClean="0"/>
-              <a:t>Java</a:t>
-            </a:r>
-            <a:r>
-              <a:rPr lang="zh-TW" altLang="en-US" sz="3200" dirty="0" smtClean="0"/>
-              <a:t>範例都無法使用。</a:t>
-            </a:r>
-            <a:endParaRPr lang="en-US" altLang="zh-TW" sz="3200" dirty="0" smtClean="0"/>
-          </a:p>
-          <a:p>
-            <a:pPr marL="0" indent="0">
-              <a:buNone/>
-            </a:pPr>
-            <a:endParaRPr lang="en-US" altLang="zh-TW" sz="3200" dirty="0"/>
-          </a:p>
-          <a:p>
-            <a:r>
-              <a:rPr lang="en-US" altLang="zh-TW" sz="2000" dirty="0" smtClean="0">
-                <a:solidFill>
-                  <a:srgbClr val="FF0000"/>
-                </a:solidFill>
-              </a:rPr>
-              <a:t>A : </a:t>
-            </a:r>
-            <a:r>
-              <a:rPr lang="zh-TW" altLang="en-US" sz="2000" dirty="0" smtClean="0">
-                <a:solidFill>
-                  <a:srgbClr val="FF0000"/>
-                </a:solidFill>
-              </a:rPr>
-              <a:t>自己動手刻一個</a:t>
-            </a:r>
-            <a:r>
-              <a:rPr lang="en-US" altLang="zh-TW" sz="2000" dirty="0" smtClean="0">
-                <a:solidFill>
-                  <a:srgbClr val="FF0000"/>
-                </a:solidFill>
-              </a:rPr>
-              <a:t>Java</a:t>
-            </a:r>
-            <a:r>
-              <a:rPr lang="zh-TW" altLang="en-US" sz="2000" dirty="0" smtClean="0">
-                <a:solidFill>
-                  <a:srgbClr val="FF0000"/>
-                </a:solidFill>
-              </a:rPr>
-              <a:t>模板來使用</a:t>
-            </a:r>
-            <a:r>
-              <a:rPr lang="en-US" altLang="zh-TW" sz="2000" dirty="0" smtClean="0">
-                <a:solidFill>
-                  <a:srgbClr val="FF0000"/>
-                </a:solidFill>
-              </a:rPr>
-              <a:t>Yelp</a:t>
-            </a:r>
-            <a:r>
-              <a:rPr lang="zh-TW" altLang="en-US" sz="2000" dirty="0" smtClean="0">
-                <a:solidFill>
-                  <a:srgbClr val="FF0000"/>
-                </a:solidFill>
-              </a:rPr>
-              <a:t> </a:t>
-            </a:r>
-            <a:r>
-              <a:rPr lang="en-US" altLang="zh-TW" sz="2000" dirty="0" smtClean="0">
-                <a:solidFill>
-                  <a:srgbClr val="FF0000"/>
-                </a:solidFill>
-              </a:rPr>
-              <a:t>API</a:t>
-            </a:r>
-            <a:r>
-              <a:rPr lang="zh-TW" altLang="en-US" sz="2000" dirty="0" smtClean="0">
-                <a:solidFill>
-                  <a:srgbClr val="FF0000"/>
-                </a:solidFill>
-              </a:rPr>
-              <a:t>。</a:t>
-            </a:r>
-            <a:endParaRPr lang="zh-TW" altLang="en-US" sz="2000" dirty="0">
-              <a:solidFill>
-                <a:srgbClr val="FF0000"/>
-              </a:solidFill>
-            </a:endParaRPr>
-          </a:p>
-        </p:txBody>
-      </p:sp>
-    </p:spTree>
-    <p:extLst>
-      <p:ext uri="{BB962C8B-B14F-4D97-AF65-F5344CB8AC3E}">
-        <p14:creationId xmlns:p14="http://schemas.microsoft.com/office/powerpoint/2010/main" val="380199"/>
-      </p:ext>
-    </p:extLst>
-  </p:cSld>
-  <p:clrMapOvr>
-    <a:masterClrMapping/>
-  </p:clrMapOvr>
-</p:sld>
-</file>
-
-<file path=ppt/slides/slide31.xml><?xml version="1.0" encoding="utf-8"?>
-<p:sld xmlns:a="http://schemas.openxmlformats.org/drawingml/2006/main" xmlns:r="http://schemas.openxmlformats.org/officeDocument/2006/relationships" xmlns:p="http://schemas.openxmlformats.org/presentationml/2006/main">
-  <p:cSld>
-    <p:spTree>
-      <p:nvGrpSpPr>
-        <p:cNvPr id="1" name=""/>
-        <p:cNvGrpSpPr/>
-        <p:nvPr/>
-      </p:nvGrpSpPr>
-      <p:grpSpPr>
-        <a:xfrm>
-          <a:off x="0" y="0"/>
-          <a:ext cx="0" cy="0"/>
-          <a:chOff x="0" y="0"/>
-          <a:chExt cx="0" cy="0"/>
-        </a:xfrm>
-      </p:grpSpPr>
-      <p:sp>
-        <p:nvSpPr>
-          <p:cNvPr id="2" name="標題 1"/>
-          <p:cNvSpPr>
-            <a:spLocks noGrp="1"/>
-          </p:cNvSpPr>
-          <p:nvPr>
-            <p:ph type="title"/>
-          </p:nvPr>
-        </p:nvSpPr>
-        <p:spPr/>
-        <p:txBody>
-          <a:bodyPr/>
-          <a:lstStyle/>
-          <a:p>
-            <a:r>
-              <a:rPr lang="zh-TW" altLang="en-US" dirty="0" smtClean="0"/>
-              <a:t>遭遇的困難</a:t>
-            </a:r>
-            <a:r>
-              <a:rPr lang="en-US" altLang="zh-TW" baseline="-25000" dirty="0" smtClean="0"/>
-              <a:t>2</a:t>
-            </a:r>
-            <a:endParaRPr lang="zh-TW" altLang="en-US" baseline="-25000" dirty="0"/>
-          </a:p>
-        </p:txBody>
-      </p:sp>
-      <p:sp>
-        <p:nvSpPr>
-          <p:cNvPr id="3" name="內容版面配置區 2"/>
-          <p:cNvSpPr>
-            <a:spLocks noGrp="1"/>
-          </p:cNvSpPr>
-          <p:nvPr>
-            <p:ph idx="1"/>
-          </p:nvPr>
-        </p:nvSpPr>
-        <p:spPr/>
-        <p:txBody>
-          <a:bodyPr>
-            <a:normAutofit/>
-          </a:bodyPr>
-          <a:lstStyle/>
-          <a:p>
-            <a:r>
-              <a:rPr lang="en-US" altLang="zh-TW" sz="3200" dirty="0" smtClean="0"/>
-              <a:t>Q</a:t>
-            </a:r>
-            <a:r>
-              <a:rPr lang="zh-TW" altLang="en-US" sz="3200" dirty="0" smtClean="0"/>
-              <a:t> </a:t>
-            </a:r>
-            <a:r>
-              <a:rPr lang="en-US" altLang="zh-TW" sz="3200" dirty="0" smtClean="0"/>
-              <a:t>:</a:t>
-            </a:r>
-            <a:r>
-              <a:rPr lang="zh-TW" altLang="en-US" sz="3200" dirty="0" smtClean="0"/>
-              <a:t> </a:t>
-            </a:r>
-            <a:r>
-              <a:rPr lang="en-US" altLang="zh-TW" sz="3200" dirty="0" smtClean="0"/>
-              <a:t>Yelp API </a:t>
-            </a:r>
-            <a:r>
-              <a:rPr lang="zh-TW" altLang="en-US" sz="3200" dirty="0" smtClean="0"/>
-              <a:t>運作速度過於緩慢，導致</a:t>
-            </a:r>
-            <a:r>
-              <a:rPr lang="en-US" altLang="zh-TW" sz="3200" dirty="0" smtClean="0"/>
-              <a:t>debug</a:t>
-            </a:r>
-            <a:r>
-              <a:rPr lang="zh-TW" altLang="en-US" sz="3200" dirty="0" smtClean="0"/>
-              <a:t>過程困難。</a:t>
-            </a:r>
-            <a:endParaRPr lang="en-US" altLang="zh-TW" sz="3200" dirty="0" smtClean="0"/>
-          </a:p>
-          <a:p>
-            <a:pPr marL="0" indent="0">
-              <a:buNone/>
-            </a:pPr>
-            <a:endParaRPr lang="en-US" altLang="zh-TW" sz="3200" dirty="0"/>
-          </a:p>
-          <a:p>
-            <a:r>
-              <a:rPr lang="en-US" altLang="zh-TW" sz="2000" dirty="0" smtClean="0">
-                <a:solidFill>
-                  <a:srgbClr val="FF0000"/>
-                </a:solidFill>
-              </a:rPr>
-              <a:t>A : </a:t>
-            </a:r>
-            <a:r>
-              <a:rPr lang="zh-TW" altLang="en-US" sz="2000" dirty="0" smtClean="0">
-                <a:solidFill>
-                  <a:srgbClr val="FF0000"/>
-                </a:solidFill>
-              </a:rPr>
-              <a:t>要有耐心喔</a:t>
-            </a:r>
-            <a:r>
-              <a:rPr lang="en-US" altLang="zh-TW" sz="2000" dirty="0" smtClean="0">
-                <a:solidFill>
-                  <a:srgbClr val="FF0000"/>
-                </a:solidFill>
-              </a:rPr>
-              <a:t>~</a:t>
-            </a:r>
-            <a:r>
-              <a:rPr lang="zh-TW" altLang="en-US" sz="2000" dirty="0" smtClean="0">
-                <a:solidFill>
-                  <a:srgbClr val="FF0000"/>
-                </a:solidFill>
-              </a:rPr>
-              <a:t>啾咪</a:t>
-            </a:r>
-            <a:r>
-              <a:rPr lang="en-US" altLang="zh-TW" sz="2000" dirty="0" smtClean="0">
-                <a:solidFill>
-                  <a:srgbClr val="FF0000"/>
-                </a:solidFill>
-              </a:rPr>
-              <a:t>&gt;_O</a:t>
-            </a:r>
-            <a:r>
-              <a:rPr lang="zh-TW" altLang="en-US" sz="2000" dirty="0" smtClean="0">
-                <a:solidFill>
-                  <a:srgbClr val="FF0000"/>
-                </a:solidFill>
-              </a:rPr>
-              <a:t>。</a:t>
-            </a:r>
-            <a:endParaRPr lang="zh-TW" altLang="en-US" sz="2000" dirty="0">
-              <a:solidFill>
-                <a:srgbClr val="FF0000"/>
-              </a:solidFill>
-            </a:endParaRPr>
-          </a:p>
-        </p:txBody>
-      </p:sp>
-    </p:spTree>
-    <p:extLst>
-      <p:ext uri="{BB962C8B-B14F-4D97-AF65-F5344CB8AC3E}">
-        <p14:creationId xmlns:p14="http://schemas.microsoft.com/office/powerpoint/2010/main" val="148766705"/>
-      </p:ext>
-    </p:extLst>
-  </p:cSld>
-  <p:clrMapOvr>
-    <a:masterClrMapping/>
-  </p:clrMapOvr>
-</p:sld>
-</file>
-
 <file path=ppt/slides/slide32.xml><?xml version="1.0" encoding="utf-8"?>
 <p:sld xmlns:a="http://schemas.openxmlformats.org/drawingml/2006/main" xmlns:r="http://schemas.openxmlformats.org/officeDocument/2006/relationships" xmlns:p="http://schemas.openxmlformats.org/presentationml/2006/main">
   <p:cSld>
@@ -13766,7 +19360,7 @@
             </a:r>
             <a:r>
               <a:rPr lang="en-US" altLang="zh-TW" baseline="-25000" dirty="0" smtClean="0"/>
-              <a:t>3</a:t>
+              <a:t>1</a:t>
             </a:r>
             <a:endParaRPr lang="zh-TW" altLang="en-US" baseline="-25000" dirty="0"/>
           </a:p>
@@ -13803,23 +19397,23 @@
             </a:r>
             <a:r>
               <a:rPr lang="zh-TW" altLang="en-US" sz="3200" dirty="0" smtClean="0"/>
-              <a:t> 有嚴重</a:t>
+              <a:t> </a:t>
             </a:r>
             <a:r>
               <a:rPr lang="en-US" altLang="zh-TW" sz="3200" dirty="0" smtClean="0"/>
-              <a:t>Big5</a:t>
+              <a:t>Yelp API</a:t>
             </a:r>
             <a:r>
               <a:rPr lang="zh-TW" altLang="en-US" sz="3200" dirty="0" smtClean="0"/>
-              <a:t>編碼腦粉組員存在，導致</a:t>
+              <a:t>今年四月份改版，原有的</a:t>
             </a:r>
             <a:r>
               <a:rPr lang="en-US" altLang="zh-TW" sz="3200" dirty="0" smtClean="0"/>
-              <a:t>debug</a:t>
+              <a:t>Java</a:t>
             </a:r>
             <a:r>
               <a:rPr lang="zh-TW" altLang="en-US" sz="3200" dirty="0" smtClean="0"/>
-              <a:t>過程艱辛。</a:t>
+              <a:t>範例都無法使用。</a:t>
             </a:r>
             <a:endParaRPr lang="en-US" altLang="zh-TW" sz="3200" dirty="0" smtClean="0"/>
           </a:p>
@@ -13844,7 +19438,7 @@
                   <a:srgbClr val="FF0000"/>
                 </a:solidFill>
               </a:rPr>
-              <a:t>鞭打成</a:t>
+              <a:t>自己動手刻一個</a:t>
             </a:r>
             <a:r>
               <a:rPr lang="en-US" altLang="zh-TW" sz="2000" dirty="0" smtClean="0">
@@ -13852,7 +19446,7 @@
                   <a:srgbClr val="FF0000"/>
                 </a:solidFill>
               </a:rPr>
-              <a:t>UTF-8</a:t>
+              <a:t>Java</a:t>
             </a:r>
             <a:r>
               <a:rPr lang="zh-TW" altLang="en-US" sz="2000" dirty="0" smtClean="0">
@@ -13860,7 +19454,7 @@
                   <a:srgbClr val="FF0000"/>
                 </a:solidFill>
               </a:rPr>
-              <a:t>腦粉喔</a:t>
+              <a:t>模板來使用</a:t>
             </a:r>
             <a:r>
               <a:rPr lang="en-US" altLang="zh-TW" sz="2000" dirty="0" smtClean="0">
@@ -13868,7 +19462,7 @@
                   <a:srgbClr val="FF0000"/>
                 </a:solidFill>
               </a:rPr>
-              <a:t>~</a:t>
+              <a:t>Yelp</a:t>
             </a:r>
             <a:r>
               <a:rPr lang="zh-TW" altLang="en-US" sz="2000" dirty="0" smtClean="0">
@@ -13876,7 +19470,7 @@
                   <a:srgbClr val="FF0000"/>
                 </a:solidFill>
               </a:rPr>
-              <a:t>啾咪</a:t>
+              <a:t> </a:t>
             </a:r>
             <a:r>
               <a:rPr lang="en-US" altLang="zh-TW" sz="2000" dirty="0" smtClean="0">
@@ -13884,7 +19478,7 @@
                   <a:srgbClr val="FF0000"/>
                 </a:solidFill>
               </a:rPr>
-              <a:t>&gt;_O</a:t>
+              <a:t>API</a:t>
             </a:r>
             <a:r>
               <a:rPr lang="zh-TW" altLang="en-US" sz="2000" dirty="0" smtClean="0">
@@ -13905,7 +19499,7 @@
     </p:spTree>
     <p:extLst>
       <p:ext uri="{BB962C8B-B14F-4D97-AF65-F5344CB8AC3E}">
-        <p14:creationId xmlns:p14="http://schemas.microsoft.com/office/powerpoint/2010/main" val="3741525345"/>
+        <p14:creationId xmlns:p14="http://schemas.microsoft.com/office/powerpoint/2010/main" val="380199"/>
       </p:ext>
     </p:extLst>
   </p:cSld>
@@ -13949,9 +19543,13 @@
           <a:p>
             <a:r>
               <a:rPr lang="zh-TW" altLang="en-US" dirty="0" smtClean="0"/>
-              <a:t>參考</a:t>
-            </a:r>
-            <a:endParaRPr lang="zh-TW" altLang="en-US" dirty="0"/>
+              <a:t>遭遇的困難</a:t>
+            </a:r>
+            <a:r>
+              <a:rPr lang="en-US" altLang="zh-TW" baseline="-25000" dirty="0" smtClean="0"/>
+              <a:t>2</a:t>
+            </a:r>
+            <a:endParaRPr lang="zh-TW" altLang="en-US" baseline="-25000" dirty="0"/>
           </a:p>
         </p:txBody>
       </p:sp>
@@ -13967,40 +19565,112 @@
         </p:nvSpPr>
         <p:spPr/>
         <p:txBody>
-          <a:bodyPr/>
+          <a:bodyPr>
+            <a:normAutofit/>
+          </a:bodyPr>
           <a:lstStyle/>
           <a:p>
             <a:r>
-              <a:rPr lang="en-US" altLang="zh-TW" dirty="0" smtClean="0"/>
-              <a:t>Yelp </a:t>
-            </a:r>
-            <a:r>
-              <a:rPr lang="en-US" altLang="zh-TW" dirty="0"/>
-              <a:t>API Document: </a:t>
-            </a:r>
-            <a:r>
-              <a:rPr lang="en-US" altLang="zh-TW" dirty="0">
-                <a:hlinkClick r:id="rId2"/>
+              <a:rPr lang="en-US" altLang="zh-TW" sz="3200" dirty="0" smtClean="0"/>
+              <a:t>Q</a:t>
+            </a:r>
+            <a:r>
+              <a:rPr lang="zh-TW" altLang="en-US" sz="3200" dirty="0" smtClean="0"/>
+              <a:t> </a:t>
+            </a:r>
+            <a:r>
+              <a:rPr lang="en-US" altLang="zh-TW" sz="3200" dirty="0" smtClean="0"/>
+              <a:t>:</a:t>
+            </a:r>
+            <a:r>
+              <a:rPr lang="zh-TW" altLang="en-US" sz="3200" dirty="0" smtClean="0"/>
+              <a:t> </a:t>
+            </a:r>
+            <a:r>
+              <a:rPr lang="en-US" altLang="zh-TW" sz="3200" dirty="0" smtClean="0"/>
+              <a:t>Yelp API </a:t>
+            </a:r>
+            <a:r>
+              <a:rPr lang="zh-TW" altLang="en-US" sz="3200" dirty="0" smtClean="0"/>
+              <a:t>運作速度過於緩慢，導致</a:t>
+            </a:r>
+            <a:r>
+              <a:rPr lang="en-US" altLang="zh-TW" sz="3200" dirty="0" smtClean="0"/>
+              <a:t>debug</a:t>
+            </a:r>
+            <a:r>
+              <a:rPr lang="zh-TW" altLang="en-US" sz="3200" dirty="0" smtClean="0"/>
+              <a:t>過程困難。</a:t>
+            </a:r>
+            <a:endParaRPr lang="en-US" altLang="zh-TW" sz="3200" dirty="0" smtClean="0"/>
+          </a:p>
+          <a:p>
+            <a:pPr marL="0" indent="0">
+              <a:buNone/>
+            </a:pPr>
+            <a:endParaRPr lang="en-US" altLang="zh-TW" sz="3200" dirty="0"/>
+          </a:p>
+          <a:p>
+            <a:r>
+              <a:rPr lang="en-US" altLang="zh-TW" sz="2000" dirty="0" smtClean="0">
+                <a:solidFill>
+                  <a:srgbClr val="FF0000"/>
+                </a:solidFill>
               </a:rPr>
-              <a:t>https://</a:t>
-            </a:r>
-            <a:r>
-              <a:rPr lang="en-US" altLang="zh-TW" dirty="0" smtClean="0">
-                <a:hlinkClick r:id="rId2"/>
+              <a:t>A : </a:t>
+            </a:r>
+            <a:r>
+              <a:rPr lang="zh-TW" altLang="en-US" sz="2000" dirty="0" smtClean="0">
+                <a:solidFill>
+                  <a:srgbClr val="FF0000"/>
+                </a:solidFill>
               </a:rPr>
-              <a:t>www.yelp.com/developers/documentation/v3</a:t>
-            </a:r>
-            <a:endParaRPr lang="en-US" altLang="zh-TW" dirty="0" smtClean="0"/>
-          </a:p>
-          <a:p>
-            <a:endParaRPr lang="zh-TW" altLang="en-US" dirty="0"/>
+              <a:t>要有耐心喔</a:t>
+            </a:r>
+            <a:r>
+              <a:rPr lang="en-US" altLang="zh-TW" sz="2000" dirty="0" smtClean="0">
+                <a:solidFill>
+                  <a:srgbClr val="FF0000"/>
+                </a:solidFill>
+              </a:rPr>
+              <a:t>~</a:t>
+            </a:r>
+            <a:r>
+              <a:rPr lang="zh-TW" altLang="en-US" sz="2000" dirty="0" smtClean="0">
+                <a:solidFill>
+                  <a:srgbClr val="FF0000"/>
+                </a:solidFill>
+              </a:rPr>
+              <a:t>啾咪</a:t>
+            </a:r>
+            <a:r>
+              <a:rPr lang="en-US" altLang="zh-TW" sz="2000" dirty="0" smtClean="0">
+                <a:solidFill>
+                  <a:srgbClr val="FF0000"/>
+                </a:solidFill>
+              </a:rPr>
+              <a:t>&gt;_O</a:t>
+            </a:r>
+            <a:r>
+              <a:rPr lang="zh-TW" altLang="en-US" sz="2000" dirty="0" smtClean="0">
+                <a:solidFill>
+                  <a:srgbClr val="FF0000"/>
+                </a:solidFill>
+              </a:rPr>
+              <a:t>。</a:t>
+            </a:r>
+            <a:endParaRPr lang="zh-TW" altLang="en-US" sz="2000" dirty="0">
+              <a:solidFill>
+                <a:srgbClr val="FF0000"/>
+              </a:solidFill>
+            </a:endParaRPr>
           </a:p>
         </p:txBody>
       </p:sp>
     </p:spTree>
     <p:extLst>
       <p:ext uri="{BB962C8B-B14F-4D97-AF65-F5344CB8AC3E}">
-        <p14:creationId xmlns:p14="http://schemas.microsoft.com/office/powerpoint/2010/main" val="430039658"/>
+        <p14:creationId xmlns:p14="http://schemas.microsoft.com/office/powerpoint/2010/main" val="148766705"/>
       </p:ext>
     </p:extLst>
   </p:cSld>
@@ -14043,6 +19713,288 @@
           <a:lstStyle/>
           <a:p>
             <a:r>
+              <a:rPr lang="zh-TW" altLang="en-US" dirty="0" smtClean="0"/>
+              <a:t>遭遇的困難</a:t>
+            </a:r>
+            <a:r>
+              <a:rPr lang="en-US" altLang="zh-TW" baseline="-25000" dirty="0" smtClean="0"/>
+              <a:t>3</a:t>
+            </a:r>
+            <a:endParaRPr lang="zh-TW" altLang="en-US" baseline="-25000" dirty="0"/>
+          </a:p>
+        </p:txBody>
+      </p:sp>
+      <p:sp>
+        <p:nvSpPr>
+          <p:cNvPr id="3" name="內容版面配置區 2"/>
+          <p:cNvSpPr>
+            <a:spLocks noGrp="1"/>
+          </p:cNvSpPr>
+          <p:nvPr>
+            <p:ph idx="1"/>
+          </p:nvPr>
+        </p:nvSpPr>
+        <p:spPr/>
+        <p:txBody>
+          <a:bodyPr>
+            <a:normAutofit/>
+          </a:bodyPr>
+          <a:lstStyle/>
+          <a:p>
+            <a:r>
+              <a:rPr lang="en-US" altLang="zh-TW" sz="3200" dirty="0" smtClean="0"/>
+              <a:t>Q</a:t>
+            </a:r>
+            <a:r>
+              <a:rPr lang="zh-TW" altLang="en-US" sz="3200" dirty="0" smtClean="0"/>
+              <a:t> </a:t>
+            </a:r>
+            <a:r>
+              <a:rPr lang="en-US" altLang="zh-TW" sz="3200" dirty="0" smtClean="0"/>
+              <a:t>:</a:t>
+            </a:r>
+            <a:r>
+              <a:rPr lang="zh-TW" altLang="en-US" sz="3200" dirty="0" smtClean="0"/>
+              <a:t> 有嚴重</a:t>
+            </a:r>
+            <a:r>
+              <a:rPr lang="en-US" altLang="zh-TW" sz="3200" dirty="0" smtClean="0"/>
+              <a:t>Big5</a:t>
+            </a:r>
+            <a:r>
+              <a:rPr lang="zh-TW" altLang="en-US" sz="3200" dirty="0" smtClean="0"/>
+              <a:t>編碼腦粉組員存在，導致</a:t>
+            </a:r>
+            <a:r>
+              <a:rPr lang="en-US" altLang="zh-TW" sz="3200" dirty="0" smtClean="0"/>
+              <a:t>debug</a:t>
+            </a:r>
+            <a:r>
+              <a:rPr lang="zh-TW" altLang="en-US" sz="3200" dirty="0" smtClean="0"/>
+              <a:t>過程艱辛。</a:t>
+            </a:r>
+            <a:endParaRPr lang="en-US" altLang="zh-TW" sz="3200" dirty="0" smtClean="0"/>
+          </a:p>
+          <a:p>
+            <a:pPr marL="0" indent="0">
+              <a:buNone/>
+            </a:pPr>
+            <a:endParaRPr lang="en-US" altLang="zh-TW" sz="3200" dirty="0"/>
+          </a:p>
+          <a:p>
+            <a:r>
+              <a:rPr lang="en-US" altLang="zh-TW" sz="2000" dirty="0" smtClean="0">
+                <a:solidFill>
+                  <a:srgbClr val="FF0000"/>
+                </a:solidFill>
+              </a:rPr>
+              <a:t>A : </a:t>
+            </a:r>
+            <a:r>
+              <a:rPr lang="zh-TW" altLang="en-US" sz="2000" dirty="0" smtClean="0">
+                <a:solidFill>
+                  <a:srgbClr val="FF0000"/>
+                </a:solidFill>
+              </a:rPr>
+              <a:t>鞭打成</a:t>
+            </a:r>
+            <a:r>
+              <a:rPr lang="en-US" altLang="zh-TW" sz="2000" dirty="0" smtClean="0">
+                <a:solidFill>
+                  <a:srgbClr val="FF0000"/>
+                </a:solidFill>
+              </a:rPr>
+              <a:t>UTF-8</a:t>
+            </a:r>
+            <a:r>
+              <a:rPr lang="zh-TW" altLang="en-US" sz="2000" dirty="0" smtClean="0">
+                <a:solidFill>
+                  <a:srgbClr val="FF0000"/>
+                </a:solidFill>
+              </a:rPr>
+              <a:t>腦粉喔</a:t>
+            </a:r>
+            <a:r>
+              <a:rPr lang="en-US" altLang="zh-TW" sz="2000" dirty="0" smtClean="0">
+                <a:solidFill>
+                  <a:srgbClr val="FF0000"/>
+                </a:solidFill>
+              </a:rPr>
+              <a:t>~</a:t>
+            </a:r>
+            <a:r>
+              <a:rPr lang="zh-TW" altLang="en-US" sz="2000" dirty="0" smtClean="0">
+                <a:solidFill>
+                  <a:srgbClr val="FF0000"/>
+                </a:solidFill>
+              </a:rPr>
+              <a:t>啾咪</a:t>
+            </a:r>
+            <a:r>
+              <a:rPr lang="en-US" altLang="zh-TW" sz="2000" dirty="0" smtClean="0">
+                <a:solidFill>
+                  <a:srgbClr val="FF0000"/>
+                </a:solidFill>
+              </a:rPr>
+              <a:t>&gt;_O</a:t>
+            </a:r>
+            <a:r>
+              <a:rPr lang="zh-TW" altLang="en-US" sz="2000" dirty="0" smtClean="0">
+                <a:solidFill>
+                  <a:srgbClr val="FF0000"/>
+                </a:solidFill>
+              </a:rPr>
+              <a:t>。</a:t>
+            </a:r>
+            <a:endParaRPr lang="zh-TW" altLang="en-US" sz="2000" dirty="0">
+              <a:solidFill>
+                <a:srgbClr val="FF0000"/>
+              </a:solidFill>
+            </a:endParaRPr>
+          </a:p>
+        </p:txBody>
+      </p:sp>
+    </p:spTree>
+    <p:extLst>
+      <p:ext uri="{BB962C8B-B14F-4D97-AF65-F5344CB8AC3E}">
+        <p14:creationId xmlns:p14="http://schemas.microsoft.com/office/powerpoint/2010/main" val="3741525345"/>
+      </p:ext>
+    </p:extLst>
+  </p:cSld>
+  <p:clrMapOvr>
+    <a:masterClrMapping/>
+  </p:clrMapOvr>
+</p:sld>
+</file>
+
+<file path=ppt/slides/slide35.xml><?xml version="1.0" encoding="utf-8"?>
+<p:sld xmlns:a="http://schemas.openxmlformats.org/drawingml/2006/main" xmlns:r="http://schemas.openxmlformats.org/officeDocument/2006/relationships" xmlns:p="http://schemas.openxmlformats.org/presentationml/2006/main">
+  <p:cSld>
+    <p:spTree>
+      <p:nvGrpSpPr>
+        <p:cNvPr id="1" name=""/>
+        <p:cNvGrpSpPr/>
+        <p:nvPr/>
+      </p:nvGrpSpPr>
+      <p:grpSpPr>
+        <a:xfrm>
+          <a:off x="0" y="0"/>
+          <a:ext cx="0" cy="0"/>
+          <a:chOff x="0" y="0"/>
+          <a:chExt cx="0" cy="0"/>
+        </a:xfrm>
+      </p:grpSpPr>
+      <p:sp>
+        <p:nvSpPr>
+          <p:cNvPr id="2" name="標題 1"/>
+          <p:cNvSpPr>
+            <a:spLocks noGrp="1"/>
+          </p:cNvSpPr>
+          <p:nvPr>
+            <p:ph type="title"/>
+          </p:nvPr>
+        </p:nvSpPr>
+        <p:spPr/>
+        <p:txBody>
+          <a:bodyPr/>
+          <a:lstStyle/>
+          <a:p>
+            <a:r>
+              <a:rPr lang="zh-TW" altLang="en-US" dirty="0" smtClean="0"/>
+              <a:t>參考</a:t>
+            </a:r>
+            <a:endParaRPr lang="zh-TW" altLang="en-US" dirty="0"/>
+          </a:p>
+        </p:txBody>
+      </p:sp>
+      <p:sp>
+        <p:nvSpPr>
+          <p:cNvPr id="3" name="內容版面配置區 2"/>
+          <p:cNvSpPr>
+            <a:spLocks noGrp="1"/>
+          </p:cNvSpPr>
+          <p:nvPr>
+            <p:ph idx="1"/>
+          </p:nvPr>
+        </p:nvSpPr>
+        <p:spPr/>
+        <p:txBody>
+          <a:bodyPr/>
+          <a:lstStyle/>
+          <a:p>
+            <a:r>
+              <a:rPr lang="en-US" altLang="zh-TW" dirty="0" smtClean="0"/>
+              <a:t>Yelp </a:t>
+            </a:r>
+            <a:r>
+              <a:rPr lang="en-US" altLang="zh-TW" dirty="0"/>
+              <a:t>API Document: </a:t>
+            </a:r>
+            <a:r>
+              <a:rPr lang="en-US" altLang="zh-TW" dirty="0">
+                <a:hlinkClick r:id="rId2"/>
+              </a:rPr>
+              <a:t>https://</a:t>
+            </a:r>
+            <a:r>
+              <a:rPr lang="en-US" altLang="zh-TW" dirty="0" smtClean="0">
+                <a:hlinkClick r:id="rId2"/>
+              </a:rPr>
+              <a:t>www.yelp.com/developers/documentation/v3</a:t>
+            </a:r>
+            <a:endParaRPr lang="en-US" altLang="zh-TW" dirty="0" smtClean="0"/>
+          </a:p>
+          <a:p>
+            <a:endParaRPr lang="zh-TW" altLang="en-US" dirty="0"/>
+          </a:p>
+        </p:txBody>
+      </p:sp>
+    </p:spTree>
+    <p:extLst>
+      <p:ext uri="{BB962C8B-B14F-4D97-AF65-F5344CB8AC3E}">
+        <p14:creationId xmlns:p14="http://schemas.microsoft.com/office/powerpoint/2010/main" val="430039658"/>
+      </p:ext>
+    </p:extLst>
+  </p:cSld>
+  <p:clrMapOvr>
+    <a:masterClrMapping/>
+  </p:clrMapOvr>
+</p:sld>
+</file>
+
+<file path=ppt/slides/slide36.xml><?xml version="1.0" encoding="utf-8"?>
+<p:sld xmlns:a="http://schemas.openxmlformats.org/drawingml/2006/main" xmlns:r="http://schemas.openxmlformats.org/officeDocument/2006/relationships" xmlns:p="http://schemas.openxmlformats.org/presentationml/2006/main">
+  <p:cSld>
+    <p:spTree>
+      <p:nvGrpSpPr>
+        <p:cNvPr id="1" name=""/>
+        <p:cNvGrpSpPr/>
+        <p:nvPr/>
+      </p:nvGrpSpPr>
+      <p:grpSpPr>
+        <a:xfrm>
+          <a:off x="0" y="0"/>
+          <a:ext cx="0" cy="0"/>
+          <a:chOff x="0" y="0"/>
+          <a:chExt cx="0" cy="0"/>
+        </a:xfrm>
+      </p:grpSpPr>
+      <p:sp>
+        <p:nvSpPr>
+          <p:cNvPr id="2" name="標題 1"/>
+          <p:cNvSpPr>
+            <a:spLocks noGrp="1"/>
+          </p:cNvSpPr>
+          <p:nvPr>
+            <p:ph type="title"/>
+          </p:nvPr>
+        </p:nvSpPr>
+        <p:spPr/>
+        <p:txBody>
+          <a:bodyPr/>
+          <a:lstStyle/>
+          <a:p>
+            <a:r>
               <a:rPr lang="zh-TW" altLang="en-US" dirty="0"/>
               <a:t>組員分工情況</a:t>
             </a:r>
@@ -14170,6 +20122,229 @@
     <p:extLst>
       <p:ext uri="{BB962C8B-B14F-4D97-AF65-F5344CB8AC3E}">
         <p14:creationId xmlns:p14="http://schemas.microsoft.com/office/powerpoint/2010/main" val="353536252"/>
+      </p:ext>
+    </p:extLst>
+  </p:cSld>
+  <p:clrMapOvr>
+    <a:masterClrMapping/>
+  </p:clrMapOvr>
+</p:sld>
+</file>
+
+<file path=ppt/slides/slide37.xml><?xml version="1.0" encoding="utf-8"?>
+<p:sld xmlns:a="http://schemas.openxmlformats.org/drawingml/2006/main" xmlns:r="http://schemas.openxmlformats.org/officeDocument/2006/relationships" xmlns:p="http://schemas.openxmlformats.org/presentationml/2006/main">
+  <p:cSld>
+    <p:spTree>
+      <p:nvGrpSpPr>
+        <p:cNvPr id="1" name=""/>
+        <p:cNvGrpSpPr/>
+        <p:nvPr/>
+      </p:nvGrpSpPr>
+      <p:grpSpPr>
+        <a:xfrm>
+          <a:off x="0" y="0"/>
+          <a:ext cx="0" cy="0"/>
+          <a:chOff x="0" y="0"/>
+          <a:chExt cx="0" cy="0"/>
+        </a:xfrm>
+      </p:grpSpPr>
+      <p:sp>
+        <p:nvSpPr>
+          <p:cNvPr id="2" name="標題 1"/>
+          <p:cNvSpPr>
+            <a:spLocks noGrp="1"/>
+          </p:cNvSpPr>
+          <p:nvPr>
+            <p:ph type="title"/>
+          </p:nvPr>
+        </p:nvSpPr>
+        <p:spPr/>
+        <p:txBody>
+          <a:bodyPr/>
+          <a:lstStyle/>
+          <a:p>
+            <a:r>
+              <a:rPr lang="zh-TW" altLang="en-US" dirty="0" smtClean="0"/>
+              <a:t>操作說明</a:t>
+            </a:r>
+            <a:endParaRPr lang="zh-TW" altLang="en-US" dirty="0"/>
+          </a:p>
+        </p:txBody>
+      </p:sp>
+      <p:sp>
+        <p:nvSpPr>
+          <p:cNvPr id="3" name="內容版面配置區 2"/>
+          <p:cNvSpPr>
+            <a:spLocks noGrp="1"/>
+          </p:cNvSpPr>
+          <p:nvPr>
+            <p:ph idx="1"/>
+          </p:nvPr>
+        </p:nvSpPr>
+        <p:spPr/>
+        <p:txBody>
+          <a:bodyPr/>
+          <a:lstStyle/>
+          <a:p>
+            <a:pPr marL="0" indent="0">
+              <a:buNone/>
+            </a:pPr>
+            <a:r>
+              <a:rPr lang="zh-TW" altLang="en-US" dirty="0" smtClean="0"/>
+              <a:t>因為我們的專案如果包成</a:t>
+            </a:r>
+            <a:r>
+              <a:rPr lang="en-US" altLang="zh-TW" dirty="0" smtClean="0"/>
+              <a:t>war</a:t>
+            </a:r>
+            <a:r>
+              <a:rPr lang="zh-TW" altLang="en-US" dirty="0" smtClean="0"/>
+              <a:t>檔會有一點問題，所以最好能使用</a:t>
+            </a:r>
+            <a:r>
+              <a:rPr lang="en-US" altLang="zh-TW" dirty="0" smtClean="0"/>
+              <a:t>eclipse</a:t>
+            </a:r>
+            <a:r>
+              <a:rPr lang="zh-TW" altLang="en-US" dirty="0" smtClean="0"/>
+              <a:t>開啟</a:t>
+            </a:r>
+            <a:endParaRPr lang="en-US" altLang="zh-TW" dirty="0" smtClean="0"/>
+          </a:p>
+          <a:p>
+            <a:pPr marL="0" indent="0">
+              <a:buNone/>
+            </a:pPr>
+            <a:r>
+              <a:rPr lang="en-US" altLang="zh-TW" dirty="0" smtClean="0"/>
+              <a:t>Github</a:t>
+            </a:r>
+            <a:r>
+              <a:rPr lang="zh-TW" altLang="en-US" dirty="0" smtClean="0"/>
+              <a:t>網址</a:t>
+            </a:r>
+            <a:r>
+              <a:rPr lang="en-US" altLang="zh-TW" dirty="0" smtClean="0"/>
+              <a:t>:</a:t>
+            </a:r>
+            <a:r>
+              <a:rPr lang="zh-TW" altLang="en-US" dirty="0" smtClean="0"/>
+              <a:t> </a:t>
+            </a:r>
+            <a:r>
+              <a:rPr lang="en-US" altLang="zh-TW" dirty="0" smtClean="0">
+                <a:hlinkClick r:id="rId2"/>
+              </a:rPr>
+              <a:t>https</a:t>
+            </a:r>
+            <a:r>
+              <a:rPr lang="en-US" altLang="zh-TW" dirty="0">
+                <a:hlinkClick r:id="rId2"/>
+              </a:rPr>
+              <a:t>://</a:t>
+            </a:r>
+            <a:r>
+              <a:rPr lang="en-US" altLang="zh-TW" dirty="0" smtClean="0">
+                <a:hlinkClick r:id="rId2"/>
+              </a:rPr>
+              <a:t>github.com/penut85420/WBSE_Project</a:t>
+            </a:r>
+            <a:endParaRPr lang="en-US" altLang="zh-TW" dirty="0" smtClean="0"/>
+          </a:p>
+          <a:p>
+            <a:pPr marL="0" indent="0">
+              <a:buNone/>
+            </a:pPr>
+            <a:r>
+              <a:rPr lang="zh-TW" altLang="en-US" dirty="0" smtClean="0"/>
+              <a:t>需要注意的地方</a:t>
+            </a:r>
+            <a:r>
+              <a:rPr lang="en-US" altLang="zh-TW" dirty="0" smtClean="0"/>
+              <a:t>:</a:t>
+            </a:r>
+          </a:p>
+          <a:p>
+            <a:r>
+              <a:rPr lang="en-US" altLang="zh-TW" dirty="0" smtClean="0"/>
+              <a:t>1.lib</a:t>
+            </a:r>
+            <a:r>
+              <a:rPr lang="zh-TW" altLang="en-US" dirty="0" smtClean="0"/>
+              <a:t>資料夾裡面有檔案</a:t>
+            </a:r>
+            <a:endParaRPr lang="en-US" altLang="zh-TW" dirty="0" smtClean="0"/>
+          </a:p>
+          <a:p>
+            <a:r>
+              <a:rPr lang="en-US" altLang="zh-TW" dirty="0" smtClean="0"/>
+              <a:t>2.</a:t>
+            </a:r>
+            <a:r>
+              <a:rPr lang="zh-TW" altLang="en-US" dirty="0" smtClean="0"/>
+              <a:t>因為需要</a:t>
+            </a:r>
+            <a:r>
+              <a:rPr lang="en-US" altLang="zh-TW" dirty="0" smtClean="0"/>
+              <a:t>mysql</a:t>
+            </a:r>
+            <a:r>
+              <a:rPr lang="zh-TW" altLang="en-US" dirty="0" smtClean="0"/>
+              <a:t>，請</a:t>
+            </a:r>
+            <a:r>
+              <a:rPr lang="en-US" altLang="zh-TW" dirty="0" smtClean="0"/>
+              <a:t>import yelp.sql</a:t>
+            </a:r>
+            <a:r>
+              <a:rPr lang="zh-TW" altLang="en-US" dirty="0" smtClean="0"/>
+              <a:t>後再在登入輸入帳號</a:t>
+            </a:r>
+            <a:r>
+              <a:rPr lang="en-US" altLang="zh-TW" dirty="0" smtClean="0"/>
+              <a:t>123</a:t>
+            </a:r>
+            <a:r>
+              <a:rPr lang="zh-TW" altLang="en-US" dirty="0" smtClean="0"/>
+              <a:t>密碼</a:t>
+            </a:r>
+            <a:r>
+              <a:rPr lang="en-US" altLang="zh-TW" dirty="0" smtClean="0"/>
+              <a:t>123456</a:t>
+            </a:r>
+          </a:p>
+          <a:p>
+            <a:pPr marL="0" indent="0">
+              <a:buNone/>
+            </a:pPr>
+            <a:r>
+              <a:rPr lang="zh-TW" altLang="en-US" dirty="0" smtClean="0"/>
+              <a:t>專題操作影片網址</a:t>
+            </a:r>
+            <a:r>
+              <a:rPr lang="en-US" altLang="zh-TW" dirty="0" smtClean="0"/>
+              <a:t>:</a:t>
+            </a:r>
+            <a:r>
+              <a:rPr lang="zh-TW" altLang="en-US" dirty="0" smtClean="0"/>
+              <a:t> </a:t>
+            </a:r>
+            <a:r>
+              <a:rPr lang="en-US" altLang="zh-TW" dirty="0" smtClean="0"/>
+              <a:t>https</a:t>
+            </a:r>
+            <a:r>
+              <a:rPr lang="en-US" altLang="zh-TW" dirty="0"/>
+              <a:t>://www.youtube.com/watch?v=_i_w9LWfiMc</a:t>
+            </a:r>
+            <a:endParaRPr lang="en-US" altLang="zh-TW" dirty="0" smtClean="0"/>
+          </a:p>
+        </p:txBody>
+      </p:sp>
+    </p:spTree>
+    <p:extLst>
+      <p:ext uri="{BB962C8B-B14F-4D97-AF65-F5344CB8AC3E}">
+        <p14:creationId xmlns:p14="http://schemas.microsoft.com/office/powerpoint/2010/main" val="4207689965"/>
       </p:ext>
     </p:extLst>
   </p:cSld>

--- a/其他/YelpBlaBla.pptx
+++ b/其他/YelpBlaBla.pptx
@@ -42,6 +42,7 @@
     <p:sldId id="266" r:id="rId36"/>
     <p:sldId id="267" r:id="rId37"/>
     <p:sldId id="294" r:id="rId38"/>
+    <p:sldId id="295" r:id="rId39"/>
   </p:sldIdLst>
   <p:sldSz cx="12192000" cy="6858000"/>
   <p:notesSz cx="6858000" cy="9144000"/>
@@ -336,7 +337,7 @@
           <a:p>
             <a:fld id="{1FF29D48-3DE5-4256-A428-EC8246B949DF}" type="datetimeFigureOut">
               <a:rPr lang="zh-TW" altLang="en-US" smtClean="0"/>
-              <a:t>2017/6/23</a:t>
+              <a:t>2017/6/25</a:t>
             </a:fld>
             <a:endParaRPr lang="zh-TW" altLang="en-US"/>
           </a:p>
@@ -674,7 +675,7 @@
           <a:p>
             <a:fld id="{1FF29D48-3DE5-4256-A428-EC8246B949DF}" type="datetimeFigureOut">
               <a:rPr lang="zh-TW" altLang="en-US" smtClean="0"/>
-              <a:t>2017/6/23</a:t>
+              <a:t>2017/6/25</a:t>
             </a:fld>
             <a:endParaRPr lang="zh-TW" altLang="en-US"/>
           </a:p>
@@ -1075,7 +1076,7 @@
           <a:p>
             <a:fld id="{1FF29D48-3DE5-4256-A428-EC8246B949DF}" type="datetimeFigureOut">
               <a:rPr lang="zh-TW" altLang="en-US" smtClean="0"/>
-              <a:t>2017/6/23</a:t>
+              <a:t>2017/6/25</a:t>
             </a:fld>
             <a:endParaRPr lang="zh-TW" altLang="en-US"/>
           </a:p>
@@ -1411,7 +1412,7 @@
           <a:p>
             <a:fld id="{1FF29D48-3DE5-4256-A428-EC8246B949DF}" type="datetimeFigureOut">
               <a:rPr lang="zh-TW" altLang="en-US" smtClean="0"/>
-              <a:t>2017/6/23</a:t>
+              <a:t>2017/6/25</a:t>
             </a:fld>
             <a:endParaRPr lang="zh-TW" altLang="en-US"/>
           </a:p>
@@ -1731,7 +1732,7 @@
           <a:p>
             <a:fld id="{1FF29D48-3DE5-4256-A428-EC8246B949DF}" type="datetimeFigureOut">
               <a:rPr lang="zh-TW" altLang="en-US" smtClean="0"/>
-              <a:t>2017/6/23</a:t>
+              <a:t>2017/6/25</a:t>
             </a:fld>
             <a:endParaRPr lang="zh-TW" altLang="en-US"/>
           </a:p>
@@ -2127,7 +2128,7 @@
           <a:p>
             <a:fld id="{1FF29D48-3DE5-4256-A428-EC8246B949DF}" type="datetimeFigureOut">
               <a:rPr lang="zh-TW" altLang="en-US" smtClean="0"/>
-              <a:t>2017/6/23</a:t>
+              <a:t>2017/6/25</a:t>
             </a:fld>
             <a:endParaRPr lang="zh-TW" altLang="en-US"/>
           </a:p>
@@ -2384,7 +2385,7 @@
           <a:p>
             <a:fld id="{1FF29D48-3DE5-4256-A428-EC8246B949DF}" type="datetimeFigureOut">
               <a:rPr lang="zh-TW" altLang="en-US" smtClean="0"/>
-              <a:t>2017/6/23</a:t>
+              <a:t>2017/6/25</a:t>
             </a:fld>
             <a:endParaRPr lang="zh-TW" altLang="en-US"/>
           </a:p>
@@ -2646,7 +2647,7 @@
           <a:p>
             <a:fld id="{1FF29D48-3DE5-4256-A428-EC8246B949DF}" type="datetimeFigureOut">
               <a:rPr lang="zh-TW" altLang="en-US" smtClean="0"/>
-              <a:t>2017/6/23</a:t>
+              <a:t>2017/6/25</a:t>
             </a:fld>
             <a:endParaRPr lang="zh-TW" altLang="en-US"/>
           </a:p>
@@ -2908,7 +2909,7 @@
           <a:p>
             <a:fld id="{1FF29D48-3DE5-4256-A428-EC8246B949DF}" type="datetimeFigureOut">
               <a:rPr lang="zh-TW" altLang="en-US" smtClean="0"/>
-              <a:t>2017/6/23</a:t>
+              <a:t>2017/6/25</a:t>
             </a:fld>
             <a:endParaRPr lang="zh-TW" altLang="en-US"/>
           </a:p>
@@ -3237,7 +3238,7 @@
           <a:p>
             <a:fld id="{1FF29D48-3DE5-4256-A428-EC8246B949DF}" type="datetimeFigureOut">
               <a:rPr lang="zh-TW" altLang="en-US" smtClean="0"/>
-              <a:t>2017/6/23</a:t>
+              <a:t>2017/6/25</a:t>
             </a:fld>
             <a:endParaRPr lang="zh-TW" altLang="en-US"/>
           </a:p>
@@ -3560,7 +3561,7 @@
           <a:p>
             <a:fld id="{1FF29D48-3DE5-4256-A428-EC8246B949DF}" type="datetimeFigureOut">
               <a:rPr lang="zh-TW" altLang="en-US" smtClean="0"/>
-              <a:t>2017/6/23</a:t>
+              <a:t>2017/6/25</a:t>
             </a:fld>
             <a:endParaRPr lang="zh-TW" altLang="en-US"/>
           </a:p>
@@ -4017,7 +4018,7 @@
           <a:p>
             <a:fld id="{1FF29D48-3DE5-4256-A428-EC8246B949DF}" type="datetimeFigureOut">
               <a:rPr lang="zh-TW" altLang="en-US" smtClean="0"/>
-              <a:t>2017/6/23</a:t>
+              <a:t>2017/6/25</a:t>
             </a:fld>
             <a:endParaRPr lang="zh-TW" altLang="en-US"/>
           </a:p>
@@ -4222,7 +4223,7 @@
           <a:p>
             <a:fld id="{1FF29D48-3DE5-4256-A428-EC8246B949DF}" type="datetimeFigureOut">
               <a:rPr lang="zh-TW" altLang="en-US" smtClean="0"/>
-              <a:t>2017/6/23</a:t>
+              <a:t>2017/6/25</a:t>
             </a:fld>
             <a:endParaRPr lang="zh-TW" altLang="en-US"/>
           </a:p>
@@ -4399,7 +4400,7 @@
           <a:p>
             <a:fld id="{1FF29D48-3DE5-4256-A428-EC8246B949DF}" type="datetimeFigureOut">
               <a:rPr lang="zh-TW" altLang="en-US" smtClean="0"/>
-              <a:t>2017/6/23</a:t>
+              <a:t>2017/6/25</a:t>
             </a:fld>
             <a:endParaRPr lang="zh-TW" altLang="en-US"/>
           </a:p>
@@ -4732,7 +4733,7 @@
           <a:p>
             <a:fld id="{1FF29D48-3DE5-4256-A428-EC8246B949DF}" type="datetimeFigureOut">
               <a:rPr lang="zh-TW" altLang="en-US" smtClean="0"/>
-              <a:t>2017/6/23</a:t>
+              <a:t>2017/6/25</a:t>
             </a:fld>
             <a:endParaRPr lang="zh-TW" altLang="en-US"/>
           </a:p>
@@ -5077,7 +5078,7 @@
           <a:p>
             <a:fld id="{1FF29D48-3DE5-4256-A428-EC8246B949DF}" type="datetimeFigureOut">
               <a:rPr lang="zh-TW" altLang="en-US" smtClean="0"/>
-              <a:t>2017/6/23</a:t>
+              <a:t>2017/6/25</a:t>
             </a:fld>
             <a:endParaRPr lang="zh-TW" altLang="en-US"/>
           </a:p>
@@ -7194,7 +7195,7 @@
           <a:p>
             <a:fld id="{1FF29D48-3DE5-4256-A428-EC8246B949DF}" type="datetimeFigureOut">
               <a:rPr lang="zh-TW" altLang="en-US" smtClean="0"/>
-              <a:t>2017/6/23</a:t>
+              <a:t>2017/6/25</a:t>
             </a:fld>
             <a:endParaRPr lang="zh-TW" altLang="en-US"/>
           </a:p>
@@ -20354,6 +20355,141 @@
 </p:sld>
 </file>
 
+<file path=ppt/slides/slide38.xml><?xml version="1.0" encoding="utf-8"?>
+<p:sld xmlns:a="http://schemas.openxmlformats.org/drawingml/2006/main" xmlns:r="http://schemas.openxmlformats.org/officeDocument/2006/relationships" xmlns:p="http://schemas.openxmlformats.org/presentationml/2006/main">
+  <p:cSld>
+    <p:spTree>
+      <p:nvGrpSpPr>
+        <p:cNvPr id="1" name=""/>
+        <p:cNvGrpSpPr/>
+        <p:nvPr/>
+      </p:nvGrpSpPr>
+      <p:grpSpPr>
+        <a:xfrm>
+          <a:off x="0" y="0"/>
+          <a:ext cx="0" cy="0"/>
+          <a:chOff x="0" y="0"/>
+          <a:chExt cx="0" cy="0"/>
+        </a:xfrm>
+      </p:grpSpPr>
+      <p:sp>
+        <p:nvSpPr>
+          <p:cNvPr id="2" name="標題 1"/>
+          <p:cNvSpPr>
+            <a:spLocks noGrp="1"/>
+          </p:cNvSpPr>
+          <p:nvPr>
+            <p:ph type="title"/>
+          </p:nvPr>
+        </p:nvSpPr>
+        <p:spPr/>
+        <p:txBody>
+          <a:bodyPr/>
+          <a:lstStyle/>
+          <a:p>
+            <a:r>
+              <a:rPr lang="zh-TW" altLang="en-US" dirty="0" smtClean="0"/>
+              <a:t>心得 </a:t>
+            </a:r>
+            <a:r>
+              <a:rPr lang="en-US" altLang="zh-TW" dirty="0" smtClean="0"/>
+              <a:t>–</a:t>
+            </a:r>
+            <a:r>
+              <a:rPr lang="zh-TW" altLang="en-US" dirty="0" smtClean="0"/>
+              <a:t> 陳威廷</a:t>
+            </a:r>
+            <a:endParaRPr lang="zh-TW" altLang="en-US" dirty="0"/>
+          </a:p>
+        </p:txBody>
+      </p:sp>
+      <p:sp>
+        <p:nvSpPr>
+          <p:cNvPr id="3" name="內容版面配置區 2"/>
+          <p:cNvSpPr>
+            <a:spLocks noGrp="1"/>
+          </p:cNvSpPr>
+          <p:nvPr>
+            <p:ph idx="1"/>
+          </p:nvPr>
+        </p:nvSpPr>
+        <p:spPr/>
+        <p:txBody>
+          <a:bodyPr/>
+          <a:lstStyle/>
+          <a:p>
+            <a:r>
+              <a:rPr lang="zh-TW" altLang="en-US" dirty="0" smtClean="0"/>
+              <a:t>  </a:t>
+            </a:r>
+            <a:r>
+              <a:rPr lang="zh-TW" altLang="en-US" dirty="0"/>
+              <a:t>我這次負責</a:t>
+            </a:r>
+            <a:r>
+              <a:rPr lang="en-US" altLang="zh-TW" dirty="0"/>
+              <a:t>Yelp API</a:t>
+            </a:r>
+            <a:r>
+              <a:rPr lang="zh-TW" altLang="en-US" dirty="0"/>
+              <a:t>的封裝，因為重複的</a:t>
+            </a:r>
+            <a:r>
+              <a:rPr lang="en-US" altLang="zh-TW" dirty="0"/>
+              <a:t>GET</a:t>
+            </a:r>
+            <a:r>
+              <a:rPr lang="zh-TW" altLang="en-US" dirty="0"/>
+              <a:t>對效能造成不小的負擔，所以希望透過一點演算法的設計減少伺服器負擔。面臨到比較大的兩個問題是網址包含</a:t>
+            </a:r>
+            <a:r>
+              <a:rPr lang="en-US" altLang="zh-TW" dirty="0"/>
+              <a:t>Unicode</a:t>
+            </a:r>
+            <a:r>
+              <a:rPr lang="zh-TW" altLang="en-US" dirty="0"/>
+              <a:t>編碼字元的時候，需要先將該字元轉成網址形式（例如食物應該寫成</a:t>
+            </a:r>
+            <a:r>
+              <a:rPr lang="en-US" altLang="zh-TW" dirty="0"/>
+              <a:t>%E9%A3%9F%E7%89%A9</a:t>
+            </a:r>
+            <a:r>
+              <a:rPr lang="zh-TW" altLang="en-US" dirty="0"/>
+              <a:t>），最後透過</a:t>
+            </a:r>
+            <a:r>
+              <a:rPr lang="en-US" altLang="zh-TW" dirty="0" err="1"/>
+              <a:t>URLEncoder.encode</a:t>
+            </a:r>
+            <a:r>
+              <a:rPr lang="zh-TW" altLang="en-US" dirty="0"/>
+              <a:t>的</a:t>
+            </a:r>
+            <a:r>
+              <a:rPr lang="en-US" altLang="zh-TW" dirty="0"/>
+              <a:t>method</a:t>
+            </a:r>
+            <a:r>
+              <a:rPr lang="zh-TW" altLang="en-US" dirty="0"/>
+              <a:t>解決。第二大的問題是我設計的函式似乎不大友善，造成隊友們使用上的困擾，以後應該多加點註解跟多想想其他人使用時候的想法。</a:t>
+            </a:r>
+          </a:p>
+        </p:txBody>
+      </p:sp>
+    </p:spTree>
+    <p:extLst>
+      <p:ext uri="{BB962C8B-B14F-4D97-AF65-F5344CB8AC3E}">
+        <p14:creationId xmlns:p14="http://schemas.microsoft.com/office/powerpoint/2010/main" val="1326892441"/>
+      </p:ext>
+    </p:extLst>
+  </p:cSld>
+  <p:clrMapOvr>
+    <a:masterClrMapping/>
+  </p:clrMapOvr>
+</p:sld>
+</file>
+
 <file path=ppt/slides/slide4.xml><?xml version="1.0" encoding="utf-8"?>
 <p:sld xmlns:a="http://schemas.openxmlformats.org/drawingml/2006/main" xmlns:r="http://schemas.openxmlformats.org/officeDocument/2006/relationships" xmlns:p="http://schemas.openxmlformats.org/presentationml/2006/main">
   <p:cSld>

--- a/其他/YelpBlaBla.pptx
+++ b/其他/YelpBlaBla.pptx
@@ -26,23 +26,29 @@
     <p:sldId id="286" r:id="rId20"/>
     <p:sldId id="276" r:id="rId21"/>
     <p:sldId id="277" r:id="rId22"/>
-    <p:sldId id="278" r:id="rId23"/>
-    <p:sldId id="273" r:id="rId24"/>
-    <p:sldId id="292" r:id="rId25"/>
-    <p:sldId id="293" r:id="rId26"/>
-    <p:sldId id="269" r:id="rId27"/>
-    <p:sldId id="270" r:id="rId28"/>
-    <p:sldId id="271" r:id="rId29"/>
-    <p:sldId id="265" r:id="rId30"/>
-    <p:sldId id="287" r:id="rId31"/>
-    <p:sldId id="288" r:id="rId32"/>
-    <p:sldId id="289" r:id="rId33"/>
-    <p:sldId id="290" r:id="rId34"/>
-    <p:sldId id="291" r:id="rId35"/>
-    <p:sldId id="266" r:id="rId36"/>
-    <p:sldId id="267" r:id="rId37"/>
-    <p:sldId id="294" r:id="rId38"/>
-    <p:sldId id="295" r:id="rId39"/>
+    <p:sldId id="297" r:id="rId23"/>
+    <p:sldId id="298" r:id="rId24"/>
+    <p:sldId id="299" r:id="rId25"/>
+    <p:sldId id="300" r:id="rId26"/>
+    <p:sldId id="301" r:id="rId27"/>
+    <p:sldId id="278" r:id="rId28"/>
+    <p:sldId id="273" r:id="rId29"/>
+    <p:sldId id="292" r:id="rId30"/>
+    <p:sldId id="293" r:id="rId31"/>
+    <p:sldId id="269" r:id="rId32"/>
+    <p:sldId id="270" r:id="rId33"/>
+    <p:sldId id="271" r:id="rId34"/>
+    <p:sldId id="265" r:id="rId35"/>
+    <p:sldId id="287" r:id="rId36"/>
+    <p:sldId id="288" r:id="rId37"/>
+    <p:sldId id="289" r:id="rId38"/>
+    <p:sldId id="290" r:id="rId39"/>
+    <p:sldId id="291" r:id="rId40"/>
+    <p:sldId id="266" r:id="rId41"/>
+    <p:sldId id="267" r:id="rId42"/>
+    <p:sldId id="294" r:id="rId43"/>
+    <p:sldId id="295" r:id="rId44"/>
+    <p:sldId id="296" r:id="rId45"/>
   </p:sldIdLst>
   <p:sldSz cx="12192000" cy="6858000"/>
   <p:notesSz cx="6858000" cy="9144000"/>
@@ -143,7 +149,7 @@
   </p:defaultTextStyle>
   <p:extLst>
     <p:ext uri="{EFAFB233-063F-42B5-8137-9DF3F51BA10A}">
-      <p15:sldGuideLst xmlns:p15="http://schemas.microsoft.com/office/powerpoint/2012/main"/>
+      <p15:sldGuideLst xmlns:p15="http://schemas.microsoft.com/office/powerpoint/2012/main" xmlns=""/>
     </p:ext>
   </p:extLst>
 </p:presentation>
@@ -9972,6 +9978,593 @@
           <a:lstStyle/>
           <a:p>
             <a:r>
+              <a:rPr lang="zh-TW" altLang="en-US" dirty="0" smtClean="0"/>
+              <a:t>操作故事</a:t>
+            </a:r>
+            <a:endParaRPr lang="zh-TW" altLang="en-US" dirty="0"/>
+          </a:p>
+        </p:txBody>
+      </p:sp>
+      <p:sp>
+        <p:nvSpPr>
+          <p:cNvPr id="3" name="內容版面配置區 2"/>
+          <p:cNvSpPr>
+            <a:spLocks noGrp="1"/>
+          </p:cNvSpPr>
+          <p:nvPr>
+            <p:ph idx="1"/>
+          </p:nvPr>
+        </p:nvSpPr>
+        <p:spPr/>
+        <p:txBody>
+          <a:bodyPr/>
+          <a:lstStyle/>
+          <a:p>
+            <a:r>
+              <a:rPr lang="zh-TW" altLang="en-US" b="1" dirty="0"/>
+              <a:t>使用者：毛毛</a:t>
+            </a:r>
+            <a:endParaRPr lang="en-US" altLang="zh-TW" b="1" dirty="0"/>
+          </a:p>
+          <a:p>
+            <a:r>
+              <a:rPr lang="zh-TW" altLang="en-US" b="1" dirty="0"/>
+              <a:t>職業：海洋大學資工系學生</a:t>
+            </a:r>
+            <a:endParaRPr lang="en-US" altLang="zh-TW" b="1" dirty="0"/>
+          </a:p>
+          <a:p>
+            <a:r>
+              <a:rPr lang="zh-TW" altLang="en-US" b="1" dirty="0"/>
+              <a:t>生日：</a:t>
+            </a:r>
+            <a:r>
+              <a:rPr lang="en-US" altLang="zh-TW" b="1" dirty="0"/>
+              <a:t>1996/02/02</a:t>
+            </a:r>
+          </a:p>
+          <a:p>
+            <a:endParaRPr lang="zh-TW" altLang="en-US" dirty="0"/>
+          </a:p>
+        </p:txBody>
+      </p:sp>
+    </p:spTree>
+    <p:extLst>
+      <p:ext uri="{BB962C8B-B14F-4D97-AF65-F5344CB8AC3E}">
+        <p14:creationId xmlns:p14="http://schemas.microsoft.com/office/powerpoint/2010/main" val="2287051180"/>
+      </p:ext>
+    </p:extLst>
+  </p:cSld>
+  <p:clrMapOvr>
+    <a:masterClrMapping/>
+  </p:clrMapOvr>
+</p:sld>
+</file>
+
+<file path=ppt/slides/slide23.xml><?xml version="1.0" encoding="utf-8"?>
+<p:sld xmlns:a="http://schemas.openxmlformats.org/drawingml/2006/main" xmlns:r="http://schemas.openxmlformats.org/officeDocument/2006/relationships" xmlns:p="http://schemas.openxmlformats.org/presentationml/2006/main">
+  <p:cSld>
+    <p:spTree>
+      <p:nvGrpSpPr>
+        <p:cNvPr id="1" name=""/>
+        <p:cNvGrpSpPr/>
+        <p:nvPr/>
+      </p:nvGrpSpPr>
+      <p:grpSpPr>
+        <a:xfrm>
+          <a:off x="0" y="0"/>
+          <a:ext cx="0" cy="0"/>
+          <a:chOff x="0" y="0"/>
+          <a:chExt cx="0" cy="0"/>
+        </a:xfrm>
+      </p:grpSpPr>
+      <p:sp>
+        <p:nvSpPr>
+          <p:cNvPr id="2" name="標題 1"/>
+          <p:cNvSpPr>
+            <a:spLocks noGrp="1"/>
+          </p:cNvSpPr>
+          <p:nvPr>
+            <p:ph type="title"/>
+          </p:nvPr>
+        </p:nvSpPr>
+        <p:spPr/>
+        <p:txBody>
+          <a:bodyPr/>
+          <a:lstStyle/>
+          <a:p>
+            <a:r>
+              <a:rPr lang="zh-TW" altLang="en-US" dirty="0"/>
+              <a:t>操作故事</a:t>
+            </a:r>
+          </a:p>
+        </p:txBody>
+      </p:sp>
+      <p:sp>
+        <p:nvSpPr>
+          <p:cNvPr id="3" name="內容版面配置區 2"/>
+          <p:cNvSpPr>
+            <a:spLocks noGrp="1"/>
+          </p:cNvSpPr>
+          <p:nvPr>
+            <p:ph idx="1"/>
+          </p:nvPr>
+        </p:nvSpPr>
+        <p:spPr/>
+        <p:txBody>
+          <a:bodyPr/>
+          <a:lstStyle/>
+          <a:p>
+            <a:r>
+              <a:rPr lang="zh-TW" altLang="en-US" b="1" dirty="0"/>
+              <a:t>毛毛和朋友相約今晚一起去咖啡館做小組報告，但大家不知道哪裡有合適的店家。</a:t>
+            </a:r>
+            <a:endParaRPr lang="en-US" altLang="zh-TW" b="1" dirty="0"/>
+          </a:p>
+          <a:p>
+            <a:endParaRPr lang="en-US" altLang="zh-TW" b="1" dirty="0"/>
+          </a:p>
+          <a:p>
+            <a:r>
+              <a:rPr lang="zh-TW" altLang="en-US" b="1" dirty="0"/>
+              <a:t>毛毛在網路上發現了便利的</a:t>
+            </a:r>
+            <a:r>
+              <a:rPr lang="en-US" altLang="zh-TW" b="1" dirty="0" err="1"/>
+              <a:t>YelpBlaBla</a:t>
+            </a:r>
+            <a:r>
+              <a:rPr lang="zh-TW" altLang="en-US" b="1" dirty="0"/>
+              <a:t>能夠查詢店家，於是想要在上面註冊屬於自己的帳戶</a:t>
+            </a:r>
+            <a:r>
+              <a:rPr lang="zh-TW" altLang="en-US" b="1" dirty="0" smtClean="0"/>
+              <a:t>。</a:t>
+            </a:r>
+            <a:endParaRPr lang="en-US" altLang="zh-TW" b="1" dirty="0" smtClean="0"/>
+          </a:p>
+          <a:p>
+            <a:endParaRPr lang="en-US" altLang="zh-TW" b="1" dirty="0" smtClean="0"/>
+          </a:p>
+          <a:p>
+            <a:r>
+              <a:rPr lang="zh-TW" altLang="en-US" b="1" dirty="0"/>
+              <a:t>毛毛來到了註冊頁面，輸入了自己的「帳號」 「密碼」 「生日」 「姓名」 「使用者名稱」，成功創辦個人帳戶。</a:t>
+            </a:r>
+            <a:endParaRPr lang="en-US" altLang="zh-TW" b="1" dirty="0"/>
+          </a:p>
+          <a:p>
+            <a:endParaRPr lang="en-US" altLang="zh-TW" b="1" dirty="0"/>
+          </a:p>
+          <a:p>
+            <a:endParaRPr lang="zh-TW" altLang="en-US" dirty="0"/>
+          </a:p>
+        </p:txBody>
+      </p:sp>
+    </p:spTree>
+    <p:extLst>
+      <p:ext uri="{BB962C8B-B14F-4D97-AF65-F5344CB8AC3E}">
+        <p14:creationId xmlns:p14="http://schemas.microsoft.com/office/powerpoint/2010/main" val="390165831"/>
+      </p:ext>
+    </p:extLst>
+  </p:cSld>
+  <p:clrMapOvr>
+    <a:masterClrMapping/>
+  </p:clrMapOvr>
+</p:sld>
+</file>
+
+<file path=ppt/slides/slide24.xml><?xml version="1.0" encoding="utf-8"?>
+<p:sld xmlns:a="http://schemas.openxmlformats.org/drawingml/2006/main" xmlns:r="http://schemas.openxmlformats.org/officeDocument/2006/relationships" xmlns:p="http://schemas.openxmlformats.org/presentationml/2006/main">
+  <p:cSld>
+    <p:spTree>
+      <p:nvGrpSpPr>
+        <p:cNvPr id="1" name=""/>
+        <p:cNvGrpSpPr/>
+        <p:nvPr/>
+      </p:nvGrpSpPr>
+      <p:grpSpPr>
+        <a:xfrm>
+          <a:off x="0" y="0"/>
+          <a:ext cx="0" cy="0"/>
+          <a:chOff x="0" y="0"/>
+          <a:chExt cx="0" cy="0"/>
+        </a:xfrm>
+      </p:grpSpPr>
+      <p:sp>
+        <p:nvSpPr>
+          <p:cNvPr id="2" name="標題 1"/>
+          <p:cNvSpPr>
+            <a:spLocks noGrp="1"/>
+          </p:cNvSpPr>
+          <p:nvPr>
+            <p:ph type="title"/>
+          </p:nvPr>
+        </p:nvSpPr>
+        <p:spPr/>
+        <p:txBody>
+          <a:bodyPr/>
+          <a:lstStyle/>
+          <a:p>
+            <a:r>
+              <a:rPr lang="zh-TW" altLang="en-US" dirty="0"/>
+              <a:t>操作故事</a:t>
+            </a:r>
+          </a:p>
+        </p:txBody>
+      </p:sp>
+      <p:sp>
+        <p:nvSpPr>
+          <p:cNvPr id="3" name="內容版面配置區 2"/>
+          <p:cNvSpPr>
+            <a:spLocks noGrp="1"/>
+          </p:cNvSpPr>
+          <p:nvPr>
+            <p:ph idx="1"/>
+          </p:nvPr>
+        </p:nvSpPr>
+        <p:spPr/>
+        <p:txBody>
+          <a:bodyPr/>
+          <a:lstStyle/>
+          <a:p>
+            <a:r>
+              <a:rPr lang="zh-TW" altLang="en-US" b="1" dirty="0"/>
+              <a:t>毛毛註冊完帳戶後，便來到登入頁面輸入剛剛設定的帳號密碼，成功登入了自己的帳戶。</a:t>
+            </a:r>
+          </a:p>
+          <a:p>
+            <a:endParaRPr lang="en-US" altLang="zh-TW" dirty="0" smtClean="0"/>
+          </a:p>
+          <a:p>
+            <a:r>
+              <a:rPr lang="zh-TW" altLang="en-US" b="1" dirty="0" smtClean="0"/>
+              <a:t>她在</a:t>
+            </a:r>
+            <a:r>
+              <a:rPr lang="en-US" altLang="zh-TW" b="1" dirty="0" err="1"/>
+              <a:t>YelpBlaBla</a:t>
+            </a:r>
+            <a:r>
+              <a:rPr lang="zh-TW" altLang="en-US" b="1" dirty="0"/>
+              <a:t>首頁的搜尋欄輸入：</a:t>
+            </a:r>
+            <a:r>
+              <a:rPr lang="en-US" altLang="zh-TW" b="1" dirty="0"/>
+              <a:t>Starbucks</a:t>
+            </a:r>
+            <a:r>
+              <a:rPr lang="zh-TW" altLang="en-US" b="1" dirty="0"/>
+              <a:t>，並按下</a:t>
+            </a:r>
+            <a:r>
+              <a:rPr lang="en-US" altLang="zh-TW" b="1" dirty="0"/>
+              <a:t>SEARCH</a:t>
+            </a:r>
+            <a:r>
+              <a:rPr lang="zh-TW" altLang="en-US" b="1" dirty="0"/>
+              <a:t>按鈕</a:t>
+            </a:r>
+            <a:r>
+              <a:rPr lang="zh-TW" altLang="en-US" b="1" dirty="0" smtClean="0"/>
+              <a:t>。</a:t>
+            </a:r>
+            <a:endParaRPr lang="en-US" altLang="zh-TW" b="1" dirty="0" smtClean="0"/>
+          </a:p>
+          <a:p>
+            <a:endParaRPr lang="en-US" altLang="zh-TW" b="1" dirty="0"/>
+          </a:p>
+          <a:p>
+            <a:r>
+              <a:rPr lang="zh-TW" altLang="en-US" b="1" dirty="0"/>
+              <a:t>搜尋結果頁面顯示出附近幾間</a:t>
+            </a:r>
+            <a:r>
+              <a:rPr lang="en-US" altLang="zh-TW" b="1" dirty="0"/>
+              <a:t>Starbucks</a:t>
+            </a:r>
+            <a:r>
+              <a:rPr lang="zh-TW" altLang="en-US" b="1" dirty="0"/>
+              <a:t>的店家名稱、評分、評論、電話、地址以及</a:t>
+            </a:r>
+            <a:r>
+              <a:rPr lang="en-US" altLang="zh-TW" b="1" dirty="0"/>
+              <a:t>GOOGLE MAP</a:t>
+            </a:r>
+            <a:r>
+              <a:rPr lang="zh-TW" altLang="en-US" b="1" dirty="0"/>
+              <a:t>地圖位置。</a:t>
+            </a:r>
+            <a:endParaRPr lang="en-US" altLang="zh-TW" b="1" dirty="0"/>
+          </a:p>
+          <a:p>
+            <a:endParaRPr lang="en-US" altLang="zh-TW" b="1" dirty="0"/>
+          </a:p>
+          <a:p>
+            <a:endParaRPr lang="zh-TW" altLang="en-US" dirty="0"/>
+          </a:p>
+        </p:txBody>
+      </p:sp>
+    </p:spTree>
+    <p:extLst>
+      <p:ext uri="{BB962C8B-B14F-4D97-AF65-F5344CB8AC3E}">
+        <p14:creationId xmlns:p14="http://schemas.microsoft.com/office/powerpoint/2010/main" val="2857472708"/>
+      </p:ext>
+    </p:extLst>
+  </p:cSld>
+  <p:clrMapOvr>
+    <a:masterClrMapping/>
+  </p:clrMapOvr>
+</p:sld>
+</file>
+
+<file path=ppt/slides/slide25.xml><?xml version="1.0" encoding="utf-8"?>
+<p:sld xmlns:a="http://schemas.openxmlformats.org/drawingml/2006/main" xmlns:r="http://schemas.openxmlformats.org/officeDocument/2006/relationships" xmlns:p="http://schemas.openxmlformats.org/presentationml/2006/main">
+  <p:cSld>
+    <p:spTree>
+      <p:nvGrpSpPr>
+        <p:cNvPr id="1" name=""/>
+        <p:cNvGrpSpPr/>
+        <p:nvPr/>
+      </p:nvGrpSpPr>
+      <p:grpSpPr>
+        <a:xfrm>
+          <a:off x="0" y="0"/>
+          <a:ext cx="0" cy="0"/>
+          <a:chOff x="0" y="0"/>
+          <a:chExt cx="0" cy="0"/>
+        </a:xfrm>
+      </p:grpSpPr>
+      <p:sp>
+        <p:nvSpPr>
+          <p:cNvPr id="2" name="標題 1"/>
+          <p:cNvSpPr>
+            <a:spLocks noGrp="1"/>
+          </p:cNvSpPr>
+          <p:nvPr>
+            <p:ph type="title"/>
+          </p:nvPr>
+        </p:nvSpPr>
+        <p:spPr/>
+        <p:txBody>
+          <a:bodyPr/>
+          <a:lstStyle/>
+          <a:p>
+            <a:r>
+              <a:rPr lang="zh-TW" altLang="en-US" dirty="0"/>
+              <a:t>操作故事</a:t>
+            </a:r>
+          </a:p>
+        </p:txBody>
+      </p:sp>
+      <p:sp>
+        <p:nvSpPr>
+          <p:cNvPr id="3" name="內容版面配置區 2"/>
+          <p:cNvSpPr>
+            <a:spLocks noGrp="1"/>
+          </p:cNvSpPr>
+          <p:nvPr>
+            <p:ph idx="1"/>
+          </p:nvPr>
+        </p:nvSpPr>
+        <p:spPr/>
+        <p:txBody>
+          <a:bodyPr/>
+          <a:lstStyle/>
+          <a:p>
+            <a:r>
+              <a:rPr lang="zh-TW" altLang="en-US" b="1" dirty="0"/>
+              <a:t>毛毛怕等一下忘記</a:t>
+            </a:r>
+            <a:r>
+              <a:rPr lang="en-US" altLang="zh-TW" b="1" dirty="0"/>
+              <a:t>Starbucks</a:t>
+            </a:r>
+            <a:r>
+              <a:rPr lang="zh-TW" altLang="en-US" b="1" dirty="0"/>
+              <a:t>的資訊要重新查詢，於是將</a:t>
+            </a:r>
+            <a:r>
+              <a:rPr lang="en-US" altLang="zh-TW" b="1" dirty="0"/>
+              <a:t>Starbucks</a:t>
+            </a:r>
+            <a:r>
+              <a:rPr lang="zh-TW" altLang="en-US" b="1" dirty="0"/>
+              <a:t>加入收藏，她按下了收藏的按鈕</a:t>
+            </a:r>
+            <a:r>
+              <a:rPr lang="zh-TW" altLang="en-US" b="1" dirty="0" smtClean="0"/>
+              <a:t>。</a:t>
+            </a:r>
+            <a:endParaRPr lang="en-US" altLang="zh-TW" dirty="0" smtClean="0"/>
+          </a:p>
+          <a:p>
+            <a:endParaRPr lang="en-US" altLang="zh-TW" dirty="0"/>
+          </a:p>
+          <a:p>
+            <a:r>
+              <a:rPr lang="zh-TW" altLang="en-US" b="1" dirty="0"/>
+              <a:t>她</a:t>
+            </a:r>
+            <a:r>
+              <a:rPr lang="zh-TW" altLang="en-US" b="1" dirty="0" smtClean="0"/>
+              <a:t>查看</a:t>
+            </a:r>
+            <a:r>
+              <a:rPr lang="zh-TW" altLang="en-US" b="1" dirty="0"/>
+              <a:t>了這幾間</a:t>
+            </a:r>
+            <a:r>
+              <a:rPr lang="en-US" altLang="zh-TW" b="1" dirty="0"/>
+              <a:t>Starbucks</a:t>
+            </a:r>
+            <a:r>
+              <a:rPr lang="zh-TW" altLang="en-US" b="1" dirty="0"/>
+              <a:t>的評價跟位置，決定了要去環境比較安靜距離又近的店家。</a:t>
+            </a:r>
+          </a:p>
+          <a:p>
+            <a:endParaRPr lang="zh-TW" altLang="en-US" dirty="0"/>
+          </a:p>
+        </p:txBody>
+      </p:sp>
+    </p:spTree>
+    <p:extLst>
+      <p:ext uri="{BB962C8B-B14F-4D97-AF65-F5344CB8AC3E}">
+        <p14:creationId xmlns:p14="http://schemas.microsoft.com/office/powerpoint/2010/main" val="1216896701"/>
+      </p:ext>
+    </p:extLst>
+  </p:cSld>
+  <p:clrMapOvr>
+    <a:masterClrMapping/>
+  </p:clrMapOvr>
+</p:sld>
+</file>
+
+<file path=ppt/slides/slide26.xml><?xml version="1.0" encoding="utf-8"?>
+<p:sld xmlns:a="http://schemas.openxmlformats.org/drawingml/2006/main" xmlns:r="http://schemas.openxmlformats.org/officeDocument/2006/relationships" xmlns:p="http://schemas.openxmlformats.org/presentationml/2006/main">
+  <p:cSld>
+    <p:spTree>
+      <p:nvGrpSpPr>
+        <p:cNvPr id="1" name=""/>
+        <p:cNvGrpSpPr/>
+        <p:nvPr/>
+      </p:nvGrpSpPr>
+      <p:grpSpPr>
+        <a:xfrm>
+          <a:off x="0" y="0"/>
+          <a:ext cx="0" cy="0"/>
+          <a:chOff x="0" y="0"/>
+          <a:chExt cx="0" cy="0"/>
+        </a:xfrm>
+      </p:grpSpPr>
+      <p:sp>
+        <p:nvSpPr>
+          <p:cNvPr id="2" name="標題 1"/>
+          <p:cNvSpPr>
+            <a:spLocks noGrp="1"/>
+          </p:cNvSpPr>
+          <p:nvPr>
+            <p:ph type="title"/>
+          </p:nvPr>
+        </p:nvSpPr>
+        <p:spPr/>
+        <p:txBody>
+          <a:bodyPr/>
+          <a:lstStyle/>
+          <a:p>
+            <a:r>
+              <a:rPr lang="zh-TW" altLang="en-US" dirty="0"/>
+              <a:t>操作故事</a:t>
+            </a:r>
+          </a:p>
+        </p:txBody>
+      </p:sp>
+      <p:sp>
+        <p:nvSpPr>
+          <p:cNvPr id="3" name="內容版面配置區 2"/>
+          <p:cNvSpPr>
+            <a:spLocks noGrp="1"/>
+          </p:cNvSpPr>
+          <p:nvPr>
+            <p:ph idx="1"/>
+          </p:nvPr>
+        </p:nvSpPr>
+        <p:spPr/>
+        <p:txBody>
+          <a:bodyPr/>
+          <a:lstStyle/>
+          <a:p>
+            <a:r>
+              <a:rPr lang="zh-TW" altLang="en-US" b="1" dirty="0"/>
+              <a:t>赴約時，朋友突然傳訊息詢問要去的</a:t>
+            </a:r>
+            <a:r>
+              <a:rPr lang="en-US" altLang="zh-TW" b="1" dirty="0"/>
+              <a:t>Starbucks</a:t>
+            </a:r>
+            <a:r>
+              <a:rPr lang="zh-TW" altLang="en-US" b="1" dirty="0"/>
+              <a:t>地址，毛毛一時想不起來，於是打開</a:t>
+            </a:r>
+            <a:r>
+              <a:rPr lang="en-US" altLang="zh-TW" b="1" dirty="0" err="1"/>
+              <a:t>YelpBlaBla</a:t>
+            </a:r>
+            <a:r>
+              <a:rPr lang="zh-TW" altLang="en-US" b="1" dirty="0"/>
+              <a:t>登入帳號後，來到了個人的收藏列表，順利地找到早上查詢的資訊。</a:t>
+            </a:r>
+            <a:endParaRPr lang="en-US" altLang="zh-TW" b="1" dirty="0"/>
+          </a:p>
+          <a:p>
+            <a:endParaRPr lang="en-US" altLang="zh-TW" b="1" dirty="0"/>
+          </a:p>
+          <a:p>
+            <a:r>
+              <a:rPr lang="zh-TW" altLang="en-US" b="1" dirty="0"/>
+              <a:t>朋友們根據上面的資訊到達</a:t>
+            </a:r>
+            <a:r>
+              <a:rPr lang="en-US" altLang="zh-TW" b="1" dirty="0"/>
+              <a:t>Starbucks</a:t>
+            </a:r>
+            <a:r>
+              <a:rPr lang="zh-TW" altLang="en-US" b="1" dirty="0"/>
+              <a:t>，順利的完成小組報告！</a:t>
+            </a:r>
+          </a:p>
+          <a:p>
+            <a:endParaRPr lang="zh-TW" altLang="en-US" dirty="0"/>
+          </a:p>
+        </p:txBody>
+      </p:sp>
+    </p:spTree>
+    <p:extLst>
+      <p:ext uri="{BB962C8B-B14F-4D97-AF65-F5344CB8AC3E}">
+        <p14:creationId xmlns:p14="http://schemas.microsoft.com/office/powerpoint/2010/main" val="824180861"/>
+      </p:ext>
+    </p:extLst>
+  </p:cSld>
+  <p:clrMapOvr>
+    <a:masterClrMapping/>
+  </p:clrMapOvr>
+</p:sld>
+</file>
+
+<file path=ppt/slides/slide27.xml><?xml version="1.0" encoding="utf-8"?>
+<p:sld xmlns:a="http://schemas.openxmlformats.org/drawingml/2006/main" xmlns:r="http://schemas.openxmlformats.org/officeDocument/2006/relationships" xmlns:p="http://schemas.openxmlformats.org/presentationml/2006/main">
+  <p:cSld>
+    <p:spTree>
+      <p:nvGrpSpPr>
+        <p:cNvPr id="1" name=""/>
+        <p:cNvGrpSpPr/>
+        <p:nvPr/>
+      </p:nvGrpSpPr>
+      <p:grpSpPr>
+        <a:xfrm>
+          <a:off x="0" y="0"/>
+          <a:ext cx="0" cy="0"/>
+          <a:chOff x="0" y="0"/>
+          <a:chExt cx="0" cy="0"/>
+        </a:xfrm>
+      </p:grpSpPr>
+      <p:sp>
+        <p:nvSpPr>
+          <p:cNvPr id="2" name="標題 1"/>
+          <p:cNvSpPr>
+            <a:spLocks noGrp="1"/>
+          </p:cNvSpPr>
+          <p:nvPr>
+            <p:ph type="title"/>
+          </p:nvPr>
+        </p:nvSpPr>
+        <p:spPr/>
+        <p:txBody>
+          <a:bodyPr/>
+          <a:lstStyle/>
+          <a:p>
+            <a:r>
               <a:rPr lang="zh-TW" altLang="en-US" dirty="0"/>
               <a:t>操作方式</a:t>
             </a:r>
@@ -10045,7 +10638,7 @@
 </p:sld>
 </file>
 
-<file path=ppt/slides/slide23.xml><?xml version="1.0" encoding="utf-8"?>
+<file path=ppt/slides/slide28.xml><?xml version="1.0" encoding="utf-8"?>
 <p:sld xmlns:a="http://schemas.openxmlformats.org/drawingml/2006/main" xmlns:r="http://schemas.openxmlformats.org/officeDocument/2006/relationships" xmlns:p="http://schemas.openxmlformats.org/presentationml/2006/main">
   <p:cSld>
     <p:spTree>
@@ -10727,7 +11320,7 @@
 </p:sld>
 </file>
 
-<file path=ppt/slides/slide24.xml><?xml version="1.0" encoding="utf-8"?>
+<file path=ppt/slides/slide29.xml><?xml version="1.0" encoding="utf-8"?>
 <p:sld xmlns:a="http://schemas.openxmlformats.org/drawingml/2006/main" xmlns:r="http://schemas.openxmlformats.org/officeDocument/2006/relationships" xmlns:p="http://schemas.openxmlformats.org/presentationml/2006/main">
   <p:cSld>
     <p:spTree>
@@ -10794,42 +11387,42 @@
                 <a:gridCol w="1485281">
                   <a:extLst>
                     <a:ext uri="{9D8B030D-6E8A-4147-A177-3AD203B41FA5}">
-                      <a16:colId xmlns:a16="http://schemas.microsoft.com/office/drawing/2014/main" val="1522341846"/>
+                      <a16:colId xmlns:a16="http://schemas.microsoft.com/office/drawing/2014/main" xmlns="" val="1522341846"/>
                     </a:ext>
                   </a:extLst>
                 </a:gridCol>
                 <a:gridCol w="1485281">
                   <a:extLst>
                     <a:ext uri="{9D8B030D-6E8A-4147-A177-3AD203B41FA5}">
-                      <a16:colId xmlns:a16="http://schemas.microsoft.com/office/drawing/2014/main" val="2946085095"/>
+                      <a16:colId xmlns:a16="http://schemas.microsoft.com/office/drawing/2014/main" xmlns="" val="2946085095"/>
                     </a:ext>
                   </a:extLst>
                 </a:gridCol>
                 <a:gridCol w="1485281">
                   <a:extLst>
                     <a:ext uri="{9D8B030D-6E8A-4147-A177-3AD203B41FA5}">
-                      <a16:colId xmlns:a16="http://schemas.microsoft.com/office/drawing/2014/main" val="1484590244"/>
+                      <a16:colId xmlns:a16="http://schemas.microsoft.com/office/drawing/2014/main" xmlns="" val="1484590244"/>
                     </a:ext>
                   </a:extLst>
                 </a:gridCol>
                 <a:gridCol w="1485281">
                   <a:extLst>
                     <a:ext uri="{9D8B030D-6E8A-4147-A177-3AD203B41FA5}">
-                      <a16:colId xmlns:a16="http://schemas.microsoft.com/office/drawing/2014/main" val="2065224063"/>
+                      <a16:colId xmlns:a16="http://schemas.microsoft.com/office/drawing/2014/main" xmlns="" val="2065224063"/>
                     </a:ext>
                   </a:extLst>
                 </a:gridCol>
                 <a:gridCol w="1485281">
                   <a:extLst>
                     <a:ext uri="{9D8B030D-6E8A-4147-A177-3AD203B41FA5}">
-                      <a16:colId xmlns:a16="http://schemas.microsoft.com/office/drawing/2014/main" val="2981450376"/>
+                      <a16:colId xmlns:a16="http://schemas.microsoft.com/office/drawing/2014/main" xmlns="" val="2981450376"/>
                     </a:ext>
                   </a:extLst>
                 </a:gridCol>
                 <a:gridCol w="1485281">
                   <a:extLst>
                     <a:ext uri="{9D8B030D-6E8A-4147-A177-3AD203B41FA5}">
-                      <a16:colId xmlns:a16="http://schemas.microsoft.com/office/drawing/2014/main" val="32214980"/>
+                      <a16:colId xmlns:a16="http://schemas.microsoft.com/office/drawing/2014/main" xmlns="" val="32214980"/>
                     </a:ext>
                   </a:extLst>
                 </a:gridCol>
@@ -11191,7 +11784,7 @@
                 </a:tc>
                 <a:extLst>
                   <a:ext uri="{0D108BD9-81ED-4DB2-BD59-A6C34878D82A}">
-                    <a16:rowId xmlns:a16="http://schemas.microsoft.com/office/drawing/2014/main" val="1605823167"/>
+                    <a16:rowId xmlns:a16="http://schemas.microsoft.com/office/drawing/2014/main" xmlns="" val="1605823167"/>
                   </a:ext>
                 </a:extLst>
               </a:tr>
@@ -11348,7 +11941,7 @@
                 </a:tc>
                 <a:extLst>
                   <a:ext uri="{0D108BD9-81ED-4DB2-BD59-A6C34878D82A}">
-                    <a16:rowId xmlns:a16="http://schemas.microsoft.com/office/drawing/2014/main" val="3878030640"/>
+                    <a16:rowId xmlns:a16="http://schemas.microsoft.com/office/drawing/2014/main" xmlns="" val="3878030640"/>
                   </a:ext>
                 </a:extLst>
               </a:tr>
@@ -11747,7 +12340,7 @@
                 </a:tc>
                 <a:extLst>
                   <a:ext uri="{0D108BD9-81ED-4DB2-BD59-A6C34878D82A}">
-                    <a16:rowId xmlns:a16="http://schemas.microsoft.com/office/drawing/2014/main" val="779160651"/>
+                    <a16:rowId xmlns:a16="http://schemas.microsoft.com/office/drawing/2014/main" xmlns="" val="779160651"/>
                   </a:ext>
                 </a:extLst>
               </a:tr>
@@ -12050,7 +12643,7 @@
                 </a:tc>
                 <a:extLst>
                   <a:ext uri="{0D108BD9-81ED-4DB2-BD59-A6C34878D82A}">
-                    <a16:rowId xmlns:a16="http://schemas.microsoft.com/office/drawing/2014/main" val="1328225863"/>
+                    <a16:rowId xmlns:a16="http://schemas.microsoft.com/office/drawing/2014/main" xmlns="" val="1328225863"/>
                   </a:ext>
                 </a:extLst>
               </a:tr>
@@ -12364,7 +12957,7 @@
                 </a:tc>
                 <a:extLst>
                   <a:ext uri="{0D108BD9-81ED-4DB2-BD59-A6C34878D82A}">
-                    <a16:rowId xmlns:a16="http://schemas.microsoft.com/office/drawing/2014/main" val="2343699192"/>
+                    <a16:rowId xmlns:a16="http://schemas.microsoft.com/office/drawing/2014/main" xmlns="" val="2343699192"/>
                   </a:ext>
                 </a:extLst>
               </a:tr>
@@ -12678,7 +13271,7 @@
                 </a:tc>
                 <a:extLst>
                   <a:ext uri="{0D108BD9-81ED-4DB2-BD59-A6C34878D82A}">
-                    <a16:rowId xmlns:a16="http://schemas.microsoft.com/office/drawing/2014/main" val="3137852874"/>
+                    <a16:rowId xmlns:a16="http://schemas.microsoft.com/office/drawing/2014/main" xmlns="" val="3137852874"/>
                   </a:ext>
                 </a:extLst>
               </a:tr>
@@ -13066,7 +13659,7 @@
                 </a:tc>
                 <a:extLst>
                   <a:ext uri="{0D108BD9-81ED-4DB2-BD59-A6C34878D82A}">
-                    <a16:rowId xmlns:a16="http://schemas.microsoft.com/office/drawing/2014/main" val="3056819481"/>
+                    <a16:rowId xmlns:a16="http://schemas.microsoft.com/office/drawing/2014/main" xmlns="" val="3056819481"/>
                   </a:ext>
                 </a:extLst>
               </a:tr>
@@ -13358,7 +13951,7 @@
                 </a:tc>
                 <a:extLst>
                   <a:ext uri="{0D108BD9-81ED-4DB2-BD59-A6C34878D82A}">
-                    <a16:rowId xmlns:a16="http://schemas.microsoft.com/office/drawing/2014/main" val="586849533"/>
+                    <a16:rowId xmlns:a16="http://schemas.microsoft.com/office/drawing/2014/main" xmlns="" val="586849533"/>
                   </a:ext>
                 </a:extLst>
               </a:tr>
@@ -13650,7 +14243,7 @@
                 </a:tc>
                 <a:extLst>
                   <a:ext uri="{0D108BD9-81ED-4DB2-BD59-A6C34878D82A}">
-                    <a16:rowId xmlns:a16="http://schemas.microsoft.com/office/drawing/2014/main" val="40572000"/>
+                    <a16:rowId xmlns:a16="http://schemas.microsoft.com/office/drawing/2014/main" xmlns="" val="40572000"/>
                   </a:ext>
                 </a:extLst>
               </a:tr>
@@ -13671,7 +14264,180 @@
 </p:sld>
 </file>
 
-<file path=ppt/slides/slide25.xml><?xml version="1.0" encoding="utf-8"?>
+<file path=ppt/slides/slide3.xml><?xml version="1.0" encoding="utf-8"?>
+<p:sld xmlns:a="http://schemas.openxmlformats.org/drawingml/2006/main" xmlns:r="http://schemas.openxmlformats.org/officeDocument/2006/relationships" xmlns:p="http://schemas.openxmlformats.org/presentationml/2006/main">
+  <p:cSld>
+    <p:spTree>
+      <p:nvGrpSpPr>
+        <p:cNvPr id="1" name=""/>
+        <p:cNvGrpSpPr/>
+        <p:nvPr/>
+      </p:nvGrpSpPr>
+      <p:grpSpPr>
+        <a:xfrm>
+          <a:off x="0" y="0"/>
+          <a:ext cx="0" cy="0"/>
+          <a:chOff x="0" y="0"/>
+          <a:chExt cx="0" cy="0"/>
+        </a:xfrm>
+      </p:grpSpPr>
+      <p:sp>
+        <p:nvSpPr>
+          <p:cNvPr id="2" name="標題 1"/>
+          <p:cNvSpPr>
+            <a:spLocks noGrp="1"/>
+          </p:cNvSpPr>
+          <p:nvPr>
+            <p:ph type="title"/>
+          </p:nvPr>
+        </p:nvSpPr>
+        <p:spPr/>
+        <p:txBody>
+          <a:bodyPr/>
+          <a:lstStyle/>
+          <a:p>
+            <a:r>
+              <a:rPr lang="zh-TW" altLang="en-US" dirty="0" smtClean="0"/>
+              <a:t>技術概念和特色</a:t>
+            </a:r>
+            <a:endParaRPr lang="zh-TW" altLang="en-US" dirty="0"/>
+          </a:p>
+        </p:txBody>
+      </p:sp>
+      <p:sp>
+        <p:nvSpPr>
+          <p:cNvPr id="3" name="內容版面配置區 2"/>
+          <p:cNvSpPr>
+            <a:spLocks noGrp="1"/>
+          </p:cNvSpPr>
+          <p:nvPr>
+            <p:ph idx="1"/>
+          </p:nvPr>
+        </p:nvSpPr>
+        <p:spPr/>
+        <p:txBody>
+          <a:bodyPr/>
+          <a:lstStyle/>
+          <a:p>
+            <a:r>
+              <a:rPr lang="zh-TW" altLang="en-US" dirty="0" smtClean="0"/>
+              <a:t>透過簡易的</a:t>
+            </a:r>
+            <a:r>
+              <a:rPr lang="en-US" altLang="zh-TW" dirty="0" smtClean="0"/>
+              <a:t>Http Get</a:t>
+            </a:r>
+            <a:r>
+              <a:rPr lang="zh-TW" altLang="en-US" dirty="0" smtClean="0"/>
+              <a:t>即可獲得許</a:t>
+            </a:r>
+            <a:r>
+              <a:rPr lang="zh-TW" altLang="en-US" dirty="0"/>
+              <a:t>多</a:t>
+            </a:r>
+            <a:r>
+              <a:rPr lang="zh-TW" altLang="en-US" dirty="0" smtClean="0"/>
+              <a:t>店家的資訊，包含</a:t>
+            </a:r>
+            <a:endParaRPr lang="en-US" altLang="zh-TW" dirty="0" smtClean="0"/>
+          </a:p>
+          <a:p>
+            <a:pPr lvl="1"/>
+            <a:r>
+              <a:rPr lang="zh-TW" altLang="en-US" dirty="0" smtClean="0"/>
+              <a:t>餐廳</a:t>
+            </a:r>
+            <a:endParaRPr lang="en-US" altLang="zh-TW" dirty="0" smtClean="0"/>
+          </a:p>
+          <a:p>
+            <a:pPr lvl="1"/>
+            <a:r>
+              <a:rPr lang="zh-TW" altLang="en-US" dirty="0" smtClean="0"/>
+              <a:t>快遞</a:t>
+            </a:r>
+            <a:endParaRPr lang="en-US" altLang="zh-TW" dirty="0" smtClean="0"/>
+          </a:p>
+          <a:p>
+            <a:pPr lvl="1"/>
+            <a:r>
+              <a:rPr lang="zh-TW" altLang="en-US" dirty="0" smtClean="0"/>
+              <a:t>景點</a:t>
+            </a:r>
+            <a:endParaRPr lang="en-US" altLang="zh-TW" dirty="0" smtClean="0"/>
+          </a:p>
+          <a:p>
+            <a:pPr lvl="1"/>
+            <a:endParaRPr lang="en-US" altLang="zh-TW" dirty="0" smtClean="0"/>
+          </a:p>
+          <a:p>
+            <a:r>
+              <a:rPr lang="zh-TW" altLang="en-US" dirty="0" smtClean="0"/>
+              <a:t>可</a:t>
+            </a:r>
+            <a:r>
+              <a:rPr lang="zh-TW" altLang="en-US" dirty="0"/>
+              <a:t>設定的參數多樣</a:t>
+            </a:r>
+            <a:endParaRPr lang="en-US" altLang="zh-TW" dirty="0"/>
+          </a:p>
+          <a:p>
+            <a:pPr lvl="1"/>
+            <a:r>
+              <a:rPr lang="zh-TW" altLang="en-US" dirty="0"/>
+              <a:t>店家名稱</a:t>
+            </a:r>
+            <a:endParaRPr lang="en-US" altLang="zh-TW" dirty="0"/>
+          </a:p>
+          <a:p>
+            <a:pPr lvl="1"/>
+            <a:r>
+              <a:rPr lang="zh-TW" altLang="en-US" dirty="0"/>
+              <a:t>距離</a:t>
+            </a:r>
+            <a:endParaRPr lang="en-US" altLang="zh-TW" dirty="0"/>
+          </a:p>
+          <a:p>
+            <a:pPr lvl="1"/>
+            <a:r>
+              <a:rPr lang="zh-TW" altLang="en-US" dirty="0"/>
+              <a:t>區域</a:t>
+            </a:r>
+            <a:endParaRPr lang="en-US" altLang="zh-TW" dirty="0"/>
+          </a:p>
+          <a:p>
+            <a:pPr lvl="1"/>
+            <a:r>
+              <a:rPr lang="zh-TW" altLang="en-US" dirty="0"/>
+              <a:t>營業時間</a:t>
+            </a:r>
+          </a:p>
+          <a:p>
+            <a:pPr lvl="1"/>
+            <a:endParaRPr lang="en-US" altLang="zh-TW" dirty="0" smtClean="0"/>
+          </a:p>
+        </p:txBody>
+      </p:sp>
+    </p:spTree>
+    <p:extLst>
+      <p:ext uri="{BB962C8B-B14F-4D97-AF65-F5344CB8AC3E}">
+        <p14:creationId xmlns:p14="http://schemas.microsoft.com/office/powerpoint/2010/main" val="2539187730"/>
+      </p:ext>
+    </p:extLst>
+  </p:cSld>
+  <p:clrMapOvr>
+    <a:masterClrMapping/>
+  </p:clrMapOvr>
+  <p:timing>
+    <p:tnLst>
+      <p:par>
+        <p:cTn id="1" dur="indefinite" restart="never" nodeType="tmRoot"/>
+      </p:par>
+    </p:tnLst>
+  </p:timing>
+</p:sld>
+</file>
+
+<file path=ppt/slides/slide30.xml><?xml version="1.0" encoding="utf-8"?>
 <p:sld xmlns:a="http://schemas.openxmlformats.org/drawingml/2006/main" xmlns:r="http://schemas.openxmlformats.org/officeDocument/2006/relationships" xmlns:p="http://schemas.openxmlformats.org/presentationml/2006/main">
   <p:cSld>
     <p:spTree>
@@ -13738,42 +14504,42 @@
                 <a:gridCol w="1485281">
                   <a:extLst>
                     <a:ext uri="{9D8B030D-6E8A-4147-A177-3AD203B41FA5}">
-                      <a16:colId xmlns:a16="http://schemas.microsoft.com/office/drawing/2014/main" val="181454588"/>
+                      <a16:colId xmlns:a16="http://schemas.microsoft.com/office/drawing/2014/main" xmlns="" val="181454588"/>
                     </a:ext>
                   </a:extLst>
                 </a:gridCol>
                 <a:gridCol w="1485281">
                   <a:extLst>
                     <a:ext uri="{9D8B030D-6E8A-4147-A177-3AD203B41FA5}">
-                      <a16:colId xmlns:a16="http://schemas.microsoft.com/office/drawing/2014/main" val="1299287274"/>
+                      <a16:colId xmlns:a16="http://schemas.microsoft.com/office/drawing/2014/main" xmlns="" val="1299287274"/>
                     </a:ext>
                   </a:extLst>
                 </a:gridCol>
                 <a:gridCol w="1485281">
                   <a:extLst>
                     <a:ext uri="{9D8B030D-6E8A-4147-A177-3AD203B41FA5}">
-                      <a16:colId xmlns:a16="http://schemas.microsoft.com/office/drawing/2014/main" val="2196774209"/>
+                      <a16:colId xmlns:a16="http://schemas.microsoft.com/office/drawing/2014/main" xmlns="" val="2196774209"/>
                     </a:ext>
                   </a:extLst>
                 </a:gridCol>
                 <a:gridCol w="1485281">
                   <a:extLst>
                     <a:ext uri="{9D8B030D-6E8A-4147-A177-3AD203B41FA5}">
-                      <a16:colId xmlns:a16="http://schemas.microsoft.com/office/drawing/2014/main" val="2497886750"/>
+                      <a16:colId xmlns:a16="http://schemas.microsoft.com/office/drawing/2014/main" xmlns="" val="2497886750"/>
                     </a:ext>
                   </a:extLst>
                 </a:gridCol>
                 <a:gridCol w="1485281">
                   <a:extLst>
                     <a:ext uri="{9D8B030D-6E8A-4147-A177-3AD203B41FA5}">
-                      <a16:colId xmlns:a16="http://schemas.microsoft.com/office/drawing/2014/main" val="883960185"/>
+                      <a16:colId xmlns:a16="http://schemas.microsoft.com/office/drawing/2014/main" xmlns="" val="883960185"/>
                     </a:ext>
                   </a:extLst>
                 </a:gridCol>
                 <a:gridCol w="1485281">
                   <a:extLst>
                     <a:ext uri="{9D8B030D-6E8A-4147-A177-3AD203B41FA5}">
-                      <a16:colId xmlns:a16="http://schemas.microsoft.com/office/drawing/2014/main" val="3966886544"/>
+                      <a16:colId xmlns:a16="http://schemas.microsoft.com/office/drawing/2014/main" xmlns="" val="3966886544"/>
                     </a:ext>
                   </a:extLst>
                 </a:gridCol>
@@ -14138,7 +14904,7 @@
                 </a:tc>
                 <a:extLst>
                   <a:ext uri="{0D108BD9-81ED-4DB2-BD59-A6C34878D82A}">
-                    <a16:rowId xmlns:a16="http://schemas.microsoft.com/office/drawing/2014/main" val="3394241300"/>
+                    <a16:rowId xmlns:a16="http://schemas.microsoft.com/office/drawing/2014/main" xmlns="" val="3394241300"/>
                   </a:ext>
                 </a:extLst>
               </a:tr>
@@ -14430,7 +15196,7 @@
                 </a:tc>
                 <a:extLst>
                   <a:ext uri="{0D108BD9-81ED-4DB2-BD59-A6C34878D82A}">
-                    <a16:rowId xmlns:a16="http://schemas.microsoft.com/office/drawing/2014/main" val="2829911925"/>
+                    <a16:rowId xmlns:a16="http://schemas.microsoft.com/office/drawing/2014/main" xmlns="" val="2829911925"/>
                   </a:ext>
                 </a:extLst>
               </a:tr>
@@ -14722,7 +15488,7 @@
                 </a:tc>
                 <a:extLst>
                   <a:ext uri="{0D108BD9-81ED-4DB2-BD59-A6C34878D82A}">
-                    <a16:rowId xmlns:a16="http://schemas.microsoft.com/office/drawing/2014/main" val="1687817131"/>
+                    <a16:rowId xmlns:a16="http://schemas.microsoft.com/office/drawing/2014/main" xmlns="" val="1687817131"/>
                   </a:ext>
                 </a:extLst>
               </a:tr>
@@ -15132,7 +15898,7 @@
                 </a:tc>
                 <a:extLst>
                   <a:ext uri="{0D108BD9-81ED-4DB2-BD59-A6C34878D82A}">
-                    <a16:rowId xmlns:a16="http://schemas.microsoft.com/office/drawing/2014/main" val="1975984586"/>
+                    <a16:rowId xmlns:a16="http://schemas.microsoft.com/office/drawing/2014/main" xmlns="" val="1975984586"/>
                   </a:ext>
                 </a:extLst>
               </a:tr>
@@ -15446,7 +16212,7 @@
                 </a:tc>
                 <a:extLst>
                   <a:ext uri="{0D108BD9-81ED-4DB2-BD59-A6C34878D82A}">
-                    <a16:rowId xmlns:a16="http://schemas.microsoft.com/office/drawing/2014/main" val="3025725816"/>
+                    <a16:rowId xmlns:a16="http://schemas.microsoft.com/office/drawing/2014/main" xmlns="" val="3025725816"/>
                   </a:ext>
                 </a:extLst>
               </a:tr>
@@ -15738,7 +16504,7 @@
                 </a:tc>
                 <a:extLst>
                   <a:ext uri="{0D108BD9-81ED-4DB2-BD59-A6C34878D82A}">
-                    <a16:rowId xmlns:a16="http://schemas.microsoft.com/office/drawing/2014/main" val="746426692"/>
+                    <a16:rowId xmlns:a16="http://schemas.microsoft.com/office/drawing/2014/main" xmlns="" val="746426692"/>
                   </a:ext>
                 </a:extLst>
               </a:tr>
@@ -16159,7 +16925,7 @@
                 </a:tc>
                 <a:extLst>
                   <a:ext uri="{0D108BD9-81ED-4DB2-BD59-A6C34878D82A}">
-                    <a16:rowId xmlns:a16="http://schemas.microsoft.com/office/drawing/2014/main" val="1551192251"/>
+                    <a16:rowId xmlns:a16="http://schemas.microsoft.com/office/drawing/2014/main" xmlns="" val="1551192251"/>
                   </a:ext>
                 </a:extLst>
               </a:tr>
@@ -16451,7 +17217,7 @@
                 </a:tc>
                 <a:extLst>
                   <a:ext uri="{0D108BD9-81ED-4DB2-BD59-A6C34878D82A}">
-                    <a16:rowId xmlns:a16="http://schemas.microsoft.com/office/drawing/2014/main" val="2816201242"/>
+                    <a16:rowId xmlns:a16="http://schemas.microsoft.com/office/drawing/2014/main" xmlns="" val="2816201242"/>
                   </a:ext>
                 </a:extLst>
               </a:tr>
@@ -16656,7 +17422,7 @@
                 </a:tc>
                 <a:extLst>
                   <a:ext uri="{0D108BD9-81ED-4DB2-BD59-A6C34878D82A}">
-                    <a16:rowId xmlns:a16="http://schemas.microsoft.com/office/drawing/2014/main" val="3006280963"/>
+                    <a16:rowId xmlns:a16="http://schemas.microsoft.com/office/drawing/2014/main" xmlns="" val="3006280963"/>
                   </a:ext>
                 </a:extLst>
               </a:tr>
@@ -16677,7 +17443,7 @@
 </p:sld>
 </file>
 
-<file path=ppt/slides/slide26.xml><?xml version="1.0" encoding="utf-8"?>
+<file path=ppt/slides/slide31.xml><?xml version="1.0" encoding="utf-8"?>
 <p:sld xmlns:a="http://schemas.openxmlformats.org/drawingml/2006/main" xmlns:r="http://schemas.openxmlformats.org/officeDocument/2006/relationships" xmlns:p="http://schemas.openxmlformats.org/presentationml/2006/main">
   <p:cSld>
     <p:spTree>
@@ -17500,7 +18266,7 @@
 </p:sld>
 </file>
 
-<file path=ppt/slides/slide27.xml><?xml version="1.0" encoding="utf-8"?>
+<file path=ppt/slides/slide32.xml><?xml version="1.0" encoding="utf-8"?>
 <p:sld xmlns:a="http://schemas.openxmlformats.org/drawingml/2006/main" xmlns:r="http://schemas.openxmlformats.org/officeDocument/2006/relationships" xmlns:p="http://schemas.openxmlformats.org/presentationml/2006/main">
   <p:cSld>
     <p:spTree>
@@ -18041,7 +18807,7 @@
 </p:sld>
 </file>
 
-<file path=ppt/slides/slide28.xml><?xml version="1.0" encoding="utf-8"?>
+<file path=ppt/slides/slide33.xml><?xml version="1.0" encoding="utf-8"?>
 <p:sld xmlns:a="http://schemas.openxmlformats.org/drawingml/2006/main" xmlns:r="http://schemas.openxmlformats.org/officeDocument/2006/relationships" xmlns:p="http://schemas.openxmlformats.org/presentationml/2006/main">
   <p:cSld>
     <p:spTree>
@@ -18745,7 +19511,7 @@
 </p:sld>
 </file>
 
-<file path=ppt/slides/slide29.xml><?xml version="1.0" encoding="utf-8"?>
+<file path=ppt/slides/slide34.xml><?xml version="1.0" encoding="utf-8"?>
 <p:sld xmlns:a="http://schemas.openxmlformats.org/drawingml/2006/main" xmlns:r="http://schemas.openxmlformats.org/officeDocument/2006/relationships" xmlns:p="http://schemas.openxmlformats.org/presentationml/2006/main">
   <p:cSld>
     <p:spTree>
@@ -18880,180 +19646,7 @@
 </p:sld>
 </file>
 
-<file path=ppt/slides/slide3.xml><?xml version="1.0" encoding="utf-8"?>
-<p:sld xmlns:a="http://schemas.openxmlformats.org/drawingml/2006/main" xmlns:r="http://schemas.openxmlformats.org/officeDocument/2006/relationships" xmlns:p="http://schemas.openxmlformats.org/presentationml/2006/main">
-  <p:cSld>
-    <p:spTree>
-      <p:nvGrpSpPr>
-        <p:cNvPr id="1" name=""/>
-        <p:cNvGrpSpPr/>
-        <p:nvPr/>
-      </p:nvGrpSpPr>
-      <p:grpSpPr>
-        <a:xfrm>
-          <a:off x="0" y="0"/>
-          <a:ext cx="0" cy="0"/>
-          <a:chOff x="0" y="0"/>
-          <a:chExt cx="0" cy="0"/>
-        </a:xfrm>
-      </p:grpSpPr>
-      <p:sp>
-        <p:nvSpPr>
-          <p:cNvPr id="2" name="標題 1"/>
-          <p:cNvSpPr>
-            <a:spLocks noGrp="1"/>
-          </p:cNvSpPr>
-          <p:nvPr>
-            <p:ph type="title"/>
-          </p:nvPr>
-        </p:nvSpPr>
-        <p:spPr/>
-        <p:txBody>
-          <a:bodyPr/>
-          <a:lstStyle/>
-          <a:p>
-            <a:r>
-              <a:rPr lang="zh-TW" altLang="en-US" dirty="0" smtClean="0"/>
-              <a:t>技術概念和特色</a:t>
-            </a:r>
-            <a:endParaRPr lang="zh-TW" altLang="en-US" dirty="0"/>
-          </a:p>
-        </p:txBody>
-      </p:sp>
-      <p:sp>
-        <p:nvSpPr>
-          <p:cNvPr id="3" name="內容版面配置區 2"/>
-          <p:cNvSpPr>
-            <a:spLocks noGrp="1"/>
-          </p:cNvSpPr>
-          <p:nvPr>
-            <p:ph idx="1"/>
-          </p:nvPr>
-        </p:nvSpPr>
-        <p:spPr/>
-        <p:txBody>
-          <a:bodyPr/>
-          <a:lstStyle/>
-          <a:p>
-            <a:r>
-              <a:rPr lang="zh-TW" altLang="en-US" dirty="0" smtClean="0"/>
-              <a:t>透過簡易的</a:t>
-            </a:r>
-            <a:r>
-              <a:rPr lang="en-US" altLang="zh-TW" dirty="0" smtClean="0"/>
-              <a:t>Http Get</a:t>
-            </a:r>
-            <a:r>
-              <a:rPr lang="zh-TW" altLang="en-US" dirty="0" smtClean="0"/>
-              <a:t>即可獲得許</a:t>
-            </a:r>
-            <a:r>
-              <a:rPr lang="zh-TW" altLang="en-US" dirty="0"/>
-              <a:t>多</a:t>
-            </a:r>
-            <a:r>
-              <a:rPr lang="zh-TW" altLang="en-US" dirty="0" smtClean="0"/>
-              <a:t>店家的資訊，包含</a:t>
-            </a:r>
-            <a:endParaRPr lang="en-US" altLang="zh-TW" dirty="0" smtClean="0"/>
-          </a:p>
-          <a:p>
-            <a:pPr lvl="1"/>
-            <a:r>
-              <a:rPr lang="zh-TW" altLang="en-US" dirty="0" smtClean="0"/>
-              <a:t>餐廳</a:t>
-            </a:r>
-            <a:endParaRPr lang="en-US" altLang="zh-TW" dirty="0" smtClean="0"/>
-          </a:p>
-          <a:p>
-            <a:pPr lvl="1"/>
-            <a:r>
-              <a:rPr lang="zh-TW" altLang="en-US" dirty="0" smtClean="0"/>
-              <a:t>快遞</a:t>
-            </a:r>
-            <a:endParaRPr lang="en-US" altLang="zh-TW" dirty="0" smtClean="0"/>
-          </a:p>
-          <a:p>
-            <a:pPr lvl="1"/>
-            <a:r>
-              <a:rPr lang="zh-TW" altLang="en-US" dirty="0" smtClean="0"/>
-              <a:t>景點</a:t>
-            </a:r>
-            <a:endParaRPr lang="en-US" altLang="zh-TW" dirty="0" smtClean="0"/>
-          </a:p>
-          <a:p>
-            <a:pPr lvl="1"/>
-            <a:endParaRPr lang="en-US" altLang="zh-TW" dirty="0" smtClean="0"/>
-          </a:p>
-          <a:p>
-            <a:r>
-              <a:rPr lang="zh-TW" altLang="en-US" dirty="0" smtClean="0"/>
-              <a:t>可</a:t>
-            </a:r>
-            <a:r>
-              <a:rPr lang="zh-TW" altLang="en-US" dirty="0"/>
-              <a:t>設定的參數多樣</a:t>
-            </a:r>
-            <a:endParaRPr lang="en-US" altLang="zh-TW" dirty="0"/>
-          </a:p>
-          <a:p>
-            <a:pPr lvl="1"/>
-            <a:r>
-              <a:rPr lang="zh-TW" altLang="en-US" dirty="0"/>
-              <a:t>店家名稱</a:t>
-            </a:r>
-            <a:endParaRPr lang="en-US" altLang="zh-TW" dirty="0"/>
-          </a:p>
-          <a:p>
-            <a:pPr lvl="1"/>
-            <a:r>
-              <a:rPr lang="zh-TW" altLang="en-US" dirty="0"/>
-              <a:t>距離</a:t>
-            </a:r>
-            <a:endParaRPr lang="en-US" altLang="zh-TW" dirty="0"/>
-          </a:p>
-          <a:p>
-            <a:pPr lvl="1"/>
-            <a:r>
-              <a:rPr lang="zh-TW" altLang="en-US" dirty="0"/>
-              <a:t>區域</a:t>
-            </a:r>
-            <a:endParaRPr lang="en-US" altLang="zh-TW" dirty="0"/>
-          </a:p>
-          <a:p>
-            <a:pPr lvl="1"/>
-            <a:r>
-              <a:rPr lang="zh-TW" altLang="en-US" dirty="0"/>
-              <a:t>營業時間</a:t>
-            </a:r>
-          </a:p>
-          <a:p>
-            <a:pPr lvl="1"/>
-            <a:endParaRPr lang="en-US" altLang="zh-TW" dirty="0" smtClean="0"/>
-          </a:p>
-        </p:txBody>
-      </p:sp>
-    </p:spTree>
-    <p:extLst>
-      <p:ext uri="{BB962C8B-B14F-4D97-AF65-F5344CB8AC3E}">
-        <p14:creationId xmlns:p14="http://schemas.microsoft.com/office/powerpoint/2010/main" val="2539187730"/>
-      </p:ext>
-    </p:extLst>
-  </p:cSld>
-  <p:clrMapOvr>
-    <a:masterClrMapping/>
-  </p:clrMapOvr>
-  <p:timing>
-    <p:tnLst>
-      <p:par>
-        <p:cTn id="1" dur="indefinite" restart="never" nodeType="tmRoot"/>
-      </p:par>
-    </p:tnLst>
-  </p:timing>
-</p:sld>
-</file>
-
-<file path=ppt/slides/slide30.xml><?xml version="1.0" encoding="utf-8"?>
+<file path=ppt/slides/slide35.xml><?xml version="1.0" encoding="utf-8"?>
 <p:sld xmlns:a="http://schemas.openxmlformats.org/drawingml/2006/main" xmlns:r="http://schemas.openxmlformats.org/officeDocument/2006/relationships" xmlns:p="http://schemas.openxmlformats.org/presentationml/2006/main">
   <p:cSld>
     <p:spTree>
@@ -19188,7 +19781,7 @@
 </p:sld>
 </file>
 
-<file path=ppt/slides/slide31.xml><?xml version="1.0" encoding="utf-8"?>
+<file path=ppt/slides/slide36.xml><?xml version="1.0" encoding="utf-8"?>
 <p:sld xmlns:a="http://schemas.openxmlformats.org/drawingml/2006/main" xmlns:r="http://schemas.openxmlformats.org/officeDocument/2006/relationships" xmlns:p="http://schemas.openxmlformats.org/presentationml/2006/main">
   <p:cSld>
     <p:spTree>
@@ -19323,7 +19916,7 @@
 </p:sld>
 </file>
 
-<file path=ppt/slides/slide32.xml><?xml version="1.0" encoding="utf-8"?>
+<file path=ppt/slides/slide37.xml><?xml version="1.0" encoding="utf-8"?>
 <p:sld xmlns:a="http://schemas.openxmlformats.org/drawingml/2006/main" xmlns:r="http://schemas.openxmlformats.org/officeDocument/2006/relationships" xmlns:p="http://schemas.openxmlformats.org/presentationml/2006/main">
   <p:cSld>
     <p:spTree>
@@ -19510,7 +20103,7 @@
 </p:sld>
 </file>
 
-<file path=ppt/slides/slide33.xml><?xml version="1.0" encoding="utf-8"?>
+<file path=ppt/slides/slide38.xml><?xml version="1.0" encoding="utf-8"?>
 <p:sld xmlns:a="http://schemas.openxmlformats.org/drawingml/2006/main" xmlns:r="http://schemas.openxmlformats.org/officeDocument/2006/relationships" xmlns:p="http://schemas.openxmlformats.org/presentationml/2006/main">
   <p:cSld>
     <p:spTree>
@@ -19681,7 +20274,7 @@
 </p:sld>
 </file>
 
-<file path=ppt/slides/slide34.xml><?xml version="1.0" encoding="utf-8"?>
+<file path=ppt/slides/slide39.xml><?xml version="1.0" encoding="utf-8"?>
 <p:sld xmlns:a="http://schemas.openxmlformats.org/drawingml/2006/main" xmlns:r="http://schemas.openxmlformats.org/officeDocument/2006/relationships" xmlns:p="http://schemas.openxmlformats.org/presentationml/2006/main">
   <p:cSld>
     <p:spTree>
@@ -19868,7 +20461,7 @@
 </p:sld>
 </file>
 
-<file path=ppt/slides/slide35.xml><?xml version="1.0" encoding="utf-8"?>
+<file path=ppt/slides/slide4.xml><?xml version="1.0" encoding="utf-8"?>
 <p:sld xmlns:a="http://schemas.openxmlformats.org/drawingml/2006/main" xmlns:r="http://schemas.openxmlformats.org/officeDocument/2006/relationships" xmlns:p="http://schemas.openxmlformats.org/presentationml/2006/main">
   <p:cSld>
     <p:spTree>
@@ -19902,6 +20495,192 @@
           <a:p>
             <a:r>
               <a:rPr lang="zh-TW" altLang="en-US" dirty="0" smtClean="0"/>
+              <a:t>目前存在之</a:t>
+            </a:r>
+            <a:r>
+              <a:rPr lang="zh-TW" altLang="en-US" dirty="0"/>
+              <a:t>應用</a:t>
+            </a:r>
+          </a:p>
+        </p:txBody>
+      </p:sp>
+      <p:sp>
+        <p:nvSpPr>
+          <p:cNvPr id="3" name="內容版面配置區 2"/>
+          <p:cNvSpPr>
+            <a:spLocks noGrp="1"/>
+          </p:cNvSpPr>
+          <p:nvPr>
+            <p:ph idx="1"/>
+          </p:nvPr>
+        </p:nvSpPr>
+        <p:spPr/>
+        <p:txBody>
+          <a:bodyPr/>
+          <a:lstStyle/>
+          <a:p>
+            <a:r>
+              <a:rPr lang="en-US" altLang="zh-TW" dirty="0" smtClean="0"/>
+              <a:t>GRAPHIQ:</a:t>
+            </a:r>
+            <a:r>
+              <a:rPr lang="zh-TW" altLang="en-US" dirty="0" smtClean="0"/>
+              <a:t> </a:t>
+            </a:r>
+            <a:r>
+              <a:rPr lang="en-US" altLang="zh-TW" dirty="0" smtClean="0">
+                <a:hlinkClick r:id="rId2"/>
+              </a:rPr>
+              <a:t>https</a:t>
+            </a:r>
+            <a:r>
+              <a:rPr lang="en-US" altLang="zh-TW" dirty="0">
+                <a:hlinkClick r:id="rId2"/>
+              </a:rPr>
+              <a:t>://www.graphiq.com</a:t>
+            </a:r>
+            <a:r>
+              <a:rPr lang="en-US" altLang="zh-TW" dirty="0" smtClean="0">
+                <a:hlinkClick r:id="rId2"/>
+              </a:rPr>
+              <a:t>/</a:t>
+            </a:r>
+            <a:endParaRPr lang="en-US" altLang="zh-TW" dirty="0" smtClean="0"/>
+          </a:p>
+          <a:p>
+            <a:pPr lvl="1"/>
+            <a:r>
+              <a:rPr lang="zh-TW" altLang="en-US" dirty="0" smtClean="0"/>
+              <a:t>可以搜尋關於該地區的圖形資訊，例如：天氣、地形等</a:t>
+            </a:r>
+            <a:endParaRPr lang="en-US" altLang="zh-TW" dirty="0" smtClean="0"/>
+          </a:p>
+          <a:p>
+            <a:endParaRPr lang="en-US" altLang="zh-TW" dirty="0" smtClean="0"/>
+          </a:p>
+          <a:p>
+            <a:r>
+              <a:rPr lang="en-US" altLang="zh-TW" dirty="0" smtClean="0"/>
+              <a:t>Yelp</a:t>
+            </a:r>
+          </a:p>
+          <a:p>
+            <a:pPr lvl="1"/>
+            <a:r>
+              <a:rPr lang="zh-TW" altLang="en-US" dirty="0"/>
+              <a:t>手機</a:t>
+            </a:r>
+            <a:r>
+              <a:rPr lang="en-US" altLang="zh-TW" dirty="0"/>
+              <a:t>APP</a:t>
+            </a:r>
+            <a:r>
+              <a:rPr lang="zh-TW" altLang="en-US" dirty="0"/>
+              <a:t>，可搜尋自己附近或是指定位置附近的店家或景點資訊</a:t>
+            </a:r>
+            <a:r>
+              <a:rPr lang="zh-TW" altLang="en-US" dirty="0" smtClean="0"/>
+              <a:t>。</a:t>
+            </a:r>
+            <a:endParaRPr lang="en-US" altLang="zh-TW" dirty="0" smtClean="0"/>
+          </a:p>
+          <a:p>
+            <a:endParaRPr lang="en-US" altLang="zh-TW" dirty="0" smtClean="0"/>
+          </a:p>
+          <a:p>
+            <a:r>
+              <a:rPr lang="en-US" altLang="zh-TW" dirty="0"/>
+              <a:t>Yelp Fusion</a:t>
+            </a:r>
+          </a:p>
+          <a:p>
+            <a:pPr lvl="1"/>
+            <a:r>
+              <a:rPr lang="en-US" altLang="zh-TW" dirty="0"/>
+              <a:t>Yelp</a:t>
+            </a:r>
+            <a:r>
+              <a:rPr lang="zh-TW" altLang="en-US" dirty="0"/>
+              <a:t>宣布結合</a:t>
+            </a:r>
+            <a:r>
+              <a:rPr lang="en-US" altLang="zh-TW" dirty="0"/>
+              <a:t>Fusion</a:t>
+            </a:r>
+            <a:r>
+              <a:rPr lang="zh-TW" altLang="en-US" dirty="0"/>
+              <a:t> </a:t>
+            </a:r>
+            <a:r>
+              <a:rPr lang="en-US" altLang="zh-TW" dirty="0" err="1"/>
+              <a:t>api</a:t>
+            </a:r>
+            <a:r>
+              <a:rPr lang="zh-TW" altLang="en-US" dirty="0"/>
+              <a:t>，可將搜尋結果最佳化及細分化，以及全天候的緩存，在搜尋某些資料時可以更加快速。</a:t>
+            </a:r>
+            <a:endParaRPr lang="en-US" altLang="zh-TW" dirty="0"/>
+          </a:p>
+          <a:p>
+            <a:pPr lvl="1"/>
+            <a:endParaRPr lang="en-US" altLang="zh-TW" dirty="0" smtClean="0"/>
+          </a:p>
+        </p:txBody>
+      </p:sp>
+    </p:spTree>
+    <p:extLst>
+      <p:ext uri="{BB962C8B-B14F-4D97-AF65-F5344CB8AC3E}">
+        <p14:creationId xmlns:p14="http://schemas.microsoft.com/office/powerpoint/2010/main" val="366612798"/>
+      </p:ext>
+    </p:extLst>
+  </p:cSld>
+  <p:clrMapOvr>
+    <a:masterClrMapping/>
+  </p:clrMapOvr>
+  <p:timing>
+    <p:tnLst>
+      <p:par>
+        <p:cTn id="1" dur="indefinite" restart="never" nodeType="tmRoot"/>
+      </p:par>
+    </p:tnLst>
+  </p:timing>
+</p:sld>
+</file>
+
+<file path=ppt/slides/slide40.xml><?xml version="1.0" encoding="utf-8"?>
+<p:sld xmlns:a="http://schemas.openxmlformats.org/drawingml/2006/main" xmlns:r="http://schemas.openxmlformats.org/officeDocument/2006/relationships" xmlns:p="http://schemas.openxmlformats.org/presentationml/2006/main">
+  <p:cSld>
+    <p:spTree>
+      <p:nvGrpSpPr>
+        <p:cNvPr id="1" name=""/>
+        <p:cNvGrpSpPr/>
+        <p:nvPr/>
+      </p:nvGrpSpPr>
+      <p:grpSpPr>
+        <a:xfrm>
+          <a:off x="0" y="0"/>
+          <a:ext cx="0" cy="0"/>
+          <a:chOff x="0" y="0"/>
+          <a:chExt cx="0" cy="0"/>
+        </a:xfrm>
+      </p:grpSpPr>
+      <p:sp>
+        <p:nvSpPr>
+          <p:cNvPr id="2" name="標題 1"/>
+          <p:cNvSpPr>
+            <a:spLocks noGrp="1"/>
+          </p:cNvSpPr>
+          <p:nvPr>
+            <p:ph type="title"/>
+          </p:nvPr>
+        </p:nvSpPr>
+        <p:spPr/>
+        <p:txBody>
+          <a:bodyPr/>
+          <a:lstStyle/>
+          <a:p>
+            <a:r>
+              <a:rPr lang="zh-TW" altLang="en-US" dirty="0" smtClean="0"/>
               <a:t>參考</a:t>
             </a:r>
             <a:endParaRPr lang="zh-TW" altLang="en-US" dirty="0"/>
@@ -19963,7 +20742,7 @@
 </p:sld>
 </file>
 
-<file path=ppt/slides/slide36.xml><?xml version="1.0" encoding="utf-8"?>
+<file path=ppt/slides/slide41.xml><?xml version="1.0" encoding="utf-8"?>
 <p:sld xmlns:a="http://schemas.openxmlformats.org/drawingml/2006/main" xmlns:r="http://schemas.openxmlformats.org/officeDocument/2006/relationships" xmlns:p="http://schemas.openxmlformats.org/presentationml/2006/main">
   <p:cSld>
     <p:spTree>
@@ -20132,7 +20911,7 @@
 </p:sld>
 </file>
 
-<file path=ppt/slides/slide37.xml><?xml version="1.0" encoding="utf-8"?>
+<file path=ppt/slides/slide42.xml><?xml version="1.0" encoding="utf-8"?>
 <p:sld xmlns:a="http://schemas.openxmlformats.org/drawingml/2006/main" xmlns:r="http://schemas.openxmlformats.org/officeDocument/2006/relationships" xmlns:p="http://schemas.openxmlformats.org/presentationml/2006/main">
   <p:cSld>
     <p:spTree>
@@ -20355,7 +21134,7 @@
 </p:sld>
 </file>
 
-<file path=ppt/slides/slide38.xml><?xml version="1.0" encoding="utf-8"?>
+<file path=ppt/slides/slide43.xml><?xml version="1.0" encoding="utf-8"?>
 <p:sld xmlns:a="http://schemas.openxmlformats.org/drawingml/2006/main" xmlns:r="http://schemas.openxmlformats.org/officeDocument/2006/relationships" xmlns:p="http://schemas.openxmlformats.org/presentationml/2006/main">
   <p:cSld>
     <p:spTree>
@@ -20490,7 +21269,7 @@
 </p:sld>
 </file>
 
-<file path=ppt/slides/slide4.xml><?xml version="1.0" encoding="utf-8"?>
+<file path=ppt/slides/slide44.xml><?xml version="1.0" encoding="utf-8"?>
 <p:sld xmlns:a="http://schemas.openxmlformats.org/drawingml/2006/main" xmlns:r="http://schemas.openxmlformats.org/officeDocument/2006/relationships" xmlns:p="http://schemas.openxmlformats.org/presentationml/2006/main">
   <p:cSld>
     <p:spTree>
@@ -20523,13 +21302,22 @@
           <a:lstStyle/>
           <a:p>
             <a:r>
+              <a:rPr lang="zh-TW" altLang="en-US" dirty="0"/>
+              <a:t>心得 </a:t>
+            </a:r>
+            <a:r>
+              <a:rPr lang="en-US" altLang="zh-TW" dirty="0"/>
+              <a:t>–</a:t>
+            </a:r>
+            <a:r>
+              <a:rPr lang="zh-TW" altLang="en-US" dirty="0"/>
+              <a:t> </a:t>
+            </a:r>
+            <a:r>
               <a:rPr lang="zh-TW" altLang="en-US" dirty="0" smtClean="0"/>
-              <a:t>目前存在之</a:t>
-            </a:r>
-            <a:r>
-              <a:rPr lang="zh-TW" altLang="en-US" dirty="0"/>
-              <a:t>應用</a:t>
-            </a:r>
+              <a:t>田慶秋</a:t>
+            </a:r>
+            <a:endParaRPr lang="zh-TW" altLang="en-US" dirty="0"/>
           </a:p>
         </p:txBody>
       </p:sp>
@@ -20545,134 +21333,154 @@
         </p:nvSpPr>
         <p:spPr/>
         <p:txBody>
-          <a:bodyPr/>
+          <a:bodyPr>
+            <a:normAutofit/>
+          </a:bodyPr>
           <a:lstStyle/>
           <a:p>
             <a:r>
+              <a:rPr lang="zh-TW" altLang="en-US" dirty="0" smtClean="0"/>
+              <a:t>這次</a:t>
+            </a:r>
+            <a:r>
+              <a:rPr lang="zh-TW" altLang="en-US" dirty="0"/>
+              <a:t>分組一開始跟大家還不是很熟，幸好組員們人都很好，願意幫我解決遇到</a:t>
+            </a:r>
+            <a:r>
+              <a:rPr lang="zh-TW" altLang="en-US" dirty="0" smtClean="0"/>
+              <a:t>的困難 ，</a:t>
+            </a:r>
+            <a:r>
+              <a:rPr lang="zh-TW" altLang="en-US" dirty="0"/>
+              <a:t>我負責部分網頁</a:t>
+            </a:r>
+            <a:r>
+              <a:rPr lang="en-US" altLang="zh-TW" dirty="0"/>
+              <a:t>UI</a:t>
+            </a:r>
+            <a:r>
+              <a:rPr lang="zh-TW" altLang="en-US" dirty="0"/>
+              <a:t>的設計跟</a:t>
+            </a:r>
+            <a:r>
+              <a:rPr lang="en-US" altLang="zh-TW" dirty="0" err="1"/>
+              <a:t>Jmeter</a:t>
+            </a:r>
+            <a:r>
+              <a:rPr lang="zh-TW" altLang="en-US" dirty="0"/>
+              <a:t>的測試，這是我第一次刻</a:t>
+            </a:r>
+            <a:r>
+              <a:rPr lang="en-US" altLang="zh-TW" dirty="0" err="1"/>
+              <a:t>ui</a:t>
+            </a:r>
+            <a:r>
+              <a:rPr lang="zh-TW" altLang="en-US" dirty="0"/>
+              <a:t>，之前都沒有上過</a:t>
+            </a:r>
+            <a:r>
+              <a:rPr lang="zh-TW" altLang="en-US" dirty="0" smtClean="0"/>
+              <a:t>相關</a:t>
+            </a:r>
+            <a:r>
+              <a:rPr lang="zh-TW" altLang="en-US" dirty="0"/>
+              <a:t>的課，在</a:t>
+            </a:r>
+            <a:r>
+              <a:rPr lang="en-US" altLang="zh-TW" dirty="0"/>
+              <a:t>html</a:t>
+            </a:r>
+            <a:r>
+              <a:rPr lang="zh-TW" altLang="en-US" dirty="0"/>
+              <a:t>和</a:t>
+            </a:r>
+            <a:r>
+              <a:rPr lang="en-US" altLang="zh-TW" dirty="0" err="1"/>
+              <a:t>css</a:t>
+            </a:r>
+            <a:r>
+              <a:rPr lang="zh-TW" altLang="en-US" dirty="0"/>
+              <a:t>上研究了花了一小段時間，才比較熟悉相關的操作。</a:t>
+            </a:r>
+          </a:p>
+          <a:p>
+            <a:pPr marL="0" indent="0">
+              <a:buNone/>
+            </a:pPr>
+            <a:r>
+              <a:rPr lang="zh-TW" altLang="en-US" dirty="0" smtClean="0"/>
+              <a:t>我</a:t>
+            </a:r>
+            <a:r>
+              <a:rPr lang="zh-TW" altLang="en-US" dirty="0"/>
+              <a:t>覺得我還有很大的空間可以學習，例如</a:t>
+            </a:r>
+            <a:r>
+              <a:rPr lang="en-US" altLang="zh-TW" dirty="0"/>
+              <a:t>jQuery</a:t>
+            </a:r>
+            <a:r>
+              <a:rPr lang="zh-TW" altLang="en-US" dirty="0"/>
+              <a:t>、</a:t>
+            </a:r>
+            <a:r>
+              <a:rPr lang="en-US" altLang="zh-TW" dirty="0"/>
+              <a:t>bootstrap</a:t>
+            </a:r>
+            <a:r>
+              <a:rPr lang="zh-TW" altLang="en-US" dirty="0"/>
+              <a:t>等等，另外我發現在</a:t>
+            </a:r>
+            <a:r>
+              <a:rPr lang="zh-TW" altLang="en-US" dirty="0" smtClean="0"/>
+              <a:t>排   版時</a:t>
+            </a:r>
+            <a:r>
+              <a:rPr lang="zh-TW" altLang="en-US" dirty="0"/>
+              <a:t>直接調參數會比用拉的更準確，位置也比較不會跑掉，總之在這方面還有太多的</a:t>
+            </a:r>
+            <a:r>
+              <a:rPr lang="zh-TW" altLang="en-US" dirty="0" smtClean="0"/>
+              <a:t>技巧需要</a:t>
+            </a:r>
+            <a:r>
+              <a:rPr lang="zh-TW" altLang="en-US" dirty="0"/>
+              <a:t>去學習精進。</a:t>
+            </a:r>
+          </a:p>
+          <a:p>
+            <a:pPr marL="0" indent="0">
+              <a:buNone/>
+            </a:pPr>
+            <a:r>
               <a:rPr lang="en-US" altLang="zh-TW" dirty="0" smtClean="0"/>
-              <a:t>GRAPHIQ:</a:t>
+              <a:t>Demo</a:t>
+            </a:r>
+            <a:r>
+              <a:rPr lang="zh-TW" altLang="en-US" dirty="0"/>
+              <a:t>時大家的作品也都讓我大開眼界，感覺很用心又充滿創意，後端的應用可以</a:t>
             </a:r>
             <a:r>
               <a:rPr lang="zh-TW" altLang="en-US" dirty="0" smtClean="0"/>
-              <a:t> </a:t>
-            </a:r>
-            <a:r>
-              <a:rPr lang="en-US" altLang="zh-TW" dirty="0" smtClean="0">
-                <a:hlinkClick r:id="rId2"/>
-              </a:rPr>
-              <a:t>https</a:t>
-            </a:r>
-            <a:r>
-              <a:rPr lang="en-US" altLang="zh-TW" dirty="0">
-                <a:hlinkClick r:id="rId2"/>
-              </a:rPr>
-              <a:t>://www.graphiq.com</a:t>
-            </a:r>
-            <a:r>
-              <a:rPr lang="en-US" altLang="zh-TW" dirty="0" smtClean="0">
-                <a:hlinkClick r:id="rId2"/>
-              </a:rPr>
-              <a:t>/</a:t>
-            </a:r>
-            <a:endParaRPr lang="en-US" altLang="zh-TW" dirty="0" smtClean="0"/>
-          </a:p>
-          <a:p>
-            <a:pPr lvl="1"/>
-            <a:r>
-              <a:rPr lang="zh-TW" altLang="en-US" dirty="0" smtClean="0"/>
-              <a:t>可以搜尋關於該地區的圖形資訊，例如：天氣、地形等</a:t>
-            </a:r>
-            <a:endParaRPr lang="en-US" altLang="zh-TW" dirty="0" smtClean="0"/>
-          </a:p>
-          <a:p>
-            <a:endParaRPr lang="en-US" altLang="zh-TW" dirty="0" smtClean="0"/>
-          </a:p>
-          <a:p>
-            <a:r>
-              <a:rPr lang="en-US" altLang="zh-TW" dirty="0" smtClean="0"/>
-              <a:t>Yelp</a:t>
-            </a:r>
-          </a:p>
-          <a:p>
-            <a:pPr lvl="1"/>
+              <a:t>結     合很多</a:t>
+            </a:r>
             <a:r>
               <a:rPr lang="zh-TW" altLang="en-US" dirty="0"/>
-              <a:t>手機</a:t>
-            </a:r>
-            <a:r>
-              <a:rPr lang="en-US" altLang="zh-TW" dirty="0"/>
-              <a:t>APP</a:t>
-            </a:r>
-            <a:r>
-              <a:rPr lang="zh-TW" altLang="en-US" dirty="0"/>
-              <a:t>，可搜尋自己附近或是指定位置附近的店家或景點資訊</a:t>
-            </a:r>
-            <a:r>
-              <a:rPr lang="zh-TW" altLang="en-US" dirty="0" smtClean="0"/>
-              <a:t>。</a:t>
-            </a:r>
-            <a:endParaRPr lang="en-US" altLang="zh-TW" dirty="0" smtClean="0"/>
-          </a:p>
-          <a:p>
-            <a:endParaRPr lang="en-US" altLang="zh-TW" dirty="0" smtClean="0"/>
-          </a:p>
-          <a:p>
-            <a:r>
-              <a:rPr lang="en-US" altLang="zh-TW" dirty="0"/>
-              <a:t>Yelp Fusion</a:t>
-            </a:r>
-          </a:p>
-          <a:p>
-            <a:pPr lvl="1"/>
-            <a:r>
-              <a:rPr lang="en-US" altLang="zh-TW" dirty="0"/>
-              <a:t>Yelp</a:t>
-            </a:r>
-            <a:r>
-              <a:rPr lang="zh-TW" altLang="en-US" dirty="0"/>
-              <a:t>宣布結合</a:t>
-            </a:r>
-            <a:r>
-              <a:rPr lang="en-US" altLang="zh-TW" dirty="0"/>
-              <a:t>Fusion</a:t>
-            </a:r>
-            <a:r>
-              <a:rPr lang="zh-TW" altLang="en-US" dirty="0"/>
-              <a:t> </a:t>
-            </a:r>
-            <a:r>
-              <a:rPr lang="en-US" altLang="zh-TW" dirty="0" err="1"/>
-              <a:t>api</a:t>
-            </a:r>
-            <a:r>
-              <a:rPr lang="zh-TW" altLang="en-US" dirty="0"/>
-              <a:t>，可將搜尋結果最佳化及細分化，以及全天候的緩存，在搜尋某些資料時可以更加快速。</a:t>
-            </a:r>
-            <a:endParaRPr lang="en-US" altLang="zh-TW" dirty="0"/>
-          </a:p>
-          <a:p>
-            <a:pPr lvl="1"/>
-            <a:endParaRPr lang="en-US" altLang="zh-TW" dirty="0" smtClean="0"/>
+              <a:t>東西，也感謝組員非常熱心負責。</a:t>
+            </a:r>
           </a:p>
         </p:txBody>
       </p:sp>
     </p:spTree>
     <p:extLst>
       <p:ext uri="{BB962C8B-B14F-4D97-AF65-F5344CB8AC3E}">
-        <p14:creationId xmlns:p14="http://schemas.microsoft.com/office/powerpoint/2010/main" val="366612798"/>
+        <p14:creationId xmlns:p14="http://schemas.microsoft.com/office/powerpoint/2010/main" val="3893594743"/>
       </p:ext>
     </p:extLst>
   </p:cSld>
   <p:clrMapOvr>
     <a:masterClrMapping/>
   </p:clrMapOvr>
-  <p:timing>
-    <p:tnLst>
-      <p:par>
-        <p:cTn id="1" dur="indefinite" restart="never" nodeType="tmRoot"/>
-      </p:par>
-    </p:tnLst>
-  </p:timing>
 </p:sld>
 </file>
 
@@ -22274,7 +23082,7 @@
   <a:extraClrSchemeLst/>
   <a:extLst>
     <a:ext uri="{05A4C25C-085E-4340-85A3-A5531E510DB2}">
-      <thm15:themeFamily xmlns:thm15="http://schemas.microsoft.com/office/thememl/2012/main" name="Wisp" id="{7CB32D59-10C0-40DD-B7BD-2E94284A981C}" vid="{24B1A44C-C006-48B2-A4D7-E5549B3D8CD4}"/>
+      <thm15:themeFamily xmlns:thm15="http://schemas.microsoft.com/office/thememl/2012/main" xmlns="" name="Wisp" id="{7CB32D59-10C0-40DD-B7BD-2E94284A981C}" vid="{24B1A44C-C006-48B2-A4D7-E5549B3D8CD4}"/>
     </a:ext>
   </a:extLst>
 </a:theme>

--- a/其他/YelpBlaBla.pptx
+++ b/其他/YelpBlaBla.pptx
@@ -49,6 +49,7 @@
     <p:sldId id="294" r:id="rId43"/>
     <p:sldId id="295" r:id="rId44"/>
     <p:sldId id="296" r:id="rId45"/>
+    <p:sldId id="302" r:id="rId46"/>
   </p:sldIdLst>
   <p:sldSz cx="12192000" cy="6858000"/>
   <p:notesSz cx="6858000" cy="9144000"/>
@@ -149,7 +150,18 @@
   </p:defaultTextStyle>
   <p:extLst>
     <p:ext uri="{EFAFB233-063F-42B5-8137-9DF3F51BA10A}">
-      <p15:sldGuideLst xmlns:p15="http://schemas.microsoft.com/office/powerpoint/2012/main" xmlns=""/>
+      <p15:sldGuideLst xmlns:p15="http://schemas.microsoft.com/office/powerpoint/2012/main">
+        <p15:guide id="1" orient="horz" pos="2160">
+          <p15:clr>
+            <a:srgbClr val="A4A3A4"/>
+          </p15:clr>
+        </p15:guide>
+        <p15:guide id="2" pos="3840">
+          <p15:clr>
+            <a:srgbClr val="A4A3A4"/>
+          </p15:clr>
+        </p15:guide>
+      </p15:sldGuideLst>
     </p:ext>
   </p:extLst>
 </p:presentation>
@@ -11387,42 +11399,42 @@
                 <a:gridCol w="1485281">
                   <a:extLst>
                     <a:ext uri="{9D8B030D-6E8A-4147-A177-3AD203B41FA5}">
-                      <a16:colId xmlns:a16="http://schemas.microsoft.com/office/drawing/2014/main" xmlns="" val="1522341846"/>
+                      <a16:colId xmlns:a16="http://schemas.microsoft.com/office/drawing/2014/main" val="1522341846"/>
                     </a:ext>
                   </a:extLst>
                 </a:gridCol>
                 <a:gridCol w="1485281">
                   <a:extLst>
                     <a:ext uri="{9D8B030D-6E8A-4147-A177-3AD203B41FA5}">
-                      <a16:colId xmlns:a16="http://schemas.microsoft.com/office/drawing/2014/main" xmlns="" val="2946085095"/>
+                      <a16:colId xmlns:a16="http://schemas.microsoft.com/office/drawing/2014/main" val="2946085095"/>
                     </a:ext>
                   </a:extLst>
                 </a:gridCol>
                 <a:gridCol w="1485281">
                   <a:extLst>
                     <a:ext uri="{9D8B030D-6E8A-4147-A177-3AD203B41FA5}">
-                      <a16:colId xmlns:a16="http://schemas.microsoft.com/office/drawing/2014/main" xmlns="" val="1484590244"/>
+                      <a16:colId xmlns:a16="http://schemas.microsoft.com/office/drawing/2014/main" val="1484590244"/>
                     </a:ext>
                   </a:extLst>
                 </a:gridCol>
                 <a:gridCol w="1485281">
                   <a:extLst>
                     <a:ext uri="{9D8B030D-6E8A-4147-A177-3AD203B41FA5}">
-                      <a16:colId xmlns:a16="http://schemas.microsoft.com/office/drawing/2014/main" xmlns="" val="2065224063"/>
+                      <a16:colId xmlns:a16="http://schemas.microsoft.com/office/drawing/2014/main" val="2065224063"/>
                     </a:ext>
                   </a:extLst>
                 </a:gridCol>
                 <a:gridCol w="1485281">
                   <a:extLst>
                     <a:ext uri="{9D8B030D-6E8A-4147-A177-3AD203B41FA5}">
-                      <a16:colId xmlns:a16="http://schemas.microsoft.com/office/drawing/2014/main" xmlns="" val="2981450376"/>
+                      <a16:colId xmlns:a16="http://schemas.microsoft.com/office/drawing/2014/main" val="2981450376"/>
                     </a:ext>
                   </a:extLst>
                 </a:gridCol>
                 <a:gridCol w="1485281">
                   <a:extLst>
                     <a:ext uri="{9D8B030D-6E8A-4147-A177-3AD203B41FA5}">
-                      <a16:colId xmlns:a16="http://schemas.microsoft.com/office/drawing/2014/main" xmlns="" val="32214980"/>
+                      <a16:colId xmlns:a16="http://schemas.microsoft.com/office/drawing/2014/main" val="32214980"/>
                     </a:ext>
                   </a:extLst>
                 </a:gridCol>
@@ -11784,7 +11796,7 @@
                 </a:tc>
                 <a:extLst>
                   <a:ext uri="{0D108BD9-81ED-4DB2-BD59-A6C34878D82A}">
-                    <a16:rowId xmlns:a16="http://schemas.microsoft.com/office/drawing/2014/main" xmlns="" val="1605823167"/>
+                    <a16:rowId xmlns:a16="http://schemas.microsoft.com/office/drawing/2014/main" val="1605823167"/>
                   </a:ext>
                 </a:extLst>
               </a:tr>
@@ -11941,7 +11953,7 @@
                 </a:tc>
                 <a:extLst>
                   <a:ext uri="{0D108BD9-81ED-4DB2-BD59-A6C34878D82A}">
-                    <a16:rowId xmlns:a16="http://schemas.microsoft.com/office/drawing/2014/main" xmlns="" val="3878030640"/>
+                    <a16:rowId xmlns:a16="http://schemas.microsoft.com/office/drawing/2014/main" val="3878030640"/>
                   </a:ext>
                 </a:extLst>
               </a:tr>
@@ -12340,7 +12352,7 @@
                 </a:tc>
                 <a:extLst>
                   <a:ext uri="{0D108BD9-81ED-4DB2-BD59-A6C34878D82A}">
-                    <a16:rowId xmlns:a16="http://schemas.microsoft.com/office/drawing/2014/main" xmlns="" val="779160651"/>
+                    <a16:rowId xmlns:a16="http://schemas.microsoft.com/office/drawing/2014/main" val="779160651"/>
                   </a:ext>
                 </a:extLst>
               </a:tr>
@@ -12643,7 +12655,7 @@
                 </a:tc>
                 <a:extLst>
                   <a:ext uri="{0D108BD9-81ED-4DB2-BD59-A6C34878D82A}">
-                    <a16:rowId xmlns:a16="http://schemas.microsoft.com/office/drawing/2014/main" xmlns="" val="1328225863"/>
+                    <a16:rowId xmlns:a16="http://schemas.microsoft.com/office/drawing/2014/main" val="1328225863"/>
                   </a:ext>
                 </a:extLst>
               </a:tr>
@@ -12957,7 +12969,7 @@
                 </a:tc>
                 <a:extLst>
                   <a:ext uri="{0D108BD9-81ED-4DB2-BD59-A6C34878D82A}">
-                    <a16:rowId xmlns:a16="http://schemas.microsoft.com/office/drawing/2014/main" xmlns="" val="2343699192"/>
+                    <a16:rowId xmlns:a16="http://schemas.microsoft.com/office/drawing/2014/main" val="2343699192"/>
                   </a:ext>
                 </a:extLst>
               </a:tr>
@@ -13271,7 +13283,7 @@
                 </a:tc>
                 <a:extLst>
                   <a:ext uri="{0D108BD9-81ED-4DB2-BD59-A6C34878D82A}">
-                    <a16:rowId xmlns:a16="http://schemas.microsoft.com/office/drawing/2014/main" xmlns="" val="3137852874"/>
+                    <a16:rowId xmlns:a16="http://schemas.microsoft.com/office/drawing/2014/main" val="3137852874"/>
                   </a:ext>
                 </a:extLst>
               </a:tr>
@@ -13659,7 +13671,7 @@
                 </a:tc>
                 <a:extLst>
                   <a:ext uri="{0D108BD9-81ED-4DB2-BD59-A6C34878D82A}">
-                    <a16:rowId xmlns:a16="http://schemas.microsoft.com/office/drawing/2014/main" xmlns="" val="3056819481"/>
+                    <a16:rowId xmlns:a16="http://schemas.microsoft.com/office/drawing/2014/main" val="3056819481"/>
                   </a:ext>
                 </a:extLst>
               </a:tr>
@@ -13951,7 +13963,7 @@
                 </a:tc>
                 <a:extLst>
                   <a:ext uri="{0D108BD9-81ED-4DB2-BD59-A6C34878D82A}">
-                    <a16:rowId xmlns:a16="http://schemas.microsoft.com/office/drawing/2014/main" xmlns="" val="586849533"/>
+                    <a16:rowId xmlns:a16="http://schemas.microsoft.com/office/drawing/2014/main" val="586849533"/>
                   </a:ext>
                 </a:extLst>
               </a:tr>
@@ -14243,7 +14255,7 @@
                 </a:tc>
                 <a:extLst>
                   <a:ext uri="{0D108BD9-81ED-4DB2-BD59-A6C34878D82A}">
-                    <a16:rowId xmlns:a16="http://schemas.microsoft.com/office/drawing/2014/main" xmlns="" val="40572000"/>
+                    <a16:rowId xmlns:a16="http://schemas.microsoft.com/office/drawing/2014/main" val="40572000"/>
                   </a:ext>
                 </a:extLst>
               </a:tr>
@@ -14504,42 +14516,42 @@
                 <a:gridCol w="1485281">
                   <a:extLst>
                     <a:ext uri="{9D8B030D-6E8A-4147-A177-3AD203B41FA5}">
-                      <a16:colId xmlns:a16="http://schemas.microsoft.com/office/drawing/2014/main" xmlns="" val="181454588"/>
+                      <a16:colId xmlns:a16="http://schemas.microsoft.com/office/drawing/2014/main" val="181454588"/>
                     </a:ext>
                   </a:extLst>
                 </a:gridCol>
                 <a:gridCol w="1485281">
                   <a:extLst>
                     <a:ext uri="{9D8B030D-6E8A-4147-A177-3AD203B41FA5}">
-                      <a16:colId xmlns:a16="http://schemas.microsoft.com/office/drawing/2014/main" xmlns="" val="1299287274"/>
+                      <a16:colId xmlns:a16="http://schemas.microsoft.com/office/drawing/2014/main" val="1299287274"/>
                     </a:ext>
                   </a:extLst>
                 </a:gridCol>
                 <a:gridCol w="1485281">
                   <a:extLst>
                     <a:ext uri="{9D8B030D-6E8A-4147-A177-3AD203B41FA5}">
-                      <a16:colId xmlns:a16="http://schemas.microsoft.com/office/drawing/2014/main" xmlns="" val="2196774209"/>
+                      <a16:colId xmlns:a16="http://schemas.microsoft.com/office/drawing/2014/main" val="2196774209"/>
                     </a:ext>
                   </a:extLst>
                 </a:gridCol>
                 <a:gridCol w="1485281">
                   <a:extLst>
                     <a:ext uri="{9D8B030D-6E8A-4147-A177-3AD203B41FA5}">
-                      <a16:colId xmlns:a16="http://schemas.microsoft.com/office/drawing/2014/main" xmlns="" val="2497886750"/>
+                      <a16:colId xmlns:a16="http://schemas.microsoft.com/office/drawing/2014/main" val="2497886750"/>
                     </a:ext>
                   </a:extLst>
                 </a:gridCol>
                 <a:gridCol w="1485281">
                   <a:extLst>
                     <a:ext uri="{9D8B030D-6E8A-4147-A177-3AD203B41FA5}">
-                      <a16:colId xmlns:a16="http://schemas.microsoft.com/office/drawing/2014/main" xmlns="" val="883960185"/>
+                      <a16:colId xmlns:a16="http://schemas.microsoft.com/office/drawing/2014/main" val="883960185"/>
                     </a:ext>
                   </a:extLst>
                 </a:gridCol>
                 <a:gridCol w="1485281">
                   <a:extLst>
                     <a:ext uri="{9D8B030D-6E8A-4147-A177-3AD203B41FA5}">
-                      <a16:colId xmlns:a16="http://schemas.microsoft.com/office/drawing/2014/main" xmlns="" val="3966886544"/>
+                      <a16:colId xmlns:a16="http://schemas.microsoft.com/office/drawing/2014/main" val="3966886544"/>
                     </a:ext>
                   </a:extLst>
                 </a:gridCol>
@@ -14904,7 +14916,7 @@
                 </a:tc>
                 <a:extLst>
                   <a:ext uri="{0D108BD9-81ED-4DB2-BD59-A6C34878D82A}">
-                    <a16:rowId xmlns:a16="http://schemas.microsoft.com/office/drawing/2014/main" xmlns="" val="3394241300"/>
+                    <a16:rowId xmlns:a16="http://schemas.microsoft.com/office/drawing/2014/main" val="3394241300"/>
                   </a:ext>
                 </a:extLst>
               </a:tr>
@@ -15196,7 +15208,7 @@
                 </a:tc>
                 <a:extLst>
                   <a:ext uri="{0D108BD9-81ED-4DB2-BD59-A6C34878D82A}">
-                    <a16:rowId xmlns:a16="http://schemas.microsoft.com/office/drawing/2014/main" xmlns="" val="2829911925"/>
+                    <a16:rowId xmlns:a16="http://schemas.microsoft.com/office/drawing/2014/main" val="2829911925"/>
                   </a:ext>
                 </a:extLst>
               </a:tr>
@@ -15488,7 +15500,7 @@
                 </a:tc>
                 <a:extLst>
                   <a:ext uri="{0D108BD9-81ED-4DB2-BD59-A6C34878D82A}">
-                    <a16:rowId xmlns:a16="http://schemas.microsoft.com/office/drawing/2014/main" xmlns="" val="1687817131"/>
+                    <a16:rowId xmlns:a16="http://schemas.microsoft.com/office/drawing/2014/main" val="1687817131"/>
                   </a:ext>
                 </a:extLst>
               </a:tr>
@@ -15898,7 +15910,7 @@
                 </a:tc>
                 <a:extLst>
                   <a:ext uri="{0D108BD9-81ED-4DB2-BD59-A6C34878D82A}">
-                    <a16:rowId xmlns:a16="http://schemas.microsoft.com/office/drawing/2014/main" xmlns="" val="1975984586"/>
+                    <a16:rowId xmlns:a16="http://schemas.microsoft.com/office/drawing/2014/main" val="1975984586"/>
                   </a:ext>
                 </a:extLst>
               </a:tr>
@@ -16212,7 +16224,7 @@
                 </a:tc>
                 <a:extLst>
                   <a:ext uri="{0D108BD9-81ED-4DB2-BD59-A6C34878D82A}">
-                    <a16:rowId xmlns:a16="http://schemas.microsoft.com/office/drawing/2014/main" xmlns="" val="3025725816"/>
+                    <a16:rowId xmlns:a16="http://schemas.microsoft.com/office/drawing/2014/main" val="3025725816"/>
                   </a:ext>
                 </a:extLst>
               </a:tr>
@@ -16504,7 +16516,7 @@
                 </a:tc>
                 <a:extLst>
                   <a:ext uri="{0D108BD9-81ED-4DB2-BD59-A6C34878D82A}">
-                    <a16:rowId xmlns:a16="http://schemas.microsoft.com/office/drawing/2014/main" xmlns="" val="746426692"/>
+                    <a16:rowId xmlns:a16="http://schemas.microsoft.com/office/drawing/2014/main" val="746426692"/>
                   </a:ext>
                 </a:extLst>
               </a:tr>
@@ -16925,7 +16937,7 @@
                 </a:tc>
                 <a:extLst>
                   <a:ext uri="{0D108BD9-81ED-4DB2-BD59-A6C34878D82A}">
-                    <a16:rowId xmlns:a16="http://schemas.microsoft.com/office/drawing/2014/main" xmlns="" val="1551192251"/>
+                    <a16:rowId xmlns:a16="http://schemas.microsoft.com/office/drawing/2014/main" val="1551192251"/>
                   </a:ext>
                 </a:extLst>
               </a:tr>
@@ -17217,7 +17229,7 @@
                 </a:tc>
                 <a:extLst>
                   <a:ext uri="{0D108BD9-81ED-4DB2-BD59-A6C34878D82A}">
-                    <a16:rowId xmlns:a16="http://schemas.microsoft.com/office/drawing/2014/main" xmlns="" val="2816201242"/>
+                    <a16:rowId xmlns:a16="http://schemas.microsoft.com/office/drawing/2014/main" val="2816201242"/>
                   </a:ext>
                 </a:extLst>
               </a:tr>
@@ -17422,7 +17434,7 @@
                 </a:tc>
                 <a:extLst>
                   <a:ext uri="{0D108BD9-81ED-4DB2-BD59-A6C34878D82A}">
-                    <a16:rowId xmlns:a16="http://schemas.microsoft.com/office/drawing/2014/main" xmlns="" val="3006280963"/>
+                    <a16:rowId xmlns:a16="http://schemas.microsoft.com/office/drawing/2014/main" val="3006280963"/>
                   </a:ext>
                 </a:extLst>
               </a:tr>
@@ -21475,6 +21487,288 @@
     <p:extLst>
       <p:ext uri="{BB962C8B-B14F-4D97-AF65-F5344CB8AC3E}">
         <p14:creationId xmlns:p14="http://schemas.microsoft.com/office/powerpoint/2010/main" val="3893594743"/>
+      </p:ext>
+    </p:extLst>
+  </p:cSld>
+  <p:clrMapOvr>
+    <a:masterClrMapping/>
+  </p:clrMapOvr>
+</p:sld>
+</file>
+
+<file path=ppt/slides/slide45.xml><?xml version="1.0" encoding="utf-8"?>
+<p:sld xmlns:a="http://schemas.openxmlformats.org/drawingml/2006/main" xmlns:r="http://schemas.openxmlformats.org/officeDocument/2006/relationships" xmlns:p="http://schemas.openxmlformats.org/presentationml/2006/main">
+  <p:cSld>
+    <p:spTree>
+      <p:nvGrpSpPr>
+        <p:cNvPr id="1" name=""/>
+        <p:cNvGrpSpPr/>
+        <p:nvPr/>
+      </p:nvGrpSpPr>
+      <p:grpSpPr>
+        <a:xfrm>
+          <a:off x="0" y="0"/>
+          <a:ext cx="0" cy="0"/>
+          <a:chOff x="0" y="0"/>
+          <a:chExt cx="0" cy="0"/>
+        </a:xfrm>
+      </p:grpSpPr>
+      <p:sp>
+        <p:nvSpPr>
+          <p:cNvPr id="2" name="標題 1"/>
+          <p:cNvSpPr>
+            <a:spLocks noGrp="1"/>
+          </p:cNvSpPr>
+          <p:nvPr>
+            <p:ph type="title"/>
+          </p:nvPr>
+        </p:nvSpPr>
+        <p:spPr/>
+        <p:txBody>
+          <a:bodyPr/>
+          <a:lstStyle/>
+          <a:p>
+            <a:r>
+              <a:rPr lang="zh-TW" altLang="en-US" dirty="0" smtClean="0"/>
+              <a:t>心得 </a:t>
+            </a:r>
+            <a:r>
+              <a:rPr lang="en-US" altLang="zh-TW" dirty="0" smtClean="0"/>
+              <a:t>–</a:t>
+            </a:r>
+            <a:r>
+              <a:rPr lang="zh-TW" altLang="en-US" dirty="0" smtClean="0"/>
+              <a:t> 彭冠傑</a:t>
+            </a:r>
+            <a:endParaRPr lang="zh-TW" altLang="en-US" dirty="0"/>
+          </a:p>
+        </p:txBody>
+      </p:sp>
+      <p:sp>
+        <p:nvSpPr>
+          <p:cNvPr id="3" name="內容版面配置區 2"/>
+          <p:cNvSpPr>
+            <a:spLocks noGrp="1"/>
+          </p:cNvSpPr>
+          <p:nvPr>
+            <p:ph idx="1"/>
+          </p:nvPr>
+        </p:nvSpPr>
+        <p:spPr/>
+        <p:txBody>
+          <a:bodyPr/>
+          <a:lstStyle/>
+          <a:p>
+            <a:pPr marL="0" indent="0">
+              <a:buNone/>
+            </a:pPr>
+            <a:r>
+              <a:rPr lang="zh-TW" altLang="en-US" dirty="0" smtClean="0"/>
+              <a:t>        一開始修這門課老師就直接說，網程和</a:t>
+            </a:r>
+            <a:r>
+              <a:rPr lang="en-US" altLang="zh-TW" dirty="0" smtClean="0"/>
+              <a:t>JAVA</a:t>
+            </a:r>
+            <a:r>
+              <a:rPr lang="zh-TW" altLang="en-US" dirty="0" smtClean="0"/>
+              <a:t>都沒修的同學，可以先不要選這門課時，我真的是皮皮挫，因為我沒修過</a:t>
+            </a:r>
+            <a:r>
+              <a:rPr lang="en-US" altLang="zh-TW" dirty="0" smtClean="0"/>
+              <a:t>JAVA</a:t>
+            </a:r>
+            <a:r>
+              <a:rPr lang="zh-TW" altLang="en-US" dirty="0" smtClean="0"/>
+              <a:t>，如果網程和</a:t>
+            </a:r>
+            <a:r>
+              <a:rPr lang="en-US" altLang="zh-TW" dirty="0" smtClean="0"/>
+              <a:t>JAVA</a:t>
+            </a:r>
+            <a:r>
+              <a:rPr lang="zh-TW" altLang="en-US" dirty="0" smtClean="0"/>
+              <a:t>都沒修的是無自理能力，沒修</a:t>
+            </a:r>
+            <a:r>
+              <a:rPr lang="en-US" altLang="zh-TW" dirty="0" smtClean="0"/>
+              <a:t>JAVA</a:t>
+            </a:r>
+            <a:r>
+              <a:rPr lang="zh-TW" altLang="en-US" dirty="0" smtClean="0"/>
+              <a:t>的應該不死也半殘了吧，還好我的朋友擁有寬宏大量不會因為一點小錯就說我的不是，人有失蹄嘛。</a:t>
+            </a:r>
+            <a:endParaRPr lang="en-US" altLang="zh-TW" dirty="0"/>
+          </a:p>
+          <a:p>
+            <a:pPr marL="0" indent="0">
+              <a:buNone/>
+            </a:pPr>
+            <a:r>
+              <a:rPr lang="zh-TW" altLang="en-US" dirty="0" smtClean="0"/>
+              <a:t>        說實話的我還是覺得</a:t>
+            </a:r>
+            <a:r>
+              <a:rPr lang="en-US" altLang="zh-TW" dirty="0" smtClean="0"/>
+              <a:t>eclipse</a:t>
+            </a:r>
+            <a:r>
+              <a:rPr lang="zh-TW" altLang="en-US" dirty="0" smtClean="0"/>
+              <a:t>這個開發軟體讓我有點困擾，要是我再厲害一點，我就直接在</a:t>
+            </a:r>
+            <a:r>
+              <a:rPr lang="en-US" altLang="zh-TW" dirty="0" smtClean="0"/>
+              <a:t>servlet</a:t>
+            </a:r>
+            <a:r>
+              <a:rPr lang="zh-TW" altLang="en-US" dirty="0" smtClean="0"/>
+              <a:t>那邊放一個</a:t>
+            </a:r>
+            <a:r>
+              <a:rPr lang="en-US" altLang="zh-TW" dirty="0" smtClean="0"/>
+              <a:t>checkbox</a:t>
+            </a:r>
+            <a:r>
+              <a:rPr lang="zh-TW" altLang="en-US" dirty="0" smtClean="0"/>
+              <a:t>，你要這個</a:t>
+            </a:r>
+            <a:r>
+              <a:rPr lang="en-US" altLang="zh-TW" dirty="0" smtClean="0"/>
+              <a:t>servlet</a:t>
+            </a:r>
+            <a:r>
+              <a:rPr lang="zh-TW" altLang="en-US" dirty="0" smtClean="0"/>
+              <a:t>運作就打勾，軟體直接幫你加在</a:t>
+            </a:r>
+            <a:r>
+              <a:rPr lang="en-US" altLang="zh-TW" dirty="0" smtClean="0"/>
+              <a:t>web.xml</a:t>
+            </a:r>
+            <a:r>
+              <a:rPr lang="zh-TW" altLang="en-US" dirty="0" smtClean="0"/>
+              <a:t>裡面，想換名字也直接給一個</a:t>
+            </a:r>
+            <a:r>
+              <a:rPr lang="en-US" altLang="zh-TW" dirty="0" smtClean="0"/>
+              <a:t>textbox</a:t>
+            </a:r>
+            <a:r>
+              <a:rPr lang="zh-TW" altLang="en-US" dirty="0" smtClean="0"/>
+              <a:t>之類的，應該不難實作吧</a:t>
+            </a:r>
+            <a:r>
+              <a:rPr lang="en-US" altLang="zh-TW" dirty="0" smtClean="0"/>
+              <a:t>@@</a:t>
+            </a:r>
+          </a:p>
+          <a:p>
+            <a:pPr marL="0" indent="0">
+              <a:buNone/>
+            </a:pPr>
+            <a:r>
+              <a:rPr lang="zh-TW" altLang="en-US" dirty="0"/>
+              <a:t> </a:t>
+            </a:r>
+            <a:r>
+              <a:rPr lang="zh-TW" altLang="en-US" dirty="0" smtClean="0"/>
+              <a:t>        這學期學到最多的還是分工吧，要把好多人的程式合在一起真的夠折騰的，我覺得這是一個</a:t>
+            </a:r>
+            <a:r>
+              <a:rPr lang="en-US" altLang="zh-TW" dirty="0" smtClean="0"/>
+              <a:t>MVC</a:t>
+            </a:r>
+            <a:r>
+              <a:rPr lang="zh-TW" altLang="en-US" dirty="0" smtClean="0"/>
+              <a:t>的好處，就像我是做</a:t>
+            </a:r>
+            <a:r>
+              <a:rPr lang="en-US" altLang="zh-TW" dirty="0" smtClean="0"/>
+              <a:t>servlet</a:t>
+            </a:r>
+            <a:r>
+              <a:rPr lang="zh-TW" altLang="en-US" dirty="0" smtClean="0"/>
+              <a:t>和基礎</a:t>
+            </a:r>
+            <a:r>
+              <a:rPr lang="en-US" altLang="zh-TW" dirty="0" smtClean="0"/>
+              <a:t>JSP</a:t>
+            </a:r>
+            <a:r>
+              <a:rPr lang="zh-TW" altLang="en-US" dirty="0" smtClean="0"/>
+              <a:t>就是</a:t>
+            </a:r>
+            <a:r>
+              <a:rPr lang="en-US" altLang="zh-TW" dirty="0" smtClean="0"/>
+              <a:t>V</a:t>
+            </a:r>
+            <a:r>
+              <a:rPr lang="zh-TW" altLang="en-US" dirty="0" smtClean="0"/>
+              <a:t>和</a:t>
+            </a:r>
+            <a:r>
+              <a:rPr lang="en-US" altLang="zh-TW" dirty="0" smtClean="0"/>
+              <a:t>C</a:t>
+            </a:r>
+            <a:r>
+              <a:rPr lang="zh-TW" altLang="en-US" dirty="0" smtClean="0"/>
+              <a:t>的，但我隊友的好多個</a:t>
+            </a:r>
+            <a:r>
+              <a:rPr lang="en-US" altLang="zh-TW" dirty="0" smtClean="0"/>
+              <a:t>M</a:t>
+            </a:r>
+            <a:r>
+              <a:rPr lang="zh-TW" altLang="en-US" dirty="0" smtClean="0"/>
+              <a:t>我可以用一個</a:t>
+            </a:r>
+            <a:r>
+              <a:rPr lang="en-US" altLang="zh-TW" dirty="0" smtClean="0"/>
+              <a:t>servlet</a:t>
+            </a:r>
+            <a:r>
+              <a:rPr lang="zh-TW" altLang="en-US" dirty="0" smtClean="0"/>
+              <a:t>來銜接</a:t>
+            </a:r>
+            <a:r>
+              <a:rPr lang="en-US" altLang="zh-TW" dirty="0" smtClean="0"/>
+              <a:t>JSP</a:t>
+            </a:r>
+            <a:r>
+              <a:rPr lang="zh-TW" altLang="en-US" dirty="0" smtClean="0"/>
+              <a:t>和</a:t>
+            </a:r>
+            <a:r>
+              <a:rPr lang="en-US" altLang="zh-TW" dirty="0" smtClean="0"/>
+              <a:t>model</a:t>
+            </a:r>
+            <a:r>
+              <a:rPr lang="zh-TW" altLang="en-US" dirty="0" smtClean="0"/>
+              <a:t>，如果世界也像</a:t>
+            </a:r>
+            <a:r>
+              <a:rPr lang="en-US" altLang="zh-TW" dirty="0" smtClean="0"/>
+              <a:t>MVC</a:t>
+            </a:r>
+            <a:r>
+              <a:rPr lang="zh-TW" altLang="en-US" dirty="0" smtClean="0"/>
+              <a:t>一樣簡潔就好了</a:t>
+            </a:r>
+            <a:r>
+              <a:rPr lang="en-US" altLang="zh-TW" dirty="0" smtClean="0"/>
+              <a:t>(</a:t>
+            </a:r>
+            <a:r>
+              <a:rPr lang="zh-TW" altLang="en-US" smtClean="0"/>
+              <a:t>再說甚麼啦</a:t>
+            </a:r>
+            <a:endParaRPr lang="en-US" altLang="zh-TW" dirty="0" smtClean="0"/>
+          </a:p>
+        </p:txBody>
+      </p:sp>
+    </p:spTree>
+    <p:extLst>
+      <p:ext uri="{BB962C8B-B14F-4D97-AF65-F5344CB8AC3E}">
+        <p14:creationId xmlns:p14="http://schemas.microsoft.com/office/powerpoint/2010/main" val="1393755720"/>
       </p:ext>
     </p:extLst>
   </p:cSld>
@@ -23082,7 +23376,7 @@
   <a:extraClrSchemeLst/>
   <a:extLst>
     <a:ext uri="{05A4C25C-085E-4340-85A3-A5531E510DB2}">
-      <thm15:themeFamily xmlns:thm15="http://schemas.microsoft.com/office/thememl/2012/main" xmlns="" name="Wisp" id="{7CB32D59-10C0-40DD-B7BD-2E94284A981C}" vid="{24B1A44C-C006-48B2-A4D7-E5549B3D8CD4}"/>
+      <thm15:themeFamily xmlns:thm15="http://schemas.microsoft.com/office/thememl/2012/main" name="Wisp" id="{7CB32D59-10C0-40DD-B7BD-2E94284A981C}" vid="{24B1A44C-C006-48B2-A4D7-E5549B3D8CD4}"/>
     </a:ext>
   </a:extLst>
 </a:theme>

--- a/其他/YelpBlaBla.pptx
+++ b/其他/YelpBlaBla.pptx
@@ -14,30 +14,30 @@
     <p:sldId id="261" r:id="rId8"/>
     <p:sldId id="264" r:id="rId9"/>
     <p:sldId id="257" r:id="rId10"/>
-    <p:sldId id="274" r:id="rId11"/>
-    <p:sldId id="275" r:id="rId12"/>
-    <p:sldId id="279" r:id="rId13"/>
-    <p:sldId id="280" r:id="rId14"/>
-    <p:sldId id="281" r:id="rId15"/>
-    <p:sldId id="282" r:id="rId16"/>
-    <p:sldId id="283" r:id="rId17"/>
-    <p:sldId id="284" r:id="rId18"/>
-    <p:sldId id="285" r:id="rId19"/>
-    <p:sldId id="286" r:id="rId20"/>
-    <p:sldId id="276" r:id="rId21"/>
-    <p:sldId id="277" r:id="rId22"/>
-    <p:sldId id="297" r:id="rId23"/>
-    <p:sldId id="298" r:id="rId24"/>
-    <p:sldId id="299" r:id="rId25"/>
-    <p:sldId id="300" r:id="rId26"/>
-    <p:sldId id="301" r:id="rId27"/>
-    <p:sldId id="278" r:id="rId28"/>
-    <p:sldId id="273" r:id="rId29"/>
-    <p:sldId id="292" r:id="rId30"/>
-    <p:sldId id="293" r:id="rId31"/>
-    <p:sldId id="269" r:id="rId32"/>
-    <p:sldId id="270" r:id="rId33"/>
-    <p:sldId id="271" r:id="rId34"/>
+    <p:sldId id="297" r:id="rId11"/>
+    <p:sldId id="298" r:id="rId12"/>
+    <p:sldId id="310" r:id="rId13"/>
+    <p:sldId id="299" r:id="rId14"/>
+    <p:sldId id="311" r:id="rId15"/>
+    <p:sldId id="300" r:id="rId16"/>
+    <p:sldId id="312" r:id="rId17"/>
+    <p:sldId id="301" r:id="rId18"/>
+    <p:sldId id="313" r:id="rId19"/>
+    <p:sldId id="278" r:id="rId20"/>
+    <p:sldId id="303" r:id="rId21"/>
+    <p:sldId id="304" r:id="rId22"/>
+    <p:sldId id="305" r:id="rId23"/>
+    <p:sldId id="306" r:id="rId24"/>
+    <p:sldId id="307" r:id="rId25"/>
+    <p:sldId id="308" r:id="rId26"/>
+    <p:sldId id="273" r:id="rId27"/>
+    <p:sldId id="292" r:id="rId28"/>
+    <p:sldId id="293" r:id="rId29"/>
+    <p:sldId id="269" r:id="rId30"/>
+    <p:sldId id="270" r:id="rId31"/>
+    <p:sldId id="271" r:id="rId32"/>
+    <p:sldId id="314" r:id="rId33"/>
+    <p:sldId id="315" r:id="rId34"/>
     <p:sldId id="265" r:id="rId35"/>
     <p:sldId id="287" r:id="rId36"/>
     <p:sldId id="288" r:id="rId37"/>
@@ -50,6 +50,7 @@
     <p:sldId id="295" r:id="rId44"/>
     <p:sldId id="296" r:id="rId45"/>
     <p:sldId id="302" r:id="rId46"/>
+    <p:sldId id="309" r:id="rId47"/>
   </p:sldIdLst>
   <p:sldSz cx="12192000" cy="6858000"/>
   <p:notesSz cx="6858000" cy="9144000"/>
@@ -7876,7 +7877,7 @@
           <a:p>
             <a:r>
               <a:rPr lang="zh-TW" altLang="en-US" dirty="0" smtClean="0"/>
-              <a:t>操作方式</a:t>
+              <a:t>操作故事</a:t>
             </a:r>
             <a:endParaRPr lang="zh-TW" altLang="en-US" dirty="0"/>
           </a:p>
@@ -7892,112 +7893,49 @@
             <p:ph idx="1"/>
           </p:nvPr>
         </p:nvSpPr>
-        <p:spPr>
-          <a:xfrm>
-            <a:off x="2592925" y="2133600"/>
-            <a:ext cx="8915400" cy="3777622"/>
-          </a:xfrm>
-        </p:spPr>
+        <p:spPr/>
         <p:txBody>
           <a:bodyPr/>
           <a:lstStyle/>
           <a:p>
             <a:r>
-              <a:rPr lang="zh-TW" altLang="en-US" dirty="0" smtClean="0"/>
-              <a:t>點擊標頭列中註冊的即可註冊成為會員</a:t>
-            </a:r>
-            <a:endParaRPr lang="en-US" altLang="zh-TW" dirty="0" smtClean="0"/>
+              <a:rPr lang="zh-TW" altLang="en-US" b="1" dirty="0"/>
+              <a:t>使用者：毛毛</a:t>
+            </a:r>
+            <a:endParaRPr lang="en-US" altLang="zh-TW" b="1" dirty="0"/>
+          </a:p>
+          <a:p>
+            <a:r>
+              <a:rPr lang="zh-TW" altLang="en-US" b="1" dirty="0"/>
+              <a:t>職業：海洋大學資工系學生</a:t>
+            </a:r>
+            <a:endParaRPr lang="en-US" altLang="zh-TW" b="1" dirty="0"/>
+          </a:p>
+          <a:p>
+            <a:r>
+              <a:rPr lang="zh-TW" altLang="en-US" b="1" dirty="0"/>
+              <a:t>生日：</a:t>
+            </a:r>
+            <a:r>
+              <a:rPr lang="en-US" altLang="zh-TW" b="1" dirty="0"/>
+              <a:t>1996/02/02</a:t>
+            </a:r>
           </a:p>
           <a:p>
             <a:endParaRPr lang="zh-TW" altLang="en-US" dirty="0"/>
-          </a:p>
-        </p:txBody>
-      </p:sp>
-      <p:pic>
-        <p:nvPicPr>
-          <p:cNvPr id="4" name="圖片 3"/>
-          <p:cNvPicPr>
-            <a:picLocks noChangeAspect="1"/>
-          </p:cNvPicPr>
-          <p:nvPr/>
-        </p:nvPicPr>
-        <p:blipFill>
-          <a:blip r:embed="rId2"/>
-          <a:stretch>
-            <a:fillRect/>
-          </a:stretch>
-        </p:blipFill>
-        <p:spPr>
-          <a:xfrm>
-            <a:off x="2853225" y="2582684"/>
-            <a:ext cx="7346428" cy="4130349"/>
-          </a:xfrm>
-          <a:prstGeom prst="rect">
-            <a:avLst/>
-          </a:prstGeom>
-        </p:spPr>
-      </p:pic>
-      <p:sp>
-        <p:nvSpPr>
-          <p:cNvPr id="5" name="橢圓 4"/>
-          <p:cNvSpPr/>
-          <p:nvPr/>
-        </p:nvSpPr>
-        <p:spPr>
-          <a:xfrm>
-            <a:off x="9564167" y="2988527"/>
-            <a:ext cx="1022163" cy="448247"/>
-          </a:xfrm>
-          <a:prstGeom prst="ellipse">
-            <a:avLst/>
-          </a:prstGeom>
-          <a:noFill/>
-          <a:ln>
-            <a:solidFill>
-              <a:srgbClr val="FF0000"/>
-            </a:solidFill>
-          </a:ln>
-        </p:spPr>
-        <p:style>
-          <a:lnRef idx="2">
-            <a:schemeClr val="dk1"/>
-          </a:lnRef>
-          <a:fillRef idx="1">
-            <a:schemeClr val="lt1"/>
-          </a:fillRef>
-          <a:effectRef idx="0">
-            <a:schemeClr val="dk1"/>
-          </a:effectRef>
-          <a:fontRef idx="minor">
-            <a:schemeClr val="dk1"/>
-          </a:fontRef>
-        </p:style>
-        <p:txBody>
-          <a:bodyPr rtlCol="0" anchor="ctr"/>
-          <a:lstStyle/>
-          <a:p>
-            <a:pPr algn="ctr"/>
-            <a:endParaRPr lang="zh-TW" altLang="en-US"/>
           </a:p>
         </p:txBody>
       </p:sp>
     </p:spTree>
     <p:extLst>
       <p:ext uri="{BB962C8B-B14F-4D97-AF65-F5344CB8AC3E}">
-        <p14:creationId xmlns:p14="http://schemas.microsoft.com/office/powerpoint/2010/main" val="1486146415"/>
+        <p14:creationId xmlns:p14="http://schemas.microsoft.com/office/powerpoint/2010/main" val="2287051180"/>
       </p:ext>
     </p:extLst>
   </p:cSld>
   <p:clrMapOvr>
     <a:masterClrMapping/>
   </p:clrMapOvr>
-  <p:timing>
-    <p:tnLst>
-      <p:par>
-        <p:cTn id="1" dur="indefinite" restart="never" nodeType="tmRoot"/>
-      </p:par>
-    </p:tnLst>
-  </p:timing>
 </p:sld>
 </file>
 
@@ -8033,7 +7971,10 @@
           <a:bodyPr/>
           <a:lstStyle/>
           <a:p>
-            <a:endParaRPr lang="zh-TW" altLang="en-US" dirty="0"/>
+            <a:r>
+              <a:rPr lang="zh-TW" altLang="en-US" dirty="0"/>
+              <a:t>操作故事</a:t>
+            </a:r>
           </a:p>
         </p:txBody>
       </p:sp>
@@ -8052,51 +7993,71 @@
           <a:bodyPr/>
           <a:lstStyle/>
           <a:p>
-            <a:endParaRPr lang="zh-TW" altLang="en-US"/>
+            <a:r>
+              <a:rPr lang="zh-TW" altLang="en-US" b="1" dirty="0"/>
+              <a:t>毛毛和朋友相約今晚</a:t>
+            </a:r>
+            <a:r>
+              <a:rPr lang="zh-TW" altLang="en-US" b="1" dirty="0" smtClean="0"/>
+              <a:t>一起出</a:t>
+            </a:r>
+            <a:r>
+              <a:rPr lang="zh-TW" altLang="en-US" b="1" dirty="0"/>
+              <a:t>來</a:t>
+            </a:r>
+            <a:r>
+              <a:rPr lang="zh-TW" altLang="en-US" b="1" dirty="0" smtClean="0"/>
+              <a:t>做</a:t>
+            </a:r>
+            <a:r>
+              <a:rPr lang="zh-TW" altLang="en-US" b="1" dirty="0"/>
+              <a:t>小組報告，但大家不知道哪裡有合適的店家。</a:t>
+            </a:r>
+            <a:endParaRPr lang="en-US" altLang="zh-TW" b="1" dirty="0"/>
+          </a:p>
+          <a:p>
+            <a:endParaRPr lang="en-US" altLang="zh-TW" b="1" dirty="0"/>
+          </a:p>
+          <a:p>
+            <a:r>
+              <a:rPr lang="zh-TW" altLang="en-US" b="1" dirty="0"/>
+              <a:t>毛毛在網路上發現了便利的</a:t>
+            </a:r>
+            <a:r>
+              <a:rPr lang="en-US" altLang="zh-TW" b="1" dirty="0" err="1"/>
+              <a:t>YelpBlaBla</a:t>
+            </a:r>
+            <a:r>
+              <a:rPr lang="zh-TW" altLang="en-US" b="1" dirty="0"/>
+              <a:t>能夠查詢店家，於是想要在上面註冊屬於自己的帳戶</a:t>
+            </a:r>
+            <a:r>
+              <a:rPr lang="zh-TW" altLang="en-US" b="1" dirty="0" smtClean="0"/>
+              <a:t>。</a:t>
+            </a:r>
+            <a:endParaRPr lang="en-US" altLang="zh-TW" b="1" dirty="0" smtClean="0"/>
+          </a:p>
+          <a:p>
+            <a:pPr marL="0" indent="0">
+              <a:buNone/>
+            </a:pPr>
+            <a:endParaRPr lang="en-US" altLang="zh-TW" b="1" dirty="0"/>
+          </a:p>
+          <a:p>
+            <a:endParaRPr lang="zh-TW" altLang="en-US" dirty="0"/>
           </a:p>
         </p:txBody>
       </p:sp>
-      <p:pic>
-        <p:nvPicPr>
-          <p:cNvPr id="4" name="圖片 3"/>
-          <p:cNvPicPr>
-            <a:picLocks noChangeAspect="1"/>
-          </p:cNvPicPr>
-          <p:nvPr/>
-        </p:nvPicPr>
-        <p:blipFill>
-          <a:blip r:embed="rId2"/>
-          <a:stretch>
-            <a:fillRect/>
-          </a:stretch>
-        </p:blipFill>
-        <p:spPr>
-          <a:xfrm>
-            <a:off x="1634489" y="1127336"/>
-            <a:ext cx="9298305" cy="5227744"/>
-          </a:xfrm>
-          <a:prstGeom prst="rect">
-            <a:avLst/>
-          </a:prstGeom>
-        </p:spPr>
-      </p:pic>
     </p:spTree>
     <p:extLst>
       <p:ext uri="{BB962C8B-B14F-4D97-AF65-F5344CB8AC3E}">
-        <p14:creationId xmlns:p14="http://schemas.microsoft.com/office/powerpoint/2010/main" val="173065008"/>
+        <p14:creationId xmlns:p14="http://schemas.microsoft.com/office/powerpoint/2010/main" val="390165831"/>
       </p:ext>
     </p:extLst>
   </p:cSld>
   <p:clrMapOvr>
     <a:masterClrMapping/>
   </p:clrMapOvr>
-  <p:timing>
-    <p:tnLst>
-      <p:par>
-        <p:cTn id="1" dur="indefinite" restart="never" nodeType="tmRoot"/>
-      </p:par>
-    </p:tnLst>
-  </p:timing>
 </p:sld>
 </file>
 
@@ -8134,7 +8095,7 @@
           <a:p>
             <a:r>
               <a:rPr lang="zh-TW" altLang="en-US" dirty="0" smtClean="0"/>
-              <a:t>操作方式</a:t>
+              <a:t>操作故事</a:t>
             </a:r>
             <a:endParaRPr lang="zh-TW" altLang="en-US" dirty="0"/>
           </a:p>
@@ -8156,10 +8117,10 @@
           <a:lstStyle/>
           <a:p>
             <a:r>
-              <a:rPr lang="zh-TW" altLang="en-US" dirty="0" smtClean="0"/>
-              <a:t>點擊標頭列上登入即可輸入帳號密碼登入</a:t>
-            </a:r>
-            <a:endParaRPr lang="en-US" altLang="zh-TW" dirty="0" smtClean="0"/>
+              <a:rPr lang="zh-TW" altLang="en-US" b="1" dirty="0"/>
+              <a:t>毛毛來到了註冊頁面，輸入了自己的「帳號」 「密碼」 「生日」 「姓名」 「使用者名稱」，成功創辦個人帳戶。</a:t>
+            </a:r>
+            <a:endParaRPr lang="en-US" altLang="zh-TW" b="1" dirty="0"/>
           </a:p>
           <a:p>
             <a:endParaRPr lang="zh-TW" altLang="en-US" dirty="0"/>
@@ -8182,77 +8143,24 @@
         </p:blipFill>
         <p:spPr>
           <a:xfrm>
-            <a:off x="2265827" y="2487597"/>
-            <a:ext cx="7618194" cy="4283143"/>
+            <a:off x="4638907" y="2816496"/>
+            <a:ext cx="6293887" cy="3538584"/>
           </a:xfrm>
           <a:prstGeom prst="rect">
             <a:avLst/>
           </a:prstGeom>
         </p:spPr>
       </p:pic>
-      <p:sp>
-        <p:nvSpPr>
-          <p:cNvPr id="5" name="橢圓 4"/>
-          <p:cNvSpPr/>
-          <p:nvPr/>
-        </p:nvSpPr>
-        <p:spPr>
-          <a:xfrm>
-            <a:off x="8876371" y="2977376"/>
-            <a:ext cx="669073" cy="312234"/>
-          </a:xfrm>
-          <a:prstGeom prst="ellipse">
-            <a:avLst/>
-          </a:prstGeom>
-          <a:noFill/>
-          <a:ln>
-            <a:solidFill>
-              <a:srgbClr val="FF0000"/>
-            </a:solidFill>
-          </a:ln>
-        </p:spPr>
-        <p:style>
-          <a:lnRef idx="2">
-            <a:schemeClr val="accent1">
-              <a:shade val="50000"/>
-            </a:schemeClr>
-          </a:lnRef>
-          <a:fillRef idx="1">
-            <a:schemeClr val="accent1"/>
-          </a:fillRef>
-          <a:effectRef idx="0">
-            <a:schemeClr val="accent1"/>
-          </a:effectRef>
-          <a:fontRef idx="minor">
-            <a:schemeClr val="lt1"/>
-          </a:fontRef>
-        </p:style>
-        <p:txBody>
-          <a:bodyPr rtlCol="0" anchor="ctr"/>
-          <a:lstStyle/>
-          <a:p>
-            <a:pPr algn="ctr"/>
-            <a:endParaRPr lang="zh-TW" altLang="en-US"/>
-          </a:p>
-        </p:txBody>
-      </p:sp>
     </p:spTree>
     <p:extLst>
       <p:ext uri="{BB962C8B-B14F-4D97-AF65-F5344CB8AC3E}">
-        <p14:creationId xmlns:p14="http://schemas.microsoft.com/office/powerpoint/2010/main" val="3317156664"/>
+        <p14:creationId xmlns:p14="http://schemas.microsoft.com/office/powerpoint/2010/main" val="2764974740"/>
       </p:ext>
     </p:extLst>
   </p:cSld>
   <p:clrMapOvr>
     <a:masterClrMapping/>
   </p:clrMapOvr>
-  <p:timing>
-    <p:tnLst>
-      <p:par>
-        <p:cTn id="1" dur="indefinite" restart="never" nodeType="tmRoot"/>
-      </p:par>
-    </p:tnLst>
-  </p:timing>
 </p:sld>
 </file>
 
@@ -8288,7 +8196,10 @@
           <a:bodyPr/>
           <a:lstStyle/>
           <a:p>
-            <a:endParaRPr lang="zh-TW" altLang="en-US"/>
+            <a:r>
+              <a:rPr lang="zh-TW" altLang="en-US" dirty="0"/>
+              <a:t>操作故事</a:t>
+            </a:r>
           </a:p>
         </p:txBody>
       </p:sp>
@@ -8307,13 +8218,32 @@
           <a:bodyPr/>
           <a:lstStyle/>
           <a:p>
-            <a:endParaRPr lang="zh-TW" altLang="en-US"/>
+            <a:r>
+              <a:rPr lang="zh-TW" altLang="en-US" b="1" dirty="0"/>
+              <a:t>毛毛註冊完帳戶後，便來到登入頁面輸入剛剛設定的帳號密碼，成功登入了自己的帳戶</a:t>
+            </a:r>
+            <a:r>
+              <a:rPr lang="zh-TW" altLang="en-US" b="1" dirty="0" smtClean="0"/>
+              <a:t>。</a:t>
+            </a:r>
+          </a:p>
+          <a:p>
+            <a:endParaRPr lang="en-US" altLang="zh-TW" dirty="0" smtClean="0"/>
+          </a:p>
+          <a:p>
+            <a:pPr marL="0" indent="0">
+              <a:buNone/>
+            </a:pPr>
+            <a:endParaRPr lang="en-US" altLang="zh-TW" b="1" dirty="0" smtClean="0"/>
+          </a:p>
+          <a:p>
+            <a:endParaRPr lang="zh-TW" altLang="en-US" dirty="0"/>
           </a:p>
         </p:txBody>
       </p:sp>
       <p:pic>
         <p:nvPicPr>
-          <p:cNvPr id="4" name="圖片 3"/>
+          <p:cNvPr id="5" name="圖片 4"/>
           <p:cNvPicPr>
             <a:picLocks noChangeAspect="1"/>
           </p:cNvPicPr>
@@ -8327,8 +8257,8 @@
         </p:blipFill>
         <p:spPr>
           <a:xfrm>
-            <a:off x="1490576" y="1115122"/>
-            <a:ext cx="9623984" cy="5410849"/>
+            <a:off x="4581033" y="2535471"/>
+            <a:ext cx="6410864" cy="3604351"/>
           </a:xfrm>
           <a:prstGeom prst="rect">
             <a:avLst/>
@@ -8338,20 +8268,13 @@
     </p:spTree>
     <p:extLst>
       <p:ext uri="{BB962C8B-B14F-4D97-AF65-F5344CB8AC3E}">
-        <p14:creationId xmlns:p14="http://schemas.microsoft.com/office/powerpoint/2010/main" val="3012362008"/>
+        <p14:creationId xmlns:p14="http://schemas.microsoft.com/office/powerpoint/2010/main" val="2857472708"/>
       </p:ext>
     </p:extLst>
   </p:cSld>
   <p:clrMapOvr>
     <a:masterClrMapping/>
   </p:clrMapOvr>
-  <p:timing>
-    <p:tnLst>
-      <p:par>
-        <p:cTn id="1" dur="indefinite" restart="never" nodeType="tmRoot"/>
-      </p:par>
-    </p:tnLst>
-  </p:timing>
 </p:sld>
 </file>
 
@@ -8387,10 +8310,6 @@
           <a:bodyPr/>
           <a:lstStyle/>
           <a:p>
-            <a:r>
-              <a:rPr lang="zh-TW" altLang="en-US" dirty="0" smtClean="0"/>
-              <a:t>操作方式</a:t>
-            </a:r>
             <a:endParaRPr lang="zh-TW" altLang="en-US" dirty="0"/>
           </a:p>
         </p:txBody>
@@ -8411,31 +8330,58 @@
           <a:lstStyle/>
           <a:p>
             <a:r>
-              <a:rPr lang="en-US" altLang="zh-TW" dirty="0" smtClean="0"/>
-              <a:t>Search</a:t>
-            </a:r>
-            <a:r>
-              <a:rPr lang="zh-TW" altLang="en-US" dirty="0" smtClean="0"/>
-              <a:t>欄中鍵入想搜尋的店家名稱，</a:t>
-            </a:r>
-            <a:r>
-              <a:rPr lang="en-US" altLang="zh-TW" dirty="0" smtClean="0"/>
-              <a:t>Near</a:t>
-            </a:r>
-            <a:r>
-              <a:rPr lang="zh-TW" altLang="en-US" dirty="0" smtClean="0"/>
-              <a:t>欄中鍵入地名或地址，可搜尋符合條件的商家。</a:t>
-            </a:r>
-            <a:endParaRPr lang="en-US" altLang="zh-TW" dirty="0" smtClean="0"/>
-          </a:p>
-          <a:p>
-            <a:endParaRPr lang="zh-TW" altLang="en-US" dirty="0"/>
+              <a:rPr lang="zh-TW" altLang="en-US" b="1" dirty="0"/>
+              <a:t>她在</a:t>
+            </a:r>
+            <a:r>
+              <a:rPr lang="en-US" altLang="zh-TW" b="1" dirty="0" err="1"/>
+              <a:t>YelpBlaBla</a:t>
+            </a:r>
+            <a:r>
+              <a:rPr lang="zh-TW" altLang="en-US" b="1" dirty="0"/>
+              <a:t>首頁的搜尋欄輸入</a:t>
+            </a:r>
+            <a:r>
+              <a:rPr lang="zh-TW" altLang="en-US" b="1" dirty="0" smtClean="0"/>
+              <a:t>：好吃</a:t>
+            </a:r>
+            <a:r>
+              <a:rPr lang="en-US" altLang="zh-TW" b="1" dirty="0" smtClean="0"/>
+              <a:t>DER</a:t>
+            </a:r>
+            <a:r>
+              <a:rPr lang="zh-TW" altLang="en-US" b="1" dirty="0" smtClean="0"/>
+              <a:t>，</a:t>
+            </a:r>
+            <a:r>
+              <a:rPr lang="zh-TW" altLang="en-US" b="1" dirty="0"/>
+              <a:t>並按下</a:t>
+            </a:r>
+            <a:r>
+              <a:rPr lang="en-US" altLang="zh-TW" b="1" dirty="0"/>
+              <a:t>SEARCH</a:t>
+            </a:r>
+            <a:r>
+              <a:rPr lang="zh-TW" altLang="en-US" b="1" dirty="0"/>
+              <a:t>按鈕</a:t>
+            </a:r>
+            <a:r>
+              <a:rPr lang="zh-TW" altLang="en-US" b="1" dirty="0" smtClean="0"/>
+              <a:t>。</a:t>
+            </a:r>
+            <a:endParaRPr lang="en-US" altLang="zh-TW" b="1" dirty="0" smtClean="0"/>
+          </a:p>
+          <a:p>
+            <a:endParaRPr lang="en-US" altLang="zh-TW" b="1" dirty="0"/>
+          </a:p>
+          <a:p>
+            <a:endParaRPr lang="en-US" altLang="zh-TW" b="1" dirty="0"/>
           </a:p>
         </p:txBody>
       </p:sp>
       <p:pic>
         <p:nvPicPr>
-          <p:cNvPr id="4" name="圖片 3"/>
+          <p:cNvPr id="5" name="圖片 4"/>
           <p:cNvPicPr>
             <a:picLocks noChangeAspect="1"/>
           </p:cNvPicPr>
@@ -8449,123 +8395,24 @@
         </p:blipFill>
         <p:spPr>
           <a:xfrm>
-            <a:off x="3311912" y="2714283"/>
-            <a:ext cx="7100957" cy="3992339"/>
+            <a:off x="4248615" y="2691982"/>
+            <a:ext cx="6434254" cy="3617502"/>
           </a:xfrm>
           <a:prstGeom prst="rect">
             <a:avLst/>
           </a:prstGeom>
         </p:spPr>
       </p:pic>
-      <p:sp>
-        <p:nvSpPr>
-          <p:cNvPr id="5" name="橢圓 4"/>
-          <p:cNvSpPr/>
-          <p:nvPr/>
-        </p:nvSpPr>
-        <p:spPr>
-          <a:xfrm>
-            <a:off x="5564458" y="4276491"/>
-            <a:ext cx="1215483" cy="557561"/>
-          </a:xfrm>
-          <a:prstGeom prst="ellipse">
-            <a:avLst/>
-          </a:prstGeom>
-          <a:noFill/>
-          <a:ln>
-            <a:solidFill>
-              <a:srgbClr val="FF0000"/>
-            </a:solidFill>
-          </a:ln>
-        </p:spPr>
-        <p:style>
-          <a:lnRef idx="2">
-            <a:schemeClr val="accent1">
-              <a:shade val="50000"/>
-            </a:schemeClr>
-          </a:lnRef>
-          <a:fillRef idx="1">
-            <a:schemeClr val="accent1"/>
-          </a:fillRef>
-          <a:effectRef idx="0">
-            <a:schemeClr val="accent1"/>
-          </a:effectRef>
-          <a:fontRef idx="minor">
-            <a:schemeClr val="lt1"/>
-          </a:fontRef>
-        </p:style>
-        <p:txBody>
-          <a:bodyPr rtlCol="0" anchor="ctr"/>
-          <a:lstStyle/>
-          <a:p>
-            <a:pPr algn="ctr"/>
-            <a:endParaRPr lang="zh-TW" altLang="en-US"/>
-          </a:p>
-        </p:txBody>
-      </p:sp>
-      <p:sp>
-        <p:nvSpPr>
-          <p:cNvPr id="6" name="橢圓 5"/>
-          <p:cNvSpPr/>
-          <p:nvPr/>
-        </p:nvSpPr>
-        <p:spPr>
-          <a:xfrm>
-            <a:off x="7099880" y="4298795"/>
-            <a:ext cx="1022796" cy="535257"/>
-          </a:xfrm>
-          <a:prstGeom prst="ellipse">
-            <a:avLst/>
-          </a:prstGeom>
-          <a:noFill/>
-          <a:ln>
-            <a:solidFill>
-              <a:srgbClr val="FF0000"/>
-            </a:solidFill>
-          </a:ln>
-        </p:spPr>
-        <p:style>
-          <a:lnRef idx="2">
-            <a:schemeClr val="accent1">
-              <a:shade val="50000"/>
-            </a:schemeClr>
-          </a:lnRef>
-          <a:fillRef idx="1">
-            <a:schemeClr val="accent1"/>
-          </a:fillRef>
-          <a:effectRef idx="0">
-            <a:schemeClr val="accent1"/>
-          </a:effectRef>
-          <a:fontRef idx="minor">
-            <a:schemeClr val="lt1"/>
-          </a:fontRef>
-        </p:style>
-        <p:txBody>
-          <a:bodyPr rtlCol="0" anchor="ctr"/>
-          <a:lstStyle/>
-          <a:p>
-            <a:pPr algn="ctr"/>
-            <a:endParaRPr lang="zh-TW" altLang="en-US"/>
-          </a:p>
-        </p:txBody>
-      </p:sp>
     </p:spTree>
     <p:extLst>
       <p:ext uri="{BB962C8B-B14F-4D97-AF65-F5344CB8AC3E}">
-        <p14:creationId xmlns:p14="http://schemas.microsoft.com/office/powerpoint/2010/main" val="275549028"/>
+        <p14:creationId xmlns:p14="http://schemas.microsoft.com/office/powerpoint/2010/main" val="2186089301"/>
       </p:ext>
     </p:extLst>
   </p:cSld>
   <p:clrMapOvr>
     <a:masterClrMapping/>
   </p:clrMapOvr>
-  <p:timing>
-    <p:tnLst>
-      <p:par>
-        <p:cTn id="1" dur="indefinite" restart="never" nodeType="tmRoot"/>
-      </p:par>
-    </p:tnLst>
-  </p:timing>
 </p:sld>
 </file>
 
@@ -8601,7 +8448,10 @@
           <a:bodyPr/>
           <a:lstStyle/>
           <a:p>
-            <a:endParaRPr lang="zh-TW" altLang="en-US"/>
+            <a:r>
+              <a:rPr lang="zh-TW" altLang="en-US" dirty="0"/>
+              <a:t>操作故事</a:t>
+            </a:r>
           </a:p>
         </p:txBody>
       </p:sp>
@@ -8617,10 +8467,50 @@
         </p:nvSpPr>
         <p:spPr/>
         <p:txBody>
-          <a:bodyPr/>
+          <a:bodyPr>
+            <a:normAutofit/>
+          </a:bodyPr>
           <a:lstStyle/>
           <a:p>
-            <a:endParaRPr lang="zh-TW" altLang="en-US"/>
+            <a:r>
+              <a:rPr lang="zh-TW" altLang="en-US" b="1" dirty="0"/>
+              <a:t>搜尋結果頁面顯示出附近幾</a:t>
+            </a:r>
+            <a:r>
+              <a:rPr lang="zh-TW" altLang="en-US" b="1" dirty="0" smtClean="0"/>
+              <a:t>間店家的名稱</a:t>
+            </a:r>
+            <a:r>
+              <a:rPr lang="zh-TW" altLang="en-US" b="1" dirty="0"/>
+              <a:t>、評分、評論、電話、地址以及</a:t>
+            </a:r>
+            <a:r>
+              <a:rPr lang="en-US" altLang="zh-TW" b="1" dirty="0"/>
+              <a:t>GOOGLE MAP</a:t>
+            </a:r>
+            <a:r>
+              <a:rPr lang="zh-TW" altLang="en-US" b="1" dirty="0"/>
+              <a:t>地圖位置。</a:t>
+            </a:r>
+            <a:endParaRPr lang="en-US" altLang="zh-TW" b="1" dirty="0"/>
+          </a:p>
+          <a:p>
+            <a:endParaRPr lang="en-US" altLang="zh-TW" b="1" dirty="0" smtClean="0"/>
+          </a:p>
+          <a:p>
+            <a:endParaRPr lang="en-US" altLang="zh-TW" b="1" dirty="0"/>
+          </a:p>
+          <a:p>
+            <a:endParaRPr lang="en-US" altLang="zh-TW" b="1" dirty="0" smtClean="0"/>
+          </a:p>
+          <a:p>
+            <a:endParaRPr lang="en-US" altLang="zh-TW" b="1" dirty="0"/>
+          </a:p>
+          <a:p>
+            <a:pPr marL="0" indent="0">
+              <a:buNone/>
+            </a:pPr>
+            <a:endParaRPr lang="zh-TW" altLang="en-US" dirty="0"/>
           </a:p>
         </p:txBody>
       </p:sp>
@@ -8640,8 +8530,8 @@
         </p:blipFill>
         <p:spPr>
           <a:xfrm>
-            <a:off x="1658421" y="1165860"/>
-            <a:ext cx="9514403" cy="5349240"/>
+            <a:off x="4661210" y="2636680"/>
+            <a:ext cx="6600824" cy="3711152"/>
           </a:xfrm>
           <a:prstGeom prst="rect">
             <a:avLst/>
@@ -8651,20 +8541,13 @@
     </p:spTree>
     <p:extLst>
       <p:ext uri="{BB962C8B-B14F-4D97-AF65-F5344CB8AC3E}">
-        <p14:creationId xmlns:p14="http://schemas.microsoft.com/office/powerpoint/2010/main" val="1438976860"/>
+        <p14:creationId xmlns:p14="http://schemas.microsoft.com/office/powerpoint/2010/main" val="1216896701"/>
       </p:ext>
     </p:extLst>
   </p:cSld>
   <p:clrMapOvr>
     <a:masterClrMapping/>
   </p:clrMapOvr>
-  <p:timing>
-    <p:tnLst>
-      <p:par>
-        <p:cTn id="1" dur="indefinite" restart="never" nodeType="tmRoot"/>
-      </p:par>
-    </p:tnLst>
-  </p:timing>
 </p:sld>
 </file>
 
@@ -8702,7 +8585,7 @@
           <a:p>
             <a:r>
               <a:rPr lang="zh-TW" altLang="en-US" dirty="0" smtClean="0"/>
-              <a:t>操作方式</a:t>
+              <a:t>操作故事</a:t>
             </a:r>
             <a:endParaRPr lang="zh-TW" altLang="en-US" dirty="0"/>
           </a:p>
@@ -8724,12 +8607,49 @@
           <a:lstStyle/>
           <a:p>
             <a:r>
-              <a:rPr lang="zh-TW" altLang="en-US" dirty="0" smtClean="0"/>
-              <a:t>典籍搜尋列表鍾任一商家，即可查看該商家詳細資料</a:t>
-            </a:r>
-            <a:endParaRPr lang="en-US" altLang="zh-TW" dirty="0" smtClean="0"/>
-          </a:p>
-          <a:p>
+              <a:rPr lang="zh-TW" altLang="en-US" b="1" dirty="0"/>
+              <a:t>毛毛怕等一下</a:t>
+            </a:r>
+            <a:r>
+              <a:rPr lang="zh-TW" altLang="en-US" b="1" dirty="0" smtClean="0"/>
+              <a:t>忘記店</a:t>
+            </a:r>
+            <a:r>
+              <a:rPr lang="zh-TW" altLang="en-US" b="1" dirty="0"/>
+              <a:t>家</a:t>
+            </a:r>
+            <a:r>
+              <a:rPr lang="zh-TW" altLang="en-US" b="1" dirty="0" smtClean="0"/>
+              <a:t>的</a:t>
+            </a:r>
+            <a:r>
+              <a:rPr lang="zh-TW" altLang="en-US" b="1" dirty="0"/>
+              <a:t>資訊要重新查詢，於是</a:t>
+            </a:r>
+            <a:r>
+              <a:rPr lang="zh-TW" altLang="en-US" b="1" dirty="0" smtClean="0"/>
+              <a:t>將店家加入</a:t>
+            </a:r>
+            <a:r>
+              <a:rPr lang="zh-TW" altLang="en-US" b="1" dirty="0"/>
+              <a:t>收藏，她按下了收藏的按鈕</a:t>
+            </a:r>
+            <a:r>
+              <a:rPr lang="zh-TW" altLang="en-US" b="1" dirty="0" smtClean="0"/>
+              <a:t>。</a:t>
+            </a:r>
+            <a:endParaRPr lang="en-US" altLang="zh-TW" b="1" dirty="0" smtClean="0"/>
+          </a:p>
+          <a:p>
+            <a:endParaRPr lang="en-US" altLang="zh-TW" dirty="0"/>
+          </a:p>
+          <a:p>
+            <a:endParaRPr lang="en-US" altLang="zh-TW" dirty="0"/>
+          </a:p>
+          <a:p>
+            <a:pPr marL="0" indent="0">
+              <a:buNone/>
+            </a:pPr>
             <a:endParaRPr lang="zh-TW" altLang="en-US" dirty="0"/>
           </a:p>
         </p:txBody>
@@ -8750,77 +8670,24 @@
         </p:blipFill>
         <p:spPr>
           <a:xfrm>
-            <a:off x="2589212" y="2548419"/>
-            <a:ext cx="7197135" cy="4046413"/>
+            <a:off x="4293219" y="2677322"/>
+            <a:ext cx="7096775" cy="3989987"/>
           </a:xfrm>
           <a:prstGeom prst="rect">
             <a:avLst/>
           </a:prstGeom>
         </p:spPr>
       </p:pic>
-      <p:sp>
-        <p:nvSpPr>
-          <p:cNvPr id="5" name="橢圓 4"/>
-          <p:cNvSpPr/>
-          <p:nvPr/>
-        </p:nvSpPr>
-        <p:spPr>
-          <a:xfrm>
-            <a:off x="4282068" y="3490332"/>
-            <a:ext cx="3557239" cy="624468"/>
-          </a:xfrm>
-          <a:prstGeom prst="ellipse">
-            <a:avLst/>
-          </a:prstGeom>
-          <a:noFill/>
-          <a:ln>
-            <a:solidFill>
-              <a:srgbClr val="FF0000"/>
-            </a:solidFill>
-          </a:ln>
-        </p:spPr>
-        <p:style>
-          <a:lnRef idx="2">
-            <a:schemeClr val="accent1">
-              <a:shade val="50000"/>
-            </a:schemeClr>
-          </a:lnRef>
-          <a:fillRef idx="1">
-            <a:schemeClr val="accent1"/>
-          </a:fillRef>
-          <a:effectRef idx="0">
-            <a:schemeClr val="accent1"/>
-          </a:effectRef>
-          <a:fontRef idx="minor">
-            <a:schemeClr val="lt1"/>
-          </a:fontRef>
-        </p:style>
-        <p:txBody>
-          <a:bodyPr rtlCol="0" anchor="ctr"/>
-          <a:lstStyle/>
-          <a:p>
-            <a:pPr algn="ctr"/>
-            <a:endParaRPr lang="zh-TW" altLang="en-US"/>
-          </a:p>
-        </p:txBody>
-      </p:sp>
     </p:spTree>
     <p:extLst>
       <p:ext uri="{BB962C8B-B14F-4D97-AF65-F5344CB8AC3E}">
-        <p14:creationId xmlns:p14="http://schemas.microsoft.com/office/powerpoint/2010/main" val="3263414433"/>
+        <p14:creationId xmlns:p14="http://schemas.microsoft.com/office/powerpoint/2010/main" val="62979961"/>
       </p:ext>
     </p:extLst>
   </p:cSld>
   <p:clrMapOvr>
     <a:masterClrMapping/>
   </p:clrMapOvr>
-  <p:timing>
-    <p:tnLst>
-      <p:par>
-        <p:cTn id="1" dur="indefinite" restart="never" nodeType="tmRoot"/>
-      </p:par>
-    </p:tnLst>
-  </p:timing>
 </p:sld>
 </file>
 
@@ -8856,7 +8723,10 @@
           <a:bodyPr/>
           <a:lstStyle/>
           <a:p>
-            <a:endParaRPr lang="zh-TW" altLang="en-US"/>
+            <a:r>
+              <a:rPr lang="zh-TW" altLang="en-US" dirty="0"/>
+              <a:t>操作故事</a:t>
+            </a:r>
           </a:p>
         </p:txBody>
       </p:sp>
@@ -8875,7 +8745,34 @@
           <a:bodyPr/>
           <a:lstStyle/>
           <a:p>
-            <a:endParaRPr lang="zh-TW" altLang="en-US"/>
+            <a:r>
+              <a:rPr lang="zh-TW" altLang="en-US" b="1" dirty="0"/>
+              <a:t>赴約時，朋友突然傳訊息詢問要去</a:t>
+            </a:r>
+            <a:r>
+              <a:rPr lang="zh-TW" altLang="en-US" b="1" dirty="0" smtClean="0"/>
+              <a:t>的店家地址</a:t>
+            </a:r>
+            <a:r>
+              <a:rPr lang="zh-TW" altLang="en-US" b="1" dirty="0"/>
+              <a:t>，毛毛一時想不起來，於是打開</a:t>
+            </a:r>
+            <a:r>
+              <a:rPr lang="en-US" altLang="zh-TW" b="1" dirty="0" err="1"/>
+              <a:t>YelpBlaBla</a:t>
+            </a:r>
+            <a:r>
+              <a:rPr lang="zh-TW" altLang="en-US" b="1" dirty="0"/>
+              <a:t>登入帳號後，來到了個人的收藏列表，順利地找到早上查詢的資訊</a:t>
+            </a:r>
+            <a:r>
+              <a:rPr lang="zh-TW" altLang="en-US" b="1" dirty="0" smtClean="0"/>
+              <a:t>。</a:t>
+            </a:r>
+            <a:endParaRPr lang="zh-TW" altLang="en-US" b="1" dirty="0"/>
+          </a:p>
+          <a:p>
+            <a:endParaRPr lang="zh-TW" altLang="en-US" dirty="0"/>
           </a:p>
         </p:txBody>
       </p:sp>
@@ -8895,8 +8792,8 @@
         </p:blipFill>
         <p:spPr>
           <a:xfrm>
-            <a:off x="1594625" y="1160104"/>
-            <a:ext cx="9795370" cy="5507206"/>
+            <a:off x="5029203" y="2787804"/>
+            <a:ext cx="5880732" cy="3306297"/>
           </a:xfrm>
           <a:prstGeom prst="rect">
             <a:avLst/>
@@ -8906,20 +8803,13 @@
     </p:spTree>
     <p:extLst>
       <p:ext uri="{BB962C8B-B14F-4D97-AF65-F5344CB8AC3E}">
-        <p14:creationId xmlns:p14="http://schemas.microsoft.com/office/powerpoint/2010/main" val="2870438584"/>
+        <p14:creationId xmlns:p14="http://schemas.microsoft.com/office/powerpoint/2010/main" val="824180861"/>
       </p:ext>
     </p:extLst>
   </p:cSld>
   <p:clrMapOvr>
     <a:masterClrMapping/>
   </p:clrMapOvr>
-  <p:timing>
-    <p:tnLst>
-      <p:par>
-        <p:cTn id="1" dur="indefinite" restart="never" nodeType="tmRoot"/>
-      </p:par>
-    </p:tnLst>
-  </p:timing>
 </p:sld>
 </file>
 
@@ -8957,7 +8847,7 @@
           <a:p>
             <a:r>
               <a:rPr lang="zh-TW" altLang="en-US" dirty="0" smtClean="0"/>
-              <a:t>操作方式</a:t>
+              <a:t>操作故事</a:t>
             </a:r>
             <a:endParaRPr lang="zh-TW" altLang="en-US" dirty="0"/>
           </a:p>
@@ -8979,13 +8869,37 @@
           <a:lstStyle/>
           <a:p>
             <a:r>
-              <a:rPr lang="zh-TW" altLang="en-US" dirty="0" smtClean="0"/>
-              <a:t>點擊地圖上方的路線規劃按鈕，可規劃出到達該地的最佳路徑</a:t>
-            </a:r>
-            <a:endParaRPr lang="en-US" altLang="zh-TW" dirty="0" smtClean="0"/>
-          </a:p>
-          <a:p>
-            <a:endParaRPr lang="en-US" altLang="zh-TW" dirty="0" smtClean="0"/>
+              <a:rPr lang="zh-TW" altLang="en-US" b="1" dirty="0"/>
+              <a:t>朋友們根據上面的資訊</a:t>
+            </a:r>
+            <a:r>
+              <a:rPr lang="zh-TW" altLang="en-US" b="1" dirty="0" smtClean="0"/>
+              <a:t>到達了該店，</a:t>
+            </a:r>
+            <a:r>
+              <a:rPr lang="zh-TW" altLang="en-US" b="1" dirty="0"/>
+              <a:t>順利的完成小組報告</a:t>
+            </a:r>
+            <a:r>
+              <a:rPr lang="zh-TW" altLang="en-US" b="1" dirty="0" smtClean="0"/>
+              <a:t>！</a:t>
+            </a:r>
+            <a:endParaRPr lang="en-US" altLang="zh-TW" b="1" dirty="0" smtClean="0"/>
+          </a:p>
+          <a:p>
+            <a:endParaRPr lang="en-US" altLang="zh-TW" b="1" dirty="0"/>
+          </a:p>
+          <a:p>
+            <a:pPr marL="0" indent="0">
+              <a:buNone/>
+            </a:pPr>
+            <a:endParaRPr lang="en-US" altLang="zh-TW" b="1" dirty="0"/>
+          </a:p>
+          <a:p>
+            <a:pPr marL="0" indent="0">
+              <a:buNone/>
+            </a:pPr>
+            <a:endParaRPr lang="en-US" altLang="zh-TW" b="1" dirty="0"/>
           </a:p>
         </p:txBody>
       </p:sp>
@@ -9005,77 +8919,24 @@
         </p:blipFill>
         <p:spPr>
           <a:xfrm>
-            <a:off x="2589212" y="2544127"/>
-            <a:ext cx="7306417" cy="4107853"/>
+            <a:off x="4439097" y="2564780"/>
+            <a:ext cx="6577332" cy="3697944"/>
           </a:xfrm>
           <a:prstGeom prst="rect">
             <a:avLst/>
           </a:prstGeom>
         </p:spPr>
       </p:pic>
-      <p:sp>
-        <p:nvSpPr>
-          <p:cNvPr id="5" name="橢圓 4"/>
-          <p:cNvSpPr/>
-          <p:nvPr/>
-        </p:nvSpPr>
-        <p:spPr>
-          <a:xfrm>
-            <a:off x="7527073" y="3579541"/>
-            <a:ext cx="1773044" cy="624468"/>
-          </a:xfrm>
-          <a:prstGeom prst="ellipse">
-            <a:avLst/>
-          </a:prstGeom>
-          <a:noFill/>
-          <a:ln>
-            <a:solidFill>
-              <a:srgbClr val="FF0000"/>
-            </a:solidFill>
-          </a:ln>
-        </p:spPr>
-        <p:style>
-          <a:lnRef idx="2">
-            <a:schemeClr val="accent1">
-              <a:shade val="50000"/>
-            </a:schemeClr>
-          </a:lnRef>
-          <a:fillRef idx="1">
-            <a:schemeClr val="accent1"/>
-          </a:fillRef>
-          <a:effectRef idx="0">
-            <a:schemeClr val="accent1"/>
-          </a:effectRef>
-          <a:fontRef idx="minor">
-            <a:schemeClr val="lt1"/>
-          </a:fontRef>
-        </p:style>
-        <p:txBody>
-          <a:bodyPr rtlCol="0" anchor="ctr"/>
-          <a:lstStyle/>
-          <a:p>
-            <a:pPr algn="ctr"/>
-            <a:endParaRPr lang="zh-TW" altLang="en-US"/>
-          </a:p>
-        </p:txBody>
-      </p:sp>
     </p:spTree>
     <p:extLst>
       <p:ext uri="{BB962C8B-B14F-4D97-AF65-F5344CB8AC3E}">
-        <p14:creationId xmlns:p14="http://schemas.microsoft.com/office/powerpoint/2010/main" val="2477444995"/>
+        <p14:creationId xmlns:p14="http://schemas.microsoft.com/office/powerpoint/2010/main" val="1109869872"/>
       </p:ext>
     </p:extLst>
   </p:cSld>
   <p:clrMapOvr>
     <a:masterClrMapping/>
   </p:clrMapOvr>
-  <p:timing>
-    <p:tnLst>
-      <p:par>
-        <p:cTn id="1" dur="indefinite" restart="never" nodeType="tmRoot"/>
-      </p:par>
-    </p:tnLst>
-  </p:timing>
 </p:sld>
 </file>
 
@@ -9111,7 +8972,10 @@
           <a:bodyPr/>
           <a:lstStyle/>
           <a:p>
-            <a:endParaRPr lang="zh-TW" altLang="en-US"/>
+            <a:r>
+              <a:rPr lang="zh-TW" altLang="en-US" dirty="0"/>
+              <a:t>操作方式</a:t>
+            </a:r>
           </a:p>
         </p:txBody>
       </p:sp>
@@ -9130,38 +8994,42 @@
           <a:bodyPr/>
           <a:lstStyle/>
           <a:p>
-            <a:endParaRPr lang="zh-TW" altLang="en-US"/>
+            <a:r>
+              <a:rPr lang="zh-TW" altLang="en-US" dirty="0" smtClean="0"/>
+              <a:t>收藏列表亦可點擊商家觀看詳細資料。</a:t>
+            </a:r>
+            <a:endParaRPr lang="en-US" altLang="zh-TW" dirty="0" smtClean="0"/>
+          </a:p>
+          <a:p>
+            <a:r>
+              <a:rPr lang="zh-TW" altLang="en-US" dirty="0" smtClean="0"/>
+              <a:t>詳細資料中，店家名稱旁的愛心，若為紅色代表此店家已被加入收藏，白色則無。</a:t>
+            </a:r>
+            <a:endParaRPr lang="en-US" altLang="zh-TW" dirty="0" smtClean="0"/>
+          </a:p>
+          <a:p>
+            <a:r>
+              <a:rPr lang="zh-TW" altLang="en-US" dirty="0" smtClean="0"/>
+              <a:t>路線規劃可選擇由搜尋時輸入的地名為起點或是由裝置現在位置為起點。</a:t>
+            </a:r>
+            <a:endParaRPr lang="en-US" altLang="zh-TW" dirty="0" smtClean="0"/>
+          </a:p>
+          <a:p>
+            <a:r>
+              <a:rPr lang="zh-TW" altLang="en-US" dirty="0" smtClean="0"/>
+              <a:t>路線規劃可選擇四種不同的交通方式。</a:t>
+            </a:r>
+            <a:endParaRPr lang="en-US" altLang="zh-TW" dirty="0" smtClean="0"/>
+          </a:p>
+          <a:p>
+            <a:endParaRPr lang="zh-TW" altLang="en-US" dirty="0"/>
           </a:p>
         </p:txBody>
       </p:sp>
-      <p:pic>
-        <p:nvPicPr>
-          <p:cNvPr id="4" name="圖片 3"/>
-          <p:cNvPicPr>
-            <a:picLocks noChangeAspect="1"/>
-          </p:cNvPicPr>
-          <p:nvPr/>
-        </p:nvPicPr>
-        <p:blipFill>
-          <a:blip r:embed="rId2"/>
-          <a:stretch>
-            <a:fillRect/>
-          </a:stretch>
-        </p:blipFill>
-        <p:spPr>
-          <a:xfrm>
-            <a:off x="1900337" y="1137424"/>
-            <a:ext cx="9116092" cy="5125300"/>
-          </a:xfrm>
-          <a:prstGeom prst="rect">
-            <a:avLst/>
-          </a:prstGeom>
-        </p:spPr>
-      </p:pic>
     </p:spTree>
     <p:extLst>
       <p:ext uri="{BB962C8B-B14F-4D97-AF65-F5344CB8AC3E}">
-        <p14:creationId xmlns:p14="http://schemas.microsoft.com/office/powerpoint/2010/main" val="392005065"/>
+        <p14:creationId xmlns:p14="http://schemas.microsoft.com/office/powerpoint/2010/main" val="3547676615"/>
       </p:ext>
     </p:extLst>
   </p:cSld>
@@ -9724,10 +9592,14 @@
           <a:lstStyle/>
           <a:p>
             <a:r>
-              <a:rPr lang="zh-TW" altLang="en-US" dirty="0" smtClean="0"/>
-              <a:t>操作方式</a:t>
-            </a:r>
-            <a:endParaRPr lang="zh-TW" altLang="en-US" dirty="0"/>
+              <a:rPr lang="en-US" altLang="zh-TW" dirty="0" smtClean="0"/>
+              <a:t>Wire Frame</a:t>
+            </a:r>
+            <a:r>
+              <a:rPr lang="zh-TW" altLang="en-US" baseline="-25000" dirty="0" smtClean="0"/>
+              <a:t>登入</a:t>
+            </a:r>
+            <a:endParaRPr lang="zh-TW" altLang="en-US" baseline="-25000" dirty="0"/>
           </a:p>
         </p:txBody>
       </p:sp>
@@ -9746,72 +9618,27 @@
           <a:bodyPr/>
           <a:lstStyle/>
           <a:p>
-            <a:r>
-              <a:rPr lang="zh-TW" altLang="en-US" dirty="0" smtClean="0"/>
-              <a:t>點擊收藏即可瀏覽目前收藏的店家</a:t>
-            </a:r>
-            <a:r>
-              <a:rPr lang="en-US" altLang="zh-TW" dirty="0" smtClean="0"/>
-              <a:t>(</a:t>
-            </a:r>
-            <a:r>
-              <a:rPr lang="zh-TW" altLang="en-US" dirty="0" smtClean="0"/>
-              <a:t>需登入</a:t>
-            </a:r>
-            <a:r>
-              <a:rPr lang="en-US" altLang="zh-TW" dirty="0" smtClean="0"/>
-              <a:t>)</a:t>
-            </a:r>
-          </a:p>
-          <a:p>
             <a:endParaRPr lang="zh-TW" altLang="en-US" dirty="0"/>
           </a:p>
         </p:txBody>
       </p:sp>
-      <p:pic>
-        <p:nvPicPr>
-          <p:cNvPr id="4" name="圖片 3"/>
-          <p:cNvPicPr>
-            <a:picLocks noChangeAspect="1"/>
-          </p:cNvPicPr>
+      <p:sp>
+        <p:nvSpPr>
+          <p:cNvPr id="4" name="矩形 3"/>
+          <p:cNvSpPr/>
           <p:nvPr/>
-        </p:nvPicPr>
-        <p:blipFill>
-          <a:blip r:embed="rId2"/>
-          <a:stretch>
-            <a:fillRect/>
-          </a:stretch>
-        </p:blipFill>
+        </p:nvSpPr>
         <p:spPr>
           <a:xfrm>
-            <a:off x="2230243" y="2538171"/>
-            <a:ext cx="7442462" cy="4184342"/>
+            <a:off x="3491261" y="2381947"/>
+            <a:ext cx="5410200" cy="3409950"/>
           </a:xfrm>
           <a:prstGeom prst="rect">
             <a:avLst/>
           </a:prstGeom>
-        </p:spPr>
-      </p:pic>
-      <p:sp>
-        <p:nvSpPr>
-          <p:cNvPr id="5" name="橢圓 4"/>
-          <p:cNvSpPr/>
-          <p:nvPr/>
-        </p:nvSpPr>
-        <p:spPr>
-          <a:xfrm>
-            <a:off x="8173844" y="3021981"/>
-            <a:ext cx="814039" cy="312234"/>
-          </a:xfrm>
-          <a:prstGeom prst="ellipse">
-            <a:avLst/>
-          </a:prstGeom>
-          <a:noFill/>
-          <a:ln>
-            <a:solidFill>
-              <a:srgbClr val="FF0000"/>
-            </a:solidFill>
-          </a:ln>
+          <a:solidFill>
+            <a:srgbClr val="3366FF"/>
+          </a:solidFill>
         </p:spPr>
         <p:style>
           <a:lnRef idx="2">
@@ -9830,31 +9657,525 @@
           </a:fontRef>
         </p:style>
         <p:txBody>
-          <a:bodyPr rtlCol="0" anchor="ctr"/>
+          <a:bodyPr rot="0" spcFirstLastPara="0" vert="horz" wrap="square" lIns="91440" tIns="45720" rIns="91440" bIns="45720" numCol="1" spcCol="0" rtlCol="0" fromWordArt="0" anchor="ctr" anchorCtr="0" forceAA="0" compatLnSpc="1">
+            <a:prstTxWarp prst="textNoShape">
+              <a:avLst/>
+            </a:prstTxWarp>
+            <a:noAutofit/>
+          </a:bodyPr>
           <a:lstStyle/>
           <a:p>
-            <a:pPr algn="ctr"/>
             <a:endParaRPr lang="zh-TW" altLang="en-US"/>
+          </a:p>
+        </p:txBody>
+      </p:sp>
+      <p:sp>
+        <p:nvSpPr>
+          <p:cNvPr id="5" name="文字方塊 195"/>
+          <p:cNvSpPr txBox="1"/>
+          <p:nvPr/>
+        </p:nvSpPr>
+        <p:spPr>
+          <a:xfrm>
+            <a:off x="3538251" y="2496247"/>
+            <a:ext cx="2314575" cy="714375"/>
+          </a:xfrm>
+          <a:prstGeom prst="rect">
+            <a:avLst/>
+          </a:prstGeom>
+          <a:solidFill>
+            <a:srgbClr val="3366FF"/>
+          </a:solidFill>
+          <a:ln w="6350">
+            <a:noFill/>
+          </a:ln>
+          <a:effectLst/>
+        </p:spPr>
+        <p:style>
+          <a:lnRef idx="0">
+            <a:schemeClr val="accent1"/>
+          </a:lnRef>
+          <a:fillRef idx="0">
+            <a:schemeClr val="accent1"/>
+          </a:fillRef>
+          <a:effectRef idx="0">
+            <a:schemeClr val="accent1"/>
+          </a:effectRef>
+          <a:fontRef idx="minor">
+            <a:schemeClr val="dk1"/>
+          </a:fontRef>
+        </p:style>
+        <p:txBody>
+          <a:bodyPr rot="0" spcFirstLastPara="0" vert="horz" wrap="square" lIns="91440" tIns="45720" rIns="91440" bIns="45720" numCol="1" spcCol="0" rtlCol="0" fromWordArt="0" anchor="t" anchorCtr="0" forceAA="0" compatLnSpc="1">
+            <a:prstTxWarp prst="textNoShape">
+              <a:avLst/>
+            </a:prstTxWarp>
+            <a:noAutofit/>
+          </a:bodyPr>
+          <a:lstStyle/>
+          <a:p>
+            <a:pPr>
+              <a:spcAft>
+                <a:spcPts val="0"/>
+              </a:spcAft>
+            </a:pPr>
+            <a:r>
+              <a:rPr lang="en-US" sz="2400" kern="100">
+                <a:solidFill>
+                  <a:srgbClr val="FFFFFF"/>
+                </a:solidFill>
+                <a:effectLst/>
+                <a:ea typeface="新細明體" panose="02020500000000000000" pitchFamily="18" charset="-120"/>
+                <a:cs typeface="Times New Roman" panose="02020603050405020304" pitchFamily="18" charset="0"/>
+              </a:rPr>
+              <a:t>Yelp Bla Bla</a:t>
+            </a:r>
+            <a:endParaRPr lang="zh-TW" sz="1200" kern="100">
+              <a:effectLst/>
+              <a:ea typeface="新細明體" panose="02020500000000000000" pitchFamily="18" charset="-120"/>
+              <a:cs typeface="Times New Roman" panose="02020603050405020304" pitchFamily="18" charset="0"/>
+            </a:endParaRPr>
+          </a:p>
+        </p:txBody>
+      </p:sp>
+      <p:sp>
+        <p:nvSpPr>
+          <p:cNvPr id="6" name="文字方塊 196"/>
+          <p:cNvSpPr txBox="1"/>
+          <p:nvPr/>
+        </p:nvSpPr>
+        <p:spPr>
+          <a:xfrm>
+            <a:off x="5996336" y="2476562"/>
+            <a:ext cx="2819400" cy="390525"/>
+          </a:xfrm>
+          <a:prstGeom prst="rect">
+            <a:avLst/>
+          </a:prstGeom>
+          <a:solidFill>
+            <a:srgbClr val="3366FF"/>
+          </a:solidFill>
+          <a:ln w="6350">
+            <a:noFill/>
+          </a:ln>
+          <a:effectLst/>
+        </p:spPr>
+        <p:style>
+          <a:lnRef idx="0">
+            <a:schemeClr val="accent1"/>
+          </a:lnRef>
+          <a:fillRef idx="0">
+            <a:schemeClr val="accent1"/>
+          </a:fillRef>
+          <a:effectRef idx="0">
+            <a:schemeClr val="accent1"/>
+          </a:effectRef>
+          <a:fontRef idx="minor">
+            <a:schemeClr val="dk1"/>
+          </a:fontRef>
+        </p:style>
+        <p:txBody>
+          <a:bodyPr rot="0" spcFirstLastPara="0" vert="horz" wrap="square" lIns="91440" tIns="45720" rIns="91440" bIns="45720" numCol="1" spcCol="0" rtlCol="0" fromWordArt="0" anchor="t" anchorCtr="0" forceAA="0" compatLnSpc="1">
+            <a:prstTxWarp prst="textNoShape">
+              <a:avLst/>
+            </a:prstTxWarp>
+            <a:noAutofit/>
+          </a:bodyPr>
+          <a:lstStyle/>
+          <a:p>
+            <a:pPr indent="228600">
+              <a:spcAft>
+                <a:spcPts val="0"/>
+              </a:spcAft>
+            </a:pPr>
+            <a:r>
+              <a:rPr lang="zh-TW" sz="1200" kern="100">
+                <a:solidFill>
+                  <a:srgbClr val="FFFFFF"/>
+                </a:solidFill>
+                <a:effectLst/>
+                <a:ea typeface="新細明體" panose="02020500000000000000" pitchFamily="18" charset="-120"/>
+                <a:cs typeface="Times New Roman" panose="02020603050405020304" pitchFamily="18" charset="0"/>
+              </a:rPr>
+              <a:t>收藏</a:t>
+            </a:r>
+            <a:r>
+              <a:rPr lang="en-US" sz="1200" kern="100">
+                <a:solidFill>
+                  <a:srgbClr val="FFFFFF"/>
+                </a:solidFill>
+                <a:effectLst/>
+                <a:ea typeface="新細明體" panose="02020500000000000000" pitchFamily="18" charset="-120"/>
+                <a:cs typeface="Times New Roman" panose="02020603050405020304" pitchFamily="18" charset="0"/>
+              </a:rPr>
+              <a:t>        </a:t>
+            </a:r>
+            <a:r>
+              <a:rPr lang="zh-TW" sz="1200" kern="100">
+                <a:solidFill>
+                  <a:srgbClr val="FFFFFF"/>
+                </a:solidFill>
+                <a:effectLst/>
+                <a:ea typeface="新細明體" panose="02020500000000000000" pitchFamily="18" charset="-120"/>
+                <a:cs typeface="Times New Roman" panose="02020603050405020304" pitchFamily="18" charset="0"/>
+              </a:rPr>
+              <a:t>登入</a:t>
+            </a:r>
+            <a:r>
+              <a:rPr lang="en-US" sz="1200" kern="100">
+                <a:solidFill>
+                  <a:srgbClr val="FFFFFF"/>
+                </a:solidFill>
+                <a:effectLst/>
+                <a:ea typeface="新細明體" panose="02020500000000000000" pitchFamily="18" charset="-120"/>
+                <a:cs typeface="Times New Roman" panose="02020603050405020304" pitchFamily="18" charset="0"/>
+              </a:rPr>
+              <a:t>         </a:t>
+            </a:r>
+            <a:r>
+              <a:rPr lang="zh-TW" sz="1200" kern="100">
+                <a:solidFill>
+                  <a:srgbClr val="FFFFFF"/>
+                </a:solidFill>
+                <a:effectLst/>
+                <a:ea typeface="新細明體" panose="02020500000000000000" pitchFamily="18" charset="-120"/>
+                <a:cs typeface="Times New Roman" panose="02020603050405020304" pitchFamily="18" charset="0"/>
+              </a:rPr>
+              <a:t>註冊</a:t>
+            </a:r>
+            <a:endParaRPr lang="zh-TW" sz="1200" kern="100">
+              <a:effectLst/>
+              <a:ea typeface="新細明體" panose="02020500000000000000" pitchFamily="18" charset="-120"/>
+              <a:cs typeface="Times New Roman" panose="02020603050405020304" pitchFamily="18" charset="0"/>
+            </a:endParaRPr>
+          </a:p>
+        </p:txBody>
+      </p:sp>
+      <p:sp>
+        <p:nvSpPr>
+          <p:cNvPr id="7" name="文字方塊 2"/>
+          <p:cNvSpPr txBox="1">
+            <a:spLocks noChangeArrowheads="1"/>
+          </p:cNvSpPr>
+          <p:nvPr/>
+        </p:nvSpPr>
+        <p:spPr bwMode="auto">
+          <a:xfrm>
+            <a:off x="5720111" y="3715447"/>
+            <a:ext cx="2085340" cy="352425"/>
+          </a:xfrm>
+          <a:prstGeom prst="rect">
+            <a:avLst/>
+          </a:prstGeom>
+          <a:solidFill>
+            <a:schemeClr val="bg1"/>
+          </a:solidFill>
+          <a:ln w="9525">
+            <a:solidFill>
+              <a:srgbClr val="000000"/>
+            </a:solidFill>
+            <a:miter lim="800000"/>
+            <a:headEnd/>
+            <a:tailEnd/>
+          </a:ln>
+        </p:spPr>
+        <p:txBody>
+          <a:bodyPr rot="0" vert="horz" wrap="square" lIns="91440" tIns="45720" rIns="91440" bIns="45720" anchor="t" anchorCtr="0">
+            <a:noAutofit/>
+          </a:bodyPr>
+          <a:lstStyle/>
+          <a:p>
+            <a:pPr>
+              <a:spcAft>
+                <a:spcPts val="0"/>
+              </a:spcAft>
+            </a:pPr>
+            <a:r>
+              <a:rPr lang="en-US" sz="1200" kern="100">
+                <a:effectLst/>
+                <a:latin typeface="Calibri" panose="020F0502020204030204" pitchFamily="34" charset="0"/>
+                <a:ea typeface="新細明體" panose="02020500000000000000" pitchFamily="18" charset="-120"/>
+                <a:cs typeface="Times New Roman" panose="02020603050405020304" pitchFamily="18" charset="0"/>
+              </a:rPr>
+              <a:t> </a:t>
+            </a:r>
+            <a:endParaRPr lang="zh-TW" sz="1200" kern="100">
+              <a:effectLst/>
+              <a:latin typeface="Calibri" panose="020F0502020204030204" pitchFamily="34" charset="0"/>
+              <a:ea typeface="新細明體" panose="02020500000000000000" pitchFamily="18" charset="-120"/>
+              <a:cs typeface="Times New Roman" panose="02020603050405020304" pitchFamily="18" charset="0"/>
+            </a:endParaRPr>
+          </a:p>
+        </p:txBody>
+      </p:sp>
+      <p:sp>
+        <p:nvSpPr>
+          <p:cNvPr id="8" name="文字方塊 2"/>
+          <p:cNvSpPr txBox="1">
+            <a:spLocks noChangeArrowheads="1"/>
+          </p:cNvSpPr>
+          <p:nvPr/>
+        </p:nvSpPr>
+        <p:spPr bwMode="auto">
+          <a:xfrm>
+            <a:off x="5720111" y="4325047"/>
+            <a:ext cx="2085340" cy="352425"/>
+          </a:xfrm>
+          <a:prstGeom prst="rect">
+            <a:avLst/>
+          </a:prstGeom>
+          <a:solidFill>
+            <a:schemeClr val="bg1"/>
+          </a:solidFill>
+          <a:ln w="9525">
+            <a:solidFill>
+              <a:srgbClr val="000000"/>
+            </a:solidFill>
+            <a:miter lim="800000"/>
+            <a:headEnd/>
+            <a:tailEnd/>
+          </a:ln>
+        </p:spPr>
+        <p:txBody>
+          <a:bodyPr rot="0" vert="horz" wrap="square" lIns="91440" tIns="45720" rIns="91440" bIns="45720" anchor="t" anchorCtr="0">
+            <a:noAutofit/>
+          </a:bodyPr>
+          <a:lstStyle/>
+          <a:p>
+            <a:pPr>
+              <a:spcAft>
+                <a:spcPts val="0"/>
+              </a:spcAft>
+            </a:pPr>
+            <a:r>
+              <a:rPr lang="en-US" sz="1200" kern="100">
+                <a:effectLst/>
+                <a:latin typeface="Calibri" panose="020F0502020204030204" pitchFamily="34" charset="0"/>
+                <a:ea typeface="新細明體" panose="02020500000000000000" pitchFamily="18" charset="-120"/>
+                <a:cs typeface="Times New Roman" panose="02020603050405020304" pitchFamily="18" charset="0"/>
+              </a:rPr>
+              <a:t> </a:t>
+            </a:r>
+            <a:endParaRPr lang="zh-TW" sz="1200" kern="100">
+              <a:effectLst/>
+              <a:latin typeface="Calibri" panose="020F0502020204030204" pitchFamily="34" charset="0"/>
+              <a:ea typeface="新細明體" panose="02020500000000000000" pitchFamily="18" charset="-120"/>
+              <a:cs typeface="Times New Roman" panose="02020603050405020304" pitchFamily="18" charset="0"/>
+            </a:endParaRPr>
+          </a:p>
+        </p:txBody>
+      </p:sp>
+      <p:sp>
+        <p:nvSpPr>
+          <p:cNvPr id="9" name="文字方塊 199"/>
+          <p:cNvSpPr txBox="1"/>
+          <p:nvPr/>
+        </p:nvSpPr>
+        <p:spPr>
+          <a:xfrm>
+            <a:off x="5634386" y="5077522"/>
+            <a:ext cx="542925" cy="342900"/>
+          </a:xfrm>
+          <a:prstGeom prst="rect">
+            <a:avLst/>
+          </a:prstGeom>
+          <a:solidFill>
+            <a:schemeClr val="bg1"/>
+          </a:solidFill>
+          <a:ln w="6350">
+            <a:solidFill>
+              <a:prstClr val="black"/>
+            </a:solidFill>
+          </a:ln>
+          <a:effectLst/>
+        </p:spPr>
+        <p:style>
+          <a:lnRef idx="0">
+            <a:schemeClr val="accent1"/>
+          </a:lnRef>
+          <a:fillRef idx="0">
+            <a:schemeClr val="accent1"/>
+          </a:fillRef>
+          <a:effectRef idx="0">
+            <a:schemeClr val="accent1"/>
+          </a:effectRef>
+          <a:fontRef idx="minor">
+            <a:schemeClr val="dk1"/>
+          </a:fontRef>
+        </p:style>
+        <p:txBody>
+          <a:bodyPr rot="0" spcFirstLastPara="0" vert="horz" wrap="square" lIns="91440" tIns="45720" rIns="91440" bIns="45720" numCol="1" spcCol="0" rtlCol="0" fromWordArt="0" anchor="t" anchorCtr="0" forceAA="0" compatLnSpc="1">
+            <a:prstTxWarp prst="textNoShape">
+              <a:avLst/>
+            </a:prstTxWarp>
+            <a:noAutofit/>
+          </a:bodyPr>
+          <a:lstStyle/>
+          <a:p>
+            <a:pPr>
+              <a:spcAft>
+                <a:spcPts val="0"/>
+              </a:spcAft>
+            </a:pPr>
+            <a:r>
+              <a:rPr lang="zh-TW" sz="1200" kern="100" dirty="0">
+                <a:effectLst/>
+                <a:ea typeface="新細明體" panose="02020500000000000000" pitchFamily="18" charset="-120"/>
+                <a:cs typeface="Times New Roman" panose="02020603050405020304" pitchFamily="18" charset="0"/>
+              </a:rPr>
+              <a:t>登入</a:t>
+            </a:r>
+          </a:p>
+        </p:txBody>
+      </p:sp>
+      <p:sp>
+        <p:nvSpPr>
+          <p:cNvPr id="10" name="文字方塊 200"/>
+          <p:cNvSpPr txBox="1"/>
+          <p:nvPr/>
+        </p:nvSpPr>
+        <p:spPr>
+          <a:xfrm>
+            <a:off x="4605686" y="3648772"/>
+            <a:ext cx="942975" cy="561975"/>
+          </a:xfrm>
+          <a:prstGeom prst="rect">
+            <a:avLst/>
+          </a:prstGeom>
+          <a:solidFill>
+            <a:srgbClr val="3366FF"/>
+          </a:solidFill>
+          <a:ln w="6350">
+            <a:noFill/>
+          </a:ln>
+          <a:effectLst/>
+        </p:spPr>
+        <p:style>
+          <a:lnRef idx="0">
+            <a:schemeClr val="accent1"/>
+          </a:lnRef>
+          <a:fillRef idx="0">
+            <a:schemeClr val="accent1"/>
+          </a:fillRef>
+          <a:effectRef idx="0">
+            <a:schemeClr val="accent1"/>
+          </a:effectRef>
+          <a:fontRef idx="minor">
+            <a:schemeClr val="dk1"/>
+          </a:fontRef>
+        </p:style>
+        <p:txBody>
+          <a:bodyPr rot="0" spcFirstLastPara="0" vert="horz" wrap="square" lIns="91440" tIns="45720" rIns="91440" bIns="45720" numCol="1" spcCol="0" rtlCol="0" fromWordArt="0" anchor="t" anchorCtr="0" forceAA="0" compatLnSpc="1">
+            <a:prstTxWarp prst="textNoShape">
+              <a:avLst/>
+            </a:prstTxWarp>
+            <a:noAutofit/>
+          </a:bodyPr>
+          <a:lstStyle/>
+          <a:p>
+            <a:pPr>
+              <a:spcAft>
+                <a:spcPts val="0"/>
+              </a:spcAft>
+            </a:pPr>
+            <a:r>
+              <a:rPr lang="zh-TW" sz="2400" kern="100">
+                <a:solidFill>
+                  <a:srgbClr val="FFFFFF"/>
+                </a:solidFill>
+                <a:effectLst/>
+                <a:ea typeface="新細明體" panose="02020500000000000000" pitchFamily="18" charset="-120"/>
+                <a:cs typeface="Times New Roman" panose="02020603050405020304" pitchFamily="18" charset="0"/>
+              </a:rPr>
+              <a:t>帳號</a:t>
+            </a:r>
+            <a:endParaRPr lang="zh-TW" sz="1200" kern="100">
+              <a:effectLst/>
+              <a:ea typeface="新細明體" panose="02020500000000000000" pitchFamily="18" charset="-120"/>
+              <a:cs typeface="Times New Roman" panose="02020603050405020304" pitchFamily="18" charset="0"/>
+            </a:endParaRPr>
+          </a:p>
+        </p:txBody>
+      </p:sp>
+      <p:sp>
+        <p:nvSpPr>
+          <p:cNvPr id="11" name="文字方塊 201"/>
+          <p:cNvSpPr txBox="1"/>
+          <p:nvPr/>
+        </p:nvSpPr>
+        <p:spPr>
+          <a:xfrm>
+            <a:off x="4615211" y="4229797"/>
+            <a:ext cx="942975" cy="561975"/>
+          </a:xfrm>
+          <a:prstGeom prst="rect">
+            <a:avLst/>
+          </a:prstGeom>
+          <a:solidFill>
+            <a:srgbClr val="3366FF"/>
+          </a:solidFill>
+          <a:ln w="6350">
+            <a:noFill/>
+          </a:ln>
+          <a:effectLst/>
+        </p:spPr>
+        <p:style>
+          <a:lnRef idx="0">
+            <a:schemeClr val="accent1"/>
+          </a:lnRef>
+          <a:fillRef idx="0">
+            <a:schemeClr val="accent1"/>
+          </a:fillRef>
+          <a:effectRef idx="0">
+            <a:schemeClr val="accent1"/>
+          </a:effectRef>
+          <a:fontRef idx="minor">
+            <a:schemeClr val="dk1"/>
+          </a:fontRef>
+        </p:style>
+        <p:txBody>
+          <a:bodyPr rot="0" spcFirstLastPara="0" vert="horz" wrap="square" lIns="91440" tIns="45720" rIns="91440" bIns="45720" numCol="1" spcCol="0" rtlCol="0" fromWordArt="0" anchor="t" anchorCtr="0" forceAA="0" compatLnSpc="1">
+            <a:prstTxWarp prst="textNoShape">
+              <a:avLst/>
+            </a:prstTxWarp>
+            <a:noAutofit/>
+          </a:bodyPr>
+          <a:lstStyle/>
+          <a:p>
+            <a:pPr>
+              <a:spcAft>
+                <a:spcPts val="0"/>
+              </a:spcAft>
+            </a:pPr>
+            <a:r>
+              <a:rPr lang="zh-TW" sz="2400" kern="100">
+                <a:solidFill>
+                  <a:srgbClr val="FFFFFF"/>
+                </a:solidFill>
+                <a:effectLst/>
+                <a:ea typeface="新細明體" panose="02020500000000000000" pitchFamily="18" charset="-120"/>
+                <a:cs typeface="Times New Roman" panose="02020603050405020304" pitchFamily="18" charset="0"/>
+              </a:rPr>
+              <a:t>密碼</a:t>
+            </a:r>
+            <a:endParaRPr lang="zh-TW" sz="1200" kern="100">
+              <a:effectLst/>
+              <a:ea typeface="新細明體" panose="02020500000000000000" pitchFamily="18" charset="-120"/>
+              <a:cs typeface="Times New Roman" panose="02020603050405020304" pitchFamily="18" charset="0"/>
+            </a:endParaRPr>
           </a:p>
         </p:txBody>
       </p:sp>
     </p:spTree>
     <p:extLst>
       <p:ext uri="{BB962C8B-B14F-4D97-AF65-F5344CB8AC3E}">
-        <p14:creationId xmlns:p14="http://schemas.microsoft.com/office/powerpoint/2010/main" val="116189743"/>
+        <p14:creationId xmlns:p14="http://schemas.microsoft.com/office/powerpoint/2010/main" val="366939940"/>
       </p:ext>
     </p:extLst>
   </p:cSld>
   <p:clrMapOvr>
     <a:masterClrMapping/>
   </p:clrMapOvr>
-  <p:timing>
-    <p:tnLst>
-      <p:par>
-        <p:cTn id="1" dur="indefinite" restart="never" nodeType="tmRoot"/>
-      </p:par>
-    </p:tnLst>
-  </p:timing>
 </p:sld>
 </file>
 
@@ -9890,7 +10211,23 @@
           <a:bodyPr/>
           <a:lstStyle/>
           <a:p>
-            <a:endParaRPr lang="zh-TW" altLang="en-US"/>
+            <a:r>
+              <a:rPr lang="en-US" altLang="zh-TW" dirty="0"/>
+              <a:t>Wire </a:t>
+            </a:r>
+            <a:r>
+              <a:rPr lang="en-US" altLang="zh-TW" dirty="0" smtClean="0"/>
+              <a:t>Frame</a:t>
+            </a:r>
+            <a:r>
+              <a:rPr lang="zh-TW" altLang="en-US" baseline="-25000" dirty="0" smtClean="0"/>
+              <a:t>搜</a:t>
+            </a:r>
+            <a:r>
+              <a:rPr lang="zh-TW" altLang="en-US" baseline="-25000" dirty="0"/>
+              <a:t>尋</a:t>
+            </a:r>
+            <a:endParaRPr lang="zh-TW" altLang="en-US" dirty="0"/>
           </a:p>
         </p:txBody>
       </p:sp>
@@ -9909,51 +10246,386 @@
           <a:bodyPr/>
           <a:lstStyle/>
           <a:p>
-            <a:endParaRPr lang="zh-TW" altLang="en-US"/>
+            <a:endParaRPr lang="zh-TW" altLang="en-US" dirty="0"/>
           </a:p>
         </p:txBody>
       </p:sp>
-      <p:pic>
-        <p:nvPicPr>
-          <p:cNvPr id="4" name="圖片 3"/>
-          <p:cNvPicPr>
-            <a:picLocks noChangeAspect="1"/>
-          </p:cNvPicPr>
+      <p:sp>
+        <p:nvSpPr>
+          <p:cNvPr id="4" name="矩形 3"/>
+          <p:cNvSpPr/>
           <p:nvPr/>
-        </p:nvPicPr>
-        <p:blipFill>
-          <a:blip r:embed="rId2"/>
-          <a:stretch>
-            <a:fillRect/>
-          </a:stretch>
-        </p:blipFill>
+        </p:nvSpPr>
         <p:spPr>
           <a:xfrm>
-            <a:off x="1778399" y="960120"/>
-            <a:ext cx="9131536" cy="5133982"/>
+            <a:off x="3580471" y="2381947"/>
+            <a:ext cx="5410200" cy="3409950"/>
           </a:xfrm>
           <a:prstGeom prst="rect">
             <a:avLst/>
           </a:prstGeom>
+          <a:solidFill>
+            <a:srgbClr val="3366FF"/>
+          </a:solidFill>
         </p:spPr>
-      </p:pic>
+        <p:style>
+          <a:lnRef idx="2">
+            <a:schemeClr val="accent1">
+              <a:shade val="50000"/>
+            </a:schemeClr>
+          </a:lnRef>
+          <a:fillRef idx="1">
+            <a:schemeClr val="accent1"/>
+          </a:fillRef>
+          <a:effectRef idx="0">
+            <a:schemeClr val="accent1"/>
+          </a:effectRef>
+          <a:fontRef idx="minor">
+            <a:schemeClr val="lt1"/>
+          </a:fontRef>
+        </p:style>
+        <p:txBody>
+          <a:bodyPr rot="0" spcFirstLastPara="0" vert="horz" wrap="square" lIns="91440" tIns="45720" rIns="91440" bIns="45720" numCol="1" spcCol="0" rtlCol="0" fromWordArt="0" anchor="ctr" anchorCtr="0" forceAA="0" compatLnSpc="1">
+            <a:prstTxWarp prst="textNoShape">
+              <a:avLst/>
+            </a:prstTxWarp>
+            <a:noAutofit/>
+          </a:bodyPr>
+          <a:lstStyle/>
+          <a:p>
+            <a:endParaRPr lang="zh-TW" altLang="en-US"/>
+          </a:p>
+        </p:txBody>
+      </p:sp>
+      <p:sp>
+        <p:nvSpPr>
+          <p:cNvPr id="5" name="文字方塊 2"/>
+          <p:cNvSpPr txBox="1"/>
+          <p:nvPr/>
+        </p:nvSpPr>
+        <p:spPr>
+          <a:xfrm>
+            <a:off x="5599771" y="3867847"/>
+            <a:ext cx="3057525" cy="438150"/>
+          </a:xfrm>
+          <a:prstGeom prst="rect">
+            <a:avLst/>
+          </a:prstGeom>
+          <a:solidFill>
+            <a:schemeClr val="bg1"/>
+          </a:solidFill>
+          <a:ln w="6350">
+            <a:solidFill>
+              <a:prstClr val="black"/>
+            </a:solidFill>
+          </a:ln>
+          <a:effectLst/>
+        </p:spPr>
+        <p:style>
+          <a:lnRef idx="0">
+            <a:schemeClr val="accent1"/>
+          </a:lnRef>
+          <a:fillRef idx="0">
+            <a:schemeClr val="accent1"/>
+          </a:fillRef>
+          <a:effectRef idx="0">
+            <a:schemeClr val="accent1"/>
+          </a:effectRef>
+          <a:fontRef idx="minor">
+            <a:schemeClr val="dk1"/>
+          </a:fontRef>
+        </p:style>
+        <p:txBody>
+          <a:bodyPr rot="0" spcFirstLastPara="0" vert="horz" wrap="square" lIns="91440" tIns="45720" rIns="91440" bIns="45720" numCol="1" spcCol="0" rtlCol="0" fromWordArt="0" anchor="t" anchorCtr="0" forceAA="0" compatLnSpc="1">
+            <a:prstTxWarp prst="textNoShape">
+              <a:avLst/>
+            </a:prstTxWarp>
+            <a:noAutofit/>
+          </a:bodyPr>
+          <a:lstStyle/>
+          <a:p>
+            <a:pPr>
+              <a:spcAft>
+                <a:spcPts val="0"/>
+              </a:spcAft>
+            </a:pPr>
+            <a:r>
+              <a:rPr lang="zh-TW" sz="1200" kern="100">
+                <a:effectLst/>
+                <a:ea typeface="新細明體" panose="02020500000000000000" pitchFamily="18" charset="-120"/>
+                <a:cs typeface="Times New Roman" panose="02020603050405020304" pitchFamily="18" charset="0"/>
+              </a:rPr>
+              <a:t>台北好不</a:t>
+            </a:r>
+            <a:r>
+              <a:rPr lang="en-US" sz="1200" kern="100">
+                <a:effectLst/>
+                <a:ea typeface="新細明體" panose="02020500000000000000" pitchFamily="18" charset="-120"/>
+                <a:cs typeface="Times New Roman" panose="02020603050405020304" pitchFamily="18" charset="0"/>
+              </a:rPr>
+              <a:t>?</a:t>
+            </a:r>
+            <a:endParaRPr lang="zh-TW" sz="1200" kern="100">
+              <a:effectLst/>
+              <a:ea typeface="新細明體" panose="02020500000000000000" pitchFamily="18" charset="-120"/>
+              <a:cs typeface="Times New Roman" panose="02020603050405020304" pitchFamily="18" charset="0"/>
+            </a:endParaRPr>
+          </a:p>
+        </p:txBody>
+      </p:sp>
+      <p:sp>
+        <p:nvSpPr>
+          <p:cNvPr id="6" name="文字方塊 2"/>
+          <p:cNvSpPr txBox="1">
+            <a:spLocks noChangeArrowheads="1"/>
+          </p:cNvSpPr>
+          <p:nvPr/>
+        </p:nvSpPr>
+        <p:spPr bwMode="auto">
+          <a:xfrm>
+            <a:off x="4647271" y="3791647"/>
+            <a:ext cx="895350" cy="590550"/>
+          </a:xfrm>
+          <a:prstGeom prst="rect">
+            <a:avLst/>
+          </a:prstGeom>
+          <a:solidFill>
+            <a:srgbClr val="3366FF"/>
+          </a:solidFill>
+          <a:ln w="9525">
+            <a:noFill/>
+            <a:miter lim="800000"/>
+            <a:headEnd/>
+            <a:tailEnd/>
+          </a:ln>
+        </p:spPr>
+        <p:txBody>
+          <a:bodyPr rot="0" vert="horz" wrap="square" lIns="91440" tIns="45720" rIns="91440" bIns="45720" anchor="t" anchorCtr="0">
+            <a:noAutofit/>
+          </a:bodyPr>
+          <a:lstStyle/>
+          <a:p>
+            <a:pPr>
+              <a:spcAft>
+                <a:spcPts val="0"/>
+              </a:spcAft>
+            </a:pPr>
+            <a:r>
+              <a:rPr lang="zh-TW" sz="2400" kern="100">
+                <a:ln>
+                  <a:noFill/>
+                </a:ln>
+                <a:solidFill>
+                  <a:srgbClr val="FFFFFF"/>
+                </a:solidFill>
+                <a:effectLst/>
+                <a:latin typeface="Calibri" panose="020F0502020204030204" pitchFamily="34" charset="0"/>
+                <a:ea typeface="新細明體" panose="02020500000000000000" pitchFamily="18" charset="-120"/>
+                <a:cs typeface="Times New Roman" panose="02020603050405020304" pitchFamily="18" charset="0"/>
+              </a:rPr>
+              <a:t>搜尋</a:t>
+            </a:r>
+            <a:endParaRPr lang="zh-TW" sz="1200" kern="100">
+              <a:effectLst/>
+              <a:latin typeface="Calibri" panose="020F0502020204030204" pitchFamily="34" charset="0"/>
+              <a:ea typeface="新細明體" panose="02020500000000000000" pitchFamily="18" charset="-120"/>
+              <a:cs typeface="Times New Roman" panose="02020603050405020304" pitchFamily="18" charset="0"/>
+            </a:endParaRPr>
+          </a:p>
+        </p:txBody>
+      </p:sp>
+      <p:sp>
+        <p:nvSpPr>
+          <p:cNvPr id="7" name="文字方塊 4"/>
+          <p:cNvSpPr txBox="1"/>
+          <p:nvPr/>
+        </p:nvSpPr>
+        <p:spPr>
+          <a:xfrm>
+            <a:off x="3627461" y="2448622"/>
+            <a:ext cx="2314575" cy="714375"/>
+          </a:xfrm>
+          <a:prstGeom prst="rect">
+            <a:avLst/>
+          </a:prstGeom>
+          <a:solidFill>
+            <a:srgbClr val="3366FF"/>
+          </a:solidFill>
+          <a:ln w="6350">
+            <a:noFill/>
+          </a:ln>
+          <a:effectLst/>
+        </p:spPr>
+        <p:style>
+          <a:lnRef idx="0">
+            <a:schemeClr val="accent1"/>
+          </a:lnRef>
+          <a:fillRef idx="0">
+            <a:schemeClr val="accent1"/>
+          </a:fillRef>
+          <a:effectRef idx="0">
+            <a:schemeClr val="accent1"/>
+          </a:effectRef>
+          <a:fontRef idx="minor">
+            <a:schemeClr val="dk1"/>
+          </a:fontRef>
+        </p:style>
+        <p:txBody>
+          <a:bodyPr rot="0" spcFirstLastPara="0" vert="horz" wrap="square" lIns="91440" tIns="45720" rIns="91440" bIns="45720" numCol="1" spcCol="0" rtlCol="0" fromWordArt="0" anchor="t" anchorCtr="0" forceAA="0" compatLnSpc="1">
+            <a:prstTxWarp prst="textNoShape">
+              <a:avLst/>
+            </a:prstTxWarp>
+            <a:noAutofit/>
+          </a:bodyPr>
+          <a:lstStyle/>
+          <a:p>
+            <a:pPr>
+              <a:spcAft>
+                <a:spcPts val="0"/>
+              </a:spcAft>
+            </a:pPr>
+            <a:r>
+              <a:rPr lang="en-US" sz="2400" kern="100">
+                <a:solidFill>
+                  <a:srgbClr val="FFFFFF"/>
+                </a:solidFill>
+                <a:effectLst/>
+                <a:ea typeface="新細明體" panose="02020500000000000000" pitchFamily="18" charset="-120"/>
+                <a:cs typeface="Times New Roman" panose="02020603050405020304" pitchFamily="18" charset="0"/>
+              </a:rPr>
+              <a:t>Yelp Bla Bla</a:t>
+            </a:r>
+            <a:endParaRPr lang="zh-TW" sz="1200" kern="100">
+              <a:effectLst/>
+              <a:ea typeface="新細明體" panose="02020500000000000000" pitchFamily="18" charset="-120"/>
+              <a:cs typeface="Times New Roman" panose="02020603050405020304" pitchFamily="18" charset="0"/>
+            </a:endParaRPr>
+          </a:p>
+        </p:txBody>
+      </p:sp>
+      <p:sp>
+        <p:nvSpPr>
+          <p:cNvPr id="8" name="文字方塊 5"/>
+          <p:cNvSpPr txBox="1"/>
+          <p:nvPr/>
+        </p:nvSpPr>
+        <p:spPr>
+          <a:xfrm>
+            <a:off x="6085546" y="2428937"/>
+            <a:ext cx="2819400" cy="390525"/>
+          </a:xfrm>
+          <a:prstGeom prst="rect">
+            <a:avLst/>
+          </a:prstGeom>
+          <a:solidFill>
+            <a:srgbClr val="3366FF"/>
+          </a:solidFill>
+          <a:ln w="6350">
+            <a:noFill/>
+          </a:ln>
+          <a:effectLst/>
+        </p:spPr>
+        <p:style>
+          <a:lnRef idx="0">
+            <a:schemeClr val="accent1"/>
+          </a:lnRef>
+          <a:fillRef idx="0">
+            <a:schemeClr val="accent1"/>
+          </a:fillRef>
+          <a:effectRef idx="0">
+            <a:schemeClr val="accent1"/>
+          </a:effectRef>
+          <a:fontRef idx="minor">
+            <a:schemeClr val="dk1"/>
+          </a:fontRef>
+        </p:style>
+        <p:txBody>
+          <a:bodyPr rot="0" spcFirstLastPara="0" vert="horz" wrap="square" lIns="91440" tIns="45720" rIns="91440" bIns="45720" numCol="1" spcCol="0" rtlCol="0" fromWordArt="0" anchor="t" anchorCtr="0" forceAA="0" compatLnSpc="1">
+            <a:prstTxWarp prst="textNoShape">
+              <a:avLst/>
+            </a:prstTxWarp>
+            <a:noAutofit/>
+          </a:bodyPr>
+          <a:lstStyle/>
+          <a:p>
+            <a:pPr indent="228600">
+              <a:spcAft>
+                <a:spcPts val="0"/>
+              </a:spcAft>
+            </a:pPr>
+            <a:r>
+              <a:rPr lang="zh-TW" sz="1200" kern="100">
+                <a:solidFill>
+                  <a:srgbClr val="FFFFFF"/>
+                </a:solidFill>
+                <a:effectLst/>
+                <a:ea typeface="新細明體" panose="02020500000000000000" pitchFamily="18" charset="-120"/>
+                <a:cs typeface="Times New Roman" panose="02020603050405020304" pitchFamily="18" charset="0"/>
+              </a:rPr>
+              <a:t>收藏</a:t>
+            </a:r>
+            <a:r>
+              <a:rPr lang="en-US" sz="1200" kern="100">
+                <a:solidFill>
+                  <a:srgbClr val="FFFFFF"/>
+                </a:solidFill>
+                <a:effectLst/>
+                <a:ea typeface="新細明體" panose="02020500000000000000" pitchFamily="18" charset="-120"/>
+                <a:cs typeface="Times New Roman" panose="02020603050405020304" pitchFamily="18" charset="0"/>
+              </a:rPr>
+              <a:t>        </a:t>
+            </a:r>
+            <a:r>
+              <a:rPr lang="zh-TW" sz="1200" kern="100">
+                <a:solidFill>
+                  <a:srgbClr val="FFFFFF"/>
+                </a:solidFill>
+                <a:effectLst/>
+                <a:ea typeface="新細明體" panose="02020500000000000000" pitchFamily="18" charset="-120"/>
+                <a:cs typeface="Times New Roman" panose="02020603050405020304" pitchFamily="18" charset="0"/>
+              </a:rPr>
+              <a:t>登出</a:t>
+            </a:r>
+            <a:r>
+              <a:rPr lang="en-US" sz="1200" kern="100">
+                <a:solidFill>
+                  <a:srgbClr val="FFFFFF"/>
+                </a:solidFill>
+                <a:effectLst/>
+                <a:ea typeface="新細明體" panose="02020500000000000000" pitchFamily="18" charset="-120"/>
+                <a:cs typeface="Times New Roman" panose="02020603050405020304" pitchFamily="18" charset="0"/>
+              </a:rPr>
+              <a:t>         </a:t>
+            </a:r>
+            <a:r>
+              <a:rPr lang="zh-TW" sz="1200" kern="100">
+                <a:solidFill>
+                  <a:srgbClr val="FFFFFF"/>
+                </a:solidFill>
+                <a:effectLst/>
+                <a:ea typeface="新細明體" panose="02020500000000000000" pitchFamily="18" charset="-120"/>
+                <a:cs typeface="Times New Roman" panose="02020603050405020304" pitchFamily="18" charset="0"/>
+              </a:rPr>
+              <a:t>註冊</a:t>
+            </a:r>
+            <a:endParaRPr lang="zh-TW" sz="1200" kern="100">
+              <a:effectLst/>
+              <a:ea typeface="新細明體" panose="02020500000000000000" pitchFamily="18" charset="-120"/>
+              <a:cs typeface="Times New Roman" panose="02020603050405020304" pitchFamily="18" charset="0"/>
+            </a:endParaRPr>
+          </a:p>
+        </p:txBody>
+      </p:sp>
     </p:spTree>
     <p:extLst>
       <p:ext uri="{BB962C8B-B14F-4D97-AF65-F5344CB8AC3E}">
-        <p14:creationId xmlns:p14="http://schemas.microsoft.com/office/powerpoint/2010/main" val="4107937981"/>
+        <p14:creationId xmlns:p14="http://schemas.microsoft.com/office/powerpoint/2010/main" val="829284530"/>
       </p:ext>
     </p:extLst>
   </p:cSld>
   <p:clrMapOvr>
     <a:masterClrMapping/>
   </p:clrMapOvr>
-  <p:timing>
-    <p:tnLst>
-      <p:par>
-        <p:cTn id="1" dur="indefinite" restart="never" nodeType="tmRoot"/>
-      </p:par>
-    </p:tnLst>
-  </p:timing>
 </p:sld>
 </file>
 
@@ -9990,10 +10662,18 @@
           <a:lstStyle/>
           <a:p>
             <a:r>
-              <a:rPr lang="zh-TW" altLang="en-US" dirty="0" smtClean="0"/>
-              <a:t>操作故事</a:t>
-            </a:r>
-            <a:endParaRPr lang="zh-TW" altLang="en-US" dirty="0"/>
+              <a:rPr lang="en-US" altLang="zh-TW" dirty="0"/>
+              <a:t>Wire </a:t>
+            </a:r>
+            <a:r>
+              <a:rPr lang="en-US" altLang="zh-TW" dirty="0" smtClean="0"/>
+              <a:t>Frame</a:t>
+            </a:r>
+            <a:r>
+              <a:rPr lang="zh-TW" altLang="en-US" baseline="-25000" dirty="0" smtClean="0"/>
+              <a:t>註冊</a:t>
+            </a:r>
+            <a:endParaRPr lang="zh-TW" altLang="en-US" baseline="-25000" dirty="0"/>
           </a:p>
         </p:txBody>
       </p:sp>
@@ -10012,38 +10692,873 @@
           <a:bodyPr/>
           <a:lstStyle/>
           <a:p>
-            <a:r>
-              <a:rPr lang="zh-TW" altLang="en-US" b="1" dirty="0"/>
-              <a:t>使用者：毛毛</a:t>
-            </a:r>
-            <a:endParaRPr lang="en-US" altLang="zh-TW" b="1" dirty="0"/>
-          </a:p>
-          <a:p>
-            <a:r>
-              <a:rPr lang="zh-TW" altLang="en-US" b="1" dirty="0"/>
-              <a:t>職業：海洋大學資工系學生</a:t>
-            </a:r>
-            <a:endParaRPr lang="en-US" altLang="zh-TW" b="1" dirty="0"/>
-          </a:p>
-          <a:p>
-            <a:r>
-              <a:rPr lang="zh-TW" altLang="en-US" b="1" dirty="0"/>
-              <a:t>生日：</a:t>
-            </a:r>
-            <a:r>
-              <a:rPr lang="en-US" altLang="zh-TW" b="1" dirty="0"/>
-              <a:t>1996/02/02</a:t>
-            </a:r>
-          </a:p>
-          <a:p>
             <a:endParaRPr lang="zh-TW" altLang="en-US" dirty="0"/>
+          </a:p>
+        </p:txBody>
+      </p:sp>
+      <p:sp>
+        <p:nvSpPr>
+          <p:cNvPr id="4" name="矩形 3"/>
+          <p:cNvSpPr/>
+          <p:nvPr/>
+        </p:nvSpPr>
+        <p:spPr>
+          <a:xfrm>
+            <a:off x="3747739" y="2315039"/>
+            <a:ext cx="5410200" cy="3409950"/>
+          </a:xfrm>
+          <a:prstGeom prst="rect">
+            <a:avLst/>
+          </a:prstGeom>
+          <a:solidFill>
+            <a:srgbClr val="3366FF"/>
+          </a:solidFill>
+        </p:spPr>
+        <p:style>
+          <a:lnRef idx="2">
+            <a:schemeClr val="accent1">
+              <a:shade val="50000"/>
+            </a:schemeClr>
+          </a:lnRef>
+          <a:fillRef idx="1">
+            <a:schemeClr val="accent1"/>
+          </a:fillRef>
+          <a:effectRef idx="0">
+            <a:schemeClr val="accent1"/>
+          </a:effectRef>
+          <a:fontRef idx="minor">
+            <a:schemeClr val="lt1"/>
+          </a:fontRef>
+        </p:style>
+        <p:txBody>
+          <a:bodyPr rot="0" spcFirstLastPara="0" vert="horz" wrap="square" lIns="91440" tIns="45720" rIns="91440" bIns="45720" numCol="1" spcCol="0" rtlCol="0" fromWordArt="0" anchor="ctr" anchorCtr="0" forceAA="0" compatLnSpc="1">
+            <a:prstTxWarp prst="textNoShape">
+              <a:avLst/>
+            </a:prstTxWarp>
+            <a:noAutofit/>
+          </a:bodyPr>
+          <a:lstStyle/>
+          <a:p>
+            <a:endParaRPr lang="zh-TW" altLang="en-US"/>
+          </a:p>
+        </p:txBody>
+      </p:sp>
+      <p:sp>
+        <p:nvSpPr>
+          <p:cNvPr id="5" name="文字方塊 25"/>
+          <p:cNvSpPr txBox="1"/>
+          <p:nvPr/>
+        </p:nvSpPr>
+        <p:spPr>
+          <a:xfrm>
+            <a:off x="3747739" y="2334089"/>
+            <a:ext cx="2314575" cy="809625"/>
+          </a:xfrm>
+          <a:prstGeom prst="rect">
+            <a:avLst/>
+          </a:prstGeom>
+          <a:solidFill>
+            <a:srgbClr val="3366FF"/>
+          </a:solidFill>
+          <a:ln w="6350">
+            <a:noFill/>
+          </a:ln>
+          <a:effectLst/>
+        </p:spPr>
+        <p:style>
+          <a:lnRef idx="0">
+            <a:schemeClr val="accent1"/>
+          </a:lnRef>
+          <a:fillRef idx="0">
+            <a:schemeClr val="accent1"/>
+          </a:fillRef>
+          <a:effectRef idx="0">
+            <a:schemeClr val="accent1"/>
+          </a:effectRef>
+          <a:fontRef idx="minor">
+            <a:schemeClr val="dk1"/>
+          </a:fontRef>
+        </p:style>
+        <p:txBody>
+          <a:bodyPr rot="0" spcFirstLastPara="0" vert="horz" wrap="square" lIns="91440" tIns="45720" rIns="91440" bIns="45720" numCol="1" spcCol="0" rtlCol="0" fromWordArt="0" anchor="t" anchorCtr="0" forceAA="0" compatLnSpc="1">
+            <a:prstTxWarp prst="textNoShape">
+              <a:avLst/>
+            </a:prstTxWarp>
+            <a:noAutofit/>
+          </a:bodyPr>
+          <a:lstStyle/>
+          <a:p>
+            <a:pPr>
+              <a:spcAft>
+                <a:spcPts val="0"/>
+              </a:spcAft>
+            </a:pPr>
+            <a:r>
+              <a:rPr lang="en-US" sz="2400" kern="100">
+                <a:solidFill>
+                  <a:srgbClr val="FFFFFF"/>
+                </a:solidFill>
+                <a:effectLst/>
+                <a:ea typeface="新細明體" panose="02020500000000000000" pitchFamily="18" charset="-120"/>
+                <a:cs typeface="Times New Roman" panose="02020603050405020304" pitchFamily="18" charset="0"/>
+              </a:rPr>
+              <a:t>Yelp Bla Bla</a:t>
+            </a:r>
+            <a:endParaRPr lang="zh-TW" sz="1200" kern="100">
+              <a:effectLst/>
+              <a:ea typeface="新細明體" panose="02020500000000000000" pitchFamily="18" charset="-120"/>
+              <a:cs typeface="Times New Roman" panose="02020603050405020304" pitchFamily="18" charset="0"/>
+            </a:endParaRPr>
+          </a:p>
+        </p:txBody>
+      </p:sp>
+      <p:sp>
+        <p:nvSpPr>
+          <p:cNvPr id="6" name="文字方塊 26"/>
+          <p:cNvSpPr txBox="1"/>
+          <p:nvPr/>
+        </p:nvSpPr>
+        <p:spPr>
+          <a:xfrm>
+            <a:off x="6202649" y="2391239"/>
+            <a:ext cx="2819400" cy="390525"/>
+          </a:xfrm>
+          <a:prstGeom prst="rect">
+            <a:avLst/>
+          </a:prstGeom>
+          <a:solidFill>
+            <a:srgbClr val="3366FF"/>
+          </a:solidFill>
+          <a:ln w="6350">
+            <a:noFill/>
+          </a:ln>
+          <a:effectLst/>
+        </p:spPr>
+        <p:style>
+          <a:lnRef idx="0">
+            <a:schemeClr val="accent1"/>
+          </a:lnRef>
+          <a:fillRef idx="0">
+            <a:schemeClr val="accent1"/>
+          </a:fillRef>
+          <a:effectRef idx="0">
+            <a:schemeClr val="accent1"/>
+          </a:effectRef>
+          <a:fontRef idx="minor">
+            <a:schemeClr val="dk1"/>
+          </a:fontRef>
+        </p:style>
+        <p:txBody>
+          <a:bodyPr rot="0" spcFirstLastPara="0" vert="horz" wrap="square" lIns="91440" tIns="45720" rIns="91440" bIns="45720" numCol="1" spcCol="0" rtlCol="0" fromWordArt="0" anchor="t" anchorCtr="0" forceAA="0" compatLnSpc="1">
+            <a:prstTxWarp prst="textNoShape">
+              <a:avLst/>
+            </a:prstTxWarp>
+            <a:noAutofit/>
+          </a:bodyPr>
+          <a:lstStyle/>
+          <a:p>
+            <a:pPr indent="228600">
+              <a:spcAft>
+                <a:spcPts val="0"/>
+              </a:spcAft>
+            </a:pPr>
+            <a:r>
+              <a:rPr lang="zh-TW" sz="1200" kern="100">
+                <a:solidFill>
+                  <a:srgbClr val="FFFFFF"/>
+                </a:solidFill>
+                <a:effectLst/>
+                <a:ea typeface="新細明體" panose="02020500000000000000" pitchFamily="18" charset="-120"/>
+                <a:cs typeface="Times New Roman" panose="02020603050405020304" pitchFamily="18" charset="0"/>
+              </a:rPr>
+              <a:t>收藏</a:t>
+            </a:r>
+            <a:r>
+              <a:rPr lang="en-US" sz="1200" kern="100">
+                <a:solidFill>
+                  <a:srgbClr val="FFFFFF"/>
+                </a:solidFill>
+                <a:effectLst/>
+                <a:ea typeface="新細明體" panose="02020500000000000000" pitchFamily="18" charset="-120"/>
+                <a:cs typeface="Times New Roman" panose="02020603050405020304" pitchFamily="18" charset="0"/>
+              </a:rPr>
+              <a:t>        </a:t>
+            </a:r>
+            <a:r>
+              <a:rPr lang="zh-TW" sz="1200" kern="100">
+                <a:solidFill>
+                  <a:srgbClr val="FFFFFF"/>
+                </a:solidFill>
+                <a:effectLst/>
+                <a:ea typeface="新細明體" panose="02020500000000000000" pitchFamily="18" charset="-120"/>
+                <a:cs typeface="Times New Roman" panose="02020603050405020304" pitchFamily="18" charset="0"/>
+              </a:rPr>
+              <a:t>登入</a:t>
+            </a:r>
+            <a:r>
+              <a:rPr lang="en-US" sz="1200" kern="100">
+                <a:solidFill>
+                  <a:srgbClr val="FFFFFF"/>
+                </a:solidFill>
+                <a:effectLst/>
+                <a:ea typeface="新細明體" panose="02020500000000000000" pitchFamily="18" charset="-120"/>
+                <a:cs typeface="Times New Roman" panose="02020603050405020304" pitchFamily="18" charset="0"/>
+              </a:rPr>
+              <a:t>         </a:t>
+            </a:r>
+            <a:r>
+              <a:rPr lang="zh-TW" sz="1200" kern="100">
+                <a:solidFill>
+                  <a:srgbClr val="FFFFFF"/>
+                </a:solidFill>
+                <a:effectLst/>
+                <a:ea typeface="新細明體" panose="02020500000000000000" pitchFamily="18" charset="-120"/>
+                <a:cs typeface="Times New Roman" panose="02020603050405020304" pitchFamily="18" charset="0"/>
+              </a:rPr>
+              <a:t>註冊</a:t>
+            </a:r>
+            <a:endParaRPr lang="zh-TW" sz="1200" kern="100">
+              <a:effectLst/>
+              <a:ea typeface="新細明體" panose="02020500000000000000" pitchFamily="18" charset="-120"/>
+              <a:cs typeface="Times New Roman" panose="02020603050405020304" pitchFamily="18" charset="0"/>
+            </a:endParaRPr>
+          </a:p>
+        </p:txBody>
+      </p:sp>
+      <p:sp>
+        <p:nvSpPr>
+          <p:cNvPr id="7" name="文字方塊 2"/>
+          <p:cNvSpPr txBox="1">
+            <a:spLocks noChangeArrowheads="1"/>
+          </p:cNvSpPr>
+          <p:nvPr/>
+        </p:nvSpPr>
+        <p:spPr bwMode="auto">
+          <a:xfrm>
+            <a:off x="5652739" y="3105614"/>
+            <a:ext cx="2085340" cy="323850"/>
+          </a:xfrm>
+          <a:prstGeom prst="rect">
+            <a:avLst/>
+          </a:prstGeom>
+          <a:solidFill>
+            <a:schemeClr val="bg1"/>
+          </a:solidFill>
+          <a:ln w="9525">
+            <a:solidFill>
+              <a:srgbClr val="000000"/>
+            </a:solidFill>
+            <a:miter lim="800000"/>
+            <a:headEnd/>
+            <a:tailEnd/>
+          </a:ln>
+        </p:spPr>
+        <p:txBody>
+          <a:bodyPr rot="0" vert="horz" wrap="square" lIns="91440" tIns="45720" rIns="91440" bIns="45720" anchor="t" anchorCtr="0">
+            <a:noAutofit/>
+          </a:bodyPr>
+          <a:lstStyle/>
+          <a:p>
+            <a:pPr>
+              <a:spcAft>
+                <a:spcPts val="0"/>
+              </a:spcAft>
+            </a:pPr>
+            <a:r>
+              <a:rPr lang="en-US" sz="1200" kern="100">
+                <a:effectLst/>
+                <a:latin typeface="Calibri" panose="020F0502020204030204" pitchFamily="34" charset="0"/>
+                <a:ea typeface="新細明體" panose="02020500000000000000" pitchFamily="18" charset="-120"/>
+                <a:cs typeface="Times New Roman" panose="02020603050405020304" pitchFamily="18" charset="0"/>
+              </a:rPr>
+              <a:t> </a:t>
+            </a:r>
+            <a:endParaRPr lang="zh-TW" sz="1200" kern="100">
+              <a:effectLst/>
+              <a:latin typeface="Calibri" panose="020F0502020204030204" pitchFamily="34" charset="0"/>
+              <a:ea typeface="新細明體" panose="02020500000000000000" pitchFamily="18" charset="-120"/>
+              <a:cs typeface="Times New Roman" panose="02020603050405020304" pitchFamily="18" charset="0"/>
+            </a:endParaRPr>
+          </a:p>
+        </p:txBody>
+      </p:sp>
+      <p:sp>
+        <p:nvSpPr>
+          <p:cNvPr id="8" name="文字方塊 28"/>
+          <p:cNvSpPr txBox="1"/>
+          <p:nvPr/>
+        </p:nvSpPr>
+        <p:spPr>
+          <a:xfrm>
+            <a:off x="4833589" y="3105614"/>
+            <a:ext cx="533400" cy="381000"/>
+          </a:xfrm>
+          <a:prstGeom prst="rect">
+            <a:avLst/>
+          </a:prstGeom>
+          <a:solidFill>
+            <a:srgbClr val="3366FF"/>
+          </a:solidFill>
+          <a:ln w="6350">
+            <a:noFill/>
+          </a:ln>
+          <a:effectLst/>
+        </p:spPr>
+        <p:style>
+          <a:lnRef idx="0">
+            <a:schemeClr val="accent1"/>
+          </a:lnRef>
+          <a:fillRef idx="0">
+            <a:schemeClr val="accent1"/>
+          </a:fillRef>
+          <a:effectRef idx="0">
+            <a:schemeClr val="accent1"/>
+          </a:effectRef>
+          <a:fontRef idx="minor">
+            <a:schemeClr val="dk1"/>
+          </a:fontRef>
+        </p:style>
+        <p:txBody>
+          <a:bodyPr rot="0" spcFirstLastPara="0" vert="horz" wrap="square" lIns="91440" tIns="45720" rIns="91440" bIns="45720" numCol="1" spcCol="0" rtlCol="0" fromWordArt="0" anchor="t" anchorCtr="0" forceAA="0" compatLnSpc="1">
+            <a:prstTxWarp prst="textNoShape">
+              <a:avLst/>
+            </a:prstTxWarp>
+            <a:noAutofit/>
+          </a:bodyPr>
+          <a:lstStyle/>
+          <a:p>
+            <a:pPr>
+              <a:spcAft>
+                <a:spcPts val="0"/>
+              </a:spcAft>
+            </a:pPr>
+            <a:r>
+              <a:rPr lang="zh-TW" sz="1200" kern="100">
+                <a:solidFill>
+                  <a:srgbClr val="FFFFFF"/>
+                </a:solidFill>
+                <a:effectLst/>
+                <a:ea typeface="新細明體" panose="02020500000000000000" pitchFamily="18" charset="-120"/>
+                <a:cs typeface="Times New Roman" panose="02020603050405020304" pitchFamily="18" charset="0"/>
+              </a:rPr>
+              <a:t>帳號</a:t>
+            </a:r>
+            <a:endParaRPr lang="zh-TW" sz="1200" kern="100">
+              <a:effectLst/>
+              <a:ea typeface="新細明體" panose="02020500000000000000" pitchFamily="18" charset="-120"/>
+              <a:cs typeface="Times New Roman" panose="02020603050405020304" pitchFamily="18" charset="0"/>
+            </a:endParaRPr>
+          </a:p>
+        </p:txBody>
+      </p:sp>
+      <p:sp>
+        <p:nvSpPr>
+          <p:cNvPr id="9" name="文字方塊 2"/>
+          <p:cNvSpPr txBox="1">
+            <a:spLocks noChangeArrowheads="1"/>
+          </p:cNvSpPr>
+          <p:nvPr/>
+        </p:nvSpPr>
+        <p:spPr bwMode="auto">
+          <a:xfrm>
+            <a:off x="5671789" y="3610439"/>
+            <a:ext cx="2085340" cy="323850"/>
+          </a:xfrm>
+          <a:prstGeom prst="rect">
+            <a:avLst/>
+          </a:prstGeom>
+          <a:solidFill>
+            <a:schemeClr val="bg1"/>
+          </a:solidFill>
+          <a:ln w="9525">
+            <a:solidFill>
+              <a:srgbClr val="000000"/>
+            </a:solidFill>
+            <a:miter lim="800000"/>
+            <a:headEnd/>
+            <a:tailEnd/>
+          </a:ln>
+        </p:spPr>
+        <p:txBody>
+          <a:bodyPr rot="0" vert="horz" wrap="square" lIns="91440" tIns="45720" rIns="91440" bIns="45720" anchor="t" anchorCtr="0">
+            <a:noAutofit/>
+          </a:bodyPr>
+          <a:lstStyle/>
+          <a:p>
+            <a:pPr>
+              <a:spcAft>
+                <a:spcPts val="0"/>
+              </a:spcAft>
+            </a:pPr>
+            <a:r>
+              <a:rPr lang="en-US" sz="1200" kern="100">
+                <a:effectLst/>
+                <a:latin typeface="Calibri" panose="020F0502020204030204" pitchFamily="34" charset="0"/>
+                <a:ea typeface="新細明體" panose="02020500000000000000" pitchFamily="18" charset="-120"/>
+                <a:cs typeface="Times New Roman" panose="02020603050405020304" pitchFamily="18" charset="0"/>
+              </a:rPr>
+              <a:t> </a:t>
+            </a:r>
+            <a:endParaRPr lang="zh-TW" sz="1200" kern="100">
+              <a:effectLst/>
+              <a:latin typeface="Calibri" panose="020F0502020204030204" pitchFamily="34" charset="0"/>
+              <a:ea typeface="新細明體" panose="02020500000000000000" pitchFamily="18" charset="-120"/>
+              <a:cs typeface="Times New Roman" panose="02020603050405020304" pitchFamily="18" charset="0"/>
+            </a:endParaRPr>
+          </a:p>
+        </p:txBody>
+      </p:sp>
+      <p:sp>
+        <p:nvSpPr>
+          <p:cNvPr id="10" name="文字方塊 2"/>
+          <p:cNvSpPr txBox="1">
+            <a:spLocks noChangeArrowheads="1"/>
+          </p:cNvSpPr>
+          <p:nvPr/>
+        </p:nvSpPr>
+        <p:spPr bwMode="auto">
+          <a:xfrm>
+            <a:off x="5662264" y="4124789"/>
+            <a:ext cx="2085340" cy="323850"/>
+          </a:xfrm>
+          <a:prstGeom prst="rect">
+            <a:avLst/>
+          </a:prstGeom>
+          <a:solidFill>
+            <a:schemeClr val="bg1"/>
+          </a:solidFill>
+          <a:ln w="9525">
+            <a:solidFill>
+              <a:srgbClr val="000000"/>
+            </a:solidFill>
+            <a:miter lim="800000"/>
+            <a:headEnd/>
+            <a:tailEnd/>
+          </a:ln>
+        </p:spPr>
+        <p:txBody>
+          <a:bodyPr rot="0" vert="horz" wrap="square" lIns="91440" tIns="45720" rIns="91440" bIns="45720" anchor="t" anchorCtr="0">
+            <a:noAutofit/>
+          </a:bodyPr>
+          <a:lstStyle/>
+          <a:p>
+            <a:pPr>
+              <a:spcAft>
+                <a:spcPts val="0"/>
+              </a:spcAft>
+            </a:pPr>
+            <a:r>
+              <a:rPr lang="en-US" sz="1200" kern="100">
+                <a:effectLst/>
+                <a:latin typeface="Calibri" panose="020F0502020204030204" pitchFamily="34" charset="0"/>
+                <a:ea typeface="新細明體" panose="02020500000000000000" pitchFamily="18" charset="-120"/>
+                <a:cs typeface="Times New Roman" panose="02020603050405020304" pitchFamily="18" charset="0"/>
+              </a:rPr>
+              <a:t> </a:t>
+            </a:r>
+            <a:endParaRPr lang="zh-TW" sz="1200" kern="100">
+              <a:effectLst/>
+              <a:latin typeface="Calibri" panose="020F0502020204030204" pitchFamily="34" charset="0"/>
+              <a:ea typeface="新細明體" panose="02020500000000000000" pitchFamily="18" charset="-120"/>
+              <a:cs typeface="Times New Roman" panose="02020603050405020304" pitchFamily="18" charset="0"/>
+            </a:endParaRPr>
+          </a:p>
+        </p:txBody>
+      </p:sp>
+      <p:sp>
+        <p:nvSpPr>
+          <p:cNvPr id="11" name="文字方塊 2"/>
+          <p:cNvSpPr txBox="1">
+            <a:spLocks noChangeArrowheads="1"/>
+          </p:cNvSpPr>
+          <p:nvPr/>
+        </p:nvSpPr>
+        <p:spPr bwMode="auto">
+          <a:xfrm>
+            <a:off x="5662264" y="4648664"/>
+            <a:ext cx="2085340" cy="323850"/>
+          </a:xfrm>
+          <a:prstGeom prst="rect">
+            <a:avLst/>
+          </a:prstGeom>
+          <a:solidFill>
+            <a:schemeClr val="bg1"/>
+          </a:solidFill>
+          <a:ln w="9525">
+            <a:solidFill>
+              <a:srgbClr val="000000"/>
+            </a:solidFill>
+            <a:miter lim="800000"/>
+            <a:headEnd/>
+            <a:tailEnd/>
+          </a:ln>
+        </p:spPr>
+        <p:txBody>
+          <a:bodyPr rot="0" vert="horz" wrap="square" lIns="91440" tIns="45720" rIns="91440" bIns="45720" anchor="t" anchorCtr="0">
+            <a:noAutofit/>
+          </a:bodyPr>
+          <a:lstStyle/>
+          <a:p>
+            <a:pPr>
+              <a:spcAft>
+                <a:spcPts val="0"/>
+              </a:spcAft>
+            </a:pPr>
+            <a:r>
+              <a:rPr lang="en-US" sz="1200" kern="100">
+                <a:effectLst/>
+                <a:latin typeface="Calibri" panose="020F0502020204030204" pitchFamily="34" charset="0"/>
+                <a:ea typeface="新細明體" panose="02020500000000000000" pitchFamily="18" charset="-120"/>
+                <a:cs typeface="Times New Roman" panose="02020603050405020304" pitchFamily="18" charset="0"/>
+              </a:rPr>
+              <a:t> </a:t>
+            </a:r>
+            <a:endParaRPr lang="zh-TW" sz="1200" kern="100">
+              <a:effectLst/>
+              <a:latin typeface="Calibri" panose="020F0502020204030204" pitchFamily="34" charset="0"/>
+              <a:ea typeface="新細明體" panose="02020500000000000000" pitchFamily="18" charset="-120"/>
+              <a:cs typeface="Times New Roman" panose="02020603050405020304" pitchFamily="18" charset="0"/>
+            </a:endParaRPr>
+          </a:p>
+        </p:txBody>
+      </p:sp>
+      <p:sp>
+        <p:nvSpPr>
+          <p:cNvPr id="12" name="文字方塊 32"/>
+          <p:cNvSpPr txBox="1"/>
+          <p:nvPr/>
+        </p:nvSpPr>
+        <p:spPr>
+          <a:xfrm>
+            <a:off x="4843114" y="3629489"/>
+            <a:ext cx="533400" cy="381000"/>
+          </a:xfrm>
+          <a:prstGeom prst="rect">
+            <a:avLst/>
+          </a:prstGeom>
+          <a:solidFill>
+            <a:srgbClr val="3366FF"/>
+          </a:solidFill>
+          <a:ln w="6350">
+            <a:noFill/>
+          </a:ln>
+          <a:effectLst/>
+        </p:spPr>
+        <p:style>
+          <a:lnRef idx="0">
+            <a:schemeClr val="accent1"/>
+          </a:lnRef>
+          <a:fillRef idx="0">
+            <a:schemeClr val="accent1"/>
+          </a:fillRef>
+          <a:effectRef idx="0">
+            <a:schemeClr val="accent1"/>
+          </a:effectRef>
+          <a:fontRef idx="minor">
+            <a:schemeClr val="dk1"/>
+          </a:fontRef>
+        </p:style>
+        <p:txBody>
+          <a:bodyPr rot="0" spcFirstLastPara="0" vert="horz" wrap="square" lIns="91440" tIns="45720" rIns="91440" bIns="45720" numCol="1" spcCol="0" rtlCol="0" fromWordArt="0" anchor="t" anchorCtr="0" forceAA="0" compatLnSpc="1">
+            <a:prstTxWarp prst="textNoShape">
+              <a:avLst/>
+            </a:prstTxWarp>
+            <a:noAutofit/>
+          </a:bodyPr>
+          <a:lstStyle/>
+          <a:p>
+            <a:pPr>
+              <a:spcAft>
+                <a:spcPts val="0"/>
+              </a:spcAft>
+            </a:pPr>
+            <a:r>
+              <a:rPr lang="zh-TW" sz="1200" kern="100">
+                <a:solidFill>
+                  <a:srgbClr val="FFFFFF"/>
+                </a:solidFill>
+                <a:effectLst/>
+                <a:ea typeface="新細明體" panose="02020500000000000000" pitchFamily="18" charset="-120"/>
+                <a:cs typeface="Times New Roman" panose="02020603050405020304" pitchFamily="18" charset="0"/>
+              </a:rPr>
+              <a:t>密碼</a:t>
+            </a:r>
+            <a:endParaRPr lang="zh-TW" sz="1200" kern="100">
+              <a:effectLst/>
+              <a:ea typeface="新細明體" panose="02020500000000000000" pitchFamily="18" charset="-120"/>
+              <a:cs typeface="Times New Roman" panose="02020603050405020304" pitchFamily="18" charset="0"/>
+            </a:endParaRPr>
+          </a:p>
+        </p:txBody>
+      </p:sp>
+      <p:sp>
+        <p:nvSpPr>
+          <p:cNvPr id="13" name="文字方塊 33"/>
+          <p:cNvSpPr txBox="1"/>
+          <p:nvPr/>
+        </p:nvSpPr>
+        <p:spPr>
+          <a:xfrm>
+            <a:off x="4776439" y="4162889"/>
+            <a:ext cx="819150" cy="381000"/>
+          </a:xfrm>
+          <a:prstGeom prst="rect">
+            <a:avLst/>
+          </a:prstGeom>
+          <a:solidFill>
+            <a:srgbClr val="3366FF"/>
+          </a:solidFill>
+          <a:ln w="6350">
+            <a:noFill/>
+          </a:ln>
+          <a:effectLst/>
+        </p:spPr>
+        <p:style>
+          <a:lnRef idx="0">
+            <a:schemeClr val="accent1"/>
+          </a:lnRef>
+          <a:fillRef idx="0">
+            <a:schemeClr val="accent1"/>
+          </a:fillRef>
+          <a:effectRef idx="0">
+            <a:schemeClr val="accent1"/>
+          </a:effectRef>
+          <a:fontRef idx="minor">
+            <a:schemeClr val="dk1"/>
+          </a:fontRef>
+        </p:style>
+        <p:txBody>
+          <a:bodyPr rot="0" spcFirstLastPara="0" vert="horz" wrap="square" lIns="91440" tIns="45720" rIns="91440" bIns="45720" numCol="1" spcCol="0" rtlCol="0" fromWordArt="0" anchor="t" anchorCtr="0" forceAA="0" compatLnSpc="1">
+            <a:prstTxWarp prst="textNoShape">
+              <a:avLst/>
+            </a:prstTxWarp>
+            <a:noAutofit/>
+          </a:bodyPr>
+          <a:lstStyle/>
+          <a:p>
+            <a:pPr>
+              <a:spcAft>
+                <a:spcPts val="0"/>
+              </a:spcAft>
+            </a:pPr>
+            <a:r>
+              <a:rPr lang="zh-TW" sz="1200" kern="100">
+                <a:solidFill>
+                  <a:srgbClr val="FFFFFF"/>
+                </a:solidFill>
+                <a:effectLst/>
+                <a:ea typeface="新細明體" panose="02020500000000000000" pitchFamily="18" charset="-120"/>
+                <a:cs typeface="Times New Roman" panose="02020603050405020304" pitchFamily="18" charset="0"/>
+              </a:rPr>
+              <a:t>確認密碼</a:t>
+            </a:r>
+            <a:endParaRPr lang="zh-TW" sz="1200" kern="100">
+              <a:effectLst/>
+              <a:ea typeface="新細明體" panose="02020500000000000000" pitchFamily="18" charset="-120"/>
+              <a:cs typeface="Times New Roman" panose="02020603050405020304" pitchFamily="18" charset="0"/>
+            </a:endParaRPr>
+          </a:p>
+        </p:txBody>
+      </p:sp>
+      <p:sp>
+        <p:nvSpPr>
+          <p:cNvPr id="14" name="文字方塊 34"/>
+          <p:cNvSpPr txBox="1"/>
+          <p:nvPr/>
+        </p:nvSpPr>
+        <p:spPr>
+          <a:xfrm>
+            <a:off x="4871689" y="4658189"/>
+            <a:ext cx="533400" cy="381000"/>
+          </a:xfrm>
+          <a:prstGeom prst="rect">
+            <a:avLst/>
+          </a:prstGeom>
+          <a:solidFill>
+            <a:srgbClr val="3366FF"/>
+          </a:solidFill>
+          <a:ln w="6350">
+            <a:noFill/>
+          </a:ln>
+          <a:effectLst/>
+        </p:spPr>
+        <p:style>
+          <a:lnRef idx="0">
+            <a:schemeClr val="accent1"/>
+          </a:lnRef>
+          <a:fillRef idx="0">
+            <a:schemeClr val="accent1"/>
+          </a:fillRef>
+          <a:effectRef idx="0">
+            <a:schemeClr val="accent1"/>
+          </a:effectRef>
+          <a:fontRef idx="minor">
+            <a:schemeClr val="dk1"/>
+          </a:fontRef>
+        </p:style>
+        <p:txBody>
+          <a:bodyPr rot="0" spcFirstLastPara="0" vert="horz" wrap="square" lIns="91440" tIns="45720" rIns="91440" bIns="45720" numCol="1" spcCol="0" rtlCol="0" fromWordArt="0" anchor="t" anchorCtr="0" forceAA="0" compatLnSpc="1">
+            <a:prstTxWarp prst="textNoShape">
+              <a:avLst/>
+            </a:prstTxWarp>
+            <a:noAutofit/>
+          </a:bodyPr>
+          <a:lstStyle/>
+          <a:p>
+            <a:pPr>
+              <a:spcAft>
+                <a:spcPts val="0"/>
+              </a:spcAft>
+            </a:pPr>
+            <a:r>
+              <a:rPr lang="zh-TW" sz="1200" kern="100">
+                <a:solidFill>
+                  <a:srgbClr val="FFFFFF"/>
+                </a:solidFill>
+                <a:effectLst/>
+                <a:ea typeface="新細明體" panose="02020500000000000000" pitchFamily="18" charset="-120"/>
+                <a:cs typeface="Times New Roman" panose="02020603050405020304" pitchFamily="18" charset="0"/>
+              </a:rPr>
+              <a:t>信箱</a:t>
+            </a:r>
+            <a:endParaRPr lang="zh-TW" sz="1200" kern="100">
+              <a:effectLst/>
+              <a:ea typeface="新細明體" panose="02020500000000000000" pitchFamily="18" charset="-120"/>
+              <a:cs typeface="Times New Roman" panose="02020603050405020304" pitchFamily="18" charset="0"/>
+            </a:endParaRPr>
+          </a:p>
+        </p:txBody>
+      </p:sp>
+      <p:sp>
+        <p:nvSpPr>
+          <p:cNvPr id="15" name="文字方塊 35"/>
+          <p:cNvSpPr txBox="1"/>
+          <p:nvPr/>
+        </p:nvSpPr>
+        <p:spPr>
+          <a:xfrm>
+            <a:off x="5728939" y="5315414"/>
+            <a:ext cx="600075" cy="323850"/>
+          </a:xfrm>
+          <a:prstGeom prst="rect">
+            <a:avLst/>
+          </a:prstGeom>
+          <a:solidFill>
+            <a:schemeClr val="bg1"/>
+          </a:solidFill>
+          <a:ln w="6350">
+            <a:solidFill>
+              <a:prstClr val="black"/>
+            </a:solidFill>
+          </a:ln>
+          <a:effectLst/>
+        </p:spPr>
+        <p:style>
+          <a:lnRef idx="0">
+            <a:schemeClr val="accent1"/>
+          </a:lnRef>
+          <a:fillRef idx="0">
+            <a:schemeClr val="accent1"/>
+          </a:fillRef>
+          <a:effectRef idx="0">
+            <a:schemeClr val="accent1"/>
+          </a:effectRef>
+          <a:fontRef idx="minor">
+            <a:schemeClr val="dk1"/>
+          </a:fontRef>
+        </p:style>
+        <p:txBody>
+          <a:bodyPr rot="0" spcFirstLastPara="0" vert="horz" wrap="square" lIns="91440" tIns="45720" rIns="91440" bIns="45720" numCol="1" spcCol="0" rtlCol="0" fromWordArt="0" anchor="t" anchorCtr="0" forceAA="0" compatLnSpc="1">
+            <a:prstTxWarp prst="textNoShape">
+              <a:avLst/>
+            </a:prstTxWarp>
+            <a:noAutofit/>
+          </a:bodyPr>
+          <a:lstStyle/>
+          <a:p>
+            <a:pPr>
+              <a:spcAft>
+                <a:spcPts val="0"/>
+              </a:spcAft>
+            </a:pPr>
+            <a:r>
+              <a:rPr lang="zh-TW" sz="1200" kern="100">
+                <a:effectLst/>
+                <a:ea typeface="新細明體" panose="02020500000000000000" pitchFamily="18" charset="-120"/>
+                <a:cs typeface="Times New Roman" panose="02020603050405020304" pitchFamily="18" charset="0"/>
+              </a:rPr>
+              <a:t>送出</a:t>
+            </a:r>
+          </a:p>
+        </p:txBody>
+      </p:sp>
+      <p:sp>
+        <p:nvSpPr>
+          <p:cNvPr id="16" name="文字方塊 36"/>
+          <p:cNvSpPr txBox="1"/>
+          <p:nvPr/>
+        </p:nvSpPr>
+        <p:spPr>
+          <a:xfrm>
+            <a:off x="6452839" y="5315414"/>
+            <a:ext cx="590550" cy="285750"/>
+          </a:xfrm>
+          <a:prstGeom prst="rect">
+            <a:avLst/>
+          </a:prstGeom>
+          <a:solidFill>
+            <a:schemeClr val="bg1"/>
+          </a:solidFill>
+          <a:ln w="6350">
+            <a:solidFill>
+              <a:prstClr val="black"/>
+            </a:solidFill>
+          </a:ln>
+          <a:effectLst/>
+        </p:spPr>
+        <p:style>
+          <a:lnRef idx="0">
+            <a:schemeClr val="accent1"/>
+          </a:lnRef>
+          <a:fillRef idx="0">
+            <a:schemeClr val="accent1"/>
+          </a:fillRef>
+          <a:effectRef idx="0">
+            <a:schemeClr val="accent1"/>
+          </a:effectRef>
+          <a:fontRef idx="minor">
+            <a:schemeClr val="dk1"/>
+          </a:fontRef>
+        </p:style>
+        <p:txBody>
+          <a:bodyPr rot="0" spcFirstLastPara="0" vert="horz" wrap="square" lIns="91440" tIns="45720" rIns="91440" bIns="45720" numCol="1" spcCol="0" rtlCol="0" fromWordArt="0" anchor="t" anchorCtr="0" forceAA="0" compatLnSpc="1">
+            <a:prstTxWarp prst="textNoShape">
+              <a:avLst/>
+            </a:prstTxWarp>
+            <a:noAutofit/>
+          </a:bodyPr>
+          <a:lstStyle/>
+          <a:p>
+            <a:pPr>
+              <a:spcAft>
+                <a:spcPts val="0"/>
+              </a:spcAft>
+            </a:pPr>
+            <a:r>
+              <a:rPr lang="zh-TW" sz="1200" kern="100">
+                <a:effectLst/>
+                <a:ea typeface="新細明體" panose="02020500000000000000" pitchFamily="18" charset="-120"/>
+                <a:cs typeface="Times New Roman" panose="02020603050405020304" pitchFamily="18" charset="0"/>
+              </a:rPr>
+              <a:t>清除</a:t>
+            </a:r>
           </a:p>
         </p:txBody>
       </p:sp>
     </p:spTree>
     <p:extLst>
       <p:ext uri="{BB962C8B-B14F-4D97-AF65-F5344CB8AC3E}">
-        <p14:creationId xmlns:p14="http://schemas.microsoft.com/office/powerpoint/2010/main" val="2287051180"/>
+        <p14:creationId xmlns:p14="http://schemas.microsoft.com/office/powerpoint/2010/main" val="209318394"/>
       </p:ext>
     </p:extLst>
   </p:cSld>
@@ -10086,9 +11601,22 @@
           <a:lstStyle/>
           <a:p>
             <a:r>
-              <a:rPr lang="zh-TW" altLang="en-US" dirty="0"/>
-              <a:t>操作故事</a:t>
-            </a:r>
+              <a:rPr lang="en-US" altLang="zh-TW" dirty="0"/>
+              <a:t>Wire </a:t>
+            </a:r>
+            <a:r>
+              <a:rPr lang="en-US" altLang="zh-TW" dirty="0" smtClean="0"/>
+              <a:t>Frame</a:t>
+            </a:r>
+            <a:r>
+              <a:rPr lang="zh-TW" altLang="en-US" baseline="-25000" dirty="0" smtClean="0"/>
+              <a:t>搜尋列</a:t>
+            </a:r>
+            <a:r>
+              <a:rPr lang="zh-TW" altLang="en-US" baseline="-25000" dirty="0"/>
+              <a:t>表</a:t>
+            </a:r>
+            <a:endParaRPr lang="zh-TW" altLang="en-US" dirty="0"/>
           </a:p>
         </p:txBody>
       </p:sp>
@@ -10107,56 +11635,571 @@
           <a:bodyPr/>
           <a:lstStyle/>
           <a:p>
-            <a:r>
-              <a:rPr lang="zh-TW" altLang="en-US" b="1" dirty="0"/>
-              <a:t>毛毛和朋友相約今晚一起去咖啡館做小組報告，但大家不知道哪裡有合適的店家。</a:t>
-            </a:r>
-            <a:endParaRPr lang="en-US" altLang="zh-TW" b="1" dirty="0"/>
-          </a:p>
-          <a:p>
-            <a:endParaRPr lang="en-US" altLang="zh-TW" b="1" dirty="0"/>
-          </a:p>
-          <a:p>
-            <a:r>
-              <a:rPr lang="zh-TW" altLang="en-US" b="1" dirty="0"/>
-              <a:t>毛毛在網路上發現了便利的</a:t>
-            </a:r>
-            <a:r>
-              <a:rPr lang="en-US" altLang="zh-TW" b="1" dirty="0" err="1"/>
-              <a:t>YelpBlaBla</a:t>
-            </a:r>
-            <a:r>
-              <a:rPr lang="zh-TW" altLang="en-US" b="1" dirty="0"/>
-              <a:t>能夠查詢店家，於是想要在上面註冊屬於自己的帳戶</a:t>
-            </a:r>
-            <a:r>
-              <a:rPr lang="zh-TW" altLang="en-US" b="1" dirty="0" smtClean="0"/>
-              <a:t>。</a:t>
-            </a:r>
-            <a:endParaRPr lang="en-US" altLang="zh-TW" b="1" dirty="0" smtClean="0"/>
-          </a:p>
-          <a:p>
-            <a:endParaRPr lang="en-US" altLang="zh-TW" b="1" dirty="0" smtClean="0"/>
-          </a:p>
-          <a:p>
-            <a:r>
-              <a:rPr lang="zh-TW" altLang="en-US" b="1" dirty="0"/>
-              <a:t>毛毛來到了註冊頁面，輸入了自己的「帳號」 「密碼」 「生日」 「姓名」 「使用者名稱」，成功創辦個人帳戶。</a:t>
-            </a:r>
-            <a:endParaRPr lang="en-US" altLang="zh-TW" b="1" dirty="0"/>
-          </a:p>
-          <a:p>
-            <a:endParaRPr lang="en-US" altLang="zh-TW" b="1" dirty="0"/>
-          </a:p>
-          <a:p>
             <a:endParaRPr lang="zh-TW" altLang="en-US" dirty="0"/>
+          </a:p>
+        </p:txBody>
+      </p:sp>
+      <p:sp>
+        <p:nvSpPr>
+          <p:cNvPr id="4" name="矩形 3"/>
+          <p:cNvSpPr/>
+          <p:nvPr/>
+        </p:nvSpPr>
+        <p:spPr>
+          <a:xfrm>
+            <a:off x="3725437" y="2348493"/>
+            <a:ext cx="5410200" cy="3409950"/>
+          </a:xfrm>
+          <a:prstGeom prst="rect">
+            <a:avLst/>
+          </a:prstGeom>
+          <a:solidFill>
+            <a:srgbClr val="3366FF"/>
+          </a:solidFill>
+        </p:spPr>
+        <p:style>
+          <a:lnRef idx="2">
+            <a:schemeClr val="accent1">
+              <a:shade val="50000"/>
+            </a:schemeClr>
+          </a:lnRef>
+          <a:fillRef idx="1">
+            <a:schemeClr val="accent1"/>
+          </a:fillRef>
+          <a:effectRef idx="0">
+            <a:schemeClr val="accent1"/>
+          </a:effectRef>
+          <a:fontRef idx="minor">
+            <a:schemeClr val="lt1"/>
+          </a:fontRef>
+        </p:style>
+        <p:txBody>
+          <a:bodyPr rot="0" spcFirstLastPara="0" vert="horz" wrap="square" lIns="91440" tIns="45720" rIns="91440" bIns="45720" numCol="1" spcCol="0" rtlCol="0" fromWordArt="0" anchor="ctr" anchorCtr="0" forceAA="0" compatLnSpc="1">
+            <a:prstTxWarp prst="textNoShape">
+              <a:avLst/>
+            </a:prstTxWarp>
+            <a:noAutofit/>
+          </a:bodyPr>
+          <a:lstStyle/>
+          <a:p>
+            <a:endParaRPr lang="zh-TW" altLang="en-US"/>
+          </a:p>
+        </p:txBody>
+      </p:sp>
+      <p:sp>
+        <p:nvSpPr>
+          <p:cNvPr id="5" name="文字方塊 7"/>
+          <p:cNvSpPr txBox="1"/>
+          <p:nvPr/>
+        </p:nvSpPr>
+        <p:spPr>
+          <a:xfrm>
+            <a:off x="3725437" y="2348493"/>
+            <a:ext cx="2314575" cy="714375"/>
+          </a:xfrm>
+          <a:prstGeom prst="rect">
+            <a:avLst/>
+          </a:prstGeom>
+          <a:solidFill>
+            <a:srgbClr val="3366FF"/>
+          </a:solidFill>
+          <a:ln w="6350">
+            <a:noFill/>
+          </a:ln>
+          <a:effectLst/>
+        </p:spPr>
+        <p:style>
+          <a:lnRef idx="0">
+            <a:schemeClr val="accent1"/>
+          </a:lnRef>
+          <a:fillRef idx="0">
+            <a:schemeClr val="accent1"/>
+          </a:fillRef>
+          <a:effectRef idx="0">
+            <a:schemeClr val="accent1"/>
+          </a:effectRef>
+          <a:fontRef idx="minor">
+            <a:schemeClr val="dk1"/>
+          </a:fontRef>
+        </p:style>
+        <p:txBody>
+          <a:bodyPr rot="0" spcFirstLastPara="0" vert="horz" wrap="square" lIns="91440" tIns="45720" rIns="91440" bIns="45720" numCol="1" spcCol="0" rtlCol="0" fromWordArt="0" anchor="t" anchorCtr="0" forceAA="0" compatLnSpc="1">
+            <a:prstTxWarp prst="textNoShape">
+              <a:avLst/>
+            </a:prstTxWarp>
+            <a:noAutofit/>
+          </a:bodyPr>
+          <a:lstStyle/>
+          <a:p>
+            <a:pPr>
+              <a:spcAft>
+                <a:spcPts val="0"/>
+              </a:spcAft>
+            </a:pPr>
+            <a:r>
+              <a:rPr lang="en-US" sz="2400" kern="100">
+                <a:solidFill>
+                  <a:srgbClr val="FFFFFF"/>
+                </a:solidFill>
+                <a:effectLst/>
+                <a:ea typeface="新細明體" panose="02020500000000000000" pitchFamily="18" charset="-120"/>
+                <a:cs typeface="Times New Roman" panose="02020603050405020304" pitchFamily="18" charset="0"/>
+              </a:rPr>
+              <a:t>Yelp Bla Bla</a:t>
+            </a:r>
+            <a:endParaRPr lang="zh-TW" sz="1200" kern="100">
+              <a:effectLst/>
+              <a:ea typeface="新細明體" panose="02020500000000000000" pitchFamily="18" charset="-120"/>
+              <a:cs typeface="Times New Roman" panose="02020603050405020304" pitchFamily="18" charset="0"/>
+            </a:endParaRPr>
+          </a:p>
+        </p:txBody>
+      </p:sp>
+      <p:sp>
+        <p:nvSpPr>
+          <p:cNvPr id="6" name="文字方塊 9"/>
+          <p:cNvSpPr txBox="1"/>
+          <p:nvPr/>
+        </p:nvSpPr>
+        <p:spPr>
+          <a:xfrm>
+            <a:off x="6180347" y="2424693"/>
+            <a:ext cx="2819400" cy="390525"/>
+          </a:xfrm>
+          <a:prstGeom prst="rect">
+            <a:avLst/>
+          </a:prstGeom>
+          <a:solidFill>
+            <a:srgbClr val="3366FF"/>
+          </a:solidFill>
+          <a:ln w="6350">
+            <a:noFill/>
+          </a:ln>
+          <a:effectLst/>
+        </p:spPr>
+        <p:style>
+          <a:lnRef idx="0">
+            <a:schemeClr val="accent1"/>
+          </a:lnRef>
+          <a:fillRef idx="0">
+            <a:schemeClr val="accent1"/>
+          </a:fillRef>
+          <a:effectRef idx="0">
+            <a:schemeClr val="accent1"/>
+          </a:effectRef>
+          <a:fontRef idx="minor">
+            <a:schemeClr val="dk1"/>
+          </a:fontRef>
+        </p:style>
+        <p:txBody>
+          <a:bodyPr rot="0" spcFirstLastPara="0" vert="horz" wrap="square" lIns="91440" tIns="45720" rIns="91440" bIns="45720" numCol="1" spcCol="0" rtlCol="0" fromWordArt="0" anchor="t" anchorCtr="0" forceAA="0" compatLnSpc="1">
+            <a:prstTxWarp prst="textNoShape">
+              <a:avLst/>
+            </a:prstTxWarp>
+            <a:noAutofit/>
+          </a:bodyPr>
+          <a:lstStyle/>
+          <a:p>
+            <a:pPr indent="228600">
+              <a:spcAft>
+                <a:spcPts val="0"/>
+              </a:spcAft>
+            </a:pPr>
+            <a:r>
+              <a:rPr lang="zh-TW" sz="1200" kern="100">
+                <a:solidFill>
+                  <a:srgbClr val="FFFFFF"/>
+                </a:solidFill>
+                <a:effectLst/>
+                <a:ea typeface="新細明體" panose="02020500000000000000" pitchFamily="18" charset="-120"/>
+                <a:cs typeface="Times New Roman" panose="02020603050405020304" pitchFamily="18" charset="0"/>
+              </a:rPr>
+              <a:t>收藏</a:t>
+            </a:r>
+            <a:r>
+              <a:rPr lang="en-US" sz="1200" kern="100">
+                <a:solidFill>
+                  <a:srgbClr val="FFFFFF"/>
+                </a:solidFill>
+                <a:effectLst/>
+                <a:ea typeface="新細明體" panose="02020500000000000000" pitchFamily="18" charset="-120"/>
+                <a:cs typeface="Times New Roman" panose="02020603050405020304" pitchFamily="18" charset="0"/>
+              </a:rPr>
+              <a:t>        </a:t>
+            </a:r>
+            <a:r>
+              <a:rPr lang="zh-TW" sz="1200" kern="100">
+                <a:solidFill>
+                  <a:srgbClr val="FFFFFF"/>
+                </a:solidFill>
+                <a:effectLst/>
+                <a:ea typeface="新細明體" panose="02020500000000000000" pitchFamily="18" charset="-120"/>
+                <a:cs typeface="Times New Roman" panose="02020603050405020304" pitchFamily="18" charset="0"/>
+              </a:rPr>
+              <a:t>登出</a:t>
+            </a:r>
+            <a:r>
+              <a:rPr lang="en-US" sz="1200" kern="100">
+                <a:solidFill>
+                  <a:srgbClr val="FFFFFF"/>
+                </a:solidFill>
+                <a:effectLst/>
+                <a:ea typeface="新細明體" panose="02020500000000000000" pitchFamily="18" charset="-120"/>
+                <a:cs typeface="Times New Roman" panose="02020603050405020304" pitchFamily="18" charset="0"/>
+              </a:rPr>
+              <a:t>         </a:t>
+            </a:r>
+            <a:r>
+              <a:rPr lang="zh-TW" sz="1200" kern="100">
+                <a:solidFill>
+                  <a:srgbClr val="FFFFFF"/>
+                </a:solidFill>
+                <a:effectLst/>
+                <a:ea typeface="新細明體" panose="02020500000000000000" pitchFamily="18" charset="-120"/>
+                <a:cs typeface="Times New Roman" panose="02020603050405020304" pitchFamily="18" charset="0"/>
+              </a:rPr>
+              <a:t>註冊</a:t>
+            </a:r>
+            <a:endParaRPr lang="zh-TW" sz="1200" kern="100">
+              <a:effectLst/>
+              <a:ea typeface="新細明體" panose="02020500000000000000" pitchFamily="18" charset="-120"/>
+              <a:cs typeface="Times New Roman" panose="02020603050405020304" pitchFamily="18" charset="0"/>
+            </a:endParaRPr>
+          </a:p>
+        </p:txBody>
+      </p:sp>
+      <p:sp>
+        <p:nvSpPr>
+          <p:cNvPr id="7" name="文字方塊 2"/>
+          <p:cNvSpPr txBox="1">
+            <a:spLocks noChangeArrowheads="1"/>
+          </p:cNvSpPr>
+          <p:nvPr/>
+        </p:nvSpPr>
+        <p:spPr bwMode="auto">
+          <a:xfrm>
+            <a:off x="5973337" y="3262893"/>
+            <a:ext cx="2324100" cy="914400"/>
+          </a:xfrm>
+          <a:prstGeom prst="rect">
+            <a:avLst/>
+          </a:prstGeom>
+          <a:solidFill>
+            <a:srgbClr val="FFFFFF"/>
+          </a:solidFill>
+          <a:ln w="9525">
+            <a:solidFill>
+              <a:srgbClr val="000000"/>
+            </a:solidFill>
+            <a:miter lim="800000"/>
+            <a:headEnd/>
+            <a:tailEnd/>
+          </a:ln>
+        </p:spPr>
+        <p:txBody>
+          <a:bodyPr rot="0" vert="horz" wrap="square" lIns="91440" tIns="45720" rIns="91440" bIns="45720" anchor="t" anchorCtr="0">
+            <a:noAutofit/>
+          </a:bodyPr>
+          <a:lstStyle/>
+          <a:p>
+            <a:pPr>
+              <a:spcAft>
+                <a:spcPts val="0"/>
+              </a:spcAft>
+            </a:pPr>
+            <a:r>
+              <a:rPr lang="zh-TW" sz="1200" kern="100">
+                <a:effectLst/>
+                <a:latin typeface="Calibri" panose="020F0502020204030204" pitchFamily="34" charset="0"/>
+                <a:ea typeface="新細明體" panose="02020500000000000000" pitchFamily="18" charset="-120"/>
+                <a:cs typeface="Times New Roman" panose="02020603050405020304" pitchFamily="18" charset="0"/>
+              </a:rPr>
+              <a:t>店名</a:t>
+            </a:r>
+          </a:p>
+          <a:p>
+            <a:pPr>
+              <a:spcAft>
+                <a:spcPts val="0"/>
+              </a:spcAft>
+            </a:pPr>
+            <a:r>
+              <a:rPr lang="zh-TW" sz="1200" kern="100">
+                <a:effectLst/>
+                <a:latin typeface="Calibri" panose="020F0502020204030204" pitchFamily="34" charset="0"/>
+                <a:ea typeface="新細明體" panose="02020500000000000000" pitchFamily="18" charset="-120"/>
+                <a:cs typeface="Times New Roman" panose="02020603050405020304" pitchFamily="18" charset="0"/>
+              </a:rPr>
+              <a:t>電話</a:t>
+            </a:r>
+          </a:p>
+          <a:p>
+            <a:pPr>
+              <a:spcAft>
+                <a:spcPts val="0"/>
+              </a:spcAft>
+            </a:pPr>
+            <a:r>
+              <a:rPr lang="zh-TW" sz="1200" kern="100">
+                <a:effectLst/>
+                <a:latin typeface="Calibri" panose="020F0502020204030204" pitchFamily="34" charset="0"/>
+                <a:ea typeface="新細明體" panose="02020500000000000000" pitchFamily="18" charset="-120"/>
+                <a:cs typeface="Times New Roman" panose="02020603050405020304" pitchFamily="18" charset="0"/>
+              </a:rPr>
+              <a:t>評分 </a:t>
+            </a:r>
+            <a:r>
+              <a:rPr lang="en-US" sz="1200" kern="100">
+                <a:effectLst/>
+                <a:latin typeface="Calibri" panose="020F0502020204030204" pitchFamily="34" charset="0"/>
+                <a:ea typeface="新細明體" panose="02020500000000000000" pitchFamily="18" charset="-120"/>
+                <a:cs typeface="Times New Roman" panose="02020603050405020304" pitchFamily="18" charset="0"/>
+              </a:rPr>
+              <a:t>                 </a:t>
+            </a:r>
+            <a:r>
+              <a:rPr lang="zh-TW" sz="1200" kern="100">
+                <a:effectLst/>
+                <a:latin typeface="Calibri" panose="020F0502020204030204" pitchFamily="34" charset="0"/>
+                <a:ea typeface="新細明體" panose="02020500000000000000" pitchFamily="18" charset="-120"/>
+                <a:cs typeface="Times New Roman" panose="02020603050405020304" pitchFamily="18" charset="0"/>
+              </a:rPr>
+              <a:t>收藏</a:t>
+            </a:r>
+          </a:p>
+        </p:txBody>
+      </p:sp>
+      <p:sp>
+        <p:nvSpPr>
+          <p:cNvPr id="8" name="文字方塊 11"/>
+          <p:cNvSpPr txBox="1"/>
+          <p:nvPr/>
+        </p:nvSpPr>
+        <p:spPr>
+          <a:xfrm>
+            <a:off x="4782712" y="3262893"/>
+            <a:ext cx="1200150" cy="914400"/>
+          </a:xfrm>
+          <a:prstGeom prst="rect">
+            <a:avLst/>
+          </a:prstGeom>
+          <a:solidFill>
+            <a:schemeClr val="lt1"/>
+          </a:solidFill>
+          <a:ln w="6350">
+            <a:solidFill>
+              <a:prstClr val="black"/>
+            </a:solidFill>
+          </a:ln>
+          <a:effectLst/>
+        </p:spPr>
+        <p:style>
+          <a:lnRef idx="0">
+            <a:schemeClr val="accent1"/>
+          </a:lnRef>
+          <a:fillRef idx="0">
+            <a:schemeClr val="accent1"/>
+          </a:fillRef>
+          <a:effectRef idx="0">
+            <a:schemeClr val="accent1"/>
+          </a:effectRef>
+          <a:fontRef idx="minor">
+            <a:schemeClr val="dk1"/>
+          </a:fontRef>
+        </p:style>
+        <p:txBody>
+          <a:bodyPr rot="0" spcFirstLastPara="0" vert="horz" wrap="square" lIns="91440" tIns="45720" rIns="91440" bIns="45720" numCol="1" spcCol="0" rtlCol="0" fromWordArt="0" anchor="t" anchorCtr="0" forceAA="0" compatLnSpc="1">
+            <a:prstTxWarp prst="textNoShape">
+              <a:avLst/>
+            </a:prstTxWarp>
+            <a:noAutofit/>
+          </a:bodyPr>
+          <a:lstStyle/>
+          <a:p>
+            <a:pPr>
+              <a:spcAft>
+                <a:spcPts val="0"/>
+              </a:spcAft>
+            </a:pPr>
+            <a:r>
+              <a:rPr lang="zh-TW" sz="1200" kern="100">
+                <a:effectLst/>
+                <a:ea typeface="新細明體" panose="02020500000000000000" pitchFamily="18" charset="-120"/>
+                <a:cs typeface="Times New Roman" panose="02020603050405020304" pitchFamily="18" charset="0"/>
+              </a:rPr>
+              <a:t>圖片</a:t>
+            </a:r>
+          </a:p>
+        </p:txBody>
+      </p:sp>
+      <p:sp>
+        <p:nvSpPr>
+          <p:cNvPr id="9" name="文字方塊 13"/>
+          <p:cNvSpPr txBox="1"/>
+          <p:nvPr/>
+        </p:nvSpPr>
+        <p:spPr>
+          <a:xfrm>
+            <a:off x="4782712" y="4167768"/>
+            <a:ext cx="1200150" cy="885825"/>
+          </a:xfrm>
+          <a:prstGeom prst="rect">
+            <a:avLst/>
+          </a:prstGeom>
+          <a:solidFill>
+            <a:schemeClr val="lt1"/>
+          </a:solidFill>
+          <a:ln w="6350">
+            <a:solidFill>
+              <a:prstClr val="black"/>
+            </a:solidFill>
+          </a:ln>
+          <a:effectLst/>
+        </p:spPr>
+        <p:style>
+          <a:lnRef idx="0">
+            <a:schemeClr val="accent1"/>
+          </a:lnRef>
+          <a:fillRef idx="0">
+            <a:schemeClr val="accent1"/>
+          </a:fillRef>
+          <a:effectRef idx="0">
+            <a:schemeClr val="accent1"/>
+          </a:effectRef>
+          <a:fontRef idx="minor">
+            <a:schemeClr val="dk1"/>
+          </a:fontRef>
+        </p:style>
+        <p:txBody>
+          <a:bodyPr rot="0" spcFirstLastPara="0" vert="horz" wrap="square" lIns="91440" tIns="45720" rIns="91440" bIns="45720" numCol="1" spcCol="0" rtlCol="0" fromWordArt="0" anchor="t" anchorCtr="0" forceAA="0" compatLnSpc="1">
+            <a:prstTxWarp prst="textNoShape">
+              <a:avLst/>
+            </a:prstTxWarp>
+            <a:noAutofit/>
+          </a:bodyPr>
+          <a:lstStyle/>
+          <a:p>
+            <a:pPr>
+              <a:spcAft>
+                <a:spcPts val="0"/>
+              </a:spcAft>
+            </a:pPr>
+            <a:r>
+              <a:rPr lang="zh-TW" sz="1200" kern="100">
+                <a:effectLst/>
+                <a:ea typeface="新細明體" panose="02020500000000000000" pitchFamily="18" charset="-120"/>
+                <a:cs typeface="Times New Roman" panose="02020603050405020304" pitchFamily="18" charset="0"/>
+              </a:rPr>
+              <a:t>圖片</a:t>
+            </a:r>
+          </a:p>
+        </p:txBody>
+      </p:sp>
+      <p:sp>
+        <p:nvSpPr>
+          <p:cNvPr id="10" name="文字方塊 2"/>
+          <p:cNvSpPr txBox="1">
+            <a:spLocks noChangeArrowheads="1"/>
+          </p:cNvSpPr>
+          <p:nvPr/>
+        </p:nvSpPr>
+        <p:spPr bwMode="auto">
+          <a:xfrm>
+            <a:off x="5982862" y="4148718"/>
+            <a:ext cx="2324100" cy="914400"/>
+          </a:xfrm>
+          <a:prstGeom prst="rect">
+            <a:avLst/>
+          </a:prstGeom>
+          <a:solidFill>
+            <a:srgbClr val="FFFFFF"/>
+          </a:solidFill>
+          <a:ln w="9525">
+            <a:solidFill>
+              <a:srgbClr val="000000"/>
+            </a:solidFill>
+            <a:miter lim="800000"/>
+            <a:headEnd/>
+            <a:tailEnd/>
+          </a:ln>
+        </p:spPr>
+        <p:txBody>
+          <a:bodyPr rot="0" vert="horz" wrap="square" lIns="91440" tIns="45720" rIns="91440" bIns="45720" anchor="t" anchorCtr="0">
+            <a:noAutofit/>
+          </a:bodyPr>
+          <a:lstStyle/>
+          <a:p>
+            <a:pPr>
+              <a:spcAft>
+                <a:spcPts val="0"/>
+              </a:spcAft>
+            </a:pPr>
+            <a:r>
+              <a:rPr lang="zh-TW" sz="1200" kern="100">
+                <a:effectLst/>
+                <a:latin typeface="Calibri" panose="020F0502020204030204" pitchFamily="34" charset="0"/>
+                <a:ea typeface="新細明體" panose="02020500000000000000" pitchFamily="18" charset="-120"/>
+                <a:cs typeface="Times New Roman" panose="02020603050405020304" pitchFamily="18" charset="0"/>
+              </a:rPr>
+              <a:t>店名</a:t>
+            </a:r>
+          </a:p>
+          <a:p>
+            <a:pPr>
+              <a:spcAft>
+                <a:spcPts val="0"/>
+              </a:spcAft>
+            </a:pPr>
+            <a:r>
+              <a:rPr lang="zh-TW" sz="1200" kern="100">
+                <a:effectLst/>
+                <a:latin typeface="Calibri" panose="020F0502020204030204" pitchFamily="34" charset="0"/>
+                <a:ea typeface="新細明體" panose="02020500000000000000" pitchFamily="18" charset="-120"/>
+                <a:cs typeface="Times New Roman" panose="02020603050405020304" pitchFamily="18" charset="0"/>
+              </a:rPr>
+              <a:t>電話</a:t>
+            </a:r>
+          </a:p>
+          <a:p>
+            <a:pPr>
+              <a:spcAft>
+                <a:spcPts val="0"/>
+              </a:spcAft>
+            </a:pPr>
+            <a:r>
+              <a:rPr lang="zh-TW" sz="1200" kern="100">
+                <a:effectLst/>
+                <a:latin typeface="Calibri" panose="020F0502020204030204" pitchFamily="34" charset="0"/>
+                <a:ea typeface="新細明體" panose="02020500000000000000" pitchFamily="18" charset="-120"/>
+                <a:cs typeface="Times New Roman" panose="02020603050405020304" pitchFamily="18" charset="0"/>
+              </a:rPr>
+              <a:t>評分 </a:t>
+            </a:r>
+            <a:r>
+              <a:rPr lang="en-US" sz="1200" kern="100">
+                <a:effectLst/>
+                <a:latin typeface="Calibri" panose="020F0502020204030204" pitchFamily="34" charset="0"/>
+                <a:ea typeface="新細明體" panose="02020500000000000000" pitchFamily="18" charset="-120"/>
+                <a:cs typeface="Times New Roman" panose="02020603050405020304" pitchFamily="18" charset="0"/>
+              </a:rPr>
+              <a:t>                 </a:t>
+            </a:r>
+            <a:r>
+              <a:rPr lang="zh-TW" sz="1200" kern="100">
+                <a:effectLst/>
+                <a:latin typeface="Calibri" panose="020F0502020204030204" pitchFamily="34" charset="0"/>
+                <a:ea typeface="新細明體" panose="02020500000000000000" pitchFamily="18" charset="-120"/>
+                <a:cs typeface="Times New Roman" panose="02020603050405020304" pitchFamily="18" charset="0"/>
+              </a:rPr>
+              <a:t>收藏</a:t>
+            </a:r>
           </a:p>
         </p:txBody>
       </p:sp>
     </p:spTree>
     <p:extLst>
       <p:ext uri="{BB962C8B-B14F-4D97-AF65-F5344CB8AC3E}">
-        <p14:creationId xmlns:p14="http://schemas.microsoft.com/office/powerpoint/2010/main" val="390165831"/>
+        <p14:creationId xmlns:p14="http://schemas.microsoft.com/office/powerpoint/2010/main" val="534271679"/>
       </p:ext>
     </p:extLst>
   </p:cSld>
@@ -10199,9 +12242,18 @@
           <a:lstStyle/>
           <a:p>
             <a:r>
-              <a:rPr lang="zh-TW" altLang="en-US" dirty="0"/>
-              <a:t>操作故事</a:t>
-            </a:r>
+              <a:rPr lang="en-US" altLang="zh-TW" dirty="0"/>
+              <a:t>Wire Frame</a:t>
+            </a:r>
+            <a:r>
+              <a:rPr lang="zh-TW" altLang="en-US" baseline="-25000" dirty="0" smtClean="0"/>
+              <a:t>搜尋詳細</a:t>
+            </a:r>
+            <a:r>
+              <a:rPr lang="zh-TW" altLang="en-US" baseline="-25000" dirty="0"/>
+              <a:t>資訊</a:t>
+            </a:r>
+            <a:endParaRPr lang="zh-TW" altLang="en-US" dirty="0"/>
           </a:p>
         </p:txBody>
       </p:sp>
@@ -10221,86 +12273,645 @@
           <a:lstStyle/>
           <a:p>
             <a:r>
-              <a:rPr lang="zh-TW" altLang="en-US" b="1" dirty="0"/>
-              <a:t>毛毛註冊完帳戶後，便來到登入頁面輸入剛剛設定的帳號密碼，成功登入了自己的帳戶。</a:t>
-            </a:r>
-          </a:p>
-          <a:p>
-            <a:endParaRPr lang="en-US" altLang="zh-TW" dirty="0" smtClean="0"/>
-          </a:p>
-          <a:p>
-            <a:r>
-              <a:rPr lang="zh-TW" altLang="en-US" b="1" dirty="0" smtClean="0"/>
-              <a:t>她在</a:t>
-            </a:r>
-            <a:r>
-              <a:rPr lang="en-US" altLang="zh-TW" b="1" dirty="0" err="1"/>
-              <a:t>YelpBlaBla</a:t>
-            </a:r>
-            <a:r>
-              <a:rPr lang="zh-TW" altLang="en-US" b="1" dirty="0"/>
-              <a:t>首頁的搜尋欄輸入：</a:t>
-            </a:r>
-            <a:r>
-              <a:rPr lang="en-US" altLang="zh-TW" b="1" dirty="0"/>
-              <a:t>Starbucks</a:t>
-            </a:r>
-            <a:r>
-              <a:rPr lang="zh-TW" altLang="en-US" b="1" dirty="0"/>
-              <a:t>，並按下</a:t>
-            </a:r>
-            <a:r>
-              <a:rPr lang="en-US" altLang="zh-TW" b="1" dirty="0"/>
-              <a:t>SEARCH</a:t>
-            </a:r>
-            <a:r>
-              <a:rPr lang="zh-TW" altLang="en-US" b="1" dirty="0"/>
-              <a:t>按鈕</a:t>
-            </a:r>
-            <a:r>
-              <a:rPr lang="zh-TW" altLang="en-US" b="1" dirty="0" smtClean="0"/>
-              <a:t>。</a:t>
-            </a:r>
-            <a:endParaRPr lang="en-US" altLang="zh-TW" b="1" dirty="0" smtClean="0"/>
-          </a:p>
-          <a:p>
-            <a:endParaRPr lang="en-US" altLang="zh-TW" b="1" dirty="0"/>
-          </a:p>
-          <a:p>
-            <a:r>
-              <a:rPr lang="zh-TW" altLang="en-US" b="1" dirty="0"/>
-              <a:t>搜尋結果頁面顯示出附近幾間</a:t>
-            </a:r>
-            <a:r>
-              <a:rPr lang="en-US" altLang="zh-TW" b="1" dirty="0"/>
-              <a:t>Starbucks</a:t>
-            </a:r>
-            <a:r>
-              <a:rPr lang="zh-TW" altLang="en-US" b="1" dirty="0"/>
-              <a:t>的店家名稱、評分、評論、電話、地址以及</a:t>
-            </a:r>
-            <a:r>
-              <a:rPr lang="en-US" altLang="zh-TW" b="1" dirty="0"/>
-              <a:t>GOOGLE MAP</a:t>
-            </a:r>
-            <a:r>
-              <a:rPr lang="zh-TW" altLang="en-US" b="1" dirty="0"/>
-              <a:t>地圖位置。</a:t>
-            </a:r>
-            <a:endParaRPr lang="en-US" altLang="zh-TW" b="1" dirty="0"/>
-          </a:p>
-          <a:p>
-            <a:endParaRPr lang="en-US" altLang="zh-TW" b="1" dirty="0"/>
-          </a:p>
-          <a:p>
-            <a:endParaRPr lang="zh-TW" altLang="en-US" dirty="0"/>
+              <a:rPr lang="en-US" altLang="zh-TW" smtClean="0"/>
+              <a:t> </a:t>
+            </a:r>
+            <a:endParaRPr lang="zh-TW" altLang="zh-TW" dirty="0"/>
+          </a:p>
+        </p:txBody>
+      </p:sp>
+      <p:sp>
+        <p:nvSpPr>
+          <p:cNvPr id="11" name="矩形 10"/>
+          <p:cNvSpPr/>
+          <p:nvPr/>
+        </p:nvSpPr>
+        <p:spPr>
+          <a:xfrm>
+            <a:off x="3491261" y="2317436"/>
+            <a:ext cx="5410200" cy="3409950"/>
+          </a:xfrm>
+          <a:prstGeom prst="rect">
+            <a:avLst/>
+          </a:prstGeom>
+          <a:solidFill>
+            <a:srgbClr val="3366FF"/>
+          </a:solidFill>
+        </p:spPr>
+        <p:style>
+          <a:lnRef idx="2">
+            <a:schemeClr val="accent1">
+              <a:shade val="50000"/>
+            </a:schemeClr>
+          </a:lnRef>
+          <a:fillRef idx="1">
+            <a:schemeClr val="accent1"/>
+          </a:fillRef>
+          <a:effectRef idx="0">
+            <a:schemeClr val="accent1"/>
+          </a:effectRef>
+          <a:fontRef idx="minor">
+            <a:schemeClr val="lt1"/>
+          </a:fontRef>
+        </p:style>
+        <p:txBody>
+          <a:bodyPr rot="0" spcFirstLastPara="0" vert="horz" wrap="square" lIns="91440" tIns="45720" rIns="91440" bIns="45720" numCol="1" spcCol="0" rtlCol="0" fromWordArt="0" anchor="ctr" anchorCtr="0" forceAA="0" compatLnSpc="1">
+            <a:prstTxWarp prst="textNoShape">
+              <a:avLst/>
+            </a:prstTxWarp>
+            <a:noAutofit/>
+          </a:bodyPr>
+          <a:lstStyle/>
+          <a:p>
+            <a:endParaRPr lang="zh-TW" altLang="en-US"/>
+          </a:p>
+        </p:txBody>
+      </p:sp>
+      <p:sp>
+        <p:nvSpPr>
+          <p:cNvPr id="12" name="文字方塊 2"/>
+          <p:cNvSpPr txBox="1">
+            <a:spLocks noChangeArrowheads="1"/>
+          </p:cNvSpPr>
+          <p:nvPr/>
+        </p:nvSpPr>
+        <p:spPr bwMode="auto">
+          <a:xfrm>
+            <a:off x="3651559" y="2997123"/>
+            <a:ext cx="1533525" cy="1238250"/>
+          </a:xfrm>
+          <a:prstGeom prst="rect">
+            <a:avLst/>
+          </a:prstGeom>
+          <a:solidFill>
+            <a:srgbClr val="FFFFFF"/>
+          </a:solidFill>
+          <a:ln w="9525">
+            <a:solidFill>
+              <a:srgbClr val="000000"/>
+            </a:solidFill>
+            <a:miter lim="800000"/>
+            <a:headEnd/>
+            <a:tailEnd/>
+          </a:ln>
+        </p:spPr>
+        <p:txBody>
+          <a:bodyPr rot="0" vert="horz" wrap="square" lIns="91440" tIns="45720" rIns="91440" bIns="45720" anchor="t" anchorCtr="0">
+            <a:noAutofit/>
+          </a:bodyPr>
+          <a:lstStyle/>
+          <a:p>
+            <a:pPr>
+              <a:spcAft>
+                <a:spcPts val="0"/>
+              </a:spcAft>
+            </a:pPr>
+            <a:r>
+              <a:rPr lang="zh-TW" sz="1200" kern="100">
+                <a:effectLst/>
+                <a:latin typeface="Calibri" panose="020F0502020204030204" pitchFamily="34" charset="0"/>
+                <a:ea typeface="新細明體" panose="02020500000000000000" pitchFamily="18" charset="-120"/>
+                <a:cs typeface="Times New Roman" panose="02020603050405020304" pitchFamily="18" charset="0"/>
+              </a:rPr>
+              <a:t>圖片</a:t>
+            </a:r>
+          </a:p>
+        </p:txBody>
+      </p:sp>
+      <p:sp>
+        <p:nvSpPr>
+          <p:cNvPr id="13" name="文字方塊 19"/>
+          <p:cNvSpPr txBox="1"/>
+          <p:nvPr/>
+        </p:nvSpPr>
+        <p:spPr>
+          <a:xfrm>
+            <a:off x="5966134" y="3063798"/>
+            <a:ext cx="1543050" cy="304800"/>
+          </a:xfrm>
+          <a:prstGeom prst="rect">
+            <a:avLst/>
+          </a:prstGeom>
+          <a:solidFill>
+            <a:schemeClr val="lt1"/>
+          </a:solidFill>
+          <a:ln w="6350">
+            <a:solidFill>
+              <a:prstClr val="black"/>
+            </a:solidFill>
+          </a:ln>
+          <a:effectLst/>
+        </p:spPr>
+        <p:style>
+          <a:lnRef idx="0">
+            <a:schemeClr val="accent1"/>
+          </a:lnRef>
+          <a:fillRef idx="0">
+            <a:schemeClr val="accent1"/>
+          </a:fillRef>
+          <a:effectRef idx="0">
+            <a:schemeClr val="accent1"/>
+          </a:effectRef>
+          <a:fontRef idx="minor">
+            <a:schemeClr val="dk1"/>
+          </a:fontRef>
+        </p:style>
+        <p:txBody>
+          <a:bodyPr rot="0" spcFirstLastPara="0" vert="horz" wrap="square" lIns="91440" tIns="45720" rIns="91440" bIns="45720" numCol="1" spcCol="0" rtlCol="0" fromWordArt="0" anchor="t" anchorCtr="0" forceAA="0" compatLnSpc="1">
+            <a:prstTxWarp prst="textNoShape">
+              <a:avLst/>
+            </a:prstTxWarp>
+            <a:noAutofit/>
+          </a:bodyPr>
+          <a:lstStyle/>
+          <a:p>
+            <a:pPr>
+              <a:spcAft>
+                <a:spcPts val="0"/>
+              </a:spcAft>
+            </a:pPr>
+            <a:r>
+              <a:rPr lang="zh-TW" sz="1200" kern="100">
+                <a:effectLst/>
+                <a:ea typeface="新細明體" panose="02020500000000000000" pitchFamily="18" charset="-120"/>
+                <a:cs typeface="Times New Roman" panose="02020603050405020304" pitchFamily="18" charset="0"/>
+              </a:rPr>
+              <a:t>店名</a:t>
+            </a:r>
+          </a:p>
+        </p:txBody>
+      </p:sp>
+      <p:sp>
+        <p:nvSpPr>
+          <p:cNvPr id="14" name="文字方塊 20"/>
+          <p:cNvSpPr txBox="1"/>
+          <p:nvPr/>
+        </p:nvSpPr>
+        <p:spPr>
+          <a:xfrm>
+            <a:off x="5994709" y="3501948"/>
+            <a:ext cx="1524000" cy="304800"/>
+          </a:xfrm>
+          <a:prstGeom prst="rect">
+            <a:avLst/>
+          </a:prstGeom>
+          <a:solidFill>
+            <a:schemeClr val="lt1"/>
+          </a:solidFill>
+          <a:ln w="6350">
+            <a:solidFill>
+              <a:prstClr val="black"/>
+            </a:solidFill>
+          </a:ln>
+          <a:effectLst/>
+        </p:spPr>
+        <p:style>
+          <a:lnRef idx="0">
+            <a:schemeClr val="accent1"/>
+          </a:lnRef>
+          <a:fillRef idx="0">
+            <a:schemeClr val="accent1"/>
+          </a:fillRef>
+          <a:effectRef idx="0">
+            <a:schemeClr val="accent1"/>
+          </a:effectRef>
+          <a:fontRef idx="minor">
+            <a:schemeClr val="dk1"/>
+          </a:fontRef>
+        </p:style>
+        <p:txBody>
+          <a:bodyPr rot="0" spcFirstLastPara="0" vert="horz" wrap="square" lIns="91440" tIns="45720" rIns="91440" bIns="45720" numCol="1" spcCol="0" rtlCol="0" fromWordArt="0" anchor="t" anchorCtr="0" forceAA="0" compatLnSpc="1">
+            <a:prstTxWarp prst="textNoShape">
+              <a:avLst/>
+            </a:prstTxWarp>
+            <a:noAutofit/>
+          </a:bodyPr>
+          <a:lstStyle/>
+          <a:p>
+            <a:pPr>
+              <a:spcAft>
+                <a:spcPts val="0"/>
+              </a:spcAft>
+            </a:pPr>
+            <a:r>
+              <a:rPr lang="zh-TW" sz="1200" kern="100">
+                <a:effectLst/>
+                <a:ea typeface="新細明體" panose="02020500000000000000" pitchFamily="18" charset="-120"/>
+                <a:cs typeface="Times New Roman" panose="02020603050405020304" pitchFamily="18" charset="0"/>
+              </a:rPr>
+              <a:t>電話</a:t>
+            </a:r>
+          </a:p>
+        </p:txBody>
+      </p:sp>
+      <p:sp>
+        <p:nvSpPr>
+          <p:cNvPr id="15" name="文字方塊 21"/>
+          <p:cNvSpPr txBox="1"/>
+          <p:nvPr/>
+        </p:nvSpPr>
+        <p:spPr>
+          <a:xfrm>
+            <a:off x="5994709" y="3930573"/>
+            <a:ext cx="1514475" cy="390525"/>
+          </a:xfrm>
+          <a:prstGeom prst="rect">
+            <a:avLst/>
+          </a:prstGeom>
+          <a:solidFill>
+            <a:schemeClr val="lt1"/>
+          </a:solidFill>
+          <a:ln w="6350">
+            <a:solidFill>
+              <a:prstClr val="black"/>
+            </a:solidFill>
+          </a:ln>
+          <a:effectLst/>
+        </p:spPr>
+        <p:style>
+          <a:lnRef idx="0">
+            <a:schemeClr val="accent1"/>
+          </a:lnRef>
+          <a:fillRef idx="0">
+            <a:schemeClr val="accent1"/>
+          </a:fillRef>
+          <a:effectRef idx="0">
+            <a:schemeClr val="accent1"/>
+          </a:effectRef>
+          <a:fontRef idx="minor">
+            <a:schemeClr val="dk1"/>
+          </a:fontRef>
+        </p:style>
+        <p:txBody>
+          <a:bodyPr rot="0" spcFirstLastPara="0" vert="horz" wrap="square" lIns="91440" tIns="45720" rIns="91440" bIns="45720" numCol="1" spcCol="0" rtlCol="0" fromWordArt="0" anchor="t" anchorCtr="0" forceAA="0" compatLnSpc="1">
+            <a:prstTxWarp prst="textNoShape">
+              <a:avLst/>
+            </a:prstTxWarp>
+            <a:noAutofit/>
+          </a:bodyPr>
+          <a:lstStyle/>
+          <a:p>
+            <a:pPr>
+              <a:spcAft>
+                <a:spcPts val="0"/>
+              </a:spcAft>
+            </a:pPr>
+            <a:r>
+              <a:rPr lang="zh-TW" sz="1200" kern="100">
+                <a:effectLst/>
+                <a:ea typeface="新細明體" panose="02020500000000000000" pitchFamily="18" charset="-120"/>
+                <a:cs typeface="Times New Roman" panose="02020603050405020304" pitchFamily="18" charset="0"/>
+              </a:rPr>
+              <a:t>評分</a:t>
+            </a:r>
+          </a:p>
+        </p:txBody>
+      </p:sp>
+      <p:sp>
+        <p:nvSpPr>
+          <p:cNvPr id="16" name="文字方塊 22"/>
+          <p:cNvSpPr txBox="1"/>
+          <p:nvPr/>
+        </p:nvSpPr>
+        <p:spPr>
+          <a:xfrm>
+            <a:off x="3622984" y="4511598"/>
+            <a:ext cx="5124450" cy="771525"/>
+          </a:xfrm>
+          <a:prstGeom prst="rect">
+            <a:avLst/>
+          </a:prstGeom>
+          <a:solidFill>
+            <a:schemeClr val="lt1"/>
+          </a:solidFill>
+          <a:ln w="6350">
+            <a:solidFill>
+              <a:prstClr val="black"/>
+            </a:solidFill>
+          </a:ln>
+          <a:effectLst/>
+        </p:spPr>
+        <p:style>
+          <a:lnRef idx="0">
+            <a:schemeClr val="accent1"/>
+          </a:lnRef>
+          <a:fillRef idx="0">
+            <a:schemeClr val="accent1"/>
+          </a:fillRef>
+          <a:effectRef idx="0">
+            <a:schemeClr val="accent1"/>
+          </a:effectRef>
+          <a:fontRef idx="minor">
+            <a:schemeClr val="dk1"/>
+          </a:fontRef>
+        </p:style>
+        <p:txBody>
+          <a:bodyPr rot="0" spcFirstLastPara="0" vert="horz" wrap="square" lIns="91440" tIns="45720" rIns="91440" bIns="45720" numCol="1" spcCol="0" rtlCol="0" fromWordArt="0" anchor="t" anchorCtr="0" forceAA="0" compatLnSpc="1">
+            <a:prstTxWarp prst="textNoShape">
+              <a:avLst/>
+            </a:prstTxWarp>
+            <a:noAutofit/>
+          </a:bodyPr>
+          <a:lstStyle/>
+          <a:p>
+            <a:pPr>
+              <a:spcAft>
+                <a:spcPts val="0"/>
+              </a:spcAft>
+            </a:pPr>
+            <a:r>
+              <a:rPr lang="zh-TW" sz="1200" kern="100">
+                <a:effectLst/>
+                <a:ea typeface="新細明體" panose="02020500000000000000" pitchFamily="18" charset="-120"/>
+                <a:cs typeface="Times New Roman" panose="02020603050405020304" pitchFamily="18" charset="0"/>
+              </a:rPr>
+              <a:t>地圖</a:t>
+            </a:r>
+          </a:p>
+        </p:txBody>
+      </p:sp>
+      <p:sp>
+        <p:nvSpPr>
+          <p:cNvPr id="17" name="文字方塊 23"/>
+          <p:cNvSpPr txBox="1"/>
+          <p:nvPr/>
+        </p:nvSpPr>
+        <p:spPr>
+          <a:xfrm>
+            <a:off x="3706169" y="5340273"/>
+            <a:ext cx="4972050" cy="304800"/>
+          </a:xfrm>
+          <a:prstGeom prst="rect">
+            <a:avLst/>
+          </a:prstGeom>
+          <a:solidFill>
+            <a:schemeClr val="lt1"/>
+          </a:solidFill>
+          <a:ln w="6350">
+            <a:solidFill>
+              <a:prstClr val="black"/>
+            </a:solidFill>
+          </a:ln>
+          <a:effectLst/>
+        </p:spPr>
+        <p:style>
+          <a:lnRef idx="0">
+            <a:schemeClr val="accent1"/>
+          </a:lnRef>
+          <a:fillRef idx="0">
+            <a:schemeClr val="accent1"/>
+          </a:fillRef>
+          <a:effectRef idx="0">
+            <a:schemeClr val="accent1"/>
+          </a:effectRef>
+          <a:fontRef idx="minor">
+            <a:schemeClr val="dk1"/>
+          </a:fontRef>
+        </p:style>
+        <p:txBody>
+          <a:bodyPr rot="0" spcFirstLastPara="0" vert="horz" wrap="square" lIns="91440" tIns="45720" rIns="91440" bIns="45720" numCol="1" spcCol="0" rtlCol="0" fromWordArt="0" anchor="t" anchorCtr="0" forceAA="0" compatLnSpc="1">
+            <a:prstTxWarp prst="textNoShape">
+              <a:avLst/>
+            </a:prstTxWarp>
+            <a:noAutofit/>
+          </a:bodyPr>
+          <a:lstStyle/>
+          <a:p>
+            <a:pPr>
+              <a:spcAft>
+                <a:spcPts val="0"/>
+              </a:spcAft>
+            </a:pPr>
+            <a:r>
+              <a:rPr lang="zh-TW" sz="1200" kern="100">
+                <a:effectLst/>
+                <a:ea typeface="新細明體" panose="02020500000000000000" pitchFamily="18" charset="-120"/>
+                <a:cs typeface="Times New Roman" panose="02020603050405020304" pitchFamily="18" charset="0"/>
+              </a:rPr>
+              <a:t>評論</a:t>
+            </a:r>
+          </a:p>
+        </p:txBody>
+      </p:sp>
+      <p:sp>
+        <p:nvSpPr>
+          <p:cNvPr id="24" name="文字方塊 25"/>
+          <p:cNvSpPr txBox="1"/>
+          <p:nvPr/>
+        </p:nvSpPr>
+        <p:spPr>
+          <a:xfrm>
+            <a:off x="3491261" y="2338387"/>
+            <a:ext cx="2314575" cy="542925"/>
+          </a:xfrm>
+          <a:prstGeom prst="rect">
+            <a:avLst/>
+          </a:prstGeom>
+          <a:solidFill>
+            <a:srgbClr val="3366FF"/>
+          </a:solidFill>
+          <a:ln w="6350">
+            <a:noFill/>
+          </a:ln>
+          <a:effectLst/>
+        </p:spPr>
+        <p:style>
+          <a:lnRef idx="0">
+            <a:schemeClr val="accent1"/>
+          </a:lnRef>
+          <a:fillRef idx="0">
+            <a:schemeClr val="accent1"/>
+          </a:fillRef>
+          <a:effectRef idx="0">
+            <a:schemeClr val="accent1"/>
+          </a:effectRef>
+          <a:fontRef idx="minor">
+            <a:schemeClr val="dk1"/>
+          </a:fontRef>
+        </p:style>
+        <p:txBody>
+          <a:bodyPr rot="0" spcFirstLastPara="0" vert="horz" wrap="square" lIns="91440" tIns="45720" rIns="91440" bIns="45720" numCol="1" spcCol="0" rtlCol="0" fromWordArt="0" anchor="t" anchorCtr="0" forceAA="0" compatLnSpc="1">
+            <a:prstTxWarp prst="textNoShape">
+              <a:avLst/>
+            </a:prstTxWarp>
+            <a:noAutofit/>
+          </a:bodyPr>
+          <a:lstStyle/>
+          <a:p>
+            <a:pPr>
+              <a:spcAft>
+                <a:spcPts val="0"/>
+              </a:spcAft>
+            </a:pPr>
+            <a:r>
+              <a:rPr lang="en-US" sz="2400" kern="100" dirty="0">
+                <a:solidFill>
+                  <a:srgbClr val="FFFFFF"/>
+                </a:solidFill>
+                <a:effectLst/>
+                <a:ea typeface="新細明體" panose="02020500000000000000" pitchFamily="18" charset="-120"/>
+                <a:cs typeface="Times New Roman" panose="02020603050405020304" pitchFamily="18" charset="0"/>
+              </a:rPr>
+              <a:t>Yelp </a:t>
+            </a:r>
+            <a:r>
+              <a:rPr lang="en-US" sz="2400" kern="100" dirty="0" err="1">
+                <a:solidFill>
+                  <a:srgbClr val="FFFFFF"/>
+                </a:solidFill>
+                <a:effectLst/>
+                <a:ea typeface="新細明體" panose="02020500000000000000" pitchFamily="18" charset="-120"/>
+                <a:cs typeface="Times New Roman" panose="02020603050405020304" pitchFamily="18" charset="0"/>
+              </a:rPr>
+              <a:t>Bla</a:t>
+            </a:r>
+            <a:r>
+              <a:rPr lang="en-US" sz="2400" kern="100" dirty="0">
+                <a:solidFill>
+                  <a:srgbClr val="FFFFFF"/>
+                </a:solidFill>
+                <a:effectLst/>
+                <a:ea typeface="新細明體" panose="02020500000000000000" pitchFamily="18" charset="-120"/>
+                <a:cs typeface="Times New Roman" panose="02020603050405020304" pitchFamily="18" charset="0"/>
+              </a:rPr>
+              <a:t> </a:t>
+            </a:r>
+            <a:r>
+              <a:rPr lang="en-US" sz="2400" kern="100" dirty="0" err="1">
+                <a:solidFill>
+                  <a:srgbClr val="FFFFFF"/>
+                </a:solidFill>
+                <a:effectLst/>
+                <a:ea typeface="新細明體" panose="02020500000000000000" pitchFamily="18" charset="-120"/>
+                <a:cs typeface="Times New Roman" panose="02020603050405020304" pitchFamily="18" charset="0"/>
+              </a:rPr>
+              <a:t>Bla</a:t>
+            </a:r>
+            <a:endParaRPr lang="zh-TW" sz="1200" kern="100" dirty="0">
+              <a:effectLst/>
+              <a:ea typeface="新細明體" panose="02020500000000000000" pitchFamily="18" charset="-120"/>
+              <a:cs typeface="Times New Roman" panose="02020603050405020304" pitchFamily="18" charset="0"/>
+            </a:endParaRPr>
+          </a:p>
+        </p:txBody>
+      </p:sp>
+      <p:sp>
+        <p:nvSpPr>
+          <p:cNvPr id="25" name="文字方塊 26"/>
+          <p:cNvSpPr txBox="1"/>
+          <p:nvPr/>
+        </p:nvSpPr>
+        <p:spPr>
+          <a:xfrm>
+            <a:off x="5943948" y="2424272"/>
+            <a:ext cx="2819400" cy="390525"/>
+          </a:xfrm>
+          <a:prstGeom prst="rect">
+            <a:avLst/>
+          </a:prstGeom>
+          <a:solidFill>
+            <a:srgbClr val="3366FF"/>
+          </a:solidFill>
+          <a:ln w="6350">
+            <a:noFill/>
+          </a:ln>
+          <a:effectLst/>
+        </p:spPr>
+        <p:style>
+          <a:lnRef idx="0">
+            <a:schemeClr val="accent1"/>
+          </a:lnRef>
+          <a:fillRef idx="0">
+            <a:schemeClr val="accent1"/>
+          </a:fillRef>
+          <a:effectRef idx="0">
+            <a:schemeClr val="accent1"/>
+          </a:effectRef>
+          <a:fontRef idx="minor">
+            <a:schemeClr val="dk1"/>
+          </a:fontRef>
+        </p:style>
+        <p:txBody>
+          <a:bodyPr rot="0" spcFirstLastPara="0" vert="horz" wrap="square" lIns="91440" tIns="45720" rIns="91440" bIns="45720" numCol="1" spcCol="0" rtlCol="0" fromWordArt="0" anchor="t" anchorCtr="0" forceAA="0" compatLnSpc="1">
+            <a:prstTxWarp prst="textNoShape">
+              <a:avLst/>
+            </a:prstTxWarp>
+            <a:noAutofit/>
+          </a:bodyPr>
+          <a:lstStyle/>
+          <a:p>
+            <a:pPr indent="228600">
+              <a:spcAft>
+                <a:spcPts val="0"/>
+              </a:spcAft>
+            </a:pPr>
+            <a:r>
+              <a:rPr lang="zh-TW" sz="1200" kern="100">
+                <a:solidFill>
+                  <a:srgbClr val="FFFFFF"/>
+                </a:solidFill>
+                <a:effectLst/>
+                <a:ea typeface="新細明體" panose="02020500000000000000" pitchFamily="18" charset="-120"/>
+                <a:cs typeface="Times New Roman" panose="02020603050405020304" pitchFamily="18" charset="0"/>
+              </a:rPr>
+              <a:t>收藏</a:t>
+            </a:r>
+            <a:r>
+              <a:rPr lang="en-US" sz="1200" kern="100">
+                <a:solidFill>
+                  <a:srgbClr val="FFFFFF"/>
+                </a:solidFill>
+                <a:effectLst/>
+                <a:ea typeface="新細明體" panose="02020500000000000000" pitchFamily="18" charset="-120"/>
+                <a:cs typeface="Times New Roman" panose="02020603050405020304" pitchFamily="18" charset="0"/>
+              </a:rPr>
+              <a:t>        </a:t>
+            </a:r>
+            <a:r>
+              <a:rPr lang="zh-TW" sz="1200" kern="100">
+                <a:solidFill>
+                  <a:srgbClr val="FFFFFF"/>
+                </a:solidFill>
+                <a:effectLst/>
+                <a:ea typeface="新細明體" panose="02020500000000000000" pitchFamily="18" charset="-120"/>
+                <a:cs typeface="Times New Roman" panose="02020603050405020304" pitchFamily="18" charset="0"/>
+              </a:rPr>
+              <a:t>登入</a:t>
+            </a:r>
+            <a:r>
+              <a:rPr lang="en-US" sz="1200" kern="100">
+                <a:solidFill>
+                  <a:srgbClr val="FFFFFF"/>
+                </a:solidFill>
+                <a:effectLst/>
+                <a:ea typeface="新細明體" panose="02020500000000000000" pitchFamily="18" charset="-120"/>
+                <a:cs typeface="Times New Roman" panose="02020603050405020304" pitchFamily="18" charset="0"/>
+              </a:rPr>
+              <a:t>         </a:t>
+            </a:r>
+            <a:r>
+              <a:rPr lang="zh-TW" sz="1200" kern="100">
+                <a:solidFill>
+                  <a:srgbClr val="FFFFFF"/>
+                </a:solidFill>
+                <a:effectLst/>
+                <a:ea typeface="新細明體" panose="02020500000000000000" pitchFamily="18" charset="-120"/>
+                <a:cs typeface="Times New Roman" panose="02020603050405020304" pitchFamily="18" charset="0"/>
+              </a:rPr>
+              <a:t>註冊</a:t>
+            </a:r>
+            <a:endParaRPr lang="zh-TW" sz="1200" kern="100">
+              <a:effectLst/>
+              <a:ea typeface="新細明體" panose="02020500000000000000" pitchFamily="18" charset="-120"/>
+              <a:cs typeface="Times New Roman" panose="02020603050405020304" pitchFamily="18" charset="0"/>
+            </a:endParaRPr>
           </a:p>
         </p:txBody>
       </p:sp>
     </p:spTree>
     <p:extLst>
       <p:ext uri="{BB962C8B-B14F-4D97-AF65-F5344CB8AC3E}">
-        <p14:creationId xmlns:p14="http://schemas.microsoft.com/office/powerpoint/2010/main" val="2857472708"/>
+        <p14:creationId xmlns:p14="http://schemas.microsoft.com/office/powerpoint/2010/main" val="4054461729"/>
       </p:ext>
     </p:extLst>
   </p:cSld>
@@ -10343,9 +12954,22 @@
           <a:lstStyle/>
           <a:p>
             <a:r>
-              <a:rPr lang="zh-TW" altLang="en-US" dirty="0"/>
-              <a:t>操作故事</a:t>
-            </a:r>
+              <a:rPr lang="en-US" altLang="zh-TW" dirty="0"/>
+              <a:t>Wire </a:t>
+            </a:r>
+            <a:r>
+              <a:rPr lang="en-US" altLang="zh-TW" dirty="0" smtClean="0"/>
+              <a:t>Frame</a:t>
+            </a:r>
+            <a:r>
+              <a:rPr lang="zh-TW" altLang="en-US" baseline="-25000" dirty="0" smtClean="0"/>
+              <a:t>收藏列</a:t>
+            </a:r>
+            <a:r>
+              <a:rPr lang="zh-TW" altLang="en-US" baseline="-25000" dirty="0"/>
+              <a:t>表</a:t>
+            </a:r>
+            <a:endParaRPr lang="zh-TW" altLang="en-US" dirty="0"/>
           </a:p>
         </p:txBody>
       </p:sp>
@@ -10364,66 +12988,665 @@
           <a:bodyPr/>
           <a:lstStyle/>
           <a:p>
-            <a:r>
-              <a:rPr lang="zh-TW" altLang="en-US" b="1" dirty="0"/>
-              <a:t>毛毛怕等一下忘記</a:t>
-            </a:r>
-            <a:r>
-              <a:rPr lang="en-US" altLang="zh-TW" b="1" dirty="0"/>
-              <a:t>Starbucks</a:t>
-            </a:r>
-            <a:r>
-              <a:rPr lang="zh-TW" altLang="en-US" b="1" dirty="0"/>
-              <a:t>的資訊要重新查詢，於是將</a:t>
-            </a:r>
-            <a:r>
-              <a:rPr lang="en-US" altLang="zh-TW" b="1" dirty="0"/>
-              <a:t>Starbucks</a:t>
-            </a:r>
-            <a:r>
-              <a:rPr lang="zh-TW" altLang="en-US" b="1" dirty="0"/>
-              <a:t>加入收藏，她按下了收藏的按鈕</a:t>
-            </a:r>
-            <a:r>
-              <a:rPr lang="zh-TW" altLang="en-US" b="1" dirty="0" smtClean="0"/>
-              <a:t>。</a:t>
-            </a:r>
-            <a:endParaRPr lang="en-US" altLang="zh-TW" dirty="0" smtClean="0"/>
-          </a:p>
-          <a:p>
-            <a:endParaRPr lang="en-US" altLang="zh-TW" dirty="0"/>
-          </a:p>
-          <a:p>
-            <a:r>
-              <a:rPr lang="zh-TW" altLang="en-US" b="1" dirty="0"/>
-              <a:t>她</a:t>
-            </a:r>
-            <a:r>
-              <a:rPr lang="zh-TW" altLang="en-US" b="1" dirty="0" smtClean="0"/>
-              <a:t>查看</a:t>
-            </a:r>
-            <a:r>
-              <a:rPr lang="zh-TW" altLang="en-US" b="1" dirty="0"/>
-              <a:t>了這幾間</a:t>
-            </a:r>
-            <a:r>
-              <a:rPr lang="en-US" altLang="zh-TW" b="1" dirty="0"/>
-              <a:t>Starbucks</a:t>
-            </a:r>
-            <a:r>
-              <a:rPr lang="zh-TW" altLang="en-US" b="1" dirty="0"/>
-              <a:t>的評價跟位置，決定了要去環境比較安靜距離又近的店家。</a:t>
-            </a:r>
-          </a:p>
-          <a:p>
             <a:endParaRPr lang="zh-TW" altLang="en-US" dirty="0"/>
+          </a:p>
+        </p:txBody>
+      </p:sp>
+      <p:sp>
+        <p:nvSpPr>
+          <p:cNvPr id="4" name="矩形 3"/>
+          <p:cNvSpPr/>
+          <p:nvPr/>
+        </p:nvSpPr>
+        <p:spPr>
+          <a:xfrm>
+            <a:off x="3647378" y="2326191"/>
+            <a:ext cx="5410200" cy="3409950"/>
+          </a:xfrm>
+          <a:prstGeom prst="rect">
+            <a:avLst/>
+          </a:prstGeom>
+          <a:solidFill>
+            <a:srgbClr val="3366FF"/>
+          </a:solidFill>
+        </p:spPr>
+        <p:style>
+          <a:lnRef idx="2">
+            <a:schemeClr val="accent1">
+              <a:shade val="50000"/>
+            </a:schemeClr>
+          </a:lnRef>
+          <a:fillRef idx="1">
+            <a:schemeClr val="accent1"/>
+          </a:fillRef>
+          <a:effectRef idx="0">
+            <a:schemeClr val="accent1"/>
+          </a:effectRef>
+          <a:fontRef idx="minor">
+            <a:schemeClr val="lt1"/>
+          </a:fontRef>
+        </p:style>
+        <p:txBody>
+          <a:bodyPr rot="0" spcFirstLastPara="0" vert="horz" wrap="square" lIns="91440" tIns="45720" rIns="91440" bIns="45720" numCol="1" spcCol="0" rtlCol="0" fromWordArt="0" anchor="ctr" anchorCtr="0" forceAA="0" compatLnSpc="1">
+            <a:prstTxWarp prst="textNoShape">
+              <a:avLst/>
+            </a:prstTxWarp>
+            <a:noAutofit/>
+          </a:bodyPr>
+          <a:lstStyle/>
+          <a:p>
+            <a:endParaRPr lang="zh-TW" altLang="en-US"/>
+          </a:p>
+        </p:txBody>
+      </p:sp>
+      <p:sp>
+        <p:nvSpPr>
+          <p:cNvPr id="5" name="文字方塊 45"/>
+          <p:cNvSpPr txBox="1"/>
+          <p:nvPr/>
+        </p:nvSpPr>
+        <p:spPr>
+          <a:xfrm>
+            <a:off x="3647378" y="2326191"/>
+            <a:ext cx="2314575" cy="714375"/>
+          </a:xfrm>
+          <a:prstGeom prst="rect">
+            <a:avLst/>
+          </a:prstGeom>
+          <a:solidFill>
+            <a:srgbClr val="3366FF"/>
+          </a:solidFill>
+          <a:ln w="6350">
+            <a:noFill/>
+          </a:ln>
+          <a:effectLst/>
+        </p:spPr>
+        <p:style>
+          <a:lnRef idx="0">
+            <a:schemeClr val="accent1"/>
+          </a:lnRef>
+          <a:fillRef idx="0">
+            <a:schemeClr val="accent1"/>
+          </a:fillRef>
+          <a:effectRef idx="0">
+            <a:schemeClr val="accent1"/>
+          </a:effectRef>
+          <a:fontRef idx="minor">
+            <a:schemeClr val="dk1"/>
+          </a:fontRef>
+        </p:style>
+        <p:txBody>
+          <a:bodyPr rot="0" spcFirstLastPara="0" vert="horz" wrap="square" lIns="91440" tIns="45720" rIns="91440" bIns="45720" numCol="1" spcCol="0" rtlCol="0" fromWordArt="0" anchor="t" anchorCtr="0" forceAA="0" compatLnSpc="1">
+            <a:prstTxWarp prst="textNoShape">
+              <a:avLst/>
+            </a:prstTxWarp>
+            <a:noAutofit/>
+          </a:bodyPr>
+          <a:lstStyle/>
+          <a:p>
+            <a:pPr>
+              <a:spcAft>
+                <a:spcPts val="0"/>
+              </a:spcAft>
+            </a:pPr>
+            <a:r>
+              <a:rPr lang="en-US" sz="2400" kern="100">
+                <a:solidFill>
+                  <a:srgbClr val="FFFFFF"/>
+                </a:solidFill>
+                <a:effectLst/>
+                <a:ea typeface="新細明體" panose="02020500000000000000" pitchFamily="18" charset="-120"/>
+                <a:cs typeface="Times New Roman" panose="02020603050405020304" pitchFamily="18" charset="0"/>
+              </a:rPr>
+              <a:t>Yelp Bla Bla</a:t>
+            </a:r>
+            <a:endParaRPr lang="zh-TW" sz="1200" kern="100">
+              <a:effectLst/>
+              <a:ea typeface="新細明體" panose="02020500000000000000" pitchFamily="18" charset="-120"/>
+              <a:cs typeface="Times New Roman" panose="02020603050405020304" pitchFamily="18" charset="0"/>
+            </a:endParaRPr>
+          </a:p>
+        </p:txBody>
+      </p:sp>
+      <p:sp>
+        <p:nvSpPr>
+          <p:cNvPr id="6" name="文字方塊 46"/>
+          <p:cNvSpPr txBox="1"/>
+          <p:nvPr/>
+        </p:nvSpPr>
+        <p:spPr>
+          <a:xfrm>
+            <a:off x="6102288" y="2402391"/>
+            <a:ext cx="2819400" cy="390525"/>
+          </a:xfrm>
+          <a:prstGeom prst="rect">
+            <a:avLst/>
+          </a:prstGeom>
+          <a:solidFill>
+            <a:srgbClr val="3366FF"/>
+          </a:solidFill>
+          <a:ln w="6350">
+            <a:noFill/>
+          </a:ln>
+          <a:effectLst/>
+        </p:spPr>
+        <p:style>
+          <a:lnRef idx="0">
+            <a:schemeClr val="accent1"/>
+          </a:lnRef>
+          <a:fillRef idx="0">
+            <a:schemeClr val="accent1"/>
+          </a:fillRef>
+          <a:effectRef idx="0">
+            <a:schemeClr val="accent1"/>
+          </a:effectRef>
+          <a:fontRef idx="minor">
+            <a:schemeClr val="dk1"/>
+          </a:fontRef>
+        </p:style>
+        <p:txBody>
+          <a:bodyPr rot="0" spcFirstLastPara="0" vert="horz" wrap="square" lIns="91440" tIns="45720" rIns="91440" bIns="45720" numCol="1" spcCol="0" rtlCol="0" fromWordArt="0" anchor="t" anchorCtr="0" forceAA="0" compatLnSpc="1">
+            <a:prstTxWarp prst="textNoShape">
+              <a:avLst/>
+            </a:prstTxWarp>
+            <a:noAutofit/>
+          </a:bodyPr>
+          <a:lstStyle/>
+          <a:p>
+            <a:pPr indent="228600">
+              <a:spcAft>
+                <a:spcPts val="0"/>
+              </a:spcAft>
+            </a:pPr>
+            <a:r>
+              <a:rPr lang="zh-TW" sz="1200" kern="100">
+                <a:solidFill>
+                  <a:srgbClr val="FFFFFF"/>
+                </a:solidFill>
+                <a:effectLst/>
+                <a:ea typeface="新細明體" panose="02020500000000000000" pitchFamily="18" charset="-120"/>
+                <a:cs typeface="Times New Roman" panose="02020603050405020304" pitchFamily="18" charset="0"/>
+              </a:rPr>
+              <a:t>收藏</a:t>
+            </a:r>
+            <a:r>
+              <a:rPr lang="en-US" sz="1200" kern="100">
+                <a:solidFill>
+                  <a:srgbClr val="FFFFFF"/>
+                </a:solidFill>
+                <a:effectLst/>
+                <a:ea typeface="新細明體" panose="02020500000000000000" pitchFamily="18" charset="-120"/>
+                <a:cs typeface="Times New Roman" panose="02020603050405020304" pitchFamily="18" charset="0"/>
+              </a:rPr>
+              <a:t>        </a:t>
+            </a:r>
+            <a:r>
+              <a:rPr lang="zh-TW" sz="1200" kern="100">
+                <a:solidFill>
+                  <a:srgbClr val="FFFFFF"/>
+                </a:solidFill>
+                <a:effectLst/>
+                <a:ea typeface="新細明體" panose="02020500000000000000" pitchFamily="18" charset="-120"/>
+                <a:cs typeface="Times New Roman" panose="02020603050405020304" pitchFamily="18" charset="0"/>
+              </a:rPr>
+              <a:t>登出</a:t>
+            </a:r>
+            <a:r>
+              <a:rPr lang="en-US" sz="1200" kern="100">
+                <a:solidFill>
+                  <a:srgbClr val="FFFFFF"/>
+                </a:solidFill>
+                <a:effectLst/>
+                <a:ea typeface="新細明體" panose="02020500000000000000" pitchFamily="18" charset="-120"/>
+                <a:cs typeface="Times New Roman" panose="02020603050405020304" pitchFamily="18" charset="0"/>
+              </a:rPr>
+              <a:t>         </a:t>
+            </a:r>
+            <a:r>
+              <a:rPr lang="zh-TW" sz="1200" kern="100">
+                <a:solidFill>
+                  <a:srgbClr val="FFFFFF"/>
+                </a:solidFill>
+                <a:effectLst/>
+                <a:ea typeface="新細明體" panose="02020500000000000000" pitchFamily="18" charset="-120"/>
+                <a:cs typeface="Times New Roman" panose="02020603050405020304" pitchFamily="18" charset="0"/>
+              </a:rPr>
+              <a:t>註冊</a:t>
+            </a:r>
+            <a:endParaRPr lang="zh-TW" sz="1200" kern="100">
+              <a:effectLst/>
+              <a:ea typeface="新細明體" panose="02020500000000000000" pitchFamily="18" charset="-120"/>
+              <a:cs typeface="Times New Roman" panose="02020603050405020304" pitchFamily="18" charset="0"/>
+            </a:endParaRPr>
+          </a:p>
+        </p:txBody>
+      </p:sp>
+      <p:sp>
+        <p:nvSpPr>
+          <p:cNvPr id="7" name="文字方塊 2"/>
+          <p:cNvSpPr txBox="1">
+            <a:spLocks noChangeArrowheads="1"/>
+          </p:cNvSpPr>
+          <p:nvPr/>
+        </p:nvSpPr>
+        <p:spPr bwMode="auto">
+          <a:xfrm>
+            <a:off x="5885753" y="3248211"/>
+            <a:ext cx="2324100" cy="914400"/>
+          </a:xfrm>
+          <a:prstGeom prst="rect">
+            <a:avLst/>
+          </a:prstGeom>
+          <a:solidFill>
+            <a:srgbClr val="FFFFFF"/>
+          </a:solidFill>
+          <a:ln w="9525">
+            <a:solidFill>
+              <a:srgbClr val="000000"/>
+            </a:solidFill>
+            <a:miter lim="800000"/>
+            <a:headEnd/>
+            <a:tailEnd/>
+          </a:ln>
+        </p:spPr>
+        <p:txBody>
+          <a:bodyPr rot="0" vert="horz" wrap="square" lIns="91440" tIns="45720" rIns="91440" bIns="45720" anchor="t" anchorCtr="0">
+            <a:noAutofit/>
+          </a:bodyPr>
+          <a:lstStyle/>
+          <a:p>
+            <a:pPr>
+              <a:spcAft>
+                <a:spcPts val="0"/>
+              </a:spcAft>
+            </a:pPr>
+            <a:r>
+              <a:rPr lang="zh-TW" sz="1200" kern="100">
+                <a:effectLst/>
+                <a:latin typeface="Calibri" panose="020F0502020204030204" pitchFamily="34" charset="0"/>
+                <a:ea typeface="新細明體" panose="02020500000000000000" pitchFamily="18" charset="-120"/>
+                <a:cs typeface="Times New Roman" panose="02020603050405020304" pitchFamily="18" charset="0"/>
+              </a:rPr>
+              <a:t>店名</a:t>
+            </a:r>
+          </a:p>
+          <a:p>
+            <a:pPr>
+              <a:spcAft>
+                <a:spcPts val="0"/>
+              </a:spcAft>
+            </a:pPr>
+            <a:r>
+              <a:rPr lang="zh-TW" sz="1200" kern="100">
+                <a:effectLst/>
+                <a:latin typeface="Calibri" panose="020F0502020204030204" pitchFamily="34" charset="0"/>
+                <a:ea typeface="新細明體" panose="02020500000000000000" pitchFamily="18" charset="-120"/>
+                <a:cs typeface="Times New Roman" panose="02020603050405020304" pitchFamily="18" charset="0"/>
+              </a:rPr>
+              <a:t>電話</a:t>
+            </a:r>
+          </a:p>
+          <a:p>
+            <a:pPr>
+              <a:spcAft>
+                <a:spcPts val="0"/>
+              </a:spcAft>
+            </a:pPr>
+            <a:r>
+              <a:rPr lang="zh-TW" sz="1200" kern="100">
+                <a:effectLst/>
+                <a:latin typeface="Calibri" panose="020F0502020204030204" pitchFamily="34" charset="0"/>
+                <a:ea typeface="新細明體" panose="02020500000000000000" pitchFamily="18" charset="-120"/>
+                <a:cs typeface="Times New Roman" panose="02020603050405020304" pitchFamily="18" charset="0"/>
+              </a:rPr>
+              <a:t>評分 </a:t>
+            </a:r>
+            <a:r>
+              <a:rPr lang="en-US" sz="1200" kern="100">
+                <a:effectLst/>
+                <a:latin typeface="Calibri" panose="020F0502020204030204" pitchFamily="34" charset="0"/>
+                <a:ea typeface="新細明體" panose="02020500000000000000" pitchFamily="18" charset="-120"/>
+                <a:cs typeface="Times New Roman" panose="02020603050405020304" pitchFamily="18" charset="0"/>
+              </a:rPr>
+              <a:t>                 </a:t>
+            </a:r>
+            <a:r>
+              <a:rPr lang="zh-TW" sz="1200" kern="100">
+                <a:effectLst/>
+                <a:latin typeface="Calibri" panose="020F0502020204030204" pitchFamily="34" charset="0"/>
+                <a:ea typeface="新細明體" panose="02020500000000000000" pitchFamily="18" charset="-120"/>
+                <a:cs typeface="Times New Roman" panose="02020603050405020304" pitchFamily="18" charset="0"/>
+              </a:rPr>
+              <a:t>收藏</a:t>
+            </a:r>
+          </a:p>
+        </p:txBody>
+      </p:sp>
+      <p:sp>
+        <p:nvSpPr>
+          <p:cNvPr id="8" name="文字方塊 48"/>
+          <p:cNvSpPr txBox="1"/>
+          <p:nvPr/>
+        </p:nvSpPr>
+        <p:spPr>
+          <a:xfrm>
+            <a:off x="4704653" y="3240591"/>
+            <a:ext cx="1200150" cy="914400"/>
+          </a:xfrm>
+          <a:prstGeom prst="rect">
+            <a:avLst/>
+          </a:prstGeom>
+          <a:solidFill>
+            <a:schemeClr val="lt1"/>
+          </a:solidFill>
+          <a:ln w="6350">
+            <a:solidFill>
+              <a:prstClr val="black"/>
+            </a:solidFill>
+          </a:ln>
+          <a:effectLst/>
+        </p:spPr>
+        <p:style>
+          <a:lnRef idx="0">
+            <a:schemeClr val="accent1"/>
+          </a:lnRef>
+          <a:fillRef idx="0">
+            <a:schemeClr val="accent1"/>
+          </a:fillRef>
+          <a:effectRef idx="0">
+            <a:schemeClr val="accent1"/>
+          </a:effectRef>
+          <a:fontRef idx="minor">
+            <a:schemeClr val="dk1"/>
+          </a:fontRef>
+        </p:style>
+        <p:txBody>
+          <a:bodyPr rot="0" spcFirstLastPara="0" vert="horz" wrap="square" lIns="91440" tIns="45720" rIns="91440" bIns="45720" numCol="1" spcCol="0" rtlCol="0" fromWordArt="0" anchor="t" anchorCtr="0" forceAA="0" compatLnSpc="1">
+            <a:prstTxWarp prst="textNoShape">
+              <a:avLst/>
+            </a:prstTxWarp>
+            <a:noAutofit/>
+          </a:bodyPr>
+          <a:lstStyle/>
+          <a:p>
+            <a:pPr>
+              <a:spcAft>
+                <a:spcPts val="0"/>
+              </a:spcAft>
+            </a:pPr>
+            <a:r>
+              <a:rPr lang="zh-TW" sz="1200" kern="100">
+                <a:effectLst/>
+                <a:ea typeface="新細明體" panose="02020500000000000000" pitchFamily="18" charset="-120"/>
+                <a:cs typeface="Times New Roman" panose="02020603050405020304" pitchFamily="18" charset="0"/>
+              </a:rPr>
+              <a:t>圖片</a:t>
+            </a:r>
+          </a:p>
+        </p:txBody>
+      </p:sp>
+      <p:sp>
+        <p:nvSpPr>
+          <p:cNvPr id="9" name="文字方塊 49"/>
+          <p:cNvSpPr txBox="1"/>
+          <p:nvPr/>
+        </p:nvSpPr>
+        <p:spPr>
+          <a:xfrm>
+            <a:off x="4704653" y="4145466"/>
+            <a:ext cx="1200150" cy="914400"/>
+          </a:xfrm>
+          <a:prstGeom prst="rect">
+            <a:avLst/>
+          </a:prstGeom>
+          <a:solidFill>
+            <a:schemeClr val="lt1"/>
+          </a:solidFill>
+          <a:ln w="6350">
+            <a:solidFill>
+              <a:prstClr val="black"/>
+            </a:solidFill>
+          </a:ln>
+          <a:effectLst/>
+        </p:spPr>
+        <p:style>
+          <a:lnRef idx="0">
+            <a:schemeClr val="accent1"/>
+          </a:lnRef>
+          <a:fillRef idx="0">
+            <a:schemeClr val="accent1"/>
+          </a:fillRef>
+          <a:effectRef idx="0">
+            <a:schemeClr val="accent1"/>
+          </a:effectRef>
+          <a:fontRef idx="minor">
+            <a:schemeClr val="dk1"/>
+          </a:fontRef>
+        </p:style>
+        <p:txBody>
+          <a:bodyPr rot="0" spcFirstLastPara="0" vert="horz" wrap="square" lIns="91440" tIns="45720" rIns="91440" bIns="45720" numCol="1" spcCol="0" rtlCol="0" fromWordArt="0" anchor="t" anchorCtr="0" forceAA="0" compatLnSpc="1">
+            <a:prstTxWarp prst="textNoShape">
+              <a:avLst/>
+            </a:prstTxWarp>
+            <a:noAutofit/>
+          </a:bodyPr>
+          <a:lstStyle/>
+          <a:p>
+            <a:pPr>
+              <a:spcAft>
+                <a:spcPts val="0"/>
+              </a:spcAft>
+            </a:pPr>
+            <a:r>
+              <a:rPr lang="zh-TW" sz="1200" kern="100">
+                <a:effectLst/>
+                <a:ea typeface="新細明體" panose="02020500000000000000" pitchFamily="18" charset="-120"/>
+                <a:cs typeface="Times New Roman" panose="02020603050405020304" pitchFamily="18" charset="0"/>
+              </a:rPr>
+              <a:t>圖片</a:t>
+            </a:r>
+          </a:p>
+        </p:txBody>
+      </p:sp>
+      <p:sp>
+        <p:nvSpPr>
+          <p:cNvPr id="10" name="文字方塊 2"/>
+          <p:cNvSpPr txBox="1">
+            <a:spLocks noChangeArrowheads="1"/>
+          </p:cNvSpPr>
+          <p:nvPr/>
+        </p:nvSpPr>
+        <p:spPr bwMode="auto">
+          <a:xfrm>
+            <a:off x="5904803" y="4153086"/>
+            <a:ext cx="2324100" cy="914400"/>
+          </a:xfrm>
+          <a:prstGeom prst="rect">
+            <a:avLst/>
+          </a:prstGeom>
+          <a:solidFill>
+            <a:srgbClr val="FFFFFF"/>
+          </a:solidFill>
+          <a:ln w="9525">
+            <a:solidFill>
+              <a:srgbClr val="000000"/>
+            </a:solidFill>
+            <a:miter lim="800000"/>
+            <a:headEnd/>
+            <a:tailEnd/>
+          </a:ln>
+        </p:spPr>
+        <p:txBody>
+          <a:bodyPr rot="0" vert="horz" wrap="square" lIns="91440" tIns="45720" rIns="91440" bIns="45720" anchor="t" anchorCtr="0">
+            <a:noAutofit/>
+          </a:bodyPr>
+          <a:lstStyle/>
+          <a:p>
+            <a:pPr>
+              <a:spcAft>
+                <a:spcPts val="0"/>
+              </a:spcAft>
+            </a:pPr>
+            <a:r>
+              <a:rPr lang="zh-TW" sz="1200" kern="100">
+                <a:effectLst/>
+                <a:latin typeface="Calibri" panose="020F0502020204030204" pitchFamily="34" charset="0"/>
+                <a:ea typeface="新細明體" panose="02020500000000000000" pitchFamily="18" charset="-120"/>
+                <a:cs typeface="Times New Roman" panose="02020603050405020304" pitchFamily="18" charset="0"/>
+              </a:rPr>
+              <a:t>店名</a:t>
+            </a:r>
+          </a:p>
+          <a:p>
+            <a:pPr>
+              <a:spcAft>
+                <a:spcPts val="0"/>
+              </a:spcAft>
+            </a:pPr>
+            <a:r>
+              <a:rPr lang="zh-TW" sz="1200" kern="100">
+                <a:effectLst/>
+                <a:latin typeface="Calibri" panose="020F0502020204030204" pitchFamily="34" charset="0"/>
+                <a:ea typeface="新細明體" panose="02020500000000000000" pitchFamily="18" charset="-120"/>
+                <a:cs typeface="Times New Roman" panose="02020603050405020304" pitchFamily="18" charset="0"/>
+              </a:rPr>
+              <a:t>電話</a:t>
+            </a:r>
+          </a:p>
+          <a:p>
+            <a:pPr>
+              <a:spcAft>
+                <a:spcPts val="0"/>
+              </a:spcAft>
+            </a:pPr>
+            <a:r>
+              <a:rPr lang="zh-TW" sz="1200" kern="100">
+                <a:effectLst/>
+                <a:latin typeface="Calibri" panose="020F0502020204030204" pitchFamily="34" charset="0"/>
+                <a:ea typeface="新細明體" panose="02020500000000000000" pitchFamily="18" charset="-120"/>
+                <a:cs typeface="Times New Roman" panose="02020603050405020304" pitchFamily="18" charset="0"/>
+              </a:rPr>
+              <a:t>評分 </a:t>
+            </a:r>
+            <a:r>
+              <a:rPr lang="en-US" sz="1200" kern="100">
+                <a:effectLst/>
+                <a:latin typeface="Calibri" panose="020F0502020204030204" pitchFamily="34" charset="0"/>
+                <a:ea typeface="新細明體" panose="02020500000000000000" pitchFamily="18" charset="-120"/>
+                <a:cs typeface="Times New Roman" panose="02020603050405020304" pitchFamily="18" charset="0"/>
+              </a:rPr>
+              <a:t>                 </a:t>
+            </a:r>
+            <a:r>
+              <a:rPr lang="zh-TW" sz="1200" kern="100">
+                <a:effectLst/>
+                <a:latin typeface="Calibri" panose="020F0502020204030204" pitchFamily="34" charset="0"/>
+                <a:ea typeface="新細明體" panose="02020500000000000000" pitchFamily="18" charset="-120"/>
+                <a:cs typeface="Times New Roman" panose="02020603050405020304" pitchFamily="18" charset="0"/>
+              </a:rPr>
+              <a:t>收藏</a:t>
+            </a:r>
+          </a:p>
+        </p:txBody>
+      </p:sp>
+      <p:sp>
+        <p:nvSpPr>
+          <p:cNvPr id="11" name="心形 10"/>
+          <p:cNvSpPr/>
+          <p:nvPr/>
+        </p:nvSpPr>
+        <p:spPr>
+          <a:xfrm>
+            <a:off x="3847403" y="3459666"/>
+            <a:ext cx="619125" cy="485775"/>
+          </a:xfrm>
+          <a:prstGeom prst="heart">
+            <a:avLst/>
+          </a:prstGeom>
+          <a:solidFill>
+            <a:srgbClr val="FF0000"/>
+          </a:solidFill>
+        </p:spPr>
+        <p:style>
+          <a:lnRef idx="2">
+            <a:schemeClr val="accent1">
+              <a:shade val="50000"/>
+            </a:schemeClr>
+          </a:lnRef>
+          <a:fillRef idx="1">
+            <a:schemeClr val="accent1"/>
+          </a:fillRef>
+          <a:effectRef idx="0">
+            <a:schemeClr val="accent1"/>
+          </a:effectRef>
+          <a:fontRef idx="minor">
+            <a:schemeClr val="lt1"/>
+          </a:fontRef>
+        </p:style>
+        <p:txBody>
+          <a:bodyPr rot="0" spcFirstLastPara="0" vert="horz" wrap="square" lIns="91440" tIns="45720" rIns="91440" bIns="45720" numCol="1" spcCol="0" rtlCol="0" fromWordArt="0" anchor="ctr" anchorCtr="0" forceAA="0" compatLnSpc="1">
+            <a:prstTxWarp prst="textNoShape">
+              <a:avLst/>
+            </a:prstTxWarp>
+            <a:noAutofit/>
+          </a:bodyPr>
+          <a:lstStyle/>
+          <a:p>
+            <a:endParaRPr lang="zh-TW" altLang="en-US"/>
+          </a:p>
+        </p:txBody>
+      </p:sp>
+      <p:sp>
+        <p:nvSpPr>
+          <p:cNvPr id="12" name="心形 11"/>
+          <p:cNvSpPr/>
+          <p:nvPr/>
+        </p:nvSpPr>
+        <p:spPr>
+          <a:xfrm>
+            <a:off x="3856928" y="4393116"/>
+            <a:ext cx="619125" cy="485775"/>
+          </a:xfrm>
+          <a:prstGeom prst="heart">
+            <a:avLst/>
+          </a:prstGeom>
+          <a:solidFill>
+            <a:srgbClr val="FF0000"/>
+          </a:solidFill>
+        </p:spPr>
+        <p:style>
+          <a:lnRef idx="2">
+            <a:schemeClr val="accent1">
+              <a:shade val="50000"/>
+            </a:schemeClr>
+          </a:lnRef>
+          <a:fillRef idx="1">
+            <a:schemeClr val="accent1"/>
+          </a:fillRef>
+          <a:effectRef idx="0">
+            <a:schemeClr val="accent1"/>
+          </a:effectRef>
+          <a:fontRef idx="minor">
+            <a:schemeClr val="lt1"/>
+          </a:fontRef>
+        </p:style>
+        <p:txBody>
+          <a:bodyPr rot="0" spcFirstLastPara="0" vert="horz" wrap="square" lIns="91440" tIns="45720" rIns="91440" bIns="45720" numCol="1" spcCol="0" rtlCol="0" fromWordArt="0" anchor="ctr" anchorCtr="0" forceAA="0" compatLnSpc="1">
+            <a:prstTxWarp prst="textNoShape">
+              <a:avLst/>
+            </a:prstTxWarp>
+            <a:noAutofit/>
+          </a:bodyPr>
+          <a:lstStyle/>
+          <a:p>
+            <a:endParaRPr lang="zh-TW" altLang="en-US"/>
           </a:p>
         </p:txBody>
       </p:sp>
     </p:spTree>
     <p:extLst>
       <p:ext uri="{BB962C8B-B14F-4D97-AF65-F5344CB8AC3E}">
-        <p14:creationId xmlns:p14="http://schemas.microsoft.com/office/powerpoint/2010/main" val="1216896701"/>
+        <p14:creationId xmlns:p14="http://schemas.microsoft.com/office/powerpoint/2010/main" val="3026096839"/>
       </p:ext>
     </p:extLst>
   </p:cSld>
@@ -10434,223 +13657,6 @@
 </file>
 
 <file path=ppt/slides/slide26.xml><?xml version="1.0" encoding="utf-8"?>
-<p:sld xmlns:a="http://schemas.openxmlformats.org/drawingml/2006/main" xmlns:r="http://schemas.openxmlformats.org/officeDocument/2006/relationships" xmlns:p="http://schemas.openxmlformats.org/presentationml/2006/main">
-  <p:cSld>
-    <p:spTree>
-      <p:nvGrpSpPr>
-        <p:cNvPr id="1" name=""/>
-        <p:cNvGrpSpPr/>
-        <p:nvPr/>
-      </p:nvGrpSpPr>
-      <p:grpSpPr>
-        <a:xfrm>
-          <a:off x="0" y="0"/>
-          <a:ext cx="0" cy="0"/>
-          <a:chOff x="0" y="0"/>
-          <a:chExt cx="0" cy="0"/>
-        </a:xfrm>
-      </p:grpSpPr>
-      <p:sp>
-        <p:nvSpPr>
-          <p:cNvPr id="2" name="標題 1"/>
-          <p:cNvSpPr>
-            <a:spLocks noGrp="1"/>
-          </p:cNvSpPr>
-          <p:nvPr>
-            <p:ph type="title"/>
-          </p:nvPr>
-        </p:nvSpPr>
-        <p:spPr/>
-        <p:txBody>
-          <a:bodyPr/>
-          <a:lstStyle/>
-          <a:p>
-            <a:r>
-              <a:rPr lang="zh-TW" altLang="en-US" dirty="0"/>
-              <a:t>操作故事</a:t>
-            </a:r>
-          </a:p>
-        </p:txBody>
-      </p:sp>
-      <p:sp>
-        <p:nvSpPr>
-          <p:cNvPr id="3" name="內容版面配置區 2"/>
-          <p:cNvSpPr>
-            <a:spLocks noGrp="1"/>
-          </p:cNvSpPr>
-          <p:nvPr>
-            <p:ph idx="1"/>
-          </p:nvPr>
-        </p:nvSpPr>
-        <p:spPr/>
-        <p:txBody>
-          <a:bodyPr/>
-          <a:lstStyle/>
-          <a:p>
-            <a:r>
-              <a:rPr lang="zh-TW" altLang="en-US" b="1" dirty="0"/>
-              <a:t>赴約時，朋友突然傳訊息詢問要去的</a:t>
-            </a:r>
-            <a:r>
-              <a:rPr lang="en-US" altLang="zh-TW" b="1" dirty="0"/>
-              <a:t>Starbucks</a:t>
-            </a:r>
-            <a:r>
-              <a:rPr lang="zh-TW" altLang="en-US" b="1" dirty="0"/>
-              <a:t>地址，毛毛一時想不起來，於是打開</a:t>
-            </a:r>
-            <a:r>
-              <a:rPr lang="en-US" altLang="zh-TW" b="1" dirty="0" err="1"/>
-              <a:t>YelpBlaBla</a:t>
-            </a:r>
-            <a:r>
-              <a:rPr lang="zh-TW" altLang="en-US" b="1" dirty="0"/>
-              <a:t>登入帳號後，來到了個人的收藏列表，順利地找到早上查詢的資訊。</a:t>
-            </a:r>
-            <a:endParaRPr lang="en-US" altLang="zh-TW" b="1" dirty="0"/>
-          </a:p>
-          <a:p>
-            <a:endParaRPr lang="en-US" altLang="zh-TW" b="1" dirty="0"/>
-          </a:p>
-          <a:p>
-            <a:r>
-              <a:rPr lang="zh-TW" altLang="en-US" b="1" dirty="0"/>
-              <a:t>朋友們根據上面的資訊到達</a:t>
-            </a:r>
-            <a:r>
-              <a:rPr lang="en-US" altLang="zh-TW" b="1" dirty="0"/>
-              <a:t>Starbucks</a:t>
-            </a:r>
-            <a:r>
-              <a:rPr lang="zh-TW" altLang="en-US" b="1" dirty="0"/>
-              <a:t>，順利的完成小組報告！</a:t>
-            </a:r>
-          </a:p>
-          <a:p>
-            <a:endParaRPr lang="zh-TW" altLang="en-US" dirty="0"/>
-          </a:p>
-        </p:txBody>
-      </p:sp>
-    </p:spTree>
-    <p:extLst>
-      <p:ext uri="{BB962C8B-B14F-4D97-AF65-F5344CB8AC3E}">
-        <p14:creationId xmlns:p14="http://schemas.microsoft.com/office/powerpoint/2010/main" val="824180861"/>
-      </p:ext>
-    </p:extLst>
-  </p:cSld>
-  <p:clrMapOvr>
-    <a:masterClrMapping/>
-  </p:clrMapOvr>
-</p:sld>
-</file>
-
-<file path=ppt/slides/slide27.xml><?xml version="1.0" encoding="utf-8"?>
-<p:sld xmlns:a="http://schemas.openxmlformats.org/drawingml/2006/main" xmlns:r="http://schemas.openxmlformats.org/officeDocument/2006/relationships" xmlns:p="http://schemas.openxmlformats.org/presentationml/2006/main">
-  <p:cSld>
-    <p:spTree>
-      <p:nvGrpSpPr>
-        <p:cNvPr id="1" name=""/>
-        <p:cNvGrpSpPr/>
-        <p:nvPr/>
-      </p:nvGrpSpPr>
-      <p:grpSpPr>
-        <a:xfrm>
-          <a:off x="0" y="0"/>
-          <a:ext cx="0" cy="0"/>
-          <a:chOff x="0" y="0"/>
-          <a:chExt cx="0" cy="0"/>
-        </a:xfrm>
-      </p:grpSpPr>
-      <p:sp>
-        <p:nvSpPr>
-          <p:cNvPr id="2" name="標題 1"/>
-          <p:cNvSpPr>
-            <a:spLocks noGrp="1"/>
-          </p:cNvSpPr>
-          <p:nvPr>
-            <p:ph type="title"/>
-          </p:nvPr>
-        </p:nvSpPr>
-        <p:spPr/>
-        <p:txBody>
-          <a:bodyPr/>
-          <a:lstStyle/>
-          <a:p>
-            <a:r>
-              <a:rPr lang="zh-TW" altLang="en-US" dirty="0"/>
-              <a:t>操作方式</a:t>
-            </a:r>
-          </a:p>
-        </p:txBody>
-      </p:sp>
-      <p:sp>
-        <p:nvSpPr>
-          <p:cNvPr id="3" name="內容版面配置區 2"/>
-          <p:cNvSpPr>
-            <a:spLocks noGrp="1"/>
-          </p:cNvSpPr>
-          <p:nvPr>
-            <p:ph idx="1"/>
-          </p:nvPr>
-        </p:nvSpPr>
-        <p:spPr/>
-        <p:txBody>
-          <a:bodyPr/>
-          <a:lstStyle/>
-          <a:p>
-            <a:r>
-              <a:rPr lang="zh-TW" altLang="en-US" dirty="0" smtClean="0"/>
-              <a:t>收藏列表亦可點擊商家觀看詳細資料。</a:t>
-            </a:r>
-            <a:endParaRPr lang="en-US" altLang="zh-TW" dirty="0" smtClean="0"/>
-          </a:p>
-          <a:p>
-            <a:r>
-              <a:rPr lang="zh-TW" altLang="en-US" dirty="0" smtClean="0"/>
-              <a:t>詳細資料中，店家名稱旁的愛心，若為紅色代表此店家已被加入收藏，白色則無。</a:t>
-            </a:r>
-            <a:endParaRPr lang="en-US" altLang="zh-TW" dirty="0" smtClean="0"/>
-          </a:p>
-          <a:p>
-            <a:r>
-              <a:rPr lang="zh-TW" altLang="en-US" dirty="0" smtClean="0"/>
-              <a:t>路線規劃可選擇由搜尋時輸入的地名為起點或是由裝置現在位置為起點。</a:t>
-            </a:r>
-            <a:endParaRPr lang="en-US" altLang="zh-TW" dirty="0" smtClean="0"/>
-          </a:p>
-          <a:p>
-            <a:r>
-              <a:rPr lang="zh-TW" altLang="en-US" dirty="0" smtClean="0"/>
-              <a:t>路線規劃可選擇四種不同的交通方式。</a:t>
-            </a:r>
-            <a:endParaRPr lang="en-US" altLang="zh-TW" dirty="0" smtClean="0"/>
-          </a:p>
-          <a:p>
-            <a:endParaRPr lang="zh-TW" altLang="en-US" dirty="0"/>
-          </a:p>
-        </p:txBody>
-      </p:sp>
-    </p:spTree>
-    <p:extLst>
-      <p:ext uri="{BB962C8B-B14F-4D97-AF65-F5344CB8AC3E}">
-        <p14:creationId xmlns:p14="http://schemas.microsoft.com/office/powerpoint/2010/main" val="3547676615"/>
-      </p:ext>
-    </p:extLst>
-  </p:cSld>
-  <p:clrMapOvr>
-    <a:masterClrMapping/>
-  </p:clrMapOvr>
-  <p:timing>
-    <p:tnLst>
-      <p:par>
-        <p:cTn id="1" dur="indefinite" restart="never" nodeType="tmRoot"/>
-      </p:par>
-    </p:tnLst>
-  </p:timing>
-</p:sld>
-</file>
-
-<file path=ppt/slides/slide28.xml><?xml version="1.0" encoding="utf-8"?>
 <p:sld xmlns:a="http://schemas.openxmlformats.org/drawingml/2006/main" xmlns:r="http://schemas.openxmlformats.org/officeDocument/2006/relationships" xmlns:p="http://schemas.openxmlformats.org/presentationml/2006/main">
   <p:cSld>
     <p:spTree>
@@ -11332,7 +14338,7 @@
 </p:sld>
 </file>
 
-<file path=ppt/slides/slide29.xml><?xml version="1.0" encoding="utf-8"?>
+<file path=ppt/slides/slide27.xml><?xml version="1.0" encoding="utf-8"?>
 <p:sld xmlns:a="http://schemas.openxmlformats.org/drawingml/2006/main" xmlns:r="http://schemas.openxmlformats.org/officeDocument/2006/relationships" xmlns:p="http://schemas.openxmlformats.org/presentationml/2006/main">
   <p:cSld>
     <p:spTree>
@@ -11399,42 +14405,42 @@
                 <a:gridCol w="1485281">
                   <a:extLst>
                     <a:ext uri="{9D8B030D-6E8A-4147-A177-3AD203B41FA5}">
-                      <a16:colId xmlns:a16="http://schemas.microsoft.com/office/drawing/2014/main" val="1522341846"/>
+                      <a16:colId xmlns:a16="http://schemas.microsoft.com/office/drawing/2014/main" xmlns="" val="1522341846"/>
                     </a:ext>
                   </a:extLst>
                 </a:gridCol>
                 <a:gridCol w="1485281">
                   <a:extLst>
                     <a:ext uri="{9D8B030D-6E8A-4147-A177-3AD203B41FA5}">
-                      <a16:colId xmlns:a16="http://schemas.microsoft.com/office/drawing/2014/main" val="2946085095"/>
+                      <a16:colId xmlns:a16="http://schemas.microsoft.com/office/drawing/2014/main" xmlns="" val="2946085095"/>
                     </a:ext>
                   </a:extLst>
                 </a:gridCol>
                 <a:gridCol w="1485281">
                   <a:extLst>
                     <a:ext uri="{9D8B030D-6E8A-4147-A177-3AD203B41FA5}">
-                      <a16:colId xmlns:a16="http://schemas.microsoft.com/office/drawing/2014/main" val="1484590244"/>
+                      <a16:colId xmlns:a16="http://schemas.microsoft.com/office/drawing/2014/main" xmlns="" val="1484590244"/>
                     </a:ext>
                   </a:extLst>
                 </a:gridCol>
                 <a:gridCol w="1485281">
                   <a:extLst>
                     <a:ext uri="{9D8B030D-6E8A-4147-A177-3AD203B41FA5}">
-                      <a16:colId xmlns:a16="http://schemas.microsoft.com/office/drawing/2014/main" val="2065224063"/>
+                      <a16:colId xmlns:a16="http://schemas.microsoft.com/office/drawing/2014/main" xmlns="" val="2065224063"/>
                     </a:ext>
                   </a:extLst>
                 </a:gridCol>
                 <a:gridCol w="1485281">
                   <a:extLst>
                     <a:ext uri="{9D8B030D-6E8A-4147-A177-3AD203B41FA5}">
-                      <a16:colId xmlns:a16="http://schemas.microsoft.com/office/drawing/2014/main" val="2981450376"/>
+                      <a16:colId xmlns:a16="http://schemas.microsoft.com/office/drawing/2014/main" xmlns="" val="2981450376"/>
                     </a:ext>
                   </a:extLst>
                 </a:gridCol>
                 <a:gridCol w="1485281">
                   <a:extLst>
                     <a:ext uri="{9D8B030D-6E8A-4147-A177-3AD203B41FA5}">
-                      <a16:colId xmlns:a16="http://schemas.microsoft.com/office/drawing/2014/main" val="32214980"/>
+                      <a16:colId xmlns:a16="http://schemas.microsoft.com/office/drawing/2014/main" xmlns="" val="32214980"/>
                     </a:ext>
                   </a:extLst>
                 </a:gridCol>
@@ -11796,7 +14802,7 @@
                 </a:tc>
                 <a:extLst>
                   <a:ext uri="{0D108BD9-81ED-4DB2-BD59-A6C34878D82A}">
-                    <a16:rowId xmlns:a16="http://schemas.microsoft.com/office/drawing/2014/main" val="1605823167"/>
+                    <a16:rowId xmlns:a16="http://schemas.microsoft.com/office/drawing/2014/main" xmlns="" val="1605823167"/>
                   </a:ext>
                 </a:extLst>
               </a:tr>
@@ -11953,7 +14959,7 @@
                 </a:tc>
                 <a:extLst>
                   <a:ext uri="{0D108BD9-81ED-4DB2-BD59-A6C34878D82A}">
-                    <a16:rowId xmlns:a16="http://schemas.microsoft.com/office/drawing/2014/main" val="3878030640"/>
+                    <a16:rowId xmlns:a16="http://schemas.microsoft.com/office/drawing/2014/main" xmlns="" val="3878030640"/>
                   </a:ext>
                 </a:extLst>
               </a:tr>
@@ -12352,7 +15358,7 @@
                 </a:tc>
                 <a:extLst>
                   <a:ext uri="{0D108BD9-81ED-4DB2-BD59-A6C34878D82A}">
-                    <a16:rowId xmlns:a16="http://schemas.microsoft.com/office/drawing/2014/main" val="779160651"/>
+                    <a16:rowId xmlns:a16="http://schemas.microsoft.com/office/drawing/2014/main" xmlns="" val="779160651"/>
                   </a:ext>
                 </a:extLst>
               </a:tr>
@@ -12655,7 +15661,7 @@
                 </a:tc>
                 <a:extLst>
                   <a:ext uri="{0D108BD9-81ED-4DB2-BD59-A6C34878D82A}">
-                    <a16:rowId xmlns:a16="http://schemas.microsoft.com/office/drawing/2014/main" val="1328225863"/>
+                    <a16:rowId xmlns:a16="http://schemas.microsoft.com/office/drawing/2014/main" xmlns="" val="1328225863"/>
                   </a:ext>
                 </a:extLst>
               </a:tr>
@@ -12969,7 +15975,7 @@
                 </a:tc>
                 <a:extLst>
                   <a:ext uri="{0D108BD9-81ED-4DB2-BD59-A6C34878D82A}">
-                    <a16:rowId xmlns:a16="http://schemas.microsoft.com/office/drawing/2014/main" val="2343699192"/>
+                    <a16:rowId xmlns:a16="http://schemas.microsoft.com/office/drawing/2014/main" xmlns="" val="2343699192"/>
                   </a:ext>
                 </a:extLst>
               </a:tr>
@@ -13283,7 +16289,7 @@
                 </a:tc>
                 <a:extLst>
                   <a:ext uri="{0D108BD9-81ED-4DB2-BD59-A6C34878D82A}">
-                    <a16:rowId xmlns:a16="http://schemas.microsoft.com/office/drawing/2014/main" val="3137852874"/>
+                    <a16:rowId xmlns:a16="http://schemas.microsoft.com/office/drawing/2014/main" xmlns="" val="3137852874"/>
                   </a:ext>
                 </a:extLst>
               </a:tr>
@@ -13671,7 +16677,7 @@
                 </a:tc>
                 <a:extLst>
                   <a:ext uri="{0D108BD9-81ED-4DB2-BD59-A6C34878D82A}">
-                    <a16:rowId xmlns:a16="http://schemas.microsoft.com/office/drawing/2014/main" val="3056819481"/>
+                    <a16:rowId xmlns:a16="http://schemas.microsoft.com/office/drawing/2014/main" xmlns="" val="3056819481"/>
                   </a:ext>
                 </a:extLst>
               </a:tr>
@@ -13963,7 +16969,7 @@
                 </a:tc>
                 <a:extLst>
                   <a:ext uri="{0D108BD9-81ED-4DB2-BD59-A6C34878D82A}">
-                    <a16:rowId xmlns:a16="http://schemas.microsoft.com/office/drawing/2014/main" val="586849533"/>
+                    <a16:rowId xmlns:a16="http://schemas.microsoft.com/office/drawing/2014/main" xmlns="" val="586849533"/>
                   </a:ext>
                 </a:extLst>
               </a:tr>
@@ -14255,7 +17261,7 @@
                 </a:tc>
                 <a:extLst>
                   <a:ext uri="{0D108BD9-81ED-4DB2-BD59-A6C34878D82A}">
-                    <a16:rowId xmlns:a16="http://schemas.microsoft.com/office/drawing/2014/main" val="40572000"/>
+                    <a16:rowId xmlns:a16="http://schemas.microsoft.com/office/drawing/2014/main" xmlns="" val="40572000"/>
                   </a:ext>
                 </a:extLst>
               </a:tr>
@@ -14276,180 +17282,7 @@
 </p:sld>
 </file>
 
-<file path=ppt/slides/slide3.xml><?xml version="1.0" encoding="utf-8"?>
-<p:sld xmlns:a="http://schemas.openxmlformats.org/drawingml/2006/main" xmlns:r="http://schemas.openxmlformats.org/officeDocument/2006/relationships" xmlns:p="http://schemas.openxmlformats.org/presentationml/2006/main">
-  <p:cSld>
-    <p:spTree>
-      <p:nvGrpSpPr>
-        <p:cNvPr id="1" name=""/>
-        <p:cNvGrpSpPr/>
-        <p:nvPr/>
-      </p:nvGrpSpPr>
-      <p:grpSpPr>
-        <a:xfrm>
-          <a:off x="0" y="0"/>
-          <a:ext cx="0" cy="0"/>
-          <a:chOff x="0" y="0"/>
-          <a:chExt cx="0" cy="0"/>
-        </a:xfrm>
-      </p:grpSpPr>
-      <p:sp>
-        <p:nvSpPr>
-          <p:cNvPr id="2" name="標題 1"/>
-          <p:cNvSpPr>
-            <a:spLocks noGrp="1"/>
-          </p:cNvSpPr>
-          <p:nvPr>
-            <p:ph type="title"/>
-          </p:nvPr>
-        </p:nvSpPr>
-        <p:spPr/>
-        <p:txBody>
-          <a:bodyPr/>
-          <a:lstStyle/>
-          <a:p>
-            <a:r>
-              <a:rPr lang="zh-TW" altLang="en-US" dirty="0" smtClean="0"/>
-              <a:t>技術概念和特色</a:t>
-            </a:r>
-            <a:endParaRPr lang="zh-TW" altLang="en-US" dirty="0"/>
-          </a:p>
-        </p:txBody>
-      </p:sp>
-      <p:sp>
-        <p:nvSpPr>
-          <p:cNvPr id="3" name="內容版面配置區 2"/>
-          <p:cNvSpPr>
-            <a:spLocks noGrp="1"/>
-          </p:cNvSpPr>
-          <p:nvPr>
-            <p:ph idx="1"/>
-          </p:nvPr>
-        </p:nvSpPr>
-        <p:spPr/>
-        <p:txBody>
-          <a:bodyPr/>
-          <a:lstStyle/>
-          <a:p>
-            <a:r>
-              <a:rPr lang="zh-TW" altLang="en-US" dirty="0" smtClean="0"/>
-              <a:t>透過簡易的</a:t>
-            </a:r>
-            <a:r>
-              <a:rPr lang="en-US" altLang="zh-TW" dirty="0" smtClean="0"/>
-              <a:t>Http Get</a:t>
-            </a:r>
-            <a:r>
-              <a:rPr lang="zh-TW" altLang="en-US" dirty="0" smtClean="0"/>
-              <a:t>即可獲得許</a:t>
-            </a:r>
-            <a:r>
-              <a:rPr lang="zh-TW" altLang="en-US" dirty="0"/>
-              <a:t>多</a:t>
-            </a:r>
-            <a:r>
-              <a:rPr lang="zh-TW" altLang="en-US" dirty="0" smtClean="0"/>
-              <a:t>店家的資訊，包含</a:t>
-            </a:r>
-            <a:endParaRPr lang="en-US" altLang="zh-TW" dirty="0" smtClean="0"/>
-          </a:p>
-          <a:p>
-            <a:pPr lvl="1"/>
-            <a:r>
-              <a:rPr lang="zh-TW" altLang="en-US" dirty="0" smtClean="0"/>
-              <a:t>餐廳</a:t>
-            </a:r>
-            <a:endParaRPr lang="en-US" altLang="zh-TW" dirty="0" smtClean="0"/>
-          </a:p>
-          <a:p>
-            <a:pPr lvl="1"/>
-            <a:r>
-              <a:rPr lang="zh-TW" altLang="en-US" dirty="0" smtClean="0"/>
-              <a:t>快遞</a:t>
-            </a:r>
-            <a:endParaRPr lang="en-US" altLang="zh-TW" dirty="0" smtClean="0"/>
-          </a:p>
-          <a:p>
-            <a:pPr lvl="1"/>
-            <a:r>
-              <a:rPr lang="zh-TW" altLang="en-US" dirty="0" smtClean="0"/>
-              <a:t>景點</a:t>
-            </a:r>
-            <a:endParaRPr lang="en-US" altLang="zh-TW" dirty="0" smtClean="0"/>
-          </a:p>
-          <a:p>
-            <a:pPr lvl="1"/>
-            <a:endParaRPr lang="en-US" altLang="zh-TW" dirty="0" smtClean="0"/>
-          </a:p>
-          <a:p>
-            <a:r>
-              <a:rPr lang="zh-TW" altLang="en-US" dirty="0" smtClean="0"/>
-              <a:t>可</a:t>
-            </a:r>
-            <a:r>
-              <a:rPr lang="zh-TW" altLang="en-US" dirty="0"/>
-              <a:t>設定的參數多樣</a:t>
-            </a:r>
-            <a:endParaRPr lang="en-US" altLang="zh-TW" dirty="0"/>
-          </a:p>
-          <a:p>
-            <a:pPr lvl="1"/>
-            <a:r>
-              <a:rPr lang="zh-TW" altLang="en-US" dirty="0"/>
-              <a:t>店家名稱</a:t>
-            </a:r>
-            <a:endParaRPr lang="en-US" altLang="zh-TW" dirty="0"/>
-          </a:p>
-          <a:p>
-            <a:pPr lvl="1"/>
-            <a:r>
-              <a:rPr lang="zh-TW" altLang="en-US" dirty="0"/>
-              <a:t>距離</a:t>
-            </a:r>
-            <a:endParaRPr lang="en-US" altLang="zh-TW" dirty="0"/>
-          </a:p>
-          <a:p>
-            <a:pPr lvl="1"/>
-            <a:r>
-              <a:rPr lang="zh-TW" altLang="en-US" dirty="0"/>
-              <a:t>區域</a:t>
-            </a:r>
-            <a:endParaRPr lang="en-US" altLang="zh-TW" dirty="0"/>
-          </a:p>
-          <a:p>
-            <a:pPr lvl="1"/>
-            <a:r>
-              <a:rPr lang="zh-TW" altLang="en-US" dirty="0"/>
-              <a:t>營業時間</a:t>
-            </a:r>
-          </a:p>
-          <a:p>
-            <a:pPr lvl="1"/>
-            <a:endParaRPr lang="en-US" altLang="zh-TW" dirty="0" smtClean="0"/>
-          </a:p>
-        </p:txBody>
-      </p:sp>
-    </p:spTree>
-    <p:extLst>
-      <p:ext uri="{BB962C8B-B14F-4D97-AF65-F5344CB8AC3E}">
-        <p14:creationId xmlns:p14="http://schemas.microsoft.com/office/powerpoint/2010/main" val="2539187730"/>
-      </p:ext>
-    </p:extLst>
-  </p:cSld>
-  <p:clrMapOvr>
-    <a:masterClrMapping/>
-  </p:clrMapOvr>
-  <p:timing>
-    <p:tnLst>
-      <p:par>
-        <p:cTn id="1" dur="indefinite" restart="never" nodeType="tmRoot"/>
-      </p:par>
-    </p:tnLst>
-  </p:timing>
-</p:sld>
-</file>
-
-<file path=ppt/slides/slide30.xml><?xml version="1.0" encoding="utf-8"?>
+<file path=ppt/slides/slide28.xml><?xml version="1.0" encoding="utf-8"?>
 <p:sld xmlns:a="http://schemas.openxmlformats.org/drawingml/2006/main" xmlns:r="http://schemas.openxmlformats.org/officeDocument/2006/relationships" xmlns:p="http://schemas.openxmlformats.org/presentationml/2006/main">
   <p:cSld>
     <p:spTree>
@@ -14516,42 +17349,42 @@
                 <a:gridCol w="1485281">
                   <a:extLst>
                     <a:ext uri="{9D8B030D-6E8A-4147-A177-3AD203B41FA5}">
-                      <a16:colId xmlns:a16="http://schemas.microsoft.com/office/drawing/2014/main" val="181454588"/>
+                      <a16:colId xmlns:a16="http://schemas.microsoft.com/office/drawing/2014/main" xmlns="" val="181454588"/>
                     </a:ext>
                   </a:extLst>
                 </a:gridCol>
                 <a:gridCol w="1485281">
                   <a:extLst>
                     <a:ext uri="{9D8B030D-6E8A-4147-A177-3AD203B41FA5}">
-                      <a16:colId xmlns:a16="http://schemas.microsoft.com/office/drawing/2014/main" val="1299287274"/>
+                      <a16:colId xmlns:a16="http://schemas.microsoft.com/office/drawing/2014/main" xmlns="" val="1299287274"/>
                     </a:ext>
                   </a:extLst>
                 </a:gridCol>
                 <a:gridCol w="1485281">
                   <a:extLst>
                     <a:ext uri="{9D8B030D-6E8A-4147-A177-3AD203B41FA5}">
-                      <a16:colId xmlns:a16="http://schemas.microsoft.com/office/drawing/2014/main" val="2196774209"/>
+                      <a16:colId xmlns:a16="http://schemas.microsoft.com/office/drawing/2014/main" xmlns="" val="2196774209"/>
                     </a:ext>
                   </a:extLst>
                 </a:gridCol>
                 <a:gridCol w="1485281">
                   <a:extLst>
                     <a:ext uri="{9D8B030D-6E8A-4147-A177-3AD203B41FA5}">
-                      <a16:colId xmlns:a16="http://schemas.microsoft.com/office/drawing/2014/main" val="2497886750"/>
+                      <a16:colId xmlns:a16="http://schemas.microsoft.com/office/drawing/2014/main" xmlns="" val="2497886750"/>
                     </a:ext>
                   </a:extLst>
                 </a:gridCol>
                 <a:gridCol w="1485281">
                   <a:extLst>
                     <a:ext uri="{9D8B030D-6E8A-4147-A177-3AD203B41FA5}">
-                      <a16:colId xmlns:a16="http://schemas.microsoft.com/office/drawing/2014/main" val="883960185"/>
+                      <a16:colId xmlns:a16="http://schemas.microsoft.com/office/drawing/2014/main" xmlns="" val="883960185"/>
                     </a:ext>
                   </a:extLst>
                 </a:gridCol>
                 <a:gridCol w="1485281">
                   <a:extLst>
                     <a:ext uri="{9D8B030D-6E8A-4147-A177-3AD203B41FA5}">
-                      <a16:colId xmlns:a16="http://schemas.microsoft.com/office/drawing/2014/main" val="3966886544"/>
+                      <a16:colId xmlns:a16="http://schemas.microsoft.com/office/drawing/2014/main" xmlns="" val="3966886544"/>
                     </a:ext>
                   </a:extLst>
                 </a:gridCol>
@@ -14916,7 +17749,7 @@
                 </a:tc>
                 <a:extLst>
                   <a:ext uri="{0D108BD9-81ED-4DB2-BD59-A6C34878D82A}">
-                    <a16:rowId xmlns:a16="http://schemas.microsoft.com/office/drawing/2014/main" val="3394241300"/>
+                    <a16:rowId xmlns:a16="http://schemas.microsoft.com/office/drawing/2014/main" xmlns="" val="3394241300"/>
                   </a:ext>
                 </a:extLst>
               </a:tr>
@@ -15208,7 +18041,7 @@
                 </a:tc>
                 <a:extLst>
                   <a:ext uri="{0D108BD9-81ED-4DB2-BD59-A6C34878D82A}">
-                    <a16:rowId xmlns:a16="http://schemas.microsoft.com/office/drawing/2014/main" val="2829911925"/>
+                    <a16:rowId xmlns:a16="http://schemas.microsoft.com/office/drawing/2014/main" xmlns="" val="2829911925"/>
                   </a:ext>
                 </a:extLst>
               </a:tr>
@@ -15500,7 +18333,7 @@
                 </a:tc>
                 <a:extLst>
                   <a:ext uri="{0D108BD9-81ED-4DB2-BD59-A6C34878D82A}">
-                    <a16:rowId xmlns:a16="http://schemas.microsoft.com/office/drawing/2014/main" val="1687817131"/>
+                    <a16:rowId xmlns:a16="http://schemas.microsoft.com/office/drawing/2014/main" xmlns="" val="1687817131"/>
                   </a:ext>
                 </a:extLst>
               </a:tr>
@@ -15910,7 +18743,7 @@
                 </a:tc>
                 <a:extLst>
                   <a:ext uri="{0D108BD9-81ED-4DB2-BD59-A6C34878D82A}">
-                    <a16:rowId xmlns:a16="http://schemas.microsoft.com/office/drawing/2014/main" val="1975984586"/>
+                    <a16:rowId xmlns:a16="http://schemas.microsoft.com/office/drawing/2014/main" xmlns="" val="1975984586"/>
                   </a:ext>
                 </a:extLst>
               </a:tr>
@@ -16224,7 +19057,7 @@
                 </a:tc>
                 <a:extLst>
                   <a:ext uri="{0D108BD9-81ED-4DB2-BD59-A6C34878D82A}">
-                    <a16:rowId xmlns:a16="http://schemas.microsoft.com/office/drawing/2014/main" val="3025725816"/>
+                    <a16:rowId xmlns:a16="http://schemas.microsoft.com/office/drawing/2014/main" xmlns="" val="3025725816"/>
                   </a:ext>
                 </a:extLst>
               </a:tr>
@@ -16516,7 +19349,7 @@
                 </a:tc>
                 <a:extLst>
                   <a:ext uri="{0D108BD9-81ED-4DB2-BD59-A6C34878D82A}">
-                    <a16:rowId xmlns:a16="http://schemas.microsoft.com/office/drawing/2014/main" val="746426692"/>
+                    <a16:rowId xmlns:a16="http://schemas.microsoft.com/office/drawing/2014/main" xmlns="" val="746426692"/>
                   </a:ext>
                 </a:extLst>
               </a:tr>
@@ -16937,7 +19770,7 @@
                 </a:tc>
                 <a:extLst>
                   <a:ext uri="{0D108BD9-81ED-4DB2-BD59-A6C34878D82A}">
-                    <a16:rowId xmlns:a16="http://schemas.microsoft.com/office/drawing/2014/main" val="1551192251"/>
+                    <a16:rowId xmlns:a16="http://schemas.microsoft.com/office/drawing/2014/main" xmlns="" val="1551192251"/>
                   </a:ext>
                 </a:extLst>
               </a:tr>
@@ -17229,7 +20062,7 @@
                 </a:tc>
                 <a:extLst>
                   <a:ext uri="{0D108BD9-81ED-4DB2-BD59-A6C34878D82A}">
-                    <a16:rowId xmlns:a16="http://schemas.microsoft.com/office/drawing/2014/main" val="2816201242"/>
+                    <a16:rowId xmlns:a16="http://schemas.microsoft.com/office/drawing/2014/main" xmlns="" val="2816201242"/>
                   </a:ext>
                 </a:extLst>
               </a:tr>
@@ -17434,7 +20267,7 @@
                 </a:tc>
                 <a:extLst>
                   <a:ext uri="{0D108BD9-81ED-4DB2-BD59-A6C34878D82A}">
-                    <a16:rowId xmlns:a16="http://schemas.microsoft.com/office/drawing/2014/main" val="3006280963"/>
+                    <a16:rowId xmlns:a16="http://schemas.microsoft.com/office/drawing/2014/main" xmlns="" val="3006280963"/>
                   </a:ext>
                 </a:extLst>
               </a:tr>
@@ -17455,7 +20288,7 @@
 </p:sld>
 </file>
 
-<file path=ppt/slides/slide31.xml><?xml version="1.0" encoding="utf-8"?>
+<file path=ppt/slides/slide29.xml><?xml version="1.0" encoding="utf-8"?>
 <p:sld xmlns:a="http://schemas.openxmlformats.org/drawingml/2006/main" xmlns:r="http://schemas.openxmlformats.org/officeDocument/2006/relationships" xmlns:p="http://schemas.openxmlformats.org/presentationml/2006/main">
   <p:cSld>
     <p:spTree>
@@ -18278,7 +21111,180 @@
 </p:sld>
 </file>
 
-<file path=ppt/slides/slide32.xml><?xml version="1.0" encoding="utf-8"?>
+<file path=ppt/slides/slide3.xml><?xml version="1.0" encoding="utf-8"?>
+<p:sld xmlns:a="http://schemas.openxmlformats.org/drawingml/2006/main" xmlns:r="http://schemas.openxmlformats.org/officeDocument/2006/relationships" xmlns:p="http://schemas.openxmlformats.org/presentationml/2006/main">
+  <p:cSld>
+    <p:spTree>
+      <p:nvGrpSpPr>
+        <p:cNvPr id="1" name=""/>
+        <p:cNvGrpSpPr/>
+        <p:nvPr/>
+      </p:nvGrpSpPr>
+      <p:grpSpPr>
+        <a:xfrm>
+          <a:off x="0" y="0"/>
+          <a:ext cx="0" cy="0"/>
+          <a:chOff x="0" y="0"/>
+          <a:chExt cx="0" cy="0"/>
+        </a:xfrm>
+      </p:grpSpPr>
+      <p:sp>
+        <p:nvSpPr>
+          <p:cNvPr id="2" name="標題 1"/>
+          <p:cNvSpPr>
+            <a:spLocks noGrp="1"/>
+          </p:cNvSpPr>
+          <p:nvPr>
+            <p:ph type="title"/>
+          </p:nvPr>
+        </p:nvSpPr>
+        <p:spPr/>
+        <p:txBody>
+          <a:bodyPr/>
+          <a:lstStyle/>
+          <a:p>
+            <a:r>
+              <a:rPr lang="zh-TW" altLang="en-US" dirty="0" smtClean="0"/>
+              <a:t>技術概念和特色</a:t>
+            </a:r>
+            <a:endParaRPr lang="zh-TW" altLang="en-US" dirty="0"/>
+          </a:p>
+        </p:txBody>
+      </p:sp>
+      <p:sp>
+        <p:nvSpPr>
+          <p:cNvPr id="3" name="內容版面配置區 2"/>
+          <p:cNvSpPr>
+            <a:spLocks noGrp="1"/>
+          </p:cNvSpPr>
+          <p:nvPr>
+            <p:ph idx="1"/>
+          </p:nvPr>
+        </p:nvSpPr>
+        <p:spPr/>
+        <p:txBody>
+          <a:bodyPr/>
+          <a:lstStyle/>
+          <a:p>
+            <a:r>
+              <a:rPr lang="zh-TW" altLang="en-US" dirty="0" smtClean="0"/>
+              <a:t>透過簡易的</a:t>
+            </a:r>
+            <a:r>
+              <a:rPr lang="en-US" altLang="zh-TW" dirty="0" smtClean="0"/>
+              <a:t>Http Get</a:t>
+            </a:r>
+            <a:r>
+              <a:rPr lang="zh-TW" altLang="en-US" dirty="0" smtClean="0"/>
+              <a:t>即可獲得許</a:t>
+            </a:r>
+            <a:r>
+              <a:rPr lang="zh-TW" altLang="en-US" dirty="0"/>
+              <a:t>多</a:t>
+            </a:r>
+            <a:r>
+              <a:rPr lang="zh-TW" altLang="en-US" dirty="0" smtClean="0"/>
+              <a:t>店家的資訊，包含</a:t>
+            </a:r>
+            <a:endParaRPr lang="en-US" altLang="zh-TW" dirty="0" smtClean="0"/>
+          </a:p>
+          <a:p>
+            <a:pPr lvl="1"/>
+            <a:r>
+              <a:rPr lang="zh-TW" altLang="en-US" dirty="0" smtClean="0"/>
+              <a:t>餐廳</a:t>
+            </a:r>
+            <a:endParaRPr lang="en-US" altLang="zh-TW" dirty="0" smtClean="0"/>
+          </a:p>
+          <a:p>
+            <a:pPr lvl="1"/>
+            <a:r>
+              <a:rPr lang="zh-TW" altLang="en-US" dirty="0" smtClean="0"/>
+              <a:t>快遞</a:t>
+            </a:r>
+            <a:endParaRPr lang="en-US" altLang="zh-TW" dirty="0" smtClean="0"/>
+          </a:p>
+          <a:p>
+            <a:pPr lvl="1"/>
+            <a:r>
+              <a:rPr lang="zh-TW" altLang="en-US" dirty="0" smtClean="0"/>
+              <a:t>景點</a:t>
+            </a:r>
+            <a:endParaRPr lang="en-US" altLang="zh-TW" dirty="0" smtClean="0"/>
+          </a:p>
+          <a:p>
+            <a:pPr lvl="1"/>
+            <a:endParaRPr lang="en-US" altLang="zh-TW" dirty="0" smtClean="0"/>
+          </a:p>
+          <a:p>
+            <a:r>
+              <a:rPr lang="zh-TW" altLang="en-US" dirty="0" smtClean="0"/>
+              <a:t>可</a:t>
+            </a:r>
+            <a:r>
+              <a:rPr lang="zh-TW" altLang="en-US" dirty="0"/>
+              <a:t>設定的參數多樣</a:t>
+            </a:r>
+            <a:endParaRPr lang="en-US" altLang="zh-TW" dirty="0"/>
+          </a:p>
+          <a:p>
+            <a:pPr lvl="1"/>
+            <a:r>
+              <a:rPr lang="zh-TW" altLang="en-US" dirty="0"/>
+              <a:t>店家名稱</a:t>
+            </a:r>
+            <a:endParaRPr lang="en-US" altLang="zh-TW" dirty="0"/>
+          </a:p>
+          <a:p>
+            <a:pPr lvl="1"/>
+            <a:r>
+              <a:rPr lang="zh-TW" altLang="en-US" dirty="0"/>
+              <a:t>距離</a:t>
+            </a:r>
+            <a:endParaRPr lang="en-US" altLang="zh-TW" dirty="0"/>
+          </a:p>
+          <a:p>
+            <a:pPr lvl="1"/>
+            <a:r>
+              <a:rPr lang="zh-TW" altLang="en-US" dirty="0"/>
+              <a:t>區域</a:t>
+            </a:r>
+            <a:endParaRPr lang="en-US" altLang="zh-TW" dirty="0"/>
+          </a:p>
+          <a:p>
+            <a:pPr lvl="1"/>
+            <a:r>
+              <a:rPr lang="zh-TW" altLang="en-US" dirty="0"/>
+              <a:t>營業時間</a:t>
+            </a:r>
+          </a:p>
+          <a:p>
+            <a:pPr lvl="1"/>
+            <a:endParaRPr lang="en-US" altLang="zh-TW" dirty="0" smtClean="0"/>
+          </a:p>
+        </p:txBody>
+      </p:sp>
+    </p:spTree>
+    <p:extLst>
+      <p:ext uri="{BB962C8B-B14F-4D97-AF65-F5344CB8AC3E}">
+        <p14:creationId xmlns:p14="http://schemas.microsoft.com/office/powerpoint/2010/main" val="2539187730"/>
+      </p:ext>
+    </p:extLst>
+  </p:cSld>
+  <p:clrMapOvr>
+    <a:masterClrMapping/>
+  </p:clrMapOvr>
+  <p:timing>
+    <p:tnLst>
+      <p:par>
+        <p:cTn id="1" dur="indefinite" restart="never" nodeType="tmRoot"/>
+      </p:par>
+    </p:tnLst>
+  </p:timing>
+</p:sld>
+</file>
+
+<file path=ppt/slides/slide30.xml><?xml version="1.0" encoding="utf-8"?>
 <p:sld xmlns:a="http://schemas.openxmlformats.org/drawingml/2006/main" xmlns:r="http://schemas.openxmlformats.org/officeDocument/2006/relationships" xmlns:p="http://schemas.openxmlformats.org/presentationml/2006/main">
   <p:cSld>
     <p:spTree>
@@ -18819,7 +21825,7 @@
 </p:sld>
 </file>
 
-<file path=ppt/slides/slide33.xml><?xml version="1.0" encoding="utf-8"?>
+<file path=ppt/slides/slide31.xml><?xml version="1.0" encoding="utf-8"?>
 <p:sld xmlns:a="http://schemas.openxmlformats.org/drawingml/2006/main" xmlns:r="http://schemas.openxmlformats.org/officeDocument/2006/relationships" xmlns:p="http://schemas.openxmlformats.org/presentationml/2006/main">
   <p:cSld>
     <p:spTree>
@@ -19514,6 +22520,1140 @@
     <p:extLst>
       <p:ext uri="{BB962C8B-B14F-4D97-AF65-F5344CB8AC3E}">
         <p14:creationId xmlns:p14="http://schemas.microsoft.com/office/powerpoint/2010/main" val="470255421"/>
+      </p:ext>
+    </p:extLst>
+  </p:cSld>
+  <p:clrMapOvr>
+    <a:masterClrMapping/>
+  </p:clrMapOvr>
+</p:sld>
+</file>
+
+<file path=ppt/slides/slide32.xml><?xml version="1.0" encoding="utf-8"?>
+<p:sld xmlns:a="http://schemas.openxmlformats.org/drawingml/2006/main" xmlns:r="http://schemas.openxmlformats.org/officeDocument/2006/relationships" xmlns:p="http://schemas.openxmlformats.org/presentationml/2006/main">
+  <p:cSld>
+    <p:spTree>
+      <p:nvGrpSpPr>
+        <p:cNvPr id="1" name=""/>
+        <p:cNvGrpSpPr/>
+        <p:nvPr/>
+      </p:nvGrpSpPr>
+      <p:grpSpPr>
+        <a:xfrm>
+          <a:off x="0" y="0"/>
+          <a:ext cx="0" cy="0"/>
+          <a:chOff x="0" y="0"/>
+          <a:chExt cx="0" cy="0"/>
+        </a:xfrm>
+      </p:grpSpPr>
+      <p:sp>
+        <p:nvSpPr>
+          <p:cNvPr id="2" name="標題 1"/>
+          <p:cNvSpPr>
+            <a:spLocks noGrp="1"/>
+          </p:cNvSpPr>
+          <p:nvPr>
+            <p:ph type="title"/>
+          </p:nvPr>
+        </p:nvSpPr>
+        <p:spPr/>
+        <p:txBody>
+          <a:bodyPr/>
+          <a:lstStyle/>
+          <a:p>
+            <a:r>
+              <a:rPr lang="zh-TW" altLang="en-US" dirty="0"/>
+              <a:t>類別圖 </a:t>
+            </a:r>
+            <a:r>
+              <a:rPr lang="en-US" altLang="zh-TW" dirty="0" smtClean="0"/>
+              <a:t>–</a:t>
+            </a:r>
+            <a:r>
+              <a:rPr lang="zh-TW" altLang="en-US" dirty="0" smtClean="0"/>
+              <a:t>搜尋</a:t>
+            </a:r>
+            <a:endParaRPr lang="zh-TW" altLang="en-US" dirty="0"/>
+          </a:p>
+        </p:txBody>
+      </p:sp>
+      <p:sp>
+        <p:nvSpPr>
+          <p:cNvPr id="3" name="內容版面配置區 2"/>
+          <p:cNvSpPr>
+            <a:spLocks noGrp="1"/>
+          </p:cNvSpPr>
+          <p:nvPr>
+            <p:ph idx="1"/>
+          </p:nvPr>
+        </p:nvSpPr>
+        <p:spPr/>
+        <p:txBody>
+          <a:bodyPr/>
+          <a:lstStyle/>
+          <a:p>
+            <a:endParaRPr lang="zh-TW" altLang="en-US" dirty="0"/>
+          </a:p>
+        </p:txBody>
+      </p:sp>
+      <p:sp>
+        <p:nvSpPr>
+          <p:cNvPr id="4" name="矩形 3"/>
+          <p:cNvSpPr/>
+          <p:nvPr/>
+        </p:nvSpPr>
+        <p:spPr>
+          <a:xfrm>
+            <a:off x="4748679" y="3051246"/>
+            <a:ext cx="3131820" cy="766119"/>
+          </a:xfrm>
+          <a:prstGeom prst="rect">
+            <a:avLst/>
+          </a:prstGeom>
+        </p:spPr>
+        <p:style>
+          <a:lnRef idx="2">
+            <a:schemeClr val="accent1">
+              <a:shade val="50000"/>
+            </a:schemeClr>
+          </a:lnRef>
+          <a:fillRef idx="1">
+            <a:schemeClr val="accent1"/>
+          </a:fillRef>
+          <a:effectRef idx="0">
+            <a:schemeClr val="accent1"/>
+          </a:effectRef>
+          <a:fontRef idx="minor">
+            <a:schemeClr val="lt1"/>
+          </a:fontRef>
+        </p:style>
+        <p:txBody>
+          <a:bodyPr rtlCol="0" anchor="ctr"/>
+          <a:lstStyle/>
+          <a:p>
+            <a:pPr algn="ctr"/>
+            <a:r>
+              <a:rPr lang="en-US" altLang="zh-TW" dirty="0" err="1" smtClean="0"/>
+              <a:t>HomePageUI.jsp</a:t>
+            </a:r>
+            <a:endParaRPr lang="en-US" altLang="zh-TW" dirty="0" smtClean="0"/>
+          </a:p>
+        </p:txBody>
+      </p:sp>
+      <p:sp>
+        <p:nvSpPr>
+          <p:cNvPr id="5" name="矩形 4"/>
+          <p:cNvSpPr/>
+          <p:nvPr/>
+        </p:nvSpPr>
+        <p:spPr>
+          <a:xfrm>
+            <a:off x="8372792" y="3051246"/>
+            <a:ext cx="3131820" cy="766119"/>
+          </a:xfrm>
+          <a:prstGeom prst="rect">
+            <a:avLst/>
+          </a:prstGeom>
+        </p:spPr>
+        <p:style>
+          <a:lnRef idx="2">
+            <a:schemeClr val="accent1">
+              <a:shade val="50000"/>
+            </a:schemeClr>
+          </a:lnRef>
+          <a:fillRef idx="1">
+            <a:schemeClr val="accent1"/>
+          </a:fillRef>
+          <a:effectRef idx="0">
+            <a:schemeClr val="accent1"/>
+          </a:effectRef>
+          <a:fontRef idx="minor">
+            <a:schemeClr val="lt1"/>
+          </a:fontRef>
+        </p:style>
+        <p:txBody>
+          <a:bodyPr rtlCol="0" anchor="ctr"/>
+          <a:lstStyle/>
+          <a:p>
+            <a:pPr algn="ctr"/>
+            <a:r>
+              <a:rPr lang="en-US" altLang="zh-TW" dirty="0" smtClean="0"/>
+              <a:t>RateYo.js</a:t>
+            </a:r>
+            <a:endParaRPr lang="en-US" altLang="zh-TW" dirty="0" smtClean="0"/>
+          </a:p>
+        </p:txBody>
+      </p:sp>
+      <p:sp>
+        <p:nvSpPr>
+          <p:cNvPr id="6" name="矩形 5"/>
+          <p:cNvSpPr/>
+          <p:nvPr/>
+        </p:nvSpPr>
+        <p:spPr>
+          <a:xfrm>
+            <a:off x="1296019" y="3051246"/>
+            <a:ext cx="3131820" cy="766119"/>
+          </a:xfrm>
+          <a:prstGeom prst="rect">
+            <a:avLst/>
+          </a:prstGeom>
+        </p:spPr>
+        <p:style>
+          <a:lnRef idx="2">
+            <a:schemeClr val="accent1">
+              <a:shade val="50000"/>
+            </a:schemeClr>
+          </a:lnRef>
+          <a:fillRef idx="1">
+            <a:schemeClr val="accent1"/>
+          </a:fillRef>
+          <a:effectRef idx="0">
+            <a:schemeClr val="accent1"/>
+          </a:effectRef>
+          <a:fontRef idx="minor">
+            <a:schemeClr val="lt1"/>
+          </a:fontRef>
+        </p:style>
+        <p:txBody>
+          <a:bodyPr rtlCol="0" anchor="ctr"/>
+          <a:lstStyle/>
+          <a:p>
+            <a:pPr algn="ctr"/>
+            <a:r>
+              <a:rPr lang="en-US" altLang="zh-TW" dirty="0" smtClean="0"/>
+              <a:t>YelpSearch</a:t>
+            </a:r>
+            <a:r>
+              <a:rPr lang="en-US" altLang="zh-TW" dirty="0" smtClean="0"/>
+              <a:t>.java</a:t>
+            </a:r>
+            <a:endParaRPr lang="en-US" altLang="zh-TW" dirty="0" smtClean="0"/>
+          </a:p>
+        </p:txBody>
+      </p:sp>
+      <p:sp>
+        <p:nvSpPr>
+          <p:cNvPr id="7" name="矩形 6"/>
+          <p:cNvSpPr/>
+          <p:nvPr/>
+        </p:nvSpPr>
+        <p:spPr>
+          <a:xfrm>
+            <a:off x="4748679" y="4577621"/>
+            <a:ext cx="3131820" cy="766119"/>
+          </a:xfrm>
+          <a:prstGeom prst="rect">
+            <a:avLst/>
+          </a:prstGeom>
+        </p:spPr>
+        <p:style>
+          <a:lnRef idx="2">
+            <a:schemeClr val="accent1">
+              <a:shade val="50000"/>
+            </a:schemeClr>
+          </a:lnRef>
+          <a:fillRef idx="1">
+            <a:schemeClr val="accent1"/>
+          </a:fillRef>
+          <a:effectRef idx="0">
+            <a:schemeClr val="accent1"/>
+          </a:effectRef>
+          <a:fontRef idx="minor">
+            <a:schemeClr val="lt1"/>
+          </a:fontRef>
+        </p:style>
+        <p:txBody>
+          <a:bodyPr rtlCol="0" anchor="ctr"/>
+          <a:lstStyle/>
+          <a:p>
+            <a:pPr algn="ctr"/>
+            <a:r>
+              <a:rPr lang="en-US" altLang="zh-TW" dirty="0" smtClean="0"/>
+              <a:t>SearchHandlerServlet.java</a:t>
+            </a:r>
+            <a:endParaRPr lang="en-US" altLang="zh-TW" dirty="0" smtClean="0"/>
+          </a:p>
+        </p:txBody>
+      </p:sp>
+      <p:sp>
+        <p:nvSpPr>
+          <p:cNvPr id="9" name="矩形 8"/>
+          <p:cNvSpPr/>
+          <p:nvPr/>
+        </p:nvSpPr>
+        <p:spPr>
+          <a:xfrm>
+            <a:off x="1296019" y="4580552"/>
+            <a:ext cx="3131820" cy="766119"/>
+          </a:xfrm>
+          <a:prstGeom prst="rect">
+            <a:avLst/>
+          </a:prstGeom>
+        </p:spPr>
+        <p:style>
+          <a:lnRef idx="2">
+            <a:schemeClr val="accent1">
+              <a:shade val="50000"/>
+            </a:schemeClr>
+          </a:lnRef>
+          <a:fillRef idx="1">
+            <a:schemeClr val="accent1"/>
+          </a:fillRef>
+          <a:effectRef idx="0">
+            <a:schemeClr val="accent1"/>
+          </a:effectRef>
+          <a:fontRef idx="minor">
+            <a:schemeClr val="lt1"/>
+          </a:fontRef>
+        </p:style>
+        <p:txBody>
+          <a:bodyPr rtlCol="0" anchor="ctr"/>
+          <a:lstStyle/>
+          <a:p>
+            <a:pPr algn="ctr"/>
+            <a:r>
+              <a:rPr lang="en-US" altLang="zh-TW" dirty="0" smtClean="0"/>
+              <a:t>YelpBusiness.java</a:t>
+            </a:r>
+            <a:endParaRPr lang="en-US" altLang="zh-TW" dirty="0" smtClean="0"/>
+          </a:p>
+        </p:txBody>
+      </p:sp>
+      <p:sp>
+        <p:nvSpPr>
+          <p:cNvPr id="10" name="矩形 9"/>
+          <p:cNvSpPr/>
+          <p:nvPr/>
+        </p:nvSpPr>
+        <p:spPr>
+          <a:xfrm>
+            <a:off x="1296019" y="5343740"/>
+            <a:ext cx="3131820" cy="1430706"/>
+          </a:xfrm>
+          <a:prstGeom prst="rect">
+            <a:avLst/>
+          </a:prstGeom>
+        </p:spPr>
+        <p:style>
+          <a:lnRef idx="2">
+            <a:schemeClr val="accent1">
+              <a:shade val="50000"/>
+            </a:schemeClr>
+          </a:lnRef>
+          <a:fillRef idx="1">
+            <a:schemeClr val="accent1"/>
+          </a:fillRef>
+          <a:effectRef idx="0">
+            <a:schemeClr val="accent1"/>
+          </a:effectRef>
+          <a:fontRef idx="minor">
+            <a:schemeClr val="lt1"/>
+          </a:fontRef>
+        </p:style>
+        <p:txBody>
+          <a:bodyPr rtlCol="0" anchor="ctr"/>
+          <a:lstStyle/>
+          <a:p>
+            <a:r>
+              <a:rPr lang="en-US" altLang="zh-TW" dirty="0" err="1" smtClean="0"/>
+              <a:t>getBusinessID</a:t>
+            </a:r>
+            <a:r>
+              <a:rPr lang="en-US" altLang="zh-TW" dirty="0" smtClean="0"/>
+              <a:t>()</a:t>
+            </a:r>
+          </a:p>
+          <a:p>
+            <a:r>
+              <a:rPr lang="en-US" altLang="zh-TW" dirty="0" err="1" smtClean="0"/>
+              <a:t>getName</a:t>
+            </a:r>
+            <a:r>
+              <a:rPr lang="en-US" altLang="zh-TW" dirty="0" smtClean="0"/>
+              <a:t> ()</a:t>
+            </a:r>
+            <a:endParaRPr lang="en-US" altLang="zh-TW" dirty="0" smtClean="0"/>
+          </a:p>
+          <a:p>
+            <a:r>
+              <a:rPr lang="en-US" altLang="zh-TW" dirty="0" err="1" smtClean="0"/>
+              <a:t>getRating</a:t>
+            </a:r>
+            <a:r>
+              <a:rPr lang="en-US" altLang="zh-TW" dirty="0" smtClean="0"/>
+              <a:t>()</a:t>
+            </a:r>
+            <a:endParaRPr lang="en-US" altLang="zh-TW" dirty="0" smtClean="0"/>
+          </a:p>
+          <a:p>
+            <a:r>
+              <a:rPr lang="en-US" altLang="zh-TW" dirty="0" err="1" smtClean="0"/>
+              <a:t>getDistance</a:t>
+            </a:r>
+            <a:r>
+              <a:rPr lang="en-US" altLang="zh-TW" dirty="0" smtClean="0"/>
+              <a:t>()     ……..</a:t>
+            </a:r>
+            <a:endParaRPr lang="en-US" altLang="zh-TW" dirty="0" smtClean="0"/>
+          </a:p>
+        </p:txBody>
+      </p:sp>
+      <p:cxnSp>
+        <p:nvCxnSpPr>
+          <p:cNvPr id="12" name="直線單箭頭接點 11"/>
+          <p:cNvCxnSpPr>
+            <a:stCxn id="7" idx="0"/>
+            <a:endCxn id="4" idx="2"/>
+          </p:cNvCxnSpPr>
+          <p:nvPr/>
+        </p:nvCxnSpPr>
+        <p:spPr>
+          <a:xfrm flipV="1">
+            <a:off x="6314589" y="3817365"/>
+            <a:ext cx="0" cy="760256"/>
+          </a:xfrm>
+          <a:prstGeom prst="straightConnector1">
+            <a:avLst/>
+          </a:prstGeom>
+          <a:ln>
+            <a:tailEnd type="triangle"/>
+          </a:ln>
+        </p:spPr>
+        <p:style>
+          <a:lnRef idx="1">
+            <a:schemeClr val="accent1"/>
+          </a:lnRef>
+          <a:fillRef idx="0">
+            <a:schemeClr val="accent1"/>
+          </a:fillRef>
+          <a:effectRef idx="0">
+            <a:schemeClr val="accent1"/>
+          </a:effectRef>
+          <a:fontRef idx="minor">
+            <a:schemeClr val="tx1"/>
+          </a:fontRef>
+        </p:style>
+      </p:cxnSp>
+      <p:cxnSp>
+        <p:nvCxnSpPr>
+          <p:cNvPr id="13" name="直線單箭頭接點 12"/>
+          <p:cNvCxnSpPr>
+            <a:stCxn id="9" idx="0"/>
+            <a:endCxn id="6" idx="2"/>
+          </p:cNvCxnSpPr>
+          <p:nvPr/>
+        </p:nvCxnSpPr>
+        <p:spPr>
+          <a:xfrm flipV="1">
+            <a:off x="2861929" y="3817365"/>
+            <a:ext cx="0" cy="763187"/>
+          </a:xfrm>
+          <a:prstGeom prst="straightConnector1">
+            <a:avLst/>
+          </a:prstGeom>
+          <a:ln>
+            <a:tailEnd type="triangle"/>
+          </a:ln>
+        </p:spPr>
+        <p:style>
+          <a:lnRef idx="1">
+            <a:schemeClr val="accent1"/>
+          </a:lnRef>
+          <a:fillRef idx="0">
+            <a:schemeClr val="accent1"/>
+          </a:fillRef>
+          <a:effectRef idx="0">
+            <a:schemeClr val="accent1"/>
+          </a:effectRef>
+          <a:fontRef idx="minor">
+            <a:schemeClr val="tx1"/>
+          </a:fontRef>
+        </p:style>
+      </p:cxnSp>
+      <p:sp>
+        <p:nvSpPr>
+          <p:cNvPr id="15" name="矩形 14"/>
+          <p:cNvSpPr/>
+          <p:nvPr/>
+        </p:nvSpPr>
+        <p:spPr>
+          <a:xfrm>
+            <a:off x="4748679" y="1521940"/>
+            <a:ext cx="3131820" cy="766119"/>
+          </a:xfrm>
+          <a:prstGeom prst="rect">
+            <a:avLst/>
+          </a:prstGeom>
+        </p:spPr>
+        <p:style>
+          <a:lnRef idx="2">
+            <a:schemeClr val="accent1">
+              <a:shade val="50000"/>
+            </a:schemeClr>
+          </a:lnRef>
+          <a:fillRef idx="1">
+            <a:schemeClr val="accent1"/>
+          </a:fillRef>
+          <a:effectRef idx="0">
+            <a:schemeClr val="accent1"/>
+          </a:effectRef>
+          <a:fontRef idx="minor">
+            <a:schemeClr val="lt1"/>
+          </a:fontRef>
+        </p:style>
+        <p:txBody>
+          <a:bodyPr rtlCol="0" anchor="ctr"/>
+          <a:lstStyle/>
+          <a:p>
+            <a:pPr algn="ctr"/>
+            <a:r>
+              <a:rPr lang="en-US" altLang="zh-TW" dirty="0" err="1" smtClean="0"/>
+              <a:t>StandardTitle.jsp</a:t>
+            </a:r>
+            <a:endParaRPr lang="en-US" altLang="zh-TW" dirty="0" smtClean="0"/>
+          </a:p>
+        </p:txBody>
+      </p:sp>
+      <p:cxnSp>
+        <p:nvCxnSpPr>
+          <p:cNvPr id="16" name="肘形接點 15"/>
+          <p:cNvCxnSpPr>
+            <a:stCxn id="5" idx="0"/>
+            <a:endCxn id="15" idx="2"/>
+          </p:cNvCxnSpPr>
+          <p:nvPr/>
+        </p:nvCxnSpPr>
+        <p:spPr>
+          <a:xfrm rot="16200000" flipV="1">
+            <a:off x="7745053" y="857596"/>
+            <a:ext cx="763187" cy="3624113"/>
+          </a:xfrm>
+          <a:prstGeom prst="bentConnector3">
+            <a:avLst/>
+          </a:prstGeom>
+          <a:ln>
+            <a:tailEnd type="triangle"/>
+          </a:ln>
+        </p:spPr>
+        <p:style>
+          <a:lnRef idx="1">
+            <a:schemeClr val="accent1"/>
+          </a:lnRef>
+          <a:fillRef idx="0">
+            <a:schemeClr val="accent1"/>
+          </a:fillRef>
+          <a:effectRef idx="0">
+            <a:schemeClr val="accent1"/>
+          </a:effectRef>
+          <a:fontRef idx="minor">
+            <a:schemeClr val="tx1"/>
+          </a:fontRef>
+        </p:style>
+      </p:cxnSp>
+      <p:cxnSp>
+        <p:nvCxnSpPr>
+          <p:cNvPr id="17" name="肘形接點 16"/>
+          <p:cNvCxnSpPr>
+            <a:stCxn id="6" idx="0"/>
+            <a:endCxn id="15" idx="2"/>
+          </p:cNvCxnSpPr>
+          <p:nvPr/>
+        </p:nvCxnSpPr>
+        <p:spPr>
+          <a:xfrm rot="5400000" flipH="1" flipV="1">
+            <a:off x="4206666" y="943323"/>
+            <a:ext cx="763187" cy="3452660"/>
+          </a:xfrm>
+          <a:prstGeom prst="bentConnector3">
+            <a:avLst/>
+          </a:prstGeom>
+          <a:ln>
+            <a:tailEnd type="triangle"/>
+          </a:ln>
+        </p:spPr>
+        <p:style>
+          <a:lnRef idx="1">
+            <a:schemeClr val="accent1"/>
+          </a:lnRef>
+          <a:fillRef idx="0">
+            <a:schemeClr val="accent1"/>
+          </a:fillRef>
+          <a:effectRef idx="0">
+            <a:schemeClr val="accent1"/>
+          </a:effectRef>
+          <a:fontRef idx="minor">
+            <a:schemeClr val="tx1"/>
+          </a:fontRef>
+        </p:style>
+      </p:cxnSp>
+      <p:cxnSp>
+        <p:nvCxnSpPr>
+          <p:cNvPr id="18" name="直線單箭頭接點 17"/>
+          <p:cNvCxnSpPr>
+            <a:stCxn id="4" idx="0"/>
+            <a:endCxn id="15" idx="2"/>
+          </p:cNvCxnSpPr>
+          <p:nvPr/>
+        </p:nvCxnSpPr>
+        <p:spPr>
+          <a:xfrm flipV="1">
+            <a:off x="6314589" y="2288059"/>
+            <a:ext cx="0" cy="763187"/>
+          </a:xfrm>
+          <a:prstGeom prst="straightConnector1">
+            <a:avLst/>
+          </a:prstGeom>
+          <a:ln>
+            <a:tailEnd type="triangle"/>
+          </a:ln>
+        </p:spPr>
+        <p:style>
+          <a:lnRef idx="1">
+            <a:schemeClr val="accent1"/>
+          </a:lnRef>
+          <a:fillRef idx="0">
+            <a:schemeClr val="accent1"/>
+          </a:fillRef>
+          <a:effectRef idx="0">
+            <a:schemeClr val="accent1"/>
+          </a:effectRef>
+          <a:fontRef idx="minor">
+            <a:schemeClr val="tx1"/>
+          </a:fontRef>
+        </p:style>
+      </p:cxnSp>
+    </p:spTree>
+    <p:extLst>
+      <p:ext uri="{BB962C8B-B14F-4D97-AF65-F5344CB8AC3E}">
+        <p14:creationId xmlns:p14="http://schemas.microsoft.com/office/powerpoint/2010/main" val="3310416342"/>
+      </p:ext>
+    </p:extLst>
+  </p:cSld>
+  <p:clrMapOvr>
+    <a:masterClrMapping/>
+  </p:clrMapOvr>
+</p:sld>
+</file>
+
+<file path=ppt/slides/slide33.xml><?xml version="1.0" encoding="utf-8"?>
+<p:sld xmlns:a="http://schemas.openxmlformats.org/drawingml/2006/main" xmlns:r="http://schemas.openxmlformats.org/officeDocument/2006/relationships" xmlns:p="http://schemas.openxmlformats.org/presentationml/2006/main">
+  <p:cSld>
+    <p:spTree>
+      <p:nvGrpSpPr>
+        <p:cNvPr id="1" name=""/>
+        <p:cNvGrpSpPr/>
+        <p:nvPr/>
+      </p:nvGrpSpPr>
+      <p:grpSpPr>
+        <a:xfrm>
+          <a:off x="0" y="0"/>
+          <a:ext cx="0" cy="0"/>
+          <a:chOff x="0" y="0"/>
+          <a:chExt cx="0" cy="0"/>
+        </a:xfrm>
+      </p:grpSpPr>
+      <p:sp>
+        <p:nvSpPr>
+          <p:cNvPr id="2" name="標題 1"/>
+          <p:cNvSpPr>
+            <a:spLocks noGrp="1"/>
+          </p:cNvSpPr>
+          <p:nvPr>
+            <p:ph type="title"/>
+          </p:nvPr>
+        </p:nvSpPr>
+        <p:spPr/>
+        <p:txBody>
+          <a:bodyPr/>
+          <a:lstStyle/>
+          <a:p>
+            <a:r>
+              <a:rPr lang="zh-TW" altLang="en-US" dirty="0"/>
+              <a:t>類別圖 </a:t>
+            </a:r>
+            <a:r>
+              <a:rPr lang="en-US" altLang="zh-TW" dirty="0" smtClean="0"/>
+              <a:t>–</a:t>
+            </a:r>
+            <a:r>
+              <a:rPr lang="zh-TW" altLang="en-US" dirty="0" smtClean="0"/>
+              <a:t>收藏</a:t>
+            </a:r>
+            <a:endParaRPr lang="zh-TW" altLang="en-US" dirty="0"/>
+          </a:p>
+        </p:txBody>
+      </p:sp>
+      <p:sp>
+        <p:nvSpPr>
+          <p:cNvPr id="3" name="內容版面配置區 2"/>
+          <p:cNvSpPr>
+            <a:spLocks noGrp="1"/>
+          </p:cNvSpPr>
+          <p:nvPr>
+            <p:ph idx="1"/>
+          </p:nvPr>
+        </p:nvSpPr>
+        <p:spPr/>
+        <p:txBody>
+          <a:bodyPr/>
+          <a:lstStyle/>
+          <a:p>
+            <a:endParaRPr lang="zh-TW" altLang="en-US" dirty="0"/>
+          </a:p>
+        </p:txBody>
+      </p:sp>
+      <p:sp>
+        <p:nvSpPr>
+          <p:cNvPr id="4" name="矩形 3"/>
+          <p:cNvSpPr/>
+          <p:nvPr/>
+        </p:nvSpPr>
+        <p:spPr>
+          <a:xfrm>
+            <a:off x="4748679" y="3051246"/>
+            <a:ext cx="3131820" cy="766119"/>
+          </a:xfrm>
+          <a:prstGeom prst="rect">
+            <a:avLst/>
+          </a:prstGeom>
+        </p:spPr>
+        <p:style>
+          <a:lnRef idx="2">
+            <a:schemeClr val="accent1">
+              <a:shade val="50000"/>
+            </a:schemeClr>
+          </a:lnRef>
+          <a:fillRef idx="1">
+            <a:schemeClr val="accent1"/>
+          </a:fillRef>
+          <a:effectRef idx="0">
+            <a:schemeClr val="accent1"/>
+          </a:effectRef>
+          <a:fontRef idx="minor">
+            <a:schemeClr val="lt1"/>
+          </a:fontRef>
+        </p:style>
+        <p:txBody>
+          <a:bodyPr rtlCol="0" anchor="ctr"/>
+          <a:lstStyle/>
+          <a:p>
+            <a:pPr algn="ctr"/>
+            <a:r>
+              <a:rPr lang="en-US" altLang="zh-TW" dirty="0" smtClean="0"/>
+              <a:t>CollectShowServlet.java</a:t>
+            </a:r>
+            <a:endParaRPr lang="en-US" altLang="zh-TW" dirty="0" smtClean="0"/>
+          </a:p>
+        </p:txBody>
+      </p:sp>
+      <p:sp>
+        <p:nvSpPr>
+          <p:cNvPr id="5" name="矩形 4"/>
+          <p:cNvSpPr/>
+          <p:nvPr/>
+        </p:nvSpPr>
+        <p:spPr>
+          <a:xfrm>
+            <a:off x="8372792" y="3051246"/>
+            <a:ext cx="3131820" cy="766119"/>
+          </a:xfrm>
+          <a:prstGeom prst="rect">
+            <a:avLst/>
+          </a:prstGeom>
+        </p:spPr>
+        <p:style>
+          <a:lnRef idx="2">
+            <a:schemeClr val="accent1">
+              <a:shade val="50000"/>
+            </a:schemeClr>
+          </a:lnRef>
+          <a:fillRef idx="1">
+            <a:schemeClr val="accent1"/>
+          </a:fillRef>
+          <a:effectRef idx="0">
+            <a:schemeClr val="accent1"/>
+          </a:effectRef>
+          <a:fontRef idx="minor">
+            <a:schemeClr val="lt1"/>
+          </a:fontRef>
+        </p:style>
+        <p:txBody>
+          <a:bodyPr rtlCol="0" anchor="ctr"/>
+          <a:lstStyle/>
+          <a:p>
+            <a:pPr algn="ctr"/>
+            <a:r>
+              <a:rPr lang="en-US" altLang="zh-TW" dirty="0" smtClean="0"/>
+              <a:t>RateYo.js</a:t>
+            </a:r>
+            <a:endParaRPr lang="en-US" altLang="zh-TW" dirty="0" smtClean="0"/>
+          </a:p>
+        </p:txBody>
+      </p:sp>
+      <p:sp>
+        <p:nvSpPr>
+          <p:cNvPr id="6" name="矩形 5"/>
+          <p:cNvSpPr/>
+          <p:nvPr/>
+        </p:nvSpPr>
+        <p:spPr>
+          <a:xfrm>
+            <a:off x="1296019" y="3051246"/>
+            <a:ext cx="3131820" cy="766119"/>
+          </a:xfrm>
+          <a:prstGeom prst="rect">
+            <a:avLst/>
+          </a:prstGeom>
+        </p:spPr>
+        <p:style>
+          <a:lnRef idx="2">
+            <a:schemeClr val="accent1">
+              <a:shade val="50000"/>
+            </a:schemeClr>
+          </a:lnRef>
+          <a:fillRef idx="1">
+            <a:schemeClr val="accent1"/>
+          </a:fillRef>
+          <a:effectRef idx="0">
+            <a:schemeClr val="accent1"/>
+          </a:effectRef>
+          <a:fontRef idx="minor">
+            <a:schemeClr val="lt1"/>
+          </a:fontRef>
+        </p:style>
+        <p:txBody>
+          <a:bodyPr rtlCol="0" anchor="ctr"/>
+          <a:lstStyle/>
+          <a:p>
+            <a:pPr algn="ctr"/>
+            <a:r>
+              <a:rPr lang="en-US" altLang="zh-TW" dirty="0" smtClean="0"/>
+              <a:t>YelpSearch</a:t>
+            </a:r>
+            <a:r>
+              <a:rPr lang="en-US" altLang="zh-TW" dirty="0" smtClean="0"/>
+              <a:t>.java</a:t>
+            </a:r>
+            <a:endParaRPr lang="en-US" altLang="zh-TW" dirty="0" smtClean="0"/>
+          </a:p>
+        </p:txBody>
+      </p:sp>
+      <p:sp>
+        <p:nvSpPr>
+          <p:cNvPr id="8" name="矩形 7"/>
+          <p:cNvSpPr/>
+          <p:nvPr/>
+        </p:nvSpPr>
+        <p:spPr>
+          <a:xfrm>
+            <a:off x="1296019" y="4580552"/>
+            <a:ext cx="3131820" cy="766119"/>
+          </a:xfrm>
+          <a:prstGeom prst="rect">
+            <a:avLst/>
+          </a:prstGeom>
+        </p:spPr>
+        <p:style>
+          <a:lnRef idx="2">
+            <a:schemeClr val="accent1">
+              <a:shade val="50000"/>
+            </a:schemeClr>
+          </a:lnRef>
+          <a:fillRef idx="1">
+            <a:schemeClr val="accent1"/>
+          </a:fillRef>
+          <a:effectRef idx="0">
+            <a:schemeClr val="accent1"/>
+          </a:effectRef>
+          <a:fontRef idx="minor">
+            <a:schemeClr val="lt1"/>
+          </a:fontRef>
+        </p:style>
+        <p:txBody>
+          <a:bodyPr rtlCol="0" anchor="ctr"/>
+          <a:lstStyle/>
+          <a:p>
+            <a:pPr algn="ctr"/>
+            <a:r>
+              <a:rPr lang="en-US" altLang="zh-TW" dirty="0" smtClean="0"/>
+              <a:t>YelpBusiness.java</a:t>
+            </a:r>
+            <a:endParaRPr lang="en-US" altLang="zh-TW" dirty="0" smtClean="0"/>
+          </a:p>
+        </p:txBody>
+      </p:sp>
+      <p:sp>
+        <p:nvSpPr>
+          <p:cNvPr id="9" name="矩形 8"/>
+          <p:cNvSpPr/>
+          <p:nvPr/>
+        </p:nvSpPr>
+        <p:spPr>
+          <a:xfrm>
+            <a:off x="1296019" y="5343740"/>
+            <a:ext cx="3131820" cy="1430706"/>
+          </a:xfrm>
+          <a:prstGeom prst="rect">
+            <a:avLst/>
+          </a:prstGeom>
+        </p:spPr>
+        <p:style>
+          <a:lnRef idx="2">
+            <a:schemeClr val="accent1">
+              <a:shade val="50000"/>
+            </a:schemeClr>
+          </a:lnRef>
+          <a:fillRef idx="1">
+            <a:schemeClr val="accent1"/>
+          </a:fillRef>
+          <a:effectRef idx="0">
+            <a:schemeClr val="accent1"/>
+          </a:effectRef>
+          <a:fontRef idx="minor">
+            <a:schemeClr val="lt1"/>
+          </a:fontRef>
+        </p:style>
+        <p:txBody>
+          <a:bodyPr rtlCol="0" anchor="ctr"/>
+          <a:lstStyle/>
+          <a:p>
+            <a:r>
+              <a:rPr lang="en-US" altLang="zh-TW" dirty="0" err="1" smtClean="0"/>
+              <a:t>getBusinessID</a:t>
+            </a:r>
+            <a:r>
+              <a:rPr lang="en-US" altLang="zh-TW" dirty="0" smtClean="0"/>
+              <a:t>()</a:t>
+            </a:r>
+          </a:p>
+          <a:p>
+            <a:r>
+              <a:rPr lang="en-US" altLang="zh-TW" dirty="0" err="1" smtClean="0"/>
+              <a:t>getName</a:t>
+            </a:r>
+            <a:r>
+              <a:rPr lang="en-US" altLang="zh-TW" dirty="0" smtClean="0"/>
+              <a:t> ()</a:t>
+            </a:r>
+            <a:endParaRPr lang="en-US" altLang="zh-TW" dirty="0" smtClean="0"/>
+          </a:p>
+          <a:p>
+            <a:r>
+              <a:rPr lang="en-US" altLang="zh-TW" dirty="0" err="1" smtClean="0"/>
+              <a:t>getRating</a:t>
+            </a:r>
+            <a:r>
+              <a:rPr lang="en-US" altLang="zh-TW" dirty="0" smtClean="0"/>
+              <a:t>()</a:t>
+            </a:r>
+            <a:endParaRPr lang="en-US" altLang="zh-TW" dirty="0" smtClean="0"/>
+          </a:p>
+          <a:p>
+            <a:r>
+              <a:rPr lang="en-US" altLang="zh-TW" dirty="0" err="1" smtClean="0"/>
+              <a:t>getDistance</a:t>
+            </a:r>
+            <a:r>
+              <a:rPr lang="en-US" altLang="zh-TW" dirty="0" smtClean="0"/>
+              <a:t>()     ……..</a:t>
+            </a:r>
+            <a:endParaRPr lang="en-US" altLang="zh-TW" dirty="0" smtClean="0"/>
+          </a:p>
+        </p:txBody>
+      </p:sp>
+      <p:cxnSp>
+        <p:nvCxnSpPr>
+          <p:cNvPr id="11" name="直線單箭頭接點 10"/>
+          <p:cNvCxnSpPr>
+            <a:stCxn id="8" idx="0"/>
+            <a:endCxn id="6" idx="2"/>
+          </p:cNvCxnSpPr>
+          <p:nvPr/>
+        </p:nvCxnSpPr>
+        <p:spPr>
+          <a:xfrm flipV="1">
+            <a:off x="2861929" y="3817365"/>
+            <a:ext cx="0" cy="763187"/>
+          </a:xfrm>
+          <a:prstGeom prst="straightConnector1">
+            <a:avLst/>
+          </a:prstGeom>
+          <a:ln>
+            <a:tailEnd type="triangle"/>
+          </a:ln>
+        </p:spPr>
+        <p:style>
+          <a:lnRef idx="1">
+            <a:schemeClr val="accent1"/>
+          </a:lnRef>
+          <a:fillRef idx="0">
+            <a:schemeClr val="accent1"/>
+          </a:fillRef>
+          <a:effectRef idx="0">
+            <a:schemeClr val="accent1"/>
+          </a:effectRef>
+          <a:fontRef idx="minor">
+            <a:schemeClr val="tx1"/>
+          </a:fontRef>
+        </p:style>
+      </p:cxnSp>
+      <p:sp>
+        <p:nvSpPr>
+          <p:cNvPr id="12" name="矩形 11"/>
+          <p:cNvSpPr/>
+          <p:nvPr/>
+        </p:nvSpPr>
+        <p:spPr>
+          <a:xfrm>
+            <a:off x="4748679" y="1521940"/>
+            <a:ext cx="3131820" cy="766119"/>
+          </a:xfrm>
+          <a:prstGeom prst="rect">
+            <a:avLst/>
+          </a:prstGeom>
+        </p:spPr>
+        <p:style>
+          <a:lnRef idx="2">
+            <a:schemeClr val="accent1">
+              <a:shade val="50000"/>
+            </a:schemeClr>
+          </a:lnRef>
+          <a:fillRef idx="1">
+            <a:schemeClr val="accent1"/>
+          </a:fillRef>
+          <a:effectRef idx="0">
+            <a:schemeClr val="accent1"/>
+          </a:effectRef>
+          <a:fontRef idx="minor">
+            <a:schemeClr val="lt1"/>
+          </a:fontRef>
+        </p:style>
+        <p:txBody>
+          <a:bodyPr rtlCol="0" anchor="ctr"/>
+          <a:lstStyle/>
+          <a:p>
+            <a:pPr algn="ctr"/>
+            <a:r>
+              <a:rPr lang="en-US" altLang="zh-TW" dirty="0" err="1" smtClean="0"/>
+              <a:t>StandardTitle.jsp</a:t>
+            </a:r>
+            <a:endParaRPr lang="en-US" altLang="zh-TW" dirty="0" smtClean="0"/>
+          </a:p>
+        </p:txBody>
+      </p:sp>
+      <p:cxnSp>
+        <p:nvCxnSpPr>
+          <p:cNvPr id="13" name="肘形接點 12"/>
+          <p:cNvCxnSpPr>
+            <a:stCxn id="5" idx="0"/>
+            <a:endCxn id="12" idx="2"/>
+          </p:cNvCxnSpPr>
+          <p:nvPr/>
+        </p:nvCxnSpPr>
+        <p:spPr>
+          <a:xfrm rot="16200000" flipV="1">
+            <a:off x="7745053" y="857596"/>
+            <a:ext cx="763187" cy="3624113"/>
+          </a:xfrm>
+          <a:prstGeom prst="bentConnector3">
+            <a:avLst/>
+          </a:prstGeom>
+          <a:ln>
+            <a:tailEnd type="triangle"/>
+          </a:ln>
+        </p:spPr>
+        <p:style>
+          <a:lnRef idx="1">
+            <a:schemeClr val="accent1"/>
+          </a:lnRef>
+          <a:fillRef idx="0">
+            <a:schemeClr val="accent1"/>
+          </a:fillRef>
+          <a:effectRef idx="0">
+            <a:schemeClr val="accent1"/>
+          </a:effectRef>
+          <a:fontRef idx="minor">
+            <a:schemeClr val="tx1"/>
+          </a:fontRef>
+        </p:style>
+      </p:cxnSp>
+      <p:cxnSp>
+        <p:nvCxnSpPr>
+          <p:cNvPr id="14" name="肘形接點 13"/>
+          <p:cNvCxnSpPr>
+            <a:stCxn id="6" idx="0"/>
+            <a:endCxn id="12" idx="2"/>
+          </p:cNvCxnSpPr>
+          <p:nvPr/>
+        </p:nvCxnSpPr>
+        <p:spPr>
+          <a:xfrm rot="5400000" flipH="1" flipV="1">
+            <a:off x="4206666" y="943323"/>
+            <a:ext cx="763187" cy="3452660"/>
+          </a:xfrm>
+          <a:prstGeom prst="bentConnector3">
+            <a:avLst/>
+          </a:prstGeom>
+          <a:ln>
+            <a:tailEnd type="triangle"/>
+          </a:ln>
+        </p:spPr>
+        <p:style>
+          <a:lnRef idx="1">
+            <a:schemeClr val="accent1"/>
+          </a:lnRef>
+          <a:fillRef idx="0">
+            <a:schemeClr val="accent1"/>
+          </a:fillRef>
+          <a:effectRef idx="0">
+            <a:schemeClr val="accent1"/>
+          </a:effectRef>
+          <a:fontRef idx="minor">
+            <a:schemeClr val="tx1"/>
+          </a:fontRef>
+        </p:style>
+      </p:cxnSp>
+      <p:cxnSp>
+        <p:nvCxnSpPr>
+          <p:cNvPr id="15" name="直線單箭頭接點 14"/>
+          <p:cNvCxnSpPr>
+            <a:stCxn id="4" idx="0"/>
+            <a:endCxn id="12" idx="2"/>
+          </p:cNvCxnSpPr>
+          <p:nvPr/>
+        </p:nvCxnSpPr>
+        <p:spPr>
+          <a:xfrm flipV="1">
+            <a:off x="6314589" y="2288059"/>
+            <a:ext cx="0" cy="763187"/>
+          </a:xfrm>
+          <a:prstGeom prst="straightConnector1">
+            <a:avLst/>
+          </a:prstGeom>
+          <a:ln>
+            <a:tailEnd type="triangle"/>
+          </a:ln>
+        </p:spPr>
+        <p:style>
+          <a:lnRef idx="1">
+            <a:schemeClr val="accent1"/>
+          </a:lnRef>
+          <a:fillRef idx="0">
+            <a:schemeClr val="accent1"/>
+          </a:fillRef>
+          <a:effectRef idx="0">
+            <a:schemeClr val="accent1"/>
+          </a:effectRef>
+          <a:fontRef idx="minor">
+            <a:schemeClr val="tx1"/>
+          </a:fontRef>
+        </p:style>
+      </p:cxnSp>
+    </p:spTree>
+    <p:extLst>
+      <p:ext uri="{BB962C8B-B14F-4D97-AF65-F5344CB8AC3E}">
+        <p14:creationId xmlns:p14="http://schemas.microsoft.com/office/powerpoint/2010/main" val="3592680247"/>
       </p:ext>
     </p:extLst>
   </p:cSld>
@@ -21758,7 +25898,7 @@
               <a:t>(</a:t>
             </a:r>
             <a:r>
-              <a:rPr lang="zh-TW" altLang="en-US" smtClean="0"/>
+              <a:rPr lang="zh-TW" altLang="en-US" dirty="0" smtClean="0"/>
               <a:t>再說甚麼啦</a:t>
             </a:r>
             <a:endParaRPr lang="en-US" altLang="zh-TW" dirty="0" smtClean="0"/>
@@ -21769,6 +25909,147 @@
     <p:extLst>
       <p:ext uri="{BB962C8B-B14F-4D97-AF65-F5344CB8AC3E}">
         <p14:creationId xmlns:p14="http://schemas.microsoft.com/office/powerpoint/2010/main" val="1393755720"/>
+      </p:ext>
+    </p:extLst>
+  </p:cSld>
+  <p:clrMapOvr>
+    <a:masterClrMapping/>
+  </p:clrMapOvr>
+</p:sld>
+</file>
+
+<file path=ppt/slides/slide46.xml><?xml version="1.0" encoding="utf-8"?>
+<p:sld xmlns:a="http://schemas.openxmlformats.org/drawingml/2006/main" xmlns:r="http://schemas.openxmlformats.org/officeDocument/2006/relationships" xmlns:p="http://schemas.openxmlformats.org/presentationml/2006/main">
+  <p:cSld>
+    <p:spTree>
+      <p:nvGrpSpPr>
+        <p:cNvPr id="1" name=""/>
+        <p:cNvGrpSpPr/>
+        <p:nvPr/>
+      </p:nvGrpSpPr>
+      <p:grpSpPr>
+        <a:xfrm>
+          <a:off x="0" y="0"/>
+          <a:ext cx="0" cy="0"/>
+          <a:chOff x="0" y="0"/>
+          <a:chExt cx="0" cy="0"/>
+        </a:xfrm>
+      </p:grpSpPr>
+      <p:sp>
+        <p:nvSpPr>
+          <p:cNvPr id="2" name="標題 1"/>
+          <p:cNvSpPr>
+            <a:spLocks noGrp="1"/>
+          </p:cNvSpPr>
+          <p:nvPr>
+            <p:ph type="title"/>
+          </p:nvPr>
+        </p:nvSpPr>
+        <p:spPr/>
+        <p:txBody>
+          <a:bodyPr/>
+          <a:lstStyle/>
+          <a:p>
+            <a:r>
+              <a:rPr lang="zh-TW" altLang="en-US" dirty="0"/>
+              <a:t>心得 </a:t>
+            </a:r>
+            <a:r>
+              <a:rPr lang="en-US" altLang="zh-TW" dirty="0"/>
+              <a:t>–</a:t>
+            </a:r>
+            <a:r>
+              <a:rPr lang="zh-TW" altLang="en-US" dirty="0" smtClean="0"/>
+              <a:t> </a:t>
+            </a:r>
+            <a:r>
+              <a:rPr lang="zh-TW" altLang="en-US" dirty="0"/>
+              <a:t>吉天仲</a:t>
+            </a:r>
+          </a:p>
+        </p:txBody>
+      </p:sp>
+      <p:sp>
+        <p:nvSpPr>
+          <p:cNvPr id="3" name="內容版面配置區 2"/>
+          <p:cNvSpPr>
+            <a:spLocks noGrp="1"/>
+          </p:cNvSpPr>
+          <p:nvPr>
+            <p:ph idx="1"/>
+          </p:nvPr>
+        </p:nvSpPr>
+        <p:spPr/>
+        <p:txBody>
+          <a:bodyPr/>
+          <a:lstStyle/>
+          <a:p>
+            <a:r>
+              <a:rPr lang="zh-TW" altLang="en-US" dirty="0" smtClean="0"/>
+              <a:t>這真的算是我大學以來做的最大的一個專案了，雖然功能做出來並不亮眼，但背後的工程卻是非常浩大。</a:t>
+            </a:r>
+            <a:endParaRPr lang="en-US" altLang="zh-TW" dirty="0" smtClean="0"/>
+          </a:p>
+          <a:p>
+            <a:r>
+              <a:rPr lang="zh-TW" altLang="en-US" dirty="0" smtClean="0"/>
+              <a:t>有這次的機會，我才了解到分工的重要以及</a:t>
+            </a:r>
+            <a:r>
+              <a:rPr lang="en-US" altLang="zh-TW" dirty="0" smtClean="0"/>
+              <a:t>YELP</a:t>
+            </a:r>
+            <a:r>
+              <a:rPr lang="zh-TW" altLang="en-US" dirty="0" smtClean="0"/>
+              <a:t> </a:t>
+            </a:r>
+            <a:r>
+              <a:rPr lang="en-US" altLang="zh-TW" dirty="0" smtClean="0"/>
+              <a:t>API</a:t>
+            </a:r>
+            <a:r>
+              <a:rPr lang="zh-TW" altLang="en-US" dirty="0" smtClean="0"/>
+              <a:t>這個東西，雖然路程非常顛簸和崎嶇，但最後還是靠著大家的同心協力完成了這次的作品。</a:t>
+            </a:r>
+            <a:endParaRPr lang="en-US" altLang="zh-TW" dirty="0" smtClean="0"/>
+          </a:p>
+          <a:p>
+            <a:r>
+              <a:rPr lang="zh-TW" altLang="en-US" dirty="0" smtClean="0"/>
+              <a:t>另外我想說，</a:t>
+            </a:r>
+            <a:r>
+              <a:rPr lang="en-US" altLang="zh-TW" dirty="0" smtClean="0"/>
+              <a:t>GOOGLE</a:t>
+            </a:r>
+            <a:r>
+              <a:rPr lang="zh-TW" altLang="en-US" dirty="0" smtClean="0"/>
+              <a:t> </a:t>
+            </a:r>
+            <a:r>
+              <a:rPr lang="en-US" altLang="zh-TW" dirty="0" smtClean="0"/>
+              <a:t>API</a:t>
+            </a:r>
+            <a:r>
+              <a:rPr lang="zh-TW" altLang="en-US" dirty="0" smtClean="0"/>
+              <a:t>真的是個強大的東西，幾乎所有功能都寫好了，只要研究如何去取用他就好了，</a:t>
+            </a:r>
+            <a:r>
+              <a:rPr lang="en-US" altLang="zh-TW" dirty="0" smtClean="0"/>
+              <a:t>OP</a:t>
+            </a:r>
+            <a:r>
+              <a:rPr lang="zh-TW" altLang="en-US" smtClean="0"/>
+              <a:t>。</a:t>
+            </a:r>
+            <a:endParaRPr lang="en-US" altLang="zh-TW" smtClean="0"/>
+          </a:p>
+        </p:txBody>
+      </p:sp>
+    </p:spTree>
+    <p:extLst>
+      <p:ext uri="{BB962C8B-B14F-4D97-AF65-F5344CB8AC3E}">
+        <p14:creationId xmlns:p14="http://schemas.microsoft.com/office/powerpoint/2010/main" val="3795872238"/>
       </p:ext>
     </p:extLst>
   </p:cSld>
